--- a/MMCFP.pptx
+++ b/MMCFP.pptx
@@ -16,9 +16,10 @@
     <p:sldId id="264" r:id="rId10"/>
     <p:sldId id="266" r:id="rId11"/>
     <p:sldId id="268" r:id="rId12"/>
-    <p:sldId id="263" r:id="rId13"/>
+    <p:sldId id="270" r:id="rId13"/>
     <p:sldId id="262" r:id="rId14"/>
     <p:sldId id="269" r:id="rId15"/>
+    <p:sldId id="271" r:id="rId16"/>
   </p:sldIdLst>
   <p:sldSz cx="12192000" cy="6858000"/>
   <p:notesSz cx="6858000" cy="9144000"/>
@@ -3408,7 +3409,7 @@
           <a:p>
             <a:r>
               <a:rPr lang="en-US" dirty="0"/>
-              <a:t>Maximum Multi Commodity Flow Problem Approximation Scheme</a:t>
+              <a:t>Maximum Multi Commodity Flow Problem (Approximation Scheme)</a:t>
             </a:r>
             <a:br>
               <a:rPr lang="en-US" dirty="0"/>
@@ -3488,21 +3489,41 @@
             <p:ph idx="1"/>
           </p:nvPr>
         </p:nvSpPr>
-        <p:spPr/>
+        <p:spPr>
+          <a:xfrm>
+            <a:off x="838200" y="365125"/>
+            <a:ext cx="10515600" cy="5811838"/>
+          </a:xfrm>
+        </p:spPr>
         <p:txBody>
           <a:bodyPr/>
           <a:lstStyle/>
           <a:p>
-            <a:endParaRPr lang="de-DE" dirty="0"/>
+            <a:pPr marL="0" indent="0">
+              <a:buNone/>
+            </a:pPr>
+            <a:r>
+              <a:rPr lang="en-GB" dirty="0">
+                <a:solidFill>
+                  <a:srgbClr val="FF0000"/>
+                </a:solidFill>
+              </a:rPr>
+              <a:t>flow</a:t>
+            </a:r>
+            <a:endParaRPr lang="de-DE" dirty="0">
+              <a:solidFill>
+                <a:srgbClr val="FF0000"/>
+              </a:solidFill>
+            </a:endParaRPr>
           </a:p>
         </p:txBody>
       </p:sp>
       <p:sp>
         <p:nvSpPr>
-          <p:cNvPr id="4" name="Rechteck 3">
-            <a:extLst>
-              <a:ext uri="{FF2B5EF4-FFF2-40B4-BE49-F238E27FC236}">
-                <a16:creationId xmlns:a16="http://schemas.microsoft.com/office/drawing/2014/main" id="{B92379E7-A432-4591-89AE-F72A183D3BA1}"/>
+          <p:cNvPr id="21" name="Rechteck 20">
+            <a:extLst>
+              <a:ext uri="{FF2B5EF4-FFF2-40B4-BE49-F238E27FC236}">
+                <a16:creationId xmlns:a16="http://schemas.microsoft.com/office/drawing/2014/main" id="{67C07F2E-22E2-4B87-B71C-FA0C6622DDA1}"/>
               </a:ext>
             </a:extLst>
           </p:cNvPr>
@@ -3511,7 +3532,7 @@
         </p:nvSpPr>
         <p:spPr>
           <a:xfrm>
-            <a:off x="1660124" y="2583404"/>
+            <a:off x="2916269" y="2735640"/>
             <a:ext cx="807868" cy="648069"/>
           </a:xfrm>
           <a:prstGeom prst="rect">
@@ -3549,10 +3570,10 @@
       </p:sp>
       <p:sp>
         <p:nvSpPr>
-          <p:cNvPr id="5" name="Rechteck 4">
-            <a:extLst>
-              <a:ext uri="{FF2B5EF4-FFF2-40B4-BE49-F238E27FC236}">
-                <a16:creationId xmlns:a16="http://schemas.microsoft.com/office/drawing/2014/main" id="{BDF3770E-A723-4F4E-BDE3-553B88A16B15}"/>
+          <p:cNvPr id="22" name="Rechteck 21">
+            <a:extLst>
+              <a:ext uri="{FF2B5EF4-FFF2-40B4-BE49-F238E27FC236}">
+                <a16:creationId xmlns:a16="http://schemas.microsoft.com/office/drawing/2014/main" id="{A7B0ACDD-3523-45DA-B46F-F137D05F6EC4}"/>
               </a:ext>
             </a:extLst>
           </p:cNvPr>
@@ -3561,7 +3582,7 @@
         </p:nvSpPr>
         <p:spPr>
           <a:xfrm>
-            <a:off x="3446016" y="2583403"/>
+            <a:off x="4908660" y="2735635"/>
             <a:ext cx="807868" cy="648069"/>
           </a:xfrm>
           <a:prstGeom prst="rect">
@@ -3599,10 +3620,10 @@
       </p:sp>
       <p:sp>
         <p:nvSpPr>
-          <p:cNvPr id="6" name="Rechteck 5">
-            <a:extLst>
-              <a:ext uri="{FF2B5EF4-FFF2-40B4-BE49-F238E27FC236}">
-                <a16:creationId xmlns:a16="http://schemas.microsoft.com/office/drawing/2014/main" id="{3DF88EE5-681B-444A-B33B-B51F43C39A20}"/>
+          <p:cNvPr id="23" name="Rechteck 22">
+            <a:extLst>
+              <a:ext uri="{FF2B5EF4-FFF2-40B4-BE49-F238E27FC236}">
+                <a16:creationId xmlns:a16="http://schemas.microsoft.com/office/drawing/2014/main" id="{D0A976D6-CEFF-4AB6-8D0C-85F14D3BF250}"/>
               </a:ext>
             </a:extLst>
           </p:cNvPr>
@@ -3611,7 +3632,7 @@
         </p:nvSpPr>
         <p:spPr>
           <a:xfrm>
-            <a:off x="3446016" y="4056146"/>
+            <a:off x="6947909" y="2724312"/>
             <a:ext cx="807868" cy="648069"/>
           </a:xfrm>
           <a:prstGeom prst="rect">
@@ -3641,7 +3662,7 @@
             <a:pPr algn="ctr"/>
             <a:r>
               <a:rPr lang="en-GB" dirty="0"/>
-              <a:t>f</a:t>
+              <a:t>c</a:t>
             </a:r>
             <a:endParaRPr lang="de-DE" dirty="0"/>
           </a:p>
@@ -3649,10 +3670,10 @@
       </p:sp>
       <p:sp>
         <p:nvSpPr>
-          <p:cNvPr id="7" name="Rechteck 6">
-            <a:extLst>
-              <a:ext uri="{FF2B5EF4-FFF2-40B4-BE49-F238E27FC236}">
-                <a16:creationId xmlns:a16="http://schemas.microsoft.com/office/drawing/2014/main" id="{875E4D24-3D60-41A3-AA82-3A9D8CF818ED}"/>
+          <p:cNvPr id="24" name="Rechteck 23">
+            <a:extLst>
+              <a:ext uri="{FF2B5EF4-FFF2-40B4-BE49-F238E27FC236}">
+                <a16:creationId xmlns:a16="http://schemas.microsoft.com/office/drawing/2014/main" id="{602E2F12-EB50-4EEE-84CF-01A95A702BB1}"/>
               </a:ext>
             </a:extLst>
           </p:cNvPr>
@@ -3661,7 +3682,7 @@
         </p:nvSpPr>
         <p:spPr>
           <a:xfrm>
-            <a:off x="1660124" y="4056148"/>
+            <a:off x="8998612" y="2780931"/>
             <a:ext cx="807868" cy="648069"/>
           </a:xfrm>
           <a:prstGeom prst="rect">
@@ -3691,156 +3712,6 @@
             <a:pPr algn="ctr"/>
             <a:r>
               <a:rPr lang="en-GB" dirty="0"/>
-              <a:t>e</a:t>
-            </a:r>
-            <a:endParaRPr lang="de-DE" dirty="0"/>
-          </a:p>
-        </p:txBody>
-      </p:sp>
-      <p:sp>
-        <p:nvSpPr>
-          <p:cNvPr id="8" name="Rechteck 7">
-            <a:extLst>
-              <a:ext uri="{FF2B5EF4-FFF2-40B4-BE49-F238E27FC236}">
-                <a16:creationId xmlns:a16="http://schemas.microsoft.com/office/drawing/2014/main" id="{5A7C41AB-43AC-4B6A-8F9C-FA0E040DE914}"/>
-              </a:ext>
-            </a:extLst>
-          </p:cNvPr>
-          <p:cNvSpPr/>
-          <p:nvPr/>
-        </p:nvSpPr>
-        <p:spPr>
-          <a:xfrm>
-            <a:off x="5231908" y="2583400"/>
-            <a:ext cx="807868" cy="648069"/>
-          </a:xfrm>
-          <a:prstGeom prst="rect">
-            <a:avLst/>
-          </a:prstGeom>
-        </p:spPr>
-        <p:style>
-          <a:lnRef idx="2">
-            <a:schemeClr val="accent1">
-              <a:shade val="50000"/>
-            </a:schemeClr>
-          </a:lnRef>
-          <a:fillRef idx="1">
-            <a:schemeClr val="accent1"/>
-          </a:fillRef>
-          <a:effectRef idx="0">
-            <a:schemeClr val="accent1"/>
-          </a:effectRef>
-          <a:fontRef idx="minor">
-            <a:schemeClr val="lt1"/>
-          </a:fontRef>
-        </p:style>
-        <p:txBody>
-          <a:bodyPr rtlCol="0" anchor="ctr"/>
-          <a:lstStyle/>
-          <a:p>
-            <a:pPr algn="ctr"/>
-            <a:r>
-              <a:rPr lang="en-GB" dirty="0"/>
-              <a:t>c</a:t>
-            </a:r>
-            <a:endParaRPr lang="de-DE" dirty="0"/>
-          </a:p>
-        </p:txBody>
-      </p:sp>
-      <p:sp>
-        <p:nvSpPr>
-          <p:cNvPr id="9" name="Rechteck 8">
-            <a:extLst>
-              <a:ext uri="{FF2B5EF4-FFF2-40B4-BE49-F238E27FC236}">
-                <a16:creationId xmlns:a16="http://schemas.microsoft.com/office/drawing/2014/main" id="{F1AD5E63-478C-4AF9-882F-6850D876A916}"/>
-              </a:ext>
-            </a:extLst>
-          </p:cNvPr>
-          <p:cNvSpPr/>
-          <p:nvPr/>
-        </p:nvSpPr>
-        <p:spPr>
-          <a:xfrm>
-            <a:off x="5231908" y="4056146"/>
-            <a:ext cx="807868" cy="648069"/>
-          </a:xfrm>
-          <a:prstGeom prst="rect">
-            <a:avLst/>
-          </a:prstGeom>
-        </p:spPr>
-        <p:style>
-          <a:lnRef idx="2">
-            <a:schemeClr val="accent1">
-              <a:shade val="50000"/>
-            </a:schemeClr>
-          </a:lnRef>
-          <a:fillRef idx="1">
-            <a:schemeClr val="accent1"/>
-          </a:fillRef>
-          <a:effectRef idx="0">
-            <a:schemeClr val="accent1"/>
-          </a:effectRef>
-          <a:fontRef idx="minor">
-            <a:schemeClr val="lt1"/>
-          </a:fontRef>
-        </p:style>
-        <p:txBody>
-          <a:bodyPr rtlCol="0" anchor="ctr"/>
-          <a:lstStyle/>
-          <a:p>
-            <a:pPr algn="ctr"/>
-            <a:r>
-              <a:rPr lang="en-GB" dirty="0"/>
-              <a:t>g</a:t>
-            </a:r>
-            <a:endParaRPr lang="de-DE" dirty="0"/>
-          </a:p>
-        </p:txBody>
-      </p:sp>
-      <p:sp>
-        <p:nvSpPr>
-          <p:cNvPr id="10" name="Rechteck 9">
-            <a:extLst>
-              <a:ext uri="{FF2B5EF4-FFF2-40B4-BE49-F238E27FC236}">
-                <a16:creationId xmlns:a16="http://schemas.microsoft.com/office/drawing/2014/main" id="{7F2AC756-DE5D-4EF9-B278-C8B783CD6B45}"/>
-              </a:ext>
-            </a:extLst>
-          </p:cNvPr>
-          <p:cNvSpPr/>
-          <p:nvPr/>
-        </p:nvSpPr>
-        <p:spPr>
-          <a:xfrm>
-            <a:off x="6861700" y="2583399"/>
-            <a:ext cx="807868" cy="648069"/>
-          </a:xfrm>
-          <a:prstGeom prst="rect">
-            <a:avLst/>
-          </a:prstGeom>
-        </p:spPr>
-        <p:style>
-          <a:lnRef idx="2">
-            <a:schemeClr val="accent1">
-              <a:shade val="50000"/>
-            </a:schemeClr>
-          </a:lnRef>
-          <a:fillRef idx="1">
-            <a:schemeClr val="accent1"/>
-          </a:fillRef>
-          <a:effectRef idx="0">
-            <a:schemeClr val="accent1"/>
-          </a:effectRef>
-          <a:fontRef idx="minor">
-            <a:schemeClr val="lt1"/>
-          </a:fontRef>
-        </p:style>
-        <p:txBody>
-          <a:bodyPr rtlCol="0" anchor="ctr"/>
-          <a:lstStyle/>
-          <a:p>
-            <a:pPr algn="ctr"/>
-            <a:r>
-              <a:rPr lang="en-GB" dirty="0"/>
               <a:t>d</a:t>
             </a:r>
             <a:endParaRPr lang="de-DE" dirty="0"/>
@@ -3849,23 +3720,23 @@
       </p:sp>
       <p:cxnSp>
         <p:nvCxnSpPr>
-          <p:cNvPr id="11" name="Gerade Verbindung mit Pfeil 10">
-            <a:extLst>
-              <a:ext uri="{FF2B5EF4-FFF2-40B4-BE49-F238E27FC236}">
-                <a16:creationId xmlns:a16="http://schemas.microsoft.com/office/drawing/2014/main" id="{85F1E9D3-CD53-41F2-84EF-3D29FC05234B}"/>
+          <p:cNvPr id="25" name="Gerade Verbindung mit Pfeil 24">
+            <a:extLst>
+              <a:ext uri="{FF2B5EF4-FFF2-40B4-BE49-F238E27FC236}">
+                <a16:creationId xmlns:a16="http://schemas.microsoft.com/office/drawing/2014/main" id="{B688CB0E-BEA4-41BF-B9FB-075FC304ADCD}"/>
               </a:ext>
             </a:extLst>
           </p:cNvPr>
           <p:cNvCxnSpPr>
-            <a:stCxn id="4" idx="3"/>
-            <a:endCxn id="5" idx="1"/>
+            <a:cxnSpLocks/>
+            <a:stCxn id="21" idx="3"/>
           </p:cNvCxnSpPr>
           <p:nvPr/>
         </p:nvCxnSpPr>
         <p:spPr>
-          <a:xfrm flipV="1">
-            <a:off x="2467992" y="2907438"/>
-            <a:ext cx="978024" cy="1"/>
+          <a:xfrm>
+            <a:off x="3724137" y="3059675"/>
+            <a:ext cx="1191693" cy="0"/>
           </a:xfrm>
           <a:prstGeom prst="straightConnector1">
             <a:avLst/>
@@ -3889,170 +3760,14 @@
           </a:fontRef>
         </p:style>
       </p:cxnSp>
-      <p:cxnSp>
-        <p:nvCxnSpPr>
-          <p:cNvPr id="12" name="Gerade Verbindung mit Pfeil 11">
-            <a:extLst>
-              <a:ext uri="{FF2B5EF4-FFF2-40B4-BE49-F238E27FC236}">
-                <a16:creationId xmlns:a16="http://schemas.microsoft.com/office/drawing/2014/main" id="{99624B3C-7978-48BC-9827-CD42C4DE7AB1}"/>
-              </a:ext>
-            </a:extLst>
-          </p:cNvPr>
-          <p:cNvCxnSpPr/>
-          <p:nvPr/>
-        </p:nvCxnSpPr>
-        <p:spPr>
-          <a:xfrm flipV="1">
-            <a:off x="4253884" y="2907432"/>
-            <a:ext cx="978024" cy="1"/>
-          </a:xfrm>
-          <a:prstGeom prst="straightConnector1">
-            <a:avLst/>
-          </a:prstGeom>
-          <a:ln>
-            <a:tailEnd type="triangle"/>
-          </a:ln>
-        </p:spPr>
-        <p:style>
-          <a:lnRef idx="1">
-            <a:schemeClr val="accent1"/>
-          </a:lnRef>
-          <a:fillRef idx="0">
-            <a:schemeClr val="accent1"/>
-          </a:fillRef>
-          <a:effectRef idx="0">
-            <a:schemeClr val="accent1"/>
-          </a:effectRef>
-          <a:fontRef idx="minor">
-            <a:schemeClr val="tx1"/>
-          </a:fontRef>
-        </p:style>
-      </p:cxnSp>
-      <p:cxnSp>
-        <p:nvCxnSpPr>
-          <p:cNvPr id="13" name="Gerade Verbindung mit Pfeil 12">
-            <a:extLst>
-              <a:ext uri="{FF2B5EF4-FFF2-40B4-BE49-F238E27FC236}">
-                <a16:creationId xmlns:a16="http://schemas.microsoft.com/office/drawing/2014/main" id="{1313FE3B-DC21-4BA3-AF3E-9F35B59937FD}"/>
-              </a:ext>
-            </a:extLst>
-          </p:cNvPr>
-          <p:cNvCxnSpPr/>
-          <p:nvPr/>
-        </p:nvCxnSpPr>
-        <p:spPr>
-          <a:xfrm flipV="1">
-            <a:off x="5883676" y="2905212"/>
-            <a:ext cx="978024" cy="1"/>
-          </a:xfrm>
-          <a:prstGeom prst="straightConnector1">
-            <a:avLst/>
-          </a:prstGeom>
-          <a:ln>
-            <a:tailEnd type="triangle"/>
-          </a:ln>
-        </p:spPr>
-        <p:style>
-          <a:lnRef idx="1">
-            <a:schemeClr val="accent1"/>
-          </a:lnRef>
-          <a:fillRef idx="0">
-            <a:schemeClr val="accent1"/>
-          </a:fillRef>
-          <a:effectRef idx="0">
-            <a:schemeClr val="accent1"/>
-          </a:effectRef>
-          <a:fontRef idx="minor">
-            <a:schemeClr val="tx1"/>
-          </a:fontRef>
-        </p:style>
-      </p:cxnSp>
-      <p:cxnSp>
-        <p:nvCxnSpPr>
-          <p:cNvPr id="14" name="Gerade Verbindung mit Pfeil 13">
-            <a:extLst>
-              <a:ext uri="{FF2B5EF4-FFF2-40B4-BE49-F238E27FC236}">
-                <a16:creationId xmlns:a16="http://schemas.microsoft.com/office/drawing/2014/main" id="{C16522EB-F062-4936-98BD-644707BAB0A9}"/>
-              </a:ext>
-            </a:extLst>
-          </p:cNvPr>
-          <p:cNvCxnSpPr/>
-          <p:nvPr/>
-        </p:nvCxnSpPr>
-        <p:spPr>
-          <a:xfrm flipV="1">
-            <a:off x="4253884" y="4380179"/>
-            <a:ext cx="978024" cy="1"/>
-          </a:xfrm>
-          <a:prstGeom prst="straightConnector1">
-            <a:avLst/>
-          </a:prstGeom>
-          <a:ln>
-            <a:tailEnd type="triangle"/>
-          </a:ln>
-        </p:spPr>
-        <p:style>
-          <a:lnRef idx="1">
-            <a:schemeClr val="accent1"/>
-          </a:lnRef>
-          <a:fillRef idx="0">
-            <a:schemeClr val="accent1"/>
-          </a:fillRef>
-          <a:effectRef idx="0">
-            <a:schemeClr val="accent1"/>
-          </a:effectRef>
-          <a:fontRef idx="minor">
-            <a:schemeClr val="tx1"/>
-          </a:fontRef>
-        </p:style>
-      </p:cxnSp>
-      <p:cxnSp>
-        <p:nvCxnSpPr>
-          <p:cNvPr id="15" name="Gerade Verbindung mit Pfeil 14">
-            <a:extLst>
-              <a:ext uri="{FF2B5EF4-FFF2-40B4-BE49-F238E27FC236}">
-                <a16:creationId xmlns:a16="http://schemas.microsoft.com/office/drawing/2014/main" id="{3C659B38-C18E-4DFD-8403-67FE1F69FB7F}"/>
-              </a:ext>
-            </a:extLst>
-          </p:cNvPr>
-          <p:cNvCxnSpPr/>
-          <p:nvPr/>
-        </p:nvCxnSpPr>
-        <p:spPr>
-          <a:xfrm flipV="1">
-            <a:off x="2467992" y="4380180"/>
-            <a:ext cx="978024" cy="1"/>
-          </a:xfrm>
-          <a:prstGeom prst="straightConnector1">
-            <a:avLst/>
-          </a:prstGeom>
-          <a:ln>
-            <a:tailEnd type="triangle"/>
-          </a:ln>
-        </p:spPr>
-        <p:style>
-          <a:lnRef idx="1">
-            <a:schemeClr val="accent1"/>
-          </a:lnRef>
-          <a:fillRef idx="0">
-            <a:schemeClr val="accent1"/>
-          </a:fillRef>
-          <a:effectRef idx="0">
-            <a:schemeClr val="accent1"/>
-          </a:effectRef>
-          <a:fontRef idx="minor">
-            <a:schemeClr val="tx1"/>
-          </a:fontRef>
-        </p:style>
-      </p:cxnSp>
-      <mc:AlternateContent xmlns:mc="http://schemas.openxmlformats.org/markup-compatibility/2006" xmlns:a14="http://schemas.microsoft.com/office/drawing/2010/main">
-        <mc:Choice Requires="a14">
+      <mc:AlternateContent xmlns:mc="http://schemas.openxmlformats.org/markup-compatibility/2006">
+        <mc:Choice xmlns:a14="http://schemas.microsoft.com/office/drawing/2010/main" Requires="a14">
           <p:sp>
             <p:nvSpPr>
-              <p:cNvPr id="16" name="Textfeld 15">
+              <p:cNvPr id="26" name="Textfeld 25">
                 <a:extLst>
                   <a:ext uri="{FF2B5EF4-FFF2-40B4-BE49-F238E27FC236}">
-                    <a16:creationId xmlns:a16="http://schemas.microsoft.com/office/drawing/2014/main" id="{D5FD0E53-68A1-4B2D-B75A-0E009A3DB4F4}"/>
+                    <a16:creationId xmlns:a16="http://schemas.microsoft.com/office/drawing/2014/main" id="{55DE7200-A6D4-4246-9374-6A5AAED7769F}"/>
                   </a:ext>
                 </a:extLst>
               </p:cNvPr>
@@ -4061,106 +3776,7 @@
             </p:nvSpPr>
             <p:spPr>
               <a:xfrm>
-                <a:off x="2771985" y="2583398"/>
-                <a:ext cx="365805" cy="369332"/>
-              </a:xfrm>
-              <a:prstGeom prst="rect">
-                <a:avLst/>
-              </a:prstGeom>
-              <a:noFill/>
-            </p:spPr>
-            <p:txBody>
-              <a:bodyPr wrap="none" rtlCol="0">
-                <a:spAutoFit/>
-              </a:bodyPr>
-              <a:lstStyle/>
-              <a:p>
-                <a:pPr/>
-                <a14:m>
-                  <m:oMathPara xmlns:m="http://schemas.openxmlformats.org/officeDocument/2006/math">
-                    <m:oMathParaPr>
-                      <m:jc m:val="centerGroup"/>
-                    </m:oMathParaPr>
-                    <m:oMath xmlns:m="http://schemas.openxmlformats.org/officeDocument/2006/math">
-                      <m:r>
-                        <a:rPr lang="en-GB" b="0" i="1" smtClean="0">
-                          <a:solidFill>
-                            <a:srgbClr val="FF0000"/>
-                          </a:solidFill>
-                          <a:latin typeface="Cambria Math" panose="02040503050406030204" pitchFamily="18" charset="0"/>
-                        </a:rPr>
-                        <m:t>0</m:t>
-                      </m:r>
-                    </m:oMath>
-                  </m:oMathPara>
-                </a14:m>
-                <a:endParaRPr lang="de-DE" dirty="0"/>
-              </a:p>
-            </p:txBody>
-          </p:sp>
-        </mc:Choice>
-        <mc:Fallback xmlns="">
-          <p:sp>
-            <p:nvSpPr>
-              <p:cNvPr id="16" name="Textfeld 15">
-                <a:extLst>
-                  <a:ext uri="{FF2B5EF4-FFF2-40B4-BE49-F238E27FC236}">
-                    <a16:creationId xmlns:a16="http://schemas.microsoft.com/office/drawing/2014/main" id="{D5FD0E53-68A1-4B2D-B75A-0E009A3DB4F4}"/>
-                  </a:ext>
-                </a:extLst>
-              </p:cNvPr>
-              <p:cNvSpPr txBox="1">
-                <a:spLocks noRot="1" noChangeAspect="1" noMove="1" noResize="1" noEditPoints="1" noAdjustHandles="1" noChangeArrowheads="1" noChangeShapeType="1" noTextEdit="1"/>
-              </p:cNvSpPr>
-              <p:nvPr/>
-            </p:nvSpPr>
-            <p:spPr>
-              <a:xfrm>
-                <a:off x="2771985" y="2583398"/>
-                <a:ext cx="365805" cy="369332"/>
-              </a:xfrm>
-              <a:prstGeom prst="rect">
-                <a:avLst/>
-              </a:prstGeom>
-              <a:blipFill>
-                <a:blip r:embed="rId2"/>
-                <a:stretch>
-                  <a:fillRect/>
-                </a:stretch>
-              </a:blipFill>
-            </p:spPr>
-            <p:txBody>
-              <a:bodyPr/>
-              <a:lstStyle/>
-              <a:p>
-                <a:r>
-                  <a:rPr lang="de-DE">
-                    <a:noFill/>
-                  </a:rPr>
-                  <a:t> </a:t>
-                </a:r>
-              </a:p>
-            </p:txBody>
-          </p:sp>
-        </mc:Fallback>
-      </mc:AlternateContent>
-      <mc:AlternateContent xmlns:mc="http://schemas.openxmlformats.org/markup-compatibility/2006" xmlns:a14="http://schemas.microsoft.com/office/drawing/2010/main">
-        <mc:Choice Requires="a14">
-          <p:sp>
-            <p:nvSpPr>
-              <p:cNvPr id="17" name="Textfeld 16">
-                <a:extLst>
-                  <a:ext uri="{FF2B5EF4-FFF2-40B4-BE49-F238E27FC236}">
-                    <a16:creationId xmlns:a16="http://schemas.microsoft.com/office/drawing/2014/main" id="{2CF2336C-7432-4618-9B41-46E20D01B6ED}"/>
-                  </a:ext>
-                </a:extLst>
-              </p:cNvPr>
-              <p:cNvSpPr txBox="1"/>
-              <p:nvPr/>
-            </p:nvSpPr>
-            <p:spPr>
-              <a:xfrm>
-                <a:off x="4500071" y="2560750"/>
+                <a:off x="4090846" y="2735634"/>
                 <a:ext cx="370038" cy="369332"/>
               </a:xfrm>
               <a:prstGeom prst="rect">
@@ -4198,13 +3814,13 @@
             </p:txBody>
           </p:sp>
         </mc:Choice>
-        <mc:Fallback xmlns="">
+        <mc:Fallback>
           <p:sp>
             <p:nvSpPr>
-              <p:cNvPr id="17" name="Textfeld 16">
+              <p:cNvPr id="26" name="Textfeld 25">
                 <a:extLst>
                   <a:ext uri="{FF2B5EF4-FFF2-40B4-BE49-F238E27FC236}">
-                    <a16:creationId xmlns:a16="http://schemas.microsoft.com/office/drawing/2014/main" id="{2CF2336C-7432-4618-9B41-46E20D01B6ED}"/>
+                    <a16:creationId xmlns:a16="http://schemas.microsoft.com/office/drawing/2014/main" id="{55DE7200-A6D4-4246-9374-6A5AAED7769F}"/>
                   </a:ext>
                 </a:extLst>
               </p:cNvPr>
@@ -4215,14 +3831,14 @@
             </p:nvSpPr>
             <p:spPr>
               <a:xfrm>
-                <a:off x="4500071" y="2560750"/>
+                <a:off x="4090846" y="2735634"/>
                 <a:ext cx="370038" cy="369332"/>
               </a:xfrm>
               <a:prstGeom prst="rect">
                 <a:avLst/>
               </a:prstGeom>
               <a:blipFill>
-                <a:blip r:embed="rId3"/>
+                <a:blip r:embed="rId2"/>
                 <a:stretch>
                   <a:fillRect/>
                 </a:stretch>
@@ -4243,14 +3859,14 @@
           </p:sp>
         </mc:Fallback>
       </mc:AlternateContent>
-      <mc:AlternateContent xmlns:mc="http://schemas.openxmlformats.org/markup-compatibility/2006" xmlns:a14="http://schemas.microsoft.com/office/drawing/2010/main">
-        <mc:Choice Requires="a14">
+      <mc:AlternateContent xmlns:mc="http://schemas.openxmlformats.org/markup-compatibility/2006">
+        <mc:Choice xmlns:a14="http://schemas.microsoft.com/office/drawing/2010/main" Requires="a14">
           <p:sp>
             <p:nvSpPr>
-              <p:cNvPr id="18" name="Textfeld 17">
+              <p:cNvPr id="27" name="Textfeld 26">
                 <a:extLst>
                   <a:ext uri="{FF2B5EF4-FFF2-40B4-BE49-F238E27FC236}">
-                    <a16:creationId xmlns:a16="http://schemas.microsoft.com/office/drawing/2014/main" id="{A74EBE9B-571C-4AA7-B7EB-3C55CB3D70D5}"/>
+                    <a16:creationId xmlns:a16="http://schemas.microsoft.com/office/drawing/2014/main" id="{38EDB915-8655-4D58-8169-136DF84328CA}"/>
                   </a:ext>
                 </a:extLst>
               </p:cNvPr>
@@ -4259,7 +3875,7 @@
             </p:nvSpPr>
             <p:spPr>
               <a:xfrm>
-                <a:off x="6325204" y="2535880"/>
+                <a:off x="6142756" y="2688116"/>
                 <a:ext cx="370038" cy="369332"/>
               </a:xfrm>
               <a:prstGeom prst="rect">
@@ -4297,13 +3913,13 @@
             </p:txBody>
           </p:sp>
         </mc:Choice>
-        <mc:Fallback xmlns="">
+        <mc:Fallback>
           <p:sp>
             <p:nvSpPr>
-              <p:cNvPr id="18" name="Textfeld 17">
+              <p:cNvPr id="27" name="Textfeld 26">
                 <a:extLst>
                   <a:ext uri="{FF2B5EF4-FFF2-40B4-BE49-F238E27FC236}">
-                    <a16:creationId xmlns:a16="http://schemas.microsoft.com/office/drawing/2014/main" id="{A74EBE9B-571C-4AA7-B7EB-3C55CB3D70D5}"/>
+                    <a16:creationId xmlns:a16="http://schemas.microsoft.com/office/drawing/2014/main" id="{38EDB915-8655-4D58-8169-136DF84328CA}"/>
                   </a:ext>
                 </a:extLst>
               </p:cNvPr>
@@ -4314,7 +3930,106 @@
             </p:nvSpPr>
             <p:spPr>
               <a:xfrm>
-                <a:off x="6325204" y="2535880"/>
+                <a:off x="6142756" y="2688116"/>
+                <a:ext cx="370038" cy="369332"/>
+              </a:xfrm>
+              <a:prstGeom prst="rect">
+                <a:avLst/>
+              </a:prstGeom>
+              <a:blipFill>
+                <a:blip r:embed="rId3"/>
+                <a:stretch>
+                  <a:fillRect/>
+                </a:stretch>
+              </a:blipFill>
+            </p:spPr>
+            <p:txBody>
+              <a:bodyPr/>
+              <a:lstStyle/>
+              <a:p>
+                <a:r>
+                  <a:rPr lang="de-DE">
+                    <a:noFill/>
+                  </a:rPr>
+                  <a:t> </a:t>
+                </a:r>
+              </a:p>
+            </p:txBody>
+          </p:sp>
+        </mc:Fallback>
+      </mc:AlternateContent>
+      <mc:AlternateContent xmlns:mc="http://schemas.openxmlformats.org/markup-compatibility/2006">
+        <mc:Choice xmlns:a14="http://schemas.microsoft.com/office/drawing/2010/main" Requires="a14">
+          <p:sp>
+            <p:nvSpPr>
+              <p:cNvPr id="28" name="Textfeld 27">
+                <a:extLst>
+                  <a:ext uri="{FF2B5EF4-FFF2-40B4-BE49-F238E27FC236}">
+                    <a16:creationId xmlns:a16="http://schemas.microsoft.com/office/drawing/2014/main" id="{905DBC7B-6316-4BF5-B026-B67B8F4AFB61}"/>
+                  </a:ext>
+                </a:extLst>
+              </p:cNvPr>
+              <p:cNvSpPr txBox="1"/>
+              <p:nvPr/>
+            </p:nvSpPr>
+            <p:spPr>
+              <a:xfrm>
+                <a:off x="8181857" y="2704444"/>
+                <a:ext cx="370038" cy="369332"/>
+              </a:xfrm>
+              <a:prstGeom prst="rect">
+                <a:avLst/>
+              </a:prstGeom>
+              <a:noFill/>
+            </p:spPr>
+            <p:txBody>
+              <a:bodyPr wrap="none" rtlCol="0">
+                <a:spAutoFit/>
+              </a:bodyPr>
+              <a:lstStyle/>
+              <a:p>
+                <a:pPr/>
+                <a14:m>
+                  <m:oMathPara xmlns:m="http://schemas.openxmlformats.org/officeDocument/2006/math">
+                    <m:oMathParaPr>
+                      <m:jc m:val="centerGroup"/>
+                    </m:oMathParaPr>
+                    <m:oMath xmlns:m="http://schemas.openxmlformats.org/officeDocument/2006/math">
+                      <m:r>
+                        <a:rPr lang="en-GB" b="0" i="1" dirty="0" smtClean="0">
+                          <a:solidFill>
+                            <a:srgbClr val="FF0000"/>
+                          </a:solidFill>
+                          <a:latin typeface="Cambria Math" panose="02040503050406030204" pitchFamily="18" charset="0"/>
+                        </a:rPr>
+                        <m:t>0</m:t>
+                      </m:r>
+                    </m:oMath>
+                  </m:oMathPara>
+                </a14:m>
+                <a:endParaRPr lang="de-DE" dirty="0"/>
+              </a:p>
+            </p:txBody>
+          </p:sp>
+        </mc:Choice>
+        <mc:Fallback>
+          <p:sp>
+            <p:nvSpPr>
+              <p:cNvPr id="28" name="Textfeld 27">
+                <a:extLst>
+                  <a:ext uri="{FF2B5EF4-FFF2-40B4-BE49-F238E27FC236}">
+                    <a16:creationId xmlns:a16="http://schemas.microsoft.com/office/drawing/2014/main" id="{905DBC7B-6316-4BF5-B026-B67B8F4AFB61}"/>
+                  </a:ext>
+                </a:extLst>
+              </p:cNvPr>
+              <p:cNvSpPr txBox="1">
+                <a:spLocks noRot="1" noChangeAspect="1" noMove="1" noResize="1" noEditPoints="1" noAdjustHandles="1" noChangeArrowheads="1" noChangeShapeType="1" noTextEdit="1"/>
+              </p:cNvSpPr>
+              <p:nvPr/>
+            </p:nvSpPr>
+            <p:spPr>
+              <a:xfrm>
+                <a:off x="8181857" y="2704444"/>
                 <a:ext cx="370038" cy="369332"/>
               </a:xfrm>
               <a:prstGeom prst="rect">
@@ -4342,14 +4057,288 @@
           </p:sp>
         </mc:Fallback>
       </mc:AlternateContent>
-      <mc:AlternateContent xmlns:mc="http://schemas.openxmlformats.org/markup-compatibility/2006" xmlns:a14="http://schemas.microsoft.com/office/drawing/2010/main">
-        <mc:Choice Requires="a14">
+      <p:cxnSp>
+        <p:nvCxnSpPr>
+          <p:cNvPr id="29" name="Gerade Verbindung mit Pfeil 28">
+            <a:extLst>
+              <a:ext uri="{FF2B5EF4-FFF2-40B4-BE49-F238E27FC236}">
+                <a16:creationId xmlns:a16="http://schemas.microsoft.com/office/drawing/2014/main" id="{FF9C5B1E-F561-4495-81B2-300525953A8C}"/>
+              </a:ext>
+            </a:extLst>
+          </p:cNvPr>
+          <p:cNvCxnSpPr>
+            <a:cxnSpLocks/>
+          </p:cNvCxnSpPr>
+          <p:nvPr/>
+        </p:nvCxnSpPr>
+        <p:spPr>
+          <a:xfrm>
+            <a:off x="5716528" y="3048347"/>
+            <a:ext cx="1222494" cy="9101"/>
+          </a:xfrm>
+          <a:prstGeom prst="straightConnector1">
+            <a:avLst/>
+          </a:prstGeom>
+          <a:ln>
+            <a:tailEnd type="triangle"/>
+          </a:ln>
+        </p:spPr>
+        <p:style>
+          <a:lnRef idx="1">
+            <a:schemeClr val="accent1"/>
+          </a:lnRef>
+          <a:fillRef idx="0">
+            <a:schemeClr val="accent1"/>
+          </a:fillRef>
+          <a:effectRef idx="0">
+            <a:schemeClr val="accent1"/>
+          </a:effectRef>
+          <a:fontRef idx="minor">
+            <a:schemeClr val="tx1"/>
+          </a:fontRef>
+        </p:style>
+      </p:cxnSp>
+      <p:cxnSp>
+        <p:nvCxnSpPr>
+          <p:cNvPr id="30" name="Gerade Verbindung mit Pfeil 29">
+            <a:extLst>
+              <a:ext uri="{FF2B5EF4-FFF2-40B4-BE49-F238E27FC236}">
+                <a16:creationId xmlns:a16="http://schemas.microsoft.com/office/drawing/2014/main" id="{A34692AE-2BF4-4A85-8302-8CBF97B7D367}"/>
+              </a:ext>
+            </a:extLst>
+          </p:cNvPr>
+          <p:cNvCxnSpPr>
+            <a:cxnSpLocks/>
+          </p:cNvCxnSpPr>
+          <p:nvPr/>
+        </p:nvCxnSpPr>
+        <p:spPr>
+          <a:xfrm>
+            <a:off x="7764664" y="3070050"/>
+            <a:ext cx="1222494" cy="9101"/>
+          </a:xfrm>
+          <a:prstGeom prst="straightConnector1">
+            <a:avLst/>
+          </a:prstGeom>
+          <a:ln>
+            <a:tailEnd type="triangle"/>
+          </a:ln>
+        </p:spPr>
+        <p:style>
+          <a:lnRef idx="1">
+            <a:schemeClr val="accent1"/>
+          </a:lnRef>
+          <a:fillRef idx="0">
+            <a:schemeClr val="accent1"/>
+          </a:fillRef>
+          <a:effectRef idx="0">
+            <a:schemeClr val="accent1"/>
+          </a:effectRef>
+          <a:fontRef idx="minor">
+            <a:schemeClr val="tx1"/>
+          </a:fontRef>
+        </p:style>
+      </p:cxnSp>
+      <p:sp>
+        <p:nvSpPr>
+          <p:cNvPr id="31" name="Rechteck 30">
+            <a:extLst>
+              <a:ext uri="{FF2B5EF4-FFF2-40B4-BE49-F238E27FC236}">
+                <a16:creationId xmlns:a16="http://schemas.microsoft.com/office/drawing/2014/main" id="{8260886D-A7D2-4887-BB75-DD33D4374D8A}"/>
+              </a:ext>
+            </a:extLst>
+          </p:cNvPr>
+          <p:cNvSpPr/>
+          <p:nvPr/>
+        </p:nvSpPr>
+        <p:spPr>
+          <a:xfrm>
+            <a:off x="2916269" y="4186779"/>
+            <a:ext cx="807868" cy="648069"/>
+          </a:xfrm>
+          <a:prstGeom prst="rect">
+            <a:avLst/>
+          </a:prstGeom>
+        </p:spPr>
+        <p:style>
+          <a:lnRef idx="2">
+            <a:schemeClr val="accent1">
+              <a:shade val="50000"/>
+            </a:schemeClr>
+          </a:lnRef>
+          <a:fillRef idx="1">
+            <a:schemeClr val="accent1"/>
+          </a:fillRef>
+          <a:effectRef idx="0">
+            <a:schemeClr val="accent1"/>
+          </a:effectRef>
+          <a:fontRef idx="minor">
+            <a:schemeClr val="lt1"/>
+          </a:fontRef>
+        </p:style>
+        <p:txBody>
+          <a:bodyPr rtlCol="0" anchor="ctr"/>
+          <a:lstStyle/>
+          <a:p>
+            <a:pPr algn="ctr"/>
+            <a:r>
+              <a:rPr lang="en-GB" dirty="0"/>
+              <a:t>e</a:t>
+            </a:r>
+            <a:endParaRPr lang="de-DE" dirty="0"/>
+          </a:p>
+        </p:txBody>
+      </p:sp>
+      <p:sp>
+        <p:nvSpPr>
+          <p:cNvPr id="32" name="Rechteck 31">
+            <a:extLst>
+              <a:ext uri="{FF2B5EF4-FFF2-40B4-BE49-F238E27FC236}">
+                <a16:creationId xmlns:a16="http://schemas.microsoft.com/office/drawing/2014/main" id="{460149E7-5BFA-40F5-BA9A-0787A92F9F90}"/>
+              </a:ext>
+            </a:extLst>
+          </p:cNvPr>
+          <p:cNvSpPr/>
+          <p:nvPr/>
+        </p:nvSpPr>
+        <p:spPr>
+          <a:xfrm>
+            <a:off x="4908660" y="4186774"/>
+            <a:ext cx="807868" cy="648069"/>
+          </a:xfrm>
+          <a:prstGeom prst="rect">
+            <a:avLst/>
+          </a:prstGeom>
+        </p:spPr>
+        <p:style>
+          <a:lnRef idx="2">
+            <a:schemeClr val="accent1">
+              <a:shade val="50000"/>
+            </a:schemeClr>
+          </a:lnRef>
+          <a:fillRef idx="1">
+            <a:schemeClr val="accent1"/>
+          </a:fillRef>
+          <a:effectRef idx="0">
+            <a:schemeClr val="accent1"/>
+          </a:effectRef>
+          <a:fontRef idx="minor">
+            <a:schemeClr val="lt1"/>
+          </a:fontRef>
+        </p:style>
+        <p:txBody>
+          <a:bodyPr rtlCol="0" anchor="ctr"/>
+          <a:lstStyle/>
+          <a:p>
+            <a:pPr algn="ctr"/>
+            <a:r>
+              <a:rPr lang="en-GB" dirty="0"/>
+              <a:t>f</a:t>
+            </a:r>
+            <a:endParaRPr lang="de-DE" dirty="0"/>
+          </a:p>
+        </p:txBody>
+      </p:sp>
+      <p:sp>
+        <p:nvSpPr>
+          <p:cNvPr id="33" name="Rechteck 32">
+            <a:extLst>
+              <a:ext uri="{FF2B5EF4-FFF2-40B4-BE49-F238E27FC236}">
+                <a16:creationId xmlns:a16="http://schemas.microsoft.com/office/drawing/2014/main" id="{F68C6096-CEBA-44FD-A89A-213B8D48C232}"/>
+              </a:ext>
+            </a:extLst>
+          </p:cNvPr>
+          <p:cNvSpPr/>
+          <p:nvPr/>
+        </p:nvSpPr>
+        <p:spPr>
+          <a:xfrm>
+            <a:off x="6947909" y="4175451"/>
+            <a:ext cx="807868" cy="648069"/>
+          </a:xfrm>
+          <a:prstGeom prst="rect">
+            <a:avLst/>
+          </a:prstGeom>
+        </p:spPr>
+        <p:style>
+          <a:lnRef idx="2">
+            <a:schemeClr val="accent1">
+              <a:shade val="50000"/>
+            </a:schemeClr>
+          </a:lnRef>
+          <a:fillRef idx="1">
+            <a:schemeClr val="accent1"/>
+          </a:fillRef>
+          <a:effectRef idx="0">
+            <a:schemeClr val="accent1"/>
+          </a:effectRef>
+          <a:fontRef idx="minor">
+            <a:schemeClr val="lt1"/>
+          </a:fontRef>
+        </p:style>
+        <p:txBody>
+          <a:bodyPr rtlCol="0" anchor="ctr"/>
+          <a:lstStyle/>
+          <a:p>
+            <a:pPr algn="ctr"/>
+            <a:r>
+              <a:rPr lang="en-GB" dirty="0"/>
+              <a:t>g</a:t>
+            </a:r>
+            <a:endParaRPr lang="de-DE" dirty="0"/>
+          </a:p>
+        </p:txBody>
+      </p:sp>
+      <p:cxnSp>
+        <p:nvCxnSpPr>
+          <p:cNvPr id="34" name="Gerade Verbindung mit Pfeil 33">
+            <a:extLst>
+              <a:ext uri="{FF2B5EF4-FFF2-40B4-BE49-F238E27FC236}">
+                <a16:creationId xmlns:a16="http://schemas.microsoft.com/office/drawing/2014/main" id="{77EE4649-D693-4532-A061-EC454C559BBA}"/>
+              </a:ext>
+            </a:extLst>
+          </p:cNvPr>
+          <p:cNvCxnSpPr>
+            <a:cxnSpLocks/>
+            <a:stCxn id="31" idx="3"/>
+          </p:cNvCxnSpPr>
+          <p:nvPr/>
+        </p:nvCxnSpPr>
+        <p:spPr>
+          <a:xfrm>
+            <a:off x="3724137" y="4510814"/>
+            <a:ext cx="1191693" cy="0"/>
+          </a:xfrm>
+          <a:prstGeom prst="straightConnector1">
+            <a:avLst/>
+          </a:prstGeom>
+          <a:ln>
+            <a:tailEnd type="triangle"/>
+          </a:ln>
+        </p:spPr>
+        <p:style>
+          <a:lnRef idx="1">
+            <a:schemeClr val="accent1"/>
+          </a:lnRef>
+          <a:fillRef idx="0">
+            <a:schemeClr val="accent1"/>
+          </a:fillRef>
+          <a:effectRef idx="0">
+            <a:schemeClr val="accent1"/>
+          </a:effectRef>
+          <a:fontRef idx="minor">
+            <a:schemeClr val="tx1"/>
+          </a:fontRef>
+        </p:style>
+      </p:cxnSp>
+      <mc:AlternateContent xmlns:mc="http://schemas.openxmlformats.org/markup-compatibility/2006">
+        <mc:Choice xmlns:a14="http://schemas.microsoft.com/office/drawing/2010/main" Requires="a14">
           <p:sp>
             <p:nvSpPr>
-              <p:cNvPr id="19" name="Textfeld 18">
+              <p:cNvPr id="35" name="Textfeld 34">
                 <a:extLst>
                   <a:ext uri="{FF2B5EF4-FFF2-40B4-BE49-F238E27FC236}">
-                    <a16:creationId xmlns:a16="http://schemas.microsoft.com/office/drawing/2014/main" id="{259CC297-E6F7-454B-A51F-C657AC2B6285}"/>
+                    <a16:creationId xmlns:a16="http://schemas.microsoft.com/office/drawing/2014/main" id="{E238ABE6-645F-450D-B222-D2E91160B013}"/>
                   </a:ext>
                 </a:extLst>
               </p:cNvPr>
@@ -4358,7 +4347,106 @@
             </p:nvSpPr>
             <p:spPr>
               <a:xfrm>
-                <a:off x="4500071" y="3987269"/>
+                <a:off x="4058227" y="4102797"/>
+                <a:ext cx="365805" cy="369332"/>
+              </a:xfrm>
+              <a:prstGeom prst="rect">
+                <a:avLst/>
+              </a:prstGeom>
+              <a:noFill/>
+            </p:spPr>
+            <p:txBody>
+              <a:bodyPr wrap="none" rtlCol="0">
+                <a:spAutoFit/>
+              </a:bodyPr>
+              <a:lstStyle/>
+              <a:p>
+                <a:pPr/>
+                <a14:m>
+                  <m:oMathPara xmlns:m="http://schemas.openxmlformats.org/officeDocument/2006/math">
+                    <m:oMathParaPr>
+                      <m:jc m:val="centerGroup"/>
+                    </m:oMathParaPr>
+                    <m:oMath xmlns:m="http://schemas.openxmlformats.org/officeDocument/2006/math">
+                      <m:r>
+                        <a:rPr lang="en-GB" b="0" i="1" smtClean="0">
+                          <a:solidFill>
+                            <a:srgbClr val="FF0000"/>
+                          </a:solidFill>
+                          <a:latin typeface="Cambria Math" panose="02040503050406030204" pitchFamily="18" charset="0"/>
+                        </a:rPr>
+                        <m:t>3</m:t>
+                      </m:r>
+                    </m:oMath>
+                  </m:oMathPara>
+                </a14:m>
+                <a:endParaRPr lang="de-DE" dirty="0"/>
+              </a:p>
+            </p:txBody>
+          </p:sp>
+        </mc:Choice>
+        <mc:Fallback>
+          <p:sp>
+            <p:nvSpPr>
+              <p:cNvPr id="35" name="Textfeld 34">
+                <a:extLst>
+                  <a:ext uri="{FF2B5EF4-FFF2-40B4-BE49-F238E27FC236}">
+                    <a16:creationId xmlns:a16="http://schemas.microsoft.com/office/drawing/2014/main" id="{E238ABE6-645F-450D-B222-D2E91160B013}"/>
+                  </a:ext>
+                </a:extLst>
+              </p:cNvPr>
+              <p:cNvSpPr txBox="1">
+                <a:spLocks noRot="1" noChangeAspect="1" noMove="1" noResize="1" noEditPoints="1" noAdjustHandles="1" noChangeArrowheads="1" noChangeShapeType="1" noTextEdit="1"/>
+              </p:cNvSpPr>
+              <p:nvPr/>
+            </p:nvSpPr>
+            <p:spPr>
+              <a:xfrm>
+                <a:off x="4058227" y="4102797"/>
+                <a:ext cx="365805" cy="369332"/>
+              </a:xfrm>
+              <a:prstGeom prst="rect">
+                <a:avLst/>
+              </a:prstGeom>
+              <a:blipFill>
+                <a:blip r:embed="rId5"/>
+                <a:stretch>
+                  <a:fillRect/>
+                </a:stretch>
+              </a:blipFill>
+            </p:spPr>
+            <p:txBody>
+              <a:bodyPr/>
+              <a:lstStyle/>
+              <a:p>
+                <a:r>
+                  <a:rPr lang="de-DE">
+                    <a:noFill/>
+                  </a:rPr>
+                  <a:t> </a:t>
+                </a:r>
+              </a:p>
+            </p:txBody>
+          </p:sp>
+        </mc:Fallback>
+      </mc:AlternateContent>
+      <mc:AlternateContent xmlns:mc="http://schemas.openxmlformats.org/markup-compatibility/2006">
+        <mc:Choice xmlns:a14="http://schemas.microsoft.com/office/drawing/2010/main" Requires="a14">
+          <p:sp>
+            <p:nvSpPr>
+              <p:cNvPr id="36" name="Textfeld 35">
+                <a:extLst>
+                  <a:ext uri="{FF2B5EF4-FFF2-40B4-BE49-F238E27FC236}">
+                    <a16:creationId xmlns:a16="http://schemas.microsoft.com/office/drawing/2014/main" id="{91688069-4CC7-4A78-9CD5-859F7E070DC8}"/>
+                  </a:ext>
+                </a:extLst>
+              </p:cNvPr>
+              <p:cNvSpPr txBox="1"/>
+              <p:nvPr/>
+            </p:nvSpPr>
+            <p:spPr>
+              <a:xfrm>
+                <a:off x="6152926" y="4130153"/>
                 <a:ext cx="370038" cy="369332"/>
               </a:xfrm>
               <a:prstGeom prst="rect">
@@ -4396,13 +4484,13 @@
             </p:txBody>
           </p:sp>
         </mc:Choice>
-        <mc:Fallback xmlns="">
+        <mc:Fallback>
           <p:sp>
             <p:nvSpPr>
-              <p:cNvPr id="19" name="Textfeld 18">
+              <p:cNvPr id="36" name="Textfeld 35">
                 <a:extLst>
                   <a:ext uri="{FF2B5EF4-FFF2-40B4-BE49-F238E27FC236}">
-                    <a16:creationId xmlns:a16="http://schemas.microsoft.com/office/drawing/2014/main" id="{259CC297-E6F7-454B-A51F-C657AC2B6285}"/>
+                    <a16:creationId xmlns:a16="http://schemas.microsoft.com/office/drawing/2014/main" id="{91688069-4CC7-4A78-9CD5-859F7E070DC8}"/>
                   </a:ext>
                 </a:extLst>
               </p:cNvPr>
@@ -4413,106 +4501,7 @@
             </p:nvSpPr>
             <p:spPr>
               <a:xfrm>
-                <a:off x="4500071" y="3987269"/>
-                <a:ext cx="370038" cy="369332"/>
-              </a:xfrm>
-              <a:prstGeom prst="rect">
-                <a:avLst/>
-              </a:prstGeom>
-              <a:blipFill>
-                <a:blip r:embed="rId5"/>
-                <a:stretch>
-                  <a:fillRect/>
-                </a:stretch>
-              </a:blipFill>
-            </p:spPr>
-            <p:txBody>
-              <a:bodyPr/>
-              <a:lstStyle/>
-              <a:p>
-                <a:r>
-                  <a:rPr lang="de-DE">
-                    <a:noFill/>
-                  </a:rPr>
-                  <a:t> </a:t>
-                </a:r>
-              </a:p>
-            </p:txBody>
-          </p:sp>
-        </mc:Fallback>
-      </mc:AlternateContent>
-      <mc:AlternateContent xmlns:mc="http://schemas.openxmlformats.org/markup-compatibility/2006" xmlns:a14="http://schemas.microsoft.com/office/drawing/2010/main">
-        <mc:Choice Requires="a14">
-          <p:sp>
-            <p:nvSpPr>
-              <p:cNvPr id="20" name="Textfeld 19">
-                <a:extLst>
-                  <a:ext uri="{FF2B5EF4-FFF2-40B4-BE49-F238E27FC236}">
-                    <a16:creationId xmlns:a16="http://schemas.microsoft.com/office/drawing/2014/main" id="{8FA4C5D9-98D3-4729-9238-B418AE3B4234}"/>
-                  </a:ext>
-                </a:extLst>
-              </p:cNvPr>
-              <p:cNvSpPr txBox="1"/>
-              <p:nvPr/>
-            </p:nvSpPr>
-            <p:spPr>
-              <a:xfrm>
-                <a:off x="2771985" y="4010847"/>
-                <a:ext cx="370038" cy="369332"/>
-              </a:xfrm>
-              <a:prstGeom prst="rect">
-                <a:avLst/>
-              </a:prstGeom>
-              <a:noFill/>
-            </p:spPr>
-            <p:txBody>
-              <a:bodyPr wrap="none" rtlCol="0">
-                <a:spAutoFit/>
-              </a:bodyPr>
-              <a:lstStyle/>
-              <a:p>
-                <a:pPr/>
-                <a14:m>
-                  <m:oMathPara xmlns:m="http://schemas.openxmlformats.org/officeDocument/2006/math">
-                    <m:oMathParaPr>
-                      <m:jc m:val="centerGroup"/>
-                    </m:oMathParaPr>
-                    <m:oMath xmlns:m="http://schemas.openxmlformats.org/officeDocument/2006/math">
-                      <m:r>
-                        <a:rPr lang="en-GB" b="0" i="1" dirty="0" smtClean="0">
-                          <a:solidFill>
-                            <a:srgbClr val="FF0000"/>
-                          </a:solidFill>
-                          <a:latin typeface="Cambria Math" panose="02040503050406030204" pitchFamily="18" charset="0"/>
-                        </a:rPr>
-                        <m:t>3</m:t>
-                      </m:r>
-                    </m:oMath>
-                  </m:oMathPara>
-                </a14:m>
-                <a:endParaRPr lang="de-DE" dirty="0"/>
-              </a:p>
-            </p:txBody>
-          </p:sp>
-        </mc:Choice>
-        <mc:Fallback xmlns="">
-          <p:sp>
-            <p:nvSpPr>
-              <p:cNvPr id="20" name="Textfeld 19">
-                <a:extLst>
-                  <a:ext uri="{FF2B5EF4-FFF2-40B4-BE49-F238E27FC236}">
-                    <a16:creationId xmlns:a16="http://schemas.microsoft.com/office/drawing/2014/main" id="{8FA4C5D9-98D3-4729-9238-B418AE3B4234}"/>
-                  </a:ext>
-                </a:extLst>
-              </p:cNvPr>
-              <p:cNvSpPr txBox="1">
-                <a:spLocks noRot="1" noChangeAspect="1" noMove="1" noResize="1" noEditPoints="1" noAdjustHandles="1" noChangeArrowheads="1" noChangeShapeType="1" noTextEdit="1"/>
-              </p:cNvSpPr>
-              <p:nvPr/>
-            </p:nvSpPr>
-            <p:spPr>
-              <a:xfrm>
-                <a:off x="2771985" y="4010847"/>
+                <a:off x="6152926" y="4130153"/>
                 <a:ext cx="370038" cy="369332"/>
               </a:xfrm>
               <a:prstGeom prst="rect">
@@ -4540,6 +4529,47 @@
           </p:sp>
         </mc:Fallback>
       </mc:AlternateContent>
+      <p:cxnSp>
+        <p:nvCxnSpPr>
+          <p:cNvPr id="37" name="Gerade Verbindung mit Pfeil 36">
+            <a:extLst>
+              <a:ext uri="{FF2B5EF4-FFF2-40B4-BE49-F238E27FC236}">
+                <a16:creationId xmlns:a16="http://schemas.microsoft.com/office/drawing/2014/main" id="{43BB5031-468F-427B-A89E-3617D011C838}"/>
+              </a:ext>
+            </a:extLst>
+          </p:cNvPr>
+          <p:cNvCxnSpPr>
+            <a:cxnSpLocks/>
+          </p:cNvCxnSpPr>
+          <p:nvPr/>
+        </p:nvCxnSpPr>
+        <p:spPr>
+          <a:xfrm>
+            <a:off x="5726698" y="4492559"/>
+            <a:ext cx="1222494" cy="9101"/>
+          </a:xfrm>
+          <a:prstGeom prst="straightConnector1">
+            <a:avLst/>
+          </a:prstGeom>
+          <a:ln>
+            <a:tailEnd type="triangle"/>
+          </a:ln>
+        </p:spPr>
+        <p:style>
+          <a:lnRef idx="1">
+            <a:schemeClr val="accent1"/>
+          </a:lnRef>
+          <a:fillRef idx="0">
+            <a:schemeClr val="accent1"/>
+          </a:fillRef>
+          <a:effectRef idx="0">
+            <a:schemeClr val="accent1"/>
+          </a:effectRef>
+          <a:fontRef idx="minor">
+            <a:schemeClr val="tx1"/>
+          </a:fontRef>
+        </p:style>
+      </p:cxnSp>
     </p:spTree>
     <p:extLst>
       <p:ext uri="{BB962C8B-B14F-4D97-AF65-F5344CB8AC3E}">
@@ -4611,21 +4641,41 @@
             <p:ph idx="1"/>
           </p:nvPr>
         </p:nvSpPr>
-        <p:spPr/>
+        <p:spPr>
+          <a:xfrm>
+            <a:off x="838200" y="365125"/>
+            <a:ext cx="10515600" cy="5811838"/>
+          </a:xfrm>
+        </p:spPr>
         <p:txBody>
           <a:bodyPr/>
           <a:lstStyle/>
           <a:p>
-            <a:endParaRPr lang="de-DE" dirty="0"/>
+            <a:pPr marL="0" indent="0">
+              <a:buNone/>
+            </a:pPr>
+            <a:r>
+              <a:rPr lang="en-GB" dirty="0">
+                <a:solidFill>
+                  <a:srgbClr val="92D050"/>
+                </a:solidFill>
+              </a:rPr>
+              <a:t>length</a:t>
+            </a:r>
+            <a:endParaRPr lang="de-DE" dirty="0">
+              <a:solidFill>
+                <a:srgbClr val="92D050"/>
+              </a:solidFill>
+            </a:endParaRPr>
           </a:p>
         </p:txBody>
       </p:sp>
       <p:sp>
         <p:nvSpPr>
-          <p:cNvPr id="22" name="Rechteck 21">
-            <a:extLst>
-              <a:ext uri="{FF2B5EF4-FFF2-40B4-BE49-F238E27FC236}">
-                <a16:creationId xmlns:a16="http://schemas.microsoft.com/office/drawing/2014/main" id="{60079517-FBBF-4010-947C-7A5B7D2F59B5}"/>
+          <p:cNvPr id="21" name="Rechteck 20">
+            <a:extLst>
+              <a:ext uri="{FF2B5EF4-FFF2-40B4-BE49-F238E27FC236}">
+                <a16:creationId xmlns:a16="http://schemas.microsoft.com/office/drawing/2014/main" id="{054E3F04-AFC1-44AC-A8EC-C1EE6EBA80C9}"/>
               </a:ext>
             </a:extLst>
           </p:cNvPr>
@@ -4634,7 +4684,7 @@
         </p:nvSpPr>
         <p:spPr>
           <a:xfrm>
-            <a:off x="1660124" y="2583404"/>
+            <a:off x="2916269" y="2735640"/>
             <a:ext cx="807868" cy="648069"/>
           </a:xfrm>
           <a:prstGeom prst="rect">
@@ -4672,10 +4722,10 @@
       </p:sp>
       <p:sp>
         <p:nvSpPr>
-          <p:cNvPr id="23" name="Rechteck 22">
-            <a:extLst>
-              <a:ext uri="{FF2B5EF4-FFF2-40B4-BE49-F238E27FC236}">
-                <a16:creationId xmlns:a16="http://schemas.microsoft.com/office/drawing/2014/main" id="{A2E9F3AF-2BD6-4D5E-92A0-3C186CEE2481}"/>
+          <p:cNvPr id="39" name="Rechteck 38">
+            <a:extLst>
+              <a:ext uri="{FF2B5EF4-FFF2-40B4-BE49-F238E27FC236}">
+                <a16:creationId xmlns:a16="http://schemas.microsoft.com/office/drawing/2014/main" id="{522E7CB0-FF30-461A-9B64-31AD3D2DB6F6}"/>
               </a:ext>
             </a:extLst>
           </p:cNvPr>
@@ -4684,7 +4734,7 @@
         </p:nvSpPr>
         <p:spPr>
           <a:xfrm>
-            <a:off x="3446016" y="2583403"/>
+            <a:off x="4908660" y="2735635"/>
             <a:ext cx="807868" cy="648069"/>
           </a:xfrm>
           <a:prstGeom prst="rect">
@@ -4722,10 +4772,10 @@
       </p:sp>
       <p:sp>
         <p:nvSpPr>
-          <p:cNvPr id="24" name="Rechteck 23">
-            <a:extLst>
-              <a:ext uri="{FF2B5EF4-FFF2-40B4-BE49-F238E27FC236}">
-                <a16:creationId xmlns:a16="http://schemas.microsoft.com/office/drawing/2014/main" id="{D8E67A00-5652-4141-A322-E1FE307103E8}"/>
+          <p:cNvPr id="40" name="Rechteck 39">
+            <a:extLst>
+              <a:ext uri="{FF2B5EF4-FFF2-40B4-BE49-F238E27FC236}">
+                <a16:creationId xmlns:a16="http://schemas.microsoft.com/office/drawing/2014/main" id="{7EFDB510-AA53-4E10-80C8-5B3A6A7B980C}"/>
               </a:ext>
             </a:extLst>
           </p:cNvPr>
@@ -4734,7 +4784,7 @@
         </p:nvSpPr>
         <p:spPr>
           <a:xfrm>
-            <a:off x="3446016" y="4056146"/>
+            <a:off x="6947909" y="2724312"/>
             <a:ext cx="807868" cy="648069"/>
           </a:xfrm>
           <a:prstGeom prst="rect">
@@ -4764,7 +4814,7 @@
             <a:pPr algn="ctr"/>
             <a:r>
               <a:rPr lang="en-GB" dirty="0"/>
-              <a:t>f</a:t>
+              <a:t>c</a:t>
             </a:r>
             <a:endParaRPr lang="de-DE" dirty="0"/>
           </a:p>
@@ -4772,10 +4822,10 @@
       </p:sp>
       <p:sp>
         <p:nvSpPr>
-          <p:cNvPr id="25" name="Rechteck 24">
-            <a:extLst>
-              <a:ext uri="{FF2B5EF4-FFF2-40B4-BE49-F238E27FC236}">
-                <a16:creationId xmlns:a16="http://schemas.microsoft.com/office/drawing/2014/main" id="{B2A9630E-372B-4A94-A000-CF0DD3DA2526}"/>
+          <p:cNvPr id="41" name="Rechteck 40">
+            <a:extLst>
+              <a:ext uri="{FF2B5EF4-FFF2-40B4-BE49-F238E27FC236}">
+                <a16:creationId xmlns:a16="http://schemas.microsoft.com/office/drawing/2014/main" id="{C638465B-8AD3-467B-94A5-92638FF86A1B}"/>
               </a:ext>
             </a:extLst>
           </p:cNvPr>
@@ -4784,7 +4834,7 @@
         </p:nvSpPr>
         <p:spPr>
           <a:xfrm>
-            <a:off x="1660124" y="4056148"/>
+            <a:off x="8998612" y="2780931"/>
             <a:ext cx="807868" cy="648069"/>
           </a:xfrm>
           <a:prstGeom prst="rect">
@@ -4814,156 +4864,6 @@
             <a:pPr algn="ctr"/>
             <a:r>
               <a:rPr lang="en-GB" dirty="0"/>
-              <a:t>e</a:t>
-            </a:r>
-            <a:endParaRPr lang="de-DE" dirty="0"/>
-          </a:p>
-        </p:txBody>
-      </p:sp>
-      <p:sp>
-        <p:nvSpPr>
-          <p:cNvPr id="26" name="Rechteck 25">
-            <a:extLst>
-              <a:ext uri="{FF2B5EF4-FFF2-40B4-BE49-F238E27FC236}">
-                <a16:creationId xmlns:a16="http://schemas.microsoft.com/office/drawing/2014/main" id="{5DF48283-89A8-4897-AA93-6F19934841D8}"/>
-              </a:ext>
-            </a:extLst>
-          </p:cNvPr>
-          <p:cNvSpPr/>
-          <p:nvPr/>
-        </p:nvSpPr>
-        <p:spPr>
-          <a:xfrm>
-            <a:off x="5231908" y="2583400"/>
-            <a:ext cx="807868" cy="648069"/>
-          </a:xfrm>
-          <a:prstGeom prst="rect">
-            <a:avLst/>
-          </a:prstGeom>
-        </p:spPr>
-        <p:style>
-          <a:lnRef idx="2">
-            <a:schemeClr val="accent1">
-              <a:shade val="50000"/>
-            </a:schemeClr>
-          </a:lnRef>
-          <a:fillRef idx="1">
-            <a:schemeClr val="accent1"/>
-          </a:fillRef>
-          <a:effectRef idx="0">
-            <a:schemeClr val="accent1"/>
-          </a:effectRef>
-          <a:fontRef idx="minor">
-            <a:schemeClr val="lt1"/>
-          </a:fontRef>
-        </p:style>
-        <p:txBody>
-          <a:bodyPr rtlCol="0" anchor="ctr"/>
-          <a:lstStyle/>
-          <a:p>
-            <a:pPr algn="ctr"/>
-            <a:r>
-              <a:rPr lang="en-GB" dirty="0"/>
-              <a:t>c</a:t>
-            </a:r>
-            <a:endParaRPr lang="de-DE" dirty="0"/>
-          </a:p>
-        </p:txBody>
-      </p:sp>
-      <p:sp>
-        <p:nvSpPr>
-          <p:cNvPr id="27" name="Rechteck 26">
-            <a:extLst>
-              <a:ext uri="{FF2B5EF4-FFF2-40B4-BE49-F238E27FC236}">
-                <a16:creationId xmlns:a16="http://schemas.microsoft.com/office/drawing/2014/main" id="{73E076F1-DADE-49EB-B680-E6F4E67AA6C3}"/>
-              </a:ext>
-            </a:extLst>
-          </p:cNvPr>
-          <p:cNvSpPr/>
-          <p:nvPr/>
-        </p:nvSpPr>
-        <p:spPr>
-          <a:xfrm>
-            <a:off x="5246110" y="4056144"/>
-            <a:ext cx="807868" cy="648069"/>
-          </a:xfrm>
-          <a:prstGeom prst="rect">
-            <a:avLst/>
-          </a:prstGeom>
-        </p:spPr>
-        <p:style>
-          <a:lnRef idx="2">
-            <a:schemeClr val="accent1">
-              <a:shade val="50000"/>
-            </a:schemeClr>
-          </a:lnRef>
-          <a:fillRef idx="1">
-            <a:schemeClr val="accent1"/>
-          </a:fillRef>
-          <a:effectRef idx="0">
-            <a:schemeClr val="accent1"/>
-          </a:effectRef>
-          <a:fontRef idx="minor">
-            <a:schemeClr val="lt1"/>
-          </a:fontRef>
-        </p:style>
-        <p:txBody>
-          <a:bodyPr rtlCol="0" anchor="ctr"/>
-          <a:lstStyle/>
-          <a:p>
-            <a:pPr algn="ctr"/>
-            <a:r>
-              <a:rPr lang="en-GB" dirty="0"/>
-              <a:t>g</a:t>
-            </a:r>
-            <a:endParaRPr lang="de-DE" dirty="0"/>
-          </a:p>
-        </p:txBody>
-      </p:sp>
-      <p:sp>
-        <p:nvSpPr>
-          <p:cNvPr id="28" name="Rechteck 27">
-            <a:extLst>
-              <a:ext uri="{FF2B5EF4-FFF2-40B4-BE49-F238E27FC236}">
-                <a16:creationId xmlns:a16="http://schemas.microsoft.com/office/drawing/2014/main" id="{6C51E597-E354-438B-848A-9F02D0490103}"/>
-              </a:ext>
-            </a:extLst>
-          </p:cNvPr>
-          <p:cNvSpPr/>
-          <p:nvPr/>
-        </p:nvSpPr>
-        <p:spPr>
-          <a:xfrm>
-            <a:off x="6861700" y="2583399"/>
-            <a:ext cx="807868" cy="648069"/>
-          </a:xfrm>
-          <a:prstGeom prst="rect">
-            <a:avLst/>
-          </a:prstGeom>
-        </p:spPr>
-        <p:style>
-          <a:lnRef idx="2">
-            <a:schemeClr val="accent1">
-              <a:shade val="50000"/>
-            </a:schemeClr>
-          </a:lnRef>
-          <a:fillRef idx="1">
-            <a:schemeClr val="accent1"/>
-          </a:fillRef>
-          <a:effectRef idx="0">
-            <a:schemeClr val="accent1"/>
-          </a:effectRef>
-          <a:fontRef idx="minor">
-            <a:schemeClr val="lt1"/>
-          </a:fontRef>
-        </p:style>
-        <p:txBody>
-          <a:bodyPr rtlCol="0" anchor="ctr"/>
-          <a:lstStyle/>
-          <a:p>
-            <a:pPr algn="ctr"/>
-            <a:r>
-              <a:rPr lang="en-GB" dirty="0"/>
               <a:t>d</a:t>
             </a:r>
             <a:endParaRPr lang="de-DE" dirty="0"/>
@@ -4972,23 +4872,23 @@
       </p:sp>
       <p:cxnSp>
         <p:nvCxnSpPr>
-          <p:cNvPr id="29" name="Gerade Verbindung mit Pfeil 28">
-            <a:extLst>
-              <a:ext uri="{FF2B5EF4-FFF2-40B4-BE49-F238E27FC236}">
-                <a16:creationId xmlns:a16="http://schemas.microsoft.com/office/drawing/2014/main" id="{31957391-3F8F-4BAC-BB8F-B7F09A27EE6E}"/>
+          <p:cNvPr id="42" name="Gerade Verbindung mit Pfeil 41">
+            <a:extLst>
+              <a:ext uri="{FF2B5EF4-FFF2-40B4-BE49-F238E27FC236}">
+                <a16:creationId xmlns:a16="http://schemas.microsoft.com/office/drawing/2014/main" id="{DB1CB7D1-BFC9-43DA-A7A2-B08E7C0BAE16}"/>
               </a:ext>
             </a:extLst>
           </p:cNvPr>
           <p:cNvCxnSpPr>
-            <a:stCxn id="22" idx="3"/>
-            <a:endCxn id="23" idx="1"/>
+            <a:cxnSpLocks/>
+            <a:stCxn id="21" idx="3"/>
           </p:cNvCxnSpPr>
           <p:nvPr/>
         </p:nvCxnSpPr>
         <p:spPr>
-          <a:xfrm flipV="1">
-            <a:off x="2467992" y="2907438"/>
-            <a:ext cx="978024" cy="1"/>
+          <a:xfrm>
+            <a:off x="3724137" y="3059675"/>
+            <a:ext cx="1191693" cy="0"/>
           </a:xfrm>
           <a:prstGeom prst="straightConnector1">
             <a:avLst/>
@@ -5012,170 +4912,14 @@
           </a:fontRef>
         </p:style>
       </p:cxnSp>
-      <p:cxnSp>
-        <p:nvCxnSpPr>
-          <p:cNvPr id="30" name="Gerade Verbindung mit Pfeil 29">
-            <a:extLst>
-              <a:ext uri="{FF2B5EF4-FFF2-40B4-BE49-F238E27FC236}">
-                <a16:creationId xmlns:a16="http://schemas.microsoft.com/office/drawing/2014/main" id="{01015336-D26D-4AE8-AEBF-F9C99006BC9D}"/>
-              </a:ext>
-            </a:extLst>
-          </p:cNvPr>
-          <p:cNvCxnSpPr/>
-          <p:nvPr/>
-        </p:nvCxnSpPr>
-        <p:spPr>
-          <a:xfrm flipV="1">
-            <a:off x="4253884" y="2907432"/>
-            <a:ext cx="978024" cy="1"/>
-          </a:xfrm>
-          <a:prstGeom prst="straightConnector1">
-            <a:avLst/>
-          </a:prstGeom>
-          <a:ln>
-            <a:tailEnd type="triangle"/>
-          </a:ln>
-        </p:spPr>
-        <p:style>
-          <a:lnRef idx="1">
-            <a:schemeClr val="accent1"/>
-          </a:lnRef>
-          <a:fillRef idx="0">
-            <a:schemeClr val="accent1"/>
-          </a:fillRef>
-          <a:effectRef idx="0">
-            <a:schemeClr val="accent1"/>
-          </a:effectRef>
-          <a:fontRef idx="minor">
-            <a:schemeClr val="tx1"/>
-          </a:fontRef>
-        </p:style>
-      </p:cxnSp>
-      <p:cxnSp>
-        <p:nvCxnSpPr>
-          <p:cNvPr id="31" name="Gerade Verbindung mit Pfeil 30">
-            <a:extLst>
-              <a:ext uri="{FF2B5EF4-FFF2-40B4-BE49-F238E27FC236}">
-                <a16:creationId xmlns:a16="http://schemas.microsoft.com/office/drawing/2014/main" id="{4E6EE34D-27A4-4BD6-8872-CF74512398C3}"/>
-              </a:ext>
-            </a:extLst>
-          </p:cNvPr>
-          <p:cNvCxnSpPr/>
-          <p:nvPr/>
-        </p:nvCxnSpPr>
-        <p:spPr>
-          <a:xfrm flipV="1">
-            <a:off x="5883676" y="2905212"/>
-            <a:ext cx="978024" cy="1"/>
-          </a:xfrm>
-          <a:prstGeom prst="straightConnector1">
-            <a:avLst/>
-          </a:prstGeom>
-          <a:ln>
-            <a:tailEnd type="triangle"/>
-          </a:ln>
-        </p:spPr>
-        <p:style>
-          <a:lnRef idx="1">
-            <a:schemeClr val="accent1"/>
-          </a:lnRef>
-          <a:fillRef idx="0">
-            <a:schemeClr val="accent1"/>
-          </a:fillRef>
-          <a:effectRef idx="0">
-            <a:schemeClr val="accent1"/>
-          </a:effectRef>
-          <a:fontRef idx="minor">
-            <a:schemeClr val="tx1"/>
-          </a:fontRef>
-        </p:style>
-      </p:cxnSp>
-      <p:cxnSp>
-        <p:nvCxnSpPr>
-          <p:cNvPr id="32" name="Gerade Verbindung mit Pfeil 31">
-            <a:extLst>
-              <a:ext uri="{FF2B5EF4-FFF2-40B4-BE49-F238E27FC236}">
-                <a16:creationId xmlns:a16="http://schemas.microsoft.com/office/drawing/2014/main" id="{A61EA386-485B-476E-8A65-0C136A72F655}"/>
-              </a:ext>
-            </a:extLst>
-          </p:cNvPr>
-          <p:cNvCxnSpPr/>
-          <p:nvPr/>
-        </p:nvCxnSpPr>
-        <p:spPr>
-          <a:xfrm flipV="1">
-            <a:off x="4253884" y="4380179"/>
-            <a:ext cx="978024" cy="1"/>
-          </a:xfrm>
-          <a:prstGeom prst="straightConnector1">
-            <a:avLst/>
-          </a:prstGeom>
-          <a:ln>
-            <a:tailEnd type="triangle"/>
-          </a:ln>
-        </p:spPr>
-        <p:style>
-          <a:lnRef idx="1">
-            <a:schemeClr val="accent1"/>
-          </a:lnRef>
-          <a:fillRef idx="0">
-            <a:schemeClr val="accent1"/>
-          </a:fillRef>
-          <a:effectRef idx="0">
-            <a:schemeClr val="accent1"/>
-          </a:effectRef>
-          <a:fontRef idx="minor">
-            <a:schemeClr val="tx1"/>
-          </a:fontRef>
-        </p:style>
-      </p:cxnSp>
-      <p:cxnSp>
-        <p:nvCxnSpPr>
-          <p:cNvPr id="33" name="Gerade Verbindung mit Pfeil 32">
-            <a:extLst>
-              <a:ext uri="{FF2B5EF4-FFF2-40B4-BE49-F238E27FC236}">
-                <a16:creationId xmlns:a16="http://schemas.microsoft.com/office/drawing/2014/main" id="{40EB4665-7B48-408E-B447-6F50F52533BC}"/>
-              </a:ext>
-            </a:extLst>
-          </p:cNvPr>
-          <p:cNvCxnSpPr/>
-          <p:nvPr/>
-        </p:nvCxnSpPr>
-        <p:spPr>
-          <a:xfrm flipV="1">
-            <a:off x="2467992" y="4380180"/>
-            <a:ext cx="978024" cy="1"/>
-          </a:xfrm>
-          <a:prstGeom prst="straightConnector1">
-            <a:avLst/>
-          </a:prstGeom>
-          <a:ln>
-            <a:tailEnd type="triangle"/>
-          </a:ln>
-        </p:spPr>
-        <p:style>
-          <a:lnRef idx="1">
-            <a:schemeClr val="accent1"/>
-          </a:lnRef>
-          <a:fillRef idx="0">
-            <a:schemeClr val="accent1"/>
-          </a:fillRef>
-          <a:effectRef idx="0">
-            <a:schemeClr val="accent1"/>
-          </a:effectRef>
-          <a:fontRef idx="minor">
-            <a:schemeClr val="tx1"/>
-          </a:fontRef>
-        </p:style>
-      </p:cxnSp>
-      <mc:AlternateContent xmlns:mc="http://schemas.openxmlformats.org/markup-compatibility/2006" xmlns:a14="http://schemas.microsoft.com/office/drawing/2010/main">
-        <mc:Choice Requires="a14">
+      <mc:AlternateContent xmlns:mc="http://schemas.openxmlformats.org/markup-compatibility/2006">
+        <mc:Choice xmlns:a14="http://schemas.microsoft.com/office/drawing/2010/main" Requires="a14">
           <p:sp>
             <p:nvSpPr>
-              <p:cNvPr id="34" name="Textfeld 33">
+              <p:cNvPr id="43" name="Textfeld 42">
                 <a:extLst>
                   <a:ext uri="{FF2B5EF4-FFF2-40B4-BE49-F238E27FC236}">
-                    <a16:creationId xmlns:a16="http://schemas.microsoft.com/office/drawing/2014/main" id="{D571D1EC-78C0-4680-B357-4CFE2DAC7E6C}"/>
+                    <a16:creationId xmlns:a16="http://schemas.microsoft.com/office/drawing/2014/main" id="{835F9439-9489-4FA1-82EA-5D6CC8486FE0}"/>
                   </a:ext>
                 </a:extLst>
               </p:cNvPr>
@@ -5184,7 +4928,7 @@
             </p:nvSpPr>
             <p:spPr>
               <a:xfrm>
-                <a:off x="2771985" y="2583398"/>
+                <a:off x="4090846" y="2735634"/>
                 <a:ext cx="370038" cy="369332"/>
               </a:xfrm>
               <a:prstGeom prst="rect">
@@ -5222,13 +4966,13 @@
             </p:txBody>
           </p:sp>
         </mc:Choice>
-        <mc:Fallback xmlns="">
+        <mc:Fallback>
           <p:sp>
             <p:nvSpPr>
-              <p:cNvPr id="34" name="Textfeld 33">
+              <p:cNvPr id="43" name="Textfeld 42">
                 <a:extLst>
                   <a:ext uri="{FF2B5EF4-FFF2-40B4-BE49-F238E27FC236}">
-                    <a16:creationId xmlns:a16="http://schemas.microsoft.com/office/drawing/2014/main" id="{D571D1EC-78C0-4680-B357-4CFE2DAC7E6C}"/>
+                    <a16:creationId xmlns:a16="http://schemas.microsoft.com/office/drawing/2014/main" id="{835F9439-9489-4FA1-82EA-5D6CC8486FE0}"/>
                   </a:ext>
                 </a:extLst>
               </p:cNvPr>
@@ -5239,7 +4983,7 @@
             </p:nvSpPr>
             <p:spPr>
               <a:xfrm>
-                <a:off x="2771985" y="2583398"/>
+                <a:off x="4090846" y="2735634"/>
                 <a:ext cx="370038" cy="369332"/>
               </a:xfrm>
               <a:prstGeom prst="rect">
@@ -5267,14 +5011,14 @@
           </p:sp>
         </mc:Fallback>
       </mc:AlternateContent>
-      <mc:AlternateContent xmlns:mc="http://schemas.openxmlformats.org/markup-compatibility/2006" xmlns:a14="http://schemas.microsoft.com/office/drawing/2010/main">
-        <mc:Choice Requires="a14">
+      <mc:AlternateContent xmlns:mc="http://schemas.openxmlformats.org/markup-compatibility/2006">
+        <mc:Choice xmlns:a14="http://schemas.microsoft.com/office/drawing/2010/main" Requires="a14">
           <p:sp>
             <p:nvSpPr>
-              <p:cNvPr id="35" name="Textfeld 34">
+              <p:cNvPr id="44" name="Textfeld 43">
                 <a:extLst>
                   <a:ext uri="{FF2B5EF4-FFF2-40B4-BE49-F238E27FC236}">
-                    <a16:creationId xmlns:a16="http://schemas.microsoft.com/office/drawing/2014/main" id="{447CC500-9331-49C6-A131-844D3AF97CE9}"/>
+                    <a16:creationId xmlns:a16="http://schemas.microsoft.com/office/drawing/2014/main" id="{7768A08D-E10D-48B9-88AB-D633A726CD65}"/>
                   </a:ext>
                 </a:extLst>
               </p:cNvPr>
@@ -5283,7 +5027,7 @@
             </p:nvSpPr>
             <p:spPr>
               <a:xfrm>
-                <a:off x="4500071" y="2560750"/>
+                <a:off x="6142756" y="2688116"/>
                 <a:ext cx="370038" cy="369332"/>
               </a:xfrm>
               <a:prstGeom prst="rect">
@@ -5321,13 +5065,13 @@
             </p:txBody>
           </p:sp>
         </mc:Choice>
-        <mc:Fallback xmlns="">
+        <mc:Fallback>
           <p:sp>
             <p:nvSpPr>
-              <p:cNvPr id="35" name="Textfeld 34">
+              <p:cNvPr id="44" name="Textfeld 43">
                 <a:extLst>
                   <a:ext uri="{FF2B5EF4-FFF2-40B4-BE49-F238E27FC236}">
-                    <a16:creationId xmlns:a16="http://schemas.microsoft.com/office/drawing/2014/main" id="{447CC500-9331-49C6-A131-844D3AF97CE9}"/>
+                    <a16:creationId xmlns:a16="http://schemas.microsoft.com/office/drawing/2014/main" id="{7768A08D-E10D-48B9-88AB-D633A726CD65}"/>
                   </a:ext>
                 </a:extLst>
               </p:cNvPr>
@@ -5338,7 +5082,7 @@
             </p:nvSpPr>
             <p:spPr>
               <a:xfrm>
-                <a:off x="4500071" y="2560750"/>
+                <a:off x="6142756" y="2688116"/>
                 <a:ext cx="370038" cy="369332"/>
               </a:xfrm>
               <a:prstGeom prst="rect">
@@ -5366,14 +5110,14 @@
           </p:sp>
         </mc:Fallback>
       </mc:AlternateContent>
-      <mc:AlternateContent xmlns:mc="http://schemas.openxmlformats.org/markup-compatibility/2006" xmlns:a14="http://schemas.microsoft.com/office/drawing/2010/main">
-        <mc:Choice Requires="a14">
+      <mc:AlternateContent xmlns:mc="http://schemas.openxmlformats.org/markup-compatibility/2006">
+        <mc:Choice xmlns:a14="http://schemas.microsoft.com/office/drawing/2010/main" Requires="a14">
           <p:sp>
             <p:nvSpPr>
-              <p:cNvPr id="36" name="Textfeld 35">
+              <p:cNvPr id="45" name="Textfeld 44">
                 <a:extLst>
                   <a:ext uri="{FF2B5EF4-FFF2-40B4-BE49-F238E27FC236}">
-                    <a16:creationId xmlns:a16="http://schemas.microsoft.com/office/drawing/2014/main" id="{F0D89058-6560-4FFC-A414-05557F53EED2}"/>
+                    <a16:creationId xmlns:a16="http://schemas.microsoft.com/office/drawing/2014/main" id="{8968F470-C33C-4ED3-9D96-327F6ECF939C}"/>
                   </a:ext>
                 </a:extLst>
               </p:cNvPr>
@@ -5382,7 +5126,7 @@
             </p:nvSpPr>
             <p:spPr>
               <a:xfrm>
-                <a:off x="6325204" y="2535880"/>
+                <a:off x="8181857" y="2704444"/>
                 <a:ext cx="370038" cy="369332"/>
               </a:xfrm>
               <a:prstGeom prst="rect">
@@ -5420,13 +5164,13 @@
             </p:txBody>
           </p:sp>
         </mc:Choice>
-        <mc:Fallback xmlns="">
+        <mc:Fallback>
           <p:sp>
             <p:nvSpPr>
-              <p:cNvPr id="36" name="Textfeld 35">
+              <p:cNvPr id="45" name="Textfeld 44">
                 <a:extLst>
                   <a:ext uri="{FF2B5EF4-FFF2-40B4-BE49-F238E27FC236}">
-                    <a16:creationId xmlns:a16="http://schemas.microsoft.com/office/drawing/2014/main" id="{F0D89058-6560-4FFC-A414-05557F53EED2}"/>
+                    <a16:creationId xmlns:a16="http://schemas.microsoft.com/office/drawing/2014/main" id="{8968F470-C33C-4ED3-9D96-327F6ECF939C}"/>
                   </a:ext>
                 </a:extLst>
               </p:cNvPr>
@@ -5437,7 +5181,7 @@
             </p:nvSpPr>
             <p:spPr>
               <a:xfrm>
-                <a:off x="6325204" y="2535880"/>
+                <a:off x="8181857" y="2704444"/>
                 <a:ext cx="370038" cy="369332"/>
               </a:xfrm>
               <a:prstGeom prst="rect">
@@ -5465,14 +5209,288 @@
           </p:sp>
         </mc:Fallback>
       </mc:AlternateContent>
-      <mc:AlternateContent xmlns:mc="http://schemas.openxmlformats.org/markup-compatibility/2006" xmlns:a14="http://schemas.microsoft.com/office/drawing/2010/main">
-        <mc:Choice Requires="a14">
+      <p:cxnSp>
+        <p:nvCxnSpPr>
+          <p:cNvPr id="46" name="Gerade Verbindung mit Pfeil 45">
+            <a:extLst>
+              <a:ext uri="{FF2B5EF4-FFF2-40B4-BE49-F238E27FC236}">
+                <a16:creationId xmlns:a16="http://schemas.microsoft.com/office/drawing/2014/main" id="{1D16E349-3317-4E7E-99B7-F665F53E221A}"/>
+              </a:ext>
+            </a:extLst>
+          </p:cNvPr>
+          <p:cNvCxnSpPr>
+            <a:cxnSpLocks/>
+          </p:cNvCxnSpPr>
+          <p:nvPr/>
+        </p:nvCxnSpPr>
+        <p:spPr>
+          <a:xfrm>
+            <a:off x="5716528" y="3048347"/>
+            <a:ext cx="1222494" cy="9101"/>
+          </a:xfrm>
+          <a:prstGeom prst="straightConnector1">
+            <a:avLst/>
+          </a:prstGeom>
+          <a:ln>
+            <a:tailEnd type="triangle"/>
+          </a:ln>
+        </p:spPr>
+        <p:style>
+          <a:lnRef idx="1">
+            <a:schemeClr val="accent1"/>
+          </a:lnRef>
+          <a:fillRef idx="0">
+            <a:schemeClr val="accent1"/>
+          </a:fillRef>
+          <a:effectRef idx="0">
+            <a:schemeClr val="accent1"/>
+          </a:effectRef>
+          <a:fontRef idx="minor">
+            <a:schemeClr val="tx1"/>
+          </a:fontRef>
+        </p:style>
+      </p:cxnSp>
+      <p:cxnSp>
+        <p:nvCxnSpPr>
+          <p:cNvPr id="47" name="Gerade Verbindung mit Pfeil 46">
+            <a:extLst>
+              <a:ext uri="{FF2B5EF4-FFF2-40B4-BE49-F238E27FC236}">
+                <a16:creationId xmlns:a16="http://schemas.microsoft.com/office/drawing/2014/main" id="{3DEF08A8-92B6-4526-AFF8-9A940744AE67}"/>
+              </a:ext>
+            </a:extLst>
+          </p:cNvPr>
+          <p:cNvCxnSpPr>
+            <a:cxnSpLocks/>
+          </p:cNvCxnSpPr>
+          <p:nvPr/>
+        </p:nvCxnSpPr>
+        <p:spPr>
+          <a:xfrm>
+            <a:off x="7764664" y="3070050"/>
+            <a:ext cx="1222494" cy="9101"/>
+          </a:xfrm>
+          <a:prstGeom prst="straightConnector1">
+            <a:avLst/>
+          </a:prstGeom>
+          <a:ln>
+            <a:tailEnd type="triangle"/>
+          </a:ln>
+        </p:spPr>
+        <p:style>
+          <a:lnRef idx="1">
+            <a:schemeClr val="accent1"/>
+          </a:lnRef>
+          <a:fillRef idx="0">
+            <a:schemeClr val="accent1"/>
+          </a:fillRef>
+          <a:effectRef idx="0">
+            <a:schemeClr val="accent1"/>
+          </a:effectRef>
+          <a:fontRef idx="minor">
+            <a:schemeClr val="tx1"/>
+          </a:fontRef>
+        </p:style>
+      </p:cxnSp>
+      <p:sp>
+        <p:nvSpPr>
+          <p:cNvPr id="48" name="Rechteck 47">
+            <a:extLst>
+              <a:ext uri="{FF2B5EF4-FFF2-40B4-BE49-F238E27FC236}">
+                <a16:creationId xmlns:a16="http://schemas.microsoft.com/office/drawing/2014/main" id="{D930E6C0-5EE0-48BC-A9FF-A57FC2C8C0BE}"/>
+              </a:ext>
+            </a:extLst>
+          </p:cNvPr>
+          <p:cNvSpPr/>
+          <p:nvPr/>
+        </p:nvSpPr>
+        <p:spPr>
+          <a:xfrm>
+            <a:off x="2916269" y="4186779"/>
+            <a:ext cx="807868" cy="648069"/>
+          </a:xfrm>
+          <a:prstGeom prst="rect">
+            <a:avLst/>
+          </a:prstGeom>
+        </p:spPr>
+        <p:style>
+          <a:lnRef idx="2">
+            <a:schemeClr val="accent1">
+              <a:shade val="50000"/>
+            </a:schemeClr>
+          </a:lnRef>
+          <a:fillRef idx="1">
+            <a:schemeClr val="accent1"/>
+          </a:fillRef>
+          <a:effectRef idx="0">
+            <a:schemeClr val="accent1"/>
+          </a:effectRef>
+          <a:fontRef idx="minor">
+            <a:schemeClr val="lt1"/>
+          </a:fontRef>
+        </p:style>
+        <p:txBody>
+          <a:bodyPr rtlCol="0" anchor="ctr"/>
+          <a:lstStyle/>
+          <a:p>
+            <a:pPr algn="ctr"/>
+            <a:r>
+              <a:rPr lang="en-GB" dirty="0"/>
+              <a:t>e</a:t>
+            </a:r>
+            <a:endParaRPr lang="de-DE" dirty="0"/>
+          </a:p>
+        </p:txBody>
+      </p:sp>
+      <p:sp>
+        <p:nvSpPr>
+          <p:cNvPr id="49" name="Rechteck 48">
+            <a:extLst>
+              <a:ext uri="{FF2B5EF4-FFF2-40B4-BE49-F238E27FC236}">
+                <a16:creationId xmlns:a16="http://schemas.microsoft.com/office/drawing/2014/main" id="{26E4EF1D-EFEB-43B7-894D-07424CDD01E7}"/>
+              </a:ext>
+            </a:extLst>
+          </p:cNvPr>
+          <p:cNvSpPr/>
+          <p:nvPr/>
+        </p:nvSpPr>
+        <p:spPr>
+          <a:xfrm>
+            <a:off x="4908660" y="4186774"/>
+            <a:ext cx="807868" cy="648069"/>
+          </a:xfrm>
+          <a:prstGeom prst="rect">
+            <a:avLst/>
+          </a:prstGeom>
+        </p:spPr>
+        <p:style>
+          <a:lnRef idx="2">
+            <a:schemeClr val="accent1">
+              <a:shade val="50000"/>
+            </a:schemeClr>
+          </a:lnRef>
+          <a:fillRef idx="1">
+            <a:schemeClr val="accent1"/>
+          </a:fillRef>
+          <a:effectRef idx="0">
+            <a:schemeClr val="accent1"/>
+          </a:effectRef>
+          <a:fontRef idx="minor">
+            <a:schemeClr val="lt1"/>
+          </a:fontRef>
+        </p:style>
+        <p:txBody>
+          <a:bodyPr rtlCol="0" anchor="ctr"/>
+          <a:lstStyle/>
+          <a:p>
+            <a:pPr algn="ctr"/>
+            <a:r>
+              <a:rPr lang="en-GB" dirty="0"/>
+              <a:t>f</a:t>
+            </a:r>
+            <a:endParaRPr lang="de-DE" dirty="0"/>
+          </a:p>
+        </p:txBody>
+      </p:sp>
+      <p:sp>
+        <p:nvSpPr>
+          <p:cNvPr id="50" name="Rechteck 49">
+            <a:extLst>
+              <a:ext uri="{FF2B5EF4-FFF2-40B4-BE49-F238E27FC236}">
+                <a16:creationId xmlns:a16="http://schemas.microsoft.com/office/drawing/2014/main" id="{44F5E53F-BE64-4089-ACF4-667FD2D13593}"/>
+              </a:ext>
+            </a:extLst>
+          </p:cNvPr>
+          <p:cNvSpPr/>
+          <p:nvPr/>
+        </p:nvSpPr>
+        <p:spPr>
+          <a:xfrm>
+            <a:off x="6947909" y="4175451"/>
+            <a:ext cx="807868" cy="648069"/>
+          </a:xfrm>
+          <a:prstGeom prst="rect">
+            <a:avLst/>
+          </a:prstGeom>
+        </p:spPr>
+        <p:style>
+          <a:lnRef idx="2">
+            <a:schemeClr val="accent1">
+              <a:shade val="50000"/>
+            </a:schemeClr>
+          </a:lnRef>
+          <a:fillRef idx="1">
+            <a:schemeClr val="accent1"/>
+          </a:fillRef>
+          <a:effectRef idx="0">
+            <a:schemeClr val="accent1"/>
+          </a:effectRef>
+          <a:fontRef idx="minor">
+            <a:schemeClr val="lt1"/>
+          </a:fontRef>
+        </p:style>
+        <p:txBody>
+          <a:bodyPr rtlCol="0" anchor="ctr"/>
+          <a:lstStyle/>
+          <a:p>
+            <a:pPr algn="ctr"/>
+            <a:r>
+              <a:rPr lang="en-GB" dirty="0"/>
+              <a:t>g</a:t>
+            </a:r>
+            <a:endParaRPr lang="de-DE" dirty="0"/>
+          </a:p>
+        </p:txBody>
+      </p:sp>
+      <p:cxnSp>
+        <p:nvCxnSpPr>
+          <p:cNvPr id="51" name="Gerade Verbindung mit Pfeil 50">
+            <a:extLst>
+              <a:ext uri="{FF2B5EF4-FFF2-40B4-BE49-F238E27FC236}">
+                <a16:creationId xmlns:a16="http://schemas.microsoft.com/office/drawing/2014/main" id="{3FCB5EC0-D8CF-461C-AD60-2E7C263D8F1C}"/>
+              </a:ext>
+            </a:extLst>
+          </p:cNvPr>
+          <p:cNvCxnSpPr>
+            <a:cxnSpLocks/>
+            <a:stCxn id="48" idx="3"/>
+          </p:cNvCxnSpPr>
+          <p:nvPr/>
+        </p:nvCxnSpPr>
+        <p:spPr>
+          <a:xfrm>
+            <a:off x="3724137" y="4510814"/>
+            <a:ext cx="1191693" cy="0"/>
+          </a:xfrm>
+          <a:prstGeom prst="straightConnector1">
+            <a:avLst/>
+          </a:prstGeom>
+          <a:ln>
+            <a:tailEnd type="triangle"/>
+          </a:ln>
+        </p:spPr>
+        <p:style>
+          <a:lnRef idx="1">
+            <a:schemeClr val="accent1"/>
+          </a:lnRef>
+          <a:fillRef idx="0">
+            <a:schemeClr val="accent1"/>
+          </a:fillRef>
+          <a:effectRef idx="0">
+            <a:schemeClr val="accent1"/>
+          </a:effectRef>
+          <a:fontRef idx="minor">
+            <a:schemeClr val="tx1"/>
+          </a:fontRef>
+        </p:style>
+      </p:cxnSp>
+      <mc:AlternateContent xmlns:mc="http://schemas.openxmlformats.org/markup-compatibility/2006">
+        <mc:Choice xmlns:a14="http://schemas.microsoft.com/office/drawing/2010/main" Requires="a14">
           <p:sp>
             <p:nvSpPr>
-              <p:cNvPr id="37" name="Textfeld 36">
+              <p:cNvPr id="52" name="Textfeld 51">
                 <a:extLst>
                   <a:ext uri="{FF2B5EF4-FFF2-40B4-BE49-F238E27FC236}">
-                    <a16:creationId xmlns:a16="http://schemas.microsoft.com/office/drawing/2014/main" id="{FD4451D1-494E-4386-8F34-5166B0899915}"/>
+                    <a16:creationId xmlns:a16="http://schemas.microsoft.com/office/drawing/2014/main" id="{04D67341-6060-4D10-B379-5F33B924D83C}"/>
                   </a:ext>
                 </a:extLst>
               </p:cNvPr>
@@ -5481,8 +5499,8 @@
             </p:nvSpPr>
             <p:spPr>
               <a:xfrm>
-                <a:off x="4141607" y="3814542"/>
-                <a:ext cx="1251751" cy="610936"/>
+                <a:off x="3780251" y="4118831"/>
+                <a:ext cx="1079463" cy="369332"/>
               </a:xfrm>
               <a:prstGeom prst="rect">
                 <a:avLst/>
@@ -5490,7 +5508,134 @@
               <a:noFill/>
             </p:spPr>
             <p:txBody>
-              <a:bodyPr wrap="square" rtlCol="0">
+              <a:bodyPr wrap="none" rtlCol="0">
+                <a:spAutoFit/>
+              </a:bodyPr>
+              <a:lstStyle/>
+              <a:p>
+                <a:pPr/>
+                <a14:m>
+                  <m:oMathPara xmlns:m="http://schemas.openxmlformats.org/officeDocument/2006/math">
+                    <m:oMathParaPr>
+                      <m:jc m:val="centerGroup"/>
+                    </m:oMathParaPr>
+                    <m:oMath xmlns:m="http://schemas.openxmlformats.org/officeDocument/2006/math">
+                      <m:r>
+                        <a:rPr lang="de-DE" i="1" dirty="0" smtClean="0">
+                          <a:solidFill>
+                            <a:srgbClr val="92D050"/>
+                          </a:solidFill>
+                          <a:latin typeface="Cambria Math" panose="02040503050406030204" pitchFamily="18" charset="0"/>
+                        </a:rPr>
+                        <m:t>𝛿</m:t>
+                      </m:r>
+                      <m:r>
+                        <a:rPr lang="en-GB" b="0" i="1" dirty="0" smtClean="0">
+                          <a:solidFill>
+                            <a:srgbClr val="92D050"/>
+                          </a:solidFill>
+                          <a:latin typeface="Cambria Math" panose="02040503050406030204" pitchFamily="18" charset="0"/>
+                        </a:rPr>
+                        <m:t>(1+</m:t>
+                      </m:r>
+                      <m:r>
+                        <a:rPr lang="en-GB" b="0" i="1" dirty="0" smtClean="0">
+                          <a:solidFill>
+                            <a:srgbClr val="92D050"/>
+                          </a:solidFill>
+                          <a:latin typeface="Cambria Math" panose="02040503050406030204" pitchFamily="18" charset="0"/>
+                          <a:ea typeface="Cambria Math" panose="02040503050406030204" pitchFamily="18" charset="0"/>
+                        </a:rPr>
+                        <m:t>𝜀</m:t>
+                      </m:r>
+                      <m:r>
+                        <a:rPr lang="en-GB" b="0" i="1" dirty="0" smtClean="0">
+                          <a:solidFill>
+                            <a:srgbClr val="92D050"/>
+                          </a:solidFill>
+                          <a:latin typeface="Cambria Math" panose="02040503050406030204" pitchFamily="18" charset="0"/>
+                        </a:rPr>
+                        <m:t>)</m:t>
+                      </m:r>
+                    </m:oMath>
+                  </m:oMathPara>
+                </a14:m>
+                <a:endParaRPr lang="de-DE" dirty="0"/>
+              </a:p>
+            </p:txBody>
+          </p:sp>
+        </mc:Choice>
+        <mc:Fallback>
+          <p:sp>
+            <p:nvSpPr>
+              <p:cNvPr id="52" name="Textfeld 51">
+                <a:extLst>
+                  <a:ext uri="{FF2B5EF4-FFF2-40B4-BE49-F238E27FC236}">
+                    <a16:creationId xmlns:a16="http://schemas.microsoft.com/office/drawing/2014/main" id="{04D67341-6060-4D10-B379-5F33B924D83C}"/>
+                  </a:ext>
+                </a:extLst>
+              </p:cNvPr>
+              <p:cNvSpPr txBox="1">
+                <a:spLocks noRot="1" noChangeAspect="1" noMove="1" noResize="1" noEditPoints="1" noAdjustHandles="1" noChangeArrowheads="1" noChangeShapeType="1" noTextEdit="1"/>
+              </p:cNvSpPr>
+              <p:nvPr/>
+            </p:nvSpPr>
+            <p:spPr>
+              <a:xfrm>
+                <a:off x="3780251" y="4118831"/>
+                <a:ext cx="1079463" cy="369332"/>
+              </a:xfrm>
+              <a:prstGeom prst="rect">
+                <a:avLst/>
+              </a:prstGeom>
+              <a:blipFill>
+                <a:blip r:embed="rId5"/>
+                <a:stretch>
+                  <a:fillRect b="-13333"/>
+                </a:stretch>
+              </a:blipFill>
+            </p:spPr>
+            <p:txBody>
+              <a:bodyPr/>
+              <a:lstStyle/>
+              <a:p>
+                <a:r>
+                  <a:rPr lang="de-DE">
+                    <a:noFill/>
+                  </a:rPr>
+                  <a:t> </a:t>
+                </a:r>
+              </a:p>
+            </p:txBody>
+          </p:sp>
+        </mc:Fallback>
+      </mc:AlternateContent>
+      <mc:AlternateContent xmlns:mc="http://schemas.openxmlformats.org/markup-compatibility/2006">
+        <mc:Choice xmlns:a14="http://schemas.microsoft.com/office/drawing/2010/main" Requires="a14">
+          <p:sp>
+            <p:nvSpPr>
+              <p:cNvPr id="53" name="Textfeld 52">
+                <a:extLst>
+                  <a:ext uri="{FF2B5EF4-FFF2-40B4-BE49-F238E27FC236}">
+                    <a16:creationId xmlns:a16="http://schemas.microsoft.com/office/drawing/2014/main" id="{4B62D079-BB81-4125-B9D6-3728DD837518}"/>
+                  </a:ext>
+                </a:extLst>
+              </p:cNvPr>
+              <p:cNvSpPr txBox="1"/>
+              <p:nvPr/>
+            </p:nvSpPr>
+            <p:spPr>
+              <a:xfrm>
+                <a:off x="5732143" y="3926994"/>
+                <a:ext cx="1297471" cy="610936"/>
+              </a:xfrm>
+              <a:prstGeom prst="rect">
+                <a:avLst/>
+              </a:prstGeom>
+              <a:noFill/>
+            </p:spPr>
+            <p:txBody>
+              <a:bodyPr wrap="none" rtlCol="0">
                 <a:spAutoFit/>
               </a:bodyPr>
               <a:lstStyle/>
@@ -5560,126 +5705,8 @@
                             <a:srgbClr val="92D050"/>
                           </a:solidFill>
                           <a:latin typeface="Cambria Math" panose="02040503050406030204" pitchFamily="18" charset="0"/>
-                          <a:ea typeface="Cambria Math" panose="02040503050406030204" pitchFamily="18" charset="0"/>
                         </a:rPr>
-                        <m:t>𝜀</m:t>
-                      </m:r>
-                      <m:r>
-                        <a:rPr lang="en-GB" b="0" i="1" dirty="0" smtClean="0">
-                          <a:solidFill>
-                            <a:srgbClr val="92D050"/>
-                          </a:solidFill>
-                          <a:latin typeface="Cambria Math" panose="02040503050406030204" pitchFamily="18" charset="0"/>
-                        </a:rPr>
-                        <m:t>)</m:t>
-                      </m:r>
-                    </m:oMath>
-                  </m:oMathPara>
-                </a14:m>
-                <a:endParaRPr lang="de-DE" dirty="0"/>
-              </a:p>
-            </p:txBody>
-          </p:sp>
-        </mc:Choice>
-        <mc:Fallback xmlns="">
-          <p:sp>
-            <p:nvSpPr>
-              <p:cNvPr id="37" name="Textfeld 36">
-                <a:extLst>
-                  <a:ext uri="{FF2B5EF4-FFF2-40B4-BE49-F238E27FC236}">
-                    <a16:creationId xmlns:a16="http://schemas.microsoft.com/office/drawing/2014/main" id="{FD4451D1-494E-4386-8F34-5166B0899915}"/>
-                  </a:ext>
-                </a:extLst>
-              </p:cNvPr>
-              <p:cNvSpPr txBox="1">
-                <a:spLocks noRot="1" noChangeAspect="1" noMove="1" noResize="1" noEditPoints="1" noAdjustHandles="1" noChangeArrowheads="1" noChangeShapeType="1" noTextEdit="1"/>
-              </p:cNvSpPr>
-              <p:nvPr/>
-            </p:nvSpPr>
-            <p:spPr>
-              <a:xfrm>
-                <a:off x="4141607" y="3814542"/>
-                <a:ext cx="1251751" cy="610936"/>
-              </a:xfrm>
-              <a:prstGeom prst="rect">
-                <a:avLst/>
-              </a:prstGeom>
-              <a:blipFill>
-                <a:blip r:embed="rId5"/>
-                <a:stretch>
-                  <a:fillRect/>
-                </a:stretch>
-              </a:blipFill>
-            </p:spPr>
-            <p:txBody>
-              <a:bodyPr/>
-              <a:lstStyle/>
-              <a:p>
-                <a:r>
-                  <a:rPr lang="de-DE">
-                    <a:noFill/>
-                  </a:rPr>
-                  <a:t> </a:t>
-                </a:r>
-              </a:p>
-            </p:txBody>
-          </p:sp>
-        </mc:Fallback>
-      </mc:AlternateContent>
-      <mc:AlternateContent xmlns:mc="http://schemas.openxmlformats.org/markup-compatibility/2006" xmlns:a14="http://schemas.microsoft.com/office/drawing/2010/main">
-        <mc:Choice Requires="a14">
-          <p:sp>
-            <p:nvSpPr>
-              <p:cNvPr id="38" name="Textfeld 37">
-                <a:extLst>
-                  <a:ext uri="{FF2B5EF4-FFF2-40B4-BE49-F238E27FC236}">
-                    <a16:creationId xmlns:a16="http://schemas.microsoft.com/office/drawing/2014/main" id="{86CCF95D-0FE5-400B-933C-CC74A91AC0AD}"/>
-                  </a:ext>
-                </a:extLst>
-              </p:cNvPr>
-              <p:cNvSpPr txBox="1"/>
-              <p:nvPr/>
-            </p:nvSpPr>
-            <p:spPr>
-              <a:xfrm>
-                <a:off x="2453790" y="4056146"/>
-                <a:ext cx="1079463" cy="369332"/>
-              </a:xfrm>
-              <a:prstGeom prst="rect">
-                <a:avLst/>
-              </a:prstGeom>
-              <a:noFill/>
-            </p:spPr>
-            <p:txBody>
-              <a:bodyPr wrap="none" rtlCol="0">
-                <a:spAutoFit/>
-              </a:bodyPr>
-              <a:lstStyle/>
-              <a:p>
-                <a:pPr/>
-                <a14:m>
-                  <m:oMathPara xmlns:m="http://schemas.openxmlformats.org/officeDocument/2006/math">
-                    <m:oMathParaPr>
-                      <m:jc m:val="centerGroup"/>
-                    </m:oMathParaPr>
-                    <m:oMath xmlns:m="http://schemas.openxmlformats.org/officeDocument/2006/math">
-                      <m:r>
-                        <a:rPr lang="de-DE" i="1" dirty="0" smtClean="0">
-                          <a:solidFill>
-                            <a:srgbClr val="92D050"/>
-                          </a:solidFill>
-                          <a:latin typeface="Cambria Math" panose="02040503050406030204" pitchFamily="18" charset="0"/>
-                        </a:rPr>
-                        <m:t>𝛿</m:t>
-                      </m:r>
-                      <m:r>
-                        <a:rPr lang="en-GB" b="0" i="1" dirty="0" smtClean="0">
-                          <a:solidFill>
-                            <a:srgbClr val="92D050"/>
-                          </a:solidFill>
-                          <a:latin typeface="Cambria Math" panose="02040503050406030204" pitchFamily="18" charset="0"/>
-                        </a:rPr>
-                        <m:t>(1+</m:t>
+                        <m:t> </m:t>
                       </m:r>
                       <m:r>
                         <a:rPr lang="en-GB" b="0" i="1" dirty="0" smtClean="0">
@@ -5708,13 +5735,13 @@
             </p:txBody>
           </p:sp>
         </mc:Choice>
-        <mc:Fallback xmlns="">
+        <mc:Fallback>
           <p:sp>
             <p:nvSpPr>
-              <p:cNvPr id="38" name="Textfeld 37">
+              <p:cNvPr id="53" name="Textfeld 52">
                 <a:extLst>
                   <a:ext uri="{FF2B5EF4-FFF2-40B4-BE49-F238E27FC236}">
-                    <a16:creationId xmlns:a16="http://schemas.microsoft.com/office/drawing/2014/main" id="{86CCF95D-0FE5-400B-933C-CC74A91AC0AD}"/>
+                    <a16:creationId xmlns:a16="http://schemas.microsoft.com/office/drawing/2014/main" id="{4B62D079-BB81-4125-B9D6-3728DD837518}"/>
                   </a:ext>
                 </a:extLst>
               </p:cNvPr>
@@ -5725,8 +5752,8 @@
             </p:nvSpPr>
             <p:spPr>
               <a:xfrm>
-                <a:off x="2453790" y="4056146"/>
-                <a:ext cx="1079463" cy="369332"/>
+                <a:off x="5732143" y="3926994"/>
+                <a:ext cx="1297471" cy="610936"/>
               </a:xfrm>
               <a:prstGeom prst="rect">
                 <a:avLst/>
@@ -5734,7 +5761,7 @@
               <a:blipFill>
                 <a:blip r:embed="rId6"/>
                 <a:stretch>
-                  <a:fillRect b="-13115"/>
+                  <a:fillRect/>
                 </a:stretch>
               </a:blipFill>
             </p:spPr>
@@ -5753,6 +5780,47 @@
           </p:sp>
         </mc:Fallback>
       </mc:AlternateContent>
+      <p:cxnSp>
+        <p:nvCxnSpPr>
+          <p:cNvPr id="54" name="Gerade Verbindung mit Pfeil 53">
+            <a:extLst>
+              <a:ext uri="{FF2B5EF4-FFF2-40B4-BE49-F238E27FC236}">
+                <a16:creationId xmlns:a16="http://schemas.microsoft.com/office/drawing/2014/main" id="{823999D2-68FE-4CD9-8668-EA1445113649}"/>
+              </a:ext>
+            </a:extLst>
+          </p:cNvPr>
+          <p:cNvCxnSpPr>
+            <a:cxnSpLocks/>
+          </p:cNvCxnSpPr>
+          <p:nvPr/>
+        </p:nvCxnSpPr>
+        <p:spPr>
+          <a:xfrm>
+            <a:off x="5726698" y="4492559"/>
+            <a:ext cx="1222494" cy="9101"/>
+          </a:xfrm>
+          <a:prstGeom prst="straightConnector1">
+            <a:avLst/>
+          </a:prstGeom>
+          <a:ln>
+            <a:tailEnd type="triangle"/>
+          </a:ln>
+        </p:spPr>
+        <p:style>
+          <a:lnRef idx="1">
+            <a:schemeClr val="accent1"/>
+          </a:lnRef>
+          <a:fillRef idx="0">
+            <a:schemeClr val="accent1"/>
+          </a:fillRef>
+          <a:effectRef idx="0">
+            <a:schemeClr val="accent1"/>
+          </a:effectRef>
+          <a:fontRef idx="minor">
+            <a:schemeClr val="tx1"/>
+          </a:fontRef>
+        </p:style>
+      </p:cxnSp>
     </p:spTree>
     <p:extLst>
       <p:ext uri="{BB962C8B-B14F-4D97-AF65-F5344CB8AC3E}">
@@ -5788,7 +5856,7 @@
           <p:cNvPr id="2" name="Titel 1">
             <a:extLst>
               <a:ext uri="{FF2B5EF4-FFF2-40B4-BE49-F238E27FC236}">
-                <a16:creationId xmlns:a16="http://schemas.microsoft.com/office/drawing/2014/main" id="{95533951-5988-43A8-9F8F-2B7424CA50A1}"/>
+                <a16:creationId xmlns:a16="http://schemas.microsoft.com/office/drawing/2014/main" id="{561B7CFF-B80E-4270-B13E-A52407A34EBF}"/>
               </a:ext>
             </a:extLst>
           </p:cNvPr>
@@ -5806,7 +5874,7 @@
           <a:p>
             <a:r>
               <a:rPr lang="en-GB" dirty="0"/>
-              <a:t>Algorithm</a:t>
+              <a:t>Running Time Analysis</a:t>
             </a:r>
             <a:endParaRPr lang="de-DE" dirty="0"/>
           </a:p>
@@ -5817,7 +5885,7 @@
           <p:cNvPr id="3" name="Inhaltsplatzhalter 2">
             <a:extLst>
               <a:ext uri="{FF2B5EF4-FFF2-40B4-BE49-F238E27FC236}">
-                <a16:creationId xmlns:a16="http://schemas.microsoft.com/office/drawing/2014/main" id="{5CE6619A-3615-41E2-9AFD-BC4D844FCCC0}"/>
+                <a16:creationId xmlns:a16="http://schemas.microsoft.com/office/drawing/2014/main" id="{3376259B-0B21-45DA-89B6-D6CDE3E182DF}"/>
               </a:ext>
             </a:extLst>
           </p:cNvPr>
@@ -5833,21 +5901,14 @@
           <a:bodyPr/>
           <a:lstStyle/>
           <a:p>
-            <a:endParaRPr lang="en-GB" dirty="0"/>
-          </a:p>
-          <a:p>
-            <a:r>
-              <a:rPr lang="en-GB" dirty="0"/>
-              <a:t>Running time: </a:t>
-            </a:r>
-            <a:endParaRPr lang="de-DE" dirty="0"/>
+            <a:endParaRPr lang="de-DE"/>
           </a:p>
         </p:txBody>
       </p:sp>
     </p:spTree>
     <p:extLst>
       <p:ext uri="{BB962C8B-B14F-4D97-AF65-F5344CB8AC3E}">
-        <p14:creationId xmlns:p14="http://schemas.microsoft.com/office/powerpoint/2010/main" val="2710473858"/>
+        <p14:creationId xmlns:p14="http://schemas.microsoft.com/office/powerpoint/2010/main" val="3199625065"/>
       </p:ext>
     </p:extLst>
   </p:cSld>
@@ -5903,57 +5964,118 @@
           </a:p>
         </p:txBody>
       </p:sp>
-      <p:sp>
-        <p:nvSpPr>
-          <p:cNvPr id="3" name="Inhaltsplatzhalter 2">
-            <a:extLst>
-              <a:ext uri="{FF2B5EF4-FFF2-40B4-BE49-F238E27FC236}">
-                <a16:creationId xmlns:a16="http://schemas.microsoft.com/office/drawing/2014/main" id="{4F5A3919-58A6-49C1-BBA8-4C23D4ECACC8}"/>
-              </a:ext>
-            </a:extLst>
-          </p:cNvPr>
-          <p:cNvSpPr>
-            <a:spLocks noGrp="1"/>
-          </p:cNvSpPr>
-          <p:nvPr>
-            <p:ph idx="1"/>
-          </p:nvPr>
-        </p:nvSpPr>
-        <p:spPr/>
-        <p:txBody>
-          <a:bodyPr/>
-          <a:lstStyle/>
-          <a:p>
-            <a:r>
-              <a:rPr lang="en-GB" dirty="0"/>
-              <a:t>Small </a:t>
-            </a:r>
-            <a:r>
-              <a:rPr lang="en-GB" dirty="0" err="1"/>
-              <a:t>initizalion</a:t>
-            </a:r>
-            <a:r>
-              <a:rPr lang="en-GB" dirty="0"/>
-              <a:t> values for big graphs and high accuracy </a:t>
-            </a:r>
-          </a:p>
-          <a:p>
-            <a:endParaRPr lang="en-GB" dirty="0"/>
-          </a:p>
-          <a:p>
-            <a:r>
-              <a:rPr lang="en-GB" dirty="0"/>
-              <a:t>Huge variety of edge lengths</a:t>
-            </a:r>
-          </a:p>
-          <a:p>
-            <a:endParaRPr lang="en-GB" dirty="0"/>
-          </a:p>
-          <a:p>
-            <a:endParaRPr lang="de-DE" dirty="0"/>
-          </a:p>
-        </p:txBody>
-      </p:sp>
+      <mc:AlternateContent xmlns:mc="http://schemas.openxmlformats.org/markup-compatibility/2006">
+        <mc:Choice xmlns:a14="http://schemas.microsoft.com/office/drawing/2010/main" Requires="a14">
+          <p:sp>
+            <p:nvSpPr>
+              <p:cNvPr id="3" name="Inhaltsplatzhalter 2">
+                <a:extLst>
+                  <a:ext uri="{FF2B5EF4-FFF2-40B4-BE49-F238E27FC236}">
+                    <a16:creationId xmlns:a16="http://schemas.microsoft.com/office/drawing/2014/main" id="{4F5A3919-58A6-49C1-BBA8-4C23D4ECACC8}"/>
+                  </a:ext>
+                </a:extLst>
+              </p:cNvPr>
+              <p:cNvSpPr>
+                <a:spLocks noGrp="1"/>
+              </p:cNvSpPr>
+              <p:nvPr>
+                <p:ph idx="1"/>
+              </p:nvPr>
+            </p:nvSpPr>
+            <p:spPr/>
+            <p:txBody>
+              <a:bodyPr/>
+              <a:lstStyle/>
+              <a:p>
+                <a:r>
+                  <a:rPr lang="en-GB" dirty="0"/>
+                  <a:t>Small initialization values for big </a:t>
+                </a:r>
+                <a14:m>
+                  <m:oMath xmlns:m="http://schemas.openxmlformats.org/officeDocument/2006/math">
+                    <m:r>
+                      <a:rPr lang="en-GB" b="0" i="1" dirty="0" smtClean="0">
+                        <a:latin typeface="Cambria Math" panose="02040503050406030204" pitchFamily="18" charset="0"/>
+                      </a:rPr>
+                      <m:t>|</m:t>
+                    </m:r>
+                    <m:r>
+                      <a:rPr lang="en-GB" b="0" i="1" dirty="0" smtClean="0">
+                        <a:latin typeface="Cambria Math" panose="02040503050406030204" pitchFamily="18" charset="0"/>
+                      </a:rPr>
+                      <m:t>𝐸</m:t>
+                    </m:r>
+                    <m:r>
+                      <a:rPr lang="en-GB" b="0" i="1" dirty="0" smtClean="0">
+                        <a:latin typeface="Cambria Math" panose="02040503050406030204" pitchFamily="18" charset="0"/>
+                      </a:rPr>
+                      <m:t>|</m:t>
+                    </m:r>
+                  </m:oMath>
+                </a14:m>
+                <a:r>
+                  <a:rPr lang="en-GB" dirty="0"/>
+                  <a:t> and high accuracy </a:t>
+                </a:r>
+              </a:p>
+              <a:p>
+                <a:endParaRPr lang="en-GB" dirty="0"/>
+              </a:p>
+              <a:p>
+                <a:r>
+                  <a:rPr lang="en-GB" dirty="0"/>
+                  <a:t>Huge variety of edge lengths</a:t>
+                </a:r>
+              </a:p>
+              <a:p>
+                <a:endParaRPr lang="en-GB" dirty="0"/>
+              </a:p>
+              <a:p>
+                <a:endParaRPr lang="de-DE" dirty="0"/>
+              </a:p>
+            </p:txBody>
+          </p:sp>
+        </mc:Choice>
+        <mc:Fallback>
+          <p:sp>
+            <p:nvSpPr>
+              <p:cNvPr id="3" name="Inhaltsplatzhalter 2">
+                <a:extLst>
+                  <a:ext uri="{FF2B5EF4-FFF2-40B4-BE49-F238E27FC236}">
+                    <a16:creationId xmlns:a16="http://schemas.microsoft.com/office/drawing/2014/main" id="{4F5A3919-58A6-49C1-BBA8-4C23D4ECACC8}"/>
+                  </a:ext>
+                </a:extLst>
+              </p:cNvPr>
+              <p:cNvSpPr>
+                <a:spLocks noGrp="1" noRot="1" noChangeAspect="1" noMove="1" noResize="1" noEditPoints="1" noAdjustHandles="1" noChangeArrowheads="1" noChangeShapeType="1" noTextEdit="1"/>
+              </p:cNvSpPr>
+              <p:nvPr>
+                <p:ph idx="1"/>
+              </p:nvPr>
+            </p:nvSpPr>
+            <p:spPr>
+              <a:blipFill>
+                <a:blip r:embed="rId2"/>
+                <a:stretch>
+                  <a:fillRect l="-1043" t="-2241"/>
+                </a:stretch>
+              </a:blipFill>
+            </p:spPr>
+            <p:txBody>
+              <a:bodyPr/>
+              <a:lstStyle/>
+              <a:p>
+                <a:r>
+                  <a:rPr lang="de-DE">
+                    <a:noFill/>
+                  </a:rPr>
+                  <a:t> </a:t>
+                </a:r>
+              </a:p>
+            </p:txBody>
+          </p:sp>
+        </mc:Fallback>
+      </mc:AlternateContent>
     </p:spTree>
     <p:extLst>
       <p:ext uri="{BB962C8B-B14F-4D97-AF65-F5344CB8AC3E}">
@@ -6013,12 +6135,1083 @@
           </a:p>
         </p:txBody>
       </p:sp>
+      <mc:AlternateContent xmlns:mc="http://schemas.openxmlformats.org/markup-compatibility/2006">
+        <mc:Choice xmlns:a14="http://schemas.microsoft.com/office/drawing/2010/main" Requires="a14">
+          <p:sp>
+            <p:nvSpPr>
+              <p:cNvPr id="3" name="Inhaltsplatzhalter 2">
+                <a:extLst>
+                  <a:ext uri="{FF2B5EF4-FFF2-40B4-BE49-F238E27FC236}">
+                    <a16:creationId xmlns:a16="http://schemas.microsoft.com/office/drawing/2014/main" id="{2883A833-147A-43CC-B1F8-38BC0A1D3B53}"/>
+                  </a:ext>
+                </a:extLst>
+              </p:cNvPr>
+              <p:cNvSpPr>
+                <a:spLocks noGrp="1"/>
+              </p:cNvSpPr>
+              <p:nvPr>
+                <p:ph idx="1"/>
+              </p:nvPr>
+            </p:nvSpPr>
+            <p:spPr>
+              <a:xfrm>
+                <a:off x="838200" y="1825625"/>
+                <a:ext cx="10515600" cy="4351338"/>
+              </a:xfrm>
+            </p:spPr>
+            <p:txBody>
+              <a:bodyPr/>
+              <a:lstStyle/>
+              <a:p>
+                <a:r>
+                  <a:rPr lang="en-GB" dirty="0"/>
+                  <a:t>Stop earlier if primal dual ratio is already smaller than </a:t>
+                </a:r>
+                <a14:m>
+                  <m:oMath xmlns:m="http://schemas.openxmlformats.org/officeDocument/2006/math">
+                    <m:r>
+                      <a:rPr lang="en-GB" b="0" i="1" smtClean="0">
+                        <a:latin typeface="Cambria Math" panose="02040503050406030204" pitchFamily="18" charset="0"/>
+                      </a:rPr>
+                      <m:t>(1+</m:t>
+                    </m:r>
+                    <m:r>
+                      <a:rPr lang="en-GB" b="0" i="1" smtClean="0">
+                        <a:latin typeface="Cambria Math" panose="02040503050406030204" pitchFamily="18" charset="0"/>
+                        <a:ea typeface="Cambria Math" panose="02040503050406030204" pitchFamily="18" charset="0"/>
+                      </a:rPr>
+                      <m:t>𝜔</m:t>
+                    </m:r>
+                    <m:r>
+                      <a:rPr lang="en-GB" b="0" i="1" smtClean="0">
+                        <a:latin typeface="Cambria Math" panose="02040503050406030204" pitchFamily="18" charset="0"/>
+                      </a:rPr>
+                      <m:t>)</m:t>
+                    </m:r>
+                  </m:oMath>
+                </a14:m>
+                <a:r>
+                  <a:rPr lang="en-GB" dirty="0"/>
+                  <a:t> </a:t>
+                </a:r>
+              </a:p>
+              <a:p>
+                <a:endParaRPr lang="en-GB" dirty="0"/>
+              </a:p>
+            </p:txBody>
+          </p:sp>
+        </mc:Choice>
+        <mc:Fallback>
+          <p:sp>
+            <p:nvSpPr>
+              <p:cNvPr id="3" name="Inhaltsplatzhalter 2">
+                <a:extLst>
+                  <a:ext uri="{FF2B5EF4-FFF2-40B4-BE49-F238E27FC236}">
+                    <a16:creationId xmlns:a16="http://schemas.microsoft.com/office/drawing/2014/main" id="{2883A833-147A-43CC-B1F8-38BC0A1D3B53}"/>
+                  </a:ext>
+                </a:extLst>
+              </p:cNvPr>
+              <p:cNvSpPr>
+                <a:spLocks noGrp="1" noRot="1" noChangeAspect="1" noMove="1" noResize="1" noEditPoints="1" noAdjustHandles="1" noChangeArrowheads="1" noChangeShapeType="1" noTextEdit="1"/>
+              </p:cNvSpPr>
+              <p:nvPr>
+                <p:ph idx="1"/>
+              </p:nvPr>
+            </p:nvSpPr>
+            <p:spPr>
+              <a:xfrm>
+                <a:off x="838200" y="1825625"/>
+                <a:ext cx="10515600" cy="4351338"/>
+              </a:xfrm>
+              <a:blipFill>
+                <a:blip r:embed="rId2"/>
+                <a:stretch>
+                  <a:fillRect l="-1043" t="-2241"/>
+                </a:stretch>
+              </a:blipFill>
+            </p:spPr>
+            <p:txBody>
+              <a:bodyPr/>
+              <a:lstStyle/>
+              <a:p>
+                <a:r>
+                  <a:rPr lang="de-DE">
+                    <a:noFill/>
+                  </a:rPr>
+                  <a:t> </a:t>
+                </a:r>
+              </a:p>
+            </p:txBody>
+          </p:sp>
+        </mc:Fallback>
+      </mc:AlternateContent>
+      <p:sp>
+        <p:nvSpPr>
+          <p:cNvPr id="4" name="Rechteck 3">
+            <a:extLst>
+              <a:ext uri="{FF2B5EF4-FFF2-40B4-BE49-F238E27FC236}">
+                <a16:creationId xmlns:a16="http://schemas.microsoft.com/office/drawing/2014/main" id="{9B5BF4E8-6883-48E7-AC3F-5277984CE537}"/>
+              </a:ext>
+            </a:extLst>
+          </p:cNvPr>
+          <p:cNvSpPr/>
+          <p:nvPr/>
+        </p:nvSpPr>
+        <p:spPr>
+          <a:xfrm>
+            <a:off x="2869513" y="4070350"/>
+            <a:ext cx="807868" cy="648069"/>
+          </a:xfrm>
+          <a:prstGeom prst="rect">
+            <a:avLst/>
+          </a:prstGeom>
+        </p:spPr>
+        <p:style>
+          <a:lnRef idx="2">
+            <a:schemeClr val="accent1">
+              <a:shade val="50000"/>
+            </a:schemeClr>
+          </a:lnRef>
+          <a:fillRef idx="1">
+            <a:schemeClr val="accent1"/>
+          </a:fillRef>
+          <a:effectRef idx="0">
+            <a:schemeClr val="accent1"/>
+          </a:effectRef>
+          <a:fontRef idx="minor">
+            <a:schemeClr val="lt1"/>
+          </a:fontRef>
+        </p:style>
+        <p:txBody>
+          <a:bodyPr rtlCol="0" anchor="ctr"/>
+          <a:lstStyle/>
+          <a:p>
+            <a:pPr algn="ctr"/>
+            <a:r>
+              <a:rPr lang="en-GB" dirty="0"/>
+              <a:t>a</a:t>
+            </a:r>
+            <a:endParaRPr lang="de-DE" dirty="0"/>
+          </a:p>
+        </p:txBody>
+      </p:sp>
+      <p:sp>
+        <p:nvSpPr>
+          <p:cNvPr id="5" name="Rechteck 4">
+            <a:extLst>
+              <a:ext uri="{FF2B5EF4-FFF2-40B4-BE49-F238E27FC236}">
+                <a16:creationId xmlns:a16="http://schemas.microsoft.com/office/drawing/2014/main" id="{C199D1B3-F295-44FA-861B-6BEDE99A1600}"/>
+              </a:ext>
+            </a:extLst>
+          </p:cNvPr>
+          <p:cNvSpPr/>
+          <p:nvPr/>
+        </p:nvSpPr>
+        <p:spPr>
+          <a:xfrm>
+            <a:off x="4861904" y="4070345"/>
+            <a:ext cx="807868" cy="648069"/>
+          </a:xfrm>
+          <a:prstGeom prst="rect">
+            <a:avLst/>
+          </a:prstGeom>
+        </p:spPr>
+        <p:style>
+          <a:lnRef idx="2">
+            <a:schemeClr val="accent1">
+              <a:shade val="50000"/>
+            </a:schemeClr>
+          </a:lnRef>
+          <a:fillRef idx="1">
+            <a:schemeClr val="accent1"/>
+          </a:fillRef>
+          <a:effectRef idx="0">
+            <a:schemeClr val="accent1"/>
+          </a:effectRef>
+          <a:fontRef idx="minor">
+            <a:schemeClr val="lt1"/>
+          </a:fontRef>
+        </p:style>
+        <p:txBody>
+          <a:bodyPr rtlCol="0" anchor="ctr"/>
+          <a:lstStyle/>
+          <a:p>
+            <a:pPr algn="ctr"/>
+            <a:r>
+              <a:rPr lang="en-GB" dirty="0"/>
+              <a:t>b</a:t>
+            </a:r>
+            <a:endParaRPr lang="de-DE" dirty="0"/>
+          </a:p>
+        </p:txBody>
+      </p:sp>
+      <p:sp>
+        <p:nvSpPr>
+          <p:cNvPr id="6" name="Rechteck 5">
+            <a:extLst>
+              <a:ext uri="{FF2B5EF4-FFF2-40B4-BE49-F238E27FC236}">
+                <a16:creationId xmlns:a16="http://schemas.microsoft.com/office/drawing/2014/main" id="{DF299BE8-DB04-4A91-92B3-793D0018A4E6}"/>
+              </a:ext>
+            </a:extLst>
+          </p:cNvPr>
+          <p:cNvSpPr/>
+          <p:nvPr/>
+        </p:nvSpPr>
+        <p:spPr>
+          <a:xfrm>
+            <a:off x="6901153" y="4059022"/>
+            <a:ext cx="807868" cy="648069"/>
+          </a:xfrm>
+          <a:prstGeom prst="rect">
+            <a:avLst/>
+          </a:prstGeom>
+        </p:spPr>
+        <p:style>
+          <a:lnRef idx="2">
+            <a:schemeClr val="accent1">
+              <a:shade val="50000"/>
+            </a:schemeClr>
+          </a:lnRef>
+          <a:fillRef idx="1">
+            <a:schemeClr val="accent1"/>
+          </a:fillRef>
+          <a:effectRef idx="0">
+            <a:schemeClr val="accent1"/>
+          </a:effectRef>
+          <a:fontRef idx="minor">
+            <a:schemeClr val="lt1"/>
+          </a:fontRef>
+        </p:style>
+        <p:txBody>
+          <a:bodyPr rtlCol="0" anchor="ctr"/>
+          <a:lstStyle/>
+          <a:p>
+            <a:pPr algn="ctr"/>
+            <a:r>
+              <a:rPr lang="en-GB" dirty="0"/>
+              <a:t>c</a:t>
+            </a:r>
+            <a:endParaRPr lang="de-DE" dirty="0"/>
+          </a:p>
+        </p:txBody>
+      </p:sp>
+      <p:cxnSp>
+        <p:nvCxnSpPr>
+          <p:cNvPr id="7" name="Gerade Verbindung mit Pfeil 6">
+            <a:extLst>
+              <a:ext uri="{FF2B5EF4-FFF2-40B4-BE49-F238E27FC236}">
+                <a16:creationId xmlns:a16="http://schemas.microsoft.com/office/drawing/2014/main" id="{8CD4A320-AB72-42E7-8D7F-AECB83844285}"/>
+              </a:ext>
+            </a:extLst>
+          </p:cNvPr>
+          <p:cNvCxnSpPr>
+            <a:cxnSpLocks/>
+            <a:stCxn id="4" idx="3"/>
+          </p:cNvCxnSpPr>
+          <p:nvPr/>
+        </p:nvCxnSpPr>
+        <p:spPr>
+          <a:xfrm>
+            <a:off x="3677381" y="4394385"/>
+            <a:ext cx="1191693" cy="0"/>
+          </a:xfrm>
+          <a:prstGeom prst="straightConnector1">
+            <a:avLst/>
+          </a:prstGeom>
+          <a:ln>
+            <a:tailEnd type="triangle"/>
+          </a:ln>
+        </p:spPr>
+        <p:style>
+          <a:lnRef idx="1">
+            <a:schemeClr val="accent1"/>
+          </a:lnRef>
+          <a:fillRef idx="0">
+            <a:schemeClr val="accent1"/>
+          </a:fillRef>
+          <a:effectRef idx="0">
+            <a:schemeClr val="accent1"/>
+          </a:effectRef>
+          <a:fontRef idx="minor">
+            <a:schemeClr val="tx1"/>
+          </a:fontRef>
+        </p:style>
+      </p:cxnSp>
+      <p:sp>
+        <p:nvSpPr>
+          <p:cNvPr id="8" name="Textfeld 7">
+            <a:extLst>
+              <a:ext uri="{FF2B5EF4-FFF2-40B4-BE49-F238E27FC236}">
+                <a16:creationId xmlns:a16="http://schemas.microsoft.com/office/drawing/2014/main" id="{72B91ACD-C9A9-4E6C-AEA8-11B67C2D82F0}"/>
+              </a:ext>
+            </a:extLst>
+          </p:cNvPr>
+          <p:cNvSpPr txBox="1"/>
+          <p:nvPr/>
+        </p:nvSpPr>
+        <p:spPr>
+          <a:xfrm>
+            <a:off x="4044090" y="4070344"/>
+            <a:ext cx="508473" cy="369332"/>
+          </a:xfrm>
+          <a:prstGeom prst="rect">
+            <a:avLst/>
+          </a:prstGeom>
+          <a:noFill/>
+        </p:spPr>
+        <p:txBody>
+          <a:bodyPr wrap="none" rtlCol="0">
+            <a:spAutoFit/>
+          </a:bodyPr>
+          <a:lstStyle/>
+          <a:p>
+            <a:pPr/>
+            <a:r>
+              <a:rPr lang="en-GB" dirty="0">
+                <a:solidFill>
+                  <a:srgbClr val="FF0000"/>
+                </a:solidFill>
+              </a:rPr>
+              <a:t>2</a:t>
+            </a:r>
+            <a:r>
+              <a:rPr lang="en-GB" dirty="0"/>
+              <a:t>/2</a:t>
+            </a:r>
+            <a:endParaRPr lang="de-DE" dirty="0">
+              <a:solidFill>
+                <a:srgbClr val="FF0000"/>
+              </a:solidFill>
+            </a:endParaRPr>
+          </a:p>
+        </p:txBody>
+      </p:sp>
+      <mc:AlternateContent xmlns:mc="http://schemas.openxmlformats.org/markup-compatibility/2006">
+        <mc:Choice xmlns:a14="http://schemas.microsoft.com/office/drawing/2010/main" Requires="a14">
+          <p:sp>
+            <p:nvSpPr>
+              <p:cNvPr id="9" name="Textfeld 8">
+                <a:extLst>
+                  <a:ext uri="{FF2B5EF4-FFF2-40B4-BE49-F238E27FC236}">
+                    <a16:creationId xmlns:a16="http://schemas.microsoft.com/office/drawing/2014/main" id="{424F44FC-DB8B-490A-B117-B5DEEBD38F7F}"/>
+                  </a:ext>
+                </a:extLst>
+              </p:cNvPr>
+              <p:cNvSpPr txBox="1"/>
+              <p:nvPr/>
+            </p:nvSpPr>
+            <p:spPr>
+              <a:xfrm>
+                <a:off x="6096000" y="4022826"/>
+                <a:ext cx="607859" cy="369332"/>
+              </a:xfrm>
+              <a:prstGeom prst="rect">
+                <a:avLst/>
+              </a:prstGeom>
+              <a:noFill/>
+            </p:spPr>
+            <p:txBody>
+              <a:bodyPr wrap="none" rtlCol="0">
+                <a:spAutoFit/>
+              </a:bodyPr>
+              <a:lstStyle/>
+              <a:p>
+                <a:pPr/>
+                <a14:m>
+                  <m:oMathPara xmlns:m="http://schemas.openxmlformats.org/officeDocument/2006/math">
+                    <m:oMathParaPr>
+                      <m:jc m:val="centerGroup"/>
+                    </m:oMathParaPr>
+                    <m:oMath xmlns:m="http://schemas.openxmlformats.org/officeDocument/2006/math">
+                      <m:r>
+                        <a:rPr lang="en-GB" b="0" i="1" dirty="0" smtClean="0">
+                          <a:solidFill>
+                            <a:srgbClr val="FF0000"/>
+                          </a:solidFill>
+                          <a:latin typeface="Cambria Math" panose="02040503050406030204" pitchFamily="18" charset="0"/>
+                        </a:rPr>
+                        <m:t>2</m:t>
+                      </m:r>
+                      <m:r>
+                        <a:rPr lang="en-GB" b="0" i="1" dirty="0" smtClean="0">
+                          <a:solidFill>
+                            <a:schemeClr val="tx1"/>
+                          </a:solidFill>
+                          <a:latin typeface="Cambria Math" panose="02040503050406030204" pitchFamily="18" charset="0"/>
+                        </a:rPr>
+                        <m:t>/2</m:t>
+                      </m:r>
+                    </m:oMath>
+                  </m:oMathPara>
+                </a14:m>
+                <a:endParaRPr lang="de-DE" dirty="0">
+                  <a:solidFill>
+                    <a:srgbClr val="FF0000"/>
+                  </a:solidFill>
+                </a:endParaRPr>
+              </a:p>
+            </p:txBody>
+          </p:sp>
+        </mc:Choice>
+        <mc:Fallback>
+          <p:sp>
+            <p:nvSpPr>
+              <p:cNvPr id="9" name="Textfeld 8">
+                <a:extLst>
+                  <a:ext uri="{FF2B5EF4-FFF2-40B4-BE49-F238E27FC236}">
+                    <a16:creationId xmlns:a16="http://schemas.microsoft.com/office/drawing/2014/main" id="{424F44FC-DB8B-490A-B117-B5DEEBD38F7F}"/>
+                  </a:ext>
+                </a:extLst>
+              </p:cNvPr>
+              <p:cNvSpPr txBox="1">
+                <a:spLocks noRot="1" noChangeAspect="1" noMove="1" noResize="1" noEditPoints="1" noAdjustHandles="1" noChangeArrowheads="1" noChangeShapeType="1" noTextEdit="1"/>
+              </p:cNvSpPr>
+              <p:nvPr/>
+            </p:nvSpPr>
+            <p:spPr>
+              <a:xfrm>
+                <a:off x="6096000" y="4022826"/>
+                <a:ext cx="607859" cy="369332"/>
+              </a:xfrm>
+              <a:prstGeom prst="rect">
+                <a:avLst/>
+              </a:prstGeom>
+              <a:blipFill>
+                <a:blip r:embed="rId3"/>
+                <a:stretch>
+                  <a:fillRect b="-13333"/>
+                </a:stretch>
+              </a:blipFill>
+            </p:spPr>
+            <p:txBody>
+              <a:bodyPr/>
+              <a:lstStyle/>
+              <a:p>
+                <a:r>
+                  <a:rPr lang="de-DE">
+                    <a:noFill/>
+                  </a:rPr>
+                  <a:t> </a:t>
+                </a:r>
+              </a:p>
+            </p:txBody>
+          </p:sp>
+        </mc:Fallback>
+      </mc:AlternateContent>
+      <p:cxnSp>
+        <p:nvCxnSpPr>
+          <p:cNvPr id="11" name="Gerade Verbindung mit Pfeil 10">
+            <a:extLst>
+              <a:ext uri="{FF2B5EF4-FFF2-40B4-BE49-F238E27FC236}">
+                <a16:creationId xmlns:a16="http://schemas.microsoft.com/office/drawing/2014/main" id="{C368E4D0-340D-4AD0-BE34-E41A290E8910}"/>
+              </a:ext>
+            </a:extLst>
+          </p:cNvPr>
+          <p:cNvCxnSpPr>
+            <a:cxnSpLocks/>
+          </p:cNvCxnSpPr>
+          <p:nvPr/>
+        </p:nvCxnSpPr>
+        <p:spPr>
+          <a:xfrm>
+            <a:off x="5669772" y="4383057"/>
+            <a:ext cx="1222494" cy="9101"/>
+          </a:xfrm>
+          <a:prstGeom prst="straightConnector1">
+            <a:avLst/>
+          </a:prstGeom>
+          <a:ln>
+            <a:tailEnd type="triangle"/>
+          </a:ln>
+        </p:spPr>
+        <p:style>
+          <a:lnRef idx="1">
+            <a:schemeClr val="accent1"/>
+          </a:lnRef>
+          <a:fillRef idx="0">
+            <a:schemeClr val="accent1"/>
+          </a:fillRef>
+          <a:effectRef idx="0">
+            <a:schemeClr val="accent1"/>
+          </a:effectRef>
+          <a:fontRef idx="minor">
+            <a:schemeClr val="tx1"/>
+          </a:fontRef>
+        </p:style>
+      </p:cxnSp>
+      <p:sp>
+        <p:nvSpPr>
+          <p:cNvPr id="13" name="Rechteck 12">
+            <a:extLst>
+              <a:ext uri="{FF2B5EF4-FFF2-40B4-BE49-F238E27FC236}">
+                <a16:creationId xmlns:a16="http://schemas.microsoft.com/office/drawing/2014/main" id="{8B0B1A3A-3501-4EFC-8A8E-34661CC64B6A}"/>
+              </a:ext>
+            </a:extLst>
+          </p:cNvPr>
+          <p:cNvSpPr/>
+          <p:nvPr/>
+        </p:nvSpPr>
+        <p:spPr>
+          <a:xfrm>
+            <a:off x="2869513" y="2972669"/>
+            <a:ext cx="807868" cy="648069"/>
+          </a:xfrm>
+          <a:prstGeom prst="rect">
+            <a:avLst/>
+          </a:prstGeom>
+        </p:spPr>
+        <p:style>
+          <a:lnRef idx="2">
+            <a:schemeClr val="accent1">
+              <a:shade val="50000"/>
+            </a:schemeClr>
+          </a:lnRef>
+          <a:fillRef idx="1">
+            <a:schemeClr val="accent1"/>
+          </a:fillRef>
+          <a:effectRef idx="0">
+            <a:schemeClr val="accent1"/>
+          </a:effectRef>
+          <a:fontRef idx="minor">
+            <a:schemeClr val="lt1"/>
+          </a:fontRef>
+        </p:style>
+        <p:txBody>
+          <a:bodyPr rtlCol="0" anchor="ctr"/>
+          <a:lstStyle/>
+          <a:p>
+            <a:pPr algn="ctr"/>
+            <a:r>
+              <a:rPr lang="en-GB" dirty="0"/>
+              <a:t>a</a:t>
+            </a:r>
+            <a:endParaRPr lang="de-DE" dirty="0"/>
+          </a:p>
+        </p:txBody>
+      </p:sp>
+      <p:sp>
+        <p:nvSpPr>
+          <p:cNvPr id="14" name="Rechteck 13">
+            <a:extLst>
+              <a:ext uri="{FF2B5EF4-FFF2-40B4-BE49-F238E27FC236}">
+                <a16:creationId xmlns:a16="http://schemas.microsoft.com/office/drawing/2014/main" id="{DC2A4048-EF75-4971-8834-C2394B784528}"/>
+              </a:ext>
+            </a:extLst>
+          </p:cNvPr>
+          <p:cNvSpPr/>
+          <p:nvPr/>
+        </p:nvSpPr>
+        <p:spPr>
+          <a:xfrm>
+            <a:off x="4861904" y="2972664"/>
+            <a:ext cx="807868" cy="648069"/>
+          </a:xfrm>
+          <a:prstGeom prst="rect">
+            <a:avLst/>
+          </a:prstGeom>
+        </p:spPr>
+        <p:style>
+          <a:lnRef idx="2">
+            <a:schemeClr val="accent1">
+              <a:shade val="50000"/>
+            </a:schemeClr>
+          </a:lnRef>
+          <a:fillRef idx="1">
+            <a:schemeClr val="accent1"/>
+          </a:fillRef>
+          <a:effectRef idx="0">
+            <a:schemeClr val="accent1"/>
+          </a:effectRef>
+          <a:fontRef idx="minor">
+            <a:schemeClr val="lt1"/>
+          </a:fontRef>
+        </p:style>
+        <p:txBody>
+          <a:bodyPr rtlCol="0" anchor="ctr"/>
+          <a:lstStyle/>
+          <a:p>
+            <a:pPr algn="ctr"/>
+            <a:r>
+              <a:rPr lang="en-GB" dirty="0"/>
+              <a:t>b</a:t>
+            </a:r>
+            <a:endParaRPr lang="de-DE" dirty="0"/>
+          </a:p>
+        </p:txBody>
+      </p:sp>
+      <p:sp>
+        <p:nvSpPr>
+          <p:cNvPr id="15" name="Rechteck 14">
+            <a:extLst>
+              <a:ext uri="{FF2B5EF4-FFF2-40B4-BE49-F238E27FC236}">
+                <a16:creationId xmlns:a16="http://schemas.microsoft.com/office/drawing/2014/main" id="{77564A59-94AC-4994-9C88-5E1C5A796F99}"/>
+              </a:ext>
+            </a:extLst>
+          </p:cNvPr>
+          <p:cNvSpPr/>
+          <p:nvPr/>
+        </p:nvSpPr>
+        <p:spPr>
+          <a:xfrm>
+            <a:off x="6901153" y="2961341"/>
+            <a:ext cx="807868" cy="648069"/>
+          </a:xfrm>
+          <a:prstGeom prst="rect">
+            <a:avLst/>
+          </a:prstGeom>
+        </p:spPr>
+        <p:style>
+          <a:lnRef idx="2">
+            <a:schemeClr val="accent1">
+              <a:shade val="50000"/>
+            </a:schemeClr>
+          </a:lnRef>
+          <a:fillRef idx="1">
+            <a:schemeClr val="accent1"/>
+          </a:fillRef>
+          <a:effectRef idx="0">
+            <a:schemeClr val="accent1"/>
+          </a:effectRef>
+          <a:fontRef idx="minor">
+            <a:schemeClr val="lt1"/>
+          </a:fontRef>
+        </p:style>
+        <p:txBody>
+          <a:bodyPr rtlCol="0" anchor="ctr"/>
+          <a:lstStyle/>
+          <a:p>
+            <a:pPr algn="ctr"/>
+            <a:r>
+              <a:rPr lang="en-GB" dirty="0"/>
+              <a:t>c</a:t>
+            </a:r>
+            <a:endParaRPr lang="de-DE" dirty="0"/>
+          </a:p>
+        </p:txBody>
+      </p:sp>
+      <p:cxnSp>
+        <p:nvCxnSpPr>
+          <p:cNvPr id="16" name="Gerade Verbindung mit Pfeil 15">
+            <a:extLst>
+              <a:ext uri="{FF2B5EF4-FFF2-40B4-BE49-F238E27FC236}">
+                <a16:creationId xmlns:a16="http://schemas.microsoft.com/office/drawing/2014/main" id="{47481616-0AD5-4937-A0AB-3381639357FE}"/>
+              </a:ext>
+            </a:extLst>
+          </p:cNvPr>
+          <p:cNvCxnSpPr>
+            <a:cxnSpLocks/>
+            <a:stCxn id="13" idx="3"/>
+          </p:cNvCxnSpPr>
+          <p:nvPr/>
+        </p:nvCxnSpPr>
+        <p:spPr>
+          <a:xfrm>
+            <a:off x="3677381" y="3296704"/>
+            <a:ext cx="1191693" cy="0"/>
+          </a:xfrm>
+          <a:prstGeom prst="straightConnector1">
+            <a:avLst/>
+          </a:prstGeom>
+          <a:ln>
+            <a:tailEnd type="triangle"/>
+          </a:ln>
+        </p:spPr>
+        <p:style>
+          <a:lnRef idx="1">
+            <a:schemeClr val="accent1"/>
+          </a:lnRef>
+          <a:fillRef idx="0">
+            <a:schemeClr val="accent1"/>
+          </a:fillRef>
+          <a:effectRef idx="0">
+            <a:schemeClr val="accent1"/>
+          </a:effectRef>
+          <a:fontRef idx="minor">
+            <a:schemeClr val="tx1"/>
+          </a:fontRef>
+        </p:style>
+      </p:cxnSp>
+      <mc:AlternateContent xmlns:mc="http://schemas.openxmlformats.org/markup-compatibility/2006">
+        <mc:Choice xmlns:a14="http://schemas.microsoft.com/office/drawing/2010/main" Requires="a14">
+          <p:sp>
+            <p:nvSpPr>
+              <p:cNvPr id="17" name="Textfeld 16">
+                <a:extLst>
+                  <a:ext uri="{FF2B5EF4-FFF2-40B4-BE49-F238E27FC236}">
+                    <a16:creationId xmlns:a16="http://schemas.microsoft.com/office/drawing/2014/main" id="{A55A66E8-3474-4846-A444-5586BE805D72}"/>
+                  </a:ext>
+                </a:extLst>
+              </p:cNvPr>
+              <p:cNvSpPr txBox="1"/>
+              <p:nvPr/>
+            </p:nvSpPr>
+            <p:spPr>
+              <a:xfrm>
+                <a:off x="3729911" y="2917043"/>
+                <a:ext cx="1079463" cy="369332"/>
+              </a:xfrm>
+              <a:prstGeom prst="rect">
+                <a:avLst/>
+              </a:prstGeom>
+              <a:noFill/>
+            </p:spPr>
+            <p:txBody>
+              <a:bodyPr wrap="none" rtlCol="0">
+                <a:spAutoFit/>
+              </a:bodyPr>
+              <a:lstStyle/>
+              <a:p>
+                <a:pPr/>
+                <a14:m>
+                  <m:oMathPara xmlns:m="http://schemas.openxmlformats.org/officeDocument/2006/math">
+                    <m:oMathParaPr>
+                      <m:jc m:val="centerGroup"/>
+                    </m:oMathParaPr>
+                    <m:oMath xmlns:m="http://schemas.openxmlformats.org/officeDocument/2006/math">
+                      <m:r>
+                        <a:rPr lang="en-GB" i="1" dirty="0" smtClean="0">
+                          <a:solidFill>
+                            <a:srgbClr val="92D050"/>
+                          </a:solidFill>
+                          <a:latin typeface="Cambria Math" panose="02040503050406030204" pitchFamily="18" charset="0"/>
+                          <a:ea typeface="Cambria Math" panose="02040503050406030204" pitchFamily="18" charset="0"/>
+                        </a:rPr>
+                        <m:t>𝛿</m:t>
+                      </m:r>
+                      <m:r>
+                        <a:rPr lang="en-GB" b="0" i="1" dirty="0" smtClean="0">
+                          <a:solidFill>
+                            <a:srgbClr val="92D050"/>
+                          </a:solidFill>
+                          <a:latin typeface="Cambria Math" panose="02040503050406030204" pitchFamily="18" charset="0"/>
+                          <a:ea typeface="Cambria Math" panose="02040503050406030204" pitchFamily="18" charset="0"/>
+                        </a:rPr>
+                        <m:t>(1+</m:t>
+                      </m:r>
+                      <m:r>
+                        <a:rPr lang="en-GB" b="0" i="1" dirty="0" smtClean="0">
+                          <a:solidFill>
+                            <a:srgbClr val="92D050"/>
+                          </a:solidFill>
+                          <a:latin typeface="Cambria Math" panose="02040503050406030204" pitchFamily="18" charset="0"/>
+                          <a:ea typeface="Cambria Math" panose="02040503050406030204" pitchFamily="18" charset="0"/>
+                        </a:rPr>
+                        <m:t>𝜀</m:t>
+                      </m:r>
+                      <m:r>
+                        <a:rPr lang="en-GB" b="0" i="1" dirty="0" smtClean="0">
+                          <a:solidFill>
+                            <a:srgbClr val="92D050"/>
+                          </a:solidFill>
+                          <a:latin typeface="Cambria Math" panose="02040503050406030204" pitchFamily="18" charset="0"/>
+                          <a:ea typeface="Cambria Math" panose="02040503050406030204" pitchFamily="18" charset="0"/>
+                        </a:rPr>
+                        <m:t>)</m:t>
+                      </m:r>
+                    </m:oMath>
+                  </m:oMathPara>
+                </a14:m>
+                <a:endParaRPr lang="de-DE" dirty="0">
+                  <a:solidFill>
+                    <a:srgbClr val="92D050"/>
+                  </a:solidFill>
+                </a:endParaRPr>
+              </a:p>
+            </p:txBody>
+          </p:sp>
+        </mc:Choice>
+        <mc:Fallback>
+          <p:sp>
+            <p:nvSpPr>
+              <p:cNvPr id="17" name="Textfeld 16">
+                <a:extLst>
+                  <a:ext uri="{FF2B5EF4-FFF2-40B4-BE49-F238E27FC236}">
+                    <a16:creationId xmlns:a16="http://schemas.microsoft.com/office/drawing/2014/main" id="{A55A66E8-3474-4846-A444-5586BE805D72}"/>
+                  </a:ext>
+                </a:extLst>
+              </p:cNvPr>
+              <p:cNvSpPr txBox="1">
+                <a:spLocks noRot="1" noChangeAspect="1" noMove="1" noResize="1" noEditPoints="1" noAdjustHandles="1" noChangeArrowheads="1" noChangeShapeType="1" noTextEdit="1"/>
+              </p:cNvSpPr>
+              <p:nvPr/>
+            </p:nvSpPr>
+            <p:spPr>
+              <a:xfrm>
+                <a:off x="3729911" y="2917043"/>
+                <a:ext cx="1079463" cy="369332"/>
+              </a:xfrm>
+              <a:prstGeom prst="rect">
+                <a:avLst/>
+              </a:prstGeom>
+              <a:blipFill>
+                <a:blip r:embed="rId4"/>
+                <a:stretch>
+                  <a:fillRect b="-13333"/>
+                </a:stretch>
+              </a:blipFill>
+            </p:spPr>
+            <p:txBody>
+              <a:bodyPr/>
+              <a:lstStyle/>
+              <a:p>
+                <a:r>
+                  <a:rPr lang="de-DE">
+                    <a:noFill/>
+                  </a:rPr>
+                  <a:t> </a:t>
+                </a:r>
+              </a:p>
+            </p:txBody>
+          </p:sp>
+        </mc:Fallback>
+      </mc:AlternateContent>
+      <mc:AlternateContent xmlns:mc="http://schemas.openxmlformats.org/markup-compatibility/2006">
+        <mc:Choice xmlns:a14="http://schemas.microsoft.com/office/drawing/2010/main" Requires="a14">
+          <p:sp>
+            <p:nvSpPr>
+              <p:cNvPr id="18" name="Textfeld 17">
+                <a:extLst>
+                  <a:ext uri="{FF2B5EF4-FFF2-40B4-BE49-F238E27FC236}">
+                    <a16:creationId xmlns:a16="http://schemas.microsoft.com/office/drawing/2014/main" id="{4AF88402-C9B5-4AB6-8854-4D960A0AC375}"/>
+                  </a:ext>
+                </a:extLst>
+              </p:cNvPr>
+              <p:cNvSpPr txBox="1"/>
+              <p:nvPr/>
+            </p:nvSpPr>
+            <p:spPr>
+              <a:xfrm>
+                <a:off x="5756864" y="2915711"/>
+                <a:ext cx="1126590" cy="646331"/>
+              </a:xfrm>
+              <a:prstGeom prst="rect">
+                <a:avLst/>
+              </a:prstGeom>
+              <a:noFill/>
+            </p:spPr>
+            <p:txBody>
+              <a:bodyPr wrap="none" rtlCol="0">
+                <a:spAutoFit/>
+              </a:bodyPr>
+              <a:lstStyle/>
+              <a:p>
+                <a14:m>
+                  <m:oMathPara xmlns:m="http://schemas.openxmlformats.org/officeDocument/2006/math">
+                    <m:oMathParaPr>
+                      <m:jc m:val="centerGroup"/>
+                    </m:oMathParaPr>
+                    <m:oMath xmlns:m="http://schemas.openxmlformats.org/officeDocument/2006/math">
+                      <m:r>
+                        <a:rPr lang="en-GB" i="1" dirty="0">
+                          <a:solidFill>
+                            <a:srgbClr val="92D050"/>
+                          </a:solidFill>
+                          <a:latin typeface="Cambria Math" panose="02040503050406030204" pitchFamily="18" charset="0"/>
+                          <a:ea typeface="Cambria Math" panose="02040503050406030204" pitchFamily="18" charset="0"/>
+                        </a:rPr>
+                        <m:t>𝛿</m:t>
+                      </m:r>
+                      <m:r>
+                        <a:rPr lang="en-GB" i="1" dirty="0">
+                          <a:solidFill>
+                            <a:srgbClr val="92D050"/>
+                          </a:solidFill>
+                          <a:latin typeface="Cambria Math" panose="02040503050406030204" pitchFamily="18" charset="0"/>
+                          <a:ea typeface="Cambria Math" panose="02040503050406030204" pitchFamily="18" charset="0"/>
+                        </a:rPr>
+                        <m:t>(1+</m:t>
+                      </m:r>
+                      <m:r>
+                        <a:rPr lang="en-GB" i="1" dirty="0">
+                          <a:solidFill>
+                            <a:srgbClr val="92D050"/>
+                          </a:solidFill>
+                          <a:latin typeface="Cambria Math" panose="02040503050406030204" pitchFamily="18" charset="0"/>
+                          <a:ea typeface="Cambria Math" panose="02040503050406030204" pitchFamily="18" charset="0"/>
+                        </a:rPr>
+                        <m:t>𝜀</m:t>
+                      </m:r>
+                      <m:r>
+                        <a:rPr lang="en-GB" i="1" dirty="0">
+                          <a:solidFill>
+                            <a:srgbClr val="92D050"/>
+                          </a:solidFill>
+                          <a:latin typeface="Cambria Math" panose="02040503050406030204" pitchFamily="18" charset="0"/>
+                          <a:ea typeface="Cambria Math" panose="02040503050406030204" pitchFamily="18" charset="0"/>
+                        </a:rPr>
+                        <m:t>)</m:t>
+                      </m:r>
+                    </m:oMath>
+                  </m:oMathPara>
+                </a14:m>
+                <a:endParaRPr lang="de-DE" dirty="0">
+                  <a:solidFill>
+                    <a:srgbClr val="92D050"/>
+                  </a:solidFill>
+                </a:endParaRPr>
+              </a:p>
+              <a:p>
+                <a:pPr/>
+                <a:endParaRPr lang="de-DE" dirty="0">
+                  <a:solidFill>
+                    <a:srgbClr val="92D050"/>
+                  </a:solidFill>
+                </a:endParaRPr>
+              </a:p>
+            </p:txBody>
+          </p:sp>
+        </mc:Choice>
+        <mc:Fallback>
+          <p:sp>
+            <p:nvSpPr>
+              <p:cNvPr id="18" name="Textfeld 17">
+                <a:extLst>
+                  <a:ext uri="{FF2B5EF4-FFF2-40B4-BE49-F238E27FC236}">
+                    <a16:creationId xmlns:a16="http://schemas.microsoft.com/office/drawing/2014/main" id="{4AF88402-C9B5-4AB6-8854-4D960A0AC375}"/>
+                  </a:ext>
+                </a:extLst>
+              </p:cNvPr>
+              <p:cNvSpPr txBox="1">
+                <a:spLocks noRot="1" noChangeAspect="1" noMove="1" noResize="1" noEditPoints="1" noAdjustHandles="1" noChangeArrowheads="1" noChangeShapeType="1" noTextEdit="1"/>
+              </p:cNvSpPr>
+              <p:nvPr/>
+            </p:nvSpPr>
+            <p:spPr>
+              <a:xfrm>
+                <a:off x="5756864" y="2915711"/>
+                <a:ext cx="1126590" cy="646331"/>
+              </a:xfrm>
+              <a:prstGeom prst="rect">
+                <a:avLst/>
+              </a:prstGeom>
+              <a:blipFill>
+                <a:blip r:embed="rId5"/>
+                <a:stretch>
+                  <a:fillRect/>
+                </a:stretch>
+              </a:blipFill>
+            </p:spPr>
+            <p:txBody>
+              <a:bodyPr/>
+              <a:lstStyle/>
+              <a:p>
+                <a:r>
+                  <a:rPr lang="de-DE">
+                    <a:noFill/>
+                  </a:rPr>
+                  <a:t> </a:t>
+                </a:r>
+              </a:p>
+            </p:txBody>
+          </p:sp>
+        </mc:Fallback>
+      </mc:AlternateContent>
+      <p:cxnSp>
+        <p:nvCxnSpPr>
+          <p:cNvPr id="20" name="Gerade Verbindung mit Pfeil 19">
+            <a:extLst>
+              <a:ext uri="{FF2B5EF4-FFF2-40B4-BE49-F238E27FC236}">
+                <a16:creationId xmlns:a16="http://schemas.microsoft.com/office/drawing/2014/main" id="{C2699D34-F501-4B61-95E2-5A254FBDC390}"/>
+              </a:ext>
+            </a:extLst>
+          </p:cNvPr>
+          <p:cNvCxnSpPr>
+            <a:cxnSpLocks/>
+          </p:cNvCxnSpPr>
+          <p:nvPr/>
+        </p:nvCxnSpPr>
+        <p:spPr>
+          <a:xfrm>
+            <a:off x="5669772" y="3285376"/>
+            <a:ext cx="1222494" cy="9101"/>
+          </a:xfrm>
+          <a:prstGeom prst="straightConnector1">
+            <a:avLst/>
+          </a:prstGeom>
+          <a:ln>
+            <a:tailEnd type="triangle"/>
+          </a:ln>
+        </p:spPr>
+        <p:style>
+          <a:lnRef idx="1">
+            <a:schemeClr val="accent1"/>
+          </a:lnRef>
+          <a:fillRef idx="0">
+            <a:schemeClr val="accent1"/>
+          </a:fillRef>
+          <a:effectRef idx="0">
+            <a:schemeClr val="accent1"/>
+          </a:effectRef>
+          <a:fontRef idx="minor">
+            <a:schemeClr val="tx1"/>
+          </a:fontRef>
+        </p:style>
+      </p:cxnSp>
+    </p:spTree>
+    <p:extLst>
+      <p:ext uri="{BB962C8B-B14F-4D97-AF65-F5344CB8AC3E}">
+        <p14:creationId xmlns:p14="http://schemas.microsoft.com/office/powerpoint/2010/main" val="3226686723"/>
+      </p:ext>
+    </p:extLst>
+  </p:cSld>
+  <p:clrMapOvr>
+    <a:masterClrMapping/>
+  </p:clrMapOvr>
+</p:sld>
+</file>
+
+<file path=ppt/slides/slide15.xml><?xml version="1.0" encoding="utf-8"?>
+<p:sld xmlns:a="http://schemas.openxmlformats.org/drawingml/2006/main" xmlns:r="http://schemas.openxmlformats.org/officeDocument/2006/relationships" xmlns:p="http://schemas.openxmlformats.org/presentationml/2006/main">
+  <p:cSld>
+    <p:spTree>
+      <p:nvGrpSpPr>
+        <p:cNvPr id="1" name=""/>
+        <p:cNvGrpSpPr/>
+        <p:nvPr/>
+      </p:nvGrpSpPr>
+      <p:grpSpPr>
+        <a:xfrm>
+          <a:off x="0" y="0"/>
+          <a:ext cx="0" cy="0"/>
+          <a:chOff x="0" y="0"/>
+          <a:chExt cx="0" cy="0"/>
+        </a:xfrm>
+      </p:grpSpPr>
+      <p:sp>
+        <p:nvSpPr>
+          <p:cNvPr id="2" name="Titel 1">
+            <a:extLst>
+              <a:ext uri="{FF2B5EF4-FFF2-40B4-BE49-F238E27FC236}">
+                <a16:creationId xmlns:a16="http://schemas.microsoft.com/office/drawing/2014/main" id="{1A39CA54-5914-4FB4-9C76-067ECAC6D35C}"/>
+              </a:ext>
+            </a:extLst>
+          </p:cNvPr>
+          <p:cNvSpPr>
+            <a:spLocks noGrp="1"/>
+          </p:cNvSpPr>
+          <p:nvPr>
+            <p:ph type="title"/>
+          </p:nvPr>
+        </p:nvSpPr>
+        <p:spPr/>
+        <p:txBody>
+          <a:bodyPr/>
+          <a:lstStyle/>
+          <a:p>
+            <a:r>
+              <a:rPr lang="en-GB" dirty="0"/>
+              <a:t>Modifications</a:t>
+            </a:r>
+            <a:endParaRPr lang="de-DE" dirty="0"/>
+          </a:p>
+        </p:txBody>
+      </p:sp>
       <p:sp>
         <p:nvSpPr>
           <p:cNvPr id="3" name="Inhaltsplatzhalter 2">
             <a:extLst>
               <a:ext uri="{FF2B5EF4-FFF2-40B4-BE49-F238E27FC236}">
-                <a16:creationId xmlns:a16="http://schemas.microsoft.com/office/drawing/2014/main" id="{2883A833-147A-43CC-B1F8-38BC0A1D3B53}"/>
+                <a16:creationId xmlns:a16="http://schemas.microsoft.com/office/drawing/2014/main" id="{D5331855-7856-4AF4-B944-4D6DF9068C31}"/>
               </a:ext>
             </a:extLst>
           </p:cNvPr>
@@ -6034,14 +7227,412 @@
           <a:bodyPr/>
           <a:lstStyle/>
           <a:p>
-            <a:endParaRPr lang="de-DE"/>
+            <a:r>
+              <a:rPr lang="en-GB" dirty="0"/>
+              <a:t>Group commodities</a:t>
+            </a:r>
+            <a:endParaRPr lang="de-DE" dirty="0"/>
           </a:p>
         </p:txBody>
       </p:sp>
+      <p:sp>
+        <p:nvSpPr>
+          <p:cNvPr id="4" name="Rechteck 3">
+            <a:extLst>
+              <a:ext uri="{FF2B5EF4-FFF2-40B4-BE49-F238E27FC236}">
+                <a16:creationId xmlns:a16="http://schemas.microsoft.com/office/drawing/2014/main" id="{85E233EB-476E-4169-9EA4-8C5A88C9BCA2}"/>
+              </a:ext>
+            </a:extLst>
+          </p:cNvPr>
+          <p:cNvSpPr/>
+          <p:nvPr/>
+        </p:nvSpPr>
+        <p:spPr>
+          <a:xfrm>
+            <a:off x="2869513" y="4070350"/>
+            <a:ext cx="807868" cy="648069"/>
+          </a:xfrm>
+          <a:prstGeom prst="rect">
+            <a:avLst/>
+          </a:prstGeom>
+        </p:spPr>
+        <p:style>
+          <a:lnRef idx="2">
+            <a:schemeClr val="accent1">
+              <a:shade val="50000"/>
+            </a:schemeClr>
+          </a:lnRef>
+          <a:fillRef idx="1">
+            <a:schemeClr val="accent1"/>
+          </a:fillRef>
+          <a:effectRef idx="0">
+            <a:schemeClr val="accent1"/>
+          </a:effectRef>
+          <a:fontRef idx="minor">
+            <a:schemeClr val="lt1"/>
+          </a:fontRef>
+        </p:style>
+        <p:txBody>
+          <a:bodyPr rtlCol="0" anchor="ctr"/>
+          <a:lstStyle/>
+          <a:p>
+            <a:pPr algn="ctr"/>
+            <a:r>
+              <a:rPr lang="en-GB" dirty="0"/>
+              <a:t>a</a:t>
+            </a:r>
+            <a:endParaRPr lang="de-DE" dirty="0"/>
+          </a:p>
+        </p:txBody>
+      </p:sp>
+      <p:sp>
+        <p:nvSpPr>
+          <p:cNvPr id="5" name="Rechteck 4">
+            <a:extLst>
+              <a:ext uri="{FF2B5EF4-FFF2-40B4-BE49-F238E27FC236}">
+                <a16:creationId xmlns:a16="http://schemas.microsoft.com/office/drawing/2014/main" id="{FF6955B1-0DA7-420A-814C-037CF891D24D}"/>
+              </a:ext>
+            </a:extLst>
+          </p:cNvPr>
+          <p:cNvSpPr/>
+          <p:nvPr/>
+        </p:nvSpPr>
+        <p:spPr>
+          <a:xfrm>
+            <a:off x="4861904" y="4070345"/>
+            <a:ext cx="807868" cy="648069"/>
+          </a:xfrm>
+          <a:prstGeom prst="rect">
+            <a:avLst/>
+          </a:prstGeom>
+        </p:spPr>
+        <p:style>
+          <a:lnRef idx="2">
+            <a:schemeClr val="accent1">
+              <a:shade val="50000"/>
+            </a:schemeClr>
+          </a:lnRef>
+          <a:fillRef idx="1">
+            <a:schemeClr val="accent1"/>
+          </a:fillRef>
+          <a:effectRef idx="0">
+            <a:schemeClr val="accent1"/>
+          </a:effectRef>
+          <a:fontRef idx="minor">
+            <a:schemeClr val="lt1"/>
+          </a:fontRef>
+        </p:style>
+        <p:txBody>
+          <a:bodyPr rtlCol="0" anchor="ctr"/>
+          <a:lstStyle/>
+          <a:p>
+            <a:pPr algn="ctr"/>
+            <a:r>
+              <a:rPr lang="en-GB" dirty="0"/>
+              <a:t>b</a:t>
+            </a:r>
+            <a:endParaRPr lang="de-DE" dirty="0"/>
+          </a:p>
+        </p:txBody>
+      </p:sp>
+      <p:sp>
+        <p:nvSpPr>
+          <p:cNvPr id="6" name="Rechteck 5">
+            <a:extLst>
+              <a:ext uri="{FF2B5EF4-FFF2-40B4-BE49-F238E27FC236}">
+                <a16:creationId xmlns:a16="http://schemas.microsoft.com/office/drawing/2014/main" id="{553AE4DC-01D8-46FC-90EE-E59E79C06D84}"/>
+              </a:ext>
+            </a:extLst>
+          </p:cNvPr>
+          <p:cNvSpPr/>
+          <p:nvPr/>
+        </p:nvSpPr>
+        <p:spPr>
+          <a:xfrm>
+            <a:off x="6901153" y="4059022"/>
+            <a:ext cx="807868" cy="648069"/>
+          </a:xfrm>
+          <a:prstGeom prst="rect">
+            <a:avLst/>
+          </a:prstGeom>
+        </p:spPr>
+        <p:style>
+          <a:lnRef idx="2">
+            <a:schemeClr val="accent1">
+              <a:shade val="50000"/>
+            </a:schemeClr>
+          </a:lnRef>
+          <a:fillRef idx="1">
+            <a:schemeClr val="accent1"/>
+          </a:fillRef>
+          <a:effectRef idx="0">
+            <a:schemeClr val="accent1"/>
+          </a:effectRef>
+          <a:fontRef idx="minor">
+            <a:schemeClr val="lt1"/>
+          </a:fontRef>
+        </p:style>
+        <p:txBody>
+          <a:bodyPr rtlCol="0" anchor="ctr"/>
+          <a:lstStyle/>
+          <a:p>
+            <a:pPr algn="ctr"/>
+            <a:r>
+              <a:rPr lang="en-GB" dirty="0"/>
+              <a:t>c</a:t>
+            </a:r>
+            <a:endParaRPr lang="de-DE" dirty="0"/>
+          </a:p>
+        </p:txBody>
+      </p:sp>
+      <p:cxnSp>
+        <p:nvCxnSpPr>
+          <p:cNvPr id="7" name="Gerade Verbindung mit Pfeil 6">
+            <a:extLst>
+              <a:ext uri="{FF2B5EF4-FFF2-40B4-BE49-F238E27FC236}">
+                <a16:creationId xmlns:a16="http://schemas.microsoft.com/office/drawing/2014/main" id="{F137EBE6-E04E-4075-8EFA-6C351A99907A}"/>
+              </a:ext>
+            </a:extLst>
+          </p:cNvPr>
+          <p:cNvCxnSpPr>
+            <a:cxnSpLocks/>
+            <a:stCxn id="4" idx="3"/>
+          </p:cNvCxnSpPr>
+          <p:nvPr/>
+        </p:nvCxnSpPr>
+        <p:spPr>
+          <a:xfrm>
+            <a:off x="3677381" y="4394385"/>
+            <a:ext cx="1191693" cy="0"/>
+          </a:xfrm>
+          <a:prstGeom prst="straightConnector1">
+            <a:avLst/>
+          </a:prstGeom>
+          <a:ln>
+            <a:tailEnd type="triangle"/>
+          </a:ln>
+        </p:spPr>
+        <p:style>
+          <a:lnRef idx="1">
+            <a:schemeClr val="accent1"/>
+          </a:lnRef>
+          <a:fillRef idx="0">
+            <a:schemeClr val="accent1"/>
+          </a:fillRef>
+          <a:effectRef idx="0">
+            <a:schemeClr val="accent1"/>
+          </a:effectRef>
+          <a:fontRef idx="minor">
+            <a:schemeClr val="tx1"/>
+          </a:fontRef>
+        </p:style>
+      </p:cxnSp>
+      <p:sp>
+        <p:nvSpPr>
+          <p:cNvPr id="8" name="Textfeld 7">
+            <a:extLst>
+              <a:ext uri="{FF2B5EF4-FFF2-40B4-BE49-F238E27FC236}">
+                <a16:creationId xmlns:a16="http://schemas.microsoft.com/office/drawing/2014/main" id="{2C331F75-80C6-4077-8FFC-C83A8E551A62}"/>
+              </a:ext>
+            </a:extLst>
+          </p:cNvPr>
+          <p:cNvSpPr txBox="1"/>
+          <p:nvPr/>
+        </p:nvSpPr>
+        <p:spPr>
+          <a:xfrm>
+            <a:off x="4044090" y="4070344"/>
+            <a:ext cx="508473" cy="369332"/>
+          </a:xfrm>
+          <a:prstGeom prst="rect">
+            <a:avLst/>
+          </a:prstGeom>
+          <a:noFill/>
+        </p:spPr>
+        <p:txBody>
+          <a:bodyPr wrap="none" rtlCol="0">
+            <a:spAutoFit/>
+          </a:bodyPr>
+          <a:lstStyle/>
+          <a:p>
+            <a:pPr/>
+            <a:r>
+              <a:rPr lang="en-GB" dirty="0">
+                <a:solidFill>
+                  <a:srgbClr val="FF0000"/>
+                </a:solidFill>
+              </a:rPr>
+              <a:t>2</a:t>
+            </a:r>
+            <a:r>
+              <a:rPr lang="en-GB" dirty="0"/>
+              <a:t>/2</a:t>
+            </a:r>
+            <a:endParaRPr lang="de-DE" dirty="0">
+              <a:solidFill>
+                <a:srgbClr val="FF0000"/>
+              </a:solidFill>
+            </a:endParaRPr>
+          </a:p>
+        </p:txBody>
+      </p:sp>
+      <mc:AlternateContent xmlns:mc="http://schemas.openxmlformats.org/markup-compatibility/2006">
+        <mc:Choice xmlns:a14="http://schemas.microsoft.com/office/drawing/2010/main" Requires="a14">
+          <p:sp>
+            <p:nvSpPr>
+              <p:cNvPr id="9" name="Textfeld 8">
+                <a:extLst>
+                  <a:ext uri="{FF2B5EF4-FFF2-40B4-BE49-F238E27FC236}">
+                    <a16:creationId xmlns:a16="http://schemas.microsoft.com/office/drawing/2014/main" id="{20472B9B-B431-4159-BC2D-50BFAF520EF1}"/>
+                  </a:ext>
+                </a:extLst>
+              </p:cNvPr>
+              <p:cNvSpPr txBox="1"/>
+              <p:nvPr/>
+            </p:nvSpPr>
+            <p:spPr>
+              <a:xfrm>
+                <a:off x="6096000" y="4022826"/>
+                <a:ext cx="607859" cy="369332"/>
+              </a:xfrm>
+              <a:prstGeom prst="rect">
+                <a:avLst/>
+              </a:prstGeom>
+              <a:noFill/>
+            </p:spPr>
+            <p:txBody>
+              <a:bodyPr wrap="none" rtlCol="0">
+                <a:spAutoFit/>
+              </a:bodyPr>
+              <a:lstStyle/>
+              <a:p>
+                <a:pPr/>
+                <a14:m>
+                  <m:oMathPara xmlns:m="http://schemas.openxmlformats.org/officeDocument/2006/math">
+                    <m:oMathParaPr>
+                      <m:jc m:val="centerGroup"/>
+                    </m:oMathParaPr>
+                    <m:oMath xmlns:m="http://schemas.openxmlformats.org/officeDocument/2006/math">
+                      <m:r>
+                        <a:rPr lang="en-GB" b="0" i="1" dirty="0" smtClean="0">
+                          <a:solidFill>
+                            <a:srgbClr val="FF0000"/>
+                          </a:solidFill>
+                          <a:latin typeface="Cambria Math" panose="02040503050406030204" pitchFamily="18" charset="0"/>
+                        </a:rPr>
+                        <m:t>2</m:t>
+                      </m:r>
+                      <m:r>
+                        <a:rPr lang="en-GB" b="0" i="1" dirty="0" smtClean="0">
+                          <a:solidFill>
+                            <a:schemeClr val="tx1"/>
+                          </a:solidFill>
+                          <a:latin typeface="Cambria Math" panose="02040503050406030204" pitchFamily="18" charset="0"/>
+                        </a:rPr>
+                        <m:t>/2</m:t>
+                      </m:r>
+                    </m:oMath>
+                  </m:oMathPara>
+                </a14:m>
+                <a:endParaRPr lang="de-DE" dirty="0">
+                  <a:solidFill>
+                    <a:srgbClr val="FF0000"/>
+                  </a:solidFill>
+                </a:endParaRPr>
+              </a:p>
+            </p:txBody>
+          </p:sp>
+        </mc:Choice>
+        <mc:Fallback>
+          <p:sp>
+            <p:nvSpPr>
+              <p:cNvPr id="9" name="Textfeld 8">
+                <a:extLst>
+                  <a:ext uri="{FF2B5EF4-FFF2-40B4-BE49-F238E27FC236}">
+                    <a16:creationId xmlns:a16="http://schemas.microsoft.com/office/drawing/2014/main" id="{20472B9B-B431-4159-BC2D-50BFAF520EF1}"/>
+                  </a:ext>
+                </a:extLst>
+              </p:cNvPr>
+              <p:cNvSpPr txBox="1">
+                <a:spLocks noRot="1" noChangeAspect="1" noMove="1" noResize="1" noEditPoints="1" noAdjustHandles="1" noChangeArrowheads="1" noChangeShapeType="1" noTextEdit="1"/>
+              </p:cNvSpPr>
+              <p:nvPr/>
+            </p:nvSpPr>
+            <p:spPr>
+              <a:xfrm>
+                <a:off x="6096000" y="4022826"/>
+                <a:ext cx="607859" cy="369332"/>
+              </a:xfrm>
+              <a:prstGeom prst="rect">
+                <a:avLst/>
+              </a:prstGeom>
+              <a:blipFill>
+                <a:blip r:embed="rId2"/>
+                <a:stretch>
+                  <a:fillRect b="-13333"/>
+                </a:stretch>
+              </a:blipFill>
+            </p:spPr>
+            <p:txBody>
+              <a:bodyPr/>
+              <a:lstStyle/>
+              <a:p>
+                <a:r>
+                  <a:rPr lang="de-DE">
+                    <a:noFill/>
+                  </a:rPr>
+                  <a:t> </a:t>
+                </a:r>
+              </a:p>
+            </p:txBody>
+          </p:sp>
+        </mc:Fallback>
+      </mc:AlternateContent>
+      <p:cxnSp>
+        <p:nvCxnSpPr>
+          <p:cNvPr id="10" name="Gerade Verbindung mit Pfeil 9">
+            <a:extLst>
+              <a:ext uri="{FF2B5EF4-FFF2-40B4-BE49-F238E27FC236}">
+                <a16:creationId xmlns:a16="http://schemas.microsoft.com/office/drawing/2014/main" id="{0B55E235-F9D8-48C2-9F3E-4F695C1094BF}"/>
+              </a:ext>
+            </a:extLst>
+          </p:cNvPr>
+          <p:cNvCxnSpPr>
+            <a:cxnSpLocks/>
+          </p:cNvCxnSpPr>
+          <p:nvPr/>
+        </p:nvCxnSpPr>
+        <p:spPr>
+          <a:xfrm>
+            <a:off x="5669772" y="4383057"/>
+            <a:ext cx="1222494" cy="9101"/>
+          </a:xfrm>
+          <a:prstGeom prst="straightConnector1">
+            <a:avLst/>
+          </a:prstGeom>
+          <a:ln>
+            <a:tailEnd type="triangle"/>
+          </a:ln>
+        </p:spPr>
+        <p:style>
+          <a:lnRef idx="1">
+            <a:schemeClr val="accent1"/>
+          </a:lnRef>
+          <a:fillRef idx="0">
+            <a:schemeClr val="accent1"/>
+          </a:fillRef>
+          <a:effectRef idx="0">
+            <a:schemeClr val="accent1"/>
+          </a:effectRef>
+          <a:fontRef idx="minor">
+            <a:schemeClr val="tx1"/>
+          </a:fontRef>
+        </p:style>
+      </p:cxnSp>
     </p:spTree>
     <p:extLst>
       <p:ext uri="{BB962C8B-B14F-4D97-AF65-F5344CB8AC3E}">
-        <p14:creationId xmlns:p14="http://schemas.microsoft.com/office/powerpoint/2010/main" val="3226686723"/>
+        <p14:creationId xmlns:p14="http://schemas.microsoft.com/office/powerpoint/2010/main" val="2142908452"/>
       </p:ext>
     </p:extLst>
   </p:cSld>
@@ -6091,7 +7682,7 @@
           <a:p>
             <a:r>
               <a:rPr lang="en-US" dirty="0"/>
-              <a:t>Maximum multicommodity flow</a:t>
+              <a:t>Maximum Multicommodity Flow</a:t>
             </a:r>
             <a:endParaRPr lang="de-DE" dirty="0"/>
           </a:p>
@@ -7697,7 +9288,23 @@
                 </a14:m>
                 <a:r>
                   <a:rPr lang="de-DE" dirty="0"/>
-                  <a:t>,  </a:t>
+                  <a:t>, </a:t>
+                </a:r>
+                <a:r>
+                  <a:rPr lang="de-DE" dirty="0" err="1"/>
+                  <a:t>that</a:t>
+                </a:r>
+                <a:r>
+                  <a:rPr lang="de-DE" dirty="0"/>
+                  <a:t> </a:t>
+                </a:r>
+                <a:r>
+                  <a:rPr lang="de-DE" dirty="0" err="1"/>
+                  <a:t>is</a:t>
+                </a:r>
+                <a:r>
+                  <a:rPr lang="de-DE" dirty="0"/>
+                  <a:t>  </a:t>
                 </a:r>
                 <a14:m>
                   <m:oMath xmlns:m="http://schemas.openxmlformats.org/officeDocument/2006/math">
@@ -8446,8 +10053,8 @@
           </a:p>
         </p:txBody>
       </p:sp>
-      <mc:AlternateContent xmlns:mc="http://schemas.openxmlformats.org/markup-compatibility/2006" xmlns:a14="http://schemas.microsoft.com/office/drawing/2010/main">
-        <mc:Choice Requires="a14">
+      <mc:AlternateContent xmlns:mc="http://schemas.openxmlformats.org/markup-compatibility/2006">
+        <mc:Choice xmlns:a14="http://schemas.microsoft.com/office/drawing/2010/main" Requires="a14">
           <p:sp>
             <p:nvSpPr>
               <p:cNvPr id="3" name="Inhaltsplatzhalter 2">
@@ -8899,6 +10506,34 @@
                             <m:sup/>
                             <m:e>
                               <m:r>
+                                <a:rPr lang="en-GB" b="0" i="1" smtClean="0">
+                                  <a:latin typeface="Cambria Math" panose="02040503050406030204" pitchFamily="18" charset="0"/>
+                                  <a:ea typeface="Cambria Math" panose="02040503050406030204" pitchFamily="18" charset="0"/>
+                                </a:rPr>
+                                <m:t>𝑙</m:t>
+                              </m:r>
+                              <m:r>
+                                <a:rPr lang="en-GB" b="0" i="1" smtClean="0">
+                                  <a:latin typeface="Cambria Math" panose="02040503050406030204" pitchFamily="18" charset="0"/>
+                                  <a:ea typeface="Cambria Math" panose="02040503050406030204" pitchFamily="18" charset="0"/>
+                                </a:rPr>
+                                <m:t>(</m:t>
+                              </m:r>
+                              <m:r>
+                                <a:rPr lang="en-GB" b="0" i="1" smtClean="0">
+                                  <a:latin typeface="Cambria Math" panose="02040503050406030204" pitchFamily="18" charset="0"/>
+                                  <a:ea typeface="Cambria Math" panose="02040503050406030204" pitchFamily="18" charset="0"/>
+                                </a:rPr>
+                                <m:t>𝑒</m:t>
+                              </m:r>
+                              <m:r>
+                                <a:rPr lang="en-GB" b="0" i="1" smtClean="0">
+                                  <a:latin typeface="Cambria Math" panose="02040503050406030204" pitchFamily="18" charset="0"/>
+                                  <a:ea typeface="Cambria Math" panose="02040503050406030204" pitchFamily="18" charset="0"/>
+                                </a:rPr>
+                                <m:t>)</m:t>
+                              </m:r>
+                              <m:r>
                                 <a:rPr lang="en-GB" i="1">
                                   <a:latin typeface="Cambria Math" panose="02040503050406030204" pitchFamily="18" charset="0"/>
                                 </a:rPr>
@@ -9080,7 +10715,7 @@
             </p:txBody>
           </p:sp>
         </mc:Choice>
-        <mc:Fallback xmlns="">
+        <mc:Fallback>
           <p:sp>
             <p:nvSpPr>
               <p:cNvPr id="3" name="Inhaltsplatzhalter 2">
@@ -10094,42 +11729,172 @@
           </a:p>
         </p:txBody>
       </p:sp>
+      <mc:AlternateContent xmlns:mc="http://schemas.openxmlformats.org/markup-compatibility/2006">
+        <mc:Choice xmlns:a14="http://schemas.microsoft.com/office/drawing/2010/main" Requires="a14">
+          <p:sp>
+            <p:nvSpPr>
+              <p:cNvPr id="3" name="Inhaltsplatzhalter 2">
+                <a:extLst>
+                  <a:ext uri="{FF2B5EF4-FFF2-40B4-BE49-F238E27FC236}">
+                    <a16:creationId xmlns:a16="http://schemas.microsoft.com/office/drawing/2014/main" id="{C58FE163-D7B6-450D-98D4-661472413393}"/>
+                  </a:ext>
+                </a:extLst>
+              </p:cNvPr>
+              <p:cNvSpPr>
+                <a:spLocks noGrp="1"/>
+              </p:cNvSpPr>
+              <p:nvPr>
+                <p:ph idx="1"/>
+              </p:nvPr>
+            </p:nvSpPr>
+            <p:spPr>
+              <a:xfrm>
+                <a:off x="884956" y="365125"/>
+                <a:ext cx="10515600" cy="5811838"/>
+              </a:xfrm>
+            </p:spPr>
+            <p:txBody>
+              <a:bodyPr/>
+              <a:lstStyle/>
+              <a:p>
+                <a:pPr marL="0" indent="0">
+                  <a:buNone/>
+                </a:pPr>
+                <a:r>
+                  <a:rPr lang="en-GB" dirty="0"/>
+                  <a:t>Commodities: </a:t>
+                </a:r>
+                <a14:m>
+                  <m:oMath xmlns:m="http://schemas.openxmlformats.org/officeDocument/2006/math">
+                    <m:d>
+                      <m:dPr>
+                        <m:ctrlPr>
+                          <a:rPr lang="en-GB" b="0" i="1" smtClean="0">
+                            <a:latin typeface="Cambria Math" panose="02040503050406030204" pitchFamily="18" charset="0"/>
+                          </a:rPr>
+                        </m:ctrlPr>
+                      </m:dPr>
+                      <m:e>
+                        <m:r>
+                          <a:rPr lang="en-GB" b="0" i="1" smtClean="0">
+                            <a:latin typeface="Cambria Math" panose="02040503050406030204" pitchFamily="18" charset="0"/>
+                          </a:rPr>
+                          <m:t>𝑎</m:t>
+                        </m:r>
+                        <m:r>
+                          <a:rPr lang="en-GB" b="0" i="1" smtClean="0">
+                            <a:latin typeface="Cambria Math" panose="02040503050406030204" pitchFamily="18" charset="0"/>
+                          </a:rPr>
+                          <m:t>,</m:t>
+                        </m:r>
+                        <m:r>
+                          <a:rPr lang="en-GB" b="0" i="1" smtClean="0">
+                            <a:latin typeface="Cambria Math" panose="02040503050406030204" pitchFamily="18" charset="0"/>
+                          </a:rPr>
+                          <m:t>𝑏</m:t>
+                        </m:r>
+                      </m:e>
+                    </m:d>
+                    <m:r>
+                      <a:rPr lang="en-GB" b="0" i="1" smtClean="0">
+                        <a:latin typeface="Cambria Math" panose="02040503050406030204" pitchFamily="18" charset="0"/>
+                      </a:rPr>
+                      <m:t>, (</m:t>
+                    </m:r>
+                    <m:r>
+                      <a:rPr lang="en-GB" b="0" i="1" smtClean="0">
+                        <a:latin typeface="Cambria Math" panose="02040503050406030204" pitchFamily="18" charset="0"/>
+                      </a:rPr>
+                      <m:t>𝑒</m:t>
+                    </m:r>
+                    <m:r>
+                      <a:rPr lang="en-GB" b="0" i="1" smtClean="0">
+                        <a:latin typeface="Cambria Math" panose="02040503050406030204" pitchFamily="18" charset="0"/>
+                      </a:rPr>
+                      <m:t>,</m:t>
+                    </m:r>
+                    <m:r>
+                      <a:rPr lang="en-GB" b="0" i="1" smtClean="0">
+                        <a:latin typeface="Cambria Math" panose="02040503050406030204" pitchFamily="18" charset="0"/>
+                      </a:rPr>
+                      <m:t>𝑔</m:t>
+                    </m:r>
+                    <m:r>
+                      <a:rPr lang="en-GB" b="0" i="1" smtClean="0">
+                        <a:latin typeface="Cambria Math" panose="02040503050406030204" pitchFamily="18" charset="0"/>
+                      </a:rPr>
+                      <m:t>)</m:t>
+                    </m:r>
+                  </m:oMath>
+                </a14:m>
+                <a:endParaRPr lang="de-DE" dirty="0"/>
+              </a:p>
+              <a:p>
+                <a:endParaRPr lang="en-GB" dirty="0"/>
+              </a:p>
+              <a:p>
+                <a:pPr marL="0" indent="0">
+                  <a:buNone/>
+                </a:pPr>
+                <a:r>
+                  <a:rPr lang="en-GB" dirty="0"/>
+                  <a:t>capacities</a:t>
+                </a:r>
+                <a:endParaRPr lang="de-DE" dirty="0"/>
+              </a:p>
+            </p:txBody>
+          </p:sp>
+        </mc:Choice>
+        <mc:Fallback>
+          <p:sp>
+            <p:nvSpPr>
+              <p:cNvPr id="3" name="Inhaltsplatzhalter 2">
+                <a:extLst>
+                  <a:ext uri="{FF2B5EF4-FFF2-40B4-BE49-F238E27FC236}">
+                    <a16:creationId xmlns:a16="http://schemas.microsoft.com/office/drawing/2014/main" id="{C58FE163-D7B6-450D-98D4-661472413393}"/>
+                  </a:ext>
+                </a:extLst>
+              </p:cNvPr>
+              <p:cNvSpPr>
+                <a:spLocks noGrp="1" noRot="1" noChangeAspect="1" noMove="1" noResize="1" noEditPoints="1" noAdjustHandles="1" noChangeArrowheads="1" noChangeShapeType="1" noTextEdit="1"/>
+              </p:cNvSpPr>
+              <p:nvPr>
+                <p:ph idx="1"/>
+              </p:nvPr>
+            </p:nvSpPr>
+            <p:spPr>
+              <a:xfrm>
+                <a:off x="884956" y="365125"/>
+                <a:ext cx="10515600" cy="5811838"/>
+              </a:xfrm>
+              <a:blipFill>
+                <a:blip r:embed="rId2"/>
+                <a:stretch>
+                  <a:fillRect l="-1159" t="-1784"/>
+                </a:stretch>
+              </a:blipFill>
+            </p:spPr>
+            <p:txBody>
+              <a:bodyPr/>
+              <a:lstStyle/>
+              <a:p>
+                <a:r>
+                  <a:rPr lang="de-DE">
+                    <a:noFill/>
+                  </a:rPr>
+                  <a:t> </a:t>
+                </a:r>
+              </a:p>
+            </p:txBody>
+          </p:sp>
+        </mc:Fallback>
+      </mc:AlternateContent>
       <p:sp>
         <p:nvSpPr>
-          <p:cNvPr id="3" name="Inhaltsplatzhalter 2">
-            <a:extLst>
-              <a:ext uri="{FF2B5EF4-FFF2-40B4-BE49-F238E27FC236}">
-                <a16:creationId xmlns:a16="http://schemas.microsoft.com/office/drawing/2014/main" id="{C58FE163-D7B6-450D-98D4-661472413393}"/>
-              </a:ext>
-            </a:extLst>
-          </p:cNvPr>
-          <p:cNvSpPr>
-            <a:spLocks noGrp="1"/>
-          </p:cNvSpPr>
-          <p:nvPr>
-            <p:ph idx="1"/>
-          </p:nvPr>
-        </p:nvSpPr>
-        <p:spPr>
-          <a:xfrm>
-            <a:off x="838200" y="1825625"/>
-            <a:ext cx="10515600" cy="4351338"/>
-          </a:xfrm>
-        </p:spPr>
-        <p:txBody>
-          <a:bodyPr/>
-          <a:lstStyle/>
-          <a:p>
-            <a:endParaRPr lang="de-DE" dirty="0"/>
-          </a:p>
-        </p:txBody>
-      </p:sp>
-      <p:sp>
-        <p:nvSpPr>
-          <p:cNvPr id="4" name="Rechteck 3">
-            <a:extLst>
-              <a:ext uri="{FF2B5EF4-FFF2-40B4-BE49-F238E27FC236}">
-                <a16:creationId xmlns:a16="http://schemas.microsoft.com/office/drawing/2014/main" id="{E0619AA5-1FC5-4756-B330-BAA6C1DEBC13}"/>
+          <p:cNvPr id="38" name="Rechteck 37">
+            <a:extLst>
+              <a:ext uri="{FF2B5EF4-FFF2-40B4-BE49-F238E27FC236}">
+                <a16:creationId xmlns:a16="http://schemas.microsoft.com/office/drawing/2014/main" id="{3D308AEE-A4AF-401E-804D-9F9CC8D811F0}"/>
               </a:ext>
             </a:extLst>
           </p:cNvPr>
@@ -10138,7 +11903,7 @@
         </p:nvSpPr>
         <p:spPr>
           <a:xfrm>
-            <a:off x="1660124" y="2583404"/>
+            <a:off x="2916269" y="2735640"/>
             <a:ext cx="807868" cy="648069"/>
           </a:xfrm>
           <a:prstGeom prst="rect">
@@ -10176,10 +11941,10 @@
       </p:sp>
       <p:sp>
         <p:nvSpPr>
-          <p:cNvPr id="5" name="Rechteck 4">
-            <a:extLst>
-              <a:ext uri="{FF2B5EF4-FFF2-40B4-BE49-F238E27FC236}">
-                <a16:creationId xmlns:a16="http://schemas.microsoft.com/office/drawing/2014/main" id="{29DC4084-67AE-45A2-91E7-F0569C79FAA8}"/>
+          <p:cNvPr id="39" name="Rechteck 38">
+            <a:extLst>
+              <a:ext uri="{FF2B5EF4-FFF2-40B4-BE49-F238E27FC236}">
+                <a16:creationId xmlns:a16="http://schemas.microsoft.com/office/drawing/2014/main" id="{78BE5CEA-A064-4551-9C77-5ACAA0361403}"/>
               </a:ext>
             </a:extLst>
           </p:cNvPr>
@@ -10188,7 +11953,7 @@
         </p:nvSpPr>
         <p:spPr>
           <a:xfrm>
-            <a:off x="3446016" y="2583403"/>
+            <a:off x="4908660" y="2735635"/>
             <a:ext cx="807868" cy="648069"/>
           </a:xfrm>
           <a:prstGeom prst="rect">
@@ -10226,10 +11991,10 @@
       </p:sp>
       <p:sp>
         <p:nvSpPr>
-          <p:cNvPr id="6" name="Rechteck 5">
-            <a:extLst>
-              <a:ext uri="{FF2B5EF4-FFF2-40B4-BE49-F238E27FC236}">
-                <a16:creationId xmlns:a16="http://schemas.microsoft.com/office/drawing/2014/main" id="{29C7E66B-8C3E-4DA9-AE37-6F8CFEFE71D1}"/>
+          <p:cNvPr id="40" name="Rechteck 39">
+            <a:extLst>
+              <a:ext uri="{FF2B5EF4-FFF2-40B4-BE49-F238E27FC236}">
+                <a16:creationId xmlns:a16="http://schemas.microsoft.com/office/drawing/2014/main" id="{31B04FD1-466A-4CE3-BC9E-BF5D93F81A36}"/>
               </a:ext>
             </a:extLst>
           </p:cNvPr>
@@ -10238,7 +12003,7 @@
         </p:nvSpPr>
         <p:spPr>
           <a:xfrm>
-            <a:off x="3446016" y="4056146"/>
+            <a:off x="6947909" y="2724312"/>
             <a:ext cx="807868" cy="648069"/>
           </a:xfrm>
           <a:prstGeom prst="rect">
@@ -10268,7 +12033,7 @@
             <a:pPr algn="ctr"/>
             <a:r>
               <a:rPr lang="en-GB" dirty="0"/>
-              <a:t>f</a:t>
+              <a:t>c</a:t>
             </a:r>
             <a:endParaRPr lang="de-DE" dirty="0"/>
           </a:p>
@@ -10276,10 +12041,10 @@
       </p:sp>
       <p:sp>
         <p:nvSpPr>
-          <p:cNvPr id="7" name="Rechteck 6">
-            <a:extLst>
-              <a:ext uri="{FF2B5EF4-FFF2-40B4-BE49-F238E27FC236}">
-                <a16:creationId xmlns:a16="http://schemas.microsoft.com/office/drawing/2014/main" id="{1C0BF856-843E-47E0-9FEE-CADB2FDF6E7C}"/>
+          <p:cNvPr id="41" name="Rechteck 40">
+            <a:extLst>
+              <a:ext uri="{FF2B5EF4-FFF2-40B4-BE49-F238E27FC236}">
+                <a16:creationId xmlns:a16="http://schemas.microsoft.com/office/drawing/2014/main" id="{D08ACFF1-27B2-4822-AE3D-FC8461E94A2E}"/>
               </a:ext>
             </a:extLst>
           </p:cNvPr>
@@ -10288,7 +12053,7 @@
         </p:nvSpPr>
         <p:spPr>
           <a:xfrm>
-            <a:off x="1660124" y="4056148"/>
+            <a:off x="8998612" y="2780931"/>
             <a:ext cx="807868" cy="648069"/>
           </a:xfrm>
           <a:prstGeom prst="rect">
@@ -10318,156 +12083,6 @@
             <a:pPr algn="ctr"/>
             <a:r>
               <a:rPr lang="en-GB" dirty="0"/>
-              <a:t>e</a:t>
-            </a:r>
-            <a:endParaRPr lang="de-DE" dirty="0"/>
-          </a:p>
-        </p:txBody>
-      </p:sp>
-      <p:sp>
-        <p:nvSpPr>
-          <p:cNvPr id="8" name="Rechteck 7">
-            <a:extLst>
-              <a:ext uri="{FF2B5EF4-FFF2-40B4-BE49-F238E27FC236}">
-                <a16:creationId xmlns:a16="http://schemas.microsoft.com/office/drawing/2014/main" id="{B4A373E3-E7A7-4C8A-A51A-8612C088E00A}"/>
-              </a:ext>
-            </a:extLst>
-          </p:cNvPr>
-          <p:cNvSpPr/>
-          <p:nvPr/>
-        </p:nvSpPr>
-        <p:spPr>
-          <a:xfrm>
-            <a:off x="5231908" y="2583400"/>
-            <a:ext cx="807868" cy="648069"/>
-          </a:xfrm>
-          <a:prstGeom prst="rect">
-            <a:avLst/>
-          </a:prstGeom>
-        </p:spPr>
-        <p:style>
-          <a:lnRef idx="2">
-            <a:schemeClr val="accent1">
-              <a:shade val="50000"/>
-            </a:schemeClr>
-          </a:lnRef>
-          <a:fillRef idx="1">
-            <a:schemeClr val="accent1"/>
-          </a:fillRef>
-          <a:effectRef idx="0">
-            <a:schemeClr val="accent1"/>
-          </a:effectRef>
-          <a:fontRef idx="minor">
-            <a:schemeClr val="lt1"/>
-          </a:fontRef>
-        </p:style>
-        <p:txBody>
-          <a:bodyPr rtlCol="0" anchor="ctr"/>
-          <a:lstStyle/>
-          <a:p>
-            <a:pPr algn="ctr"/>
-            <a:r>
-              <a:rPr lang="en-GB" dirty="0"/>
-              <a:t>c</a:t>
-            </a:r>
-            <a:endParaRPr lang="de-DE" dirty="0"/>
-          </a:p>
-        </p:txBody>
-      </p:sp>
-      <p:sp>
-        <p:nvSpPr>
-          <p:cNvPr id="9" name="Rechteck 8">
-            <a:extLst>
-              <a:ext uri="{FF2B5EF4-FFF2-40B4-BE49-F238E27FC236}">
-                <a16:creationId xmlns:a16="http://schemas.microsoft.com/office/drawing/2014/main" id="{6E45C7C0-C3C3-4A58-8120-802B32D69BD5}"/>
-              </a:ext>
-            </a:extLst>
-          </p:cNvPr>
-          <p:cNvSpPr/>
-          <p:nvPr/>
-        </p:nvSpPr>
-        <p:spPr>
-          <a:xfrm>
-            <a:off x="5231908" y="4056146"/>
-            <a:ext cx="807868" cy="648069"/>
-          </a:xfrm>
-          <a:prstGeom prst="rect">
-            <a:avLst/>
-          </a:prstGeom>
-        </p:spPr>
-        <p:style>
-          <a:lnRef idx="2">
-            <a:schemeClr val="accent1">
-              <a:shade val="50000"/>
-            </a:schemeClr>
-          </a:lnRef>
-          <a:fillRef idx="1">
-            <a:schemeClr val="accent1"/>
-          </a:fillRef>
-          <a:effectRef idx="0">
-            <a:schemeClr val="accent1"/>
-          </a:effectRef>
-          <a:fontRef idx="minor">
-            <a:schemeClr val="lt1"/>
-          </a:fontRef>
-        </p:style>
-        <p:txBody>
-          <a:bodyPr rtlCol="0" anchor="ctr"/>
-          <a:lstStyle/>
-          <a:p>
-            <a:pPr algn="ctr"/>
-            <a:r>
-              <a:rPr lang="en-GB" dirty="0"/>
-              <a:t>g</a:t>
-            </a:r>
-            <a:endParaRPr lang="de-DE" dirty="0"/>
-          </a:p>
-        </p:txBody>
-      </p:sp>
-      <p:sp>
-        <p:nvSpPr>
-          <p:cNvPr id="10" name="Rechteck 9">
-            <a:extLst>
-              <a:ext uri="{FF2B5EF4-FFF2-40B4-BE49-F238E27FC236}">
-                <a16:creationId xmlns:a16="http://schemas.microsoft.com/office/drawing/2014/main" id="{CE9D4EC3-D641-4AF3-93B2-7E00F7AD2DF2}"/>
-              </a:ext>
-            </a:extLst>
-          </p:cNvPr>
-          <p:cNvSpPr/>
-          <p:nvPr/>
-        </p:nvSpPr>
-        <p:spPr>
-          <a:xfrm>
-            <a:off x="6861700" y="2583399"/>
-            <a:ext cx="807868" cy="648069"/>
-          </a:xfrm>
-          <a:prstGeom prst="rect">
-            <a:avLst/>
-          </a:prstGeom>
-        </p:spPr>
-        <p:style>
-          <a:lnRef idx="2">
-            <a:schemeClr val="accent1">
-              <a:shade val="50000"/>
-            </a:schemeClr>
-          </a:lnRef>
-          <a:fillRef idx="1">
-            <a:schemeClr val="accent1"/>
-          </a:fillRef>
-          <a:effectRef idx="0">
-            <a:schemeClr val="accent1"/>
-          </a:effectRef>
-          <a:fontRef idx="minor">
-            <a:schemeClr val="lt1"/>
-          </a:fontRef>
-        </p:style>
-        <p:txBody>
-          <a:bodyPr rtlCol="0" anchor="ctr"/>
-          <a:lstStyle/>
-          <a:p>
-            <a:pPr algn="ctr"/>
-            <a:r>
-              <a:rPr lang="en-GB" dirty="0"/>
               <a:t>d</a:t>
             </a:r>
             <a:endParaRPr lang="de-DE" dirty="0"/>
@@ -10476,23 +12091,23 @@
       </p:sp>
       <p:cxnSp>
         <p:nvCxnSpPr>
-          <p:cNvPr id="11" name="Gerade Verbindung mit Pfeil 10">
-            <a:extLst>
-              <a:ext uri="{FF2B5EF4-FFF2-40B4-BE49-F238E27FC236}">
-                <a16:creationId xmlns:a16="http://schemas.microsoft.com/office/drawing/2014/main" id="{FC06360B-5F92-4559-B85F-C88E32E97B24}"/>
+          <p:cNvPr id="42" name="Gerade Verbindung mit Pfeil 41">
+            <a:extLst>
+              <a:ext uri="{FF2B5EF4-FFF2-40B4-BE49-F238E27FC236}">
+                <a16:creationId xmlns:a16="http://schemas.microsoft.com/office/drawing/2014/main" id="{B21AB21C-5798-4DF5-A983-2BF00627BA20}"/>
               </a:ext>
             </a:extLst>
           </p:cNvPr>
           <p:cNvCxnSpPr>
-            <a:stCxn id="4" idx="3"/>
-            <a:endCxn id="5" idx="1"/>
+            <a:cxnSpLocks/>
+            <a:stCxn id="38" idx="3"/>
           </p:cNvCxnSpPr>
           <p:nvPr/>
         </p:nvCxnSpPr>
         <p:spPr>
-          <a:xfrm flipV="1">
-            <a:off x="2467992" y="2907438"/>
-            <a:ext cx="978024" cy="1"/>
+          <a:xfrm>
+            <a:off x="3724137" y="3059675"/>
+            <a:ext cx="1191693" cy="0"/>
           </a:xfrm>
           <a:prstGeom prst="straightConnector1">
             <a:avLst/>
@@ -10516,170 +12131,14 @@
           </a:fontRef>
         </p:style>
       </p:cxnSp>
-      <p:cxnSp>
-        <p:nvCxnSpPr>
-          <p:cNvPr id="12" name="Gerade Verbindung mit Pfeil 11">
-            <a:extLst>
-              <a:ext uri="{FF2B5EF4-FFF2-40B4-BE49-F238E27FC236}">
-                <a16:creationId xmlns:a16="http://schemas.microsoft.com/office/drawing/2014/main" id="{ACA1A666-045F-44B0-9143-9DE7915AB7B4}"/>
-              </a:ext>
-            </a:extLst>
-          </p:cNvPr>
-          <p:cNvCxnSpPr/>
-          <p:nvPr/>
-        </p:nvCxnSpPr>
-        <p:spPr>
-          <a:xfrm flipV="1">
-            <a:off x="4253884" y="2907432"/>
-            <a:ext cx="978024" cy="1"/>
-          </a:xfrm>
-          <a:prstGeom prst="straightConnector1">
-            <a:avLst/>
-          </a:prstGeom>
-          <a:ln>
-            <a:tailEnd type="triangle"/>
-          </a:ln>
-        </p:spPr>
-        <p:style>
-          <a:lnRef idx="1">
-            <a:schemeClr val="accent1"/>
-          </a:lnRef>
-          <a:fillRef idx="0">
-            <a:schemeClr val="accent1"/>
-          </a:fillRef>
-          <a:effectRef idx="0">
-            <a:schemeClr val="accent1"/>
-          </a:effectRef>
-          <a:fontRef idx="minor">
-            <a:schemeClr val="tx1"/>
-          </a:fontRef>
-        </p:style>
-      </p:cxnSp>
-      <p:cxnSp>
-        <p:nvCxnSpPr>
-          <p:cNvPr id="13" name="Gerade Verbindung mit Pfeil 12">
-            <a:extLst>
-              <a:ext uri="{FF2B5EF4-FFF2-40B4-BE49-F238E27FC236}">
-                <a16:creationId xmlns:a16="http://schemas.microsoft.com/office/drawing/2014/main" id="{609BF7BC-91D4-4A3C-97BD-20D9DBFD7EE6}"/>
-              </a:ext>
-            </a:extLst>
-          </p:cNvPr>
-          <p:cNvCxnSpPr/>
-          <p:nvPr/>
-        </p:nvCxnSpPr>
-        <p:spPr>
-          <a:xfrm flipV="1">
-            <a:off x="5883676" y="2905212"/>
-            <a:ext cx="978024" cy="1"/>
-          </a:xfrm>
-          <a:prstGeom prst="straightConnector1">
-            <a:avLst/>
-          </a:prstGeom>
-          <a:ln>
-            <a:tailEnd type="triangle"/>
-          </a:ln>
-        </p:spPr>
-        <p:style>
-          <a:lnRef idx="1">
-            <a:schemeClr val="accent1"/>
-          </a:lnRef>
-          <a:fillRef idx="0">
-            <a:schemeClr val="accent1"/>
-          </a:fillRef>
-          <a:effectRef idx="0">
-            <a:schemeClr val="accent1"/>
-          </a:effectRef>
-          <a:fontRef idx="minor">
-            <a:schemeClr val="tx1"/>
-          </a:fontRef>
-        </p:style>
-      </p:cxnSp>
-      <p:cxnSp>
-        <p:nvCxnSpPr>
-          <p:cNvPr id="14" name="Gerade Verbindung mit Pfeil 13">
-            <a:extLst>
-              <a:ext uri="{FF2B5EF4-FFF2-40B4-BE49-F238E27FC236}">
-                <a16:creationId xmlns:a16="http://schemas.microsoft.com/office/drawing/2014/main" id="{2E2EED76-6A6D-4C12-8EB7-81F0D79A0A7C}"/>
-              </a:ext>
-            </a:extLst>
-          </p:cNvPr>
-          <p:cNvCxnSpPr/>
-          <p:nvPr/>
-        </p:nvCxnSpPr>
-        <p:spPr>
-          <a:xfrm flipV="1">
-            <a:off x="4253884" y="4380179"/>
-            <a:ext cx="978024" cy="1"/>
-          </a:xfrm>
-          <a:prstGeom prst="straightConnector1">
-            <a:avLst/>
-          </a:prstGeom>
-          <a:ln>
-            <a:tailEnd type="triangle"/>
-          </a:ln>
-        </p:spPr>
-        <p:style>
-          <a:lnRef idx="1">
-            <a:schemeClr val="accent1"/>
-          </a:lnRef>
-          <a:fillRef idx="0">
-            <a:schemeClr val="accent1"/>
-          </a:fillRef>
-          <a:effectRef idx="0">
-            <a:schemeClr val="accent1"/>
-          </a:effectRef>
-          <a:fontRef idx="minor">
-            <a:schemeClr val="tx1"/>
-          </a:fontRef>
-        </p:style>
-      </p:cxnSp>
-      <p:cxnSp>
-        <p:nvCxnSpPr>
-          <p:cNvPr id="15" name="Gerade Verbindung mit Pfeil 14">
-            <a:extLst>
-              <a:ext uri="{FF2B5EF4-FFF2-40B4-BE49-F238E27FC236}">
-                <a16:creationId xmlns:a16="http://schemas.microsoft.com/office/drawing/2014/main" id="{3E917B1F-018B-4D7C-816D-80352DAFBE8B}"/>
-              </a:ext>
-            </a:extLst>
-          </p:cNvPr>
-          <p:cNvCxnSpPr/>
-          <p:nvPr/>
-        </p:nvCxnSpPr>
-        <p:spPr>
-          <a:xfrm flipV="1">
-            <a:off x="2467992" y="4380180"/>
-            <a:ext cx="978024" cy="1"/>
-          </a:xfrm>
-          <a:prstGeom prst="straightConnector1">
-            <a:avLst/>
-          </a:prstGeom>
-          <a:ln>
-            <a:tailEnd type="triangle"/>
-          </a:ln>
-        </p:spPr>
-        <p:style>
-          <a:lnRef idx="1">
-            <a:schemeClr val="accent1"/>
-          </a:lnRef>
-          <a:fillRef idx="0">
-            <a:schemeClr val="accent1"/>
-          </a:fillRef>
-          <a:effectRef idx="0">
-            <a:schemeClr val="accent1"/>
-          </a:effectRef>
-          <a:fontRef idx="minor">
-            <a:schemeClr val="tx1"/>
-          </a:fontRef>
-        </p:style>
-      </p:cxnSp>
-      <mc:AlternateContent xmlns:mc="http://schemas.openxmlformats.org/markup-compatibility/2006" xmlns:a14="http://schemas.microsoft.com/office/drawing/2010/main">
-        <mc:Choice Requires="a14">
+      <mc:AlternateContent xmlns:mc="http://schemas.openxmlformats.org/markup-compatibility/2006">
+        <mc:Choice xmlns:a14="http://schemas.microsoft.com/office/drawing/2010/main" Requires="a14">
           <p:sp>
             <p:nvSpPr>
-              <p:cNvPr id="16" name="Textfeld 15">
+              <p:cNvPr id="43" name="Textfeld 42">
                 <a:extLst>
                   <a:ext uri="{FF2B5EF4-FFF2-40B4-BE49-F238E27FC236}">
-                    <a16:creationId xmlns:a16="http://schemas.microsoft.com/office/drawing/2014/main" id="{62649A80-3BD8-46DD-A46C-FA7AE9A6B55A}"/>
+                    <a16:creationId xmlns:a16="http://schemas.microsoft.com/office/drawing/2014/main" id="{F8DB1E43-FDC6-44AC-9503-246FFA3A4884}"/>
                   </a:ext>
                 </a:extLst>
               </p:cNvPr>
@@ -10688,7 +12147,7 @@
             </p:nvSpPr>
             <p:spPr>
               <a:xfrm>
-                <a:off x="2771985" y="2583398"/>
+                <a:off x="4090846" y="2735634"/>
                 <a:ext cx="365805" cy="369332"/>
               </a:xfrm>
               <a:prstGeom prst="rect">
@@ -10723,13 +12182,13 @@
             </p:txBody>
           </p:sp>
         </mc:Choice>
-        <mc:Fallback xmlns="">
+        <mc:Fallback>
           <p:sp>
             <p:nvSpPr>
-              <p:cNvPr id="16" name="Textfeld 15">
+              <p:cNvPr id="43" name="Textfeld 42">
                 <a:extLst>
                   <a:ext uri="{FF2B5EF4-FFF2-40B4-BE49-F238E27FC236}">
-                    <a16:creationId xmlns:a16="http://schemas.microsoft.com/office/drawing/2014/main" id="{62649A80-3BD8-46DD-A46C-FA7AE9A6B55A}"/>
+                    <a16:creationId xmlns:a16="http://schemas.microsoft.com/office/drawing/2014/main" id="{F8DB1E43-FDC6-44AC-9503-246FFA3A4884}"/>
                   </a:ext>
                 </a:extLst>
               </p:cNvPr>
@@ -10740,104 +12199,8 @@
             </p:nvSpPr>
             <p:spPr>
               <a:xfrm>
-                <a:off x="2771985" y="2583398"/>
+                <a:off x="4090846" y="2735634"/>
                 <a:ext cx="365805" cy="369332"/>
-              </a:xfrm>
-              <a:prstGeom prst="rect">
-                <a:avLst/>
-              </a:prstGeom>
-              <a:blipFill>
-                <a:blip r:embed="rId2"/>
-                <a:stretch>
-                  <a:fillRect/>
-                </a:stretch>
-              </a:blipFill>
-            </p:spPr>
-            <p:txBody>
-              <a:bodyPr/>
-              <a:lstStyle/>
-              <a:p>
-                <a:r>
-                  <a:rPr lang="de-DE">
-                    <a:noFill/>
-                  </a:rPr>
-                  <a:t> </a:t>
-                </a:r>
-              </a:p>
-            </p:txBody>
-          </p:sp>
-        </mc:Fallback>
-      </mc:AlternateContent>
-      <mc:AlternateContent xmlns:mc="http://schemas.openxmlformats.org/markup-compatibility/2006" xmlns:a14="http://schemas.microsoft.com/office/drawing/2010/main">
-        <mc:Choice Requires="a14">
-          <p:sp>
-            <p:nvSpPr>
-              <p:cNvPr id="17" name="Textfeld 16">
-                <a:extLst>
-                  <a:ext uri="{FF2B5EF4-FFF2-40B4-BE49-F238E27FC236}">
-                    <a16:creationId xmlns:a16="http://schemas.microsoft.com/office/drawing/2014/main" id="{C737466A-1089-4EF3-9CBC-2F84435B7FDC}"/>
-                  </a:ext>
-                </a:extLst>
-              </p:cNvPr>
-              <p:cNvSpPr txBox="1"/>
-              <p:nvPr/>
-            </p:nvSpPr>
-            <p:spPr>
-              <a:xfrm>
-                <a:off x="4500071" y="2560750"/>
-                <a:ext cx="370038" cy="369332"/>
-              </a:xfrm>
-              <a:prstGeom prst="rect">
-                <a:avLst/>
-              </a:prstGeom>
-              <a:noFill/>
-            </p:spPr>
-            <p:txBody>
-              <a:bodyPr wrap="none" rtlCol="0">
-                <a:spAutoFit/>
-              </a:bodyPr>
-              <a:lstStyle/>
-              <a:p>
-                <a:pPr/>
-                <a14:m>
-                  <m:oMathPara xmlns:m="http://schemas.openxmlformats.org/officeDocument/2006/math">
-                    <m:oMathParaPr>
-                      <m:jc m:val="centerGroup"/>
-                    </m:oMathParaPr>
-                    <m:oMath xmlns:m="http://schemas.openxmlformats.org/officeDocument/2006/math">
-                      <m:r>
-                        <a:rPr lang="en-GB" b="0" i="1" dirty="0" smtClean="0">
-                          <a:latin typeface="Cambria Math" panose="02040503050406030204" pitchFamily="18" charset="0"/>
-                        </a:rPr>
-                        <m:t>4</m:t>
-                      </m:r>
-                    </m:oMath>
-                  </m:oMathPara>
-                </a14:m>
-                <a:endParaRPr lang="de-DE" dirty="0"/>
-              </a:p>
-            </p:txBody>
-          </p:sp>
-        </mc:Choice>
-        <mc:Fallback xmlns="">
-          <p:sp>
-            <p:nvSpPr>
-              <p:cNvPr id="17" name="Textfeld 16">
-                <a:extLst>
-                  <a:ext uri="{FF2B5EF4-FFF2-40B4-BE49-F238E27FC236}">
-                    <a16:creationId xmlns:a16="http://schemas.microsoft.com/office/drawing/2014/main" id="{C737466A-1089-4EF3-9CBC-2F84435B7FDC}"/>
-                  </a:ext>
-                </a:extLst>
-              </p:cNvPr>
-              <p:cNvSpPr txBox="1">
-                <a:spLocks noRot="1" noChangeAspect="1" noMove="1" noResize="1" noEditPoints="1" noAdjustHandles="1" noChangeArrowheads="1" noChangeShapeType="1" noTextEdit="1"/>
-              </p:cNvSpPr>
-              <p:nvPr/>
-            </p:nvSpPr>
-            <p:spPr>
-              <a:xfrm>
-                <a:off x="4500071" y="2560750"/>
-                <a:ext cx="370038" cy="369332"/>
               </a:xfrm>
               <a:prstGeom prst="rect">
                 <a:avLst/>
@@ -10864,14 +12227,14 @@
           </p:sp>
         </mc:Fallback>
       </mc:AlternateContent>
-      <mc:AlternateContent xmlns:mc="http://schemas.openxmlformats.org/markup-compatibility/2006" xmlns:a14="http://schemas.microsoft.com/office/drawing/2010/main">
-        <mc:Choice Requires="a14">
+      <mc:AlternateContent xmlns:mc="http://schemas.openxmlformats.org/markup-compatibility/2006">
+        <mc:Choice xmlns:a14="http://schemas.microsoft.com/office/drawing/2010/main" Requires="a14">
           <p:sp>
             <p:nvSpPr>
-              <p:cNvPr id="18" name="Textfeld 17">
+              <p:cNvPr id="44" name="Textfeld 43">
                 <a:extLst>
                   <a:ext uri="{FF2B5EF4-FFF2-40B4-BE49-F238E27FC236}">
-                    <a16:creationId xmlns:a16="http://schemas.microsoft.com/office/drawing/2014/main" id="{B2271B1E-60E2-49CA-BADE-C66BFF7C0BD2}"/>
+                    <a16:creationId xmlns:a16="http://schemas.microsoft.com/office/drawing/2014/main" id="{36C2314A-EDA3-4F2B-9E56-2DC78BDA6D81}"/>
                   </a:ext>
                 </a:extLst>
               </p:cNvPr>
@@ -10880,7 +12243,7 @@
             </p:nvSpPr>
             <p:spPr>
               <a:xfrm>
-                <a:off x="6325204" y="2535880"/>
+                <a:off x="6142756" y="2688116"/>
                 <a:ext cx="370038" cy="369332"/>
               </a:xfrm>
               <a:prstGeom prst="rect">
@@ -10903,25 +12266,32 @@
                     <m:oMath xmlns:m="http://schemas.openxmlformats.org/officeDocument/2006/math">
                       <m:r>
                         <a:rPr lang="en-GB" b="0" i="1" dirty="0" smtClean="0">
+                          <a:solidFill>
+                            <a:schemeClr val="tx1"/>
+                          </a:solidFill>
                           <a:latin typeface="Cambria Math" panose="02040503050406030204" pitchFamily="18" charset="0"/>
                         </a:rPr>
-                        <m:t>8</m:t>
+                        <m:t>4</m:t>
                       </m:r>
                     </m:oMath>
                   </m:oMathPara>
                 </a14:m>
-                <a:endParaRPr lang="de-DE" dirty="0"/>
+                <a:endParaRPr lang="de-DE" dirty="0">
+                  <a:solidFill>
+                    <a:schemeClr val="tx1"/>
+                  </a:solidFill>
+                </a:endParaRPr>
               </a:p>
             </p:txBody>
           </p:sp>
         </mc:Choice>
-        <mc:Fallback xmlns="">
+        <mc:Fallback>
           <p:sp>
             <p:nvSpPr>
-              <p:cNvPr id="18" name="Textfeld 17">
+              <p:cNvPr id="44" name="Textfeld 43">
                 <a:extLst>
                   <a:ext uri="{FF2B5EF4-FFF2-40B4-BE49-F238E27FC236}">
-                    <a16:creationId xmlns:a16="http://schemas.microsoft.com/office/drawing/2014/main" id="{B2271B1E-60E2-49CA-BADE-C66BFF7C0BD2}"/>
+                    <a16:creationId xmlns:a16="http://schemas.microsoft.com/office/drawing/2014/main" id="{36C2314A-EDA3-4F2B-9E56-2DC78BDA6D81}"/>
                   </a:ext>
                 </a:extLst>
               </p:cNvPr>
@@ -10932,7 +12302,7 @@
             </p:nvSpPr>
             <p:spPr>
               <a:xfrm>
-                <a:off x="6325204" y="2535880"/>
+                <a:off x="6142756" y="2688116"/>
                 <a:ext cx="370038" cy="369332"/>
               </a:xfrm>
               <a:prstGeom prst="rect">
@@ -10960,14 +12330,14 @@
           </p:sp>
         </mc:Fallback>
       </mc:AlternateContent>
-      <mc:AlternateContent xmlns:mc="http://schemas.openxmlformats.org/markup-compatibility/2006" xmlns:a14="http://schemas.microsoft.com/office/drawing/2010/main">
-        <mc:Choice Requires="a14">
+      <mc:AlternateContent xmlns:mc="http://schemas.openxmlformats.org/markup-compatibility/2006">
+        <mc:Choice xmlns:a14="http://schemas.microsoft.com/office/drawing/2010/main" Requires="a14">
           <p:sp>
             <p:nvSpPr>
-              <p:cNvPr id="19" name="Textfeld 18">
+              <p:cNvPr id="45" name="Textfeld 44">
                 <a:extLst>
                   <a:ext uri="{FF2B5EF4-FFF2-40B4-BE49-F238E27FC236}">
-                    <a16:creationId xmlns:a16="http://schemas.microsoft.com/office/drawing/2014/main" id="{A2AA38BB-2957-4FD2-8C1B-3ECD6C12D0BC}"/>
+                    <a16:creationId xmlns:a16="http://schemas.microsoft.com/office/drawing/2014/main" id="{96346F06-8B1B-4361-9DEB-26A4E894AB2E}"/>
                   </a:ext>
                 </a:extLst>
               </p:cNvPr>
@@ -10976,8 +12346,8 @@
             </p:nvSpPr>
             <p:spPr>
               <a:xfrm>
-                <a:off x="4500071" y="3987269"/>
-                <a:ext cx="370038" cy="369332"/>
+                <a:off x="8181857" y="2704444"/>
+                <a:ext cx="365805" cy="369332"/>
               </a:xfrm>
               <a:prstGeom prst="rect">
                 <a:avLst/>
@@ -10998,10 +12368,10 @@
                     </m:oMathParaPr>
                     <m:oMath xmlns:m="http://schemas.openxmlformats.org/officeDocument/2006/math">
                       <m:r>
-                        <a:rPr lang="en-GB" b="0" i="1" dirty="0" smtClean="0">
+                        <a:rPr lang="en-GB" b="0" i="1" smtClean="0">
                           <a:latin typeface="Cambria Math" panose="02040503050406030204" pitchFamily="18" charset="0"/>
                         </a:rPr>
-                        <m:t>4</m:t>
+                        <m:t>8</m:t>
                       </m:r>
                     </m:oMath>
                   </m:oMathPara>
@@ -11011,13 +12381,13 @@
             </p:txBody>
           </p:sp>
         </mc:Choice>
-        <mc:Fallback xmlns="">
+        <mc:Fallback>
           <p:sp>
             <p:nvSpPr>
-              <p:cNvPr id="19" name="Textfeld 18">
+              <p:cNvPr id="45" name="Textfeld 44">
                 <a:extLst>
                   <a:ext uri="{FF2B5EF4-FFF2-40B4-BE49-F238E27FC236}">
-                    <a16:creationId xmlns:a16="http://schemas.microsoft.com/office/drawing/2014/main" id="{A2AA38BB-2957-4FD2-8C1B-3ECD6C12D0BC}"/>
+                    <a16:creationId xmlns:a16="http://schemas.microsoft.com/office/drawing/2014/main" id="{96346F06-8B1B-4361-9DEB-26A4E894AB2E}"/>
                   </a:ext>
                 </a:extLst>
               </p:cNvPr>
@@ -11028,8 +12398,8 @@
             </p:nvSpPr>
             <p:spPr>
               <a:xfrm>
-                <a:off x="4500071" y="3987269"/>
-                <a:ext cx="370038" cy="369332"/>
+                <a:off x="8181857" y="2704444"/>
+                <a:ext cx="365805" cy="369332"/>
               </a:xfrm>
               <a:prstGeom prst="rect">
                 <a:avLst/>
@@ -11056,14 +12426,288 @@
           </p:sp>
         </mc:Fallback>
       </mc:AlternateContent>
-      <mc:AlternateContent xmlns:mc="http://schemas.openxmlformats.org/markup-compatibility/2006" xmlns:a14="http://schemas.microsoft.com/office/drawing/2010/main">
-        <mc:Choice Requires="a14">
+      <p:cxnSp>
+        <p:nvCxnSpPr>
+          <p:cNvPr id="46" name="Gerade Verbindung mit Pfeil 45">
+            <a:extLst>
+              <a:ext uri="{FF2B5EF4-FFF2-40B4-BE49-F238E27FC236}">
+                <a16:creationId xmlns:a16="http://schemas.microsoft.com/office/drawing/2014/main" id="{122B233B-0CDF-4E84-90C2-F70EC54EB9BA}"/>
+              </a:ext>
+            </a:extLst>
+          </p:cNvPr>
+          <p:cNvCxnSpPr>
+            <a:cxnSpLocks/>
+          </p:cNvCxnSpPr>
+          <p:nvPr/>
+        </p:nvCxnSpPr>
+        <p:spPr>
+          <a:xfrm>
+            <a:off x="5716528" y="3048347"/>
+            <a:ext cx="1222494" cy="9101"/>
+          </a:xfrm>
+          <a:prstGeom prst="straightConnector1">
+            <a:avLst/>
+          </a:prstGeom>
+          <a:ln>
+            <a:tailEnd type="triangle"/>
+          </a:ln>
+        </p:spPr>
+        <p:style>
+          <a:lnRef idx="1">
+            <a:schemeClr val="accent1"/>
+          </a:lnRef>
+          <a:fillRef idx="0">
+            <a:schemeClr val="accent1"/>
+          </a:fillRef>
+          <a:effectRef idx="0">
+            <a:schemeClr val="accent1"/>
+          </a:effectRef>
+          <a:fontRef idx="minor">
+            <a:schemeClr val="tx1"/>
+          </a:fontRef>
+        </p:style>
+      </p:cxnSp>
+      <p:cxnSp>
+        <p:nvCxnSpPr>
+          <p:cNvPr id="47" name="Gerade Verbindung mit Pfeil 46">
+            <a:extLst>
+              <a:ext uri="{FF2B5EF4-FFF2-40B4-BE49-F238E27FC236}">
+                <a16:creationId xmlns:a16="http://schemas.microsoft.com/office/drawing/2014/main" id="{185F5E74-0EA0-408B-923F-F393E8A8CA86}"/>
+              </a:ext>
+            </a:extLst>
+          </p:cNvPr>
+          <p:cNvCxnSpPr>
+            <a:cxnSpLocks/>
+          </p:cNvCxnSpPr>
+          <p:nvPr/>
+        </p:nvCxnSpPr>
+        <p:spPr>
+          <a:xfrm>
+            <a:off x="7764664" y="3070050"/>
+            <a:ext cx="1222494" cy="9101"/>
+          </a:xfrm>
+          <a:prstGeom prst="straightConnector1">
+            <a:avLst/>
+          </a:prstGeom>
+          <a:ln>
+            <a:tailEnd type="triangle"/>
+          </a:ln>
+        </p:spPr>
+        <p:style>
+          <a:lnRef idx="1">
+            <a:schemeClr val="accent1"/>
+          </a:lnRef>
+          <a:fillRef idx="0">
+            <a:schemeClr val="accent1"/>
+          </a:fillRef>
+          <a:effectRef idx="0">
+            <a:schemeClr val="accent1"/>
+          </a:effectRef>
+          <a:fontRef idx="minor">
+            <a:schemeClr val="tx1"/>
+          </a:fontRef>
+        </p:style>
+      </p:cxnSp>
+      <p:sp>
+        <p:nvSpPr>
+          <p:cNvPr id="48" name="Rechteck 47">
+            <a:extLst>
+              <a:ext uri="{FF2B5EF4-FFF2-40B4-BE49-F238E27FC236}">
+                <a16:creationId xmlns:a16="http://schemas.microsoft.com/office/drawing/2014/main" id="{616854A6-FA0C-4324-8F3B-4EB4147D43D4}"/>
+              </a:ext>
+            </a:extLst>
+          </p:cNvPr>
+          <p:cNvSpPr/>
+          <p:nvPr/>
+        </p:nvSpPr>
+        <p:spPr>
+          <a:xfrm>
+            <a:off x="2916269" y="4186779"/>
+            <a:ext cx="807868" cy="648069"/>
+          </a:xfrm>
+          <a:prstGeom prst="rect">
+            <a:avLst/>
+          </a:prstGeom>
+        </p:spPr>
+        <p:style>
+          <a:lnRef idx="2">
+            <a:schemeClr val="accent1">
+              <a:shade val="50000"/>
+            </a:schemeClr>
+          </a:lnRef>
+          <a:fillRef idx="1">
+            <a:schemeClr val="accent1"/>
+          </a:fillRef>
+          <a:effectRef idx="0">
+            <a:schemeClr val="accent1"/>
+          </a:effectRef>
+          <a:fontRef idx="minor">
+            <a:schemeClr val="lt1"/>
+          </a:fontRef>
+        </p:style>
+        <p:txBody>
+          <a:bodyPr rtlCol="0" anchor="ctr"/>
+          <a:lstStyle/>
+          <a:p>
+            <a:pPr algn="ctr"/>
+            <a:r>
+              <a:rPr lang="en-GB" dirty="0"/>
+              <a:t>e</a:t>
+            </a:r>
+            <a:endParaRPr lang="de-DE" dirty="0"/>
+          </a:p>
+        </p:txBody>
+      </p:sp>
+      <p:sp>
+        <p:nvSpPr>
+          <p:cNvPr id="49" name="Rechteck 48">
+            <a:extLst>
+              <a:ext uri="{FF2B5EF4-FFF2-40B4-BE49-F238E27FC236}">
+                <a16:creationId xmlns:a16="http://schemas.microsoft.com/office/drawing/2014/main" id="{DB32F3FD-7795-46EA-A0C2-96AA153F5AD3}"/>
+              </a:ext>
+            </a:extLst>
+          </p:cNvPr>
+          <p:cNvSpPr/>
+          <p:nvPr/>
+        </p:nvSpPr>
+        <p:spPr>
+          <a:xfrm>
+            <a:off x="4908660" y="4186774"/>
+            <a:ext cx="807868" cy="648069"/>
+          </a:xfrm>
+          <a:prstGeom prst="rect">
+            <a:avLst/>
+          </a:prstGeom>
+        </p:spPr>
+        <p:style>
+          <a:lnRef idx="2">
+            <a:schemeClr val="accent1">
+              <a:shade val="50000"/>
+            </a:schemeClr>
+          </a:lnRef>
+          <a:fillRef idx="1">
+            <a:schemeClr val="accent1"/>
+          </a:fillRef>
+          <a:effectRef idx="0">
+            <a:schemeClr val="accent1"/>
+          </a:effectRef>
+          <a:fontRef idx="minor">
+            <a:schemeClr val="lt1"/>
+          </a:fontRef>
+        </p:style>
+        <p:txBody>
+          <a:bodyPr rtlCol="0" anchor="ctr"/>
+          <a:lstStyle/>
+          <a:p>
+            <a:pPr algn="ctr"/>
+            <a:r>
+              <a:rPr lang="en-GB" dirty="0"/>
+              <a:t>f</a:t>
+            </a:r>
+            <a:endParaRPr lang="de-DE" dirty="0"/>
+          </a:p>
+        </p:txBody>
+      </p:sp>
+      <p:sp>
+        <p:nvSpPr>
+          <p:cNvPr id="50" name="Rechteck 49">
+            <a:extLst>
+              <a:ext uri="{FF2B5EF4-FFF2-40B4-BE49-F238E27FC236}">
+                <a16:creationId xmlns:a16="http://schemas.microsoft.com/office/drawing/2014/main" id="{E50BC39F-2940-441F-B0C0-42F198E046A5}"/>
+              </a:ext>
+            </a:extLst>
+          </p:cNvPr>
+          <p:cNvSpPr/>
+          <p:nvPr/>
+        </p:nvSpPr>
+        <p:spPr>
+          <a:xfrm>
+            <a:off x="6947909" y="4175451"/>
+            <a:ext cx="807868" cy="648069"/>
+          </a:xfrm>
+          <a:prstGeom prst="rect">
+            <a:avLst/>
+          </a:prstGeom>
+        </p:spPr>
+        <p:style>
+          <a:lnRef idx="2">
+            <a:schemeClr val="accent1">
+              <a:shade val="50000"/>
+            </a:schemeClr>
+          </a:lnRef>
+          <a:fillRef idx="1">
+            <a:schemeClr val="accent1"/>
+          </a:fillRef>
+          <a:effectRef idx="0">
+            <a:schemeClr val="accent1"/>
+          </a:effectRef>
+          <a:fontRef idx="minor">
+            <a:schemeClr val="lt1"/>
+          </a:fontRef>
+        </p:style>
+        <p:txBody>
+          <a:bodyPr rtlCol="0" anchor="ctr"/>
+          <a:lstStyle/>
+          <a:p>
+            <a:pPr algn="ctr"/>
+            <a:r>
+              <a:rPr lang="en-GB" dirty="0"/>
+              <a:t>g</a:t>
+            </a:r>
+            <a:endParaRPr lang="de-DE" dirty="0"/>
+          </a:p>
+        </p:txBody>
+      </p:sp>
+      <p:cxnSp>
+        <p:nvCxnSpPr>
+          <p:cNvPr id="51" name="Gerade Verbindung mit Pfeil 50">
+            <a:extLst>
+              <a:ext uri="{FF2B5EF4-FFF2-40B4-BE49-F238E27FC236}">
+                <a16:creationId xmlns:a16="http://schemas.microsoft.com/office/drawing/2014/main" id="{FDFB08B5-A128-4D02-80DF-01ED92887F9D}"/>
+              </a:ext>
+            </a:extLst>
+          </p:cNvPr>
+          <p:cNvCxnSpPr>
+            <a:cxnSpLocks/>
+            <a:stCxn id="48" idx="3"/>
+          </p:cNvCxnSpPr>
+          <p:nvPr/>
+        </p:nvCxnSpPr>
+        <p:spPr>
+          <a:xfrm>
+            <a:off x="3724137" y="4510814"/>
+            <a:ext cx="1191693" cy="0"/>
+          </a:xfrm>
+          <a:prstGeom prst="straightConnector1">
+            <a:avLst/>
+          </a:prstGeom>
+          <a:ln>
+            <a:tailEnd type="triangle"/>
+          </a:ln>
+        </p:spPr>
+        <p:style>
+          <a:lnRef idx="1">
+            <a:schemeClr val="accent1"/>
+          </a:lnRef>
+          <a:fillRef idx="0">
+            <a:schemeClr val="accent1"/>
+          </a:fillRef>
+          <a:effectRef idx="0">
+            <a:schemeClr val="accent1"/>
+          </a:effectRef>
+          <a:fontRef idx="minor">
+            <a:schemeClr val="tx1"/>
+          </a:fontRef>
+        </p:style>
+      </p:cxnSp>
+      <mc:AlternateContent xmlns:mc="http://schemas.openxmlformats.org/markup-compatibility/2006">
+        <mc:Choice xmlns:a14="http://schemas.microsoft.com/office/drawing/2010/main" Requires="a14">
           <p:sp>
             <p:nvSpPr>
-              <p:cNvPr id="20" name="Textfeld 19">
+              <p:cNvPr id="52" name="Textfeld 51">
                 <a:extLst>
                   <a:ext uri="{FF2B5EF4-FFF2-40B4-BE49-F238E27FC236}">
-                    <a16:creationId xmlns:a16="http://schemas.microsoft.com/office/drawing/2014/main" id="{200710C3-9B82-4B62-9524-CE3604166011}"/>
+                    <a16:creationId xmlns:a16="http://schemas.microsoft.com/office/drawing/2014/main" id="{6484F3ED-FE09-4630-A08B-3776A90EC0E2}"/>
                   </a:ext>
                 </a:extLst>
               </p:cNvPr>
@@ -11072,7 +12716,7 @@
             </p:nvSpPr>
             <p:spPr>
               <a:xfrm>
-                <a:off x="2771985" y="4010847"/>
+                <a:off x="4058227" y="4102797"/>
                 <a:ext cx="370038" cy="369332"/>
               </a:xfrm>
               <a:prstGeom prst="rect">
@@ -11095,6 +12739,9 @@
                     <m:oMath xmlns:m="http://schemas.openxmlformats.org/officeDocument/2006/math">
                       <m:r>
                         <a:rPr lang="en-GB" b="0" i="1" dirty="0" smtClean="0">
+                          <a:solidFill>
+                            <a:schemeClr val="tx1"/>
+                          </a:solidFill>
                           <a:latin typeface="Cambria Math" panose="02040503050406030204" pitchFamily="18" charset="0"/>
                         </a:rPr>
                         <m:t>3</m:t>
@@ -11107,13 +12754,13 @@
             </p:txBody>
           </p:sp>
         </mc:Choice>
-        <mc:Fallback xmlns="">
+        <mc:Fallback>
           <p:sp>
             <p:nvSpPr>
-              <p:cNvPr id="20" name="Textfeld 19">
+              <p:cNvPr id="52" name="Textfeld 51">
                 <a:extLst>
                   <a:ext uri="{FF2B5EF4-FFF2-40B4-BE49-F238E27FC236}">
-                    <a16:creationId xmlns:a16="http://schemas.microsoft.com/office/drawing/2014/main" id="{200710C3-9B82-4B62-9524-CE3604166011}"/>
+                    <a16:creationId xmlns:a16="http://schemas.microsoft.com/office/drawing/2014/main" id="{6484F3ED-FE09-4630-A08B-3776A90EC0E2}"/>
                   </a:ext>
                 </a:extLst>
               </p:cNvPr>
@@ -11124,7 +12771,7 @@
             </p:nvSpPr>
             <p:spPr>
               <a:xfrm>
-                <a:off x="2771985" y="4010847"/>
+                <a:off x="4058227" y="4102797"/>
                 <a:ext cx="370038" cy="369332"/>
               </a:xfrm>
               <a:prstGeom prst="rect">
@@ -11152,6 +12799,146 @@
           </p:sp>
         </mc:Fallback>
       </mc:AlternateContent>
+      <mc:AlternateContent xmlns:mc="http://schemas.openxmlformats.org/markup-compatibility/2006">
+        <mc:Choice xmlns:a14="http://schemas.microsoft.com/office/drawing/2010/main" Requires="a14">
+          <p:sp>
+            <p:nvSpPr>
+              <p:cNvPr id="53" name="Textfeld 52">
+                <a:extLst>
+                  <a:ext uri="{FF2B5EF4-FFF2-40B4-BE49-F238E27FC236}">
+                    <a16:creationId xmlns:a16="http://schemas.microsoft.com/office/drawing/2014/main" id="{A776FC34-8D92-48C9-96A6-560425C4844B}"/>
+                  </a:ext>
+                </a:extLst>
+              </p:cNvPr>
+              <p:cNvSpPr txBox="1"/>
+              <p:nvPr/>
+            </p:nvSpPr>
+            <p:spPr>
+              <a:xfrm>
+                <a:off x="6152926" y="4130153"/>
+                <a:ext cx="370038" cy="369332"/>
+              </a:xfrm>
+              <a:prstGeom prst="rect">
+                <a:avLst/>
+              </a:prstGeom>
+              <a:noFill/>
+            </p:spPr>
+            <p:txBody>
+              <a:bodyPr wrap="none" rtlCol="0">
+                <a:spAutoFit/>
+              </a:bodyPr>
+              <a:lstStyle/>
+              <a:p>
+                <a:pPr/>
+                <a14:m>
+                  <m:oMathPara xmlns:m="http://schemas.openxmlformats.org/officeDocument/2006/math">
+                    <m:oMathParaPr>
+                      <m:jc m:val="centerGroup"/>
+                    </m:oMathParaPr>
+                    <m:oMath xmlns:m="http://schemas.openxmlformats.org/officeDocument/2006/math">
+                      <m:r>
+                        <a:rPr lang="en-GB" b="0" i="1" dirty="0" smtClean="0">
+                          <a:solidFill>
+                            <a:schemeClr val="tx1"/>
+                          </a:solidFill>
+                          <a:latin typeface="Cambria Math" panose="02040503050406030204" pitchFamily="18" charset="0"/>
+                        </a:rPr>
+                        <m:t>4</m:t>
+                      </m:r>
+                    </m:oMath>
+                  </m:oMathPara>
+                </a14:m>
+                <a:endParaRPr lang="de-DE" dirty="0"/>
+              </a:p>
+            </p:txBody>
+          </p:sp>
+        </mc:Choice>
+        <mc:Fallback>
+          <p:sp>
+            <p:nvSpPr>
+              <p:cNvPr id="53" name="Textfeld 52">
+                <a:extLst>
+                  <a:ext uri="{FF2B5EF4-FFF2-40B4-BE49-F238E27FC236}">
+                    <a16:creationId xmlns:a16="http://schemas.microsoft.com/office/drawing/2014/main" id="{A776FC34-8D92-48C9-96A6-560425C4844B}"/>
+                  </a:ext>
+                </a:extLst>
+              </p:cNvPr>
+              <p:cNvSpPr txBox="1">
+                <a:spLocks noRot="1" noChangeAspect="1" noMove="1" noResize="1" noEditPoints="1" noAdjustHandles="1" noChangeArrowheads="1" noChangeShapeType="1" noTextEdit="1"/>
+              </p:cNvSpPr>
+              <p:nvPr/>
+            </p:nvSpPr>
+            <p:spPr>
+              <a:xfrm>
+                <a:off x="6152926" y="4130153"/>
+                <a:ext cx="370038" cy="369332"/>
+              </a:xfrm>
+              <a:prstGeom prst="rect">
+                <a:avLst/>
+              </a:prstGeom>
+              <a:blipFill>
+                <a:blip r:embed="rId7"/>
+                <a:stretch>
+                  <a:fillRect/>
+                </a:stretch>
+              </a:blipFill>
+            </p:spPr>
+            <p:txBody>
+              <a:bodyPr/>
+              <a:lstStyle/>
+              <a:p>
+                <a:r>
+                  <a:rPr lang="de-DE">
+                    <a:noFill/>
+                  </a:rPr>
+                  <a:t> </a:t>
+                </a:r>
+              </a:p>
+            </p:txBody>
+          </p:sp>
+        </mc:Fallback>
+      </mc:AlternateContent>
+      <p:cxnSp>
+        <p:nvCxnSpPr>
+          <p:cNvPr id="54" name="Gerade Verbindung mit Pfeil 53">
+            <a:extLst>
+              <a:ext uri="{FF2B5EF4-FFF2-40B4-BE49-F238E27FC236}">
+                <a16:creationId xmlns:a16="http://schemas.microsoft.com/office/drawing/2014/main" id="{282489B1-0A15-4D6F-A6CE-2D236836B1F7}"/>
+              </a:ext>
+            </a:extLst>
+          </p:cNvPr>
+          <p:cNvCxnSpPr>
+            <a:cxnSpLocks/>
+          </p:cNvCxnSpPr>
+          <p:nvPr/>
+        </p:nvCxnSpPr>
+        <p:spPr>
+          <a:xfrm>
+            <a:off x="5726698" y="4492559"/>
+            <a:ext cx="1222494" cy="9101"/>
+          </a:xfrm>
+          <a:prstGeom prst="straightConnector1">
+            <a:avLst/>
+          </a:prstGeom>
+          <a:ln>
+            <a:tailEnd type="triangle"/>
+          </a:ln>
+        </p:spPr>
+        <p:style>
+          <a:lnRef idx="1">
+            <a:schemeClr val="accent1"/>
+          </a:lnRef>
+          <a:fillRef idx="0">
+            <a:schemeClr val="accent1"/>
+          </a:fillRef>
+          <a:effectRef idx="0">
+            <a:schemeClr val="accent1"/>
+          </a:effectRef>
+          <a:fontRef idx="minor">
+            <a:schemeClr val="tx1"/>
+          </a:fontRef>
+        </p:style>
+      </p:cxnSp>
     </p:spTree>
     <p:extLst>
       <p:ext uri="{BB962C8B-B14F-4D97-AF65-F5344CB8AC3E}">
@@ -11203,7 +12990,11 @@
           <a:bodyPr/>
           <a:lstStyle/>
           <a:p>
-            <a:endParaRPr lang="de-DE" dirty="0"/>
+            <a:endParaRPr lang="de-DE" dirty="0">
+              <a:solidFill>
+                <a:srgbClr val="92D050"/>
+              </a:solidFill>
+            </a:endParaRPr>
           </a:p>
         </p:txBody>
       </p:sp>
@@ -11223,12 +13014,32 @@
             <p:ph idx="1"/>
           </p:nvPr>
         </p:nvSpPr>
-        <p:spPr/>
+        <p:spPr>
+          <a:xfrm>
+            <a:off x="838200" y="365125"/>
+            <a:ext cx="10515600" cy="5811838"/>
+          </a:xfrm>
+        </p:spPr>
         <p:txBody>
           <a:bodyPr/>
           <a:lstStyle/>
           <a:p>
-            <a:endParaRPr lang="de-DE" dirty="0"/>
+            <a:pPr marL="0" indent="0">
+              <a:buNone/>
+            </a:pPr>
+            <a:r>
+              <a:rPr lang="en-GB" dirty="0">
+                <a:solidFill>
+                  <a:srgbClr val="92D050"/>
+                </a:solidFill>
+              </a:rPr>
+              <a:t>length</a:t>
+            </a:r>
+            <a:endParaRPr lang="de-DE" dirty="0">
+              <a:solidFill>
+                <a:srgbClr val="92D050"/>
+              </a:solidFill>
+            </a:endParaRPr>
           </a:p>
         </p:txBody>
       </p:sp>
@@ -11246,7 +13057,7 @@
         </p:nvSpPr>
         <p:spPr>
           <a:xfrm>
-            <a:off x="1660124" y="2583404"/>
+            <a:off x="2916269" y="2735640"/>
             <a:ext cx="807868" cy="648069"/>
           </a:xfrm>
           <a:prstGeom prst="rect">
@@ -11296,7 +13107,7 @@
         </p:nvSpPr>
         <p:spPr>
           <a:xfrm>
-            <a:off x="3446016" y="2583403"/>
+            <a:off x="4908660" y="2735635"/>
             <a:ext cx="807868" cy="648069"/>
           </a:xfrm>
           <a:prstGeom prst="rect">
@@ -11334,10 +13145,10 @@
       </p:sp>
       <p:sp>
         <p:nvSpPr>
-          <p:cNvPr id="9" name="Rechteck 8">
-            <a:extLst>
-              <a:ext uri="{FF2B5EF4-FFF2-40B4-BE49-F238E27FC236}">
-                <a16:creationId xmlns:a16="http://schemas.microsoft.com/office/drawing/2014/main" id="{36DE7067-73DF-4A99-9257-EC3FE0DF1400}"/>
+          <p:cNvPr id="11" name="Rechteck 10">
+            <a:extLst>
+              <a:ext uri="{FF2B5EF4-FFF2-40B4-BE49-F238E27FC236}">
+                <a16:creationId xmlns:a16="http://schemas.microsoft.com/office/drawing/2014/main" id="{3944EFA0-6D64-4159-97C6-BEDED0F4B7F8}"/>
               </a:ext>
             </a:extLst>
           </p:cNvPr>
@@ -11346,7 +13157,7 @@
         </p:nvSpPr>
         <p:spPr>
           <a:xfrm>
-            <a:off x="3446016" y="4056146"/>
+            <a:off x="6947909" y="2724312"/>
             <a:ext cx="807868" cy="648069"/>
           </a:xfrm>
           <a:prstGeom prst="rect">
@@ -11376,7 +13187,7 @@
             <a:pPr algn="ctr"/>
             <a:r>
               <a:rPr lang="en-GB" dirty="0"/>
-              <a:t>f</a:t>
+              <a:t>c</a:t>
             </a:r>
             <a:endParaRPr lang="de-DE" dirty="0"/>
           </a:p>
@@ -11384,10 +13195,10 @@
       </p:sp>
       <p:sp>
         <p:nvSpPr>
-          <p:cNvPr id="10" name="Rechteck 9">
-            <a:extLst>
-              <a:ext uri="{FF2B5EF4-FFF2-40B4-BE49-F238E27FC236}">
-                <a16:creationId xmlns:a16="http://schemas.microsoft.com/office/drawing/2014/main" id="{873E2B24-9C34-4D03-8AA2-92FC6997D4C5}"/>
+          <p:cNvPr id="13" name="Rechteck 12">
+            <a:extLst>
+              <a:ext uri="{FF2B5EF4-FFF2-40B4-BE49-F238E27FC236}">
+                <a16:creationId xmlns:a16="http://schemas.microsoft.com/office/drawing/2014/main" id="{0784AA11-BCB6-4853-A183-4F38ACF21C27}"/>
               </a:ext>
             </a:extLst>
           </p:cNvPr>
@@ -11396,7 +13207,7 @@
         </p:nvSpPr>
         <p:spPr>
           <a:xfrm>
-            <a:off x="1660124" y="4056148"/>
+            <a:off x="8998612" y="2780931"/>
             <a:ext cx="807868" cy="648069"/>
           </a:xfrm>
           <a:prstGeom prst="rect">
@@ -11426,156 +13237,6 @@
             <a:pPr algn="ctr"/>
             <a:r>
               <a:rPr lang="en-GB" dirty="0"/>
-              <a:t>e</a:t>
-            </a:r>
-            <a:endParaRPr lang="de-DE" dirty="0"/>
-          </a:p>
-        </p:txBody>
-      </p:sp>
-      <p:sp>
-        <p:nvSpPr>
-          <p:cNvPr id="11" name="Rechteck 10">
-            <a:extLst>
-              <a:ext uri="{FF2B5EF4-FFF2-40B4-BE49-F238E27FC236}">
-                <a16:creationId xmlns:a16="http://schemas.microsoft.com/office/drawing/2014/main" id="{3944EFA0-6D64-4159-97C6-BEDED0F4B7F8}"/>
-              </a:ext>
-            </a:extLst>
-          </p:cNvPr>
-          <p:cNvSpPr/>
-          <p:nvPr/>
-        </p:nvSpPr>
-        <p:spPr>
-          <a:xfrm>
-            <a:off x="5231908" y="2583400"/>
-            <a:ext cx="807868" cy="648069"/>
-          </a:xfrm>
-          <a:prstGeom prst="rect">
-            <a:avLst/>
-          </a:prstGeom>
-        </p:spPr>
-        <p:style>
-          <a:lnRef idx="2">
-            <a:schemeClr val="accent1">
-              <a:shade val="50000"/>
-            </a:schemeClr>
-          </a:lnRef>
-          <a:fillRef idx="1">
-            <a:schemeClr val="accent1"/>
-          </a:fillRef>
-          <a:effectRef idx="0">
-            <a:schemeClr val="accent1"/>
-          </a:effectRef>
-          <a:fontRef idx="minor">
-            <a:schemeClr val="lt1"/>
-          </a:fontRef>
-        </p:style>
-        <p:txBody>
-          <a:bodyPr rtlCol="0" anchor="ctr"/>
-          <a:lstStyle/>
-          <a:p>
-            <a:pPr algn="ctr"/>
-            <a:r>
-              <a:rPr lang="en-GB" dirty="0"/>
-              <a:t>c</a:t>
-            </a:r>
-            <a:endParaRPr lang="de-DE" dirty="0"/>
-          </a:p>
-        </p:txBody>
-      </p:sp>
-      <p:sp>
-        <p:nvSpPr>
-          <p:cNvPr id="12" name="Rechteck 11">
-            <a:extLst>
-              <a:ext uri="{FF2B5EF4-FFF2-40B4-BE49-F238E27FC236}">
-                <a16:creationId xmlns:a16="http://schemas.microsoft.com/office/drawing/2014/main" id="{BB2B147B-0D7A-41CB-B1FD-F2B55C398B10}"/>
-              </a:ext>
-            </a:extLst>
-          </p:cNvPr>
-          <p:cNvSpPr/>
-          <p:nvPr/>
-        </p:nvSpPr>
-        <p:spPr>
-          <a:xfrm>
-            <a:off x="5231908" y="4056146"/>
-            <a:ext cx="807868" cy="648069"/>
-          </a:xfrm>
-          <a:prstGeom prst="rect">
-            <a:avLst/>
-          </a:prstGeom>
-        </p:spPr>
-        <p:style>
-          <a:lnRef idx="2">
-            <a:schemeClr val="accent1">
-              <a:shade val="50000"/>
-            </a:schemeClr>
-          </a:lnRef>
-          <a:fillRef idx="1">
-            <a:schemeClr val="accent1"/>
-          </a:fillRef>
-          <a:effectRef idx="0">
-            <a:schemeClr val="accent1"/>
-          </a:effectRef>
-          <a:fontRef idx="minor">
-            <a:schemeClr val="lt1"/>
-          </a:fontRef>
-        </p:style>
-        <p:txBody>
-          <a:bodyPr rtlCol="0" anchor="ctr"/>
-          <a:lstStyle/>
-          <a:p>
-            <a:pPr algn="ctr"/>
-            <a:r>
-              <a:rPr lang="en-GB" dirty="0"/>
-              <a:t>g</a:t>
-            </a:r>
-            <a:endParaRPr lang="de-DE" dirty="0"/>
-          </a:p>
-        </p:txBody>
-      </p:sp>
-      <p:sp>
-        <p:nvSpPr>
-          <p:cNvPr id="13" name="Rechteck 12">
-            <a:extLst>
-              <a:ext uri="{FF2B5EF4-FFF2-40B4-BE49-F238E27FC236}">
-                <a16:creationId xmlns:a16="http://schemas.microsoft.com/office/drawing/2014/main" id="{0784AA11-BCB6-4853-A183-4F38ACF21C27}"/>
-              </a:ext>
-            </a:extLst>
-          </p:cNvPr>
-          <p:cNvSpPr/>
-          <p:nvPr/>
-        </p:nvSpPr>
-        <p:spPr>
-          <a:xfrm>
-            <a:off x="6861700" y="2583399"/>
-            <a:ext cx="807868" cy="648069"/>
-          </a:xfrm>
-          <a:prstGeom prst="rect">
-            <a:avLst/>
-          </a:prstGeom>
-        </p:spPr>
-        <p:style>
-          <a:lnRef idx="2">
-            <a:schemeClr val="accent1">
-              <a:shade val="50000"/>
-            </a:schemeClr>
-          </a:lnRef>
-          <a:fillRef idx="1">
-            <a:schemeClr val="accent1"/>
-          </a:fillRef>
-          <a:effectRef idx="0">
-            <a:schemeClr val="accent1"/>
-          </a:effectRef>
-          <a:fontRef idx="minor">
-            <a:schemeClr val="lt1"/>
-          </a:fontRef>
-        </p:style>
-        <p:txBody>
-          <a:bodyPr rtlCol="0" anchor="ctr"/>
-          <a:lstStyle/>
-          <a:p>
-            <a:pPr algn="ctr"/>
-            <a:r>
-              <a:rPr lang="en-GB" dirty="0"/>
               <a:t>d</a:t>
             </a:r>
             <a:endParaRPr lang="de-DE" dirty="0"/>
@@ -11592,15 +13253,15 @@
             </a:extLst>
           </p:cNvPr>
           <p:cNvCxnSpPr>
+            <a:cxnSpLocks/>
             <a:stCxn id="7" idx="3"/>
-            <a:endCxn id="8" idx="1"/>
           </p:cNvCxnSpPr>
           <p:nvPr/>
         </p:nvCxnSpPr>
         <p:spPr>
-          <a:xfrm flipV="1">
-            <a:off x="2467992" y="2907438"/>
-            <a:ext cx="978024" cy="1"/>
+          <a:xfrm>
+            <a:off x="3724137" y="3059675"/>
+            <a:ext cx="1191693" cy="0"/>
           </a:xfrm>
           <a:prstGeom prst="straightConnector1">
             <a:avLst/>
@@ -11624,164 +13285,8 @@
           </a:fontRef>
         </p:style>
       </p:cxnSp>
-      <p:cxnSp>
-        <p:nvCxnSpPr>
-          <p:cNvPr id="16" name="Gerade Verbindung mit Pfeil 15">
-            <a:extLst>
-              <a:ext uri="{FF2B5EF4-FFF2-40B4-BE49-F238E27FC236}">
-                <a16:creationId xmlns:a16="http://schemas.microsoft.com/office/drawing/2014/main" id="{7E203872-790F-4433-B8AB-CBB9096DBC01}"/>
-              </a:ext>
-            </a:extLst>
-          </p:cNvPr>
-          <p:cNvCxnSpPr/>
-          <p:nvPr/>
-        </p:nvCxnSpPr>
-        <p:spPr>
-          <a:xfrm flipV="1">
-            <a:off x="4253884" y="2907432"/>
-            <a:ext cx="978024" cy="1"/>
-          </a:xfrm>
-          <a:prstGeom prst="straightConnector1">
-            <a:avLst/>
-          </a:prstGeom>
-          <a:ln>
-            <a:tailEnd type="triangle"/>
-          </a:ln>
-        </p:spPr>
-        <p:style>
-          <a:lnRef idx="1">
-            <a:schemeClr val="accent1"/>
-          </a:lnRef>
-          <a:fillRef idx="0">
-            <a:schemeClr val="accent1"/>
-          </a:fillRef>
-          <a:effectRef idx="0">
-            <a:schemeClr val="accent1"/>
-          </a:effectRef>
-          <a:fontRef idx="minor">
-            <a:schemeClr val="tx1"/>
-          </a:fontRef>
-        </p:style>
-      </p:cxnSp>
-      <p:cxnSp>
-        <p:nvCxnSpPr>
-          <p:cNvPr id="17" name="Gerade Verbindung mit Pfeil 16">
-            <a:extLst>
-              <a:ext uri="{FF2B5EF4-FFF2-40B4-BE49-F238E27FC236}">
-                <a16:creationId xmlns:a16="http://schemas.microsoft.com/office/drawing/2014/main" id="{F39D98C0-3568-47B9-A170-6BAEEB5E1392}"/>
-              </a:ext>
-            </a:extLst>
-          </p:cNvPr>
-          <p:cNvCxnSpPr/>
-          <p:nvPr/>
-        </p:nvCxnSpPr>
-        <p:spPr>
-          <a:xfrm flipV="1">
-            <a:off x="5883676" y="2905212"/>
-            <a:ext cx="978024" cy="1"/>
-          </a:xfrm>
-          <a:prstGeom prst="straightConnector1">
-            <a:avLst/>
-          </a:prstGeom>
-          <a:ln>
-            <a:tailEnd type="triangle"/>
-          </a:ln>
-        </p:spPr>
-        <p:style>
-          <a:lnRef idx="1">
-            <a:schemeClr val="accent1"/>
-          </a:lnRef>
-          <a:fillRef idx="0">
-            <a:schemeClr val="accent1"/>
-          </a:fillRef>
-          <a:effectRef idx="0">
-            <a:schemeClr val="accent1"/>
-          </a:effectRef>
-          <a:fontRef idx="minor">
-            <a:schemeClr val="tx1"/>
-          </a:fontRef>
-        </p:style>
-      </p:cxnSp>
-      <p:cxnSp>
-        <p:nvCxnSpPr>
-          <p:cNvPr id="18" name="Gerade Verbindung mit Pfeil 17">
-            <a:extLst>
-              <a:ext uri="{FF2B5EF4-FFF2-40B4-BE49-F238E27FC236}">
-                <a16:creationId xmlns:a16="http://schemas.microsoft.com/office/drawing/2014/main" id="{387BDF7A-63F3-4A05-B674-612C1AD8137A}"/>
-              </a:ext>
-            </a:extLst>
-          </p:cNvPr>
-          <p:cNvCxnSpPr/>
-          <p:nvPr/>
-        </p:nvCxnSpPr>
-        <p:spPr>
-          <a:xfrm flipV="1">
-            <a:off x="4253884" y="4380179"/>
-            <a:ext cx="978024" cy="1"/>
-          </a:xfrm>
-          <a:prstGeom prst="straightConnector1">
-            <a:avLst/>
-          </a:prstGeom>
-          <a:ln>
-            <a:tailEnd type="triangle"/>
-          </a:ln>
-        </p:spPr>
-        <p:style>
-          <a:lnRef idx="1">
-            <a:schemeClr val="accent1"/>
-          </a:lnRef>
-          <a:fillRef idx="0">
-            <a:schemeClr val="accent1"/>
-          </a:fillRef>
-          <a:effectRef idx="0">
-            <a:schemeClr val="accent1"/>
-          </a:effectRef>
-          <a:fontRef idx="minor">
-            <a:schemeClr val="tx1"/>
-          </a:fontRef>
-        </p:style>
-      </p:cxnSp>
-      <p:cxnSp>
-        <p:nvCxnSpPr>
-          <p:cNvPr id="19" name="Gerade Verbindung mit Pfeil 18">
-            <a:extLst>
-              <a:ext uri="{FF2B5EF4-FFF2-40B4-BE49-F238E27FC236}">
-                <a16:creationId xmlns:a16="http://schemas.microsoft.com/office/drawing/2014/main" id="{5B12DC89-53E0-4D24-A226-4E2EBBDC0FFD}"/>
-              </a:ext>
-            </a:extLst>
-          </p:cNvPr>
-          <p:cNvCxnSpPr/>
-          <p:nvPr/>
-        </p:nvCxnSpPr>
-        <p:spPr>
-          <a:xfrm flipV="1">
-            <a:off x="2467992" y="4380180"/>
-            <a:ext cx="978024" cy="1"/>
-          </a:xfrm>
-          <a:prstGeom prst="straightConnector1">
-            <a:avLst/>
-          </a:prstGeom>
-          <a:ln>
-            <a:tailEnd type="triangle"/>
-          </a:ln>
-        </p:spPr>
-        <p:style>
-          <a:lnRef idx="1">
-            <a:schemeClr val="accent1"/>
-          </a:lnRef>
-          <a:fillRef idx="0">
-            <a:schemeClr val="accent1"/>
-          </a:fillRef>
-          <a:effectRef idx="0">
-            <a:schemeClr val="accent1"/>
-          </a:effectRef>
-          <a:fontRef idx="minor">
-            <a:schemeClr val="tx1"/>
-          </a:fontRef>
-        </p:style>
-      </p:cxnSp>
-      <mc:AlternateContent xmlns:mc="http://schemas.openxmlformats.org/markup-compatibility/2006" xmlns:a14="http://schemas.microsoft.com/office/drawing/2010/main">
-        <mc:Choice Requires="a14">
+      <mc:AlternateContent xmlns:mc="http://schemas.openxmlformats.org/markup-compatibility/2006">
+        <mc:Choice xmlns:a14="http://schemas.microsoft.com/office/drawing/2010/main" Requires="a14">
           <p:sp>
             <p:nvSpPr>
               <p:cNvPr id="22" name="Textfeld 21">
@@ -11796,7 +13301,7 @@
             </p:nvSpPr>
             <p:spPr>
               <a:xfrm>
-                <a:off x="2771985" y="2583398"/>
+                <a:off x="4090846" y="2735634"/>
                 <a:ext cx="370038" cy="369332"/>
               </a:xfrm>
               <a:prstGeom prst="rect">
@@ -11834,7 +13339,7 @@
             </p:txBody>
           </p:sp>
         </mc:Choice>
-        <mc:Fallback xmlns="">
+        <mc:Fallback>
           <p:sp>
             <p:nvSpPr>
               <p:cNvPr id="22" name="Textfeld 21">
@@ -11851,7 +13356,7 @@
             </p:nvSpPr>
             <p:spPr>
               <a:xfrm>
-                <a:off x="2771985" y="2583398"/>
+                <a:off x="4090846" y="2735634"/>
                 <a:ext cx="370038" cy="369332"/>
               </a:xfrm>
               <a:prstGeom prst="rect">
@@ -11879,8 +13384,8 @@
           </p:sp>
         </mc:Fallback>
       </mc:AlternateContent>
-      <mc:AlternateContent xmlns:mc="http://schemas.openxmlformats.org/markup-compatibility/2006" xmlns:a14="http://schemas.microsoft.com/office/drawing/2010/main">
-        <mc:Choice Requires="a14">
+      <mc:AlternateContent xmlns:mc="http://schemas.openxmlformats.org/markup-compatibility/2006">
+        <mc:Choice xmlns:a14="http://schemas.microsoft.com/office/drawing/2010/main" Requires="a14">
           <p:sp>
             <p:nvSpPr>
               <p:cNvPr id="24" name="Textfeld 23">
@@ -11895,7 +13400,7 @@
             </p:nvSpPr>
             <p:spPr>
               <a:xfrm>
-                <a:off x="4500071" y="2560750"/>
+                <a:off x="6142756" y="2688116"/>
                 <a:ext cx="370038" cy="369332"/>
               </a:xfrm>
               <a:prstGeom prst="rect">
@@ -11933,7 +13438,7 @@
             </p:txBody>
           </p:sp>
         </mc:Choice>
-        <mc:Fallback xmlns="">
+        <mc:Fallback>
           <p:sp>
             <p:nvSpPr>
               <p:cNvPr id="24" name="Textfeld 23">
@@ -11950,7 +13455,7 @@
             </p:nvSpPr>
             <p:spPr>
               <a:xfrm>
-                <a:off x="4500071" y="2560750"/>
+                <a:off x="6142756" y="2688116"/>
                 <a:ext cx="370038" cy="369332"/>
               </a:xfrm>
               <a:prstGeom prst="rect">
@@ -11978,8 +13483,8 @@
           </p:sp>
         </mc:Fallback>
       </mc:AlternateContent>
-      <mc:AlternateContent xmlns:mc="http://schemas.openxmlformats.org/markup-compatibility/2006" xmlns:a14="http://schemas.microsoft.com/office/drawing/2010/main">
-        <mc:Choice Requires="a14">
+      <mc:AlternateContent xmlns:mc="http://schemas.openxmlformats.org/markup-compatibility/2006">
+        <mc:Choice xmlns:a14="http://schemas.microsoft.com/office/drawing/2010/main" Requires="a14">
           <p:sp>
             <p:nvSpPr>
               <p:cNvPr id="25" name="Textfeld 24">
@@ -11994,7 +13499,7 @@
             </p:nvSpPr>
             <p:spPr>
               <a:xfrm>
-                <a:off x="6325204" y="2535880"/>
+                <a:off x="8181857" y="2704444"/>
                 <a:ext cx="370038" cy="369332"/>
               </a:xfrm>
               <a:prstGeom prst="rect">
@@ -12032,7 +13537,7 @@
             </p:txBody>
           </p:sp>
         </mc:Choice>
-        <mc:Fallback xmlns="">
+        <mc:Fallback>
           <p:sp>
             <p:nvSpPr>
               <p:cNvPr id="25" name="Textfeld 24">
@@ -12049,7 +13554,7 @@
             </p:nvSpPr>
             <p:spPr>
               <a:xfrm>
-                <a:off x="6325204" y="2535880"/>
+                <a:off x="8181857" y="2704444"/>
                 <a:ext cx="370038" cy="369332"/>
               </a:xfrm>
               <a:prstGeom prst="rect">
@@ -12077,14 +13582,288 @@
           </p:sp>
         </mc:Fallback>
       </mc:AlternateContent>
-      <mc:AlternateContent xmlns:mc="http://schemas.openxmlformats.org/markup-compatibility/2006" xmlns:a14="http://schemas.microsoft.com/office/drawing/2010/main">
-        <mc:Choice Requires="a14">
+      <p:cxnSp>
+        <p:nvCxnSpPr>
+          <p:cNvPr id="23" name="Gerade Verbindung mit Pfeil 22">
+            <a:extLst>
+              <a:ext uri="{FF2B5EF4-FFF2-40B4-BE49-F238E27FC236}">
+                <a16:creationId xmlns:a16="http://schemas.microsoft.com/office/drawing/2014/main" id="{8008AB82-F360-4B63-BAC6-F652592830BA}"/>
+              </a:ext>
+            </a:extLst>
+          </p:cNvPr>
+          <p:cNvCxnSpPr>
+            <a:cxnSpLocks/>
+          </p:cNvCxnSpPr>
+          <p:nvPr/>
+        </p:nvCxnSpPr>
+        <p:spPr>
+          <a:xfrm>
+            <a:off x="5716528" y="3048347"/>
+            <a:ext cx="1222494" cy="9101"/>
+          </a:xfrm>
+          <a:prstGeom prst="straightConnector1">
+            <a:avLst/>
+          </a:prstGeom>
+          <a:ln>
+            <a:tailEnd type="triangle"/>
+          </a:ln>
+        </p:spPr>
+        <p:style>
+          <a:lnRef idx="1">
+            <a:schemeClr val="accent1"/>
+          </a:lnRef>
+          <a:fillRef idx="0">
+            <a:schemeClr val="accent1"/>
+          </a:fillRef>
+          <a:effectRef idx="0">
+            <a:schemeClr val="accent1"/>
+          </a:effectRef>
+          <a:fontRef idx="minor">
+            <a:schemeClr val="tx1"/>
+          </a:fontRef>
+        </p:style>
+      </p:cxnSp>
+      <p:cxnSp>
+        <p:nvCxnSpPr>
+          <p:cNvPr id="28" name="Gerade Verbindung mit Pfeil 27">
+            <a:extLst>
+              <a:ext uri="{FF2B5EF4-FFF2-40B4-BE49-F238E27FC236}">
+                <a16:creationId xmlns:a16="http://schemas.microsoft.com/office/drawing/2014/main" id="{A32F4C6A-CFF1-4396-9888-BBFF4855395D}"/>
+              </a:ext>
+            </a:extLst>
+          </p:cNvPr>
+          <p:cNvCxnSpPr>
+            <a:cxnSpLocks/>
+          </p:cNvCxnSpPr>
+          <p:nvPr/>
+        </p:nvCxnSpPr>
+        <p:spPr>
+          <a:xfrm>
+            <a:off x="7764664" y="3070050"/>
+            <a:ext cx="1222494" cy="9101"/>
+          </a:xfrm>
+          <a:prstGeom prst="straightConnector1">
+            <a:avLst/>
+          </a:prstGeom>
+          <a:ln>
+            <a:tailEnd type="triangle"/>
+          </a:ln>
+        </p:spPr>
+        <p:style>
+          <a:lnRef idx="1">
+            <a:schemeClr val="accent1"/>
+          </a:lnRef>
+          <a:fillRef idx="0">
+            <a:schemeClr val="accent1"/>
+          </a:fillRef>
+          <a:effectRef idx="0">
+            <a:schemeClr val="accent1"/>
+          </a:effectRef>
+          <a:fontRef idx="minor">
+            <a:schemeClr val="tx1"/>
+          </a:fontRef>
+        </p:style>
+      </p:cxnSp>
+      <p:sp>
+        <p:nvSpPr>
+          <p:cNvPr id="29" name="Rechteck 28">
+            <a:extLst>
+              <a:ext uri="{FF2B5EF4-FFF2-40B4-BE49-F238E27FC236}">
+                <a16:creationId xmlns:a16="http://schemas.microsoft.com/office/drawing/2014/main" id="{D526B314-9ADD-4531-8603-BED80D61CA15}"/>
+              </a:ext>
+            </a:extLst>
+          </p:cNvPr>
+          <p:cNvSpPr/>
+          <p:nvPr/>
+        </p:nvSpPr>
+        <p:spPr>
+          <a:xfrm>
+            <a:off x="2916269" y="4186779"/>
+            <a:ext cx="807868" cy="648069"/>
+          </a:xfrm>
+          <a:prstGeom prst="rect">
+            <a:avLst/>
+          </a:prstGeom>
+        </p:spPr>
+        <p:style>
+          <a:lnRef idx="2">
+            <a:schemeClr val="accent1">
+              <a:shade val="50000"/>
+            </a:schemeClr>
+          </a:lnRef>
+          <a:fillRef idx="1">
+            <a:schemeClr val="accent1"/>
+          </a:fillRef>
+          <a:effectRef idx="0">
+            <a:schemeClr val="accent1"/>
+          </a:effectRef>
+          <a:fontRef idx="minor">
+            <a:schemeClr val="lt1"/>
+          </a:fontRef>
+        </p:style>
+        <p:txBody>
+          <a:bodyPr rtlCol="0" anchor="ctr"/>
+          <a:lstStyle/>
+          <a:p>
+            <a:pPr algn="ctr"/>
+            <a:r>
+              <a:rPr lang="en-GB" dirty="0"/>
+              <a:t>e</a:t>
+            </a:r>
+            <a:endParaRPr lang="de-DE" dirty="0"/>
+          </a:p>
+        </p:txBody>
+      </p:sp>
+      <p:sp>
+        <p:nvSpPr>
+          <p:cNvPr id="30" name="Rechteck 29">
+            <a:extLst>
+              <a:ext uri="{FF2B5EF4-FFF2-40B4-BE49-F238E27FC236}">
+                <a16:creationId xmlns:a16="http://schemas.microsoft.com/office/drawing/2014/main" id="{59A9A93B-EDCC-4F60-B540-09030ADD9291}"/>
+              </a:ext>
+            </a:extLst>
+          </p:cNvPr>
+          <p:cNvSpPr/>
+          <p:nvPr/>
+        </p:nvSpPr>
+        <p:spPr>
+          <a:xfrm>
+            <a:off x="4908660" y="4186774"/>
+            <a:ext cx="807868" cy="648069"/>
+          </a:xfrm>
+          <a:prstGeom prst="rect">
+            <a:avLst/>
+          </a:prstGeom>
+        </p:spPr>
+        <p:style>
+          <a:lnRef idx="2">
+            <a:schemeClr val="accent1">
+              <a:shade val="50000"/>
+            </a:schemeClr>
+          </a:lnRef>
+          <a:fillRef idx="1">
+            <a:schemeClr val="accent1"/>
+          </a:fillRef>
+          <a:effectRef idx="0">
+            <a:schemeClr val="accent1"/>
+          </a:effectRef>
+          <a:fontRef idx="minor">
+            <a:schemeClr val="lt1"/>
+          </a:fontRef>
+        </p:style>
+        <p:txBody>
+          <a:bodyPr rtlCol="0" anchor="ctr"/>
+          <a:lstStyle/>
+          <a:p>
+            <a:pPr algn="ctr"/>
+            <a:r>
+              <a:rPr lang="en-GB" dirty="0"/>
+              <a:t>f</a:t>
+            </a:r>
+            <a:endParaRPr lang="de-DE" dirty="0"/>
+          </a:p>
+        </p:txBody>
+      </p:sp>
+      <p:sp>
+        <p:nvSpPr>
+          <p:cNvPr id="31" name="Rechteck 30">
+            <a:extLst>
+              <a:ext uri="{FF2B5EF4-FFF2-40B4-BE49-F238E27FC236}">
+                <a16:creationId xmlns:a16="http://schemas.microsoft.com/office/drawing/2014/main" id="{31C5C429-EECD-4782-ACA4-205F5D902200}"/>
+              </a:ext>
+            </a:extLst>
+          </p:cNvPr>
+          <p:cNvSpPr/>
+          <p:nvPr/>
+        </p:nvSpPr>
+        <p:spPr>
+          <a:xfrm>
+            <a:off x="6947909" y="4175451"/>
+            <a:ext cx="807868" cy="648069"/>
+          </a:xfrm>
+          <a:prstGeom prst="rect">
+            <a:avLst/>
+          </a:prstGeom>
+        </p:spPr>
+        <p:style>
+          <a:lnRef idx="2">
+            <a:schemeClr val="accent1">
+              <a:shade val="50000"/>
+            </a:schemeClr>
+          </a:lnRef>
+          <a:fillRef idx="1">
+            <a:schemeClr val="accent1"/>
+          </a:fillRef>
+          <a:effectRef idx="0">
+            <a:schemeClr val="accent1"/>
+          </a:effectRef>
+          <a:fontRef idx="minor">
+            <a:schemeClr val="lt1"/>
+          </a:fontRef>
+        </p:style>
+        <p:txBody>
+          <a:bodyPr rtlCol="0" anchor="ctr"/>
+          <a:lstStyle/>
+          <a:p>
+            <a:pPr algn="ctr"/>
+            <a:r>
+              <a:rPr lang="en-GB" dirty="0"/>
+              <a:t>g</a:t>
+            </a:r>
+            <a:endParaRPr lang="de-DE" dirty="0"/>
+          </a:p>
+        </p:txBody>
+      </p:sp>
+      <p:cxnSp>
+        <p:nvCxnSpPr>
+          <p:cNvPr id="33" name="Gerade Verbindung mit Pfeil 32">
+            <a:extLst>
+              <a:ext uri="{FF2B5EF4-FFF2-40B4-BE49-F238E27FC236}">
+                <a16:creationId xmlns:a16="http://schemas.microsoft.com/office/drawing/2014/main" id="{4FD4E5FF-F62D-485F-94B5-73B8E44540CC}"/>
+              </a:ext>
+            </a:extLst>
+          </p:cNvPr>
+          <p:cNvCxnSpPr>
+            <a:cxnSpLocks/>
+            <a:stCxn id="29" idx="3"/>
+          </p:cNvCxnSpPr>
+          <p:nvPr/>
+        </p:nvCxnSpPr>
+        <p:spPr>
+          <a:xfrm>
+            <a:off x="3724137" y="4510814"/>
+            <a:ext cx="1191693" cy="0"/>
+          </a:xfrm>
+          <a:prstGeom prst="straightConnector1">
+            <a:avLst/>
+          </a:prstGeom>
+          <a:ln>
+            <a:tailEnd type="triangle"/>
+          </a:ln>
+        </p:spPr>
+        <p:style>
+          <a:lnRef idx="1">
+            <a:schemeClr val="accent1"/>
+          </a:lnRef>
+          <a:fillRef idx="0">
+            <a:schemeClr val="accent1"/>
+          </a:fillRef>
+          <a:effectRef idx="0">
+            <a:schemeClr val="accent1"/>
+          </a:effectRef>
+          <a:fontRef idx="minor">
+            <a:schemeClr val="tx1"/>
+          </a:fontRef>
+        </p:style>
+      </p:cxnSp>
+      <mc:AlternateContent xmlns:mc="http://schemas.openxmlformats.org/markup-compatibility/2006">
+        <mc:Choice xmlns:a14="http://schemas.microsoft.com/office/drawing/2010/main" Requires="a14">
           <p:sp>
             <p:nvSpPr>
-              <p:cNvPr id="26" name="Textfeld 25">
+              <p:cNvPr id="35" name="Textfeld 34">
                 <a:extLst>
                   <a:ext uri="{FF2B5EF4-FFF2-40B4-BE49-F238E27FC236}">
-                    <a16:creationId xmlns:a16="http://schemas.microsoft.com/office/drawing/2014/main" id="{1C00A323-59DE-4B51-80AB-C9538D111F47}"/>
+                    <a16:creationId xmlns:a16="http://schemas.microsoft.com/office/drawing/2014/main" id="{02FD8140-8B49-4C1B-8A24-714CEDEE748A}"/>
                   </a:ext>
                 </a:extLst>
               </p:cNvPr>
@@ -12093,7 +13872,7 @@
             </p:nvSpPr>
             <p:spPr>
               <a:xfrm>
-                <a:off x="4500071" y="3987269"/>
+                <a:off x="4058227" y="4102797"/>
                 <a:ext cx="370038" cy="369332"/>
               </a:xfrm>
               <a:prstGeom prst="rect">
@@ -12131,13 +13910,13 @@
             </p:txBody>
           </p:sp>
         </mc:Choice>
-        <mc:Fallback xmlns="">
+        <mc:Fallback>
           <p:sp>
             <p:nvSpPr>
-              <p:cNvPr id="26" name="Textfeld 25">
+              <p:cNvPr id="35" name="Textfeld 34">
                 <a:extLst>
                   <a:ext uri="{FF2B5EF4-FFF2-40B4-BE49-F238E27FC236}">
-                    <a16:creationId xmlns:a16="http://schemas.microsoft.com/office/drawing/2014/main" id="{1C00A323-59DE-4B51-80AB-C9538D111F47}"/>
+                    <a16:creationId xmlns:a16="http://schemas.microsoft.com/office/drawing/2014/main" id="{02FD8140-8B49-4C1B-8A24-714CEDEE748A}"/>
                   </a:ext>
                 </a:extLst>
               </p:cNvPr>
@@ -12148,7 +13927,7 @@
             </p:nvSpPr>
             <p:spPr>
               <a:xfrm>
-                <a:off x="4500071" y="3987269"/>
+                <a:off x="4058227" y="4102797"/>
                 <a:ext cx="370038" cy="369332"/>
               </a:xfrm>
               <a:prstGeom prst="rect">
@@ -12176,14 +13955,14 @@
           </p:sp>
         </mc:Fallback>
       </mc:AlternateContent>
-      <mc:AlternateContent xmlns:mc="http://schemas.openxmlformats.org/markup-compatibility/2006" xmlns:a14="http://schemas.microsoft.com/office/drawing/2010/main">
-        <mc:Choice Requires="a14">
+      <mc:AlternateContent xmlns:mc="http://schemas.openxmlformats.org/markup-compatibility/2006">
+        <mc:Choice xmlns:a14="http://schemas.microsoft.com/office/drawing/2010/main" Requires="a14">
           <p:sp>
             <p:nvSpPr>
-              <p:cNvPr id="27" name="Textfeld 26">
+              <p:cNvPr id="36" name="Textfeld 35">
                 <a:extLst>
                   <a:ext uri="{FF2B5EF4-FFF2-40B4-BE49-F238E27FC236}">
-                    <a16:creationId xmlns:a16="http://schemas.microsoft.com/office/drawing/2014/main" id="{47342757-EC01-4418-BEC8-57BE748C956F}"/>
+                    <a16:creationId xmlns:a16="http://schemas.microsoft.com/office/drawing/2014/main" id="{6D53DC28-B9A7-4140-8BAE-066EA045753B}"/>
                   </a:ext>
                 </a:extLst>
               </p:cNvPr>
@@ -12192,7 +13971,7 @@
             </p:nvSpPr>
             <p:spPr>
               <a:xfrm>
-                <a:off x="2771985" y="4010847"/>
+                <a:off x="6152926" y="4130153"/>
                 <a:ext cx="370038" cy="369332"/>
               </a:xfrm>
               <a:prstGeom prst="rect">
@@ -12230,13 +14009,13 @@
             </p:txBody>
           </p:sp>
         </mc:Choice>
-        <mc:Fallback xmlns="">
+        <mc:Fallback>
           <p:sp>
             <p:nvSpPr>
-              <p:cNvPr id="27" name="Textfeld 26">
+              <p:cNvPr id="36" name="Textfeld 35">
                 <a:extLst>
                   <a:ext uri="{FF2B5EF4-FFF2-40B4-BE49-F238E27FC236}">
-                    <a16:creationId xmlns:a16="http://schemas.microsoft.com/office/drawing/2014/main" id="{47342757-EC01-4418-BEC8-57BE748C956F}"/>
+                    <a16:creationId xmlns:a16="http://schemas.microsoft.com/office/drawing/2014/main" id="{6D53DC28-B9A7-4140-8BAE-066EA045753B}"/>
                   </a:ext>
                 </a:extLst>
               </p:cNvPr>
@@ -12247,7 +14026,7 @@
             </p:nvSpPr>
             <p:spPr>
               <a:xfrm>
-                <a:off x="2771985" y="4010847"/>
+                <a:off x="6152926" y="4130153"/>
                 <a:ext cx="370038" cy="369332"/>
               </a:xfrm>
               <a:prstGeom prst="rect">
@@ -12275,6 +14054,47 @@
           </p:sp>
         </mc:Fallback>
       </mc:AlternateContent>
+      <p:cxnSp>
+        <p:nvCxnSpPr>
+          <p:cNvPr id="37" name="Gerade Verbindung mit Pfeil 36">
+            <a:extLst>
+              <a:ext uri="{FF2B5EF4-FFF2-40B4-BE49-F238E27FC236}">
+                <a16:creationId xmlns:a16="http://schemas.microsoft.com/office/drawing/2014/main" id="{6E1612C2-C894-401F-803A-F68D3DBB59A0}"/>
+              </a:ext>
+            </a:extLst>
+          </p:cNvPr>
+          <p:cNvCxnSpPr>
+            <a:cxnSpLocks/>
+          </p:cNvCxnSpPr>
+          <p:nvPr/>
+        </p:nvCxnSpPr>
+        <p:spPr>
+          <a:xfrm>
+            <a:off x="5726698" y="4492559"/>
+            <a:ext cx="1222494" cy="9101"/>
+          </a:xfrm>
+          <a:prstGeom prst="straightConnector1">
+            <a:avLst/>
+          </a:prstGeom>
+          <a:ln>
+            <a:tailEnd type="triangle"/>
+          </a:ln>
+        </p:spPr>
+        <p:style>
+          <a:lnRef idx="1">
+            <a:schemeClr val="accent1"/>
+          </a:lnRef>
+          <a:fillRef idx="0">
+            <a:schemeClr val="accent1"/>
+          </a:fillRef>
+          <a:effectRef idx="0">
+            <a:schemeClr val="accent1"/>
+          </a:effectRef>
+          <a:fontRef idx="minor">
+            <a:schemeClr val="tx1"/>
+          </a:fontRef>
+        </p:style>
+      </p:cxnSp>
     </p:spTree>
     <p:extLst>
       <p:ext uri="{BB962C8B-B14F-4D97-AF65-F5344CB8AC3E}">

--- a/MMCFP.pptx
+++ b/MMCFP.pptx
@@ -14,26 +14,26 @@
     <p:sldId id="273" r:id="rId5"/>
     <p:sldId id="265" r:id="rId6"/>
     <p:sldId id="277" r:id="rId7"/>
-    <p:sldId id="274" r:id="rId8"/>
-    <p:sldId id="261" r:id="rId9"/>
-    <p:sldId id="276" r:id="rId10"/>
-    <p:sldId id="258" r:id="rId11"/>
-    <p:sldId id="278" r:id="rId12"/>
-    <p:sldId id="259" r:id="rId13"/>
-    <p:sldId id="275" r:id="rId14"/>
-    <p:sldId id="260" r:id="rId15"/>
-    <p:sldId id="279" r:id="rId16"/>
-    <p:sldId id="267" r:id="rId17"/>
-    <p:sldId id="264" r:id="rId18"/>
-    <p:sldId id="266" r:id="rId19"/>
-    <p:sldId id="268" r:id="rId20"/>
-    <p:sldId id="281" r:id="rId21"/>
-    <p:sldId id="280" r:id="rId22"/>
-    <p:sldId id="272" r:id="rId23"/>
-    <p:sldId id="283" r:id="rId24"/>
-    <p:sldId id="262" r:id="rId25"/>
-    <p:sldId id="269" r:id="rId26"/>
-    <p:sldId id="282" r:id="rId27"/>
+    <p:sldId id="286" r:id="rId8"/>
+    <p:sldId id="274" r:id="rId9"/>
+    <p:sldId id="261" r:id="rId10"/>
+    <p:sldId id="276" r:id="rId11"/>
+    <p:sldId id="258" r:id="rId12"/>
+    <p:sldId id="278" r:id="rId13"/>
+    <p:sldId id="259" r:id="rId14"/>
+    <p:sldId id="275" r:id="rId15"/>
+    <p:sldId id="260" r:id="rId16"/>
+    <p:sldId id="279" r:id="rId17"/>
+    <p:sldId id="267" r:id="rId18"/>
+    <p:sldId id="281" r:id="rId19"/>
+    <p:sldId id="280" r:id="rId20"/>
+    <p:sldId id="272" r:id="rId21"/>
+    <p:sldId id="283" r:id="rId22"/>
+    <p:sldId id="285" r:id="rId23"/>
+    <p:sldId id="262" r:id="rId24"/>
+    <p:sldId id="269" r:id="rId25"/>
+    <p:sldId id="282" r:id="rId26"/>
+    <p:sldId id="284" r:id="rId27"/>
   </p:sldIdLst>
   <p:sldSz cx="12192000" cy="6858000"/>
   <p:notesSz cx="6858000" cy="9144000"/>
@@ -149,7 +149,7 @@
       </p:ext>
     </p:extLst>
   </p:cmAuthor>
-  <p:cmAuthor id="2" name="Philipp Hausenblas" initials="PH" lastIdx="19" clrIdx="1">
+  <p:cmAuthor id="2" name="Philipp Hausenblas" initials="PH" lastIdx="22" clrIdx="1">
     <p:extLst>
       <p:ext uri="{19B8F6BF-5375-455C-9EA6-DF929625EA0E}">
         <p15:presenceInfo xmlns:p15="http://schemas.microsoft.com/office/powerpoint/2012/main" userId="c2e6022cb11db648" providerId="Windows Live"/>
@@ -295,8 +295,8 @@
   </p:cm>
   <p:cm authorId="2" dt="2019-05-10T18:26:41.166" idx="2">
     <p:pos x="10" y="106"/>
-    <p:text/>
-    <p:extLst>
+    <p:text>Das war aber auch als normaler max flow loesbar...</p:text>
+    <p:extLst mod="1">
       <p:ext uri="{C676402C-5697-4E1C-873F-D02D1690AC5C}">
         <p15:threadingInfo xmlns:p15="http://schemas.microsoft.com/office/powerpoint/2012/main" timeZoneBias="-120">
           <p15:parentCm authorId="1" idx="6"/>
@@ -304,9 +304,9 @@
       </p:ext>
     </p:extLst>
   </p:cm>
-  <p:cm authorId="2" dt="2019-05-10T19:40:22.482" idx="6">
+  <p:cm authorId="2" dt="2019-05-11T00:22:29.545" idx="20">
     <p:pos x="10" y="202"/>
-    <p:text>g</p:text>
+    <p:text>es gaebe bei wikipedia ein bsp, allerdings</p:text>
     <p:extLst>
       <p:ext uri="{C676402C-5697-4E1C-873F-D02D1690AC5C}">
         <p15:threadingInfo xmlns:p15="http://schemas.microsoft.com/office/powerpoint/2012/main" timeZoneBias="-120">
@@ -332,6 +332,28 @@
   <p:cm authorId="2" dt="2019-05-10T18:42:41.538" idx="3">
     <p:pos x="10" y="106"/>
     <p:text>Soll ein kleines visuelles BSp sein, das auch auf den UNTerschied zischen MMCF und MF eingeht (die erste Frage von Kollegen war immer, warum man das nicht einfach als MF Problem darstellen kann)</p:text>
+    <p:extLst>
+      <p:ext uri="{C676402C-5697-4E1C-873F-D02D1690AC5C}">
+        <p15:threadingInfo xmlns:p15="http://schemas.microsoft.com/office/powerpoint/2012/main" timeZoneBias="-120">
+          <p15:parentCm authorId="1" idx="4"/>
+        </p15:threadingInfo>
+      </p:ext>
+    </p:extLst>
+  </p:cm>
+  <p:cm authorId="2" dt="2019-05-11T00:33:21.970" idx="21">
+    <p:pos x="10" y="202"/>
+    <p:text>bsp eins zeigt, dass man die commodities nicht zusammenfassen kann</p:text>
+    <p:extLst>
+      <p:ext uri="{C676402C-5697-4E1C-873F-D02D1690AC5C}">
+        <p15:threadingInfo xmlns:p15="http://schemas.microsoft.com/office/powerpoint/2012/main" timeZoneBias="-120">
+          <p15:parentCm authorId="1" idx="4"/>
+        </p15:threadingInfo>
+      </p:ext>
+    </p:extLst>
+  </p:cm>
+  <p:cm authorId="2" dt="2019-05-11T00:33:55.430" idx="22">
+    <p:pos x="10" y="298"/>
+    <p:text>bsp zwei zeigt, dass man nicht die commodities hintereinander loesen kann</p:text>
     <p:extLst>
       <p:ext uri="{C676402C-5697-4E1C-873F-D02D1690AC5C}">
         <p15:threadingInfo xmlns:p15="http://schemas.microsoft.com/office/powerpoint/2012/main" timeZoneBias="-120">
@@ -375,8 +397,8 @@
   </p:cm>
   <p:cm authorId="2" dt="2019-05-10T20:09:29.063" idx="11">
     <p:pos x="4081" y="2079"/>
-    <p:text>wuerde epsilon und delta dann beim pseudocode erklaeren</p:text>
-    <p:extLst>
+    <p:text>wuerde jetzt /epsilon und /delta dann beim pseudocode erklaeren</p:text>
+    <p:extLst mod="1">
       <p:ext uri="{C676402C-5697-4E1C-873F-D02D1690AC5C}">
         <p15:threadingInfo xmlns:p15="http://schemas.microsoft.com/office/powerpoint/2012/main" timeZoneBias="-120">
           <p15:parentCm authorId="1" idx="9"/>
@@ -1302,7 +1324,7 @@
           <a:p>
             <a:fld id="{35400D43-4AA6-4233-82D2-BE037E655FFF}" type="slidenum">
               <a:rPr lang="de-DE" smtClean="0"/>
-              <a:t>13</a:t>
+              <a:t>14</a:t>
             </a:fld>
             <a:endParaRPr lang="de-DE"/>
           </a:p>
@@ -1386,7 +1408,7 @@
           <a:p>
             <a:fld id="{35400D43-4AA6-4233-82D2-BE037E655FFF}" type="slidenum">
               <a:rPr lang="de-DE" smtClean="0"/>
-              <a:t>23</a:t>
+              <a:t>21</a:t>
             </a:fld>
             <a:endParaRPr lang="de-DE"/>
           </a:p>
@@ -4732,7 +4754,7 @@
           <p:cNvPr id="2" name="Titel 1">
             <a:extLst>
               <a:ext uri="{FF2B5EF4-FFF2-40B4-BE49-F238E27FC236}">
-                <a16:creationId xmlns:a16="http://schemas.microsoft.com/office/drawing/2014/main" id="{61F49AD1-E58B-4680-870E-B330318D55E5}"/>
+                <a16:creationId xmlns:a16="http://schemas.microsoft.com/office/drawing/2014/main" id="{24AED64C-E035-4ACB-BF83-C48870D50105}"/>
               </a:ext>
             </a:extLst>
           </p:cNvPr>
@@ -4750,536 +4772,150 @@
           <a:p>
             <a:r>
               <a:rPr lang="en-GB" dirty="0"/>
-              <a:t>Formulation as a Linear Program</a:t>
+              <a:t>Garg and </a:t>
+            </a:r>
+            <a:r>
+              <a:rPr lang="en-GB" dirty="0" err="1"/>
+              <a:t>Koenemann</a:t>
+            </a:r>
+            <a:r>
+              <a:rPr lang="en-GB" dirty="0"/>
+              <a:t> Algorithm</a:t>
             </a:r>
             <a:endParaRPr lang="de-DE" dirty="0"/>
           </a:p>
         </p:txBody>
       </p:sp>
-      <mc:AlternateContent xmlns:mc="http://schemas.openxmlformats.org/markup-compatibility/2006" xmlns:a14="http://schemas.microsoft.com/office/drawing/2010/main">
-        <mc:Choice Requires="a14">
-          <p:sp>
-            <p:nvSpPr>
-              <p:cNvPr id="3" name="Inhaltsplatzhalter 2">
-                <a:extLst>
-                  <a:ext uri="{FF2B5EF4-FFF2-40B4-BE49-F238E27FC236}">
-                    <a16:creationId xmlns:a16="http://schemas.microsoft.com/office/drawing/2014/main" id="{7F60B5B6-C887-4282-A694-600DA0218C1A}"/>
-                  </a:ext>
-                </a:extLst>
-              </p:cNvPr>
-              <p:cNvSpPr>
-                <a:spLocks noGrp="1"/>
-              </p:cNvSpPr>
-              <p:nvPr>
-                <p:ph idx="1"/>
-              </p:nvPr>
-            </p:nvSpPr>
-            <p:spPr/>
-            <p:txBody>
-              <a:bodyPr/>
-              <a:lstStyle/>
-              <a:p>
-                <a14:m>
-                  <m:oMath xmlns:m="http://schemas.openxmlformats.org/officeDocument/2006/math">
-                    <m:r>
-                      <a:rPr lang="en-GB" b="0" i="1" smtClean="0">
-                        <a:latin typeface="Cambria Math" panose="02040503050406030204" pitchFamily="18" charset="0"/>
-                      </a:rPr>
-                      <m:t>𝑃</m:t>
-                    </m:r>
-                    <m:r>
-                      <a:rPr lang="en-GB" b="0" i="1" smtClean="0">
-                        <a:latin typeface="Cambria Math" panose="02040503050406030204" pitchFamily="18" charset="0"/>
-                      </a:rPr>
-                      <m:t>={</m:t>
-                    </m:r>
-                    <m:r>
-                      <a:rPr lang="en-GB" b="0" i="1" smtClean="0">
-                        <a:latin typeface="Cambria Math" panose="02040503050406030204" pitchFamily="18" charset="0"/>
-                      </a:rPr>
-                      <m:t>𝑝</m:t>
-                    </m:r>
-                    <m:r>
-                      <a:rPr lang="en-GB" b="0" i="1" smtClean="0">
-                        <a:latin typeface="Cambria Math" panose="02040503050406030204" pitchFamily="18" charset="0"/>
-                      </a:rPr>
-                      <m:t>⊆</m:t>
-                    </m:r>
-                    <m:r>
-                      <a:rPr lang="en-GB" b="0" i="1" smtClean="0">
-                        <a:latin typeface="Cambria Math" panose="02040503050406030204" pitchFamily="18" charset="0"/>
-                      </a:rPr>
-                      <m:t>𝐸</m:t>
-                    </m:r>
-                    <m:r>
-                      <a:rPr lang="en-GB" b="0" i="1" smtClean="0">
-                        <a:latin typeface="Cambria Math" panose="02040503050406030204" pitchFamily="18" charset="0"/>
-                      </a:rPr>
-                      <m:t> : "</m:t>
-                    </m:r>
-                    <m:r>
-                      <a:rPr lang="en-GB" b="0" i="1" smtClean="0">
-                        <a:latin typeface="Cambria Math" panose="02040503050406030204" pitchFamily="18" charset="0"/>
-                      </a:rPr>
-                      <m:t>𝑝</m:t>
-                    </m:r>
-                    <m:r>
-                      <a:rPr lang="en-GB" b="0" i="1" smtClean="0">
-                        <a:latin typeface="Cambria Math" panose="02040503050406030204" pitchFamily="18" charset="0"/>
-                      </a:rPr>
-                      <m:t> </m:t>
-                    </m:r>
-                    <m:r>
-                      <a:rPr lang="en-GB" b="0" i="1" smtClean="0">
-                        <a:latin typeface="Cambria Math" panose="02040503050406030204" pitchFamily="18" charset="0"/>
-                      </a:rPr>
-                      <m:t>𝑖𝑠</m:t>
-                    </m:r>
-                    <m:r>
-                      <a:rPr lang="en-GB" b="0" i="1" smtClean="0">
-                        <a:latin typeface="Cambria Math" panose="02040503050406030204" pitchFamily="18" charset="0"/>
-                      </a:rPr>
-                      <m:t> </m:t>
-                    </m:r>
-                    <m:r>
-                      <a:rPr lang="en-GB" b="0" i="1" smtClean="0">
-                        <a:latin typeface="Cambria Math" panose="02040503050406030204" pitchFamily="18" charset="0"/>
-                      </a:rPr>
-                      <m:t>𝑎</m:t>
-                    </m:r>
-                    <m:r>
-                      <a:rPr lang="en-GB" b="0" i="1" smtClean="0">
-                        <a:latin typeface="Cambria Math" panose="02040503050406030204" pitchFamily="18" charset="0"/>
-                      </a:rPr>
-                      <m:t> </m:t>
-                    </m:r>
-                    <m:r>
-                      <a:rPr lang="en-GB" b="0" i="1" smtClean="0">
-                        <a:latin typeface="Cambria Math" panose="02040503050406030204" pitchFamily="18" charset="0"/>
-                      </a:rPr>
-                      <m:t>𝑝𝑎𝑡h</m:t>
-                    </m:r>
-                    <m:r>
-                      <a:rPr lang="en-GB" b="0" i="1" smtClean="0">
-                        <a:latin typeface="Cambria Math" panose="02040503050406030204" pitchFamily="18" charset="0"/>
-                      </a:rPr>
-                      <m:t> </m:t>
-                    </m:r>
-                    <m:r>
-                      <a:rPr lang="en-GB" b="0" i="1" smtClean="0">
-                        <a:latin typeface="Cambria Math" panose="02040503050406030204" pitchFamily="18" charset="0"/>
-                      </a:rPr>
-                      <m:t>𝑓𝑟𝑜𝑚</m:t>
-                    </m:r>
-                    <m:r>
-                      <a:rPr lang="en-GB" b="0" i="1" smtClean="0">
-                        <a:latin typeface="Cambria Math" panose="02040503050406030204" pitchFamily="18" charset="0"/>
-                      </a:rPr>
-                      <m:t> </m:t>
-                    </m:r>
-                    <m:r>
-                      <a:rPr lang="en-GB" b="0" i="1" smtClean="0">
-                        <a:latin typeface="Cambria Math" panose="02040503050406030204" pitchFamily="18" charset="0"/>
-                      </a:rPr>
-                      <m:t>𝑎𝑛𝑦</m:t>
-                    </m:r>
-                    <m:r>
-                      <a:rPr lang="en-GB" b="0" i="1" smtClean="0">
-                        <a:latin typeface="Cambria Math" panose="02040503050406030204" pitchFamily="18" charset="0"/>
-                      </a:rPr>
-                      <m:t> </m:t>
-                    </m:r>
-                    <m:r>
-                      <a:rPr lang="en-GB" b="0" i="1" smtClean="0">
-                        <a:latin typeface="Cambria Math" panose="02040503050406030204" pitchFamily="18" charset="0"/>
-                      </a:rPr>
-                      <m:t>𝑠𝑜𝑢𝑟𝑐𝑒</m:t>
-                    </m:r>
-                    <m:r>
-                      <a:rPr lang="en-GB" b="0" i="1" smtClean="0">
-                        <a:latin typeface="Cambria Math" panose="02040503050406030204" pitchFamily="18" charset="0"/>
-                      </a:rPr>
-                      <m:t> </m:t>
-                    </m:r>
-                    <m:r>
-                      <a:rPr lang="en-GB" b="0" i="1" smtClean="0">
-                        <a:latin typeface="Cambria Math" panose="02040503050406030204" pitchFamily="18" charset="0"/>
-                      </a:rPr>
-                      <m:t>𝑡𝑜</m:t>
-                    </m:r>
-                    <m:r>
-                      <a:rPr lang="en-GB" b="0" i="1" smtClean="0">
-                        <a:latin typeface="Cambria Math" panose="02040503050406030204" pitchFamily="18" charset="0"/>
-                      </a:rPr>
-                      <m:t> </m:t>
-                    </m:r>
-                    <m:r>
-                      <a:rPr lang="en-GB" b="0" i="1" smtClean="0">
-                        <a:latin typeface="Cambria Math" panose="02040503050406030204" pitchFamily="18" charset="0"/>
-                      </a:rPr>
-                      <m:t>𝑖𝑡𝑠</m:t>
-                    </m:r>
-                    <m:r>
-                      <a:rPr lang="en-GB" b="0" i="1" smtClean="0">
-                        <a:latin typeface="Cambria Math" panose="02040503050406030204" pitchFamily="18" charset="0"/>
-                      </a:rPr>
-                      <m:t> </m:t>
-                    </m:r>
-                    <m:r>
-                      <a:rPr lang="en-GB" b="0" i="1" smtClean="0">
-                        <a:latin typeface="Cambria Math" panose="02040503050406030204" pitchFamily="18" charset="0"/>
-                      </a:rPr>
-                      <m:t>𝑠𝑖𝑛𝑘</m:t>
-                    </m:r>
-                    <m:r>
-                      <a:rPr lang="en-GB" b="0" i="1" smtClean="0">
-                        <a:latin typeface="Cambria Math" panose="02040503050406030204" pitchFamily="18" charset="0"/>
-                      </a:rPr>
-                      <m:t>"}</m:t>
-                    </m:r>
-                  </m:oMath>
-                </a14:m>
-                <a:r>
-                  <a:rPr lang="de-DE" dirty="0"/>
-                  <a:t> </a:t>
-                </a:r>
-              </a:p>
-              <a:p>
-                <a:pPr marL="0" indent="0">
-                  <a:buNone/>
-                </a:pPr>
-                <a:endParaRPr lang="en-GB" dirty="0"/>
-              </a:p>
-              <a:p>
-                <a14:m>
-                  <m:oMath xmlns:m="http://schemas.openxmlformats.org/officeDocument/2006/math">
-                    <m:r>
-                      <a:rPr lang="en-GB" i="1">
-                        <a:latin typeface="Cambria Math" panose="02040503050406030204" pitchFamily="18" charset="0"/>
-                      </a:rPr>
-                      <m:t>𝑋</m:t>
-                    </m:r>
-                    <m:r>
-                      <a:rPr lang="en-GB" i="1">
-                        <a:latin typeface="Cambria Math" panose="02040503050406030204" pitchFamily="18" charset="0"/>
-                      </a:rPr>
-                      <m:t>={</m:t>
-                    </m:r>
-                    <m:r>
-                      <a:rPr lang="en-GB" b="0" i="1" smtClean="0">
-                        <a:latin typeface="Cambria Math" panose="02040503050406030204" pitchFamily="18" charset="0"/>
-                      </a:rPr>
-                      <m:t>𝑥</m:t>
-                    </m:r>
-                    <m:r>
-                      <a:rPr lang="en-GB" b="0" i="1" smtClean="0">
-                        <a:latin typeface="Cambria Math" panose="02040503050406030204" pitchFamily="18" charset="0"/>
-                      </a:rPr>
-                      <m:t> : </m:t>
-                    </m:r>
-                    <m:r>
-                      <a:rPr lang="en-GB" i="1">
-                        <a:latin typeface="Cambria Math" panose="02040503050406030204" pitchFamily="18" charset="0"/>
-                      </a:rPr>
-                      <m:t>𝑥</m:t>
-                    </m:r>
-                    <m:r>
-                      <a:rPr lang="en-GB" b="0" i="1" smtClean="0">
-                        <a:latin typeface="Cambria Math" panose="02040503050406030204" pitchFamily="18" charset="0"/>
-                      </a:rPr>
-                      <m:t>: </m:t>
-                    </m:r>
-                    <m:r>
-                      <a:rPr lang="en-GB" i="1">
-                        <a:latin typeface="Cambria Math" panose="02040503050406030204" pitchFamily="18" charset="0"/>
-                      </a:rPr>
-                      <m:t>𝑃</m:t>
-                    </m:r>
-                    <m:r>
-                      <a:rPr lang="en-GB" i="1">
-                        <a:latin typeface="Cambria Math" panose="02040503050406030204" pitchFamily="18" charset="0"/>
-                      </a:rPr>
-                      <m:t>→ </m:t>
-                    </m:r>
-                    <m:sSub>
-                      <m:sSubPr>
-                        <m:ctrlPr>
-                          <a:rPr lang="en-GB" i="1">
-                            <a:latin typeface="Cambria Math" panose="02040503050406030204" pitchFamily="18" charset="0"/>
-                          </a:rPr>
-                        </m:ctrlPr>
-                      </m:sSubPr>
-                      <m:e>
-                        <m:r>
-                          <a:rPr lang="en-GB" i="1">
-                            <a:latin typeface="Cambria Math" panose="02040503050406030204" pitchFamily="18" charset="0"/>
-                          </a:rPr>
-                          <m:t>ℝ</m:t>
-                        </m:r>
-                      </m:e>
-                      <m:sub>
-                        <m:r>
-                          <a:rPr lang="en-GB" i="1">
-                            <a:latin typeface="Cambria Math" panose="02040503050406030204" pitchFamily="18" charset="0"/>
-                            <a:ea typeface="Cambria Math" panose="02040503050406030204" pitchFamily="18" charset="0"/>
-                          </a:rPr>
-                          <m:t>≥0</m:t>
-                        </m:r>
-                      </m:sub>
-                    </m:sSub>
-                    <m:r>
-                      <a:rPr lang="en-GB" i="1">
-                        <a:latin typeface="Cambria Math" panose="02040503050406030204" pitchFamily="18" charset="0"/>
-                      </a:rPr>
-                      <m:t>}</m:t>
-                    </m:r>
-                  </m:oMath>
-                </a14:m>
-                <a:endParaRPr lang="en-GB" dirty="0"/>
-              </a:p>
-              <a:p>
-                <a:endParaRPr lang="en-GB" dirty="0"/>
-              </a:p>
-              <a:p>
-                <a14:m>
-                  <m:oMath xmlns:m="http://schemas.openxmlformats.org/officeDocument/2006/math">
-                    <m:sSub>
-                      <m:sSubPr>
-                        <m:ctrlPr>
-                          <a:rPr lang="en-GB" i="1" dirty="0" smtClean="0">
-                            <a:latin typeface="Cambria Math" panose="02040503050406030204" pitchFamily="18" charset="0"/>
-                            <a:ea typeface="Cambria Math" panose="02040503050406030204" pitchFamily="18" charset="0"/>
-                          </a:rPr>
-                        </m:ctrlPr>
-                      </m:sSubPr>
-                      <m:e>
-                        <m:r>
-                          <a:rPr lang="en-GB" i="1" dirty="0">
-                            <a:latin typeface="Cambria Math" panose="02040503050406030204" pitchFamily="18" charset="0"/>
-                            <a:ea typeface="Cambria Math" panose="02040503050406030204" pitchFamily="18" charset="0"/>
-                          </a:rPr>
-                          <m:t>𝑃</m:t>
-                        </m:r>
-                      </m:e>
-                      <m:sub>
-                        <m:r>
-                          <a:rPr lang="en-GB" i="1" dirty="0">
-                            <a:latin typeface="Cambria Math" panose="02040503050406030204" pitchFamily="18" charset="0"/>
-                            <a:ea typeface="Cambria Math" panose="02040503050406030204" pitchFamily="18" charset="0"/>
-                          </a:rPr>
-                          <m:t>𝑒</m:t>
-                        </m:r>
-                      </m:sub>
-                    </m:sSub>
-                    <m:r>
-                      <a:rPr lang="en-GB" i="1" dirty="0">
-                        <a:latin typeface="Cambria Math" panose="02040503050406030204" pitchFamily="18" charset="0"/>
-                        <a:ea typeface="Cambria Math" panose="02040503050406030204" pitchFamily="18" charset="0"/>
-                      </a:rPr>
-                      <m:t>={</m:t>
-                    </m:r>
-                    <m:r>
-                      <a:rPr lang="en-GB" i="1" dirty="0">
-                        <a:latin typeface="Cambria Math" panose="02040503050406030204" pitchFamily="18" charset="0"/>
-                        <a:ea typeface="Cambria Math" panose="02040503050406030204" pitchFamily="18" charset="0"/>
-                      </a:rPr>
-                      <m:t>𝑝</m:t>
-                    </m:r>
-                    <m:r>
-                      <a:rPr lang="en-GB" i="1" dirty="0">
-                        <a:latin typeface="Cambria Math" panose="02040503050406030204" pitchFamily="18" charset="0"/>
-                        <a:ea typeface="Cambria Math" panose="02040503050406030204" pitchFamily="18" charset="0"/>
-                      </a:rPr>
-                      <m:t>∈</m:t>
-                    </m:r>
-                    <m:r>
-                      <a:rPr lang="en-GB" i="1" dirty="0">
-                        <a:latin typeface="Cambria Math" panose="02040503050406030204" pitchFamily="18" charset="0"/>
-                        <a:ea typeface="Cambria Math" panose="02040503050406030204" pitchFamily="18" charset="0"/>
-                      </a:rPr>
-                      <m:t>𝑃</m:t>
-                    </m:r>
-                    <m:r>
-                      <a:rPr lang="en-GB" i="1" dirty="0">
-                        <a:latin typeface="Cambria Math" panose="02040503050406030204" pitchFamily="18" charset="0"/>
-                        <a:ea typeface="Cambria Math" panose="02040503050406030204" pitchFamily="18" charset="0"/>
-                      </a:rPr>
-                      <m:t>:</m:t>
-                    </m:r>
-                    <m:r>
-                      <a:rPr lang="en-GB" i="1" dirty="0">
-                        <a:latin typeface="Cambria Math" panose="02040503050406030204" pitchFamily="18" charset="0"/>
-                        <a:ea typeface="Cambria Math" panose="02040503050406030204" pitchFamily="18" charset="0"/>
-                      </a:rPr>
-                      <m:t>𝑒</m:t>
-                    </m:r>
-                    <m:r>
-                      <a:rPr lang="en-GB" i="1" dirty="0">
-                        <a:latin typeface="Cambria Math" panose="02040503050406030204" pitchFamily="18" charset="0"/>
-                        <a:ea typeface="Cambria Math" panose="02040503050406030204" pitchFamily="18" charset="0"/>
-                      </a:rPr>
-                      <m:t>∈</m:t>
-                    </m:r>
-                    <m:r>
-                      <a:rPr lang="en-GB" i="1" dirty="0">
-                        <a:latin typeface="Cambria Math" panose="02040503050406030204" pitchFamily="18" charset="0"/>
-                        <a:ea typeface="Cambria Math" panose="02040503050406030204" pitchFamily="18" charset="0"/>
-                      </a:rPr>
-                      <m:t>𝑝</m:t>
-                    </m:r>
-                  </m:oMath>
-                </a14:m>
-                <a:r>
-                  <a:rPr lang="en-GB" dirty="0"/>
-                  <a:t>}</a:t>
-                </a:r>
-              </a:p>
-              <a:p>
-                <a:endParaRPr lang="en-GB" dirty="0"/>
-              </a:p>
-              <a:p>
-                <a14:m>
-                  <m:oMath xmlns:m="http://schemas.openxmlformats.org/officeDocument/2006/math">
-                    <m:r>
-                      <a:rPr lang="en-GB" b="0" i="1" smtClean="0">
-                        <a:latin typeface="Cambria Math" panose="02040503050406030204" pitchFamily="18" charset="0"/>
-                      </a:rPr>
-                      <m:t>𝐿</m:t>
-                    </m:r>
-                    <m:r>
-                      <a:rPr lang="en-GB" b="0" i="1" smtClean="0">
-                        <a:latin typeface="Cambria Math" panose="02040503050406030204" pitchFamily="18" charset="0"/>
-                      </a:rPr>
-                      <m:t>={</m:t>
-                    </m:r>
-                    <m:r>
-                      <a:rPr lang="en-GB" b="0" i="1" smtClean="0">
-                        <a:latin typeface="Cambria Math" panose="02040503050406030204" pitchFamily="18" charset="0"/>
-                      </a:rPr>
-                      <m:t>𝑙</m:t>
-                    </m:r>
-                    <m:r>
-                      <a:rPr lang="en-GB" b="0" i="1" smtClean="0">
-                        <a:latin typeface="Cambria Math" panose="02040503050406030204" pitchFamily="18" charset="0"/>
-                      </a:rPr>
-                      <m:t> : </m:t>
-                    </m:r>
-                    <m:r>
-                      <a:rPr lang="en-GB" b="0" i="1" smtClean="0">
-                        <a:latin typeface="Cambria Math" panose="02040503050406030204" pitchFamily="18" charset="0"/>
-                      </a:rPr>
-                      <m:t>𝑙</m:t>
-                    </m:r>
-                    <m:r>
-                      <a:rPr lang="en-GB" b="0" i="1" smtClean="0">
-                        <a:latin typeface="Cambria Math" panose="02040503050406030204" pitchFamily="18" charset="0"/>
-                      </a:rPr>
-                      <m:t>: </m:t>
-                    </m:r>
-                    <m:r>
-                      <a:rPr lang="en-GB" b="0" i="1" smtClean="0">
-                        <a:latin typeface="Cambria Math" panose="02040503050406030204" pitchFamily="18" charset="0"/>
-                      </a:rPr>
-                      <m:t>𝐸</m:t>
-                    </m:r>
-                    <m:r>
-                      <a:rPr lang="en-GB" b="0" i="1" smtClean="0">
-                        <a:latin typeface="Cambria Math" panose="02040503050406030204" pitchFamily="18" charset="0"/>
-                      </a:rPr>
-                      <m:t> →</m:t>
-                    </m:r>
-                    <m:sSub>
-                      <m:sSubPr>
-                        <m:ctrlPr>
-                          <a:rPr lang="en-GB" i="1">
-                            <a:latin typeface="Cambria Math" panose="02040503050406030204" pitchFamily="18" charset="0"/>
-                          </a:rPr>
-                        </m:ctrlPr>
-                      </m:sSubPr>
-                      <m:e>
-                        <m:r>
-                          <a:rPr lang="en-GB" i="1">
-                            <a:latin typeface="Cambria Math" panose="02040503050406030204" pitchFamily="18" charset="0"/>
-                          </a:rPr>
-                          <m:t>ℝ</m:t>
-                        </m:r>
-                      </m:e>
-                      <m:sub>
-                        <m:r>
-                          <a:rPr lang="en-GB" i="1">
-                            <a:latin typeface="Cambria Math" panose="02040503050406030204" pitchFamily="18" charset="0"/>
-                            <a:ea typeface="Cambria Math" panose="02040503050406030204" pitchFamily="18" charset="0"/>
-                          </a:rPr>
-                          <m:t>≥0</m:t>
-                        </m:r>
-                      </m:sub>
-                    </m:sSub>
-                    <m:r>
-                      <a:rPr lang="en-GB" b="0" i="1" smtClean="0">
-                        <a:latin typeface="Cambria Math" panose="02040503050406030204" pitchFamily="18" charset="0"/>
-                      </a:rPr>
-                      <m:t>}</m:t>
-                    </m:r>
-                  </m:oMath>
-                </a14:m>
-                <a:endParaRPr lang="en-GB" dirty="0"/>
-              </a:p>
-              <a:p>
-                <a:endParaRPr lang="en-GB" dirty="0"/>
-              </a:p>
-              <a:p>
-                <a:endParaRPr lang="en-GB" dirty="0"/>
-              </a:p>
-              <a:p>
-                <a:endParaRPr lang="de-DE" dirty="0"/>
-              </a:p>
-            </p:txBody>
-          </p:sp>
-        </mc:Choice>
-        <mc:Fallback xmlns="">
-          <p:sp>
-            <p:nvSpPr>
-              <p:cNvPr id="3" name="Inhaltsplatzhalter 2">
-                <a:extLst>
-                  <a:ext uri="{FF2B5EF4-FFF2-40B4-BE49-F238E27FC236}">
-                    <a16:creationId xmlns:a16="http://schemas.microsoft.com/office/drawing/2014/main" id="{7F60B5B6-C887-4282-A694-600DA0218C1A}"/>
-                  </a:ext>
-                </a:extLst>
-              </p:cNvPr>
-              <p:cNvSpPr>
-                <a:spLocks noGrp="1" noRot="1" noChangeAspect="1" noMove="1" noResize="1" noEditPoints="1" noAdjustHandles="1" noChangeArrowheads="1" noChangeShapeType="1" noTextEdit="1"/>
-              </p:cNvSpPr>
-              <p:nvPr>
-                <p:ph idx="1"/>
-              </p:nvPr>
-            </p:nvSpPr>
-            <p:spPr>
-              <a:blipFill>
-                <a:blip r:embed="rId2"/>
-                <a:stretch>
-                  <a:fillRect/>
-                </a:stretch>
-              </a:blipFill>
-            </p:spPr>
-            <p:txBody>
-              <a:bodyPr/>
-              <a:lstStyle/>
-              <a:p>
-                <a:r>
-                  <a:rPr lang="de-DE">
-                    <a:noFill/>
-                  </a:rPr>
-                  <a:t> </a:t>
-                </a:r>
-              </a:p>
-            </p:txBody>
-          </p:sp>
-        </mc:Fallback>
-      </mc:AlternateContent>
+      <p:sp>
+        <p:nvSpPr>
+          <p:cNvPr id="3" name="Inhaltsplatzhalter 2">
+            <a:extLst>
+              <a:ext uri="{FF2B5EF4-FFF2-40B4-BE49-F238E27FC236}">
+                <a16:creationId xmlns:a16="http://schemas.microsoft.com/office/drawing/2014/main" id="{17D0C5DE-0449-4C6F-BEB5-1D40CC17FD57}"/>
+              </a:ext>
+            </a:extLst>
+          </p:cNvPr>
+          <p:cNvSpPr>
+            <a:spLocks noGrp="1"/>
+          </p:cNvSpPr>
+          <p:nvPr>
+            <p:ph idx="1"/>
+          </p:nvPr>
+        </p:nvSpPr>
+        <p:spPr/>
+        <p:txBody>
+          <a:bodyPr>
+            <a:normAutofit/>
+          </a:bodyPr>
+          <a:lstStyle/>
+          <a:p>
+            <a:r>
+              <a:rPr lang="de-DE" dirty="0"/>
+              <a:t>Polynomial-time </a:t>
+            </a:r>
+            <a:r>
+              <a:rPr lang="de-DE" dirty="0" err="1"/>
+              <a:t>approximation</a:t>
+            </a:r>
+            <a:r>
+              <a:rPr lang="de-DE" dirty="0"/>
+              <a:t> </a:t>
+            </a:r>
+            <a:r>
+              <a:rPr lang="de-DE" dirty="0" err="1"/>
+              <a:t>scheme</a:t>
+            </a:r>
+            <a:r>
+              <a:rPr lang="de-DE" dirty="0"/>
+              <a:t> </a:t>
+            </a:r>
+            <a:r>
+              <a:rPr lang="de-DE" dirty="0" err="1"/>
+              <a:t>for</a:t>
+            </a:r>
+            <a:r>
+              <a:rPr lang="de-DE" dirty="0"/>
+              <a:t> MMCFP</a:t>
+            </a:r>
+          </a:p>
+          <a:p>
+            <a:endParaRPr lang="en-GB" dirty="0"/>
+          </a:p>
+          <a:p>
+            <a:r>
+              <a:rPr lang="en-GB" dirty="0"/>
+              <a:t>M</a:t>
+            </a:r>
+            <a:r>
+              <a:rPr lang="de-DE" dirty="0" err="1"/>
+              <a:t>otivation</a:t>
+            </a:r>
+            <a:r>
+              <a:rPr lang="de-DE" dirty="0"/>
+              <a:t>: </a:t>
+            </a:r>
+          </a:p>
+          <a:p>
+            <a:pPr lvl="1"/>
+            <a:r>
+              <a:rPr lang="de-DE" dirty="0"/>
+              <a:t>F</a:t>
+            </a:r>
+            <a:r>
+              <a:rPr lang="en-US" dirty="0"/>
+              <a:t>aster than previous known algorithms for a fixed or moderately small ω.</a:t>
+            </a:r>
+            <a:endParaRPr lang="de-DE" dirty="0"/>
+          </a:p>
+          <a:p>
+            <a:endParaRPr lang="en-GB" dirty="0"/>
+          </a:p>
+          <a:p>
+            <a:r>
+              <a:rPr lang="en-GB" dirty="0"/>
+              <a:t>Idea:</a:t>
+            </a:r>
+          </a:p>
+          <a:p>
+            <a:pPr lvl="1"/>
+            <a:r>
+              <a:rPr lang="en-GB" dirty="0"/>
+              <a:t>Formulate MMCFP as a Linear Program, solve the dual problem and compute the solution for the primal as a </a:t>
+            </a:r>
+            <a:r>
+              <a:rPr lang="en-GB" dirty="0" err="1"/>
+              <a:t>byproduct</a:t>
+            </a:r>
+            <a:r>
+              <a:rPr lang="en-GB" dirty="0"/>
+              <a:t>.</a:t>
+            </a:r>
+            <a:endParaRPr lang="de-DE" dirty="0"/>
+          </a:p>
+          <a:p>
+            <a:endParaRPr lang="en-GB" dirty="0"/>
+          </a:p>
+          <a:p>
+            <a:endParaRPr lang="en-GB" dirty="0"/>
+          </a:p>
+          <a:p>
+            <a:endParaRPr lang="en-GB" dirty="0"/>
+          </a:p>
+          <a:p>
+            <a:endParaRPr lang="en-GB" dirty="0"/>
+          </a:p>
+          <a:p>
+            <a:endParaRPr lang="de-DE" dirty="0"/>
+          </a:p>
+          <a:p>
+            <a:endParaRPr lang="de-DE" dirty="0"/>
+          </a:p>
+        </p:txBody>
+      </p:sp>
     </p:spTree>
     <p:extLst>
       <p:ext uri="{BB962C8B-B14F-4D97-AF65-F5344CB8AC3E}">
-        <p14:creationId xmlns:p14="http://schemas.microsoft.com/office/powerpoint/2010/main" val="2933399799"/>
+        <p14:creationId xmlns:p14="http://schemas.microsoft.com/office/powerpoint/2010/main" val="1829569959"/>
       </p:ext>
     </p:extLst>
   </p:cSld>
@@ -5397,6 +5033,585 @@
                       <m:t> : "</m:t>
                     </m:r>
                     <m:r>
+                      <a:rPr lang="en-GB" b="0" i="1" smtClean="0">
+                        <a:latin typeface="Cambria Math" panose="02040503050406030204" pitchFamily="18" charset="0"/>
+                      </a:rPr>
+                      <m:t>𝑝</m:t>
+                    </m:r>
+                    <m:r>
+                      <a:rPr lang="en-GB" b="0" i="1" smtClean="0">
+                        <a:latin typeface="Cambria Math" panose="02040503050406030204" pitchFamily="18" charset="0"/>
+                      </a:rPr>
+                      <m:t> </m:t>
+                    </m:r>
+                    <m:r>
+                      <a:rPr lang="en-GB" b="0" i="1" smtClean="0">
+                        <a:latin typeface="Cambria Math" panose="02040503050406030204" pitchFamily="18" charset="0"/>
+                      </a:rPr>
+                      <m:t>𝑖𝑠</m:t>
+                    </m:r>
+                    <m:r>
+                      <a:rPr lang="en-GB" b="0" i="1" smtClean="0">
+                        <a:latin typeface="Cambria Math" panose="02040503050406030204" pitchFamily="18" charset="0"/>
+                      </a:rPr>
+                      <m:t> </m:t>
+                    </m:r>
+                    <m:r>
+                      <a:rPr lang="en-GB" b="0" i="1" smtClean="0">
+                        <a:latin typeface="Cambria Math" panose="02040503050406030204" pitchFamily="18" charset="0"/>
+                      </a:rPr>
+                      <m:t>𝑎</m:t>
+                    </m:r>
+                    <m:r>
+                      <a:rPr lang="en-GB" b="0" i="1" smtClean="0">
+                        <a:latin typeface="Cambria Math" panose="02040503050406030204" pitchFamily="18" charset="0"/>
+                      </a:rPr>
+                      <m:t> </m:t>
+                    </m:r>
+                    <m:r>
+                      <a:rPr lang="en-GB" b="0" i="1" smtClean="0">
+                        <a:latin typeface="Cambria Math" panose="02040503050406030204" pitchFamily="18" charset="0"/>
+                      </a:rPr>
+                      <m:t>𝑝𝑎𝑡h</m:t>
+                    </m:r>
+                    <m:r>
+                      <a:rPr lang="en-GB" b="0" i="1" smtClean="0">
+                        <a:latin typeface="Cambria Math" panose="02040503050406030204" pitchFamily="18" charset="0"/>
+                      </a:rPr>
+                      <m:t> </m:t>
+                    </m:r>
+                    <m:r>
+                      <a:rPr lang="en-GB" b="0" i="1" smtClean="0">
+                        <a:latin typeface="Cambria Math" panose="02040503050406030204" pitchFamily="18" charset="0"/>
+                      </a:rPr>
+                      <m:t>𝑓𝑟𝑜𝑚</m:t>
+                    </m:r>
+                    <m:r>
+                      <a:rPr lang="en-GB" b="0" i="1" smtClean="0">
+                        <a:latin typeface="Cambria Math" panose="02040503050406030204" pitchFamily="18" charset="0"/>
+                      </a:rPr>
+                      <m:t> </m:t>
+                    </m:r>
+                    <m:r>
+                      <a:rPr lang="en-GB" b="0" i="1" smtClean="0">
+                        <a:latin typeface="Cambria Math" panose="02040503050406030204" pitchFamily="18" charset="0"/>
+                      </a:rPr>
+                      <m:t>𝑎𝑛𝑦</m:t>
+                    </m:r>
+                    <m:r>
+                      <a:rPr lang="en-GB" b="0" i="1" smtClean="0">
+                        <a:latin typeface="Cambria Math" panose="02040503050406030204" pitchFamily="18" charset="0"/>
+                      </a:rPr>
+                      <m:t> </m:t>
+                    </m:r>
+                    <m:r>
+                      <a:rPr lang="en-GB" b="0" i="1" smtClean="0">
+                        <a:latin typeface="Cambria Math" panose="02040503050406030204" pitchFamily="18" charset="0"/>
+                      </a:rPr>
+                      <m:t>𝑠𝑜𝑢𝑟𝑐𝑒</m:t>
+                    </m:r>
+                    <m:r>
+                      <a:rPr lang="en-GB" b="0" i="1" smtClean="0">
+                        <a:latin typeface="Cambria Math" panose="02040503050406030204" pitchFamily="18" charset="0"/>
+                      </a:rPr>
+                      <m:t> </m:t>
+                    </m:r>
+                    <m:r>
+                      <a:rPr lang="en-GB" b="0" i="1" smtClean="0">
+                        <a:latin typeface="Cambria Math" panose="02040503050406030204" pitchFamily="18" charset="0"/>
+                      </a:rPr>
+                      <m:t>𝑡𝑜</m:t>
+                    </m:r>
+                    <m:r>
+                      <a:rPr lang="en-GB" b="0" i="1" smtClean="0">
+                        <a:latin typeface="Cambria Math" panose="02040503050406030204" pitchFamily="18" charset="0"/>
+                      </a:rPr>
+                      <m:t> </m:t>
+                    </m:r>
+                    <m:r>
+                      <a:rPr lang="en-GB" b="0" i="1" smtClean="0">
+                        <a:latin typeface="Cambria Math" panose="02040503050406030204" pitchFamily="18" charset="0"/>
+                      </a:rPr>
+                      <m:t>𝑖𝑡𝑠</m:t>
+                    </m:r>
+                    <m:r>
+                      <a:rPr lang="en-GB" b="0" i="1" smtClean="0">
+                        <a:latin typeface="Cambria Math" panose="02040503050406030204" pitchFamily="18" charset="0"/>
+                      </a:rPr>
+                      <m:t> </m:t>
+                    </m:r>
+                    <m:r>
+                      <a:rPr lang="en-GB" b="0" i="1" smtClean="0">
+                        <a:latin typeface="Cambria Math" panose="02040503050406030204" pitchFamily="18" charset="0"/>
+                      </a:rPr>
+                      <m:t>𝑠𝑖𝑛𝑘</m:t>
+                    </m:r>
+                    <m:r>
+                      <a:rPr lang="en-GB" b="0" i="1" smtClean="0">
+                        <a:latin typeface="Cambria Math" panose="02040503050406030204" pitchFamily="18" charset="0"/>
+                      </a:rPr>
+                      <m:t>"}</m:t>
+                    </m:r>
+                  </m:oMath>
+                </a14:m>
+                <a:r>
+                  <a:rPr lang="de-DE" dirty="0"/>
+                  <a:t> </a:t>
+                </a:r>
+              </a:p>
+              <a:p>
+                <a:pPr marL="0" indent="0">
+                  <a:buNone/>
+                </a:pPr>
+                <a:endParaRPr lang="en-GB" dirty="0"/>
+              </a:p>
+              <a:p>
+                <a14:m>
+                  <m:oMath xmlns:m="http://schemas.openxmlformats.org/officeDocument/2006/math">
+                    <m:r>
+                      <a:rPr lang="en-GB" i="1">
+                        <a:latin typeface="Cambria Math" panose="02040503050406030204" pitchFamily="18" charset="0"/>
+                      </a:rPr>
+                      <m:t>𝑋</m:t>
+                    </m:r>
+                    <m:r>
+                      <a:rPr lang="en-GB" i="1">
+                        <a:latin typeface="Cambria Math" panose="02040503050406030204" pitchFamily="18" charset="0"/>
+                      </a:rPr>
+                      <m:t>={</m:t>
+                    </m:r>
+                    <m:r>
+                      <a:rPr lang="en-GB" b="0" i="1" smtClean="0">
+                        <a:latin typeface="Cambria Math" panose="02040503050406030204" pitchFamily="18" charset="0"/>
+                      </a:rPr>
+                      <m:t>𝑥</m:t>
+                    </m:r>
+                    <m:r>
+                      <a:rPr lang="en-GB" b="0" i="1" smtClean="0">
+                        <a:latin typeface="Cambria Math" panose="02040503050406030204" pitchFamily="18" charset="0"/>
+                      </a:rPr>
+                      <m:t> : </m:t>
+                    </m:r>
+                    <m:r>
+                      <a:rPr lang="en-GB" i="1">
+                        <a:latin typeface="Cambria Math" panose="02040503050406030204" pitchFamily="18" charset="0"/>
+                      </a:rPr>
+                      <m:t>𝑥</m:t>
+                    </m:r>
+                    <m:r>
+                      <a:rPr lang="en-GB" b="0" i="1" smtClean="0">
+                        <a:latin typeface="Cambria Math" panose="02040503050406030204" pitchFamily="18" charset="0"/>
+                      </a:rPr>
+                      <m:t>: </m:t>
+                    </m:r>
+                    <m:r>
+                      <a:rPr lang="en-GB" i="1">
+                        <a:latin typeface="Cambria Math" panose="02040503050406030204" pitchFamily="18" charset="0"/>
+                      </a:rPr>
+                      <m:t>𝑃</m:t>
+                    </m:r>
+                    <m:r>
+                      <a:rPr lang="en-GB" i="1">
+                        <a:latin typeface="Cambria Math" panose="02040503050406030204" pitchFamily="18" charset="0"/>
+                      </a:rPr>
+                      <m:t>→ </m:t>
+                    </m:r>
+                    <m:sSub>
+                      <m:sSubPr>
+                        <m:ctrlPr>
+                          <a:rPr lang="en-GB" i="1">
+                            <a:latin typeface="Cambria Math" panose="02040503050406030204" pitchFamily="18" charset="0"/>
+                          </a:rPr>
+                        </m:ctrlPr>
+                      </m:sSubPr>
+                      <m:e>
+                        <m:r>
+                          <a:rPr lang="en-GB" i="1">
+                            <a:latin typeface="Cambria Math" panose="02040503050406030204" pitchFamily="18" charset="0"/>
+                          </a:rPr>
+                          <m:t>ℝ</m:t>
+                        </m:r>
+                      </m:e>
+                      <m:sub>
+                        <m:r>
+                          <a:rPr lang="en-GB" i="1">
+                            <a:latin typeface="Cambria Math" panose="02040503050406030204" pitchFamily="18" charset="0"/>
+                            <a:ea typeface="Cambria Math" panose="02040503050406030204" pitchFamily="18" charset="0"/>
+                          </a:rPr>
+                          <m:t>≥0</m:t>
+                        </m:r>
+                      </m:sub>
+                    </m:sSub>
+                    <m:r>
+                      <a:rPr lang="en-GB" i="1">
+                        <a:latin typeface="Cambria Math" panose="02040503050406030204" pitchFamily="18" charset="0"/>
+                      </a:rPr>
+                      <m:t>}</m:t>
+                    </m:r>
+                  </m:oMath>
+                </a14:m>
+                <a:endParaRPr lang="en-GB" dirty="0"/>
+              </a:p>
+              <a:p>
+                <a:endParaRPr lang="en-GB" dirty="0"/>
+              </a:p>
+              <a:p>
+                <a14:m>
+                  <m:oMath xmlns:m="http://schemas.openxmlformats.org/officeDocument/2006/math">
+                    <m:sSub>
+                      <m:sSubPr>
+                        <m:ctrlPr>
+                          <a:rPr lang="en-GB" i="1" dirty="0" smtClean="0">
+                            <a:latin typeface="Cambria Math" panose="02040503050406030204" pitchFamily="18" charset="0"/>
+                            <a:ea typeface="Cambria Math" panose="02040503050406030204" pitchFamily="18" charset="0"/>
+                          </a:rPr>
+                        </m:ctrlPr>
+                      </m:sSubPr>
+                      <m:e>
+                        <m:r>
+                          <a:rPr lang="en-GB" i="1" dirty="0">
+                            <a:latin typeface="Cambria Math" panose="02040503050406030204" pitchFamily="18" charset="0"/>
+                            <a:ea typeface="Cambria Math" panose="02040503050406030204" pitchFamily="18" charset="0"/>
+                          </a:rPr>
+                          <m:t>𝑃</m:t>
+                        </m:r>
+                      </m:e>
+                      <m:sub>
+                        <m:r>
+                          <a:rPr lang="en-GB" i="1" dirty="0">
+                            <a:latin typeface="Cambria Math" panose="02040503050406030204" pitchFamily="18" charset="0"/>
+                            <a:ea typeface="Cambria Math" panose="02040503050406030204" pitchFamily="18" charset="0"/>
+                          </a:rPr>
+                          <m:t>𝑒</m:t>
+                        </m:r>
+                      </m:sub>
+                    </m:sSub>
+                    <m:r>
+                      <a:rPr lang="en-GB" i="1" dirty="0">
+                        <a:latin typeface="Cambria Math" panose="02040503050406030204" pitchFamily="18" charset="0"/>
+                        <a:ea typeface="Cambria Math" panose="02040503050406030204" pitchFamily="18" charset="0"/>
+                      </a:rPr>
+                      <m:t>={</m:t>
+                    </m:r>
+                    <m:r>
+                      <a:rPr lang="en-GB" i="1" dirty="0">
+                        <a:latin typeface="Cambria Math" panose="02040503050406030204" pitchFamily="18" charset="0"/>
+                        <a:ea typeface="Cambria Math" panose="02040503050406030204" pitchFamily="18" charset="0"/>
+                      </a:rPr>
+                      <m:t>𝑝</m:t>
+                    </m:r>
+                    <m:r>
+                      <a:rPr lang="en-GB" i="1" dirty="0">
+                        <a:latin typeface="Cambria Math" panose="02040503050406030204" pitchFamily="18" charset="0"/>
+                        <a:ea typeface="Cambria Math" panose="02040503050406030204" pitchFamily="18" charset="0"/>
+                      </a:rPr>
+                      <m:t>∈</m:t>
+                    </m:r>
+                    <m:r>
+                      <a:rPr lang="en-GB" i="1" dirty="0">
+                        <a:latin typeface="Cambria Math" panose="02040503050406030204" pitchFamily="18" charset="0"/>
+                        <a:ea typeface="Cambria Math" panose="02040503050406030204" pitchFamily="18" charset="0"/>
+                      </a:rPr>
+                      <m:t>𝑃</m:t>
+                    </m:r>
+                    <m:r>
+                      <a:rPr lang="en-GB" i="1" dirty="0">
+                        <a:latin typeface="Cambria Math" panose="02040503050406030204" pitchFamily="18" charset="0"/>
+                        <a:ea typeface="Cambria Math" panose="02040503050406030204" pitchFamily="18" charset="0"/>
+                      </a:rPr>
+                      <m:t>:</m:t>
+                    </m:r>
+                    <m:r>
+                      <a:rPr lang="en-GB" i="1" dirty="0">
+                        <a:latin typeface="Cambria Math" panose="02040503050406030204" pitchFamily="18" charset="0"/>
+                        <a:ea typeface="Cambria Math" panose="02040503050406030204" pitchFamily="18" charset="0"/>
+                      </a:rPr>
+                      <m:t>𝑒</m:t>
+                    </m:r>
+                    <m:r>
+                      <a:rPr lang="en-GB" i="1" dirty="0">
+                        <a:latin typeface="Cambria Math" panose="02040503050406030204" pitchFamily="18" charset="0"/>
+                        <a:ea typeface="Cambria Math" panose="02040503050406030204" pitchFamily="18" charset="0"/>
+                      </a:rPr>
+                      <m:t>∈</m:t>
+                    </m:r>
+                    <m:r>
+                      <a:rPr lang="en-GB" i="1" dirty="0">
+                        <a:latin typeface="Cambria Math" panose="02040503050406030204" pitchFamily="18" charset="0"/>
+                        <a:ea typeface="Cambria Math" panose="02040503050406030204" pitchFamily="18" charset="0"/>
+                      </a:rPr>
+                      <m:t>𝑝</m:t>
+                    </m:r>
+                  </m:oMath>
+                </a14:m>
+                <a:r>
+                  <a:rPr lang="en-GB" dirty="0"/>
+                  <a:t>}</a:t>
+                </a:r>
+              </a:p>
+              <a:p>
+                <a:endParaRPr lang="en-GB" dirty="0"/>
+              </a:p>
+              <a:p>
+                <a14:m>
+                  <m:oMath xmlns:m="http://schemas.openxmlformats.org/officeDocument/2006/math">
+                    <m:r>
+                      <a:rPr lang="en-GB" b="0" i="1" smtClean="0">
+                        <a:latin typeface="Cambria Math" panose="02040503050406030204" pitchFamily="18" charset="0"/>
+                      </a:rPr>
+                      <m:t>𝐿</m:t>
+                    </m:r>
+                    <m:r>
+                      <a:rPr lang="en-GB" b="0" i="1" smtClean="0">
+                        <a:latin typeface="Cambria Math" panose="02040503050406030204" pitchFamily="18" charset="0"/>
+                      </a:rPr>
+                      <m:t>={</m:t>
+                    </m:r>
+                    <m:r>
+                      <a:rPr lang="en-GB" b="0" i="1" smtClean="0">
+                        <a:latin typeface="Cambria Math" panose="02040503050406030204" pitchFamily="18" charset="0"/>
+                      </a:rPr>
+                      <m:t>𝑙</m:t>
+                    </m:r>
+                    <m:r>
+                      <a:rPr lang="en-GB" b="0" i="1" smtClean="0">
+                        <a:latin typeface="Cambria Math" panose="02040503050406030204" pitchFamily="18" charset="0"/>
+                      </a:rPr>
+                      <m:t> : </m:t>
+                    </m:r>
+                    <m:r>
+                      <a:rPr lang="en-GB" b="0" i="1" smtClean="0">
+                        <a:latin typeface="Cambria Math" panose="02040503050406030204" pitchFamily="18" charset="0"/>
+                      </a:rPr>
+                      <m:t>𝑙</m:t>
+                    </m:r>
+                    <m:r>
+                      <a:rPr lang="en-GB" b="0" i="1" smtClean="0">
+                        <a:latin typeface="Cambria Math" panose="02040503050406030204" pitchFamily="18" charset="0"/>
+                      </a:rPr>
+                      <m:t>: </m:t>
+                    </m:r>
+                    <m:r>
+                      <a:rPr lang="en-GB" b="0" i="1" smtClean="0">
+                        <a:latin typeface="Cambria Math" panose="02040503050406030204" pitchFamily="18" charset="0"/>
+                      </a:rPr>
+                      <m:t>𝐸</m:t>
+                    </m:r>
+                    <m:r>
+                      <a:rPr lang="en-GB" b="0" i="1" smtClean="0">
+                        <a:latin typeface="Cambria Math" panose="02040503050406030204" pitchFamily="18" charset="0"/>
+                      </a:rPr>
+                      <m:t> →</m:t>
+                    </m:r>
+                    <m:sSub>
+                      <m:sSubPr>
+                        <m:ctrlPr>
+                          <a:rPr lang="en-GB" i="1">
+                            <a:latin typeface="Cambria Math" panose="02040503050406030204" pitchFamily="18" charset="0"/>
+                          </a:rPr>
+                        </m:ctrlPr>
+                      </m:sSubPr>
+                      <m:e>
+                        <m:r>
+                          <a:rPr lang="en-GB" i="1">
+                            <a:latin typeface="Cambria Math" panose="02040503050406030204" pitchFamily="18" charset="0"/>
+                          </a:rPr>
+                          <m:t>ℝ</m:t>
+                        </m:r>
+                      </m:e>
+                      <m:sub>
+                        <m:r>
+                          <a:rPr lang="en-GB" i="1">
+                            <a:latin typeface="Cambria Math" panose="02040503050406030204" pitchFamily="18" charset="0"/>
+                            <a:ea typeface="Cambria Math" panose="02040503050406030204" pitchFamily="18" charset="0"/>
+                          </a:rPr>
+                          <m:t>≥0</m:t>
+                        </m:r>
+                      </m:sub>
+                    </m:sSub>
+                    <m:r>
+                      <a:rPr lang="en-GB" b="0" i="1" smtClean="0">
+                        <a:latin typeface="Cambria Math" panose="02040503050406030204" pitchFamily="18" charset="0"/>
+                      </a:rPr>
+                      <m:t>}</m:t>
+                    </m:r>
+                  </m:oMath>
+                </a14:m>
+                <a:endParaRPr lang="en-GB" dirty="0"/>
+              </a:p>
+              <a:p>
+                <a:endParaRPr lang="en-GB" dirty="0"/>
+              </a:p>
+              <a:p>
+                <a:endParaRPr lang="en-GB" dirty="0"/>
+              </a:p>
+              <a:p>
+                <a:endParaRPr lang="de-DE" dirty="0"/>
+              </a:p>
+            </p:txBody>
+          </p:sp>
+        </mc:Choice>
+        <mc:Fallback xmlns="">
+          <p:sp>
+            <p:nvSpPr>
+              <p:cNvPr id="3" name="Inhaltsplatzhalter 2">
+                <a:extLst>
+                  <a:ext uri="{FF2B5EF4-FFF2-40B4-BE49-F238E27FC236}">
+                    <a16:creationId xmlns:a16="http://schemas.microsoft.com/office/drawing/2014/main" id="{7F60B5B6-C887-4282-A694-600DA0218C1A}"/>
+                  </a:ext>
+                </a:extLst>
+              </p:cNvPr>
+              <p:cNvSpPr>
+                <a:spLocks noGrp="1" noRot="1" noChangeAspect="1" noMove="1" noResize="1" noEditPoints="1" noAdjustHandles="1" noChangeArrowheads="1" noChangeShapeType="1" noTextEdit="1"/>
+              </p:cNvSpPr>
+              <p:nvPr>
+                <p:ph idx="1"/>
+              </p:nvPr>
+            </p:nvSpPr>
+            <p:spPr>
+              <a:blipFill>
+                <a:blip r:embed="rId2"/>
+                <a:stretch>
+                  <a:fillRect/>
+                </a:stretch>
+              </a:blipFill>
+            </p:spPr>
+            <p:txBody>
+              <a:bodyPr/>
+              <a:lstStyle/>
+              <a:p>
+                <a:r>
+                  <a:rPr lang="de-DE">
+                    <a:noFill/>
+                  </a:rPr>
+                  <a:t> </a:t>
+                </a:r>
+              </a:p>
+            </p:txBody>
+          </p:sp>
+        </mc:Fallback>
+      </mc:AlternateContent>
+    </p:spTree>
+    <p:extLst>
+      <p:ext uri="{BB962C8B-B14F-4D97-AF65-F5344CB8AC3E}">
+        <p14:creationId xmlns:p14="http://schemas.microsoft.com/office/powerpoint/2010/main" val="2933399799"/>
+      </p:ext>
+    </p:extLst>
+  </p:cSld>
+  <p:clrMapOvr>
+    <a:masterClrMapping/>
+  </p:clrMapOvr>
+</p:sld>
+</file>
+
+<file path=ppt/slides/slide12.xml><?xml version="1.0" encoding="utf-8"?>
+<p:sld xmlns:a="http://schemas.openxmlformats.org/drawingml/2006/main" xmlns:r="http://schemas.openxmlformats.org/officeDocument/2006/relationships" xmlns:p="http://schemas.openxmlformats.org/presentationml/2006/main">
+  <p:cSld>
+    <p:spTree>
+      <p:nvGrpSpPr>
+        <p:cNvPr id="1" name=""/>
+        <p:cNvGrpSpPr/>
+        <p:nvPr/>
+      </p:nvGrpSpPr>
+      <p:grpSpPr>
+        <a:xfrm>
+          <a:off x="0" y="0"/>
+          <a:ext cx="0" cy="0"/>
+          <a:chOff x="0" y="0"/>
+          <a:chExt cx="0" cy="0"/>
+        </a:xfrm>
+      </p:grpSpPr>
+      <p:sp>
+        <p:nvSpPr>
+          <p:cNvPr id="2" name="Titel 1">
+            <a:extLst>
+              <a:ext uri="{FF2B5EF4-FFF2-40B4-BE49-F238E27FC236}">
+                <a16:creationId xmlns:a16="http://schemas.microsoft.com/office/drawing/2014/main" id="{61F49AD1-E58B-4680-870E-B330318D55E5}"/>
+              </a:ext>
+            </a:extLst>
+          </p:cNvPr>
+          <p:cNvSpPr>
+            <a:spLocks noGrp="1"/>
+          </p:cNvSpPr>
+          <p:nvPr>
+            <p:ph type="title"/>
+          </p:nvPr>
+        </p:nvSpPr>
+        <p:spPr/>
+        <p:txBody>
+          <a:bodyPr/>
+          <a:lstStyle/>
+          <a:p>
+            <a:r>
+              <a:rPr lang="en-GB" dirty="0"/>
+              <a:t>Formulation as a Linear Program</a:t>
+            </a:r>
+            <a:endParaRPr lang="de-DE" dirty="0"/>
+          </a:p>
+        </p:txBody>
+      </p:sp>
+      <mc:AlternateContent xmlns:mc="http://schemas.openxmlformats.org/markup-compatibility/2006" xmlns:a14="http://schemas.microsoft.com/office/drawing/2010/main">
+        <mc:Choice Requires="a14">
+          <p:sp>
+            <p:nvSpPr>
+              <p:cNvPr id="3" name="Inhaltsplatzhalter 2">
+                <a:extLst>
+                  <a:ext uri="{FF2B5EF4-FFF2-40B4-BE49-F238E27FC236}">
+                    <a16:creationId xmlns:a16="http://schemas.microsoft.com/office/drawing/2014/main" id="{7F60B5B6-C887-4282-A694-600DA0218C1A}"/>
+                  </a:ext>
+                </a:extLst>
+              </p:cNvPr>
+              <p:cNvSpPr>
+                <a:spLocks noGrp="1"/>
+              </p:cNvSpPr>
+              <p:nvPr>
+                <p:ph idx="1"/>
+              </p:nvPr>
+            </p:nvSpPr>
+            <p:spPr/>
+            <p:txBody>
+              <a:bodyPr/>
+              <a:lstStyle/>
+              <a:p>
+                <a14:m>
+                  <m:oMath xmlns:m="http://schemas.openxmlformats.org/officeDocument/2006/math">
+                    <m:r>
+                      <a:rPr lang="en-GB" b="0" i="1" smtClean="0">
+                        <a:latin typeface="Cambria Math" panose="02040503050406030204" pitchFamily="18" charset="0"/>
+                      </a:rPr>
+                      <m:t>𝑃</m:t>
+                    </m:r>
+                    <m:r>
+                      <a:rPr lang="en-GB" b="0" i="1" smtClean="0">
+                        <a:latin typeface="Cambria Math" panose="02040503050406030204" pitchFamily="18" charset="0"/>
+                      </a:rPr>
+                      <m:t>={</m:t>
+                    </m:r>
+                    <m:r>
+                      <a:rPr lang="en-GB" b="0" i="1" smtClean="0">
+                        <a:latin typeface="Cambria Math" panose="02040503050406030204" pitchFamily="18" charset="0"/>
+                      </a:rPr>
+                      <m:t>𝑝</m:t>
+                    </m:r>
+                    <m:r>
+                      <a:rPr lang="en-GB" b="0" i="1" smtClean="0">
+                        <a:latin typeface="Cambria Math" panose="02040503050406030204" pitchFamily="18" charset="0"/>
+                      </a:rPr>
+                      <m:t>⊆</m:t>
+                    </m:r>
+                    <m:r>
+                      <a:rPr lang="en-GB" b="0" i="1" smtClean="0">
+                        <a:latin typeface="Cambria Math" panose="02040503050406030204" pitchFamily="18" charset="0"/>
+                      </a:rPr>
+                      <m:t>𝐸</m:t>
+                    </m:r>
+                    <m:r>
+                      <a:rPr lang="en-GB" b="0" i="1" smtClean="0">
+                        <a:latin typeface="Cambria Math" panose="02040503050406030204" pitchFamily="18" charset="0"/>
+                      </a:rPr>
+                      <m:t> : "</m:t>
+                    </m:r>
+                    <m:r>
                       <m:rPr>
                         <m:sty m:val="p"/>
                       </m:rPr>
@@ -6191,7 +6406,7 @@
 </p:sld>
 </file>
 
-<file path=ppt/slides/slide12.xml><?xml version="1.0" encoding="utf-8"?>
+<file path=ppt/slides/slide13.xml><?xml version="1.0" encoding="utf-8"?>
 <p:sld xmlns:a="http://schemas.openxmlformats.org/drawingml/2006/main" xmlns:r="http://schemas.openxmlformats.org/officeDocument/2006/relationships" xmlns:p="http://schemas.openxmlformats.org/presentationml/2006/main">
   <p:cSld>
     <p:spTree>
@@ -6924,7 +7139,7 @@
 </p:sld>
 </file>
 
-<file path=ppt/slides/slide13.xml><?xml version="1.0" encoding="utf-8"?>
+<file path=ppt/slides/slide14.xml><?xml version="1.0" encoding="utf-8"?>
 <p:sld xmlns:a="http://schemas.openxmlformats.org/drawingml/2006/main" xmlns:r="http://schemas.openxmlformats.org/officeDocument/2006/relationships" xmlns:p="http://schemas.openxmlformats.org/presentationml/2006/main">
   <p:cSld>
     <p:spTree>
@@ -7713,7 +7928,7 @@
 </p:sld>
 </file>
 
-<file path=ppt/slides/slide14.xml><?xml version="1.0" encoding="utf-8"?>
+<file path=ppt/slides/slide15.xml><?xml version="1.0" encoding="utf-8"?>
 <p:sld xmlns:a="http://schemas.openxmlformats.org/drawingml/2006/main" xmlns:r="http://schemas.openxmlformats.org/officeDocument/2006/relationships" xmlns:p="http://schemas.openxmlformats.org/presentationml/2006/main">
   <p:cSld>
     <p:spTree>
@@ -8632,7 +8847,7 @@
 </p:sld>
 </file>
 
-<file path=ppt/slides/slide15.xml><?xml version="1.0" encoding="utf-8"?>
+<file path=ppt/slides/slide16.xml><?xml version="1.0" encoding="utf-8"?>
 <p:sld xmlns:a="http://schemas.openxmlformats.org/drawingml/2006/main" xmlns:r="http://schemas.openxmlformats.org/officeDocument/2006/relationships" xmlns:p="http://schemas.openxmlformats.org/presentationml/2006/main">
   <p:cSld>
     <p:spTree>
@@ -9598,7 +9813,7 @@
 </p:sld>
 </file>
 
-<file path=ppt/slides/slide16.xml><?xml version="1.0" encoding="utf-8"?>
+<file path=ppt/slides/slide17.xml><?xml version="1.0" encoding="utf-8"?>
 <p:sld xmlns:a="http://schemas.openxmlformats.org/drawingml/2006/main" xmlns:r="http://schemas.openxmlformats.org/officeDocument/2006/relationships" xmlns:p="http://schemas.openxmlformats.org/presentationml/2006/main">
   <p:cSld>
     <p:spTree>
@@ -10863,3674 +11078,7 @@
 </p:sld>
 </file>
 
-<file path=ppt/slides/slide17.xml><?xml version="1.0" encoding="utf-8"?>
-<p:sld xmlns:a="http://schemas.openxmlformats.org/drawingml/2006/main" xmlns:r="http://schemas.openxmlformats.org/officeDocument/2006/relationships" xmlns:p="http://schemas.openxmlformats.org/presentationml/2006/main">
-  <p:cSld>
-    <p:spTree>
-      <p:nvGrpSpPr>
-        <p:cNvPr id="1" name=""/>
-        <p:cNvGrpSpPr/>
-        <p:nvPr/>
-      </p:nvGrpSpPr>
-      <p:grpSpPr>
-        <a:xfrm>
-          <a:off x="0" y="0"/>
-          <a:ext cx="0" cy="0"/>
-          <a:chOff x="0" y="0"/>
-          <a:chExt cx="0" cy="0"/>
-        </a:xfrm>
-      </p:grpSpPr>
-      <p:sp>
-        <p:nvSpPr>
-          <p:cNvPr id="2" name="Titel 1">
-            <a:extLst>
-              <a:ext uri="{FF2B5EF4-FFF2-40B4-BE49-F238E27FC236}">
-                <a16:creationId xmlns:a16="http://schemas.microsoft.com/office/drawing/2014/main" id="{046A5911-EE31-4187-9F3F-CA7AD8052920}"/>
-              </a:ext>
-            </a:extLst>
-          </p:cNvPr>
-          <p:cNvSpPr>
-            <a:spLocks noGrp="1"/>
-          </p:cNvSpPr>
-          <p:nvPr>
-            <p:ph type="title"/>
-          </p:nvPr>
-        </p:nvSpPr>
-        <p:spPr/>
-        <p:txBody>
-          <a:bodyPr/>
-          <a:lstStyle/>
-          <a:p>
-            <a:endParaRPr lang="de-DE" dirty="0">
-              <a:solidFill>
-                <a:srgbClr val="92D050"/>
-              </a:solidFill>
-            </a:endParaRPr>
-          </a:p>
-        </p:txBody>
-      </p:sp>
-      <p:sp>
-        <p:nvSpPr>
-          <p:cNvPr id="3" name="Inhaltsplatzhalter 2">
-            <a:extLst>
-              <a:ext uri="{FF2B5EF4-FFF2-40B4-BE49-F238E27FC236}">
-                <a16:creationId xmlns:a16="http://schemas.microsoft.com/office/drawing/2014/main" id="{3FCE3EAB-EA0A-419D-BAD0-46A0F91D3A5C}"/>
-              </a:ext>
-            </a:extLst>
-          </p:cNvPr>
-          <p:cNvSpPr>
-            <a:spLocks noGrp="1"/>
-          </p:cNvSpPr>
-          <p:nvPr>
-            <p:ph idx="1"/>
-          </p:nvPr>
-        </p:nvSpPr>
-        <p:spPr>
-          <a:xfrm>
-            <a:off x="838200" y="365125"/>
-            <a:ext cx="10515600" cy="5811838"/>
-          </a:xfrm>
-        </p:spPr>
-        <p:txBody>
-          <a:bodyPr/>
-          <a:lstStyle/>
-          <a:p>
-            <a:pPr marL="0" indent="0">
-              <a:buNone/>
-            </a:pPr>
-            <a:r>
-              <a:rPr lang="en-GB" dirty="0">
-                <a:solidFill>
-                  <a:srgbClr val="92D050"/>
-                </a:solidFill>
-              </a:rPr>
-              <a:t>length</a:t>
-            </a:r>
-            <a:endParaRPr lang="de-DE" dirty="0">
-              <a:solidFill>
-                <a:srgbClr val="92D050"/>
-              </a:solidFill>
-            </a:endParaRPr>
-          </a:p>
-        </p:txBody>
-      </p:sp>
-      <p:sp>
-        <p:nvSpPr>
-          <p:cNvPr id="7" name="Rechteck 6">
-            <a:extLst>
-              <a:ext uri="{FF2B5EF4-FFF2-40B4-BE49-F238E27FC236}">
-                <a16:creationId xmlns:a16="http://schemas.microsoft.com/office/drawing/2014/main" id="{3B60EA98-EA3A-4179-B056-3E25874B589F}"/>
-              </a:ext>
-            </a:extLst>
-          </p:cNvPr>
-          <p:cNvSpPr/>
-          <p:nvPr/>
-        </p:nvSpPr>
-        <p:spPr>
-          <a:xfrm>
-            <a:off x="2916269" y="2735640"/>
-            <a:ext cx="807868" cy="648069"/>
-          </a:xfrm>
-          <a:prstGeom prst="rect">
-            <a:avLst/>
-          </a:prstGeom>
-        </p:spPr>
-        <p:style>
-          <a:lnRef idx="2">
-            <a:schemeClr val="accent1">
-              <a:shade val="50000"/>
-            </a:schemeClr>
-          </a:lnRef>
-          <a:fillRef idx="1">
-            <a:schemeClr val="accent1"/>
-          </a:fillRef>
-          <a:effectRef idx="0">
-            <a:schemeClr val="accent1"/>
-          </a:effectRef>
-          <a:fontRef idx="minor">
-            <a:schemeClr val="lt1"/>
-          </a:fontRef>
-        </p:style>
-        <p:txBody>
-          <a:bodyPr rtlCol="0" anchor="ctr"/>
-          <a:lstStyle/>
-          <a:p>
-            <a:pPr algn="ctr"/>
-            <a:r>
-              <a:rPr lang="en-GB" dirty="0"/>
-              <a:t>a</a:t>
-            </a:r>
-            <a:endParaRPr lang="de-DE" dirty="0"/>
-          </a:p>
-        </p:txBody>
-      </p:sp>
-      <p:sp>
-        <p:nvSpPr>
-          <p:cNvPr id="8" name="Rechteck 7">
-            <a:extLst>
-              <a:ext uri="{FF2B5EF4-FFF2-40B4-BE49-F238E27FC236}">
-                <a16:creationId xmlns:a16="http://schemas.microsoft.com/office/drawing/2014/main" id="{450EECF5-58C5-468B-BB86-73FC78F05E9B}"/>
-              </a:ext>
-            </a:extLst>
-          </p:cNvPr>
-          <p:cNvSpPr/>
-          <p:nvPr/>
-        </p:nvSpPr>
-        <p:spPr>
-          <a:xfrm>
-            <a:off x="4908660" y="2735635"/>
-            <a:ext cx="807868" cy="648069"/>
-          </a:xfrm>
-          <a:prstGeom prst="rect">
-            <a:avLst/>
-          </a:prstGeom>
-        </p:spPr>
-        <p:style>
-          <a:lnRef idx="2">
-            <a:schemeClr val="accent1">
-              <a:shade val="50000"/>
-            </a:schemeClr>
-          </a:lnRef>
-          <a:fillRef idx="1">
-            <a:schemeClr val="accent1"/>
-          </a:fillRef>
-          <a:effectRef idx="0">
-            <a:schemeClr val="accent1"/>
-          </a:effectRef>
-          <a:fontRef idx="minor">
-            <a:schemeClr val="lt1"/>
-          </a:fontRef>
-        </p:style>
-        <p:txBody>
-          <a:bodyPr rtlCol="0" anchor="ctr"/>
-          <a:lstStyle/>
-          <a:p>
-            <a:pPr algn="ctr"/>
-            <a:r>
-              <a:rPr lang="en-GB" dirty="0"/>
-              <a:t>b</a:t>
-            </a:r>
-            <a:endParaRPr lang="de-DE" dirty="0"/>
-          </a:p>
-        </p:txBody>
-      </p:sp>
-      <p:sp>
-        <p:nvSpPr>
-          <p:cNvPr id="11" name="Rechteck 10">
-            <a:extLst>
-              <a:ext uri="{FF2B5EF4-FFF2-40B4-BE49-F238E27FC236}">
-                <a16:creationId xmlns:a16="http://schemas.microsoft.com/office/drawing/2014/main" id="{3944EFA0-6D64-4159-97C6-BEDED0F4B7F8}"/>
-              </a:ext>
-            </a:extLst>
-          </p:cNvPr>
-          <p:cNvSpPr/>
-          <p:nvPr/>
-        </p:nvSpPr>
-        <p:spPr>
-          <a:xfrm>
-            <a:off x="6947909" y="2724312"/>
-            <a:ext cx="807868" cy="648069"/>
-          </a:xfrm>
-          <a:prstGeom prst="rect">
-            <a:avLst/>
-          </a:prstGeom>
-        </p:spPr>
-        <p:style>
-          <a:lnRef idx="2">
-            <a:schemeClr val="accent1">
-              <a:shade val="50000"/>
-            </a:schemeClr>
-          </a:lnRef>
-          <a:fillRef idx="1">
-            <a:schemeClr val="accent1"/>
-          </a:fillRef>
-          <a:effectRef idx="0">
-            <a:schemeClr val="accent1"/>
-          </a:effectRef>
-          <a:fontRef idx="minor">
-            <a:schemeClr val="lt1"/>
-          </a:fontRef>
-        </p:style>
-        <p:txBody>
-          <a:bodyPr rtlCol="0" anchor="ctr"/>
-          <a:lstStyle/>
-          <a:p>
-            <a:pPr algn="ctr"/>
-            <a:r>
-              <a:rPr lang="en-GB" dirty="0"/>
-              <a:t>c</a:t>
-            </a:r>
-            <a:endParaRPr lang="de-DE" dirty="0"/>
-          </a:p>
-        </p:txBody>
-      </p:sp>
-      <p:sp>
-        <p:nvSpPr>
-          <p:cNvPr id="13" name="Rechteck 12">
-            <a:extLst>
-              <a:ext uri="{FF2B5EF4-FFF2-40B4-BE49-F238E27FC236}">
-                <a16:creationId xmlns:a16="http://schemas.microsoft.com/office/drawing/2014/main" id="{0784AA11-BCB6-4853-A183-4F38ACF21C27}"/>
-              </a:ext>
-            </a:extLst>
-          </p:cNvPr>
-          <p:cNvSpPr/>
-          <p:nvPr/>
-        </p:nvSpPr>
-        <p:spPr>
-          <a:xfrm>
-            <a:off x="8998612" y="2780931"/>
-            <a:ext cx="807868" cy="648069"/>
-          </a:xfrm>
-          <a:prstGeom prst="rect">
-            <a:avLst/>
-          </a:prstGeom>
-        </p:spPr>
-        <p:style>
-          <a:lnRef idx="2">
-            <a:schemeClr val="accent1">
-              <a:shade val="50000"/>
-            </a:schemeClr>
-          </a:lnRef>
-          <a:fillRef idx="1">
-            <a:schemeClr val="accent1"/>
-          </a:fillRef>
-          <a:effectRef idx="0">
-            <a:schemeClr val="accent1"/>
-          </a:effectRef>
-          <a:fontRef idx="minor">
-            <a:schemeClr val="lt1"/>
-          </a:fontRef>
-        </p:style>
-        <p:txBody>
-          <a:bodyPr rtlCol="0" anchor="ctr"/>
-          <a:lstStyle/>
-          <a:p>
-            <a:pPr algn="ctr"/>
-            <a:r>
-              <a:rPr lang="en-GB" dirty="0"/>
-              <a:t>d</a:t>
-            </a:r>
-            <a:endParaRPr lang="de-DE" dirty="0"/>
-          </a:p>
-        </p:txBody>
-      </p:sp>
-      <p:cxnSp>
-        <p:nvCxnSpPr>
-          <p:cNvPr id="15" name="Gerade Verbindung mit Pfeil 14">
-            <a:extLst>
-              <a:ext uri="{FF2B5EF4-FFF2-40B4-BE49-F238E27FC236}">
-                <a16:creationId xmlns:a16="http://schemas.microsoft.com/office/drawing/2014/main" id="{D75EFFC8-51BE-4F7A-BA4B-6C8A9C3F07B9}"/>
-              </a:ext>
-            </a:extLst>
-          </p:cNvPr>
-          <p:cNvCxnSpPr>
-            <a:cxnSpLocks/>
-            <a:stCxn id="7" idx="3"/>
-          </p:cNvCxnSpPr>
-          <p:nvPr/>
-        </p:nvCxnSpPr>
-        <p:spPr>
-          <a:xfrm>
-            <a:off x="3724137" y="3059675"/>
-            <a:ext cx="1191693" cy="0"/>
-          </a:xfrm>
-          <a:prstGeom prst="straightConnector1">
-            <a:avLst/>
-          </a:prstGeom>
-          <a:ln>
-            <a:tailEnd type="triangle"/>
-          </a:ln>
-        </p:spPr>
-        <p:style>
-          <a:lnRef idx="1">
-            <a:schemeClr val="accent1"/>
-          </a:lnRef>
-          <a:fillRef idx="0">
-            <a:schemeClr val="accent1"/>
-          </a:fillRef>
-          <a:effectRef idx="0">
-            <a:schemeClr val="accent1"/>
-          </a:effectRef>
-          <a:fontRef idx="minor">
-            <a:schemeClr val="tx1"/>
-          </a:fontRef>
-        </p:style>
-      </p:cxnSp>
-      <mc:AlternateContent xmlns:mc="http://schemas.openxmlformats.org/markup-compatibility/2006" xmlns:a14="http://schemas.microsoft.com/office/drawing/2010/main">
-        <mc:Choice Requires="a14">
-          <p:sp>
-            <p:nvSpPr>
-              <p:cNvPr id="22" name="Textfeld 21">
-                <a:extLst>
-                  <a:ext uri="{FF2B5EF4-FFF2-40B4-BE49-F238E27FC236}">
-                    <a16:creationId xmlns:a16="http://schemas.microsoft.com/office/drawing/2014/main" id="{154BCB31-D92D-43C8-B76B-93FD3A65D250}"/>
-                  </a:ext>
-                </a:extLst>
-              </p:cNvPr>
-              <p:cNvSpPr txBox="1"/>
-              <p:nvPr/>
-            </p:nvSpPr>
-            <p:spPr>
-              <a:xfrm>
-                <a:off x="4090846" y="2735634"/>
-                <a:ext cx="370038" cy="369332"/>
-              </a:xfrm>
-              <a:prstGeom prst="rect">
-                <a:avLst/>
-              </a:prstGeom>
-              <a:noFill/>
-            </p:spPr>
-            <p:txBody>
-              <a:bodyPr wrap="none" rtlCol="0">
-                <a:spAutoFit/>
-              </a:bodyPr>
-              <a:lstStyle/>
-              <a:p>
-                <a:pPr/>
-                <a14:m>
-                  <m:oMathPara xmlns:m="http://schemas.openxmlformats.org/officeDocument/2006/math">
-                    <m:oMathParaPr>
-                      <m:jc m:val="centerGroup"/>
-                    </m:oMathParaPr>
-                    <m:oMath xmlns:m="http://schemas.openxmlformats.org/officeDocument/2006/math">
-                      <m:r>
-                        <a:rPr lang="de-DE" i="1" dirty="0" smtClean="0">
-                          <a:solidFill>
-                            <a:srgbClr val="92D050"/>
-                          </a:solidFill>
-                          <a:latin typeface="Cambria Math" panose="02040503050406030204" pitchFamily="18" charset="0"/>
-                        </a:rPr>
-                        <m:t>𝛿</m:t>
-                      </m:r>
-                    </m:oMath>
-                  </m:oMathPara>
-                </a14:m>
-                <a:endParaRPr lang="de-DE" dirty="0"/>
-              </a:p>
-            </p:txBody>
-          </p:sp>
-        </mc:Choice>
-        <mc:Fallback xmlns="">
-          <p:sp>
-            <p:nvSpPr>
-              <p:cNvPr id="22" name="Textfeld 21">
-                <a:extLst>
-                  <a:ext uri="{FF2B5EF4-FFF2-40B4-BE49-F238E27FC236}">
-                    <a16:creationId xmlns:a16="http://schemas.microsoft.com/office/drawing/2014/main" id="{154BCB31-D92D-43C8-B76B-93FD3A65D250}"/>
-                  </a:ext>
-                </a:extLst>
-              </p:cNvPr>
-              <p:cNvSpPr txBox="1">
-                <a:spLocks noRot="1" noChangeAspect="1" noMove="1" noResize="1" noEditPoints="1" noAdjustHandles="1" noChangeArrowheads="1" noChangeShapeType="1" noTextEdit="1"/>
-              </p:cNvSpPr>
-              <p:nvPr/>
-            </p:nvSpPr>
-            <p:spPr>
-              <a:xfrm>
-                <a:off x="4090846" y="2735634"/>
-                <a:ext cx="370038" cy="369332"/>
-              </a:xfrm>
-              <a:prstGeom prst="rect">
-                <a:avLst/>
-              </a:prstGeom>
-              <a:blipFill>
-                <a:blip r:embed="rId2"/>
-                <a:stretch>
-                  <a:fillRect/>
-                </a:stretch>
-              </a:blipFill>
-            </p:spPr>
-            <p:txBody>
-              <a:bodyPr/>
-              <a:lstStyle/>
-              <a:p>
-                <a:r>
-                  <a:rPr lang="de-DE">
-                    <a:noFill/>
-                  </a:rPr>
-                  <a:t> </a:t>
-                </a:r>
-              </a:p>
-            </p:txBody>
-          </p:sp>
-        </mc:Fallback>
-      </mc:AlternateContent>
-      <mc:AlternateContent xmlns:mc="http://schemas.openxmlformats.org/markup-compatibility/2006" xmlns:a14="http://schemas.microsoft.com/office/drawing/2010/main">
-        <mc:Choice Requires="a14">
-          <p:sp>
-            <p:nvSpPr>
-              <p:cNvPr id="24" name="Textfeld 23">
-                <a:extLst>
-                  <a:ext uri="{FF2B5EF4-FFF2-40B4-BE49-F238E27FC236}">
-                    <a16:creationId xmlns:a16="http://schemas.microsoft.com/office/drawing/2014/main" id="{A4A2AA26-DBC5-4750-9849-24CCFDC6447B}"/>
-                  </a:ext>
-                </a:extLst>
-              </p:cNvPr>
-              <p:cNvSpPr txBox="1"/>
-              <p:nvPr/>
-            </p:nvSpPr>
-            <p:spPr>
-              <a:xfrm>
-                <a:off x="6142756" y="2688116"/>
-                <a:ext cx="370038" cy="369332"/>
-              </a:xfrm>
-              <a:prstGeom prst="rect">
-                <a:avLst/>
-              </a:prstGeom>
-              <a:noFill/>
-            </p:spPr>
-            <p:txBody>
-              <a:bodyPr wrap="none" rtlCol="0">
-                <a:spAutoFit/>
-              </a:bodyPr>
-              <a:lstStyle/>
-              <a:p>
-                <a:pPr/>
-                <a14:m>
-                  <m:oMathPara xmlns:m="http://schemas.openxmlformats.org/officeDocument/2006/math">
-                    <m:oMathParaPr>
-                      <m:jc m:val="centerGroup"/>
-                    </m:oMathParaPr>
-                    <m:oMath xmlns:m="http://schemas.openxmlformats.org/officeDocument/2006/math">
-                      <m:r>
-                        <a:rPr lang="de-DE" i="1" dirty="0">
-                          <a:solidFill>
-                            <a:srgbClr val="92D050"/>
-                          </a:solidFill>
-                          <a:latin typeface="Cambria Math" panose="02040503050406030204" pitchFamily="18" charset="0"/>
-                        </a:rPr>
-                        <m:t>𝛿</m:t>
-                      </m:r>
-                    </m:oMath>
-                  </m:oMathPara>
-                </a14:m>
-                <a:endParaRPr lang="de-DE" dirty="0"/>
-              </a:p>
-            </p:txBody>
-          </p:sp>
-        </mc:Choice>
-        <mc:Fallback xmlns="">
-          <p:sp>
-            <p:nvSpPr>
-              <p:cNvPr id="24" name="Textfeld 23">
-                <a:extLst>
-                  <a:ext uri="{FF2B5EF4-FFF2-40B4-BE49-F238E27FC236}">
-                    <a16:creationId xmlns:a16="http://schemas.microsoft.com/office/drawing/2014/main" id="{A4A2AA26-DBC5-4750-9849-24CCFDC6447B}"/>
-                  </a:ext>
-                </a:extLst>
-              </p:cNvPr>
-              <p:cNvSpPr txBox="1">
-                <a:spLocks noRot="1" noChangeAspect="1" noMove="1" noResize="1" noEditPoints="1" noAdjustHandles="1" noChangeArrowheads="1" noChangeShapeType="1" noTextEdit="1"/>
-              </p:cNvSpPr>
-              <p:nvPr/>
-            </p:nvSpPr>
-            <p:spPr>
-              <a:xfrm>
-                <a:off x="6142756" y="2688116"/>
-                <a:ext cx="370038" cy="369332"/>
-              </a:xfrm>
-              <a:prstGeom prst="rect">
-                <a:avLst/>
-              </a:prstGeom>
-              <a:blipFill>
-                <a:blip r:embed="rId3"/>
-                <a:stretch>
-                  <a:fillRect/>
-                </a:stretch>
-              </a:blipFill>
-            </p:spPr>
-            <p:txBody>
-              <a:bodyPr/>
-              <a:lstStyle/>
-              <a:p>
-                <a:r>
-                  <a:rPr lang="de-DE">
-                    <a:noFill/>
-                  </a:rPr>
-                  <a:t> </a:t>
-                </a:r>
-              </a:p>
-            </p:txBody>
-          </p:sp>
-        </mc:Fallback>
-      </mc:AlternateContent>
-      <mc:AlternateContent xmlns:mc="http://schemas.openxmlformats.org/markup-compatibility/2006" xmlns:a14="http://schemas.microsoft.com/office/drawing/2010/main">
-        <mc:Choice Requires="a14">
-          <p:sp>
-            <p:nvSpPr>
-              <p:cNvPr id="25" name="Textfeld 24">
-                <a:extLst>
-                  <a:ext uri="{FF2B5EF4-FFF2-40B4-BE49-F238E27FC236}">
-                    <a16:creationId xmlns:a16="http://schemas.microsoft.com/office/drawing/2014/main" id="{269AC469-1231-4FA5-B020-4051C8BD0114}"/>
-                  </a:ext>
-                </a:extLst>
-              </p:cNvPr>
-              <p:cNvSpPr txBox="1"/>
-              <p:nvPr/>
-            </p:nvSpPr>
-            <p:spPr>
-              <a:xfrm>
-                <a:off x="8181857" y="2704444"/>
-                <a:ext cx="370038" cy="369332"/>
-              </a:xfrm>
-              <a:prstGeom prst="rect">
-                <a:avLst/>
-              </a:prstGeom>
-              <a:noFill/>
-            </p:spPr>
-            <p:txBody>
-              <a:bodyPr wrap="none" rtlCol="0">
-                <a:spAutoFit/>
-              </a:bodyPr>
-              <a:lstStyle/>
-              <a:p>
-                <a:pPr/>
-                <a14:m>
-                  <m:oMathPara xmlns:m="http://schemas.openxmlformats.org/officeDocument/2006/math">
-                    <m:oMathParaPr>
-                      <m:jc m:val="centerGroup"/>
-                    </m:oMathParaPr>
-                    <m:oMath xmlns:m="http://schemas.openxmlformats.org/officeDocument/2006/math">
-                      <m:r>
-                        <a:rPr lang="de-DE" i="1" dirty="0">
-                          <a:solidFill>
-                            <a:srgbClr val="92D050"/>
-                          </a:solidFill>
-                          <a:latin typeface="Cambria Math" panose="02040503050406030204" pitchFamily="18" charset="0"/>
-                        </a:rPr>
-                        <m:t>𝛿</m:t>
-                      </m:r>
-                    </m:oMath>
-                  </m:oMathPara>
-                </a14:m>
-                <a:endParaRPr lang="de-DE" dirty="0"/>
-              </a:p>
-            </p:txBody>
-          </p:sp>
-        </mc:Choice>
-        <mc:Fallback xmlns="">
-          <p:sp>
-            <p:nvSpPr>
-              <p:cNvPr id="25" name="Textfeld 24">
-                <a:extLst>
-                  <a:ext uri="{FF2B5EF4-FFF2-40B4-BE49-F238E27FC236}">
-                    <a16:creationId xmlns:a16="http://schemas.microsoft.com/office/drawing/2014/main" id="{269AC469-1231-4FA5-B020-4051C8BD0114}"/>
-                  </a:ext>
-                </a:extLst>
-              </p:cNvPr>
-              <p:cNvSpPr txBox="1">
-                <a:spLocks noRot="1" noChangeAspect="1" noMove="1" noResize="1" noEditPoints="1" noAdjustHandles="1" noChangeArrowheads="1" noChangeShapeType="1" noTextEdit="1"/>
-              </p:cNvSpPr>
-              <p:nvPr/>
-            </p:nvSpPr>
-            <p:spPr>
-              <a:xfrm>
-                <a:off x="8181857" y="2704444"/>
-                <a:ext cx="370038" cy="369332"/>
-              </a:xfrm>
-              <a:prstGeom prst="rect">
-                <a:avLst/>
-              </a:prstGeom>
-              <a:blipFill>
-                <a:blip r:embed="rId4"/>
-                <a:stretch>
-                  <a:fillRect/>
-                </a:stretch>
-              </a:blipFill>
-            </p:spPr>
-            <p:txBody>
-              <a:bodyPr/>
-              <a:lstStyle/>
-              <a:p>
-                <a:r>
-                  <a:rPr lang="de-DE">
-                    <a:noFill/>
-                  </a:rPr>
-                  <a:t> </a:t>
-                </a:r>
-              </a:p>
-            </p:txBody>
-          </p:sp>
-        </mc:Fallback>
-      </mc:AlternateContent>
-      <p:cxnSp>
-        <p:nvCxnSpPr>
-          <p:cNvPr id="23" name="Gerade Verbindung mit Pfeil 22">
-            <a:extLst>
-              <a:ext uri="{FF2B5EF4-FFF2-40B4-BE49-F238E27FC236}">
-                <a16:creationId xmlns:a16="http://schemas.microsoft.com/office/drawing/2014/main" id="{8008AB82-F360-4B63-BAC6-F652592830BA}"/>
-              </a:ext>
-            </a:extLst>
-          </p:cNvPr>
-          <p:cNvCxnSpPr>
-            <a:cxnSpLocks/>
-          </p:cNvCxnSpPr>
-          <p:nvPr/>
-        </p:nvCxnSpPr>
-        <p:spPr>
-          <a:xfrm>
-            <a:off x="5716528" y="3048347"/>
-            <a:ext cx="1222494" cy="9101"/>
-          </a:xfrm>
-          <a:prstGeom prst="straightConnector1">
-            <a:avLst/>
-          </a:prstGeom>
-          <a:ln>
-            <a:tailEnd type="triangle"/>
-          </a:ln>
-        </p:spPr>
-        <p:style>
-          <a:lnRef idx="1">
-            <a:schemeClr val="accent1"/>
-          </a:lnRef>
-          <a:fillRef idx="0">
-            <a:schemeClr val="accent1"/>
-          </a:fillRef>
-          <a:effectRef idx="0">
-            <a:schemeClr val="accent1"/>
-          </a:effectRef>
-          <a:fontRef idx="minor">
-            <a:schemeClr val="tx1"/>
-          </a:fontRef>
-        </p:style>
-      </p:cxnSp>
-      <p:cxnSp>
-        <p:nvCxnSpPr>
-          <p:cNvPr id="28" name="Gerade Verbindung mit Pfeil 27">
-            <a:extLst>
-              <a:ext uri="{FF2B5EF4-FFF2-40B4-BE49-F238E27FC236}">
-                <a16:creationId xmlns:a16="http://schemas.microsoft.com/office/drawing/2014/main" id="{A32F4C6A-CFF1-4396-9888-BBFF4855395D}"/>
-              </a:ext>
-            </a:extLst>
-          </p:cNvPr>
-          <p:cNvCxnSpPr>
-            <a:cxnSpLocks/>
-          </p:cNvCxnSpPr>
-          <p:nvPr/>
-        </p:nvCxnSpPr>
-        <p:spPr>
-          <a:xfrm>
-            <a:off x="7764664" y="3070050"/>
-            <a:ext cx="1222494" cy="9101"/>
-          </a:xfrm>
-          <a:prstGeom prst="straightConnector1">
-            <a:avLst/>
-          </a:prstGeom>
-          <a:ln>
-            <a:tailEnd type="triangle"/>
-          </a:ln>
-        </p:spPr>
-        <p:style>
-          <a:lnRef idx="1">
-            <a:schemeClr val="accent1"/>
-          </a:lnRef>
-          <a:fillRef idx="0">
-            <a:schemeClr val="accent1"/>
-          </a:fillRef>
-          <a:effectRef idx="0">
-            <a:schemeClr val="accent1"/>
-          </a:effectRef>
-          <a:fontRef idx="minor">
-            <a:schemeClr val="tx1"/>
-          </a:fontRef>
-        </p:style>
-      </p:cxnSp>
-      <p:sp>
-        <p:nvSpPr>
-          <p:cNvPr id="29" name="Rechteck 28">
-            <a:extLst>
-              <a:ext uri="{FF2B5EF4-FFF2-40B4-BE49-F238E27FC236}">
-                <a16:creationId xmlns:a16="http://schemas.microsoft.com/office/drawing/2014/main" id="{D526B314-9ADD-4531-8603-BED80D61CA15}"/>
-              </a:ext>
-            </a:extLst>
-          </p:cNvPr>
-          <p:cNvSpPr/>
-          <p:nvPr/>
-        </p:nvSpPr>
-        <p:spPr>
-          <a:xfrm>
-            <a:off x="2916269" y="4186779"/>
-            <a:ext cx="807868" cy="648069"/>
-          </a:xfrm>
-          <a:prstGeom prst="rect">
-            <a:avLst/>
-          </a:prstGeom>
-        </p:spPr>
-        <p:style>
-          <a:lnRef idx="2">
-            <a:schemeClr val="accent1">
-              <a:shade val="50000"/>
-            </a:schemeClr>
-          </a:lnRef>
-          <a:fillRef idx="1">
-            <a:schemeClr val="accent1"/>
-          </a:fillRef>
-          <a:effectRef idx="0">
-            <a:schemeClr val="accent1"/>
-          </a:effectRef>
-          <a:fontRef idx="minor">
-            <a:schemeClr val="lt1"/>
-          </a:fontRef>
-        </p:style>
-        <p:txBody>
-          <a:bodyPr rtlCol="0" anchor="ctr"/>
-          <a:lstStyle/>
-          <a:p>
-            <a:pPr algn="ctr"/>
-            <a:r>
-              <a:rPr lang="en-GB" dirty="0"/>
-              <a:t>a</a:t>
-            </a:r>
-            <a:endParaRPr lang="de-DE" dirty="0"/>
-          </a:p>
-        </p:txBody>
-      </p:sp>
-      <p:sp>
-        <p:nvSpPr>
-          <p:cNvPr id="30" name="Rechteck 29">
-            <a:extLst>
-              <a:ext uri="{FF2B5EF4-FFF2-40B4-BE49-F238E27FC236}">
-                <a16:creationId xmlns:a16="http://schemas.microsoft.com/office/drawing/2014/main" id="{59A9A93B-EDCC-4F60-B540-09030ADD9291}"/>
-              </a:ext>
-            </a:extLst>
-          </p:cNvPr>
-          <p:cNvSpPr/>
-          <p:nvPr/>
-        </p:nvSpPr>
-        <p:spPr>
-          <a:xfrm>
-            <a:off x="4908660" y="4186774"/>
-            <a:ext cx="807868" cy="648069"/>
-          </a:xfrm>
-          <a:prstGeom prst="rect">
-            <a:avLst/>
-          </a:prstGeom>
-        </p:spPr>
-        <p:style>
-          <a:lnRef idx="2">
-            <a:schemeClr val="accent1">
-              <a:shade val="50000"/>
-            </a:schemeClr>
-          </a:lnRef>
-          <a:fillRef idx="1">
-            <a:schemeClr val="accent1"/>
-          </a:fillRef>
-          <a:effectRef idx="0">
-            <a:schemeClr val="accent1"/>
-          </a:effectRef>
-          <a:fontRef idx="minor">
-            <a:schemeClr val="lt1"/>
-          </a:fontRef>
-        </p:style>
-        <p:txBody>
-          <a:bodyPr rtlCol="0" anchor="ctr"/>
-          <a:lstStyle/>
-          <a:p>
-            <a:pPr algn="ctr"/>
-            <a:r>
-              <a:rPr lang="en-GB" dirty="0"/>
-              <a:t>b</a:t>
-            </a:r>
-            <a:endParaRPr lang="de-DE" dirty="0"/>
-          </a:p>
-        </p:txBody>
-      </p:sp>
-      <p:sp>
-        <p:nvSpPr>
-          <p:cNvPr id="31" name="Rechteck 30">
-            <a:extLst>
-              <a:ext uri="{FF2B5EF4-FFF2-40B4-BE49-F238E27FC236}">
-                <a16:creationId xmlns:a16="http://schemas.microsoft.com/office/drawing/2014/main" id="{31C5C429-EECD-4782-ACA4-205F5D902200}"/>
-              </a:ext>
-            </a:extLst>
-          </p:cNvPr>
-          <p:cNvSpPr/>
-          <p:nvPr/>
-        </p:nvSpPr>
-        <p:spPr>
-          <a:xfrm>
-            <a:off x="6947909" y="4175451"/>
-            <a:ext cx="807868" cy="648069"/>
-          </a:xfrm>
-          <a:prstGeom prst="rect">
-            <a:avLst/>
-          </a:prstGeom>
-        </p:spPr>
-        <p:style>
-          <a:lnRef idx="2">
-            <a:schemeClr val="accent1">
-              <a:shade val="50000"/>
-            </a:schemeClr>
-          </a:lnRef>
-          <a:fillRef idx="1">
-            <a:schemeClr val="accent1"/>
-          </a:fillRef>
-          <a:effectRef idx="0">
-            <a:schemeClr val="accent1"/>
-          </a:effectRef>
-          <a:fontRef idx="minor">
-            <a:schemeClr val="lt1"/>
-          </a:fontRef>
-        </p:style>
-        <p:txBody>
-          <a:bodyPr rtlCol="0" anchor="ctr"/>
-          <a:lstStyle/>
-          <a:p>
-            <a:pPr algn="ctr"/>
-            <a:r>
-              <a:rPr lang="en-GB" dirty="0"/>
-              <a:t>c</a:t>
-            </a:r>
-            <a:endParaRPr lang="de-DE" dirty="0"/>
-          </a:p>
-        </p:txBody>
-      </p:sp>
-      <p:cxnSp>
-        <p:nvCxnSpPr>
-          <p:cNvPr id="33" name="Gerade Verbindung mit Pfeil 32">
-            <a:extLst>
-              <a:ext uri="{FF2B5EF4-FFF2-40B4-BE49-F238E27FC236}">
-                <a16:creationId xmlns:a16="http://schemas.microsoft.com/office/drawing/2014/main" id="{4FD4E5FF-F62D-485F-94B5-73B8E44540CC}"/>
-              </a:ext>
-            </a:extLst>
-          </p:cNvPr>
-          <p:cNvCxnSpPr>
-            <a:cxnSpLocks/>
-            <a:stCxn id="29" idx="3"/>
-          </p:cNvCxnSpPr>
-          <p:nvPr/>
-        </p:nvCxnSpPr>
-        <p:spPr>
-          <a:xfrm>
-            <a:off x="3724137" y="4510814"/>
-            <a:ext cx="1191693" cy="0"/>
-          </a:xfrm>
-          <a:prstGeom prst="straightConnector1">
-            <a:avLst/>
-          </a:prstGeom>
-          <a:ln>
-            <a:tailEnd type="triangle"/>
-          </a:ln>
-        </p:spPr>
-        <p:style>
-          <a:lnRef idx="1">
-            <a:schemeClr val="accent1"/>
-          </a:lnRef>
-          <a:fillRef idx="0">
-            <a:schemeClr val="accent1"/>
-          </a:fillRef>
-          <a:effectRef idx="0">
-            <a:schemeClr val="accent1"/>
-          </a:effectRef>
-          <a:fontRef idx="minor">
-            <a:schemeClr val="tx1"/>
-          </a:fontRef>
-        </p:style>
-      </p:cxnSp>
-      <mc:AlternateContent xmlns:mc="http://schemas.openxmlformats.org/markup-compatibility/2006" xmlns:a14="http://schemas.microsoft.com/office/drawing/2010/main">
-        <mc:Choice Requires="a14">
-          <p:sp>
-            <p:nvSpPr>
-              <p:cNvPr id="35" name="Textfeld 34">
-                <a:extLst>
-                  <a:ext uri="{FF2B5EF4-FFF2-40B4-BE49-F238E27FC236}">
-                    <a16:creationId xmlns:a16="http://schemas.microsoft.com/office/drawing/2014/main" id="{02FD8140-8B49-4C1B-8A24-714CEDEE748A}"/>
-                  </a:ext>
-                </a:extLst>
-              </p:cNvPr>
-              <p:cNvSpPr txBox="1"/>
-              <p:nvPr/>
-            </p:nvSpPr>
-            <p:spPr>
-              <a:xfrm>
-                <a:off x="4058227" y="4102797"/>
-                <a:ext cx="370038" cy="369332"/>
-              </a:xfrm>
-              <a:prstGeom prst="rect">
-                <a:avLst/>
-              </a:prstGeom>
-              <a:noFill/>
-            </p:spPr>
-            <p:txBody>
-              <a:bodyPr wrap="none" rtlCol="0">
-                <a:spAutoFit/>
-              </a:bodyPr>
-              <a:lstStyle/>
-              <a:p>
-                <a:pPr/>
-                <a14:m>
-                  <m:oMathPara xmlns:m="http://schemas.openxmlformats.org/officeDocument/2006/math">
-                    <m:oMathParaPr>
-                      <m:jc m:val="centerGroup"/>
-                    </m:oMathParaPr>
-                    <m:oMath xmlns:m="http://schemas.openxmlformats.org/officeDocument/2006/math">
-                      <m:r>
-                        <a:rPr lang="de-DE" i="1" dirty="0">
-                          <a:solidFill>
-                            <a:srgbClr val="92D050"/>
-                          </a:solidFill>
-                          <a:latin typeface="Cambria Math" panose="02040503050406030204" pitchFamily="18" charset="0"/>
-                        </a:rPr>
-                        <m:t>𝛿</m:t>
-                      </m:r>
-                    </m:oMath>
-                  </m:oMathPara>
-                </a14:m>
-                <a:endParaRPr lang="de-DE" dirty="0"/>
-              </a:p>
-            </p:txBody>
-          </p:sp>
-        </mc:Choice>
-        <mc:Fallback xmlns="">
-          <p:sp>
-            <p:nvSpPr>
-              <p:cNvPr id="35" name="Textfeld 34">
-                <a:extLst>
-                  <a:ext uri="{FF2B5EF4-FFF2-40B4-BE49-F238E27FC236}">
-                    <a16:creationId xmlns:a16="http://schemas.microsoft.com/office/drawing/2014/main" id="{02FD8140-8B49-4C1B-8A24-714CEDEE748A}"/>
-                  </a:ext>
-                </a:extLst>
-              </p:cNvPr>
-              <p:cNvSpPr txBox="1">
-                <a:spLocks noRot="1" noChangeAspect="1" noMove="1" noResize="1" noEditPoints="1" noAdjustHandles="1" noChangeArrowheads="1" noChangeShapeType="1" noTextEdit="1"/>
-              </p:cNvSpPr>
-              <p:nvPr/>
-            </p:nvSpPr>
-            <p:spPr>
-              <a:xfrm>
-                <a:off x="4058227" y="4102797"/>
-                <a:ext cx="370038" cy="369332"/>
-              </a:xfrm>
-              <a:prstGeom prst="rect">
-                <a:avLst/>
-              </a:prstGeom>
-              <a:blipFill>
-                <a:blip r:embed="rId5"/>
-                <a:stretch>
-                  <a:fillRect/>
-                </a:stretch>
-              </a:blipFill>
-            </p:spPr>
-            <p:txBody>
-              <a:bodyPr/>
-              <a:lstStyle/>
-              <a:p>
-                <a:r>
-                  <a:rPr lang="de-DE">
-                    <a:noFill/>
-                  </a:rPr>
-                  <a:t> </a:t>
-                </a:r>
-              </a:p>
-            </p:txBody>
-          </p:sp>
-        </mc:Fallback>
-      </mc:AlternateContent>
-      <mc:AlternateContent xmlns:mc="http://schemas.openxmlformats.org/markup-compatibility/2006" xmlns:a14="http://schemas.microsoft.com/office/drawing/2010/main">
-        <mc:Choice Requires="a14">
-          <p:sp>
-            <p:nvSpPr>
-              <p:cNvPr id="36" name="Textfeld 35">
-                <a:extLst>
-                  <a:ext uri="{FF2B5EF4-FFF2-40B4-BE49-F238E27FC236}">
-                    <a16:creationId xmlns:a16="http://schemas.microsoft.com/office/drawing/2014/main" id="{6D53DC28-B9A7-4140-8BAE-066EA045753B}"/>
-                  </a:ext>
-                </a:extLst>
-              </p:cNvPr>
-              <p:cNvSpPr txBox="1"/>
-              <p:nvPr/>
-            </p:nvSpPr>
-            <p:spPr>
-              <a:xfrm>
-                <a:off x="6152926" y="4130153"/>
-                <a:ext cx="370038" cy="369332"/>
-              </a:xfrm>
-              <a:prstGeom prst="rect">
-                <a:avLst/>
-              </a:prstGeom>
-              <a:noFill/>
-            </p:spPr>
-            <p:txBody>
-              <a:bodyPr wrap="none" rtlCol="0">
-                <a:spAutoFit/>
-              </a:bodyPr>
-              <a:lstStyle/>
-              <a:p>
-                <a:pPr/>
-                <a14:m>
-                  <m:oMathPara xmlns:m="http://schemas.openxmlformats.org/officeDocument/2006/math">
-                    <m:oMathParaPr>
-                      <m:jc m:val="centerGroup"/>
-                    </m:oMathParaPr>
-                    <m:oMath xmlns:m="http://schemas.openxmlformats.org/officeDocument/2006/math">
-                      <m:r>
-                        <a:rPr lang="de-DE" i="1" dirty="0">
-                          <a:solidFill>
-                            <a:srgbClr val="92D050"/>
-                          </a:solidFill>
-                          <a:latin typeface="Cambria Math" panose="02040503050406030204" pitchFamily="18" charset="0"/>
-                        </a:rPr>
-                        <m:t>𝛿</m:t>
-                      </m:r>
-                    </m:oMath>
-                  </m:oMathPara>
-                </a14:m>
-                <a:endParaRPr lang="de-DE" dirty="0"/>
-              </a:p>
-            </p:txBody>
-          </p:sp>
-        </mc:Choice>
-        <mc:Fallback xmlns="">
-          <p:sp>
-            <p:nvSpPr>
-              <p:cNvPr id="36" name="Textfeld 35">
-                <a:extLst>
-                  <a:ext uri="{FF2B5EF4-FFF2-40B4-BE49-F238E27FC236}">
-                    <a16:creationId xmlns:a16="http://schemas.microsoft.com/office/drawing/2014/main" id="{6D53DC28-B9A7-4140-8BAE-066EA045753B}"/>
-                  </a:ext>
-                </a:extLst>
-              </p:cNvPr>
-              <p:cNvSpPr txBox="1">
-                <a:spLocks noRot="1" noChangeAspect="1" noMove="1" noResize="1" noEditPoints="1" noAdjustHandles="1" noChangeArrowheads="1" noChangeShapeType="1" noTextEdit="1"/>
-              </p:cNvSpPr>
-              <p:nvPr/>
-            </p:nvSpPr>
-            <p:spPr>
-              <a:xfrm>
-                <a:off x="6152926" y="4130153"/>
-                <a:ext cx="370038" cy="369332"/>
-              </a:xfrm>
-              <a:prstGeom prst="rect">
-                <a:avLst/>
-              </a:prstGeom>
-              <a:blipFill>
-                <a:blip r:embed="rId6"/>
-                <a:stretch>
-                  <a:fillRect/>
-                </a:stretch>
-              </a:blipFill>
-            </p:spPr>
-            <p:txBody>
-              <a:bodyPr/>
-              <a:lstStyle/>
-              <a:p>
-                <a:r>
-                  <a:rPr lang="de-DE">
-                    <a:noFill/>
-                  </a:rPr>
-                  <a:t> </a:t>
-                </a:r>
-              </a:p>
-            </p:txBody>
-          </p:sp>
-        </mc:Fallback>
-      </mc:AlternateContent>
-      <p:cxnSp>
-        <p:nvCxnSpPr>
-          <p:cNvPr id="37" name="Gerade Verbindung mit Pfeil 36">
-            <a:extLst>
-              <a:ext uri="{FF2B5EF4-FFF2-40B4-BE49-F238E27FC236}">
-                <a16:creationId xmlns:a16="http://schemas.microsoft.com/office/drawing/2014/main" id="{6E1612C2-C894-401F-803A-F68D3DBB59A0}"/>
-              </a:ext>
-            </a:extLst>
-          </p:cNvPr>
-          <p:cNvCxnSpPr>
-            <a:cxnSpLocks/>
-          </p:cNvCxnSpPr>
-          <p:nvPr/>
-        </p:nvCxnSpPr>
-        <p:spPr>
-          <a:xfrm>
-            <a:off x="5726698" y="4492559"/>
-            <a:ext cx="1222494" cy="9101"/>
-          </a:xfrm>
-          <a:prstGeom prst="straightConnector1">
-            <a:avLst/>
-          </a:prstGeom>
-          <a:ln>
-            <a:tailEnd type="triangle"/>
-          </a:ln>
-        </p:spPr>
-        <p:style>
-          <a:lnRef idx="1">
-            <a:schemeClr val="accent1"/>
-          </a:lnRef>
-          <a:fillRef idx="0">
-            <a:schemeClr val="accent1"/>
-          </a:fillRef>
-          <a:effectRef idx="0">
-            <a:schemeClr val="accent1"/>
-          </a:effectRef>
-          <a:fontRef idx="minor">
-            <a:schemeClr val="tx1"/>
-          </a:fontRef>
-        </p:style>
-      </p:cxnSp>
-    </p:spTree>
-    <p:extLst>
-      <p:ext uri="{BB962C8B-B14F-4D97-AF65-F5344CB8AC3E}">
-        <p14:creationId xmlns:p14="http://schemas.microsoft.com/office/powerpoint/2010/main" val="247424518"/>
-      </p:ext>
-    </p:extLst>
-  </p:cSld>
-  <p:clrMapOvr>
-    <a:masterClrMapping/>
-  </p:clrMapOvr>
-</p:sld>
-</file>
-
 <file path=ppt/slides/slide18.xml><?xml version="1.0" encoding="utf-8"?>
-<p:sld xmlns:a="http://schemas.openxmlformats.org/drawingml/2006/main" xmlns:r="http://schemas.openxmlformats.org/officeDocument/2006/relationships" xmlns:p="http://schemas.openxmlformats.org/presentationml/2006/main">
-  <p:cSld>
-    <p:spTree>
-      <p:nvGrpSpPr>
-        <p:cNvPr id="1" name=""/>
-        <p:cNvGrpSpPr/>
-        <p:nvPr/>
-      </p:nvGrpSpPr>
-      <p:grpSpPr>
-        <a:xfrm>
-          <a:off x="0" y="0"/>
-          <a:ext cx="0" cy="0"/>
-          <a:chOff x="0" y="0"/>
-          <a:chExt cx="0" cy="0"/>
-        </a:xfrm>
-      </p:grpSpPr>
-      <p:sp>
-        <p:nvSpPr>
-          <p:cNvPr id="2" name="Titel 1">
-            <a:extLst>
-              <a:ext uri="{FF2B5EF4-FFF2-40B4-BE49-F238E27FC236}">
-                <a16:creationId xmlns:a16="http://schemas.microsoft.com/office/drawing/2014/main" id="{4EFFAF4B-E858-416E-B027-6D6B4C4DB524}"/>
-              </a:ext>
-            </a:extLst>
-          </p:cNvPr>
-          <p:cNvSpPr>
-            <a:spLocks noGrp="1"/>
-          </p:cNvSpPr>
-          <p:nvPr>
-            <p:ph type="title"/>
-          </p:nvPr>
-        </p:nvSpPr>
-        <p:spPr/>
-        <p:txBody>
-          <a:bodyPr/>
-          <a:lstStyle/>
-          <a:p>
-            <a:endParaRPr lang="de-DE"/>
-          </a:p>
-        </p:txBody>
-      </p:sp>
-      <p:sp>
-        <p:nvSpPr>
-          <p:cNvPr id="3" name="Inhaltsplatzhalter 2">
-            <a:extLst>
-              <a:ext uri="{FF2B5EF4-FFF2-40B4-BE49-F238E27FC236}">
-                <a16:creationId xmlns:a16="http://schemas.microsoft.com/office/drawing/2014/main" id="{7A8A796D-6089-4C12-BAA4-73946ADF1593}"/>
-              </a:ext>
-            </a:extLst>
-          </p:cNvPr>
-          <p:cNvSpPr>
-            <a:spLocks noGrp="1"/>
-          </p:cNvSpPr>
-          <p:nvPr>
-            <p:ph idx="1"/>
-          </p:nvPr>
-        </p:nvSpPr>
-        <p:spPr>
-          <a:xfrm>
-            <a:off x="838200" y="365125"/>
-            <a:ext cx="10515600" cy="5811838"/>
-          </a:xfrm>
-        </p:spPr>
-        <p:txBody>
-          <a:bodyPr/>
-          <a:lstStyle/>
-          <a:p>
-            <a:pPr marL="0" indent="0">
-              <a:buNone/>
-            </a:pPr>
-            <a:r>
-              <a:rPr lang="en-GB" dirty="0">
-                <a:solidFill>
-                  <a:srgbClr val="FF0000"/>
-                </a:solidFill>
-              </a:rPr>
-              <a:t>flow</a:t>
-            </a:r>
-            <a:endParaRPr lang="de-DE" dirty="0">
-              <a:solidFill>
-                <a:srgbClr val="FF0000"/>
-              </a:solidFill>
-            </a:endParaRPr>
-          </a:p>
-        </p:txBody>
-      </p:sp>
-      <p:sp>
-        <p:nvSpPr>
-          <p:cNvPr id="21" name="Rechteck 20">
-            <a:extLst>
-              <a:ext uri="{FF2B5EF4-FFF2-40B4-BE49-F238E27FC236}">
-                <a16:creationId xmlns:a16="http://schemas.microsoft.com/office/drawing/2014/main" id="{67C07F2E-22E2-4B87-B71C-FA0C6622DDA1}"/>
-              </a:ext>
-            </a:extLst>
-          </p:cNvPr>
-          <p:cNvSpPr/>
-          <p:nvPr/>
-        </p:nvSpPr>
-        <p:spPr>
-          <a:xfrm>
-            <a:off x="2916269" y="2735640"/>
-            <a:ext cx="807868" cy="648069"/>
-          </a:xfrm>
-          <a:prstGeom prst="rect">
-            <a:avLst/>
-          </a:prstGeom>
-        </p:spPr>
-        <p:style>
-          <a:lnRef idx="2">
-            <a:schemeClr val="accent1">
-              <a:shade val="50000"/>
-            </a:schemeClr>
-          </a:lnRef>
-          <a:fillRef idx="1">
-            <a:schemeClr val="accent1"/>
-          </a:fillRef>
-          <a:effectRef idx="0">
-            <a:schemeClr val="accent1"/>
-          </a:effectRef>
-          <a:fontRef idx="minor">
-            <a:schemeClr val="lt1"/>
-          </a:fontRef>
-        </p:style>
-        <p:txBody>
-          <a:bodyPr rtlCol="0" anchor="ctr"/>
-          <a:lstStyle/>
-          <a:p>
-            <a:pPr algn="ctr"/>
-            <a:r>
-              <a:rPr lang="en-GB" dirty="0"/>
-              <a:t>a</a:t>
-            </a:r>
-            <a:endParaRPr lang="de-DE" dirty="0"/>
-          </a:p>
-        </p:txBody>
-      </p:sp>
-      <p:sp>
-        <p:nvSpPr>
-          <p:cNvPr id="22" name="Rechteck 21">
-            <a:extLst>
-              <a:ext uri="{FF2B5EF4-FFF2-40B4-BE49-F238E27FC236}">
-                <a16:creationId xmlns:a16="http://schemas.microsoft.com/office/drawing/2014/main" id="{A7B0ACDD-3523-45DA-B46F-F137D05F6EC4}"/>
-              </a:ext>
-            </a:extLst>
-          </p:cNvPr>
-          <p:cNvSpPr/>
-          <p:nvPr/>
-        </p:nvSpPr>
-        <p:spPr>
-          <a:xfrm>
-            <a:off x="4908660" y="2735635"/>
-            <a:ext cx="807868" cy="648069"/>
-          </a:xfrm>
-          <a:prstGeom prst="rect">
-            <a:avLst/>
-          </a:prstGeom>
-        </p:spPr>
-        <p:style>
-          <a:lnRef idx="2">
-            <a:schemeClr val="accent1">
-              <a:shade val="50000"/>
-            </a:schemeClr>
-          </a:lnRef>
-          <a:fillRef idx="1">
-            <a:schemeClr val="accent1"/>
-          </a:fillRef>
-          <a:effectRef idx="0">
-            <a:schemeClr val="accent1"/>
-          </a:effectRef>
-          <a:fontRef idx="minor">
-            <a:schemeClr val="lt1"/>
-          </a:fontRef>
-        </p:style>
-        <p:txBody>
-          <a:bodyPr rtlCol="0" anchor="ctr"/>
-          <a:lstStyle/>
-          <a:p>
-            <a:pPr algn="ctr"/>
-            <a:r>
-              <a:rPr lang="en-GB" dirty="0"/>
-              <a:t>b</a:t>
-            </a:r>
-            <a:endParaRPr lang="de-DE" dirty="0"/>
-          </a:p>
-        </p:txBody>
-      </p:sp>
-      <p:sp>
-        <p:nvSpPr>
-          <p:cNvPr id="23" name="Rechteck 22">
-            <a:extLst>
-              <a:ext uri="{FF2B5EF4-FFF2-40B4-BE49-F238E27FC236}">
-                <a16:creationId xmlns:a16="http://schemas.microsoft.com/office/drawing/2014/main" id="{D0A976D6-CEFF-4AB6-8D0C-85F14D3BF250}"/>
-              </a:ext>
-            </a:extLst>
-          </p:cNvPr>
-          <p:cNvSpPr/>
-          <p:nvPr/>
-        </p:nvSpPr>
-        <p:spPr>
-          <a:xfrm>
-            <a:off x="6947909" y="2724312"/>
-            <a:ext cx="807868" cy="648069"/>
-          </a:xfrm>
-          <a:prstGeom prst="rect">
-            <a:avLst/>
-          </a:prstGeom>
-        </p:spPr>
-        <p:style>
-          <a:lnRef idx="2">
-            <a:schemeClr val="accent1">
-              <a:shade val="50000"/>
-            </a:schemeClr>
-          </a:lnRef>
-          <a:fillRef idx="1">
-            <a:schemeClr val="accent1"/>
-          </a:fillRef>
-          <a:effectRef idx="0">
-            <a:schemeClr val="accent1"/>
-          </a:effectRef>
-          <a:fontRef idx="minor">
-            <a:schemeClr val="lt1"/>
-          </a:fontRef>
-        </p:style>
-        <p:txBody>
-          <a:bodyPr rtlCol="0" anchor="ctr"/>
-          <a:lstStyle/>
-          <a:p>
-            <a:pPr algn="ctr"/>
-            <a:r>
-              <a:rPr lang="en-GB" dirty="0"/>
-              <a:t>c</a:t>
-            </a:r>
-            <a:endParaRPr lang="de-DE" dirty="0"/>
-          </a:p>
-        </p:txBody>
-      </p:sp>
-      <p:sp>
-        <p:nvSpPr>
-          <p:cNvPr id="24" name="Rechteck 23">
-            <a:extLst>
-              <a:ext uri="{FF2B5EF4-FFF2-40B4-BE49-F238E27FC236}">
-                <a16:creationId xmlns:a16="http://schemas.microsoft.com/office/drawing/2014/main" id="{602E2F12-EB50-4EEE-84CF-01A95A702BB1}"/>
-              </a:ext>
-            </a:extLst>
-          </p:cNvPr>
-          <p:cNvSpPr/>
-          <p:nvPr/>
-        </p:nvSpPr>
-        <p:spPr>
-          <a:xfrm>
-            <a:off x="8998612" y="2780931"/>
-            <a:ext cx="807868" cy="648069"/>
-          </a:xfrm>
-          <a:prstGeom prst="rect">
-            <a:avLst/>
-          </a:prstGeom>
-        </p:spPr>
-        <p:style>
-          <a:lnRef idx="2">
-            <a:schemeClr val="accent1">
-              <a:shade val="50000"/>
-            </a:schemeClr>
-          </a:lnRef>
-          <a:fillRef idx="1">
-            <a:schemeClr val="accent1"/>
-          </a:fillRef>
-          <a:effectRef idx="0">
-            <a:schemeClr val="accent1"/>
-          </a:effectRef>
-          <a:fontRef idx="minor">
-            <a:schemeClr val="lt1"/>
-          </a:fontRef>
-        </p:style>
-        <p:txBody>
-          <a:bodyPr rtlCol="0" anchor="ctr"/>
-          <a:lstStyle/>
-          <a:p>
-            <a:pPr algn="ctr"/>
-            <a:r>
-              <a:rPr lang="en-GB" dirty="0"/>
-              <a:t>d</a:t>
-            </a:r>
-            <a:endParaRPr lang="de-DE" dirty="0"/>
-          </a:p>
-        </p:txBody>
-      </p:sp>
-      <p:cxnSp>
-        <p:nvCxnSpPr>
-          <p:cNvPr id="25" name="Gerade Verbindung mit Pfeil 24">
-            <a:extLst>
-              <a:ext uri="{FF2B5EF4-FFF2-40B4-BE49-F238E27FC236}">
-                <a16:creationId xmlns:a16="http://schemas.microsoft.com/office/drawing/2014/main" id="{B688CB0E-BEA4-41BF-B9FB-075FC304ADCD}"/>
-              </a:ext>
-            </a:extLst>
-          </p:cNvPr>
-          <p:cNvCxnSpPr>
-            <a:cxnSpLocks/>
-            <a:stCxn id="21" idx="3"/>
-          </p:cNvCxnSpPr>
-          <p:nvPr/>
-        </p:nvCxnSpPr>
-        <p:spPr>
-          <a:xfrm>
-            <a:off x="3724137" y="3059675"/>
-            <a:ext cx="1191693" cy="0"/>
-          </a:xfrm>
-          <a:prstGeom prst="straightConnector1">
-            <a:avLst/>
-          </a:prstGeom>
-          <a:ln>
-            <a:tailEnd type="triangle"/>
-          </a:ln>
-        </p:spPr>
-        <p:style>
-          <a:lnRef idx="1">
-            <a:schemeClr val="accent1"/>
-          </a:lnRef>
-          <a:fillRef idx="0">
-            <a:schemeClr val="accent1"/>
-          </a:fillRef>
-          <a:effectRef idx="0">
-            <a:schemeClr val="accent1"/>
-          </a:effectRef>
-          <a:fontRef idx="minor">
-            <a:schemeClr val="tx1"/>
-          </a:fontRef>
-        </p:style>
-      </p:cxnSp>
-      <mc:AlternateContent xmlns:mc="http://schemas.openxmlformats.org/markup-compatibility/2006" xmlns:a14="http://schemas.microsoft.com/office/drawing/2010/main">
-        <mc:Choice Requires="a14">
-          <p:sp>
-            <p:nvSpPr>
-              <p:cNvPr id="26" name="Textfeld 25">
-                <a:extLst>
-                  <a:ext uri="{FF2B5EF4-FFF2-40B4-BE49-F238E27FC236}">
-                    <a16:creationId xmlns:a16="http://schemas.microsoft.com/office/drawing/2014/main" id="{55DE7200-A6D4-4246-9374-6A5AAED7769F}"/>
-                  </a:ext>
-                </a:extLst>
-              </p:cNvPr>
-              <p:cNvSpPr txBox="1"/>
-              <p:nvPr/>
-            </p:nvSpPr>
-            <p:spPr>
-              <a:xfrm>
-                <a:off x="4090846" y="2735634"/>
-                <a:ext cx="370038" cy="369332"/>
-              </a:xfrm>
-              <a:prstGeom prst="rect">
-                <a:avLst/>
-              </a:prstGeom>
-              <a:noFill/>
-            </p:spPr>
-            <p:txBody>
-              <a:bodyPr wrap="none" rtlCol="0">
-                <a:spAutoFit/>
-              </a:bodyPr>
-              <a:lstStyle/>
-              <a:p>
-                <a:pPr/>
-                <a14:m>
-                  <m:oMathPara xmlns:m="http://schemas.openxmlformats.org/officeDocument/2006/math">
-                    <m:oMathParaPr>
-                      <m:jc m:val="centerGroup"/>
-                    </m:oMathParaPr>
-                    <m:oMath xmlns:m="http://schemas.openxmlformats.org/officeDocument/2006/math">
-                      <m:r>
-                        <a:rPr lang="en-GB" b="0" i="1" dirty="0" smtClean="0">
-                          <a:solidFill>
-                            <a:srgbClr val="FF0000"/>
-                          </a:solidFill>
-                          <a:latin typeface="Cambria Math" panose="02040503050406030204" pitchFamily="18" charset="0"/>
-                        </a:rPr>
-                        <m:t>0</m:t>
-                      </m:r>
-                    </m:oMath>
-                  </m:oMathPara>
-                </a14:m>
-                <a:endParaRPr lang="de-DE" dirty="0"/>
-              </a:p>
-            </p:txBody>
-          </p:sp>
-        </mc:Choice>
-        <mc:Fallback xmlns="">
-          <p:sp>
-            <p:nvSpPr>
-              <p:cNvPr id="26" name="Textfeld 25">
-                <a:extLst>
-                  <a:ext uri="{FF2B5EF4-FFF2-40B4-BE49-F238E27FC236}">
-                    <a16:creationId xmlns:a16="http://schemas.microsoft.com/office/drawing/2014/main" id="{55DE7200-A6D4-4246-9374-6A5AAED7769F}"/>
-                  </a:ext>
-                </a:extLst>
-              </p:cNvPr>
-              <p:cNvSpPr txBox="1">
-                <a:spLocks noRot="1" noChangeAspect="1" noMove="1" noResize="1" noEditPoints="1" noAdjustHandles="1" noChangeArrowheads="1" noChangeShapeType="1" noTextEdit="1"/>
-              </p:cNvSpPr>
-              <p:nvPr/>
-            </p:nvSpPr>
-            <p:spPr>
-              <a:xfrm>
-                <a:off x="4090846" y="2735634"/>
-                <a:ext cx="370038" cy="369332"/>
-              </a:xfrm>
-              <a:prstGeom prst="rect">
-                <a:avLst/>
-              </a:prstGeom>
-              <a:blipFill>
-                <a:blip r:embed="rId2"/>
-                <a:stretch>
-                  <a:fillRect/>
-                </a:stretch>
-              </a:blipFill>
-            </p:spPr>
-            <p:txBody>
-              <a:bodyPr/>
-              <a:lstStyle/>
-              <a:p>
-                <a:r>
-                  <a:rPr lang="de-DE">
-                    <a:noFill/>
-                  </a:rPr>
-                  <a:t> </a:t>
-                </a:r>
-              </a:p>
-            </p:txBody>
-          </p:sp>
-        </mc:Fallback>
-      </mc:AlternateContent>
-      <mc:AlternateContent xmlns:mc="http://schemas.openxmlformats.org/markup-compatibility/2006" xmlns:a14="http://schemas.microsoft.com/office/drawing/2010/main">
-        <mc:Choice Requires="a14">
-          <p:sp>
-            <p:nvSpPr>
-              <p:cNvPr id="27" name="Textfeld 26">
-                <a:extLst>
-                  <a:ext uri="{FF2B5EF4-FFF2-40B4-BE49-F238E27FC236}">
-                    <a16:creationId xmlns:a16="http://schemas.microsoft.com/office/drawing/2014/main" id="{38EDB915-8655-4D58-8169-136DF84328CA}"/>
-                  </a:ext>
-                </a:extLst>
-              </p:cNvPr>
-              <p:cNvSpPr txBox="1"/>
-              <p:nvPr/>
-            </p:nvSpPr>
-            <p:spPr>
-              <a:xfrm>
-                <a:off x="6142756" y="2688116"/>
-                <a:ext cx="370038" cy="369332"/>
-              </a:xfrm>
-              <a:prstGeom prst="rect">
-                <a:avLst/>
-              </a:prstGeom>
-              <a:noFill/>
-            </p:spPr>
-            <p:txBody>
-              <a:bodyPr wrap="none" rtlCol="0">
-                <a:spAutoFit/>
-              </a:bodyPr>
-              <a:lstStyle/>
-              <a:p>
-                <a:pPr/>
-                <a14:m>
-                  <m:oMathPara xmlns:m="http://schemas.openxmlformats.org/officeDocument/2006/math">
-                    <m:oMathParaPr>
-                      <m:jc m:val="centerGroup"/>
-                    </m:oMathParaPr>
-                    <m:oMath xmlns:m="http://schemas.openxmlformats.org/officeDocument/2006/math">
-                      <m:r>
-                        <a:rPr lang="en-GB" b="0" i="1" dirty="0" smtClean="0">
-                          <a:solidFill>
-                            <a:srgbClr val="FF0000"/>
-                          </a:solidFill>
-                          <a:latin typeface="Cambria Math" panose="02040503050406030204" pitchFamily="18" charset="0"/>
-                        </a:rPr>
-                        <m:t>0</m:t>
-                      </m:r>
-                    </m:oMath>
-                  </m:oMathPara>
-                </a14:m>
-                <a:endParaRPr lang="de-DE" dirty="0"/>
-              </a:p>
-            </p:txBody>
-          </p:sp>
-        </mc:Choice>
-        <mc:Fallback xmlns="">
-          <p:sp>
-            <p:nvSpPr>
-              <p:cNvPr id="27" name="Textfeld 26">
-                <a:extLst>
-                  <a:ext uri="{FF2B5EF4-FFF2-40B4-BE49-F238E27FC236}">
-                    <a16:creationId xmlns:a16="http://schemas.microsoft.com/office/drawing/2014/main" id="{38EDB915-8655-4D58-8169-136DF84328CA}"/>
-                  </a:ext>
-                </a:extLst>
-              </p:cNvPr>
-              <p:cNvSpPr txBox="1">
-                <a:spLocks noRot="1" noChangeAspect="1" noMove="1" noResize="1" noEditPoints="1" noAdjustHandles="1" noChangeArrowheads="1" noChangeShapeType="1" noTextEdit="1"/>
-              </p:cNvSpPr>
-              <p:nvPr/>
-            </p:nvSpPr>
-            <p:spPr>
-              <a:xfrm>
-                <a:off x="6142756" y="2688116"/>
-                <a:ext cx="370038" cy="369332"/>
-              </a:xfrm>
-              <a:prstGeom prst="rect">
-                <a:avLst/>
-              </a:prstGeom>
-              <a:blipFill>
-                <a:blip r:embed="rId3"/>
-                <a:stretch>
-                  <a:fillRect/>
-                </a:stretch>
-              </a:blipFill>
-            </p:spPr>
-            <p:txBody>
-              <a:bodyPr/>
-              <a:lstStyle/>
-              <a:p>
-                <a:r>
-                  <a:rPr lang="de-DE">
-                    <a:noFill/>
-                  </a:rPr>
-                  <a:t> </a:t>
-                </a:r>
-              </a:p>
-            </p:txBody>
-          </p:sp>
-        </mc:Fallback>
-      </mc:AlternateContent>
-      <mc:AlternateContent xmlns:mc="http://schemas.openxmlformats.org/markup-compatibility/2006" xmlns:a14="http://schemas.microsoft.com/office/drawing/2010/main">
-        <mc:Choice Requires="a14">
-          <p:sp>
-            <p:nvSpPr>
-              <p:cNvPr id="28" name="Textfeld 27">
-                <a:extLst>
-                  <a:ext uri="{FF2B5EF4-FFF2-40B4-BE49-F238E27FC236}">
-                    <a16:creationId xmlns:a16="http://schemas.microsoft.com/office/drawing/2014/main" id="{905DBC7B-6316-4BF5-B026-B67B8F4AFB61}"/>
-                  </a:ext>
-                </a:extLst>
-              </p:cNvPr>
-              <p:cNvSpPr txBox="1"/>
-              <p:nvPr/>
-            </p:nvSpPr>
-            <p:spPr>
-              <a:xfrm>
-                <a:off x="8181857" y="2704444"/>
-                <a:ext cx="370038" cy="369332"/>
-              </a:xfrm>
-              <a:prstGeom prst="rect">
-                <a:avLst/>
-              </a:prstGeom>
-              <a:noFill/>
-            </p:spPr>
-            <p:txBody>
-              <a:bodyPr wrap="none" rtlCol="0">
-                <a:spAutoFit/>
-              </a:bodyPr>
-              <a:lstStyle/>
-              <a:p>
-                <a:pPr/>
-                <a14:m>
-                  <m:oMathPara xmlns:m="http://schemas.openxmlformats.org/officeDocument/2006/math">
-                    <m:oMathParaPr>
-                      <m:jc m:val="centerGroup"/>
-                    </m:oMathParaPr>
-                    <m:oMath xmlns:m="http://schemas.openxmlformats.org/officeDocument/2006/math">
-                      <m:r>
-                        <a:rPr lang="en-GB" b="0" i="1" dirty="0" smtClean="0">
-                          <a:solidFill>
-                            <a:srgbClr val="FF0000"/>
-                          </a:solidFill>
-                          <a:latin typeface="Cambria Math" panose="02040503050406030204" pitchFamily="18" charset="0"/>
-                        </a:rPr>
-                        <m:t>0</m:t>
-                      </m:r>
-                    </m:oMath>
-                  </m:oMathPara>
-                </a14:m>
-                <a:endParaRPr lang="de-DE" dirty="0"/>
-              </a:p>
-            </p:txBody>
-          </p:sp>
-        </mc:Choice>
-        <mc:Fallback xmlns="">
-          <p:sp>
-            <p:nvSpPr>
-              <p:cNvPr id="28" name="Textfeld 27">
-                <a:extLst>
-                  <a:ext uri="{FF2B5EF4-FFF2-40B4-BE49-F238E27FC236}">
-                    <a16:creationId xmlns:a16="http://schemas.microsoft.com/office/drawing/2014/main" id="{905DBC7B-6316-4BF5-B026-B67B8F4AFB61}"/>
-                  </a:ext>
-                </a:extLst>
-              </p:cNvPr>
-              <p:cNvSpPr txBox="1">
-                <a:spLocks noRot="1" noChangeAspect="1" noMove="1" noResize="1" noEditPoints="1" noAdjustHandles="1" noChangeArrowheads="1" noChangeShapeType="1" noTextEdit="1"/>
-              </p:cNvSpPr>
-              <p:nvPr/>
-            </p:nvSpPr>
-            <p:spPr>
-              <a:xfrm>
-                <a:off x="8181857" y="2704444"/>
-                <a:ext cx="370038" cy="369332"/>
-              </a:xfrm>
-              <a:prstGeom prst="rect">
-                <a:avLst/>
-              </a:prstGeom>
-              <a:blipFill>
-                <a:blip r:embed="rId4"/>
-                <a:stretch>
-                  <a:fillRect/>
-                </a:stretch>
-              </a:blipFill>
-            </p:spPr>
-            <p:txBody>
-              <a:bodyPr/>
-              <a:lstStyle/>
-              <a:p>
-                <a:r>
-                  <a:rPr lang="de-DE">
-                    <a:noFill/>
-                  </a:rPr>
-                  <a:t> </a:t>
-                </a:r>
-              </a:p>
-            </p:txBody>
-          </p:sp>
-        </mc:Fallback>
-      </mc:AlternateContent>
-      <p:cxnSp>
-        <p:nvCxnSpPr>
-          <p:cNvPr id="29" name="Gerade Verbindung mit Pfeil 28">
-            <a:extLst>
-              <a:ext uri="{FF2B5EF4-FFF2-40B4-BE49-F238E27FC236}">
-                <a16:creationId xmlns:a16="http://schemas.microsoft.com/office/drawing/2014/main" id="{FF9C5B1E-F561-4495-81B2-300525953A8C}"/>
-              </a:ext>
-            </a:extLst>
-          </p:cNvPr>
-          <p:cNvCxnSpPr>
-            <a:cxnSpLocks/>
-          </p:cNvCxnSpPr>
-          <p:nvPr/>
-        </p:nvCxnSpPr>
-        <p:spPr>
-          <a:xfrm>
-            <a:off x="5716528" y="3048347"/>
-            <a:ext cx="1222494" cy="9101"/>
-          </a:xfrm>
-          <a:prstGeom prst="straightConnector1">
-            <a:avLst/>
-          </a:prstGeom>
-          <a:ln>
-            <a:tailEnd type="triangle"/>
-          </a:ln>
-        </p:spPr>
-        <p:style>
-          <a:lnRef idx="1">
-            <a:schemeClr val="accent1"/>
-          </a:lnRef>
-          <a:fillRef idx="0">
-            <a:schemeClr val="accent1"/>
-          </a:fillRef>
-          <a:effectRef idx="0">
-            <a:schemeClr val="accent1"/>
-          </a:effectRef>
-          <a:fontRef idx="minor">
-            <a:schemeClr val="tx1"/>
-          </a:fontRef>
-        </p:style>
-      </p:cxnSp>
-      <p:cxnSp>
-        <p:nvCxnSpPr>
-          <p:cNvPr id="30" name="Gerade Verbindung mit Pfeil 29">
-            <a:extLst>
-              <a:ext uri="{FF2B5EF4-FFF2-40B4-BE49-F238E27FC236}">
-                <a16:creationId xmlns:a16="http://schemas.microsoft.com/office/drawing/2014/main" id="{A34692AE-2BF4-4A85-8302-8CBF97B7D367}"/>
-              </a:ext>
-            </a:extLst>
-          </p:cNvPr>
-          <p:cNvCxnSpPr>
-            <a:cxnSpLocks/>
-          </p:cNvCxnSpPr>
-          <p:nvPr/>
-        </p:nvCxnSpPr>
-        <p:spPr>
-          <a:xfrm>
-            <a:off x="7764664" y="3070050"/>
-            <a:ext cx="1222494" cy="9101"/>
-          </a:xfrm>
-          <a:prstGeom prst="straightConnector1">
-            <a:avLst/>
-          </a:prstGeom>
-          <a:ln>
-            <a:tailEnd type="triangle"/>
-          </a:ln>
-        </p:spPr>
-        <p:style>
-          <a:lnRef idx="1">
-            <a:schemeClr val="accent1"/>
-          </a:lnRef>
-          <a:fillRef idx="0">
-            <a:schemeClr val="accent1"/>
-          </a:fillRef>
-          <a:effectRef idx="0">
-            <a:schemeClr val="accent1"/>
-          </a:effectRef>
-          <a:fontRef idx="minor">
-            <a:schemeClr val="tx1"/>
-          </a:fontRef>
-        </p:style>
-      </p:cxnSp>
-      <p:sp>
-        <p:nvSpPr>
-          <p:cNvPr id="31" name="Rechteck 30">
-            <a:extLst>
-              <a:ext uri="{FF2B5EF4-FFF2-40B4-BE49-F238E27FC236}">
-                <a16:creationId xmlns:a16="http://schemas.microsoft.com/office/drawing/2014/main" id="{8260886D-A7D2-4887-BB75-DD33D4374D8A}"/>
-              </a:ext>
-            </a:extLst>
-          </p:cNvPr>
-          <p:cNvSpPr/>
-          <p:nvPr/>
-        </p:nvSpPr>
-        <p:spPr>
-          <a:xfrm>
-            <a:off x="2916269" y="4186779"/>
-            <a:ext cx="807868" cy="648069"/>
-          </a:xfrm>
-          <a:prstGeom prst="rect">
-            <a:avLst/>
-          </a:prstGeom>
-        </p:spPr>
-        <p:style>
-          <a:lnRef idx="2">
-            <a:schemeClr val="accent1">
-              <a:shade val="50000"/>
-            </a:schemeClr>
-          </a:lnRef>
-          <a:fillRef idx="1">
-            <a:schemeClr val="accent1"/>
-          </a:fillRef>
-          <a:effectRef idx="0">
-            <a:schemeClr val="accent1"/>
-          </a:effectRef>
-          <a:fontRef idx="minor">
-            <a:schemeClr val="lt1"/>
-          </a:fontRef>
-        </p:style>
-        <p:txBody>
-          <a:bodyPr rtlCol="0" anchor="ctr"/>
-          <a:lstStyle/>
-          <a:p>
-            <a:pPr algn="ctr"/>
-            <a:r>
-              <a:rPr lang="en-GB" dirty="0"/>
-              <a:t>a</a:t>
-            </a:r>
-            <a:endParaRPr lang="de-DE" dirty="0"/>
-          </a:p>
-        </p:txBody>
-      </p:sp>
-      <p:sp>
-        <p:nvSpPr>
-          <p:cNvPr id="32" name="Rechteck 31">
-            <a:extLst>
-              <a:ext uri="{FF2B5EF4-FFF2-40B4-BE49-F238E27FC236}">
-                <a16:creationId xmlns:a16="http://schemas.microsoft.com/office/drawing/2014/main" id="{460149E7-5BFA-40F5-BA9A-0787A92F9F90}"/>
-              </a:ext>
-            </a:extLst>
-          </p:cNvPr>
-          <p:cNvSpPr/>
-          <p:nvPr/>
-        </p:nvSpPr>
-        <p:spPr>
-          <a:xfrm>
-            <a:off x="4908660" y="4186774"/>
-            <a:ext cx="807868" cy="648069"/>
-          </a:xfrm>
-          <a:prstGeom prst="rect">
-            <a:avLst/>
-          </a:prstGeom>
-        </p:spPr>
-        <p:style>
-          <a:lnRef idx="2">
-            <a:schemeClr val="accent1">
-              <a:shade val="50000"/>
-            </a:schemeClr>
-          </a:lnRef>
-          <a:fillRef idx="1">
-            <a:schemeClr val="accent1"/>
-          </a:fillRef>
-          <a:effectRef idx="0">
-            <a:schemeClr val="accent1"/>
-          </a:effectRef>
-          <a:fontRef idx="minor">
-            <a:schemeClr val="lt1"/>
-          </a:fontRef>
-        </p:style>
-        <p:txBody>
-          <a:bodyPr rtlCol="0" anchor="ctr"/>
-          <a:lstStyle/>
-          <a:p>
-            <a:pPr algn="ctr"/>
-            <a:r>
-              <a:rPr lang="en-GB" dirty="0"/>
-              <a:t>b</a:t>
-            </a:r>
-            <a:endParaRPr lang="de-DE" dirty="0"/>
-          </a:p>
-        </p:txBody>
-      </p:sp>
-      <p:sp>
-        <p:nvSpPr>
-          <p:cNvPr id="33" name="Rechteck 32">
-            <a:extLst>
-              <a:ext uri="{FF2B5EF4-FFF2-40B4-BE49-F238E27FC236}">
-                <a16:creationId xmlns:a16="http://schemas.microsoft.com/office/drawing/2014/main" id="{F68C6096-CEBA-44FD-A89A-213B8D48C232}"/>
-              </a:ext>
-            </a:extLst>
-          </p:cNvPr>
-          <p:cNvSpPr/>
-          <p:nvPr/>
-        </p:nvSpPr>
-        <p:spPr>
-          <a:xfrm>
-            <a:off x="6947909" y="4175451"/>
-            <a:ext cx="807868" cy="648069"/>
-          </a:xfrm>
-          <a:prstGeom prst="rect">
-            <a:avLst/>
-          </a:prstGeom>
-        </p:spPr>
-        <p:style>
-          <a:lnRef idx="2">
-            <a:schemeClr val="accent1">
-              <a:shade val="50000"/>
-            </a:schemeClr>
-          </a:lnRef>
-          <a:fillRef idx="1">
-            <a:schemeClr val="accent1"/>
-          </a:fillRef>
-          <a:effectRef idx="0">
-            <a:schemeClr val="accent1"/>
-          </a:effectRef>
-          <a:fontRef idx="minor">
-            <a:schemeClr val="lt1"/>
-          </a:fontRef>
-        </p:style>
-        <p:txBody>
-          <a:bodyPr rtlCol="0" anchor="ctr"/>
-          <a:lstStyle/>
-          <a:p>
-            <a:pPr algn="ctr"/>
-            <a:r>
-              <a:rPr lang="en-GB" dirty="0"/>
-              <a:t>c</a:t>
-            </a:r>
-            <a:endParaRPr lang="de-DE" dirty="0"/>
-          </a:p>
-        </p:txBody>
-      </p:sp>
-      <p:cxnSp>
-        <p:nvCxnSpPr>
-          <p:cNvPr id="34" name="Gerade Verbindung mit Pfeil 33">
-            <a:extLst>
-              <a:ext uri="{FF2B5EF4-FFF2-40B4-BE49-F238E27FC236}">
-                <a16:creationId xmlns:a16="http://schemas.microsoft.com/office/drawing/2014/main" id="{77EE4649-D693-4532-A061-EC454C559BBA}"/>
-              </a:ext>
-            </a:extLst>
-          </p:cNvPr>
-          <p:cNvCxnSpPr>
-            <a:cxnSpLocks/>
-            <a:stCxn id="31" idx="3"/>
-          </p:cNvCxnSpPr>
-          <p:nvPr/>
-        </p:nvCxnSpPr>
-        <p:spPr>
-          <a:xfrm>
-            <a:off x="3724137" y="4510814"/>
-            <a:ext cx="1191693" cy="0"/>
-          </a:xfrm>
-          <a:prstGeom prst="straightConnector1">
-            <a:avLst/>
-          </a:prstGeom>
-          <a:ln>
-            <a:tailEnd type="triangle"/>
-          </a:ln>
-        </p:spPr>
-        <p:style>
-          <a:lnRef idx="1">
-            <a:schemeClr val="accent1"/>
-          </a:lnRef>
-          <a:fillRef idx="0">
-            <a:schemeClr val="accent1"/>
-          </a:fillRef>
-          <a:effectRef idx="0">
-            <a:schemeClr val="accent1"/>
-          </a:effectRef>
-          <a:fontRef idx="minor">
-            <a:schemeClr val="tx1"/>
-          </a:fontRef>
-        </p:style>
-      </p:cxnSp>
-      <mc:AlternateContent xmlns:mc="http://schemas.openxmlformats.org/markup-compatibility/2006" xmlns:a14="http://schemas.microsoft.com/office/drawing/2010/main">
-        <mc:Choice Requires="a14">
-          <p:sp>
-            <p:nvSpPr>
-              <p:cNvPr id="35" name="Textfeld 34">
-                <a:extLst>
-                  <a:ext uri="{FF2B5EF4-FFF2-40B4-BE49-F238E27FC236}">
-                    <a16:creationId xmlns:a16="http://schemas.microsoft.com/office/drawing/2014/main" id="{E238ABE6-645F-450D-B222-D2E91160B013}"/>
-                  </a:ext>
-                </a:extLst>
-              </p:cNvPr>
-              <p:cNvSpPr txBox="1"/>
-              <p:nvPr/>
-            </p:nvSpPr>
-            <p:spPr>
-              <a:xfrm>
-                <a:off x="4058227" y="4102797"/>
-                <a:ext cx="365805" cy="369332"/>
-              </a:xfrm>
-              <a:prstGeom prst="rect">
-                <a:avLst/>
-              </a:prstGeom>
-              <a:noFill/>
-            </p:spPr>
-            <p:txBody>
-              <a:bodyPr wrap="none" rtlCol="0">
-                <a:spAutoFit/>
-              </a:bodyPr>
-              <a:lstStyle/>
-              <a:p>
-                <a:pPr/>
-                <a14:m>
-                  <m:oMathPara xmlns:m="http://schemas.openxmlformats.org/officeDocument/2006/math">
-                    <m:oMathParaPr>
-                      <m:jc m:val="centerGroup"/>
-                    </m:oMathParaPr>
-                    <m:oMath xmlns:m="http://schemas.openxmlformats.org/officeDocument/2006/math">
-                      <m:r>
-                        <a:rPr lang="en-GB" b="0" i="1" smtClean="0">
-                          <a:solidFill>
-                            <a:srgbClr val="FF0000"/>
-                          </a:solidFill>
-                          <a:latin typeface="Cambria Math" panose="02040503050406030204" pitchFamily="18" charset="0"/>
-                        </a:rPr>
-                        <m:t>3</m:t>
-                      </m:r>
-                    </m:oMath>
-                  </m:oMathPara>
-                </a14:m>
-                <a:endParaRPr lang="de-DE" dirty="0"/>
-              </a:p>
-            </p:txBody>
-          </p:sp>
-        </mc:Choice>
-        <mc:Fallback xmlns="">
-          <p:sp>
-            <p:nvSpPr>
-              <p:cNvPr id="35" name="Textfeld 34">
-                <a:extLst>
-                  <a:ext uri="{FF2B5EF4-FFF2-40B4-BE49-F238E27FC236}">
-                    <a16:creationId xmlns:a16="http://schemas.microsoft.com/office/drawing/2014/main" id="{E238ABE6-645F-450D-B222-D2E91160B013}"/>
-                  </a:ext>
-                </a:extLst>
-              </p:cNvPr>
-              <p:cNvSpPr txBox="1">
-                <a:spLocks noRot="1" noChangeAspect="1" noMove="1" noResize="1" noEditPoints="1" noAdjustHandles="1" noChangeArrowheads="1" noChangeShapeType="1" noTextEdit="1"/>
-              </p:cNvSpPr>
-              <p:nvPr/>
-            </p:nvSpPr>
-            <p:spPr>
-              <a:xfrm>
-                <a:off x="4058227" y="4102797"/>
-                <a:ext cx="365805" cy="369332"/>
-              </a:xfrm>
-              <a:prstGeom prst="rect">
-                <a:avLst/>
-              </a:prstGeom>
-              <a:blipFill>
-                <a:blip r:embed="rId5"/>
-                <a:stretch>
-                  <a:fillRect/>
-                </a:stretch>
-              </a:blipFill>
-            </p:spPr>
-            <p:txBody>
-              <a:bodyPr/>
-              <a:lstStyle/>
-              <a:p>
-                <a:r>
-                  <a:rPr lang="de-DE">
-                    <a:noFill/>
-                  </a:rPr>
-                  <a:t> </a:t>
-                </a:r>
-              </a:p>
-            </p:txBody>
-          </p:sp>
-        </mc:Fallback>
-      </mc:AlternateContent>
-      <mc:AlternateContent xmlns:mc="http://schemas.openxmlformats.org/markup-compatibility/2006" xmlns:a14="http://schemas.microsoft.com/office/drawing/2010/main">
-        <mc:Choice Requires="a14">
-          <p:sp>
-            <p:nvSpPr>
-              <p:cNvPr id="36" name="Textfeld 35">
-                <a:extLst>
-                  <a:ext uri="{FF2B5EF4-FFF2-40B4-BE49-F238E27FC236}">
-                    <a16:creationId xmlns:a16="http://schemas.microsoft.com/office/drawing/2014/main" id="{91688069-4CC7-4A78-9CD5-859F7E070DC8}"/>
-                  </a:ext>
-                </a:extLst>
-              </p:cNvPr>
-              <p:cNvSpPr txBox="1"/>
-              <p:nvPr/>
-            </p:nvSpPr>
-            <p:spPr>
-              <a:xfrm>
-                <a:off x="6152926" y="4130153"/>
-                <a:ext cx="370038" cy="369332"/>
-              </a:xfrm>
-              <a:prstGeom prst="rect">
-                <a:avLst/>
-              </a:prstGeom>
-              <a:noFill/>
-            </p:spPr>
-            <p:txBody>
-              <a:bodyPr wrap="none" rtlCol="0">
-                <a:spAutoFit/>
-              </a:bodyPr>
-              <a:lstStyle/>
-              <a:p>
-                <a:pPr/>
-                <a14:m>
-                  <m:oMathPara xmlns:m="http://schemas.openxmlformats.org/officeDocument/2006/math">
-                    <m:oMathParaPr>
-                      <m:jc m:val="centerGroup"/>
-                    </m:oMathParaPr>
-                    <m:oMath xmlns:m="http://schemas.openxmlformats.org/officeDocument/2006/math">
-                      <m:r>
-                        <a:rPr lang="en-GB" b="0" i="1" dirty="0" smtClean="0">
-                          <a:solidFill>
-                            <a:srgbClr val="FF0000"/>
-                          </a:solidFill>
-                          <a:latin typeface="Cambria Math" panose="02040503050406030204" pitchFamily="18" charset="0"/>
-                        </a:rPr>
-                        <m:t>3</m:t>
-                      </m:r>
-                    </m:oMath>
-                  </m:oMathPara>
-                </a14:m>
-                <a:endParaRPr lang="de-DE" dirty="0"/>
-              </a:p>
-            </p:txBody>
-          </p:sp>
-        </mc:Choice>
-        <mc:Fallback xmlns="">
-          <p:sp>
-            <p:nvSpPr>
-              <p:cNvPr id="36" name="Textfeld 35">
-                <a:extLst>
-                  <a:ext uri="{FF2B5EF4-FFF2-40B4-BE49-F238E27FC236}">
-                    <a16:creationId xmlns:a16="http://schemas.microsoft.com/office/drawing/2014/main" id="{91688069-4CC7-4A78-9CD5-859F7E070DC8}"/>
-                  </a:ext>
-                </a:extLst>
-              </p:cNvPr>
-              <p:cNvSpPr txBox="1">
-                <a:spLocks noRot="1" noChangeAspect="1" noMove="1" noResize="1" noEditPoints="1" noAdjustHandles="1" noChangeArrowheads="1" noChangeShapeType="1" noTextEdit="1"/>
-              </p:cNvSpPr>
-              <p:nvPr/>
-            </p:nvSpPr>
-            <p:spPr>
-              <a:xfrm>
-                <a:off x="6152926" y="4130153"/>
-                <a:ext cx="370038" cy="369332"/>
-              </a:xfrm>
-              <a:prstGeom prst="rect">
-                <a:avLst/>
-              </a:prstGeom>
-              <a:blipFill>
-                <a:blip r:embed="rId6"/>
-                <a:stretch>
-                  <a:fillRect/>
-                </a:stretch>
-              </a:blipFill>
-            </p:spPr>
-            <p:txBody>
-              <a:bodyPr/>
-              <a:lstStyle/>
-              <a:p>
-                <a:r>
-                  <a:rPr lang="de-DE">
-                    <a:noFill/>
-                  </a:rPr>
-                  <a:t> </a:t>
-                </a:r>
-              </a:p>
-            </p:txBody>
-          </p:sp>
-        </mc:Fallback>
-      </mc:AlternateContent>
-      <p:cxnSp>
-        <p:nvCxnSpPr>
-          <p:cNvPr id="37" name="Gerade Verbindung mit Pfeil 36">
-            <a:extLst>
-              <a:ext uri="{FF2B5EF4-FFF2-40B4-BE49-F238E27FC236}">
-                <a16:creationId xmlns:a16="http://schemas.microsoft.com/office/drawing/2014/main" id="{43BB5031-468F-427B-A89E-3617D011C838}"/>
-              </a:ext>
-            </a:extLst>
-          </p:cNvPr>
-          <p:cNvCxnSpPr>
-            <a:cxnSpLocks/>
-          </p:cNvCxnSpPr>
-          <p:nvPr/>
-        </p:nvCxnSpPr>
-        <p:spPr>
-          <a:xfrm>
-            <a:off x="5726698" y="4492559"/>
-            <a:ext cx="1222494" cy="9101"/>
-          </a:xfrm>
-          <a:prstGeom prst="straightConnector1">
-            <a:avLst/>
-          </a:prstGeom>
-          <a:ln>
-            <a:tailEnd type="triangle"/>
-          </a:ln>
-        </p:spPr>
-        <p:style>
-          <a:lnRef idx="1">
-            <a:schemeClr val="accent1"/>
-          </a:lnRef>
-          <a:fillRef idx="0">
-            <a:schemeClr val="accent1"/>
-          </a:fillRef>
-          <a:effectRef idx="0">
-            <a:schemeClr val="accent1"/>
-          </a:effectRef>
-          <a:fontRef idx="minor">
-            <a:schemeClr val="tx1"/>
-          </a:fontRef>
-        </p:style>
-      </p:cxnSp>
-    </p:spTree>
-    <p:extLst>
-      <p:ext uri="{BB962C8B-B14F-4D97-AF65-F5344CB8AC3E}">
-        <p14:creationId xmlns:p14="http://schemas.microsoft.com/office/powerpoint/2010/main" val="3609500446"/>
-      </p:ext>
-    </p:extLst>
-  </p:cSld>
-  <p:clrMapOvr>
-    <a:masterClrMapping/>
-  </p:clrMapOvr>
-</p:sld>
-</file>
-
-<file path=ppt/slides/slide19.xml><?xml version="1.0" encoding="utf-8"?>
-<p:sld xmlns:a="http://schemas.openxmlformats.org/drawingml/2006/main" xmlns:r="http://schemas.openxmlformats.org/officeDocument/2006/relationships" xmlns:p="http://schemas.openxmlformats.org/presentationml/2006/main">
-  <p:cSld>
-    <p:spTree>
-      <p:nvGrpSpPr>
-        <p:cNvPr id="1" name=""/>
-        <p:cNvGrpSpPr/>
-        <p:nvPr/>
-      </p:nvGrpSpPr>
-      <p:grpSpPr>
-        <a:xfrm>
-          <a:off x="0" y="0"/>
-          <a:ext cx="0" cy="0"/>
-          <a:chOff x="0" y="0"/>
-          <a:chExt cx="0" cy="0"/>
-        </a:xfrm>
-      </p:grpSpPr>
-      <p:sp>
-        <p:nvSpPr>
-          <p:cNvPr id="2" name="Titel 1">
-            <a:extLst>
-              <a:ext uri="{FF2B5EF4-FFF2-40B4-BE49-F238E27FC236}">
-                <a16:creationId xmlns:a16="http://schemas.microsoft.com/office/drawing/2014/main" id="{AE4FE81E-DFCB-47DF-B993-4B950C09BF76}"/>
-              </a:ext>
-            </a:extLst>
-          </p:cNvPr>
-          <p:cNvSpPr>
-            <a:spLocks noGrp="1"/>
-          </p:cNvSpPr>
-          <p:nvPr>
-            <p:ph type="title"/>
-          </p:nvPr>
-        </p:nvSpPr>
-        <p:spPr/>
-        <p:txBody>
-          <a:bodyPr/>
-          <a:lstStyle/>
-          <a:p>
-            <a:endParaRPr lang="de-DE"/>
-          </a:p>
-        </p:txBody>
-      </p:sp>
-      <p:sp>
-        <p:nvSpPr>
-          <p:cNvPr id="3" name="Inhaltsplatzhalter 2">
-            <a:extLst>
-              <a:ext uri="{FF2B5EF4-FFF2-40B4-BE49-F238E27FC236}">
-                <a16:creationId xmlns:a16="http://schemas.microsoft.com/office/drawing/2014/main" id="{2BDAAB2B-CE98-4193-B4C4-D70550720FD3}"/>
-              </a:ext>
-            </a:extLst>
-          </p:cNvPr>
-          <p:cNvSpPr>
-            <a:spLocks noGrp="1"/>
-          </p:cNvSpPr>
-          <p:nvPr>
-            <p:ph idx="1"/>
-          </p:nvPr>
-        </p:nvSpPr>
-        <p:spPr>
-          <a:xfrm>
-            <a:off x="838200" y="365125"/>
-            <a:ext cx="10515600" cy="5811838"/>
-          </a:xfrm>
-        </p:spPr>
-        <p:txBody>
-          <a:bodyPr/>
-          <a:lstStyle/>
-          <a:p>
-            <a:pPr marL="0" indent="0">
-              <a:buNone/>
-            </a:pPr>
-            <a:r>
-              <a:rPr lang="en-GB" dirty="0">
-                <a:solidFill>
-                  <a:srgbClr val="92D050"/>
-                </a:solidFill>
-              </a:rPr>
-              <a:t>length</a:t>
-            </a:r>
-            <a:endParaRPr lang="de-DE" dirty="0">
-              <a:solidFill>
-                <a:srgbClr val="92D050"/>
-              </a:solidFill>
-            </a:endParaRPr>
-          </a:p>
-        </p:txBody>
-      </p:sp>
-      <p:sp>
-        <p:nvSpPr>
-          <p:cNvPr id="21" name="Rechteck 20">
-            <a:extLst>
-              <a:ext uri="{FF2B5EF4-FFF2-40B4-BE49-F238E27FC236}">
-                <a16:creationId xmlns:a16="http://schemas.microsoft.com/office/drawing/2014/main" id="{054E3F04-AFC1-44AC-A8EC-C1EE6EBA80C9}"/>
-              </a:ext>
-            </a:extLst>
-          </p:cNvPr>
-          <p:cNvSpPr/>
-          <p:nvPr/>
-        </p:nvSpPr>
-        <p:spPr>
-          <a:xfrm>
-            <a:off x="2916269" y="2735640"/>
-            <a:ext cx="807868" cy="648069"/>
-          </a:xfrm>
-          <a:prstGeom prst="rect">
-            <a:avLst/>
-          </a:prstGeom>
-        </p:spPr>
-        <p:style>
-          <a:lnRef idx="2">
-            <a:schemeClr val="accent1">
-              <a:shade val="50000"/>
-            </a:schemeClr>
-          </a:lnRef>
-          <a:fillRef idx="1">
-            <a:schemeClr val="accent1"/>
-          </a:fillRef>
-          <a:effectRef idx="0">
-            <a:schemeClr val="accent1"/>
-          </a:effectRef>
-          <a:fontRef idx="minor">
-            <a:schemeClr val="lt1"/>
-          </a:fontRef>
-        </p:style>
-        <p:txBody>
-          <a:bodyPr rtlCol="0" anchor="ctr"/>
-          <a:lstStyle/>
-          <a:p>
-            <a:pPr algn="ctr"/>
-            <a:r>
-              <a:rPr lang="en-GB" dirty="0"/>
-              <a:t>a</a:t>
-            </a:r>
-            <a:endParaRPr lang="de-DE" dirty="0"/>
-          </a:p>
-        </p:txBody>
-      </p:sp>
-      <p:sp>
-        <p:nvSpPr>
-          <p:cNvPr id="39" name="Rechteck 38">
-            <a:extLst>
-              <a:ext uri="{FF2B5EF4-FFF2-40B4-BE49-F238E27FC236}">
-                <a16:creationId xmlns:a16="http://schemas.microsoft.com/office/drawing/2014/main" id="{522E7CB0-FF30-461A-9B64-31AD3D2DB6F6}"/>
-              </a:ext>
-            </a:extLst>
-          </p:cNvPr>
-          <p:cNvSpPr/>
-          <p:nvPr/>
-        </p:nvSpPr>
-        <p:spPr>
-          <a:xfrm>
-            <a:off x="4908660" y="2735635"/>
-            <a:ext cx="807868" cy="648069"/>
-          </a:xfrm>
-          <a:prstGeom prst="rect">
-            <a:avLst/>
-          </a:prstGeom>
-        </p:spPr>
-        <p:style>
-          <a:lnRef idx="2">
-            <a:schemeClr val="accent1">
-              <a:shade val="50000"/>
-            </a:schemeClr>
-          </a:lnRef>
-          <a:fillRef idx="1">
-            <a:schemeClr val="accent1"/>
-          </a:fillRef>
-          <a:effectRef idx="0">
-            <a:schemeClr val="accent1"/>
-          </a:effectRef>
-          <a:fontRef idx="minor">
-            <a:schemeClr val="lt1"/>
-          </a:fontRef>
-        </p:style>
-        <p:txBody>
-          <a:bodyPr rtlCol="0" anchor="ctr"/>
-          <a:lstStyle/>
-          <a:p>
-            <a:pPr algn="ctr"/>
-            <a:r>
-              <a:rPr lang="en-GB" dirty="0"/>
-              <a:t>b</a:t>
-            </a:r>
-            <a:endParaRPr lang="de-DE" dirty="0"/>
-          </a:p>
-        </p:txBody>
-      </p:sp>
-      <p:sp>
-        <p:nvSpPr>
-          <p:cNvPr id="40" name="Rechteck 39">
-            <a:extLst>
-              <a:ext uri="{FF2B5EF4-FFF2-40B4-BE49-F238E27FC236}">
-                <a16:creationId xmlns:a16="http://schemas.microsoft.com/office/drawing/2014/main" id="{7EFDB510-AA53-4E10-80C8-5B3A6A7B980C}"/>
-              </a:ext>
-            </a:extLst>
-          </p:cNvPr>
-          <p:cNvSpPr/>
-          <p:nvPr/>
-        </p:nvSpPr>
-        <p:spPr>
-          <a:xfrm>
-            <a:off x="6947909" y="2724312"/>
-            <a:ext cx="807868" cy="648069"/>
-          </a:xfrm>
-          <a:prstGeom prst="rect">
-            <a:avLst/>
-          </a:prstGeom>
-        </p:spPr>
-        <p:style>
-          <a:lnRef idx="2">
-            <a:schemeClr val="accent1">
-              <a:shade val="50000"/>
-            </a:schemeClr>
-          </a:lnRef>
-          <a:fillRef idx="1">
-            <a:schemeClr val="accent1"/>
-          </a:fillRef>
-          <a:effectRef idx="0">
-            <a:schemeClr val="accent1"/>
-          </a:effectRef>
-          <a:fontRef idx="minor">
-            <a:schemeClr val="lt1"/>
-          </a:fontRef>
-        </p:style>
-        <p:txBody>
-          <a:bodyPr rtlCol="0" anchor="ctr"/>
-          <a:lstStyle/>
-          <a:p>
-            <a:pPr algn="ctr"/>
-            <a:r>
-              <a:rPr lang="en-GB" dirty="0"/>
-              <a:t>c</a:t>
-            </a:r>
-            <a:endParaRPr lang="de-DE" dirty="0"/>
-          </a:p>
-        </p:txBody>
-      </p:sp>
-      <p:sp>
-        <p:nvSpPr>
-          <p:cNvPr id="41" name="Rechteck 40">
-            <a:extLst>
-              <a:ext uri="{FF2B5EF4-FFF2-40B4-BE49-F238E27FC236}">
-                <a16:creationId xmlns:a16="http://schemas.microsoft.com/office/drawing/2014/main" id="{C638465B-8AD3-467B-94A5-92638FF86A1B}"/>
-              </a:ext>
-            </a:extLst>
-          </p:cNvPr>
-          <p:cNvSpPr/>
-          <p:nvPr/>
-        </p:nvSpPr>
-        <p:spPr>
-          <a:xfrm>
-            <a:off x="8998612" y="2780931"/>
-            <a:ext cx="807868" cy="648069"/>
-          </a:xfrm>
-          <a:prstGeom prst="rect">
-            <a:avLst/>
-          </a:prstGeom>
-        </p:spPr>
-        <p:style>
-          <a:lnRef idx="2">
-            <a:schemeClr val="accent1">
-              <a:shade val="50000"/>
-            </a:schemeClr>
-          </a:lnRef>
-          <a:fillRef idx="1">
-            <a:schemeClr val="accent1"/>
-          </a:fillRef>
-          <a:effectRef idx="0">
-            <a:schemeClr val="accent1"/>
-          </a:effectRef>
-          <a:fontRef idx="minor">
-            <a:schemeClr val="lt1"/>
-          </a:fontRef>
-        </p:style>
-        <p:txBody>
-          <a:bodyPr rtlCol="0" anchor="ctr"/>
-          <a:lstStyle/>
-          <a:p>
-            <a:pPr algn="ctr"/>
-            <a:r>
-              <a:rPr lang="en-GB" dirty="0"/>
-              <a:t>d</a:t>
-            </a:r>
-            <a:endParaRPr lang="de-DE" dirty="0"/>
-          </a:p>
-        </p:txBody>
-      </p:sp>
-      <p:cxnSp>
-        <p:nvCxnSpPr>
-          <p:cNvPr id="42" name="Gerade Verbindung mit Pfeil 41">
-            <a:extLst>
-              <a:ext uri="{FF2B5EF4-FFF2-40B4-BE49-F238E27FC236}">
-                <a16:creationId xmlns:a16="http://schemas.microsoft.com/office/drawing/2014/main" id="{DB1CB7D1-BFC9-43DA-A7A2-B08E7C0BAE16}"/>
-              </a:ext>
-            </a:extLst>
-          </p:cNvPr>
-          <p:cNvCxnSpPr>
-            <a:cxnSpLocks/>
-            <a:stCxn id="21" idx="3"/>
-          </p:cNvCxnSpPr>
-          <p:nvPr/>
-        </p:nvCxnSpPr>
-        <p:spPr>
-          <a:xfrm>
-            <a:off x="3724137" y="3059675"/>
-            <a:ext cx="1191693" cy="0"/>
-          </a:xfrm>
-          <a:prstGeom prst="straightConnector1">
-            <a:avLst/>
-          </a:prstGeom>
-          <a:ln>
-            <a:tailEnd type="triangle"/>
-          </a:ln>
-        </p:spPr>
-        <p:style>
-          <a:lnRef idx="1">
-            <a:schemeClr val="accent1"/>
-          </a:lnRef>
-          <a:fillRef idx="0">
-            <a:schemeClr val="accent1"/>
-          </a:fillRef>
-          <a:effectRef idx="0">
-            <a:schemeClr val="accent1"/>
-          </a:effectRef>
-          <a:fontRef idx="minor">
-            <a:schemeClr val="tx1"/>
-          </a:fontRef>
-        </p:style>
-      </p:cxnSp>
-      <mc:AlternateContent xmlns:mc="http://schemas.openxmlformats.org/markup-compatibility/2006" xmlns:a14="http://schemas.microsoft.com/office/drawing/2010/main">
-        <mc:Choice Requires="a14">
-          <p:sp>
-            <p:nvSpPr>
-              <p:cNvPr id="43" name="Textfeld 42">
-                <a:extLst>
-                  <a:ext uri="{FF2B5EF4-FFF2-40B4-BE49-F238E27FC236}">
-                    <a16:creationId xmlns:a16="http://schemas.microsoft.com/office/drawing/2014/main" id="{835F9439-9489-4FA1-82EA-5D6CC8486FE0}"/>
-                  </a:ext>
-                </a:extLst>
-              </p:cNvPr>
-              <p:cNvSpPr txBox="1"/>
-              <p:nvPr/>
-            </p:nvSpPr>
-            <p:spPr>
-              <a:xfrm>
-                <a:off x="4090846" y="2735634"/>
-                <a:ext cx="370038" cy="369332"/>
-              </a:xfrm>
-              <a:prstGeom prst="rect">
-                <a:avLst/>
-              </a:prstGeom>
-              <a:noFill/>
-            </p:spPr>
-            <p:txBody>
-              <a:bodyPr wrap="none" rtlCol="0">
-                <a:spAutoFit/>
-              </a:bodyPr>
-              <a:lstStyle/>
-              <a:p>
-                <a:pPr/>
-                <a14:m>
-                  <m:oMathPara xmlns:m="http://schemas.openxmlformats.org/officeDocument/2006/math">
-                    <m:oMathParaPr>
-                      <m:jc m:val="centerGroup"/>
-                    </m:oMathParaPr>
-                    <m:oMath xmlns:m="http://schemas.openxmlformats.org/officeDocument/2006/math">
-                      <m:r>
-                        <a:rPr lang="de-DE" i="1" dirty="0" smtClean="0">
-                          <a:solidFill>
-                            <a:srgbClr val="92D050"/>
-                          </a:solidFill>
-                          <a:latin typeface="Cambria Math" panose="02040503050406030204" pitchFamily="18" charset="0"/>
-                        </a:rPr>
-                        <m:t>𝛿</m:t>
-                      </m:r>
-                    </m:oMath>
-                  </m:oMathPara>
-                </a14:m>
-                <a:endParaRPr lang="de-DE" dirty="0"/>
-              </a:p>
-            </p:txBody>
-          </p:sp>
-        </mc:Choice>
-        <mc:Fallback xmlns="">
-          <p:sp>
-            <p:nvSpPr>
-              <p:cNvPr id="43" name="Textfeld 42">
-                <a:extLst>
-                  <a:ext uri="{FF2B5EF4-FFF2-40B4-BE49-F238E27FC236}">
-                    <a16:creationId xmlns:a16="http://schemas.microsoft.com/office/drawing/2014/main" id="{835F9439-9489-4FA1-82EA-5D6CC8486FE0}"/>
-                  </a:ext>
-                </a:extLst>
-              </p:cNvPr>
-              <p:cNvSpPr txBox="1">
-                <a:spLocks noRot="1" noChangeAspect="1" noMove="1" noResize="1" noEditPoints="1" noAdjustHandles="1" noChangeArrowheads="1" noChangeShapeType="1" noTextEdit="1"/>
-              </p:cNvSpPr>
-              <p:nvPr/>
-            </p:nvSpPr>
-            <p:spPr>
-              <a:xfrm>
-                <a:off x="4090846" y="2735634"/>
-                <a:ext cx="370038" cy="369332"/>
-              </a:xfrm>
-              <a:prstGeom prst="rect">
-                <a:avLst/>
-              </a:prstGeom>
-              <a:blipFill>
-                <a:blip r:embed="rId2"/>
-                <a:stretch>
-                  <a:fillRect/>
-                </a:stretch>
-              </a:blipFill>
-            </p:spPr>
-            <p:txBody>
-              <a:bodyPr/>
-              <a:lstStyle/>
-              <a:p>
-                <a:r>
-                  <a:rPr lang="de-DE">
-                    <a:noFill/>
-                  </a:rPr>
-                  <a:t> </a:t>
-                </a:r>
-              </a:p>
-            </p:txBody>
-          </p:sp>
-        </mc:Fallback>
-      </mc:AlternateContent>
-      <mc:AlternateContent xmlns:mc="http://schemas.openxmlformats.org/markup-compatibility/2006" xmlns:a14="http://schemas.microsoft.com/office/drawing/2010/main">
-        <mc:Choice Requires="a14">
-          <p:sp>
-            <p:nvSpPr>
-              <p:cNvPr id="44" name="Textfeld 43">
-                <a:extLst>
-                  <a:ext uri="{FF2B5EF4-FFF2-40B4-BE49-F238E27FC236}">
-                    <a16:creationId xmlns:a16="http://schemas.microsoft.com/office/drawing/2014/main" id="{7768A08D-E10D-48B9-88AB-D633A726CD65}"/>
-                  </a:ext>
-                </a:extLst>
-              </p:cNvPr>
-              <p:cNvSpPr txBox="1"/>
-              <p:nvPr/>
-            </p:nvSpPr>
-            <p:spPr>
-              <a:xfrm>
-                <a:off x="6142756" y="2688116"/>
-                <a:ext cx="370038" cy="369332"/>
-              </a:xfrm>
-              <a:prstGeom prst="rect">
-                <a:avLst/>
-              </a:prstGeom>
-              <a:noFill/>
-            </p:spPr>
-            <p:txBody>
-              <a:bodyPr wrap="none" rtlCol="0">
-                <a:spAutoFit/>
-              </a:bodyPr>
-              <a:lstStyle/>
-              <a:p>
-                <a:pPr/>
-                <a14:m>
-                  <m:oMathPara xmlns:m="http://schemas.openxmlformats.org/officeDocument/2006/math">
-                    <m:oMathParaPr>
-                      <m:jc m:val="centerGroup"/>
-                    </m:oMathParaPr>
-                    <m:oMath xmlns:m="http://schemas.openxmlformats.org/officeDocument/2006/math">
-                      <m:r>
-                        <a:rPr lang="de-DE" i="1" dirty="0">
-                          <a:solidFill>
-                            <a:srgbClr val="92D050"/>
-                          </a:solidFill>
-                          <a:latin typeface="Cambria Math" panose="02040503050406030204" pitchFamily="18" charset="0"/>
-                        </a:rPr>
-                        <m:t>𝛿</m:t>
-                      </m:r>
-                    </m:oMath>
-                  </m:oMathPara>
-                </a14:m>
-                <a:endParaRPr lang="de-DE" dirty="0"/>
-              </a:p>
-            </p:txBody>
-          </p:sp>
-        </mc:Choice>
-        <mc:Fallback xmlns="">
-          <p:sp>
-            <p:nvSpPr>
-              <p:cNvPr id="44" name="Textfeld 43">
-                <a:extLst>
-                  <a:ext uri="{FF2B5EF4-FFF2-40B4-BE49-F238E27FC236}">
-                    <a16:creationId xmlns:a16="http://schemas.microsoft.com/office/drawing/2014/main" id="{7768A08D-E10D-48B9-88AB-D633A726CD65}"/>
-                  </a:ext>
-                </a:extLst>
-              </p:cNvPr>
-              <p:cNvSpPr txBox="1">
-                <a:spLocks noRot="1" noChangeAspect="1" noMove="1" noResize="1" noEditPoints="1" noAdjustHandles="1" noChangeArrowheads="1" noChangeShapeType="1" noTextEdit="1"/>
-              </p:cNvSpPr>
-              <p:nvPr/>
-            </p:nvSpPr>
-            <p:spPr>
-              <a:xfrm>
-                <a:off x="6142756" y="2688116"/>
-                <a:ext cx="370038" cy="369332"/>
-              </a:xfrm>
-              <a:prstGeom prst="rect">
-                <a:avLst/>
-              </a:prstGeom>
-              <a:blipFill>
-                <a:blip r:embed="rId3"/>
-                <a:stretch>
-                  <a:fillRect/>
-                </a:stretch>
-              </a:blipFill>
-            </p:spPr>
-            <p:txBody>
-              <a:bodyPr/>
-              <a:lstStyle/>
-              <a:p>
-                <a:r>
-                  <a:rPr lang="de-DE">
-                    <a:noFill/>
-                  </a:rPr>
-                  <a:t> </a:t>
-                </a:r>
-              </a:p>
-            </p:txBody>
-          </p:sp>
-        </mc:Fallback>
-      </mc:AlternateContent>
-      <mc:AlternateContent xmlns:mc="http://schemas.openxmlformats.org/markup-compatibility/2006" xmlns:a14="http://schemas.microsoft.com/office/drawing/2010/main">
-        <mc:Choice Requires="a14">
-          <p:sp>
-            <p:nvSpPr>
-              <p:cNvPr id="45" name="Textfeld 44">
-                <a:extLst>
-                  <a:ext uri="{FF2B5EF4-FFF2-40B4-BE49-F238E27FC236}">
-                    <a16:creationId xmlns:a16="http://schemas.microsoft.com/office/drawing/2014/main" id="{8968F470-C33C-4ED3-9D96-327F6ECF939C}"/>
-                  </a:ext>
-                </a:extLst>
-              </p:cNvPr>
-              <p:cNvSpPr txBox="1"/>
-              <p:nvPr/>
-            </p:nvSpPr>
-            <p:spPr>
-              <a:xfrm>
-                <a:off x="8181857" y="2704444"/>
-                <a:ext cx="370038" cy="369332"/>
-              </a:xfrm>
-              <a:prstGeom prst="rect">
-                <a:avLst/>
-              </a:prstGeom>
-              <a:noFill/>
-            </p:spPr>
-            <p:txBody>
-              <a:bodyPr wrap="none" rtlCol="0">
-                <a:spAutoFit/>
-              </a:bodyPr>
-              <a:lstStyle/>
-              <a:p>
-                <a:pPr/>
-                <a14:m>
-                  <m:oMathPara xmlns:m="http://schemas.openxmlformats.org/officeDocument/2006/math">
-                    <m:oMathParaPr>
-                      <m:jc m:val="centerGroup"/>
-                    </m:oMathParaPr>
-                    <m:oMath xmlns:m="http://schemas.openxmlformats.org/officeDocument/2006/math">
-                      <m:r>
-                        <a:rPr lang="de-DE" i="1" dirty="0">
-                          <a:solidFill>
-                            <a:srgbClr val="92D050"/>
-                          </a:solidFill>
-                          <a:latin typeface="Cambria Math" panose="02040503050406030204" pitchFamily="18" charset="0"/>
-                        </a:rPr>
-                        <m:t>𝛿</m:t>
-                      </m:r>
-                    </m:oMath>
-                  </m:oMathPara>
-                </a14:m>
-                <a:endParaRPr lang="de-DE" dirty="0"/>
-              </a:p>
-            </p:txBody>
-          </p:sp>
-        </mc:Choice>
-        <mc:Fallback xmlns="">
-          <p:sp>
-            <p:nvSpPr>
-              <p:cNvPr id="45" name="Textfeld 44">
-                <a:extLst>
-                  <a:ext uri="{FF2B5EF4-FFF2-40B4-BE49-F238E27FC236}">
-                    <a16:creationId xmlns:a16="http://schemas.microsoft.com/office/drawing/2014/main" id="{8968F470-C33C-4ED3-9D96-327F6ECF939C}"/>
-                  </a:ext>
-                </a:extLst>
-              </p:cNvPr>
-              <p:cNvSpPr txBox="1">
-                <a:spLocks noRot="1" noChangeAspect="1" noMove="1" noResize="1" noEditPoints="1" noAdjustHandles="1" noChangeArrowheads="1" noChangeShapeType="1" noTextEdit="1"/>
-              </p:cNvSpPr>
-              <p:nvPr/>
-            </p:nvSpPr>
-            <p:spPr>
-              <a:xfrm>
-                <a:off x="8181857" y="2704444"/>
-                <a:ext cx="370038" cy="369332"/>
-              </a:xfrm>
-              <a:prstGeom prst="rect">
-                <a:avLst/>
-              </a:prstGeom>
-              <a:blipFill>
-                <a:blip r:embed="rId4"/>
-                <a:stretch>
-                  <a:fillRect/>
-                </a:stretch>
-              </a:blipFill>
-            </p:spPr>
-            <p:txBody>
-              <a:bodyPr/>
-              <a:lstStyle/>
-              <a:p>
-                <a:r>
-                  <a:rPr lang="de-DE">
-                    <a:noFill/>
-                  </a:rPr>
-                  <a:t> </a:t>
-                </a:r>
-              </a:p>
-            </p:txBody>
-          </p:sp>
-        </mc:Fallback>
-      </mc:AlternateContent>
-      <p:cxnSp>
-        <p:nvCxnSpPr>
-          <p:cNvPr id="46" name="Gerade Verbindung mit Pfeil 45">
-            <a:extLst>
-              <a:ext uri="{FF2B5EF4-FFF2-40B4-BE49-F238E27FC236}">
-                <a16:creationId xmlns:a16="http://schemas.microsoft.com/office/drawing/2014/main" id="{1D16E349-3317-4E7E-99B7-F665F53E221A}"/>
-              </a:ext>
-            </a:extLst>
-          </p:cNvPr>
-          <p:cNvCxnSpPr>
-            <a:cxnSpLocks/>
-          </p:cNvCxnSpPr>
-          <p:nvPr/>
-        </p:nvCxnSpPr>
-        <p:spPr>
-          <a:xfrm>
-            <a:off x="5716528" y="3048347"/>
-            <a:ext cx="1222494" cy="9101"/>
-          </a:xfrm>
-          <a:prstGeom prst="straightConnector1">
-            <a:avLst/>
-          </a:prstGeom>
-          <a:ln>
-            <a:tailEnd type="triangle"/>
-          </a:ln>
-        </p:spPr>
-        <p:style>
-          <a:lnRef idx="1">
-            <a:schemeClr val="accent1"/>
-          </a:lnRef>
-          <a:fillRef idx="0">
-            <a:schemeClr val="accent1"/>
-          </a:fillRef>
-          <a:effectRef idx="0">
-            <a:schemeClr val="accent1"/>
-          </a:effectRef>
-          <a:fontRef idx="minor">
-            <a:schemeClr val="tx1"/>
-          </a:fontRef>
-        </p:style>
-      </p:cxnSp>
-      <p:cxnSp>
-        <p:nvCxnSpPr>
-          <p:cNvPr id="47" name="Gerade Verbindung mit Pfeil 46">
-            <a:extLst>
-              <a:ext uri="{FF2B5EF4-FFF2-40B4-BE49-F238E27FC236}">
-                <a16:creationId xmlns:a16="http://schemas.microsoft.com/office/drawing/2014/main" id="{3DEF08A8-92B6-4526-AFF8-9A940744AE67}"/>
-              </a:ext>
-            </a:extLst>
-          </p:cNvPr>
-          <p:cNvCxnSpPr>
-            <a:cxnSpLocks/>
-          </p:cNvCxnSpPr>
-          <p:nvPr/>
-        </p:nvCxnSpPr>
-        <p:spPr>
-          <a:xfrm>
-            <a:off x="7764664" y="3070050"/>
-            <a:ext cx="1222494" cy="9101"/>
-          </a:xfrm>
-          <a:prstGeom prst="straightConnector1">
-            <a:avLst/>
-          </a:prstGeom>
-          <a:ln>
-            <a:tailEnd type="triangle"/>
-          </a:ln>
-        </p:spPr>
-        <p:style>
-          <a:lnRef idx="1">
-            <a:schemeClr val="accent1"/>
-          </a:lnRef>
-          <a:fillRef idx="0">
-            <a:schemeClr val="accent1"/>
-          </a:fillRef>
-          <a:effectRef idx="0">
-            <a:schemeClr val="accent1"/>
-          </a:effectRef>
-          <a:fontRef idx="minor">
-            <a:schemeClr val="tx1"/>
-          </a:fontRef>
-        </p:style>
-      </p:cxnSp>
-      <p:sp>
-        <p:nvSpPr>
-          <p:cNvPr id="48" name="Rechteck 47">
-            <a:extLst>
-              <a:ext uri="{FF2B5EF4-FFF2-40B4-BE49-F238E27FC236}">
-                <a16:creationId xmlns:a16="http://schemas.microsoft.com/office/drawing/2014/main" id="{D930E6C0-5EE0-48BC-A9FF-A57FC2C8C0BE}"/>
-              </a:ext>
-            </a:extLst>
-          </p:cNvPr>
-          <p:cNvSpPr/>
-          <p:nvPr/>
-        </p:nvSpPr>
-        <p:spPr>
-          <a:xfrm>
-            <a:off x="2916269" y="4186779"/>
-            <a:ext cx="807868" cy="648069"/>
-          </a:xfrm>
-          <a:prstGeom prst="rect">
-            <a:avLst/>
-          </a:prstGeom>
-        </p:spPr>
-        <p:style>
-          <a:lnRef idx="2">
-            <a:schemeClr val="accent1">
-              <a:shade val="50000"/>
-            </a:schemeClr>
-          </a:lnRef>
-          <a:fillRef idx="1">
-            <a:schemeClr val="accent1"/>
-          </a:fillRef>
-          <a:effectRef idx="0">
-            <a:schemeClr val="accent1"/>
-          </a:effectRef>
-          <a:fontRef idx="minor">
-            <a:schemeClr val="lt1"/>
-          </a:fontRef>
-        </p:style>
-        <p:txBody>
-          <a:bodyPr rtlCol="0" anchor="ctr"/>
-          <a:lstStyle/>
-          <a:p>
-            <a:pPr algn="ctr"/>
-            <a:r>
-              <a:rPr lang="en-GB" dirty="0"/>
-              <a:t>a</a:t>
-            </a:r>
-            <a:endParaRPr lang="de-DE" dirty="0"/>
-          </a:p>
-        </p:txBody>
-      </p:sp>
-      <p:sp>
-        <p:nvSpPr>
-          <p:cNvPr id="49" name="Rechteck 48">
-            <a:extLst>
-              <a:ext uri="{FF2B5EF4-FFF2-40B4-BE49-F238E27FC236}">
-                <a16:creationId xmlns:a16="http://schemas.microsoft.com/office/drawing/2014/main" id="{26E4EF1D-EFEB-43B7-894D-07424CDD01E7}"/>
-              </a:ext>
-            </a:extLst>
-          </p:cNvPr>
-          <p:cNvSpPr/>
-          <p:nvPr/>
-        </p:nvSpPr>
-        <p:spPr>
-          <a:xfrm>
-            <a:off x="4908660" y="4186774"/>
-            <a:ext cx="807868" cy="648069"/>
-          </a:xfrm>
-          <a:prstGeom prst="rect">
-            <a:avLst/>
-          </a:prstGeom>
-        </p:spPr>
-        <p:style>
-          <a:lnRef idx="2">
-            <a:schemeClr val="accent1">
-              <a:shade val="50000"/>
-            </a:schemeClr>
-          </a:lnRef>
-          <a:fillRef idx="1">
-            <a:schemeClr val="accent1"/>
-          </a:fillRef>
-          <a:effectRef idx="0">
-            <a:schemeClr val="accent1"/>
-          </a:effectRef>
-          <a:fontRef idx="minor">
-            <a:schemeClr val="lt1"/>
-          </a:fontRef>
-        </p:style>
-        <p:txBody>
-          <a:bodyPr rtlCol="0" anchor="ctr"/>
-          <a:lstStyle/>
-          <a:p>
-            <a:pPr algn="ctr"/>
-            <a:r>
-              <a:rPr lang="en-GB" dirty="0"/>
-              <a:t>b</a:t>
-            </a:r>
-            <a:endParaRPr lang="de-DE" dirty="0"/>
-          </a:p>
-        </p:txBody>
-      </p:sp>
-      <p:sp>
-        <p:nvSpPr>
-          <p:cNvPr id="50" name="Rechteck 49">
-            <a:extLst>
-              <a:ext uri="{FF2B5EF4-FFF2-40B4-BE49-F238E27FC236}">
-                <a16:creationId xmlns:a16="http://schemas.microsoft.com/office/drawing/2014/main" id="{44F5E53F-BE64-4089-ACF4-667FD2D13593}"/>
-              </a:ext>
-            </a:extLst>
-          </p:cNvPr>
-          <p:cNvSpPr/>
-          <p:nvPr/>
-        </p:nvSpPr>
-        <p:spPr>
-          <a:xfrm>
-            <a:off x="6947909" y="4175451"/>
-            <a:ext cx="807868" cy="648069"/>
-          </a:xfrm>
-          <a:prstGeom prst="rect">
-            <a:avLst/>
-          </a:prstGeom>
-        </p:spPr>
-        <p:style>
-          <a:lnRef idx="2">
-            <a:schemeClr val="accent1">
-              <a:shade val="50000"/>
-            </a:schemeClr>
-          </a:lnRef>
-          <a:fillRef idx="1">
-            <a:schemeClr val="accent1"/>
-          </a:fillRef>
-          <a:effectRef idx="0">
-            <a:schemeClr val="accent1"/>
-          </a:effectRef>
-          <a:fontRef idx="minor">
-            <a:schemeClr val="lt1"/>
-          </a:fontRef>
-        </p:style>
-        <p:txBody>
-          <a:bodyPr rtlCol="0" anchor="ctr"/>
-          <a:lstStyle/>
-          <a:p>
-            <a:pPr algn="ctr"/>
-            <a:r>
-              <a:rPr lang="en-GB" dirty="0"/>
-              <a:t>c</a:t>
-            </a:r>
-            <a:endParaRPr lang="de-DE" dirty="0"/>
-          </a:p>
-        </p:txBody>
-      </p:sp>
-      <p:cxnSp>
-        <p:nvCxnSpPr>
-          <p:cNvPr id="51" name="Gerade Verbindung mit Pfeil 50">
-            <a:extLst>
-              <a:ext uri="{FF2B5EF4-FFF2-40B4-BE49-F238E27FC236}">
-                <a16:creationId xmlns:a16="http://schemas.microsoft.com/office/drawing/2014/main" id="{3FCB5EC0-D8CF-461C-AD60-2E7C263D8F1C}"/>
-              </a:ext>
-            </a:extLst>
-          </p:cNvPr>
-          <p:cNvCxnSpPr>
-            <a:cxnSpLocks/>
-            <a:stCxn id="48" idx="3"/>
-          </p:cNvCxnSpPr>
-          <p:nvPr/>
-        </p:nvCxnSpPr>
-        <p:spPr>
-          <a:xfrm>
-            <a:off x="3724137" y="4510814"/>
-            <a:ext cx="1191693" cy="0"/>
-          </a:xfrm>
-          <a:prstGeom prst="straightConnector1">
-            <a:avLst/>
-          </a:prstGeom>
-          <a:ln>
-            <a:tailEnd type="triangle"/>
-          </a:ln>
-        </p:spPr>
-        <p:style>
-          <a:lnRef idx="1">
-            <a:schemeClr val="accent1"/>
-          </a:lnRef>
-          <a:fillRef idx="0">
-            <a:schemeClr val="accent1"/>
-          </a:fillRef>
-          <a:effectRef idx="0">
-            <a:schemeClr val="accent1"/>
-          </a:effectRef>
-          <a:fontRef idx="minor">
-            <a:schemeClr val="tx1"/>
-          </a:fontRef>
-        </p:style>
-      </p:cxnSp>
-      <mc:AlternateContent xmlns:mc="http://schemas.openxmlformats.org/markup-compatibility/2006" xmlns:a14="http://schemas.microsoft.com/office/drawing/2010/main">
-        <mc:Choice Requires="a14">
-          <p:sp>
-            <p:nvSpPr>
-              <p:cNvPr id="52" name="Textfeld 51">
-                <a:extLst>
-                  <a:ext uri="{FF2B5EF4-FFF2-40B4-BE49-F238E27FC236}">
-                    <a16:creationId xmlns:a16="http://schemas.microsoft.com/office/drawing/2014/main" id="{04D67341-6060-4D10-B379-5F33B924D83C}"/>
-                  </a:ext>
-                </a:extLst>
-              </p:cNvPr>
-              <p:cNvSpPr txBox="1"/>
-              <p:nvPr/>
-            </p:nvSpPr>
-            <p:spPr>
-              <a:xfrm>
-                <a:off x="3780251" y="4118831"/>
-                <a:ext cx="1079463" cy="369332"/>
-              </a:xfrm>
-              <a:prstGeom prst="rect">
-                <a:avLst/>
-              </a:prstGeom>
-              <a:noFill/>
-            </p:spPr>
-            <p:txBody>
-              <a:bodyPr wrap="none" rtlCol="0">
-                <a:spAutoFit/>
-              </a:bodyPr>
-              <a:lstStyle/>
-              <a:p>
-                <a:pPr/>
-                <a14:m>
-                  <m:oMathPara xmlns:m="http://schemas.openxmlformats.org/officeDocument/2006/math">
-                    <m:oMathParaPr>
-                      <m:jc m:val="centerGroup"/>
-                    </m:oMathParaPr>
-                    <m:oMath xmlns:m="http://schemas.openxmlformats.org/officeDocument/2006/math">
-                      <m:r>
-                        <a:rPr lang="de-DE" i="1" dirty="0" smtClean="0">
-                          <a:solidFill>
-                            <a:srgbClr val="92D050"/>
-                          </a:solidFill>
-                          <a:latin typeface="Cambria Math" panose="02040503050406030204" pitchFamily="18" charset="0"/>
-                        </a:rPr>
-                        <m:t>𝛿</m:t>
-                      </m:r>
-                      <m:r>
-                        <a:rPr lang="en-GB" b="0" i="1" dirty="0" smtClean="0">
-                          <a:solidFill>
-                            <a:srgbClr val="92D050"/>
-                          </a:solidFill>
-                          <a:latin typeface="Cambria Math" panose="02040503050406030204" pitchFamily="18" charset="0"/>
-                        </a:rPr>
-                        <m:t>(1+</m:t>
-                      </m:r>
-                      <m:r>
-                        <a:rPr lang="en-GB" b="0" i="1" dirty="0" smtClean="0">
-                          <a:solidFill>
-                            <a:srgbClr val="92D050"/>
-                          </a:solidFill>
-                          <a:latin typeface="Cambria Math" panose="02040503050406030204" pitchFamily="18" charset="0"/>
-                          <a:ea typeface="Cambria Math" panose="02040503050406030204" pitchFamily="18" charset="0"/>
-                        </a:rPr>
-                        <m:t>𝜀</m:t>
-                      </m:r>
-                      <m:r>
-                        <a:rPr lang="en-GB" b="0" i="1" dirty="0" smtClean="0">
-                          <a:solidFill>
-                            <a:srgbClr val="92D050"/>
-                          </a:solidFill>
-                          <a:latin typeface="Cambria Math" panose="02040503050406030204" pitchFamily="18" charset="0"/>
-                        </a:rPr>
-                        <m:t>)</m:t>
-                      </m:r>
-                    </m:oMath>
-                  </m:oMathPara>
-                </a14:m>
-                <a:endParaRPr lang="de-DE" dirty="0"/>
-              </a:p>
-            </p:txBody>
-          </p:sp>
-        </mc:Choice>
-        <mc:Fallback xmlns="">
-          <p:sp>
-            <p:nvSpPr>
-              <p:cNvPr id="52" name="Textfeld 51">
-                <a:extLst>
-                  <a:ext uri="{FF2B5EF4-FFF2-40B4-BE49-F238E27FC236}">
-                    <a16:creationId xmlns:a16="http://schemas.microsoft.com/office/drawing/2014/main" id="{04D67341-6060-4D10-B379-5F33B924D83C}"/>
-                  </a:ext>
-                </a:extLst>
-              </p:cNvPr>
-              <p:cNvSpPr txBox="1">
-                <a:spLocks noRot="1" noChangeAspect="1" noMove="1" noResize="1" noEditPoints="1" noAdjustHandles="1" noChangeArrowheads="1" noChangeShapeType="1" noTextEdit="1"/>
-              </p:cNvSpPr>
-              <p:nvPr/>
-            </p:nvSpPr>
-            <p:spPr>
-              <a:xfrm>
-                <a:off x="3780251" y="4118831"/>
-                <a:ext cx="1079463" cy="369332"/>
-              </a:xfrm>
-              <a:prstGeom prst="rect">
-                <a:avLst/>
-              </a:prstGeom>
-              <a:blipFill>
-                <a:blip r:embed="rId5"/>
-                <a:stretch>
-                  <a:fillRect b="-13333"/>
-                </a:stretch>
-              </a:blipFill>
-            </p:spPr>
-            <p:txBody>
-              <a:bodyPr/>
-              <a:lstStyle/>
-              <a:p>
-                <a:r>
-                  <a:rPr lang="de-DE">
-                    <a:noFill/>
-                  </a:rPr>
-                  <a:t> </a:t>
-                </a:r>
-              </a:p>
-            </p:txBody>
-          </p:sp>
-        </mc:Fallback>
-      </mc:AlternateContent>
-      <mc:AlternateContent xmlns:mc="http://schemas.openxmlformats.org/markup-compatibility/2006" xmlns:a14="http://schemas.microsoft.com/office/drawing/2010/main">
-        <mc:Choice Requires="a14">
-          <p:sp>
-            <p:nvSpPr>
-              <p:cNvPr id="53" name="Textfeld 52">
-                <a:extLst>
-                  <a:ext uri="{FF2B5EF4-FFF2-40B4-BE49-F238E27FC236}">
-                    <a16:creationId xmlns:a16="http://schemas.microsoft.com/office/drawing/2014/main" id="{4B62D079-BB81-4125-B9D6-3728DD837518}"/>
-                  </a:ext>
-                </a:extLst>
-              </p:cNvPr>
-              <p:cNvSpPr txBox="1"/>
-              <p:nvPr/>
-            </p:nvSpPr>
-            <p:spPr>
-              <a:xfrm>
-                <a:off x="5732143" y="3926994"/>
-                <a:ext cx="1297471" cy="610936"/>
-              </a:xfrm>
-              <a:prstGeom prst="rect">
-                <a:avLst/>
-              </a:prstGeom>
-              <a:noFill/>
-            </p:spPr>
-            <p:txBody>
-              <a:bodyPr wrap="none" rtlCol="0">
-                <a:spAutoFit/>
-              </a:bodyPr>
-              <a:lstStyle/>
-              <a:p>
-                <a:pPr/>
-                <a14:m>
-                  <m:oMathPara xmlns:m="http://schemas.openxmlformats.org/officeDocument/2006/math">
-                    <m:oMathParaPr>
-                      <m:jc m:val="centerGroup"/>
-                    </m:oMathParaPr>
-                    <m:oMath xmlns:m="http://schemas.openxmlformats.org/officeDocument/2006/math">
-                      <m:r>
-                        <a:rPr lang="de-DE" i="1" dirty="0" smtClean="0">
-                          <a:solidFill>
-                            <a:srgbClr val="92D050"/>
-                          </a:solidFill>
-                          <a:latin typeface="Cambria Math" panose="02040503050406030204" pitchFamily="18" charset="0"/>
-                        </a:rPr>
-                        <m:t>𝛿</m:t>
-                      </m:r>
-                      <m:r>
-                        <a:rPr lang="en-GB" b="0" i="1" dirty="0" smtClean="0">
-                          <a:solidFill>
-                            <a:srgbClr val="92D050"/>
-                          </a:solidFill>
-                          <a:latin typeface="Cambria Math" panose="02040503050406030204" pitchFamily="18" charset="0"/>
-                        </a:rPr>
-                        <m:t>(1+</m:t>
-                      </m:r>
-                      <m:f>
-                        <m:fPr>
-                          <m:ctrlPr>
-                            <a:rPr lang="en-GB" b="0" i="1" dirty="0" smtClean="0">
-                              <a:solidFill>
-                                <a:srgbClr val="92D050"/>
-                              </a:solidFill>
-                              <a:latin typeface="Cambria Math" panose="02040503050406030204" pitchFamily="18" charset="0"/>
-                            </a:rPr>
-                          </m:ctrlPr>
-                        </m:fPr>
-                        <m:num>
-                          <m:r>
-                            <a:rPr lang="en-GB" b="0" i="1" dirty="0" smtClean="0">
-                              <a:solidFill>
-                                <a:srgbClr val="92D050"/>
-                              </a:solidFill>
-                              <a:latin typeface="Cambria Math" panose="02040503050406030204" pitchFamily="18" charset="0"/>
-                            </a:rPr>
-                            <m:t>3</m:t>
-                          </m:r>
-                        </m:num>
-                        <m:den>
-                          <m:r>
-                            <a:rPr lang="en-GB" b="0" i="1" dirty="0" smtClean="0">
-                              <a:solidFill>
-                                <a:srgbClr val="92D050"/>
-                              </a:solidFill>
-                              <a:latin typeface="Cambria Math" panose="02040503050406030204" pitchFamily="18" charset="0"/>
-                            </a:rPr>
-                            <m:t>4</m:t>
-                          </m:r>
-                        </m:den>
-                      </m:f>
-                      <m:r>
-                        <a:rPr lang="en-GB" b="0" i="1" dirty="0" smtClean="0">
-                          <a:solidFill>
-                            <a:srgbClr val="92D050"/>
-                          </a:solidFill>
-                          <a:latin typeface="Cambria Math" panose="02040503050406030204" pitchFamily="18" charset="0"/>
-                        </a:rPr>
-                        <m:t> </m:t>
-                      </m:r>
-                      <m:r>
-                        <a:rPr lang="en-GB" b="0" i="1" dirty="0" smtClean="0">
-                          <a:solidFill>
-                            <a:srgbClr val="92D050"/>
-                          </a:solidFill>
-                          <a:latin typeface="Cambria Math" panose="02040503050406030204" pitchFamily="18" charset="0"/>
-                          <a:ea typeface="Cambria Math" panose="02040503050406030204" pitchFamily="18" charset="0"/>
-                        </a:rPr>
-                        <m:t>𝜀</m:t>
-                      </m:r>
-                      <m:r>
-                        <a:rPr lang="en-GB" b="0" i="1" dirty="0" smtClean="0">
-                          <a:solidFill>
-                            <a:srgbClr val="92D050"/>
-                          </a:solidFill>
-                          <a:latin typeface="Cambria Math" panose="02040503050406030204" pitchFamily="18" charset="0"/>
-                        </a:rPr>
-                        <m:t>)</m:t>
-                      </m:r>
-                    </m:oMath>
-                  </m:oMathPara>
-                </a14:m>
-                <a:endParaRPr lang="de-DE" dirty="0"/>
-              </a:p>
-            </p:txBody>
-          </p:sp>
-        </mc:Choice>
-        <mc:Fallback xmlns="">
-          <p:sp>
-            <p:nvSpPr>
-              <p:cNvPr id="53" name="Textfeld 52">
-                <a:extLst>
-                  <a:ext uri="{FF2B5EF4-FFF2-40B4-BE49-F238E27FC236}">
-                    <a16:creationId xmlns:a16="http://schemas.microsoft.com/office/drawing/2014/main" id="{4B62D079-BB81-4125-B9D6-3728DD837518}"/>
-                  </a:ext>
-                </a:extLst>
-              </p:cNvPr>
-              <p:cNvSpPr txBox="1">
-                <a:spLocks noRot="1" noChangeAspect="1" noMove="1" noResize="1" noEditPoints="1" noAdjustHandles="1" noChangeArrowheads="1" noChangeShapeType="1" noTextEdit="1"/>
-              </p:cNvSpPr>
-              <p:nvPr/>
-            </p:nvSpPr>
-            <p:spPr>
-              <a:xfrm>
-                <a:off x="5732143" y="3926994"/>
-                <a:ext cx="1297471" cy="610936"/>
-              </a:xfrm>
-              <a:prstGeom prst="rect">
-                <a:avLst/>
-              </a:prstGeom>
-              <a:blipFill>
-                <a:blip r:embed="rId6"/>
-                <a:stretch>
-                  <a:fillRect/>
-                </a:stretch>
-              </a:blipFill>
-            </p:spPr>
-            <p:txBody>
-              <a:bodyPr/>
-              <a:lstStyle/>
-              <a:p>
-                <a:r>
-                  <a:rPr lang="de-DE">
-                    <a:noFill/>
-                  </a:rPr>
-                  <a:t> </a:t>
-                </a:r>
-              </a:p>
-            </p:txBody>
-          </p:sp>
-        </mc:Fallback>
-      </mc:AlternateContent>
-      <p:cxnSp>
-        <p:nvCxnSpPr>
-          <p:cNvPr id="54" name="Gerade Verbindung mit Pfeil 53">
-            <a:extLst>
-              <a:ext uri="{FF2B5EF4-FFF2-40B4-BE49-F238E27FC236}">
-                <a16:creationId xmlns:a16="http://schemas.microsoft.com/office/drawing/2014/main" id="{823999D2-68FE-4CD9-8668-EA1445113649}"/>
-              </a:ext>
-            </a:extLst>
-          </p:cNvPr>
-          <p:cNvCxnSpPr>
-            <a:cxnSpLocks/>
-          </p:cNvCxnSpPr>
-          <p:nvPr/>
-        </p:nvCxnSpPr>
-        <p:spPr>
-          <a:xfrm>
-            <a:off x="5726698" y="4492559"/>
-            <a:ext cx="1222494" cy="9101"/>
-          </a:xfrm>
-          <a:prstGeom prst="straightConnector1">
-            <a:avLst/>
-          </a:prstGeom>
-          <a:ln>
-            <a:tailEnd type="triangle"/>
-          </a:ln>
-        </p:spPr>
-        <p:style>
-          <a:lnRef idx="1">
-            <a:schemeClr val="accent1"/>
-          </a:lnRef>
-          <a:fillRef idx="0">
-            <a:schemeClr val="accent1"/>
-          </a:fillRef>
-          <a:effectRef idx="0">
-            <a:schemeClr val="accent1"/>
-          </a:effectRef>
-          <a:fontRef idx="minor">
-            <a:schemeClr val="tx1"/>
-          </a:fontRef>
-        </p:style>
-      </p:cxnSp>
-    </p:spTree>
-    <p:extLst>
-      <p:ext uri="{BB962C8B-B14F-4D97-AF65-F5344CB8AC3E}">
-        <p14:creationId xmlns:p14="http://schemas.microsoft.com/office/powerpoint/2010/main" val="1660835232"/>
-      </p:ext>
-    </p:extLst>
-  </p:cSld>
-  <p:clrMapOvr>
-    <a:masterClrMapping/>
-  </p:clrMapOvr>
-</p:sld>
-</file>
-
-<file path=ppt/slides/slide2.xml><?xml version="1.0" encoding="utf-8"?>
-<p:sld xmlns:a="http://schemas.openxmlformats.org/drawingml/2006/main" xmlns:r="http://schemas.openxmlformats.org/officeDocument/2006/relationships" xmlns:p="http://schemas.openxmlformats.org/presentationml/2006/main">
-  <p:cSld>
-    <p:spTree>
-      <p:nvGrpSpPr>
-        <p:cNvPr id="1" name=""/>
-        <p:cNvGrpSpPr/>
-        <p:nvPr/>
-      </p:nvGrpSpPr>
-      <p:grpSpPr>
-        <a:xfrm>
-          <a:off x="0" y="0"/>
-          <a:ext cx="0" cy="0"/>
-          <a:chOff x="0" y="0"/>
-          <a:chExt cx="0" cy="0"/>
-        </a:xfrm>
-      </p:grpSpPr>
-      <p:sp>
-        <p:nvSpPr>
-          <p:cNvPr id="2" name="Titel 1">
-            <a:extLst>
-              <a:ext uri="{FF2B5EF4-FFF2-40B4-BE49-F238E27FC236}">
-                <a16:creationId xmlns:a16="http://schemas.microsoft.com/office/drawing/2014/main" id="{B6F47DD5-E0E6-4026-B332-93431FBD01F1}"/>
-              </a:ext>
-            </a:extLst>
-          </p:cNvPr>
-          <p:cNvSpPr>
-            <a:spLocks noGrp="1"/>
-          </p:cNvSpPr>
-          <p:nvPr>
-            <p:ph type="ctrTitle"/>
-          </p:nvPr>
-        </p:nvSpPr>
-        <p:spPr/>
-        <p:txBody>
-          <a:bodyPr>
-            <a:normAutofit fontScale="90000"/>
-          </a:bodyPr>
-          <a:lstStyle/>
-          <a:p>
-            <a:br>
-              <a:rPr lang="en-US" dirty="0"/>
-            </a:br>
-            <a:br>
-              <a:rPr lang="en-US" dirty="0"/>
-            </a:br>
-            <a:br>
-              <a:rPr lang="en-US" dirty="0"/>
-            </a:br>
-            <a:br>
-              <a:rPr lang="en-US" dirty="0"/>
-            </a:br>
-            <a:r>
-              <a:rPr lang="en-US" dirty="0"/>
-              <a:t>The Maximum Multi Commodity Flow Problem</a:t>
-            </a:r>
-            <a:br>
-              <a:rPr lang="en-US" dirty="0"/>
-            </a:br>
-            <a:endParaRPr lang="de-DE" dirty="0"/>
-          </a:p>
-        </p:txBody>
-      </p:sp>
-      <p:sp>
-        <p:nvSpPr>
-          <p:cNvPr id="3" name="Untertitel 2">
-            <a:extLst>
-              <a:ext uri="{FF2B5EF4-FFF2-40B4-BE49-F238E27FC236}">
-                <a16:creationId xmlns:a16="http://schemas.microsoft.com/office/drawing/2014/main" id="{BC612B29-4969-4323-B999-D6CD6A5D566F}"/>
-              </a:ext>
-            </a:extLst>
-          </p:cNvPr>
-          <p:cNvSpPr>
-            <a:spLocks noGrp="1"/>
-          </p:cNvSpPr>
-          <p:nvPr>
-            <p:ph type="subTitle" idx="1"/>
-          </p:nvPr>
-        </p:nvSpPr>
-        <p:spPr/>
-        <p:txBody>
-          <a:bodyPr/>
-          <a:lstStyle/>
-          <a:p>
-            <a:r>
-              <a:rPr lang="en-US" dirty="0"/>
-              <a:t>A Case Study of an Approximation Scheme</a:t>
-            </a:r>
-            <a:br>
-              <a:rPr lang="en-US" dirty="0"/>
-            </a:br>
-            <a:endParaRPr lang="de-DE" dirty="0"/>
-          </a:p>
-        </p:txBody>
-      </p:sp>
-    </p:spTree>
-    <p:extLst>
-      <p:ext uri="{BB962C8B-B14F-4D97-AF65-F5344CB8AC3E}">
-        <p14:creationId xmlns:p14="http://schemas.microsoft.com/office/powerpoint/2010/main" val="1353986629"/>
-      </p:ext>
-    </p:extLst>
-  </p:cSld>
-  <p:clrMapOvr>
-    <a:masterClrMapping/>
-  </p:clrMapOvr>
-</p:sld>
-</file>
-
-<file path=ppt/slides/slide20.xml><?xml version="1.0" encoding="utf-8"?>
 <p:sld xmlns:a="http://schemas.openxmlformats.org/drawingml/2006/main" xmlns:r="http://schemas.openxmlformats.org/officeDocument/2006/relationships" xmlns:p="http://schemas.openxmlformats.org/presentationml/2006/main">
   <p:cSld>
     <p:spTree>
@@ -15900,7 +12448,7 @@
 </p:sld>
 </file>
 
-<file path=ppt/slides/slide21.xml><?xml version="1.0" encoding="utf-8"?>
+<file path=ppt/slides/slide19.xml><?xml version="1.0" encoding="utf-8"?>
 <p:sld xmlns:a="http://schemas.openxmlformats.org/drawingml/2006/main" xmlns:r="http://schemas.openxmlformats.org/officeDocument/2006/relationships" xmlns:p="http://schemas.openxmlformats.org/presentationml/2006/main">
   <p:cSld>
     <p:spTree>
@@ -17710,7 +14258,115 @@
 </p:sld>
 </file>
 
-<file path=ppt/slides/slide22.xml><?xml version="1.0" encoding="utf-8"?>
+<file path=ppt/slides/slide2.xml><?xml version="1.0" encoding="utf-8"?>
+<p:sld xmlns:a="http://schemas.openxmlformats.org/drawingml/2006/main" xmlns:r="http://schemas.openxmlformats.org/officeDocument/2006/relationships" xmlns:p="http://schemas.openxmlformats.org/presentationml/2006/main">
+  <p:cSld>
+    <p:spTree>
+      <p:nvGrpSpPr>
+        <p:cNvPr id="1" name=""/>
+        <p:cNvGrpSpPr/>
+        <p:nvPr/>
+      </p:nvGrpSpPr>
+      <p:grpSpPr>
+        <a:xfrm>
+          <a:off x="0" y="0"/>
+          <a:ext cx="0" cy="0"/>
+          <a:chOff x="0" y="0"/>
+          <a:chExt cx="0" cy="0"/>
+        </a:xfrm>
+      </p:grpSpPr>
+      <p:sp>
+        <p:nvSpPr>
+          <p:cNvPr id="2" name="Titel 1">
+            <a:extLst>
+              <a:ext uri="{FF2B5EF4-FFF2-40B4-BE49-F238E27FC236}">
+                <a16:creationId xmlns:a16="http://schemas.microsoft.com/office/drawing/2014/main" id="{B6F47DD5-E0E6-4026-B332-93431FBD01F1}"/>
+              </a:ext>
+            </a:extLst>
+          </p:cNvPr>
+          <p:cNvSpPr>
+            <a:spLocks noGrp="1"/>
+          </p:cNvSpPr>
+          <p:nvPr>
+            <p:ph type="ctrTitle"/>
+          </p:nvPr>
+        </p:nvSpPr>
+        <p:spPr/>
+        <p:txBody>
+          <a:bodyPr>
+            <a:normAutofit fontScale="90000"/>
+          </a:bodyPr>
+          <a:lstStyle/>
+          <a:p>
+            <a:br>
+              <a:rPr lang="en-US" dirty="0"/>
+            </a:br>
+            <a:br>
+              <a:rPr lang="en-US" dirty="0"/>
+            </a:br>
+            <a:br>
+              <a:rPr lang="en-US" dirty="0"/>
+            </a:br>
+            <a:br>
+              <a:rPr lang="en-US" dirty="0"/>
+            </a:br>
+            <a:r>
+              <a:rPr lang="en-US" dirty="0"/>
+              <a:t>The Maximum Multi Commodity Flow Problem</a:t>
+            </a:r>
+            <a:br>
+              <a:rPr lang="en-US" dirty="0"/>
+            </a:br>
+            <a:endParaRPr lang="de-DE" dirty="0"/>
+          </a:p>
+        </p:txBody>
+      </p:sp>
+      <p:sp>
+        <p:nvSpPr>
+          <p:cNvPr id="3" name="Untertitel 2">
+            <a:extLst>
+              <a:ext uri="{FF2B5EF4-FFF2-40B4-BE49-F238E27FC236}">
+                <a16:creationId xmlns:a16="http://schemas.microsoft.com/office/drawing/2014/main" id="{BC612B29-4969-4323-B999-D6CD6A5D566F}"/>
+              </a:ext>
+            </a:extLst>
+          </p:cNvPr>
+          <p:cNvSpPr>
+            <a:spLocks noGrp="1"/>
+          </p:cNvSpPr>
+          <p:nvPr>
+            <p:ph type="subTitle" idx="1"/>
+          </p:nvPr>
+        </p:nvSpPr>
+        <p:spPr/>
+        <p:txBody>
+          <a:bodyPr/>
+          <a:lstStyle/>
+          <a:p>
+            <a:r>
+              <a:rPr lang="en-US" dirty="0"/>
+              <a:t>A Case Study of an Approximation Scheme</a:t>
+            </a:r>
+            <a:br>
+              <a:rPr lang="en-US" dirty="0"/>
+            </a:br>
+            <a:endParaRPr lang="de-DE" dirty="0"/>
+          </a:p>
+        </p:txBody>
+      </p:sp>
+    </p:spTree>
+    <p:extLst>
+      <p:ext uri="{BB962C8B-B14F-4D97-AF65-F5344CB8AC3E}">
+        <p14:creationId xmlns:p14="http://schemas.microsoft.com/office/powerpoint/2010/main" val="1353986629"/>
+      </p:ext>
+    </p:extLst>
+  </p:cSld>
+  <p:clrMapOvr>
+    <a:masterClrMapping/>
+  </p:clrMapOvr>
+</p:sld>
+</file>
+
+<file path=ppt/slides/slide20.xml><?xml version="1.0" encoding="utf-8"?>
 <p:sld xmlns:a="http://schemas.openxmlformats.org/drawingml/2006/main" xmlns:r="http://schemas.openxmlformats.org/officeDocument/2006/relationships" xmlns:p="http://schemas.openxmlformats.org/presentationml/2006/main">
   <p:cSld>
     <p:spTree>
@@ -17783,7 +14439,7 @@
             </a:pPr>
             <a:r>
               <a:rPr lang="en-GB" dirty="0"/>
-              <a:t>Iteration 1 completed</a:t>
+              <a:t>First Iteration completed</a:t>
             </a:r>
             <a:endParaRPr lang="de-DE" dirty="0"/>
           </a:p>
@@ -19617,7 +16273,7 @@
 </p:sld>
 </file>
 
-<file path=ppt/slides/slide23.xml><?xml version="1.0" encoding="utf-8"?>
+<file path=ppt/slides/slide21.xml><?xml version="1.0" encoding="utf-8"?>
 <p:sld xmlns:a="http://schemas.openxmlformats.org/drawingml/2006/main" xmlns:r="http://schemas.openxmlformats.org/officeDocument/2006/relationships" xmlns:p="http://schemas.openxmlformats.org/presentationml/2006/main">
   <p:cSld>
     <p:spTree>
@@ -19663,8 +16319,8 @@
           </a:p>
         </p:txBody>
       </p:sp>
-      <mc:AlternateContent xmlns:mc="http://schemas.openxmlformats.org/markup-compatibility/2006" xmlns:a14="http://schemas.microsoft.com/office/drawing/2010/main">
-        <mc:Choice Requires="a14">
+      <mc:AlternateContent xmlns:mc="http://schemas.openxmlformats.org/markup-compatibility/2006">
+        <mc:Choice xmlns:a14="http://schemas.microsoft.com/office/drawing/2010/main" Requires="a14">
           <p:sp>
             <p:nvSpPr>
               <p:cNvPr id="3" name="Inhaltsplatzhalter 2">
@@ -19683,8 +16339,1154 @@
             </p:nvSpPr>
             <p:spPr/>
             <p:txBody>
+              <a:bodyPr>
+                <a:normAutofit fontScale="92500" lnSpcReduction="20000"/>
+              </a:bodyPr>
+              <a:lstStyle/>
+              <a:p>
+                <a:r>
+                  <a:rPr lang="en-GB" dirty="0"/>
+                  <a:t>Number of Iterations depends </a:t>
+                </a:r>
+                <a:r>
+                  <a:rPr lang="en-GB" dirty="0" err="1"/>
+                  <a:t>heavliy</a:t>
+                </a:r>
+                <a:r>
+                  <a:rPr lang="en-GB" dirty="0"/>
+                  <a:t> on </a:t>
+                </a:r>
+                <a14:m>
+                  <m:oMath xmlns:m="http://schemas.openxmlformats.org/officeDocument/2006/math">
+                    <m:r>
+                      <a:rPr lang="de-DE" i="1" dirty="0">
+                        <a:latin typeface="Cambria Math" panose="02040503050406030204" pitchFamily="18" charset="0"/>
+                      </a:rPr>
+                      <m:t>𝛿</m:t>
+                    </m:r>
+                  </m:oMath>
+                </a14:m>
+                <a:r>
+                  <a:rPr lang="en-GB" dirty="0"/>
+                  <a:t> and </a:t>
+                </a:r>
+                <a14:m>
+                  <m:oMath xmlns:m="http://schemas.openxmlformats.org/officeDocument/2006/math">
+                    <m:r>
+                      <a:rPr lang="en-GB" i="1" smtClean="0">
+                        <a:latin typeface="Cambria Math" panose="02040503050406030204" pitchFamily="18" charset="0"/>
+                        <a:ea typeface="Cambria Math" panose="02040503050406030204" pitchFamily="18" charset="0"/>
+                      </a:rPr>
+                      <m:t>𝜀</m:t>
+                    </m:r>
+                  </m:oMath>
+                </a14:m>
+                <a:r>
+                  <a:rPr lang="en-GB" dirty="0"/>
+                  <a:t>:</a:t>
+                </a:r>
+              </a:p>
+              <a:p>
+                <a:pPr lvl="1"/>
+                <a14:m>
+                  <m:oMath xmlns:m="http://schemas.openxmlformats.org/officeDocument/2006/math">
+                    <m:r>
+                      <a:rPr lang="de-DE" i="1" dirty="0">
+                        <a:latin typeface="Cambria Math" panose="02040503050406030204" pitchFamily="18" charset="0"/>
+                      </a:rPr>
+                      <m:t>𝛿</m:t>
+                    </m:r>
+                  </m:oMath>
+                </a14:m>
+                <a:r>
+                  <a:rPr lang="en-GB" dirty="0"/>
+                  <a:t> and </a:t>
+                </a:r>
+                <a14:m>
+                  <m:oMath xmlns:m="http://schemas.openxmlformats.org/officeDocument/2006/math">
+                    <m:r>
+                      <a:rPr lang="en-GB" i="1">
+                        <a:latin typeface="Cambria Math" panose="02040503050406030204" pitchFamily="18" charset="0"/>
+                        <a:ea typeface="Cambria Math" panose="02040503050406030204" pitchFamily="18" charset="0"/>
+                      </a:rPr>
+                      <m:t>𝜀</m:t>
+                    </m:r>
+                  </m:oMath>
+                </a14:m>
+                <a:r>
+                  <a:rPr lang="en-GB" dirty="0"/>
+                  <a:t> depend on </a:t>
+                </a:r>
+                <a14:m>
+                  <m:oMath xmlns:m="http://schemas.openxmlformats.org/officeDocument/2006/math">
+                    <m:r>
+                      <a:rPr lang="en-GB" i="1">
+                        <a:latin typeface="Cambria Math" panose="02040503050406030204" pitchFamily="18" charset="0"/>
+                        <a:ea typeface="Cambria Math" panose="02040503050406030204" pitchFamily="18" charset="0"/>
+                      </a:rPr>
+                      <m:t>𝜔</m:t>
+                    </m:r>
+                    <m:r>
+                      <a:rPr lang="en-GB" i="1">
+                        <a:latin typeface="Cambria Math" panose="02040503050406030204" pitchFamily="18" charset="0"/>
+                        <a:ea typeface="Cambria Math" panose="02040503050406030204" pitchFamily="18" charset="0"/>
+                      </a:rPr>
+                      <m:t> </m:t>
+                    </m:r>
+                  </m:oMath>
+                </a14:m>
+                <a:r>
+                  <a:rPr lang="en-GB" dirty="0"/>
+                  <a:t>and </a:t>
+                </a:r>
+                <a14:m>
+                  <m:oMath xmlns:m="http://schemas.openxmlformats.org/officeDocument/2006/math">
+                    <m:r>
+                      <a:rPr lang="en-GB">
+                        <a:latin typeface="Cambria Math" panose="02040503050406030204" pitchFamily="18" charset="0"/>
+                      </a:rPr>
+                      <m:t>|</m:t>
+                    </m:r>
+                    <m:r>
+                      <m:rPr>
+                        <m:sty m:val="p"/>
+                      </m:rPr>
+                      <a:rPr lang="en-GB">
+                        <a:latin typeface="Cambria Math" panose="02040503050406030204" pitchFamily="18" charset="0"/>
+                      </a:rPr>
+                      <m:t>E</m:t>
+                    </m:r>
+                    <m:r>
+                      <a:rPr lang="en-GB">
+                        <a:latin typeface="Cambria Math" panose="02040503050406030204" pitchFamily="18" charset="0"/>
+                      </a:rPr>
+                      <m:t>|</m:t>
+                    </m:r>
+                  </m:oMath>
+                </a14:m>
+                <a:endParaRPr lang="en-GB" dirty="0"/>
+              </a:p>
+              <a:p>
+                <a:pPr lvl="1"/>
+                <a:r>
+                  <a:rPr lang="en-GB" dirty="0"/>
+                  <a:t>max number of iterations is </a:t>
+                </a:r>
+                <a14:m>
+                  <m:oMath xmlns:m="http://schemas.openxmlformats.org/officeDocument/2006/math">
+                    <m:r>
+                      <a:rPr lang="en-GB" b="0" i="0" smtClean="0">
+                        <a:latin typeface="Cambria Math" panose="02040503050406030204" pitchFamily="18" charset="0"/>
+                      </a:rPr>
+                      <m:t>|</m:t>
+                    </m:r>
+                    <m:r>
+                      <m:rPr>
+                        <m:sty m:val="p"/>
+                      </m:rPr>
+                      <a:rPr lang="en-GB" b="0" i="0" smtClean="0">
+                        <a:latin typeface="Cambria Math" panose="02040503050406030204" pitchFamily="18" charset="0"/>
+                      </a:rPr>
+                      <m:t>E</m:t>
+                    </m:r>
+                    <m:r>
+                      <a:rPr lang="en-GB" b="0" i="0" smtClean="0">
+                        <a:latin typeface="Cambria Math" panose="02040503050406030204" pitchFamily="18" charset="0"/>
+                      </a:rPr>
+                      <m:t>|</m:t>
+                    </m:r>
+                    <m:sSub>
+                      <m:sSubPr>
+                        <m:ctrlPr>
+                          <a:rPr lang="en-GB" b="0" i="1" smtClean="0">
+                            <a:latin typeface="Cambria Math" panose="02040503050406030204" pitchFamily="18" charset="0"/>
+                          </a:rPr>
+                        </m:ctrlPr>
+                      </m:sSubPr>
+                      <m:e>
+                        <m:r>
+                          <m:rPr>
+                            <m:sty m:val="p"/>
+                          </m:rPr>
+                          <a:rPr lang="en-GB" i="0">
+                            <a:latin typeface="Cambria Math" panose="02040503050406030204" pitchFamily="18" charset="0"/>
+                          </a:rPr>
+                          <m:t>log</m:t>
+                        </m:r>
+                      </m:e>
+                      <m:sub>
+                        <m:r>
+                          <a:rPr lang="en-GB" b="0" i="1" smtClean="0">
+                            <a:latin typeface="Cambria Math" panose="02040503050406030204" pitchFamily="18" charset="0"/>
+                          </a:rPr>
+                          <m:t>1+</m:t>
+                        </m:r>
+                        <m:r>
+                          <a:rPr lang="en-GB" i="1">
+                            <a:latin typeface="Cambria Math" panose="02040503050406030204" pitchFamily="18" charset="0"/>
+                            <a:ea typeface="Cambria Math" panose="02040503050406030204" pitchFamily="18" charset="0"/>
+                          </a:rPr>
+                          <m:t>𝜀</m:t>
+                        </m:r>
+                      </m:sub>
+                    </m:sSub>
+                    <m:r>
+                      <a:rPr lang="en-GB" b="0" i="1" smtClean="0">
+                        <a:latin typeface="Cambria Math" panose="02040503050406030204" pitchFamily="18" charset="0"/>
+                      </a:rPr>
+                      <m:t> </m:t>
+                    </m:r>
+                    <m:f>
+                      <m:fPr>
+                        <m:ctrlPr>
+                          <a:rPr lang="en-GB" b="0" i="1" smtClean="0">
+                            <a:latin typeface="Cambria Math" panose="02040503050406030204" pitchFamily="18" charset="0"/>
+                          </a:rPr>
+                        </m:ctrlPr>
+                      </m:fPr>
+                      <m:num>
+                        <m:r>
+                          <a:rPr lang="en-GB" b="0" i="1" smtClean="0">
+                            <a:latin typeface="Cambria Math" panose="02040503050406030204" pitchFamily="18" charset="0"/>
+                          </a:rPr>
+                          <m:t>1+</m:t>
+                        </m:r>
+                        <m:r>
+                          <a:rPr lang="en-GB" i="1">
+                            <a:latin typeface="Cambria Math" panose="02040503050406030204" pitchFamily="18" charset="0"/>
+                            <a:ea typeface="Cambria Math" panose="02040503050406030204" pitchFamily="18" charset="0"/>
+                          </a:rPr>
+                          <m:t>𝜀</m:t>
+                        </m:r>
+                      </m:num>
+                      <m:den>
+                        <m:r>
+                          <a:rPr lang="de-DE" i="1" dirty="0">
+                            <a:latin typeface="Cambria Math" panose="02040503050406030204" pitchFamily="18" charset="0"/>
+                          </a:rPr>
+                          <m:t>𝛿</m:t>
+                        </m:r>
+                      </m:den>
+                    </m:f>
+                  </m:oMath>
+                </a14:m>
+                <a:endParaRPr lang="en-GB" dirty="0"/>
+              </a:p>
+              <a:p>
+                <a:endParaRPr lang="en-GB" dirty="0"/>
+              </a:p>
+              <a:p>
+                <a:r>
+                  <a:rPr lang="de-DE" dirty="0"/>
+                  <a:t>Correctness:</a:t>
+                </a:r>
+              </a:p>
+              <a:p>
+                <a:pPr lvl="1"/>
+                <a:r>
+                  <a:rPr lang="en-GB" dirty="0"/>
+                  <a:t>Scaling final </a:t>
+                </a:r>
+                <a14:m>
+                  <m:oMath xmlns:m="http://schemas.openxmlformats.org/officeDocument/2006/math">
+                    <m:r>
+                      <a:rPr lang="en-GB" b="0" i="1" dirty="0" smtClean="0">
+                        <a:latin typeface="Cambria Math" panose="02040503050406030204" pitchFamily="18" charset="0"/>
+                      </a:rPr>
+                      <m:t>𝑥</m:t>
+                    </m:r>
+                  </m:oMath>
+                </a14:m>
+                <a:r>
+                  <a:rPr lang="en-GB" dirty="0"/>
+                  <a:t> by </a:t>
+                </a:r>
+                <a14:m>
+                  <m:oMath xmlns:m="http://schemas.openxmlformats.org/officeDocument/2006/math">
+                    <m:f>
+                      <m:fPr>
+                        <m:ctrlPr>
+                          <a:rPr lang="en-GB" i="1">
+                            <a:latin typeface="Cambria Math" panose="02040503050406030204" pitchFamily="18" charset="0"/>
+                          </a:rPr>
+                        </m:ctrlPr>
+                      </m:fPr>
+                      <m:num>
+                        <m:r>
+                          <a:rPr lang="en-GB" b="0" i="1" smtClean="0">
+                            <a:latin typeface="Cambria Math" panose="02040503050406030204" pitchFamily="18" charset="0"/>
+                          </a:rPr>
+                          <m:t>1</m:t>
+                        </m:r>
+                      </m:num>
+                      <m:den>
+                        <m:func>
+                          <m:funcPr>
+                            <m:ctrlPr>
+                              <a:rPr lang="en-GB" i="1">
+                                <a:latin typeface="Cambria Math" panose="02040503050406030204" pitchFamily="18" charset="0"/>
+                              </a:rPr>
+                            </m:ctrlPr>
+                          </m:funcPr>
+                          <m:fName>
+                            <m:sSub>
+                              <m:sSubPr>
+                                <m:ctrlPr>
+                                  <a:rPr lang="en-GB" i="1">
+                                    <a:latin typeface="Cambria Math" panose="02040503050406030204" pitchFamily="18" charset="0"/>
+                                  </a:rPr>
+                                </m:ctrlPr>
+                              </m:sSubPr>
+                              <m:e>
+                                <m:r>
+                                  <m:rPr>
+                                    <m:sty m:val="p"/>
+                                  </m:rPr>
+                                  <a:rPr lang="en-GB" i="1">
+                                    <a:latin typeface="Cambria Math" panose="02040503050406030204" pitchFamily="18" charset="0"/>
+                                  </a:rPr>
+                                  <m:t>log</m:t>
+                                </m:r>
+                              </m:e>
+                              <m:sub>
+                                <m:r>
+                                  <a:rPr lang="en-GB" i="1">
+                                    <a:latin typeface="Cambria Math" panose="02040503050406030204" pitchFamily="18" charset="0"/>
+                                  </a:rPr>
+                                  <m:t>1+</m:t>
+                                </m:r>
+                                <m:r>
+                                  <a:rPr lang="en-GB" i="1">
+                                    <a:latin typeface="Cambria Math" panose="02040503050406030204" pitchFamily="18" charset="0"/>
+                                  </a:rPr>
+                                  <m:t>𝜀</m:t>
+                                </m:r>
+                              </m:sub>
+                            </m:sSub>
+                          </m:fName>
+                          <m:e>
+                            <m:f>
+                              <m:fPr>
+                                <m:ctrlPr>
+                                  <a:rPr lang="en-GB" i="1">
+                                    <a:latin typeface="Cambria Math" panose="02040503050406030204" pitchFamily="18" charset="0"/>
+                                  </a:rPr>
+                                </m:ctrlPr>
+                              </m:fPr>
+                              <m:num>
+                                <m:r>
+                                  <a:rPr lang="en-GB" i="1">
+                                    <a:latin typeface="Cambria Math" panose="02040503050406030204" pitchFamily="18" charset="0"/>
+                                  </a:rPr>
+                                  <m:t>1+</m:t>
+                                </m:r>
+                                <m:r>
+                                  <a:rPr lang="en-GB" i="1">
+                                    <a:latin typeface="Cambria Math" panose="02040503050406030204" pitchFamily="18" charset="0"/>
+                                  </a:rPr>
+                                  <m:t>𝜀</m:t>
+                                </m:r>
+                              </m:num>
+                              <m:den>
+                                <m:r>
+                                  <a:rPr lang="de-DE" i="1" dirty="0">
+                                    <a:latin typeface="Cambria Math" panose="02040503050406030204" pitchFamily="18" charset="0"/>
+                                  </a:rPr>
+                                  <m:t>𝛿</m:t>
+                                </m:r>
+                              </m:den>
+                            </m:f>
+                          </m:e>
+                        </m:func>
+                      </m:den>
+                    </m:f>
+                  </m:oMath>
+                </a14:m>
+                <a:r>
+                  <a:rPr lang="de-DE" dirty="0"/>
+                  <a:t> makes </a:t>
+                </a:r>
+                <a:r>
+                  <a:rPr lang="de-DE" dirty="0" err="1"/>
+                  <a:t>it</a:t>
+                </a:r>
+                <a:r>
+                  <a:rPr lang="de-DE" dirty="0"/>
+                  <a:t> </a:t>
+                </a:r>
+                <a:r>
+                  <a:rPr lang="de-DE" dirty="0" err="1"/>
+                  <a:t>feasible</a:t>
+                </a:r>
+                <a:endParaRPr lang="en-GB" dirty="0"/>
+              </a:p>
+              <a:p>
+                <a:pPr lvl="1"/>
+                <a:endParaRPr lang="en-GB" dirty="0"/>
+              </a:p>
+              <a:p>
+                <a:pPr lvl="1"/>
+                <a:r>
+                  <a:rPr lang="en-GB" dirty="0"/>
+                  <a:t>Increasing </a:t>
+                </a:r>
+                <a14:m>
+                  <m:oMath xmlns:m="http://schemas.openxmlformats.org/officeDocument/2006/math">
+                    <m:r>
+                      <a:rPr lang="en-GB" i="1" dirty="0">
+                        <a:latin typeface="Cambria Math" panose="02040503050406030204" pitchFamily="18" charset="0"/>
+                      </a:rPr>
+                      <m:t>𝑥</m:t>
+                    </m:r>
+                  </m:oMath>
+                </a14:m>
+                <a:r>
+                  <a:rPr lang="en-GB" dirty="0"/>
+                  <a:t> along edge </a:t>
+                </a:r>
+                <a14:m>
+                  <m:oMath xmlns:m="http://schemas.openxmlformats.org/officeDocument/2006/math">
+                    <m:r>
+                      <a:rPr lang="en-GB" b="0" i="1" smtClean="0">
+                        <a:latin typeface="Cambria Math" panose="02040503050406030204" pitchFamily="18" charset="0"/>
+                      </a:rPr>
+                      <m:t>𝑒</m:t>
+                    </m:r>
+                  </m:oMath>
+                </a14:m>
+                <a:r>
+                  <a:rPr lang="de-DE" dirty="0"/>
+                  <a:t> </a:t>
+                </a:r>
+                <a:r>
+                  <a:rPr lang="de-DE" dirty="0" err="1"/>
+                  <a:t>by</a:t>
+                </a:r>
+                <a:r>
+                  <a:rPr lang="de-DE" dirty="0"/>
+                  <a:t> </a:t>
+                </a:r>
+                <a14:m>
+                  <m:oMath xmlns:m="http://schemas.openxmlformats.org/officeDocument/2006/math">
+                    <m:r>
+                      <a:rPr lang="en-GB" b="0" i="1" smtClean="0">
+                        <a:latin typeface="Cambria Math" panose="02040503050406030204" pitchFamily="18" charset="0"/>
+                      </a:rPr>
+                      <m:t>𝑐</m:t>
+                    </m:r>
+                    <m:r>
+                      <a:rPr lang="en-GB" b="0" i="1" smtClean="0">
+                        <a:latin typeface="Cambria Math" panose="02040503050406030204" pitchFamily="18" charset="0"/>
+                      </a:rPr>
+                      <m:t>(</m:t>
+                    </m:r>
+                    <m:r>
+                      <a:rPr lang="en-GB" b="0" i="1" smtClean="0">
+                        <a:latin typeface="Cambria Math" panose="02040503050406030204" pitchFamily="18" charset="0"/>
+                      </a:rPr>
+                      <m:t>𝑒</m:t>
+                    </m:r>
+                    <m:r>
+                      <a:rPr lang="en-GB" b="0" i="1" smtClean="0">
+                        <a:latin typeface="Cambria Math" panose="02040503050406030204" pitchFamily="18" charset="0"/>
+                      </a:rPr>
+                      <m:t>)</m:t>
+                    </m:r>
+                  </m:oMath>
+                </a14:m>
+                <a:r>
+                  <a:rPr lang="de-DE" dirty="0"/>
+                  <a:t> </a:t>
+                </a:r>
+                <a:r>
+                  <a:rPr lang="de-DE" dirty="0" err="1"/>
+                  <a:t>increases</a:t>
+                </a:r>
+                <a:r>
+                  <a:rPr lang="de-DE" dirty="0"/>
+                  <a:t> </a:t>
+                </a:r>
+                <a14:m>
+                  <m:oMath xmlns:m="http://schemas.openxmlformats.org/officeDocument/2006/math">
+                    <m:r>
+                      <a:rPr lang="en-GB" b="0" i="1" dirty="0" smtClean="0">
+                        <a:latin typeface="Cambria Math" panose="02040503050406030204" pitchFamily="18" charset="0"/>
+                      </a:rPr>
+                      <m:t>𝑙</m:t>
+                    </m:r>
+                    <m:d>
+                      <m:dPr>
+                        <m:ctrlPr>
+                          <a:rPr lang="en-GB" b="0" i="1" dirty="0" smtClean="0">
+                            <a:latin typeface="Cambria Math" panose="02040503050406030204" pitchFamily="18" charset="0"/>
+                          </a:rPr>
+                        </m:ctrlPr>
+                      </m:dPr>
+                      <m:e>
+                        <m:r>
+                          <a:rPr lang="en-GB" b="0" i="1" dirty="0" smtClean="0">
+                            <a:latin typeface="Cambria Math" panose="02040503050406030204" pitchFamily="18" charset="0"/>
+                          </a:rPr>
+                          <m:t>𝑒</m:t>
+                        </m:r>
+                      </m:e>
+                    </m:d>
+                  </m:oMath>
+                </a14:m>
+                <a:r>
+                  <a:rPr lang="de-DE" dirty="0"/>
+                  <a:t> </a:t>
+                </a:r>
+                <a:r>
+                  <a:rPr lang="de-DE" dirty="0" err="1"/>
+                  <a:t>by</a:t>
+                </a:r>
+                <a:r>
+                  <a:rPr lang="de-DE" dirty="0"/>
+                  <a:t> at least </a:t>
+                </a:r>
+                <a14:m>
+                  <m:oMath xmlns:m="http://schemas.openxmlformats.org/officeDocument/2006/math">
+                    <m:r>
+                      <a:rPr lang="en-GB" b="0" i="0" smtClean="0">
+                        <a:latin typeface="Cambria Math" panose="02040503050406030204" pitchFamily="18" charset="0"/>
+                      </a:rPr>
+                      <m:t>(</m:t>
+                    </m:r>
+                    <m:r>
+                      <a:rPr lang="en-GB" b="0" i="1" smtClean="0">
+                        <a:latin typeface="Cambria Math" panose="02040503050406030204" pitchFamily="18" charset="0"/>
+                      </a:rPr>
+                      <m:t>1+</m:t>
+                    </m:r>
+                    <m:r>
+                      <a:rPr lang="en-GB" b="0" i="1" smtClean="0">
+                        <a:latin typeface="Cambria Math" panose="02040503050406030204" pitchFamily="18" charset="0"/>
+                        <a:ea typeface="Cambria Math" panose="02040503050406030204" pitchFamily="18" charset="0"/>
+                      </a:rPr>
+                      <m:t>𝜀</m:t>
+                    </m:r>
+                    <m:r>
+                      <a:rPr lang="en-GB" b="0" i="1" smtClean="0">
+                        <a:latin typeface="Cambria Math" panose="02040503050406030204" pitchFamily="18" charset="0"/>
+                        <a:ea typeface="Cambria Math" panose="02040503050406030204" pitchFamily="18" charset="0"/>
+                      </a:rPr>
+                      <m:t>)</m:t>
+                    </m:r>
+                  </m:oMath>
+                </a14:m>
+                <a:endParaRPr lang="en-GB" dirty="0"/>
+              </a:p>
+              <a:p>
+                <a:pPr lvl="1"/>
+                <a:endParaRPr lang="en-GB" dirty="0"/>
+              </a:p>
+              <a:p>
+                <a:pPr lvl="1"/>
+                <a:r>
+                  <a:rPr lang="en-GB" dirty="0"/>
+                  <a:t>Initial </a:t>
+                </a:r>
+                <a14:m>
+                  <m:oMath xmlns:m="http://schemas.openxmlformats.org/officeDocument/2006/math">
+                    <m:r>
+                      <m:rPr>
+                        <m:sty m:val="p"/>
+                      </m:rPr>
+                      <a:rPr lang="en-GB" b="0" i="0" smtClean="0">
+                        <a:latin typeface="Cambria Math" panose="02040503050406030204" pitchFamily="18" charset="0"/>
+                      </a:rPr>
+                      <m:t>l</m:t>
+                    </m:r>
+                    <m:d>
+                      <m:dPr>
+                        <m:ctrlPr>
+                          <a:rPr lang="en-GB" b="0" i="0" smtClean="0">
+                            <a:latin typeface="Cambria Math" panose="02040503050406030204" pitchFamily="18" charset="0"/>
+                          </a:rPr>
+                        </m:ctrlPr>
+                      </m:dPr>
+                      <m:e>
+                        <m:r>
+                          <a:rPr lang="en-GB" i="1">
+                            <a:latin typeface="Cambria Math" panose="02040503050406030204" pitchFamily="18" charset="0"/>
+                          </a:rPr>
+                          <m:t>𝑒</m:t>
+                        </m:r>
+                      </m:e>
+                    </m:d>
+                    <m:r>
+                      <a:rPr lang="en-GB" b="0" i="1" smtClean="0">
+                        <a:latin typeface="Cambria Math" panose="02040503050406030204" pitchFamily="18" charset="0"/>
+                      </a:rPr>
+                      <m:t>=</m:t>
+                    </m:r>
+                    <m:r>
+                      <a:rPr lang="de-DE" i="1" dirty="0">
+                        <a:latin typeface="Cambria Math" panose="02040503050406030204" pitchFamily="18" charset="0"/>
+                      </a:rPr>
+                      <m:t>𝛿</m:t>
+                    </m:r>
+                  </m:oMath>
+                </a14:m>
+                <a:r>
+                  <a:rPr lang="de-DE" dirty="0"/>
+                  <a:t>, final </a:t>
+                </a:r>
+                <a14:m>
+                  <m:oMath xmlns:m="http://schemas.openxmlformats.org/officeDocument/2006/math">
+                    <m:r>
+                      <m:rPr>
+                        <m:sty m:val="p"/>
+                      </m:rPr>
+                      <a:rPr lang="en-GB" b="0" i="0" smtClean="0">
+                        <a:latin typeface="Cambria Math" panose="02040503050406030204" pitchFamily="18" charset="0"/>
+                      </a:rPr>
+                      <m:t>l</m:t>
+                    </m:r>
+                    <m:d>
+                      <m:dPr>
+                        <m:ctrlPr>
+                          <a:rPr lang="en-GB" b="0" i="0" smtClean="0">
+                            <a:latin typeface="Cambria Math" panose="02040503050406030204" pitchFamily="18" charset="0"/>
+                          </a:rPr>
+                        </m:ctrlPr>
+                      </m:dPr>
+                      <m:e>
+                        <m:r>
+                          <a:rPr lang="en-GB" i="1">
+                            <a:latin typeface="Cambria Math" panose="02040503050406030204" pitchFamily="18" charset="0"/>
+                          </a:rPr>
+                          <m:t>𝑒</m:t>
+                        </m:r>
+                      </m:e>
+                    </m:d>
+                    <m:r>
+                      <a:rPr lang="en-GB" b="0" i="0" smtClean="0">
+                        <a:latin typeface="Cambria Math" panose="02040503050406030204" pitchFamily="18" charset="0"/>
+                      </a:rPr>
+                      <m:t>&lt;</m:t>
+                    </m:r>
+                    <m:r>
+                      <a:rPr lang="en-GB">
+                        <a:latin typeface="Cambria Math" panose="02040503050406030204" pitchFamily="18" charset="0"/>
+                      </a:rPr>
+                      <m:t>(</m:t>
+                    </m:r>
+                    <m:r>
+                      <a:rPr lang="en-GB" i="1">
+                        <a:latin typeface="Cambria Math" panose="02040503050406030204" pitchFamily="18" charset="0"/>
+                      </a:rPr>
+                      <m:t>1+</m:t>
+                    </m:r>
+                    <m:r>
+                      <a:rPr lang="en-GB" i="1">
+                        <a:latin typeface="Cambria Math" panose="02040503050406030204" pitchFamily="18" charset="0"/>
+                        <a:ea typeface="Cambria Math" panose="02040503050406030204" pitchFamily="18" charset="0"/>
+                      </a:rPr>
+                      <m:t>𝜀</m:t>
+                    </m:r>
+                    <m:r>
+                      <a:rPr lang="en-GB" i="1">
+                        <a:latin typeface="Cambria Math" panose="02040503050406030204" pitchFamily="18" charset="0"/>
+                        <a:ea typeface="Cambria Math" panose="02040503050406030204" pitchFamily="18" charset="0"/>
+                      </a:rPr>
+                      <m:t>)</m:t>
+                    </m:r>
+                  </m:oMath>
+                </a14:m>
+                <a:endParaRPr lang="de-DE" dirty="0"/>
+              </a:p>
+              <a:p>
+                <a:pPr lvl="1"/>
+                <a:endParaRPr lang="en-GB" b="0" i="1" dirty="0">
+                  <a:latin typeface="Cambria Math" panose="02040503050406030204" pitchFamily="18" charset="0"/>
+                </a:endParaRPr>
+              </a:p>
+              <a:p>
+                <a:pPr lvl="1"/>
+                <a14:m>
+                  <m:oMath xmlns:m="http://schemas.openxmlformats.org/officeDocument/2006/math">
+                    <m:r>
+                      <a:rPr lang="en-GB" b="0" i="1" smtClean="0">
+                        <a:latin typeface="Cambria Math" panose="02040503050406030204" pitchFamily="18" charset="0"/>
+                      </a:rPr>
+                      <m:t>⇒</m:t>
+                    </m:r>
+                  </m:oMath>
+                </a14:m>
+                <a:r>
+                  <a:rPr lang="de-DE" dirty="0"/>
+                  <a:t> </a:t>
+                </a:r>
+                <a14:m>
+                  <m:oMath xmlns:m="http://schemas.openxmlformats.org/officeDocument/2006/math">
+                    <m:r>
+                      <a:rPr lang="en-GB" i="1" dirty="0">
+                        <a:latin typeface="Cambria Math" panose="02040503050406030204" pitchFamily="18" charset="0"/>
+                      </a:rPr>
+                      <m:t>𝑥</m:t>
+                    </m:r>
+                    <m:r>
+                      <a:rPr lang="en-GB" b="0" i="1" dirty="0" smtClean="0">
+                        <a:latin typeface="Cambria Math" panose="02040503050406030204" pitchFamily="18" charset="0"/>
+                      </a:rPr>
+                      <m:t>(</m:t>
+                    </m:r>
+                    <m:r>
+                      <a:rPr lang="en-GB" b="0" i="1" dirty="0" smtClean="0">
+                        <a:latin typeface="Cambria Math" panose="02040503050406030204" pitchFamily="18" charset="0"/>
+                      </a:rPr>
+                      <m:t>𝑒</m:t>
+                    </m:r>
+                    <m:r>
+                      <a:rPr lang="en-GB" b="0" i="1" dirty="0" smtClean="0">
+                        <a:latin typeface="Cambria Math" panose="02040503050406030204" pitchFamily="18" charset="0"/>
+                      </a:rPr>
+                      <m:t>)≤ </m:t>
+                    </m:r>
+                    <m:r>
+                      <a:rPr lang="en-GB" i="1">
+                        <a:latin typeface="Cambria Math" panose="02040503050406030204" pitchFamily="18" charset="0"/>
+                      </a:rPr>
+                      <m:t>𝑐</m:t>
+                    </m:r>
+                    <m:d>
+                      <m:dPr>
+                        <m:ctrlPr>
+                          <a:rPr lang="en-GB" i="1">
+                            <a:latin typeface="Cambria Math" panose="02040503050406030204" pitchFamily="18" charset="0"/>
+                          </a:rPr>
+                        </m:ctrlPr>
+                      </m:dPr>
+                      <m:e>
+                        <m:r>
+                          <a:rPr lang="en-GB" i="1">
+                            <a:latin typeface="Cambria Math" panose="02040503050406030204" pitchFamily="18" charset="0"/>
+                          </a:rPr>
+                          <m:t>𝑒</m:t>
+                        </m:r>
+                      </m:e>
+                    </m:d>
+                    <m:func>
+                      <m:funcPr>
+                        <m:ctrlPr>
+                          <a:rPr lang="en-GB" i="1">
+                            <a:latin typeface="Cambria Math" panose="02040503050406030204" pitchFamily="18" charset="0"/>
+                          </a:rPr>
+                        </m:ctrlPr>
+                      </m:funcPr>
+                      <m:fName>
+                        <m:sSub>
+                          <m:sSubPr>
+                            <m:ctrlPr>
+                              <a:rPr lang="en-GB" i="1">
+                                <a:latin typeface="Cambria Math" panose="02040503050406030204" pitchFamily="18" charset="0"/>
+                              </a:rPr>
+                            </m:ctrlPr>
+                          </m:sSubPr>
+                          <m:e>
+                            <m:r>
+                              <m:rPr>
+                                <m:sty m:val="p"/>
+                              </m:rPr>
+                              <a:rPr lang="en-GB" i="1">
+                                <a:latin typeface="Cambria Math" panose="02040503050406030204" pitchFamily="18" charset="0"/>
+                              </a:rPr>
+                              <m:t>log</m:t>
+                            </m:r>
+                          </m:e>
+                          <m:sub>
+                            <m:r>
+                              <a:rPr lang="en-GB" i="1">
+                                <a:latin typeface="Cambria Math" panose="02040503050406030204" pitchFamily="18" charset="0"/>
+                              </a:rPr>
+                              <m:t>1+</m:t>
+                            </m:r>
+                            <m:r>
+                              <a:rPr lang="en-GB" i="1">
+                                <a:latin typeface="Cambria Math" panose="02040503050406030204" pitchFamily="18" charset="0"/>
+                              </a:rPr>
+                              <m:t>𝜀</m:t>
+                            </m:r>
+                          </m:sub>
+                        </m:sSub>
+                      </m:fName>
+                      <m:e>
+                        <m:f>
+                          <m:fPr>
+                            <m:ctrlPr>
+                              <a:rPr lang="en-GB" i="1">
+                                <a:latin typeface="Cambria Math" panose="02040503050406030204" pitchFamily="18" charset="0"/>
+                              </a:rPr>
+                            </m:ctrlPr>
+                          </m:fPr>
+                          <m:num>
+                            <m:r>
+                              <a:rPr lang="en-GB" i="1">
+                                <a:latin typeface="Cambria Math" panose="02040503050406030204" pitchFamily="18" charset="0"/>
+                              </a:rPr>
+                              <m:t>1+</m:t>
+                            </m:r>
+                            <m:r>
+                              <a:rPr lang="en-GB" i="1">
+                                <a:latin typeface="Cambria Math" panose="02040503050406030204" pitchFamily="18" charset="0"/>
+                              </a:rPr>
+                              <m:t>𝜀</m:t>
+                            </m:r>
+                          </m:num>
+                          <m:den>
+                            <m:r>
+                              <a:rPr lang="de-DE" i="1" dirty="0">
+                                <a:latin typeface="Cambria Math" panose="02040503050406030204" pitchFamily="18" charset="0"/>
+                              </a:rPr>
+                              <m:t>𝛿</m:t>
+                            </m:r>
+                          </m:den>
+                        </m:f>
+                      </m:e>
+                    </m:func>
+                  </m:oMath>
+                </a14:m>
+                <a:endParaRPr lang="de-DE" dirty="0"/>
+              </a:p>
+              <a:p>
+                <a:pPr lvl="1"/>
+                <a:endParaRPr lang="en-GB" dirty="0"/>
+              </a:p>
+            </p:txBody>
+          </p:sp>
+        </mc:Choice>
+        <mc:Fallback>
+          <p:sp>
+            <p:nvSpPr>
+              <p:cNvPr id="3" name="Inhaltsplatzhalter 2">
+                <a:extLst>
+                  <a:ext uri="{FF2B5EF4-FFF2-40B4-BE49-F238E27FC236}">
+                    <a16:creationId xmlns:a16="http://schemas.microsoft.com/office/drawing/2014/main" id="{C877A7B3-5F44-49E8-BD52-BBAF85F018E7}"/>
+                  </a:ext>
+                </a:extLst>
+              </p:cNvPr>
+              <p:cNvSpPr>
+                <a:spLocks noGrp="1" noRot="1" noChangeAspect="1" noMove="1" noResize="1" noEditPoints="1" noAdjustHandles="1" noChangeArrowheads="1" noChangeShapeType="1" noTextEdit="1"/>
+              </p:cNvSpPr>
+              <p:nvPr>
+                <p:ph idx="1"/>
+              </p:nvPr>
+            </p:nvSpPr>
+            <p:spPr>
+              <a:blipFill>
+                <a:blip r:embed="rId3"/>
+                <a:stretch>
+                  <a:fillRect l="-928" t="-3501"/>
+                </a:stretch>
+              </a:blipFill>
+            </p:spPr>
+            <p:txBody>
               <a:bodyPr/>
               <a:lstStyle/>
+              <a:p>
+                <a:r>
+                  <a:rPr lang="de-DE">
+                    <a:noFill/>
+                  </a:rPr>
+                  <a:t> </a:t>
+                </a:r>
+              </a:p>
+            </p:txBody>
+          </p:sp>
+        </mc:Fallback>
+      </mc:AlternateContent>
+    </p:spTree>
+    <p:extLst>
+      <p:ext uri="{BB962C8B-B14F-4D97-AF65-F5344CB8AC3E}">
+        <p14:creationId xmlns:p14="http://schemas.microsoft.com/office/powerpoint/2010/main" val="3073505764"/>
+      </p:ext>
+    </p:extLst>
+  </p:cSld>
+  <p:clrMapOvr>
+    <a:masterClrMapping/>
+  </p:clrMapOvr>
+</p:sld>
+</file>
+
+<file path=ppt/slides/slide22.xml><?xml version="1.0" encoding="utf-8"?>
+<p:sld xmlns:a="http://schemas.openxmlformats.org/drawingml/2006/main" xmlns:r="http://schemas.openxmlformats.org/officeDocument/2006/relationships" xmlns:p="http://schemas.openxmlformats.org/presentationml/2006/main">
+  <p:cSld>
+    <p:spTree>
+      <p:nvGrpSpPr>
+        <p:cNvPr id="1" name=""/>
+        <p:cNvGrpSpPr/>
+        <p:nvPr/>
+      </p:nvGrpSpPr>
+      <p:grpSpPr>
+        <a:xfrm>
+          <a:off x="0" y="0"/>
+          <a:ext cx="0" cy="0"/>
+          <a:chOff x="0" y="0"/>
+          <a:chExt cx="0" cy="0"/>
+        </a:xfrm>
+      </p:grpSpPr>
+      <p:sp>
+        <p:nvSpPr>
+          <p:cNvPr id="2" name="Titel 1">
+            <a:extLst>
+              <a:ext uri="{FF2B5EF4-FFF2-40B4-BE49-F238E27FC236}">
+                <a16:creationId xmlns:a16="http://schemas.microsoft.com/office/drawing/2014/main" id="{AB514ABA-905D-490E-B52D-DD4206E5B40A}"/>
+              </a:ext>
+            </a:extLst>
+          </p:cNvPr>
+          <p:cNvSpPr>
+            <a:spLocks noGrp="1"/>
+          </p:cNvSpPr>
+          <p:nvPr>
+            <p:ph type="title"/>
+          </p:nvPr>
+        </p:nvSpPr>
+        <p:spPr/>
+        <p:txBody>
+          <a:bodyPr/>
+          <a:lstStyle/>
+          <a:p>
+            <a:r>
+              <a:rPr lang="en-GB" dirty="0"/>
+              <a:t>Analysis</a:t>
+            </a:r>
+            <a:endParaRPr lang="de-DE" dirty="0"/>
+          </a:p>
+        </p:txBody>
+      </p:sp>
+      <mc:AlternateContent xmlns:mc="http://schemas.openxmlformats.org/markup-compatibility/2006">
+        <mc:Choice xmlns:a14="http://schemas.microsoft.com/office/drawing/2010/main" Requires="a14">
+          <p:sp>
+            <p:nvSpPr>
+              <p:cNvPr id="3" name="Inhaltsplatzhalter 2">
+                <a:extLst>
+                  <a:ext uri="{FF2B5EF4-FFF2-40B4-BE49-F238E27FC236}">
+                    <a16:creationId xmlns:a16="http://schemas.microsoft.com/office/drawing/2014/main" id="{FE816A07-B626-416C-A87A-59478CA41EB7}"/>
+                  </a:ext>
+                </a:extLst>
+              </p:cNvPr>
+              <p:cNvSpPr>
+                <a:spLocks noGrp="1"/>
+              </p:cNvSpPr>
+              <p:nvPr>
+                <p:ph idx="1"/>
+              </p:nvPr>
+            </p:nvSpPr>
+            <p:spPr/>
+            <p:txBody>
+              <a:bodyPr/>
+              <a:lstStyle/>
+              <a:p>
+                <a:r>
+                  <a:rPr lang="de-DE" dirty="0"/>
+                  <a:t>Correctness:</a:t>
+                </a:r>
+              </a:p>
+              <a:p>
+                <a:pPr lvl="1"/>
+                <a14:m>
+                  <m:oMath xmlns:m="http://schemas.openxmlformats.org/officeDocument/2006/math">
+                    <m:nary>
+                      <m:naryPr>
+                        <m:chr m:val="∑"/>
+                        <m:supHide m:val="on"/>
+                        <m:ctrlPr>
+                          <a:rPr lang="en-GB" i="1">
+                            <a:latin typeface="Cambria Math" panose="02040503050406030204" pitchFamily="18" charset="0"/>
+                          </a:rPr>
+                        </m:ctrlPr>
+                      </m:naryPr>
+                      <m:sub>
+                        <m:r>
+                          <m:rPr>
+                            <m:brk m:alnAt="7"/>
+                          </m:rPr>
+                          <a:rPr lang="en-GB" i="1">
+                            <a:latin typeface="Cambria Math" panose="02040503050406030204" pitchFamily="18" charset="0"/>
+                          </a:rPr>
+                          <m:t>𝑝</m:t>
+                        </m:r>
+                        <m:r>
+                          <a:rPr lang="en-GB" i="1">
+                            <a:latin typeface="Cambria Math" panose="02040503050406030204" pitchFamily="18" charset="0"/>
+                            <a:ea typeface="Cambria Math" panose="02040503050406030204" pitchFamily="18" charset="0"/>
+                          </a:rPr>
+                          <m:t>∈</m:t>
+                        </m:r>
+                        <m:r>
+                          <a:rPr lang="en-GB" i="1">
+                            <a:latin typeface="Cambria Math" panose="02040503050406030204" pitchFamily="18" charset="0"/>
+                            <a:ea typeface="Cambria Math" panose="02040503050406030204" pitchFamily="18" charset="0"/>
+                          </a:rPr>
+                          <m:t>𝑃</m:t>
+                        </m:r>
+                      </m:sub>
+                      <m:sup/>
+                      <m:e>
+                        <m:r>
+                          <a:rPr lang="en-GB" i="1">
+                            <a:latin typeface="Cambria Math" panose="02040503050406030204" pitchFamily="18" charset="0"/>
+                          </a:rPr>
+                          <m:t>𝑥</m:t>
+                        </m:r>
+                        <m:d>
+                          <m:dPr>
+                            <m:ctrlPr>
+                              <a:rPr lang="en-GB" i="1">
+                                <a:latin typeface="Cambria Math" panose="02040503050406030204" pitchFamily="18" charset="0"/>
+                              </a:rPr>
+                            </m:ctrlPr>
+                          </m:dPr>
+                          <m:e>
+                            <m:r>
+                              <a:rPr lang="en-GB" i="1">
+                                <a:latin typeface="Cambria Math" panose="02040503050406030204" pitchFamily="18" charset="0"/>
+                              </a:rPr>
+                              <m:t>𝑝</m:t>
+                            </m:r>
+                          </m:e>
+                        </m:d>
+                        <m:r>
+                          <a:rPr lang="en-GB" b="0" i="1" smtClean="0">
+                            <a:latin typeface="Cambria Math" panose="02040503050406030204" pitchFamily="18" charset="0"/>
+                          </a:rPr>
+                          <m:t>=</m:t>
+                        </m:r>
+                        <m:r>
+                          <a:rPr lang="en-GB" b="0" i="1" smtClean="0">
+                            <a:latin typeface="Cambria Math" panose="02040503050406030204" pitchFamily="18" charset="0"/>
+                          </a:rPr>
+                          <m:t>𝑣</m:t>
+                        </m:r>
+                        <m:d>
+                          <m:dPr>
+                            <m:ctrlPr>
+                              <a:rPr lang="en-GB" b="0" i="1" smtClean="0">
+                                <a:latin typeface="Cambria Math" panose="02040503050406030204" pitchFamily="18" charset="0"/>
+                              </a:rPr>
+                            </m:ctrlPr>
+                          </m:dPr>
+                          <m:e>
+                            <m:r>
+                              <a:rPr lang="en-GB" b="0" i="1" smtClean="0">
+                                <a:latin typeface="Cambria Math" panose="02040503050406030204" pitchFamily="18" charset="0"/>
+                              </a:rPr>
+                              <m:t>𝑥</m:t>
+                            </m:r>
+                          </m:e>
+                        </m:d>
+                      </m:e>
+                    </m:nary>
+                    <m:r>
+                      <a:rPr lang="en-GB" i="1">
+                        <a:latin typeface="Cambria Math" panose="02040503050406030204" pitchFamily="18" charset="0"/>
+                        <a:ea typeface="Cambria Math" panose="02040503050406030204" pitchFamily="18" charset="0"/>
+                      </a:rPr>
+                      <m:t>≥</m:t>
+                    </m:r>
+                    <m:r>
+                      <a:rPr lang="en-GB" b="0" i="1" smtClean="0">
+                        <a:latin typeface="Cambria Math" panose="02040503050406030204" pitchFamily="18" charset="0"/>
+                        <a:ea typeface="Cambria Math" panose="02040503050406030204" pitchFamily="18" charset="0"/>
+                      </a:rPr>
+                      <m:t>𝑜𝑝𝑡</m:t>
+                    </m:r>
+                    <m:r>
+                      <a:rPr lang="en-GB" b="0" i="1" smtClean="0">
+                        <a:latin typeface="Cambria Math" panose="02040503050406030204" pitchFamily="18" charset="0"/>
+                        <a:ea typeface="Cambria Math" panose="02040503050406030204" pitchFamily="18" charset="0"/>
+                      </a:rPr>
+                      <m:t>(1−</m:t>
+                    </m:r>
+                    <m:r>
+                      <a:rPr lang="en-GB" i="1">
+                        <a:latin typeface="Cambria Math" panose="02040503050406030204" pitchFamily="18" charset="0"/>
+                        <a:ea typeface="Cambria Math" panose="02040503050406030204" pitchFamily="18" charset="0"/>
+                      </a:rPr>
+                      <m:t>𝜔</m:t>
+                    </m:r>
+                    <m:r>
+                      <a:rPr lang="en-GB" b="0" i="1" smtClean="0">
+                        <a:latin typeface="Cambria Math" panose="02040503050406030204" pitchFamily="18" charset="0"/>
+                        <a:ea typeface="Cambria Math" panose="02040503050406030204" pitchFamily="18" charset="0"/>
+                      </a:rPr>
+                      <m:t>)</m:t>
+                    </m:r>
+                  </m:oMath>
+                </a14:m>
+                <a:r>
+                  <a:rPr lang="de-DE" dirty="0"/>
+                  <a:t> </a:t>
+                </a:r>
+              </a:p>
+              <a:p>
+                <a:pPr lvl="1"/>
+                <a14:m>
+                  <m:oMath xmlns:m="http://schemas.openxmlformats.org/officeDocument/2006/math">
+                    <m:r>
+                      <a:rPr lang="de-DE" i="1" smtClean="0">
+                        <a:latin typeface="Cambria Math" panose="02040503050406030204" pitchFamily="18" charset="0"/>
+                      </a:rPr>
+                      <m:t>⇔</m:t>
+                    </m:r>
+                    <m:r>
+                      <a:rPr lang="en-GB" b="0" i="1" smtClean="0">
+                        <a:latin typeface="Cambria Math" panose="02040503050406030204" pitchFamily="18" charset="0"/>
+                      </a:rPr>
+                      <m:t> </m:t>
+                    </m:r>
+                    <m:f>
+                      <m:fPr>
+                        <m:ctrlPr>
+                          <a:rPr lang="en-GB" b="0" i="1" smtClean="0">
+                            <a:latin typeface="Cambria Math" panose="02040503050406030204" pitchFamily="18" charset="0"/>
+                          </a:rPr>
+                        </m:ctrlPr>
+                      </m:fPr>
+                      <m:num>
+                        <m:r>
+                          <a:rPr lang="en-GB" b="0" i="1" smtClean="0">
+                            <a:latin typeface="Cambria Math" panose="02040503050406030204" pitchFamily="18" charset="0"/>
+                          </a:rPr>
+                          <m:t>𝑣</m:t>
+                        </m:r>
+                        <m:r>
+                          <a:rPr lang="en-GB" b="0" i="1" smtClean="0">
+                            <a:latin typeface="Cambria Math" panose="02040503050406030204" pitchFamily="18" charset="0"/>
+                          </a:rPr>
+                          <m:t>(</m:t>
+                        </m:r>
+                        <m:r>
+                          <a:rPr lang="en-GB" b="0" i="1" smtClean="0">
+                            <a:latin typeface="Cambria Math" panose="02040503050406030204" pitchFamily="18" charset="0"/>
+                          </a:rPr>
+                          <m:t>𝑥</m:t>
+                        </m:r>
+                        <m:r>
+                          <a:rPr lang="en-GB" b="0" i="1" smtClean="0">
+                            <a:latin typeface="Cambria Math" panose="02040503050406030204" pitchFamily="18" charset="0"/>
+                          </a:rPr>
+                          <m:t>)</m:t>
+                        </m:r>
+                      </m:num>
+                      <m:den/>
+                    </m:f>
+                  </m:oMath>
+                </a14:m>
+                <a:endParaRPr lang="de-DE" dirty="0"/>
+              </a:p>
+              <a:p>
+                <a:pPr lvl="1"/>
+                <a:endParaRPr lang="de-DE" dirty="0"/>
+              </a:p>
+              <a:p>
+                <a:endParaRPr lang="en-GB" dirty="0"/>
+              </a:p>
+              <a:p>
+                <a:endParaRPr lang="en-GB" dirty="0"/>
+              </a:p>
               <a:p>
                 <a:r>
                   <a:rPr lang="en-GB" dirty="0"/>
@@ -19696,7 +17498,7 @@
                       <m:accPr>
                         <m:chr m:val="̃"/>
                         <m:ctrlPr>
-                          <a:rPr lang="en-GB" b="0" i="1" smtClean="0">
+                          <a:rPr lang="en-GB" i="1">
                             <a:latin typeface="Cambria Math" panose="02040503050406030204" pitchFamily="18" charset="0"/>
                           </a:rPr>
                         </m:ctrlPr>
@@ -19711,7 +17513,7 @@
                       </m:e>
                     </m:acc>
                     <m:r>
-                      <a:rPr lang="en-GB" b="0" i="1" smtClean="0">
+                      <a:rPr lang="en-GB" i="1">
                         <a:latin typeface="Cambria Math" panose="02040503050406030204" pitchFamily="18" charset="0"/>
                       </a:rPr>
                       <m:t>(</m:t>
@@ -19719,7 +17521,7 @@
                     <m:sSup>
                       <m:sSupPr>
                         <m:ctrlPr>
-                          <a:rPr lang="en-GB" b="0" i="1" smtClean="0">
+                          <a:rPr lang="en-GB" i="1">
                             <a:latin typeface="Cambria Math" panose="02040503050406030204" pitchFamily="18" charset="0"/>
                           </a:rPr>
                         </m:ctrlPr>
@@ -19735,7 +17537,7 @@
                       </m:e>
                       <m:sup>
                         <m:r>
-                          <a:rPr lang="en-GB" b="0" i="1" smtClean="0">
+                          <a:rPr lang="en-GB" i="1">
                             <a:latin typeface="Cambria Math" panose="02040503050406030204" pitchFamily="18" charset="0"/>
                           </a:rPr>
                           <m:t>−2</m:t>
@@ -19743,13 +17545,13 @@
                       </m:sup>
                     </m:sSup>
                     <m:r>
-                      <a:rPr lang="en-GB" b="0" i="1" smtClean="0">
+                      <a:rPr lang="en-GB" i="1">
                         <a:latin typeface="Cambria Math" panose="02040503050406030204" pitchFamily="18" charset="0"/>
                       </a:rPr>
                       <m:t>𝑘</m:t>
                     </m:r>
                     <m:r>
-                      <a:rPr lang="en-GB" b="0" i="1" smtClean="0">
+                      <a:rPr lang="en-GB" i="1">
                         <a:latin typeface="Cambria Math" panose="02040503050406030204" pitchFamily="18" charset="0"/>
                       </a:rPr>
                       <m:t> </m:t>
@@ -19757,14 +17559,14 @@
                     <m:sSup>
                       <m:sSupPr>
                         <m:ctrlPr>
-                          <a:rPr lang="en-GB" b="0" i="1" smtClean="0">
+                          <a:rPr lang="en-GB" i="1">
                             <a:latin typeface="Cambria Math" panose="02040503050406030204" pitchFamily="18" charset="0"/>
                           </a:rPr>
                         </m:ctrlPr>
                       </m:sSupPr>
                       <m:e>
                         <m:r>
-                          <a:rPr lang="en-GB" b="0" i="1" smtClean="0">
+                          <a:rPr lang="en-GB" i="1">
                             <a:latin typeface="Cambria Math" panose="02040503050406030204" pitchFamily="18" charset="0"/>
                           </a:rPr>
                           <m:t>𝑚</m:t>
@@ -19772,7 +17574,7 @@
                       </m:e>
                       <m:sup>
                         <m:r>
-                          <a:rPr lang="en-GB" b="0" i="1" smtClean="0">
+                          <a:rPr lang="en-GB" i="1">
                             <a:latin typeface="Cambria Math" panose="02040503050406030204" pitchFamily="18" charset="0"/>
                           </a:rPr>
                           <m:t>2</m:t>
@@ -19780,7 +17582,7 @@
                       </m:sup>
                     </m:sSup>
                     <m:r>
-                      <a:rPr lang="en-GB" b="0" i="1" smtClean="0">
+                      <a:rPr lang="en-GB" i="1">
                         <a:latin typeface="Cambria Math" panose="02040503050406030204" pitchFamily="18" charset="0"/>
                       </a:rPr>
                       <m:t>)</m:t>
@@ -19817,32 +17619,22 @@
                 </a:r>
               </a:p>
               <a:p>
-                <a:endParaRPr lang="en-GB" dirty="0"/>
+                <a:endParaRPr lang="de-DE" dirty="0"/>
               </a:p>
               <a:p>
-                <a:r>
-                  <a:rPr lang="en-GB" dirty="0"/>
-                  <a:t>C</a:t>
-                </a:r>
-                <a:r>
-                  <a:rPr lang="de-DE" dirty="0" err="1"/>
-                  <a:t>orrectnes</a:t>
-                </a:r>
-                <a:r>
-                  <a:rPr lang="de-DE" dirty="0"/>
-                  <a:t>:</a:t>
-                </a:r>
+                <a:pPr lvl="1"/>
+                <a:endParaRPr lang="de-DE" dirty="0"/>
               </a:p>
             </p:txBody>
           </p:sp>
         </mc:Choice>
-        <mc:Fallback xmlns="">
+        <mc:Fallback>
           <p:sp>
             <p:nvSpPr>
               <p:cNvPr id="3" name="Inhaltsplatzhalter 2">
                 <a:extLst>
                   <a:ext uri="{FF2B5EF4-FFF2-40B4-BE49-F238E27FC236}">
-                    <a16:creationId xmlns:a16="http://schemas.microsoft.com/office/drawing/2014/main" id="{C877A7B3-5F44-49E8-BD52-BBAF85F018E7}"/>
+                    <a16:creationId xmlns:a16="http://schemas.microsoft.com/office/drawing/2014/main" id="{FE816A07-B626-416C-A87A-59478CA41EB7}"/>
                   </a:ext>
                 </a:extLst>
               </p:cNvPr>
@@ -19855,9 +17647,9 @@
             </p:nvSpPr>
             <p:spPr>
               <a:blipFill>
-                <a:blip r:embed="rId3"/>
+                <a:blip r:embed="rId2"/>
                 <a:stretch>
-                  <a:fillRect l="-1043" t="-1961"/>
+                  <a:fillRect l="-1043" t="-4202"/>
                 </a:stretch>
               </a:blipFill>
             </p:spPr>
@@ -19879,7 +17671,7 @@
     </p:spTree>
     <p:extLst>
       <p:ext uri="{BB962C8B-B14F-4D97-AF65-F5344CB8AC3E}">
-        <p14:creationId xmlns:p14="http://schemas.microsoft.com/office/powerpoint/2010/main" val="3073505764"/>
+        <p14:creationId xmlns:p14="http://schemas.microsoft.com/office/powerpoint/2010/main" val="1097762125"/>
       </p:ext>
     </p:extLst>
   </p:cSld>
@@ -19889,7 +17681,7 @@
 </p:sld>
 </file>
 
-<file path=ppt/slides/slide24.xml><?xml version="1.0" encoding="utf-8"?>
+<file path=ppt/slides/slide23.xml><?xml version="1.0" encoding="utf-8"?>
 <p:sld xmlns:a="http://schemas.openxmlformats.org/drawingml/2006/main" xmlns:r="http://schemas.openxmlformats.org/officeDocument/2006/relationships" xmlns:p="http://schemas.openxmlformats.org/presentationml/2006/main">
   <p:cSld>
     <p:spTree>
@@ -20060,7 +17852,7 @@
 </p:sld>
 </file>
 
-<file path=ppt/slides/slide25.xml><?xml version="1.0" encoding="utf-8"?>
+<file path=ppt/slides/slide24.xml><?xml version="1.0" encoding="utf-8"?>
 <p:sld xmlns:a="http://schemas.openxmlformats.org/drawingml/2006/main" xmlns:r="http://schemas.openxmlformats.org/officeDocument/2006/relationships" xmlns:p="http://schemas.openxmlformats.org/presentationml/2006/main">
   <p:cSld>
     <p:spTree>
@@ -20227,7 +18019,7 @@
 </p:sld>
 </file>
 
-<file path=ppt/slides/slide26.xml><?xml version="1.0" encoding="utf-8"?>
+<file path=ppt/slides/slide25.xml><?xml version="1.0" encoding="utf-8"?>
 <p:sld xmlns:a="http://schemas.openxmlformats.org/drawingml/2006/main" xmlns:r="http://schemas.openxmlformats.org/officeDocument/2006/relationships" xmlns:p="http://schemas.openxmlformats.org/presentationml/2006/main">
   <p:cSld>
     <p:spTree>
@@ -21081,6 +18873,684 @@
 </p:sld>
 </file>
 
+<file path=ppt/slides/slide26.xml><?xml version="1.0" encoding="utf-8"?>
+<p:sld xmlns:a="http://schemas.openxmlformats.org/drawingml/2006/main" xmlns:r="http://schemas.openxmlformats.org/officeDocument/2006/relationships" xmlns:p="http://schemas.openxmlformats.org/presentationml/2006/main">
+  <p:cSld>
+    <p:spTree>
+      <p:nvGrpSpPr>
+        <p:cNvPr id="1" name=""/>
+        <p:cNvGrpSpPr/>
+        <p:nvPr/>
+      </p:nvGrpSpPr>
+      <p:grpSpPr>
+        <a:xfrm>
+          <a:off x="0" y="0"/>
+          <a:ext cx="0" cy="0"/>
+          <a:chOff x="0" y="0"/>
+          <a:chExt cx="0" cy="0"/>
+        </a:xfrm>
+      </p:grpSpPr>
+      <p:sp>
+        <p:nvSpPr>
+          <p:cNvPr id="2" name="Titel 1">
+            <a:extLst>
+              <a:ext uri="{FF2B5EF4-FFF2-40B4-BE49-F238E27FC236}">
+                <a16:creationId xmlns:a16="http://schemas.microsoft.com/office/drawing/2014/main" id="{1A39CA54-5914-4FB4-9C76-067ECAC6D35C}"/>
+              </a:ext>
+            </a:extLst>
+          </p:cNvPr>
+          <p:cNvSpPr>
+            <a:spLocks noGrp="1"/>
+          </p:cNvSpPr>
+          <p:nvPr>
+            <p:ph type="title"/>
+          </p:nvPr>
+        </p:nvSpPr>
+        <p:spPr/>
+        <p:txBody>
+          <a:bodyPr/>
+          <a:lstStyle/>
+          <a:p>
+            <a:r>
+              <a:rPr lang="en-GB" dirty="0"/>
+              <a:t>Modifications</a:t>
+            </a:r>
+            <a:endParaRPr lang="de-DE" dirty="0"/>
+          </a:p>
+        </p:txBody>
+      </p:sp>
+      <mc:AlternateContent xmlns:mc="http://schemas.openxmlformats.org/markup-compatibility/2006" xmlns:a14="http://schemas.microsoft.com/office/drawing/2010/main">
+        <mc:Choice Requires="a14">
+          <p:sp>
+            <p:nvSpPr>
+              <p:cNvPr id="3" name="Inhaltsplatzhalter 2">
+                <a:extLst>
+                  <a:ext uri="{FF2B5EF4-FFF2-40B4-BE49-F238E27FC236}">
+                    <a16:creationId xmlns:a16="http://schemas.microsoft.com/office/drawing/2014/main" id="{D5331855-7856-4AF4-B944-4D6DF9068C31}"/>
+                  </a:ext>
+                </a:extLst>
+              </p:cNvPr>
+              <p:cNvSpPr>
+                <a:spLocks noGrp="1"/>
+              </p:cNvSpPr>
+              <p:nvPr>
+                <p:ph idx="1"/>
+              </p:nvPr>
+            </p:nvSpPr>
+            <p:spPr/>
+            <p:txBody>
+              <a:bodyPr/>
+              <a:lstStyle/>
+              <a:p>
+                <a:r>
+                  <a:rPr lang="en-GB" dirty="0"/>
+                  <a:t>Group commodities: </a:t>
+                </a:r>
+                <a14:m>
+                  <m:oMath xmlns:m="http://schemas.openxmlformats.org/officeDocument/2006/math">
+                    <m:d>
+                      <m:dPr>
+                        <m:ctrlPr>
+                          <a:rPr lang="en-GB" b="0" i="1" dirty="0" smtClean="0">
+                            <a:latin typeface="Cambria Math" panose="02040503050406030204" pitchFamily="18" charset="0"/>
+                          </a:rPr>
+                        </m:ctrlPr>
+                      </m:dPr>
+                      <m:e>
+                        <m:r>
+                          <a:rPr lang="en-GB" b="0" i="1" dirty="0" smtClean="0">
+                            <a:latin typeface="Cambria Math" panose="02040503050406030204" pitchFamily="18" charset="0"/>
+                          </a:rPr>
+                          <m:t>𝑑</m:t>
+                        </m:r>
+                        <m:r>
+                          <a:rPr lang="en-GB" b="0" i="1" dirty="0" smtClean="0">
+                            <a:latin typeface="Cambria Math" panose="02040503050406030204" pitchFamily="18" charset="0"/>
+                          </a:rPr>
+                          <m:t>,</m:t>
+                        </m:r>
+                        <m:r>
+                          <a:rPr lang="en-GB" b="0" i="1" dirty="0" smtClean="0">
+                            <a:latin typeface="Cambria Math" panose="02040503050406030204" pitchFamily="18" charset="0"/>
+                          </a:rPr>
+                          <m:t>𝑐</m:t>
+                        </m:r>
+                      </m:e>
+                    </m:d>
+                    <m:r>
+                      <a:rPr lang="en-GB" b="0" i="1" dirty="0" smtClean="0">
+                        <a:latin typeface="Cambria Math" panose="02040503050406030204" pitchFamily="18" charset="0"/>
+                      </a:rPr>
+                      <m:t>, (</m:t>
+                    </m:r>
+                    <m:r>
+                      <a:rPr lang="en-GB" b="0" i="1" dirty="0" smtClean="0">
+                        <a:latin typeface="Cambria Math" panose="02040503050406030204" pitchFamily="18" charset="0"/>
+                      </a:rPr>
+                      <m:t>𝑎</m:t>
+                    </m:r>
+                    <m:r>
+                      <a:rPr lang="en-GB" b="0" i="1" dirty="0" smtClean="0">
+                        <a:latin typeface="Cambria Math" panose="02040503050406030204" pitchFamily="18" charset="0"/>
+                      </a:rPr>
+                      <m:t>,</m:t>
+                    </m:r>
+                    <m:r>
+                      <a:rPr lang="en-GB" b="0" i="1" dirty="0" smtClean="0">
+                        <a:latin typeface="Cambria Math" panose="02040503050406030204" pitchFamily="18" charset="0"/>
+                      </a:rPr>
+                      <m:t>𝑐</m:t>
+                    </m:r>
+                    <m:r>
+                      <a:rPr lang="en-GB" b="0" i="1" dirty="0" smtClean="0">
+                        <a:latin typeface="Cambria Math" panose="02040503050406030204" pitchFamily="18" charset="0"/>
+                      </a:rPr>
+                      <m:t>)</m:t>
+                    </m:r>
+                  </m:oMath>
+                </a14:m>
+                <a:endParaRPr lang="de-DE" dirty="0"/>
+              </a:p>
+            </p:txBody>
+          </p:sp>
+        </mc:Choice>
+        <mc:Fallback xmlns="">
+          <p:sp>
+            <p:nvSpPr>
+              <p:cNvPr id="3" name="Inhaltsplatzhalter 2">
+                <a:extLst>
+                  <a:ext uri="{FF2B5EF4-FFF2-40B4-BE49-F238E27FC236}">
+                    <a16:creationId xmlns:a16="http://schemas.microsoft.com/office/drawing/2014/main" id="{D5331855-7856-4AF4-B944-4D6DF9068C31}"/>
+                  </a:ext>
+                </a:extLst>
+              </p:cNvPr>
+              <p:cNvSpPr>
+                <a:spLocks noGrp="1" noRot="1" noChangeAspect="1" noMove="1" noResize="1" noEditPoints="1" noAdjustHandles="1" noChangeArrowheads="1" noChangeShapeType="1" noTextEdit="1"/>
+              </p:cNvSpPr>
+              <p:nvPr>
+                <p:ph idx="1"/>
+              </p:nvPr>
+            </p:nvSpPr>
+            <p:spPr>
+              <a:blipFill>
+                <a:blip r:embed="rId2"/>
+                <a:stretch>
+                  <a:fillRect l="-1043" t="-2241"/>
+                </a:stretch>
+              </a:blipFill>
+            </p:spPr>
+            <p:txBody>
+              <a:bodyPr/>
+              <a:lstStyle/>
+              <a:p>
+                <a:r>
+                  <a:rPr lang="de-DE">
+                    <a:noFill/>
+                  </a:rPr>
+                  <a:t> </a:t>
+                </a:r>
+              </a:p>
+            </p:txBody>
+          </p:sp>
+        </mc:Fallback>
+      </mc:AlternateContent>
+      <p:sp>
+        <p:nvSpPr>
+          <p:cNvPr id="4" name="Rechteck 3">
+            <a:extLst>
+              <a:ext uri="{FF2B5EF4-FFF2-40B4-BE49-F238E27FC236}">
+                <a16:creationId xmlns:a16="http://schemas.microsoft.com/office/drawing/2014/main" id="{85E233EB-476E-4169-9EA4-8C5A88C9BCA2}"/>
+              </a:ext>
+            </a:extLst>
+          </p:cNvPr>
+          <p:cNvSpPr/>
+          <p:nvPr/>
+        </p:nvSpPr>
+        <p:spPr>
+          <a:xfrm>
+            <a:off x="2869513" y="4070350"/>
+            <a:ext cx="807868" cy="648069"/>
+          </a:xfrm>
+          <a:prstGeom prst="rect">
+            <a:avLst/>
+          </a:prstGeom>
+        </p:spPr>
+        <p:style>
+          <a:lnRef idx="2">
+            <a:schemeClr val="accent1">
+              <a:shade val="50000"/>
+            </a:schemeClr>
+          </a:lnRef>
+          <a:fillRef idx="1">
+            <a:schemeClr val="accent1"/>
+          </a:fillRef>
+          <a:effectRef idx="0">
+            <a:schemeClr val="accent1"/>
+          </a:effectRef>
+          <a:fontRef idx="minor">
+            <a:schemeClr val="lt1"/>
+          </a:fontRef>
+        </p:style>
+        <p:txBody>
+          <a:bodyPr rtlCol="0" anchor="ctr"/>
+          <a:lstStyle/>
+          <a:p>
+            <a:pPr algn="ctr"/>
+            <a:r>
+              <a:rPr lang="en-GB" dirty="0"/>
+              <a:t>a</a:t>
+            </a:r>
+            <a:endParaRPr lang="de-DE" dirty="0"/>
+          </a:p>
+        </p:txBody>
+      </p:sp>
+      <p:sp>
+        <p:nvSpPr>
+          <p:cNvPr id="5" name="Rechteck 4">
+            <a:extLst>
+              <a:ext uri="{FF2B5EF4-FFF2-40B4-BE49-F238E27FC236}">
+                <a16:creationId xmlns:a16="http://schemas.microsoft.com/office/drawing/2014/main" id="{FF6955B1-0DA7-420A-814C-037CF891D24D}"/>
+              </a:ext>
+            </a:extLst>
+          </p:cNvPr>
+          <p:cNvSpPr/>
+          <p:nvPr/>
+        </p:nvSpPr>
+        <p:spPr>
+          <a:xfrm>
+            <a:off x="4861904" y="4070345"/>
+            <a:ext cx="807868" cy="648069"/>
+          </a:xfrm>
+          <a:prstGeom prst="rect">
+            <a:avLst/>
+          </a:prstGeom>
+        </p:spPr>
+        <p:style>
+          <a:lnRef idx="2">
+            <a:schemeClr val="accent1">
+              <a:shade val="50000"/>
+            </a:schemeClr>
+          </a:lnRef>
+          <a:fillRef idx="1">
+            <a:schemeClr val="accent1"/>
+          </a:fillRef>
+          <a:effectRef idx="0">
+            <a:schemeClr val="accent1"/>
+          </a:effectRef>
+          <a:fontRef idx="minor">
+            <a:schemeClr val="lt1"/>
+          </a:fontRef>
+        </p:style>
+        <p:txBody>
+          <a:bodyPr rtlCol="0" anchor="ctr"/>
+          <a:lstStyle/>
+          <a:p>
+            <a:pPr algn="ctr"/>
+            <a:r>
+              <a:rPr lang="en-GB" dirty="0"/>
+              <a:t>b</a:t>
+            </a:r>
+            <a:endParaRPr lang="de-DE" dirty="0"/>
+          </a:p>
+        </p:txBody>
+      </p:sp>
+      <p:sp>
+        <p:nvSpPr>
+          <p:cNvPr id="6" name="Rechteck 5">
+            <a:extLst>
+              <a:ext uri="{FF2B5EF4-FFF2-40B4-BE49-F238E27FC236}">
+                <a16:creationId xmlns:a16="http://schemas.microsoft.com/office/drawing/2014/main" id="{553AE4DC-01D8-46FC-90EE-E59E79C06D84}"/>
+              </a:ext>
+            </a:extLst>
+          </p:cNvPr>
+          <p:cNvSpPr/>
+          <p:nvPr/>
+        </p:nvSpPr>
+        <p:spPr>
+          <a:xfrm>
+            <a:off x="6901153" y="4059022"/>
+            <a:ext cx="807868" cy="648069"/>
+          </a:xfrm>
+          <a:prstGeom prst="rect">
+            <a:avLst/>
+          </a:prstGeom>
+        </p:spPr>
+        <p:style>
+          <a:lnRef idx="2">
+            <a:schemeClr val="accent1">
+              <a:shade val="50000"/>
+            </a:schemeClr>
+          </a:lnRef>
+          <a:fillRef idx="1">
+            <a:schemeClr val="accent1"/>
+          </a:fillRef>
+          <a:effectRef idx="0">
+            <a:schemeClr val="accent1"/>
+          </a:effectRef>
+          <a:fontRef idx="minor">
+            <a:schemeClr val="lt1"/>
+          </a:fontRef>
+        </p:style>
+        <p:txBody>
+          <a:bodyPr rtlCol="0" anchor="ctr"/>
+          <a:lstStyle/>
+          <a:p>
+            <a:pPr algn="ctr"/>
+            <a:r>
+              <a:rPr lang="en-GB" dirty="0"/>
+              <a:t>c</a:t>
+            </a:r>
+            <a:endParaRPr lang="de-DE" dirty="0"/>
+          </a:p>
+        </p:txBody>
+      </p:sp>
+      <p:cxnSp>
+        <p:nvCxnSpPr>
+          <p:cNvPr id="7" name="Gerade Verbindung mit Pfeil 6">
+            <a:extLst>
+              <a:ext uri="{FF2B5EF4-FFF2-40B4-BE49-F238E27FC236}">
+                <a16:creationId xmlns:a16="http://schemas.microsoft.com/office/drawing/2014/main" id="{F137EBE6-E04E-4075-8EFA-6C351A99907A}"/>
+              </a:ext>
+            </a:extLst>
+          </p:cNvPr>
+          <p:cNvCxnSpPr>
+            <a:cxnSpLocks/>
+            <a:stCxn id="4" idx="3"/>
+          </p:cNvCxnSpPr>
+          <p:nvPr/>
+        </p:nvCxnSpPr>
+        <p:spPr>
+          <a:xfrm>
+            <a:off x="3677381" y="4394385"/>
+            <a:ext cx="1191693" cy="0"/>
+          </a:xfrm>
+          <a:prstGeom prst="straightConnector1">
+            <a:avLst/>
+          </a:prstGeom>
+          <a:ln>
+            <a:tailEnd type="triangle"/>
+          </a:ln>
+        </p:spPr>
+        <p:style>
+          <a:lnRef idx="1">
+            <a:schemeClr val="accent1"/>
+          </a:lnRef>
+          <a:fillRef idx="0">
+            <a:schemeClr val="accent1"/>
+          </a:fillRef>
+          <a:effectRef idx="0">
+            <a:schemeClr val="accent1"/>
+          </a:effectRef>
+          <a:fontRef idx="minor">
+            <a:schemeClr val="tx1"/>
+          </a:fontRef>
+        </p:style>
+      </p:cxnSp>
+      <p:sp>
+        <p:nvSpPr>
+          <p:cNvPr id="8" name="Textfeld 7">
+            <a:extLst>
+              <a:ext uri="{FF2B5EF4-FFF2-40B4-BE49-F238E27FC236}">
+                <a16:creationId xmlns:a16="http://schemas.microsoft.com/office/drawing/2014/main" id="{2C331F75-80C6-4077-8FFC-C83A8E551A62}"/>
+              </a:ext>
+            </a:extLst>
+          </p:cNvPr>
+          <p:cNvSpPr txBox="1"/>
+          <p:nvPr/>
+        </p:nvSpPr>
+        <p:spPr>
+          <a:xfrm>
+            <a:off x="4044090" y="4070344"/>
+            <a:ext cx="508473" cy="369332"/>
+          </a:xfrm>
+          <a:prstGeom prst="rect">
+            <a:avLst/>
+          </a:prstGeom>
+          <a:noFill/>
+        </p:spPr>
+        <p:txBody>
+          <a:bodyPr wrap="none" rtlCol="0">
+            <a:spAutoFit/>
+          </a:bodyPr>
+          <a:lstStyle/>
+          <a:p>
+            <a:r>
+              <a:rPr lang="en-GB" dirty="0">
+                <a:solidFill>
+                  <a:srgbClr val="FF0000"/>
+                </a:solidFill>
+              </a:rPr>
+              <a:t>2</a:t>
+            </a:r>
+            <a:r>
+              <a:rPr lang="en-GB" dirty="0"/>
+              <a:t>/2</a:t>
+            </a:r>
+            <a:endParaRPr lang="de-DE" dirty="0">
+              <a:solidFill>
+                <a:srgbClr val="FF0000"/>
+              </a:solidFill>
+            </a:endParaRPr>
+          </a:p>
+        </p:txBody>
+      </p:sp>
+      <mc:AlternateContent xmlns:mc="http://schemas.openxmlformats.org/markup-compatibility/2006" xmlns:a14="http://schemas.microsoft.com/office/drawing/2010/main">
+        <mc:Choice Requires="a14">
+          <p:sp>
+            <p:nvSpPr>
+              <p:cNvPr id="9" name="Textfeld 8">
+                <a:extLst>
+                  <a:ext uri="{FF2B5EF4-FFF2-40B4-BE49-F238E27FC236}">
+                    <a16:creationId xmlns:a16="http://schemas.microsoft.com/office/drawing/2014/main" id="{20472B9B-B431-4159-BC2D-50BFAF520EF1}"/>
+                  </a:ext>
+                </a:extLst>
+              </p:cNvPr>
+              <p:cNvSpPr txBox="1"/>
+              <p:nvPr/>
+            </p:nvSpPr>
+            <p:spPr>
+              <a:xfrm>
+                <a:off x="6096000" y="4022826"/>
+                <a:ext cx="607859" cy="369332"/>
+              </a:xfrm>
+              <a:prstGeom prst="rect">
+                <a:avLst/>
+              </a:prstGeom>
+              <a:noFill/>
+            </p:spPr>
+            <p:txBody>
+              <a:bodyPr wrap="none" rtlCol="0">
+                <a:spAutoFit/>
+              </a:bodyPr>
+              <a:lstStyle/>
+              <a:p>
+                <a:pPr/>
+                <a14:m>
+                  <m:oMathPara xmlns:m="http://schemas.openxmlformats.org/officeDocument/2006/math">
+                    <m:oMathParaPr>
+                      <m:jc m:val="centerGroup"/>
+                    </m:oMathParaPr>
+                    <m:oMath xmlns:m="http://schemas.openxmlformats.org/officeDocument/2006/math">
+                      <m:r>
+                        <a:rPr lang="en-GB" b="0" i="1" dirty="0" smtClean="0">
+                          <a:solidFill>
+                            <a:srgbClr val="FF0000"/>
+                          </a:solidFill>
+                          <a:latin typeface="Cambria Math" panose="02040503050406030204" pitchFamily="18" charset="0"/>
+                        </a:rPr>
+                        <m:t>2</m:t>
+                      </m:r>
+                      <m:r>
+                        <a:rPr lang="en-GB" b="0" i="1" dirty="0" smtClean="0">
+                          <a:solidFill>
+                            <a:schemeClr val="tx1"/>
+                          </a:solidFill>
+                          <a:latin typeface="Cambria Math" panose="02040503050406030204" pitchFamily="18" charset="0"/>
+                        </a:rPr>
+                        <m:t>/2</m:t>
+                      </m:r>
+                    </m:oMath>
+                  </m:oMathPara>
+                </a14:m>
+                <a:endParaRPr lang="de-DE" dirty="0">
+                  <a:solidFill>
+                    <a:srgbClr val="FF0000"/>
+                  </a:solidFill>
+                </a:endParaRPr>
+              </a:p>
+            </p:txBody>
+          </p:sp>
+        </mc:Choice>
+        <mc:Fallback xmlns="">
+          <p:sp>
+            <p:nvSpPr>
+              <p:cNvPr id="9" name="Textfeld 8">
+                <a:extLst>
+                  <a:ext uri="{FF2B5EF4-FFF2-40B4-BE49-F238E27FC236}">
+                    <a16:creationId xmlns:a16="http://schemas.microsoft.com/office/drawing/2014/main" id="{20472B9B-B431-4159-BC2D-50BFAF520EF1}"/>
+                  </a:ext>
+                </a:extLst>
+              </p:cNvPr>
+              <p:cNvSpPr txBox="1">
+                <a:spLocks noRot="1" noChangeAspect="1" noMove="1" noResize="1" noEditPoints="1" noAdjustHandles="1" noChangeArrowheads="1" noChangeShapeType="1" noTextEdit="1"/>
+              </p:cNvSpPr>
+              <p:nvPr/>
+            </p:nvSpPr>
+            <p:spPr>
+              <a:xfrm>
+                <a:off x="6096000" y="4022826"/>
+                <a:ext cx="607859" cy="369332"/>
+              </a:xfrm>
+              <a:prstGeom prst="rect">
+                <a:avLst/>
+              </a:prstGeom>
+              <a:blipFill>
+                <a:blip r:embed="rId3"/>
+                <a:stretch>
+                  <a:fillRect b="-13333"/>
+                </a:stretch>
+              </a:blipFill>
+            </p:spPr>
+            <p:txBody>
+              <a:bodyPr/>
+              <a:lstStyle/>
+              <a:p>
+                <a:r>
+                  <a:rPr lang="de-DE">
+                    <a:noFill/>
+                  </a:rPr>
+                  <a:t> </a:t>
+                </a:r>
+              </a:p>
+            </p:txBody>
+          </p:sp>
+        </mc:Fallback>
+      </mc:AlternateContent>
+      <p:cxnSp>
+        <p:nvCxnSpPr>
+          <p:cNvPr id="10" name="Gerade Verbindung mit Pfeil 9">
+            <a:extLst>
+              <a:ext uri="{FF2B5EF4-FFF2-40B4-BE49-F238E27FC236}">
+                <a16:creationId xmlns:a16="http://schemas.microsoft.com/office/drawing/2014/main" id="{0B55E235-F9D8-48C2-9F3E-4F695C1094BF}"/>
+              </a:ext>
+            </a:extLst>
+          </p:cNvPr>
+          <p:cNvCxnSpPr>
+            <a:cxnSpLocks/>
+          </p:cNvCxnSpPr>
+          <p:nvPr/>
+        </p:nvCxnSpPr>
+        <p:spPr>
+          <a:xfrm>
+            <a:off x="5669772" y="4383057"/>
+            <a:ext cx="1222494" cy="9101"/>
+          </a:xfrm>
+          <a:prstGeom prst="straightConnector1">
+            <a:avLst/>
+          </a:prstGeom>
+          <a:ln>
+            <a:tailEnd type="triangle"/>
+          </a:ln>
+        </p:spPr>
+        <p:style>
+          <a:lnRef idx="1">
+            <a:schemeClr val="accent1"/>
+          </a:lnRef>
+          <a:fillRef idx="0">
+            <a:schemeClr val="accent1"/>
+          </a:fillRef>
+          <a:effectRef idx="0">
+            <a:schemeClr val="accent1"/>
+          </a:effectRef>
+          <a:fontRef idx="minor">
+            <a:schemeClr val="tx1"/>
+          </a:fontRef>
+        </p:style>
+      </p:cxnSp>
+      <p:sp>
+        <p:nvSpPr>
+          <p:cNvPr id="19" name="Rechteck 18">
+            <a:extLst>
+              <a:ext uri="{FF2B5EF4-FFF2-40B4-BE49-F238E27FC236}">
+                <a16:creationId xmlns:a16="http://schemas.microsoft.com/office/drawing/2014/main" id="{F13C8F38-849A-47C8-BE9D-6A41D4A8565D}"/>
+              </a:ext>
+            </a:extLst>
+          </p:cNvPr>
+          <p:cNvSpPr/>
+          <p:nvPr/>
+        </p:nvSpPr>
+        <p:spPr>
+          <a:xfrm>
+            <a:off x="2869513" y="3095568"/>
+            <a:ext cx="807868" cy="648069"/>
+          </a:xfrm>
+          <a:prstGeom prst="rect">
+            <a:avLst/>
+          </a:prstGeom>
+        </p:spPr>
+        <p:style>
+          <a:lnRef idx="2">
+            <a:schemeClr val="accent1">
+              <a:shade val="50000"/>
+            </a:schemeClr>
+          </a:lnRef>
+          <a:fillRef idx="1">
+            <a:schemeClr val="accent1"/>
+          </a:fillRef>
+          <a:effectRef idx="0">
+            <a:schemeClr val="accent1"/>
+          </a:effectRef>
+          <a:fontRef idx="minor">
+            <a:schemeClr val="lt1"/>
+          </a:fontRef>
+        </p:style>
+        <p:txBody>
+          <a:bodyPr rtlCol="0" anchor="ctr"/>
+          <a:lstStyle/>
+          <a:p>
+            <a:pPr algn="ctr"/>
+            <a:r>
+              <a:rPr lang="en-GB" dirty="0"/>
+              <a:t>d</a:t>
+            </a:r>
+            <a:endParaRPr lang="de-DE" dirty="0"/>
+          </a:p>
+        </p:txBody>
+      </p:sp>
+      <p:cxnSp>
+        <p:nvCxnSpPr>
+          <p:cNvPr id="21" name="Gerade Verbindung mit Pfeil 20">
+            <a:extLst>
+              <a:ext uri="{FF2B5EF4-FFF2-40B4-BE49-F238E27FC236}">
+                <a16:creationId xmlns:a16="http://schemas.microsoft.com/office/drawing/2014/main" id="{4B93044D-1FBF-445B-A61F-F78EF166E17A}"/>
+              </a:ext>
+            </a:extLst>
+          </p:cNvPr>
+          <p:cNvCxnSpPr>
+            <a:cxnSpLocks/>
+          </p:cNvCxnSpPr>
+          <p:nvPr/>
+        </p:nvCxnSpPr>
+        <p:spPr>
+          <a:xfrm>
+            <a:off x="3677381" y="3428999"/>
+            <a:ext cx="3223772" cy="954057"/>
+          </a:xfrm>
+          <a:prstGeom prst="straightConnector1">
+            <a:avLst/>
+          </a:prstGeom>
+          <a:ln>
+            <a:tailEnd type="triangle"/>
+          </a:ln>
+        </p:spPr>
+        <p:style>
+          <a:lnRef idx="1">
+            <a:schemeClr val="accent1"/>
+          </a:lnRef>
+          <a:fillRef idx="0">
+            <a:schemeClr val="accent1"/>
+          </a:fillRef>
+          <a:effectRef idx="0">
+            <a:schemeClr val="accent1"/>
+          </a:effectRef>
+          <a:fontRef idx="minor">
+            <a:schemeClr val="tx1"/>
+          </a:fontRef>
+        </p:style>
+      </p:cxnSp>
+    </p:spTree>
+    <p:extLst>
+      <p:ext uri="{BB962C8B-B14F-4D97-AF65-F5344CB8AC3E}">
+        <p14:creationId xmlns:p14="http://schemas.microsoft.com/office/powerpoint/2010/main" val="2142908452"/>
+      </p:ext>
+    </p:extLst>
+  </p:cSld>
+  <p:clrMapOvr>
+    <a:masterClrMapping/>
+  </p:clrMapOvr>
+</p:sld>
+</file>
+
 <file path=ppt/slides/slide3.xml><?xml version="1.0" encoding="utf-8"?>
 <p:sld xmlns:a="http://schemas.openxmlformats.org/drawingml/2006/main" xmlns:r="http://schemas.openxmlformats.org/officeDocument/2006/relationships" xmlns:p="http://schemas.openxmlformats.org/presentationml/2006/main">
   <p:cSld>
@@ -22851,7 +21321,7 @@
           <a:p>
             <a:r>
               <a:rPr lang="en-GB" dirty="0"/>
-              <a:t>Example</a:t>
+              <a:t>MMCFP vs MFP: Example1</a:t>
             </a:r>
             <a:endParaRPr lang="de-DE" dirty="0"/>
           </a:p>
@@ -23503,6 +21973,844 @@
           <p:cNvPr id="2" name="Titel 1">
             <a:extLst>
               <a:ext uri="{FF2B5EF4-FFF2-40B4-BE49-F238E27FC236}">
+                <a16:creationId xmlns:a16="http://schemas.microsoft.com/office/drawing/2014/main" id="{B60D876C-0122-4B98-86F3-A56E2F691245}"/>
+              </a:ext>
+            </a:extLst>
+          </p:cNvPr>
+          <p:cNvSpPr>
+            <a:spLocks noGrp="1"/>
+          </p:cNvSpPr>
+          <p:nvPr>
+            <p:ph type="title"/>
+          </p:nvPr>
+        </p:nvSpPr>
+        <p:spPr/>
+        <p:txBody>
+          <a:bodyPr/>
+          <a:lstStyle/>
+          <a:p>
+            <a:r>
+              <a:rPr lang="en-GB" dirty="0"/>
+              <a:t>MMCFP vs MFP: Example2</a:t>
+            </a:r>
+            <a:endParaRPr lang="de-DE" dirty="0"/>
+          </a:p>
+        </p:txBody>
+      </p:sp>
+      <mc:AlternateContent xmlns:mc="http://schemas.openxmlformats.org/markup-compatibility/2006">
+        <mc:Choice xmlns:a14="http://schemas.microsoft.com/office/drawing/2010/main" Requires="a14">
+          <p:sp>
+            <p:nvSpPr>
+              <p:cNvPr id="3" name="Inhaltsplatzhalter 2">
+                <a:extLst>
+                  <a:ext uri="{FF2B5EF4-FFF2-40B4-BE49-F238E27FC236}">
+                    <a16:creationId xmlns:a16="http://schemas.microsoft.com/office/drawing/2014/main" id="{F30A7A6B-B54A-4936-AE9D-099D53F386DB}"/>
+                  </a:ext>
+                </a:extLst>
+              </p:cNvPr>
+              <p:cNvSpPr>
+                <a:spLocks noGrp="1"/>
+              </p:cNvSpPr>
+              <p:nvPr>
+                <p:ph idx="1"/>
+              </p:nvPr>
+            </p:nvSpPr>
+            <p:spPr>
+              <a:xfrm>
+                <a:off x="838200" y="1825625"/>
+                <a:ext cx="10515600" cy="4351338"/>
+              </a:xfrm>
+            </p:spPr>
+            <p:txBody>
+              <a:bodyPr/>
+              <a:lstStyle/>
+              <a:p>
+                <a:r>
+                  <a:rPr lang="en-GB" dirty="0"/>
+                  <a:t>Commodities: </a:t>
+                </a:r>
+                <a14:m>
+                  <m:oMath xmlns:m="http://schemas.openxmlformats.org/officeDocument/2006/math">
+                    <m:d>
+                      <m:dPr>
+                        <m:ctrlPr>
+                          <a:rPr lang="en-GB" i="1">
+                            <a:latin typeface="Cambria Math" panose="02040503050406030204" pitchFamily="18" charset="0"/>
+                          </a:rPr>
+                        </m:ctrlPr>
+                      </m:dPr>
+                      <m:e>
+                        <m:r>
+                          <a:rPr lang="en-GB" i="1">
+                            <a:latin typeface="Cambria Math" panose="02040503050406030204" pitchFamily="18" charset="0"/>
+                          </a:rPr>
+                          <m:t>𝑎</m:t>
+                        </m:r>
+                        <m:r>
+                          <a:rPr lang="en-GB" i="1">
+                            <a:latin typeface="Cambria Math" panose="02040503050406030204" pitchFamily="18" charset="0"/>
+                          </a:rPr>
+                          <m:t>,</m:t>
+                        </m:r>
+                        <m:r>
+                          <a:rPr lang="en-GB" i="1">
+                            <a:latin typeface="Cambria Math" panose="02040503050406030204" pitchFamily="18" charset="0"/>
+                          </a:rPr>
+                          <m:t>𝑐</m:t>
+                        </m:r>
+                      </m:e>
+                    </m:d>
+                    <m:r>
+                      <a:rPr lang="en-GB" i="1">
+                        <a:latin typeface="Cambria Math" panose="02040503050406030204" pitchFamily="18" charset="0"/>
+                      </a:rPr>
+                      <m:t>,(</m:t>
+                    </m:r>
+                    <m:r>
+                      <a:rPr lang="en-GB" b="0" i="1" smtClean="0">
+                        <a:latin typeface="Cambria Math" panose="02040503050406030204" pitchFamily="18" charset="0"/>
+                      </a:rPr>
+                      <m:t>𝑎</m:t>
+                    </m:r>
+                    <m:r>
+                      <a:rPr lang="en-GB" i="1">
+                        <a:latin typeface="Cambria Math" panose="02040503050406030204" pitchFamily="18" charset="0"/>
+                      </a:rPr>
+                      <m:t>,</m:t>
+                    </m:r>
+                    <m:r>
+                      <a:rPr lang="en-GB" b="0" i="1" smtClean="0">
+                        <a:latin typeface="Cambria Math" panose="02040503050406030204" pitchFamily="18" charset="0"/>
+                      </a:rPr>
+                      <m:t>𝑒</m:t>
+                    </m:r>
+                    <m:r>
+                      <a:rPr lang="en-GB" i="1">
+                        <a:latin typeface="Cambria Math" panose="02040503050406030204" pitchFamily="18" charset="0"/>
+                      </a:rPr>
+                      <m:t>)</m:t>
+                    </m:r>
+                  </m:oMath>
+                </a14:m>
+                <a:endParaRPr lang="de-DE" dirty="0"/>
+              </a:p>
+              <a:p>
+                <a:endParaRPr lang="de-DE" dirty="0"/>
+              </a:p>
+            </p:txBody>
+          </p:sp>
+        </mc:Choice>
+        <mc:Fallback>
+          <p:sp>
+            <p:nvSpPr>
+              <p:cNvPr id="3" name="Inhaltsplatzhalter 2">
+                <a:extLst>
+                  <a:ext uri="{FF2B5EF4-FFF2-40B4-BE49-F238E27FC236}">
+                    <a16:creationId xmlns:a16="http://schemas.microsoft.com/office/drawing/2014/main" id="{F30A7A6B-B54A-4936-AE9D-099D53F386DB}"/>
+                  </a:ext>
+                </a:extLst>
+              </p:cNvPr>
+              <p:cNvSpPr>
+                <a:spLocks noGrp="1" noRot="1" noChangeAspect="1" noMove="1" noResize="1" noEditPoints="1" noAdjustHandles="1" noChangeArrowheads="1" noChangeShapeType="1" noTextEdit="1"/>
+              </p:cNvSpPr>
+              <p:nvPr>
+                <p:ph idx="1"/>
+              </p:nvPr>
+            </p:nvSpPr>
+            <p:spPr>
+              <a:xfrm>
+                <a:off x="838200" y="1825625"/>
+                <a:ext cx="10515600" cy="4351338"/>
+              </a:xfrm>
+              <a:blipFill>
+                <a:blip r:embed="rId2"/>
+                <a:stretch>
+                  <a:fillRect l="-1043" t="-2241"/>
+                </a:stretch>
+              </a:blipFill>
+            </p:spPr>
+            <p:txBody>
+              <a:bodyPr/>
+              <a:lstStyle/>
+              <a:p>
+                <a:r>
+                  <a:rPr lang="de-DE">
+                    <a:noFill/>
+                  </a:rPr>
+                  <a:t> </a:t>
+                </a:r>
+              </a:p>
+            </p:txBody>
+          </p:sp>
+        </mc:Fallback>
+      </mc:AlternateContent>
+      <p:sp>
+        <p:nvSpPr>
+          <p:cNvPr id="4" name="Rechteck 3">
+            <a:extLst>
+              <a:ext uri="{FF2B5EF4-FFF2-40B4-BE49-F238E27FC236}">
+                <a16:creationId xmlns:a16="http://schemas.microsoft.com/office/drawing/2014/main" id="{E1FBA58F-37E3-4CF7-8C1A-6DF2883F1864}"/>
+              </a:ext>
+            </a:extLst>
+          </p:cNvPr>
+          <p:cNvSpPr/>
+          <p:nvPr/>
+        </p:nvSpPr>
+        <p:spPr>
+          <a:xfrm>
+            <a:off x="5099292" y="2348707"/>
+            <a:ext cx="807868" cy="648069"/>
+          </a:xfrm>
+          <a:prstGeom prst="rect">
+            <a:avLst/>
+          </a:prstGeom>
+        </p:spPr>
+        <p:style>
+          <a:lnRef idx="2">
+            <a:schemeClr val="accent1">
+              <a:shade val="50000"/>
+            </a:schemeClr>
+          </a:lnRef>
+          <a:fillRef idx="1">
+            <a:schemeClr val="accent1"/>
+          </a:fillRef>
+          <a:effectRef idx="0">
+            <a:schemeClr val="accent1"/>
+          </a:effectRef>
+          <a:fontRef idx="minor">
+            <a:schemeClr val="lt1"/>
+          </a:fontRef>
+        </p:style>
+        <p:txBody>
+          <a:bodyPr rtlCol="0" anchor="ctr"/>
+          <a:lstStyle/>
+          <a:p>
+            <a:pPr algn="ctr"/>
+            <a:r>
+              <a:rPr lang="en-GB" dirty="0"/>
+              <a:t>b</a:t>
+            </a:r>
+            <a:endParaRPr lang="de-DE" dirty="0"/>
+          </a:p>
+        </p:txBody>
+      </p:sp>
+      <p:sp>
+        <p:nvSpPr>
+          <p:cNvPr id="5" name="Rechteck 4">
+            <a:extLst>
+              <a:ext uri="{FF2B5EF4-FFF2-40B4-BE49-F238E27FC236}">
+                <a16:creationId xmlns:a16="http://schemas.microsoft.com/office/drawing/2014/main" id="{04F7782B-E9FC-45AD-A425-B8FADA27C6E1}"/>
+              </a:ext>
+            </a:extLst>
+          </p:cNvPr>
+          <p:cNvSpPr/>
+          <p:nvPr/>
+        </p:nvSpPr>
+        <p:spPr>
+          <a:xfrm>
+            <a:off x="5099292" y="4899487"/>
+            <a:ext cx="807868" cy="648069"/>
+          </a:xfrm>
+          <a:prstGeom prst="rect">
+            <a:avLst/>
+          </a:prstGeom>
+        </p:spPr>
+        <p:style>
+          <a:lnRef idx="2">
+            <a:schemeClr val="accent1">
+              <a:shade val="50000"/>
+            </a:schemeClr>
+          </a:lnRef>
+          <a:fillRef idx="1">
+            <a:schemeClr val="accent1"/>
+          </a:fillRef>
+          <a:effectRef idx="0">
+            <a:schemeClr val="accent1"/>
+          </a:effectRef>
+          <a:fontRef idx="minor">
+            <a:schemeClr val="lt1"/>
+          </a:fontRef>
+        </p:style>
+        <p:txBody>
+          <a:bodyPr rtlCol="0" anchor="ctr"/>
+          <a:lstStyle/>
+          <a:p>
+            <a:pPr algn="ctr"/>
+            <a:r>
+              <a:rPr lang="en-GB" dirty="0"/>
+              <a:t>c</a:t>
+            </a:r>
+            <a:endParaRPr lang="de-DE" dirty="0"/>
+          </a:p>
+        </p:txBody>
+      </p:sp>
+      <p:sp>
+        <p:nvSpPr>
+          <p:cNvPr id="6" name="Rechteck 5">
+            <a:extLst>
+              <a:ext uri="{FF2B5EF4-FFF2-40B4-BE49-F238E27FC236}">
+                <a16:creationId xmlns:a16="http://schemas.microsoft.com/office/drawing/2014/main" id="{6EEA5D0A-3FE2-43B9-B427-AF369D1E7D91}"/>
+              </a:ext>
+            </a:extLst>
+          </p:cNvPr>
+          <p:cNvSpPr/>
+          <p:nvPr/>
+        </p:nvSpPr>
+        <p:spPr>
+          <a:xfrm>
+            <a:off x="3229347" y="3643755"/>
+            <a:ext cx="807868" cy="648069"/>
+          </a:xfrm>
+          <a:prstGeom prst="rect">
+            <a:avLst/>
+          </a:prstGeom>
+        </p:spPr>
+        <p:style>
+          <a:lnRef idx="2">
+            <a:schemeClr val="accent1">
+              <a:shade val="50000"/>
+            </a:schemeClr>
+          </a:lnRef>
+          <a:fillRef idx="1">
+            <a:schemeClr val="accent1"/>
+          </a:fillRef>
+          <a:effectRef idx="0">
+            <a:schemeClr val="accent1"/>
+          </a:effectRef>
+          <a:fontRef idx="minor">
+            <a:schemeClr val="lt1"/>
+          </a:fontRef>
+        </p:style>
+        <p:txBody>
+          <a:bodyPr rtlCol="0" anchor="ctr"/>
+          <a:lstStyle/>
+          <a:p>
+            <a:pPr algn="ctr"/>
+            <a:r>
+              <a:rPr lang="en-GB" dirty="0"/>
+              <a:t>a</a:t>
+            </a:r>
+            <a:endParaRPr lang="de-DE" dirty="0"/>
+          </a:p>
+        </p:txBody>
+      </p:sp>
+      <p:sp>
+        <p:nvSpPr>
+          <p:cNvPr id="8" name="Rechteck 7">
+            <a:extLst>
+              <a:ext uri="{FF2B5EF4-FFF2-40B4-BE49-F238E27FC236}">
+                <a16:creationId xmlns:a16="http://schemas.microsoft.com/office/drawing/2014/main" id="{63913417-EA0C-4D78-AAFF-EB98A8588BE9}"/>
+              </a:ext>
+            </a:extLst>
+          </p:cNvPr>
+          <p:cNvSpPr/>
+          <p:nvPr/>
+        </p:nvSpPr>
+        <p:spPr>
+          <a:xfrm>
+            <a:off x="7098213" y="3643755"/>
+            <a:ext cx="807868" cy="648069"/>
+          </a:xfrm>
+          <a:prstGeom prst="rect">
+            <a:avLst/>
+          </a:prstGeom>
+        </p:spPr>
+        <p:style>
+          <a:lnRef idx="2">
+            <a:schemeClr val="accent1">
+              <a:shade val="50000"/>
+            </a:schemeClr>
+          </a:lnRef>
+          <a:fillRef idx="1">
+            <a:schemeClr val="accent1"/>
+          </a:fillRef>
+          <a:effectRef idx="0">
+            <a:schemeClr val="accent1"/>
+          </a:effectRef>
+          <a:fontRef idx="minor">
+            <a:schemeClr val="lt1"/>
+          </a:fontRef>
+        </p:style>
+        <p:txBody>
+          <a:bodyPr rtlCol="0" anchor="ctr"/>
+          <a:lstStyle/>
+          <a:p>
+            <a:pPr algn="ctr"/>
+            <a:r>
+              <a:rPr lang="en-GB" dirty="0"/>
+              <a:t>d</a:t>
+            </a:r>
+            <a:endParaRPr lang="de-DE" dirty="0"/>
+          </a:p>
+        </p:txBody>
+      </p:sp>
+      <p:cxnSp>
+        <p:nvCxnSpPr>
+          <p:cNvPr id="10" name="Gerade Verbindung mit Pfeil 9">
+            <a:extLst>
+              <a:ext uri="{FF2B5EF4-FFF2-40B4-BE49-F238E27FC236}">
+                <a16:creationId xmlns:a16="http://schemas.microsoft.com/office/drawing/2014/main" id="{D6968D47-0EAA-41CA-BC80-409A4451E5CF}"/>
+              </a:ext>
+            </a:extLst>
+          </p:cNvPr>
+          <p:cNvCxnSpPr>
+            <a:stCxn id="6" idx="3"/>
+            <a:endCxn id="4" idx="2"/>
+          </p:cNvCxnSpPr>
+          <p:nvPr/>
+        </p:nvCxnSpPr>
+        <p:spPr>
+          <a:xfrm flipV="1">
+            <a:off x="4037215" y="2996776"/>
+            <a:ext cx="1466011" cy="971014"/>
+          </a:xfrm>
+          <a:prstGeom prst="straightConnector1">
+            <a:avLst/>
+          </a:prstGeom>
+          <a:ln>
+            <a:tailEnd type="triangle"/>
+          </a:ln>
+        </p:spPr>
+        <p:style>
+          <a:lnRef idx="1">
+            <a:schemeClr val="accent1"/>
+          </a:lnRef>
+          <a:fillRef idx="0">
+            <a:schemeClr val="accent1"/>
+          </a:fillRef>
+          <a:effectRef idx="0">
+            <a:schemeClr val="accent1"/>
+          </a:effectRef>
+          <a:fontRef idx="minor">
+            <a:schemeClr val="tx1"/>
+          </a:fontRef>
+        </p:style>
+      </p:cxnSp>
+      <p:cxnSp>
+        <p:nvCxnSpPr>
+          <p:cNvPr id="12" name="Gerade Verbindung mit Pfeil 11">
+            <a:extLst>
+              <a:ext uri="{FF2B5EF4-FFF2-40B4-BE49-F238E27FC236}">
+                <a16:creationId xmlns:a16="http://schemas.microsoft.com/office/drawing/2014/main" id="{28BFC6C4-4425-43E7-A094-78D2C5CEDF74}"/>
+              </a:ext>
+            </a:extLst>
+          </p:cNvPr>
+          <p:cNvCxnSpPr>
+            <a:cxnSpLocks/>
+            <a:stCxn id="4" idx="2"/>
+            <a:endCxn id="8" idx="1"/>
+          </p:cNvCxnSpPr>
+          <p:nvPr/>
+        </p:nvCxnSpPr>
+        <p:spPr>
+          <a:xfrm>
+            <a:off x="5503226" y="2996776"/>
+            <a:ext cx="1594987" cy="971014"/>
+          </a:xfrm>
+          <a:prstGeom prst="straightConnector1">
+            <a:avLst/>
+          </a:prstGeom>
+          <a:ln>
+            <a:tailEnd type="triangle"/>
+          </a:ln>
+        </p:spPr>
+        <p:style>
+          <a:lnRef idx="1">
+            <a:schemeClr val="accent1"/>
+          </a:lnRef>
+          <a:fillRef idx="0">
+            <a:schemeClr val="accent1"/>
+          </a:fillRef>
+          <a:effectRef idx="0">
+            <a:schemeClr val="accent1"/>
+          </a:effectRef>
+          <a:fontRef idx="minor">
+            <a:schemeClr val="tx1"/>
+          </a:fontRef>
+        </p:style>
+      </p:cxnSp>
+      <p:cxnSp>
+        <p:nvCxnSpPr>
+          <p:cNvPr id="14" name="Gerade Verbindung mit Pfeil 13">
+            <a:extLst>
+              <a:ext uri="{FF2B5EF4-FFF2-40B4-BE49-F238E27FC236}">
+                <a16:creationId xmlns:a16="http://schemas.microsoft.com/office/drawing/2014/main" id="{780BE55A-BE0E-4429-930C-D4D75158EA6A}"/>
+              </a:ext>
+            </a:extLst>
+          </p:cNvPr>
+          <p:cNvCxnSpPr/>
+          <p:nvPr/>
+        </p:nvCxnSpPr>
+        <p:spPr>
+          <a:xfrm>
+            <a:off x="4037215" y="3967790"/>
+            <a:ext cx="1466011" cy="931697"/>
+          </a:xfrm>
+          <a:prstGeom prst="straightConnector1">
+            <a:avLst/>
+          </a:prstGeom>
+          <a:ln>
+            <a:tailEnd type="triangle"/>
+          </a:ln>
+        </p:spPr>
+        <p:style>
+          <a:lnRef idx="1">
+            <a:schemeClr val="accent1"/>
+          </a:lnRef>
+          <a:fillRef idx="0">
+            <a:schemeClr val="accent1"/>
+          </a:fillRef>
+          <a:effectRef idx="0">
+            <a:schemeClr val="accent1"/>
+          </a:effectRef>
+          <a:fontRef idx="minor">
+            <a:schemeClr val="tx1"/>
+          </a:fontRef>
+        </p:style>
+      </p:cxnSp>
+      <p:cxnSp>
+        <p:nvCxnSpPr>
+          <p:cNvPr id="16" name="Gerade Verbindung mit Pfeil 15">
+            <a:extLst>
+              <a:ext uri="{FF2B5EF4-FFF2-40B4-BE49-F238E27FC236}">
+                <a16:creationId xmlns:a16="http://schemas.microsoft.com/office/drawing/2014/main" id="{D52A1EC5-A84B-4B62-93DF-58F1218AE562}"/>
+              </a:ext>
+            </a:extLst>
+          </p:cNvPr>
+          <p:cNvCxnSpPr>
+            <a:endCxn id="8" idx="1"/>
+          </p:cNvCxnSpPr>
+          <p:nvPr/>
+        </p:nvCxnSpPr>
+        <p:spPr>
+          <a:xfrm flipV="1">
+            <a:off x="5503226" y="3967790"/>
+            <a:ext cx="1594987" cy="931697"/>
+          </a:xfrm>
+          <a:prstGeom prst="straightConnector1">
+            <a:avLst/>
+          </a:prstGeom>
+          <a:ln>
+            <a:tailEnd type="triangle"/>
+          </a:ln>
+        </p:spPr>
+        <p:style>
+          <a:lnRef idx="1">
+            <a:schemeClr val="accent1"/>
+          </a:lnRef>
+          <a:fillRef idx="0">
+            <a:schemeClr val="accent1"/>
+          </a:fillRef>
+          <a:effectRef idx="0">
+            <a:schemeClr val="accent1"/>
+          </a:effectRef>
+          <a:fontRef idx="minor">
+            <a:schemeClr val="tx1"/>
+          </a:fontRef>
+        </p:style>
+      </p:cxnSp>
+      <p:sp>
+        <p:nvSpPr>
+          <p:cNvPr id="19" name="Rechteck 18">
+            <a:extLst>
+              <a:ext uri="{FF2B5EF4-FFF2-40B4-BE49-F238E27FC236}">
+                <a16:creationId xmlns:a16="http://schemas.microsoft.com/office/drawing/2014/main" id="{C7A65771-5491-4D64-A038-209F2AFE544C}"/>
+              </a:ext>
+            </a:extLst>
+          </p:cNvPr>
+          <p:cNvSpPr/>
+          <p:nvPr/>
+        </p:nvSpPr>
+        <p:spPr>
+          <a:xfrm>
+            <a:off x="9097134" y="3643754"/>
+            <a:ext cx="807868" cy="648069"/>
+          </a:xfrm>
+          <a:prstGeom prst="rect">
+            <a:avLst/>
+          </a:prstGeom>
+        </p:spPr>
+        <p:style>
+          <a:lnRef idx="2">
+            <a:schemeClr val="accent1">
+              <a:shade val="50000"/>
+            </a:schemeClr>
+          </a:lnRef>
+          <a:fillRef idx="1">
+            <a:schemeClr val="accent1"/>
+          </a:fillRef>
+          <a:effectRef idx="0">
+            <a:schemeClr val="accent1"/>
+          </a:effectRef>
+          <a:fontRef idx="minor">
+            <a:schemeClr val="lt1"/>
+          </a:fontRef>
+        </p:style>
+        <p:txBody>
+          <a:bodyPr rtlCol="0" anchor="ctr"/>
+          <a:lstStyle/>
+          <a:p>
+            <a:pPr algn="ctr"/>
+            <a:r>
+              <a:rPr lang="en-GB" dirty="0"/>
+              <a:t>e</a:t>
+            </a:r>
+            <a:endParaRPr lang="de-DE" dirty="0"/>
+          </a:p>
+        </p:txBody>
+      </p:sp>
+      <p:cxnSp>
+        <p:nvCxnSpPr>
+          <p:cNvPr id="21" name="Gerade Verbindung mit Pfeil 20">
+            <a:extLst>
+              <a:ext uri="{FF2B5EF4-FFF2-40B4-BE49-F238E27FC236}">
+                <a16:creationId xmlns:a16="http://schemas.microsoft.com/office/drawing/2014/main" id="{82202999-0F40-40F8-A951-F3580450820C}"/>
+              </a:ext>
+            </a:extLst>
+          </p:cNvPr>
+          <p:cNvCxnSpPr>
+            <a:stCxn id="8" idx="3"/>
+            <a:endCxn id="19" idx="1"/>
+          </p:cNvCxnSpPr>
+          <p:nvPr/>
+        </p:nvCxnSpPr>
+        <p:spPr>
+          <a:xfrm flipV="1">
+            <a:off x="7906081" y="3967789"/>
+            <a:ext cx="1191053" cy="1"/>
+          </a:xfrm>
+          <a:prstGeom prst="straightConnector1">
+            <a:avLst/>
+          </a:prstGeom>
+          <a:ln>
+            <a:tailEnd type="triangle"/>
+          </a:ln>
+        </p:spPr>
+        <p:style>
+          <a:lnRef idx="1">
+            <a:schemeClr val="accent1"/>
+          </a:lnRef>
+          <a:fillRef idx="0">
+            <a:schemeClr val="accent1"/>
+          </a:fillRef>
+          <a:effectRef idx="0">
+            <a:schemeClr val="accent1"/>
+          </a:effectRef>
+          <a:fontRef idx="minor">
+            <a:schemeClr val="tx1"/>
+          </a:fontRef>
+        </p:style>
+      </p:cxnSp>
+      <p:sp>
+        <p:nvSpPr>
+          <p:cNvPr id="22" name="Rechteck 21">
+            <a:extLst>
+              <a:ext uri="{FF2B5EF4-FFF2-40B4-BE49-F238E27FC236}">
+                <a16:creationId xmlns:a16="http://schemas.microsoft.com/office/drawing/2014/main" id="{CD8E05FB-0539-41AF-A799-E15B09464070}"/>
+              </a:ext>
+            </a:extLst>
+          </p:cNvPr>
+          <p:cNvSpPr/>
+          <p:nvPr/>
+        </p:nvSpPr>
+        <p:spPr>
+          <a:xfrm>
+            <a:off x="8341379" y="3598456"/>
+            <a:ext cx="301686" cy="369332"/>
+          </a:xfrm>
+          <a:prstGeom prst="rect">
+            <a:avLst/>
+          </a:prstGeom>
+        </p:spPr>
+        <p:txBody>
+          <a:bodyPr wrap="none">
+            <a:spAutoFit/>
+          </a:bodyPr>
+          <a:lstStyle/>
+          <a:p>
+            <a:r>
+              <a:rPr lang="en-GB" dirty="0"/>
+              <a:t>1</a:t>
+            </a:r>
+            <a:endParaRPr lang="de-DE" dirty="0"/>
+          </a:p>
+        </p:txBody>
+      </p:sp>
+      <p:sp>
+        <p:nvSpPr>
+          <p:cNvPr id="23" name="Rechteck 22">
+            <a:extLst>
+              <a:ext uri="{FF2B5EF4-FFF2-40B4-BE49-F238E27FC236}">
+                <a16:creationId xmlns:a16="http://schemas.microsoft.com/office/drawing/2014/main" id="{540C7DB8-6FC6-47B2-B0A2-34E882DC439B}"/>
+              </a:ext>
+            </a:extLst>
+          </p:cNvPr>
+          <p:cNvSpPr/>
+          <p:nvPr/>
+        </p:nvSpPr>
+        <p:spPr>
+          <a:xfrm>
+            <a:off x="4451526" y="3135055"/>
+            <a:ext cx="301686" cy="369332"/>
+          </a:xfrm>
+          <a:prstGeom prst="rect">
+            <a:avLst/>
+          </a:prstGeom>
+        </p:spPr>
+        <p:txBody>
+          <a:bodyPr wrap="none">
+            <a:spAutoFit/>
+          </a:bodyPr>
+          <a:lstStyle/>
+          <a:p>
+            <a:r>
+              <a:rPr lang="en-GB" dirty="0"/>
+              <a:t>3</a:t>
+            </a:r>
+            <a:endParaRPr lang="de-DE" dirty="0"/>
+          </a:p>
+        </p:txBody>
+      </p:sp>
+      <p:sp>
+        <p:nvSpPr>
+          <p:cNvPr id="24" name="Rechteck 23">
+            <a:extLst>
+              <a:ext uri="{FF2B5EF4-FFF2-40B4-BE49-F238E27FC236}">
+                <a16:creationId xmlns:a16="http://schemas.microsoft.com/office/drawing/2014/main" id="{AC6EEAE8-D471-419F-A32B-4671FD0005EA}"/>
+              </a:ext>
+            </a:extLst>
+          </p:cNvPr>
+          <p:cNvSpPr/>
+          <p:nvPr/>
+        </p:nvSpPr>
+        <p:spPr>
+          <a:xfrm>
+            <a:off x="6311094" y="3112951"/>
+            <a:ext cx="301686" cy="369332"/>
+          </a:xfrm>
+          <a:prstGeom prst="rect">
+            <a:avLst/>
+          </a:prstGeom>
+        </p:spPr>
+        <p:txBody>
+          <a:bodyPr wrap="none">
+            <a:spAutoFit/>
+          </a:bodyPr>
+          <a:lstStyle/>
+          <a:p>
+            <a:r>
+              <a:rPr lang="en-GB" dirty="0"/>
+              <a:t>3</a:t>
+            </a:r>
+            <a:endParaRPr lang="de-DE" dirty="0"/>
+          </a:p>
+        </p:txBody>
+      </p:sp>
+      <p:sp>
+        <p:nvSpPr>
+          <p:cNvPr id="26" name="Rechteck 25">
+            <a:extLst>
+              <a:ext uri="{FF2B5EF4-FFF2-40B4-BE49-F238E27FC236}">
+                <a16:creationId xmlns:a16="http://schemas.microsoft.com/office/drawing/2014/main" id="{A483B9E8-AC42-4ADF-9C32-C3E63F899A25}"/>
+              </a:ext>
+            </a:extLst>
+          </p:cNvPr>
+          <p:cNvSpPr/>
+          <p:nvPr/>
+        </p:nvSpPr>
+        <p:spPr>
+          <a:xfrm>
+            <a:off x="4753212" y="4107157"/>
+            <a:ext cx="301686" cy="369332"/>
+          </a:xfrm>
+          <a:prstGeom prst="rect">
+            <a:avLst/>
+          </a:prstGeom>
+        </p:spPr>
+        <p:txBody>
+          <a:bodyPr wrap="none">
+            <a:spAutoFit/>
+          </a:bodyPr>
+          <a:lstStyle/>
+          <a:p>
+            <a:r>
+              <a:rPr lang="en-GB" dirty="0"/>
+              <a:t>1</a:t>
+            </a:r>
+            <a:endParaRPr lang="de-DE" dirty="0"/>
+          </a:p>
+        </p:txBody>
+      </p:sp>
+      <p:sp>
+        <p:nvSpPr>
+          <p:cNvPr id="27" name="Rechteck 26">
+            <a:extLst>
+              <a:ext uri="{FF2B5EF4-FFF2-40B4-BE49-F238E27FC236}">
+                <a16:creationId xmlns:a16="http://schemas.microsoft.com/office/drawing/2014/main" id="{40A10B4A-CDDE-4729-910B-ADE672691336}"/>
+              </a:ext>
+            </a:extLst>
+          </p:cNvPr>
+          <p:cNvSpPr/>
+          <p:nvPr/>
+        </p:nvSpPr>
+        <p:spPr>
+          <a:xfrm>
+            <a:off x="6014165" y="4107157"/>
+            <a:ext cx="301686" cy="369332"/>
+          </a:xfrm>
+          <a:prstGeom prst="rect">
+            <a:avLst/>
+          </a:prstGeom>
+        </p:spPr>
+        <p:txBody>
+          <a:bodyPr wrap="none">
+            <a:spAutoFit/>
+          </a:bodyPr>
+          <a:lstStyle/>
+          <a:p>
+            <a:r>
+              <a:rPr lang="en-GB" dirty="0"/>
+              <a:t>3</a:t>
+            </a:r>
+            <a:endParaRPr lang="de-DE" dirty="0"/>
+          </a:p>
+        </p:txBody>
+      </p:sp>
+    </p:spTree>
+    <p:extLst>
+      <p:ext uri="{BB962C8B-B14F-4D97-AF65-F5344CB8AC3E}">
+        <p14:creationId xmlns:p14="http://schemas.microsoft.com/office/powerpoint/2010/main" val="3646556354"/>
+      </p:ext>
+    </p:extLst>
+  </p:cSld>
+  <p:clrMapOvr>
+    <a:masterClrMapping/>
+  </p:clrMapOvr>
+</p:sld>
+</file>
+
+<file path=ppt/slides/slide8.xml><?xml version="1.0" encoding="utf-8"?>
+<p:sld xmlns:a="http://schemas.openxmlformats.org/drawingml/2006/main" xmlns:r="http://schemas.openxmlformats.org/officeDocument/2006/relationships" xmlns:p="http://schemas.openxmlformats.org/presentationml/2006/main">
+  <p:cSld>
+    <p:spTree>
+      <p:nvGrpSpPr>
+        <p:cNvPr id="1" name=""/>
+        <p:cNvGrpSpPr/>
+        <p:nvPr/>
+      </p:nvGrpSpPr>
+      <p:grpSpPr>
+        <a:xfrm>
+          <a:off x="0" y="0"/>
+          <a:ext cx="0" cy="0"/>
+          <a:chOff x="0" y="0"/>
+          <a:chExt cx="0" cy="0"/>
+        </a:xfrm>
+      </p:grpSpPr>
+      <p:sp>
+        <p:nvSpPr>
+          <p:cNvPr id="2" name="Titel 1">
+            <a:extLst>
+              <a:ext uri="{FF2B5EF4-FFF2-40B4-BE49-F238E27FC236}">
                 <a16:creationId xmlns:a16="http://schemas.microsoft.com/office/drawing/2014/main" id="{90384087-C77A-4221-B0CE-9CCD81F7E340}"/>
               </a:ext>
             </a:extLst>
@@ -23542,8 +22850,8 @@
           </a:p>
         </p:txBody>
       </p:sp>
-      <mc:AlternateContent xmlns:mc="http://schemas.openxmlformats.org/markup-compatibility/2006" xmlns:a14="http://schemas.microsoft.com/office/drawing/2010/main">
-        <mc:Choice Requires="a14">
+      <mc:AlternateContent xmlns:mc="http://schemas.openxmlformats.org/markup-compatibility/2006">
+        <mc:Choice xmlns:a14="http://schemas.microsoft.com/office/drawing/2010/main" Requires="a14">
           <p:sp>
             <p:nvSpPr>
               <p:cNvPr id="3" name="Inhaltsplatzhalter 2">
@@ -23693,7 +23001,7 @@
             </p:txBody>
           </p:sp>
         </mc:Choice>
-        <mc:Fallback xmlns="">
+        <mc:Fallback>
           <p:sp>
             <p:nvSpPr>
               <p:cNvPr id="3" name="Inhaltsplatzhalter 2">
@@ -23746,7 +23054,7 @@
 </p:sld>
 </file>
 
-<file path=ppt/slides/slide8.xml><?xml version="1.0" encoding="utf-8"?>
+<file path=ppt/slides/slide9.xml><?xml version="1.0" encoding="utf-8"?>
 <p:sld xmlns:a="http://schemas.openxmlformats.org/drawingml/2006/main" xmlns:r="http://schemas.openxmlformats.org/officeDocument/2006/relationships" xmlns:p="http://schemas.openxmlformats.org/presentationml/2006/main">
   <p:cSld>
     <p:spTree>
@@ -24228,7 +23536,13 @@
                       <a:rPr lang="en-GB" b="0" i="1" smtClean="0">
                         <a:latin typeface="Cambria Math" panose="02040503050406030204" pitchFamily="18" charset="0"/>
                       </a:rPr>
-                      <m:t>(1+</m:t>
+                      <m:t>(1</m:t>
+                    </m:r>
+                    <m:r>
+                      <a:rPr lang="en-GB" b="0" i="1" smtClean="0">
+                        <a:latin typeface="Cambria Math" panose="02040503050406030204" pitchFamily="18" charset="0"/>
+                      </a:rPr>
+                      <m:t>+</m:t>
                     </m:r>
                     <m:r>
                       <a:rPr lang="en-GB" i="1">
@@ -24335,199 +23649,6 @@
     <p:extLst>
       <p:ext uri="{BB962C8B-B14F-4D97-AF65-F5344CB8AC3E}">
         <p14:creationId xmlns:p14="http://schemas.microsoft.com/office/powerpoint/2010/main" val="608848036"/>
-      </p:ext>
-    </p:extLst>
-  </p:cSld>
-  <p:clrMapOvr>
-    <a:masterClrMapping/>
-  </p:clrMapOvr>
-</p:sld>
-</file>
-
-<file path=ppt/slides/slide9.xml><?xml version="1.0" encoding="utf-8"?>
-<p:sld xmlns:a="http://schemas.openxmlformats.org/drawingml/2006/main" xmlns:r="http://schemas.openxmlformats.org/officeDocument/2006/relationships" xmlns:p="http://schemas.openxmlformats.org/presentationml/2006/main">
-  <p:cSld>
-    <p:spTree>
-      <p:nvGrpSpPr>
-        <p:cNvPr id="1" name=""/>
-        <p:cNvGrpSpPr/>
-        <p:nvPr/>
-      </p:nvGrpSpPr>
-      <p:grpSpPr>
-        <a:xfrm>
-          <a:off x="0" y="0"/>
-          <a:ext cx="0" cy="0"/>
-          <a:chOff x="0" y="0"/>
-          <a:chExt cx="0" cy="0"/>
-        </a:xfrm>
-      </p:grpSpPr>
-      <p:sp>
-        <p:nvSpPr>
-          <p:cNvPr id="2" name="Titel 1">
-            <a:extLst>
-              <a:ext uri="{FF2B5EF4-FFF2-40B4-BE49-F238E27FC236}">
-                <a16:creationId xmlns:a16="http://schemas.microsoft.com/office/drawing/2014/main" id="{24AED64C-E035-4ACB-BF83-C48870D50105}"/>
-              </a:ext>
-            </a:extLst>
-          </p:cNvPr>
-          <p:cNvSpPr>
-            <a:spLocks noGrp="1"/>
-          </p:cNvSpPr>
-          <p:nvPr>
-            <p:ph type="title"/>
-          </p:nvPr>
-        </p:nvSpPr>
-        <p:spPr/>
-        <p:txBody>
-          <a:bodyPr/>
-          <a:lstStyle/>
-          <a:p>
-            <a:r>
-              <a:rPr lang="en-GB" dirty="0"/>
-              <a:t>Garg and </a:t>
-            </a:r>
-            <a:r>
-              <a:rPr lang="en-GB" dirty="0" err="1"/>
-              <a:t>Koenemann</a:t>
-            </a:r>
-            <a:r>
-              <a:rPr lang="en-GB" dirty="0"/>
-              <a:t> Algorithm</a:t>
-            </a:r>
-            <a:endParaRPr lang="de-DE" dirty="0"/>
-          </a:p>
-        </p:txBody>
-      </p:sp>
-      <p:sp>
-        <p:nvSpPr>
-          <p:cNvPr id="3" name="Inhaltsplatzhalter 2">
-            <a:extLst>
-              <a:ext uri="{FF2B5EF4-FFF2-40B4-BE49-F238E27FC236}">
-                <a16:creationId xmlns:a16="http://schemas.microsoft.com/office/drawing/2014/main" id="{17D0C5DE-0449-4C6F-BEB5-1D40CC17FD57}"/>
-              </a:ext>
-            </a:extLst>
-          </p:cNvPr>
-          <p:cNvSpPr>
-            <a:spLocks noGrp="1"/>
-          </p:cNvSpPr>
-          <p:nvPr>
-            <p:ph idx="1"/>
-          </p:nvPr>
-        </p:nvSpPr>
-        <p:spPr/>
-        <p:txBody>
-          <a:bodyPr>
-            <a:normAutofit/>
-          </a:bodyPr>
-          <a:lstStyle/>
-          <a:p>
-            <a:r>
-              <a:rPr lang="de-DE" dirty="0"/>
-              <a:t>Polynomial-time </a:t>
-            </a:r>
-            <a:r>
-              <a:rPr lang="de-DE" dirty="0" err="1"/>
-              <a:t>approximation</a:t>
-            </a:r>
-            <a:r>
-              <a:rPr lang="de-DE" dirty="0"/>
-              <a:t> </a:t>
-            </a:r>
-            <a:r>
-              <a:rPr lang="de-DE" dirty="0" err="1"/>
-              <a:t>scheme</a:t>
-            </a:r>
-            <a:r>
-              <a:rPr lang="de-DE" dirty="0"/>
-              <a:t> </a:t>
-            </a:r>
-            <a:r>
-              <a:rPr lang="de-DE" dirty="0" err="1"/>
-              <a:t>for</a:t>
-            </a:r>
-            <a:r>
-              <a:rPr lang="de-DE" dirty="0"/>
-              <a:t> MMCFP</a:t>
-            </a:r>
-          </a:p>
-          <a:p>
-            <a:endParaRPr lang="en-GB" dirty="0"/>
-          </a:p>
-          <a:p>
-            <a:r>
-              <a:rPr lang="en-GB" dirty="0"/>
-              <a:t>M</a:t>
-            </a:r>
-            <a:r>
-              <a:rPr lang="de-DE" dirty="0" err="1"/>
-              <a:t>otivation</a:t>
-            </a:r>
-            <a:r>
-              <a:rPr lang="de-DE" dirty="0"/>
-              <a:t>: </a:t>
-            </a:r>
-          </a:p>
-          <a:p>
-            <a:pPr lvl="1"/>
-            <a:r>
-              <a:rPr lang="de-DE" dirty="0"/>
-              <a:t>F</a:t>
-            </a:r>
-            <a:r>
-              <a:rPr lang="en-US" dirty="0"/>
-              <a:t>aster than previous known algorithms for a fixed or moderately small ω.</a:t>
-            </a:r>
-            <a:endParaRPr lang="de-DE" dirty="0"/>
-          </a:p>
-          <a:p>
-            <a:endParaRPr lang="en-GB" dirty="0"/>
-          </a:p>
-          <a:p>
-            <a:r>
-              <a:rPr lang="en-GB" dirty="0"/>
-              <a:t>Idea:</a:t>
-            </a:r>
-          </a:p>
-          <a:p>
-            <a:pPr lvl="1"/>
-            <a:r>
-              <a:rPr lang="en-GB" dirty="0"/>
-              <a:t>Formulate MMCFP as a Linear Program, solve the dual problem and compute the solution for the primal as a </a:t>
-            </a:r>
-            <a:r>
-              <a:rPr lang="en-GB" dirty="0" err="1"/>
-              <a:t>byproduct</a:t>
-            </a:r>
-            <a:r>
-              <a:rPr lang="en-GB" dirty="0"/>
-              <a:t>.</a:t>
-            </a:r>
-            <a:endParaRPr lang="de-DE" dirty="0"/>
-          </a:p>
-          <a:p>
-            <a:endParaRPr lang="en-GB" dirty="0"/>
-          </a:p>
-          <a:p>
-            <a:endParaRPr lang="en-GB" dirty="0"/>
-          </a:p>
-          <a:p>
-            <a:endParaRPr lang="en-GB" dirty="0"/>
-          </a:p>
-          <a:p>
-            <a:endParaRPr lang="en-GB" dirty="0"/>
-          </a:p>
-          <a:p>
-            <a:endParaRPr lang="de-DE" dirty="0"/>
-          </a:p>
-          <a:p>
-            <a:endParaRPr lang="de-DE" dirty="0"/>
-          </a:p>
-        </p:txBody>
-      </p:sp>
-    </p:spTree>
-    <p:extLst>
-      <p:ext uri="{BB962C8B-B14F-4D97-AF65-F5344CB8AC3E}">
-        <p14:creationId xmlns:p14="http://schemas.microsoft.com/office/powerpoint/2010/main" val="1829569959"/>
       </p:ext>
     </p:extLst>
   </p:cSld>

--- a/MMCFP.pptx
+++ b/MMCFP.pptx
@@ -166,7 +166,7 @@
     <p:text>Als Titelvorschlag: 
 The Maximum Multi Commodity Flow Problem: A Case Study of an Approximation Scheme 
 Macht das ganze evtl. etwas genauer</p:text>
-    <p:extLst>
+    <p:extLst mod="1">
       <p:ext uri="{C676402C-5697-4E1C-873F-D02D1690AC5C}">
         <p15:threadingInfo xmlns:p15="http://schemas.microsoft.com/office/powerpoint/2012/main" timeZoneBias="-120"/>
       </p:ext>
@@ -768,7 +768,7 @@
           <a:p>
             <a:fld id="{44C6BE4A-E73F-4173-8748-7CBB4FC541AD}" type="datetimeFigureOut">
               <a:rPr lang="de-DE" smtClean="0"/>
-              <a:t>10.05.2019</a:t>
+              <a:t>11.05.2019</a:t>
             </a:fld>
             <a:endParaRPr lang="de-DE"/>
           </a:p>
@@ -1574,7 +1574,7 @@
           <a:p>
             <a:fld id="{09C583F3-FD4A-47F5-92E3-ECEBCA750802}" type="datetimeFigureOut">
               <a:rPr lang="de-DE" smtClean="0"/>
-              <a:t>10.05.2019</a:t>
+              <a:t>11.05.2019</a:t>
             </a:fld>
             <a:endParaRPr lang="de-DE"/>
           </a:p>
@@ -1772,7 +1772,7 @@
           <a:p>
             <a:fld id="{09C583F3-FD4A-47F5-92E3-ECEBCA750802}" type="datetimeFigureOut">
               <a:rPr lang="de-DE" smtClean="0"/>
-              <a:t>10.05.2019</a:t>
+              <a:t>11.05.2019</a:t>
             </a:fld>
             <a:endParaRPr lang="de-DE"/>
           </a:p>
@@ -1980,7 +1980,7 @@
           <a:p>
             <a:fld id="{09C583F3-FD4A-47F5-92E3-ECEBCA750802}" type="datetimeFigureOut">
               <a:rPr lang="de-DE" smtClean="0"/>
-              <a:t>10.05.2019</a:t>
+              <a:t>11.05.2019</a:t>
             </a:fld>
             <a:endParaRPr lang="de-DE"/>
           </a:p>
@@ -2178,7 +2178,7 @@
           <a:p>
             <a:fld id="{09C583F3-FD4A-47F5-92E3-ECEBCA750802}" type="datetimeFigureOut">
               <a:rPr lang="de-DE" smtClean="0"/>
-              <a:t>10.05.2019</a:t>
+              <a:t>11.05.2019</a:t>
             </a:fld>
             <a:endParaRPr lang="de-DE"/>
           </a:p>
@@ -2453,7 +2453,7 @@
           <a:p>
             <a:fld id="{09C583F3-FD4A-47F5-92E3-ECEBCA750802}" type="datetimeFigureOut">
               <a:rPr lang="de-DE" smtClean="0"/>
-              <a:t>10.05.2019</a:t>
+              <a:t>11.05.2019</a:t>
             </a:fld>
             <a:endParaRPr lang="de-DE"/>
           </a:p>
@@ -2718,7 +2718,7 @@
           <a:p>
             <a:fld id="{09C583F3-FD4A-47F5-92E3-ECEBCA750802}" type="datetimeFigureOut">
               <a:rPr lang="de-DE" smtClean="0"/>
-              <a:t>10.05.2019</a:t>
+              <a:t>11.05.2019</a:t>
             </a:fld>
             <a:endParaRPr lang="de-DE"/>
           </a:p>
@@ -3130,7 +3130,7 @@
           <a:p>
             <a:fld id="{09C583F3-FD4A-47F5-92E3-ECEBCA750802}" type="datetimeFigureOut">
               <a:rPr lang="de-DE" smtClean="0"/>
-              <a:t>10.05.2019</a:t>
+              <a:t>11.05.2019</a:t>
             </a:fld>
             <a:endParaRPr lang="de-DE"/>
           </a:p>
@@ -3271,7 +3271,7 @@
           <a:p>
             <a:fld id="{09C583F3-FD4A-47F5-92E3-ECEBCA750802}" type="datetimeFigureOut">
               <a:rPr lang="de-DE" smtClean="0"/>
-              <a:t>10.05.2019</a:t>
+              <a:t>11.05.2019</a:t>
             </a:fld>
             <a:endParaRPr lang="de-DE"/>
           </a:p>
@@ -3384,7 +3384,7 @@
           <a:p>
             <a:fld id="{09C583F3-FD4A-47F5-92E3-ECEBCA750802}" type="datetimeFigureOut">
               <a:rPr lang="de-DE" smtClean="0"/>
-              <a:t>10.05.2019</a:t>
+              <a:t>11.05.2019</a:t>
             </a:fld>
             <a:endParaRPr lang="de-DE"/>
           </a:p>
@@ -3695,7 +3695,7 @@
           <a:p>
             <a:fld id="{09C583F3-FD4A-47F5-92E3-ECEBCA750802}" type="datetimeFigureOut">
               <a:rPr lang="de-DE" smtClean="0"/>
-              <a:t>10.05.2019</a:t>
+              <a:t>11.05.2019</a:t>
             </a:fld>
             <a:endParaRPr lang="de-DE"/>
           </a:p>
@@ -3983,7 +3983,7 @@
           <a:p>
             <a:fld id="{09C583F3-FD4A-47F5-92E3-ECEBCA750802}" type="datetimeFigureOut">
               <a:rPr lang="de-DE" smtClean="0"/>
-              <a:t>10.05.2019</a:t>
+              <a:t>11.05.2019</a:t>
             </a:fld>
             <a:endParaRPr lang="de-DE"/>
           </a:p>
@@ -4224,7 +4224,7 @@
           <a:p>
             <a:fld id="{09C583F3-FD4A-47F5-92E3-ECEBCA750802}" type="datetimeFigureOut">
               <a:rPr lang="de-DE" smtClean="0"/>
-              <a:t>10.05.2019</a:t>
+              <a:t>11.05.2019</a:t>
             </a:fld>
             <a:endParaRPr lang="de-DE"/>
           </a:p>
@@ -14291,7 +14291,12 @@
             <p:ph type="ctrTitle"/>
           </p:nvPr>
         </p:nvSpPr>
-        <p:spPr/>
+        <p:spPr>
+          <a:xfrm>
+            <a:off x="1524000" y="1122363"/>
+            <a:ext cx="9144000" cy="2387600"/>
+          </a:xfrm>
+        </p:spPr>
         <p:txBody>
           <a:bodyPr>
             <a:normAutofit fontScale="90000"/>
@@ -16319,8 +16324,8 @@
           </a:p>
         </p:txBody>
       </p:sp>
-      <mc:AlternateContent xmlns:mc="http://schemas.openxmlformats.org/markup-compatibility/2006">
-        <mc:Choice xmlns:a14="http://schemas.microsoft.com/office/drawing/2010/main" Requires="a14">
+      <mc:AlternateContent xmlns:mc="http://schemas.openxmlformats.org/markup-compatibility/2006" xmlns:a14="http://schemas.microsoft.com/office/drawing/2010/main">
+        <mc:Choice Requires="a14">
           <p:sp>
             <p:nvSpPr>
               <p:cNvPr id="3" name="Inhaltsplatzhalter 2">
@@ -16901,7 +16906,7 @@
                     <m:d>
                       <m:dPr>
                         <m:ctrlPr>
-                          <a:rPr lang="en-GB" b="0" i="0" smtClean="0">
+                          <a:rPr lang="en-GB" b="0" i="1" smtClean="0">
                             <a:latin typeface="Cambria Math" panose="02040503050406030204" pitchFamily="18" charset="0"/>
                           </a:rPr>
                         </m:ctrlPr>
@@ -16947,7 +16952,7 @@
                     <m:d>
                       <m:dPr>
                         <m:ctrlPr>
-                          <a:rPr lang="en-GB" b="0" i="0" smtClean="0">
+                          <a:rPr lang="en-GB" b="0" i="1" smtClean="0">
                             <a:latin typeface="Cambria Math" panose="02040503050406030204" pitchFamily="18" charset="0"/>
                           </a:rPr>
                         </m:ctrlPr>
@@ -17157,7 +17162,7 @@
             </p:txBody>
           </p:sp>
         </mc:Choice>
-        <mc:Fallback>
+        <mc:Fallback xmlns="">
           <p:sp>
             <p:nvSpPr>
               <p:cNvPr id="3" name="Inhaltsplatzhalter 2">
@@ -17288,12 +17293,36 @@
                 <a:pPr lvl="1"/>
                 <a14:m>
                   <m:oMath xmlns:m="http://schemas.openxmlformats.org/officeDocument/2006/math">
+                    <m:r>
+                      <a:rPr lang="en-GB" b="0" i="1" smtClean="0">
+                        <a:latin typeface="Cambria Math" panose="02040503050406030204" pitchFamily="18" charset="0"/>
+                      </a:rPr>
+                      <m:t>𝑣</m:t>
+                    </m:r>
+                    <m:r>
+                      <a:rPr lang="en-GB" b="0" i="1" smtClean="0">
+                        <a:latin typeface="Cambria Math" panose="02040503050406030204" pitchFamily="18" charset="0"/>
+                      </a:rPr>
+                      <m:t>(</m:t>
+                    </m:r>
+                    <m:r>
+                      <a:rPr lang="en-GB" b="0" i="1" smtClean="0">
+                        <a:latin typeface="Cambria Math" panose="02040503050406030204" pitchFamily="18" charset="0"/>
+                      </a:rPr>
+                      <m:t>𝑥</m:t>
+                    </m:r>
+                    <m:r>
+                      <a:rPr lang="en-GB" b="0" i="1" smtClean="0">
+                        <a:latin typeface="Cambria Math" panose="02040503050406030204" pitchFamily="18" charset="0"/>
+                      </a:rPr>
+                      <m:t>)≔</m:t>
+                    </m:r>
                     <m:nary>
                       <m:naryPr>
                         <m:chr m:val="∑"/>
                         <m:supHide m:val="on"/>
                         <m:ctrlPr>
-                          <a:rPr lang="en-GB" i="1">
+                          <a:rPr lang="en-GB" i="1" smtClean="0">
                             <a:latin typeface="Cambria Math" panose="02040503050406030204" pitchFamily="18" charset="0"/>
                           </a:rPr>
                         </m:ctrlPr>
@@ -17345,35 +17374,6 @@
                                 <a:latin typeface="Cambria Math" panose="02040503050406030204" pitchFamily="18" charset="0"/>
                               </a:rPr>
                               <m:t>𝑝</m:t>
-                            </m:r>
-                          </m:e>
-                        </m:d>
-                        <m:r>
-                          <a:rPr lang="en-GB" b="0" i="1" smtClean="0">
-                            <a:latin typeface="Cambria Math" panose="02040503050406030204" pitchFamily="18" charset="0"/>
-                          </a:rPr>
-                          <m:t>=</m:t>
-                        </m:r>
-                        <m:r>
-                          <a:rPr lang="en-GB" b="0" i="1" smtClean="0">
-                            <a:latin typeface="Cambria Math" panose="02040503050406030204" pitchFamily="18" charset="0"/>
-                          </a:rPr>
-                          <m:t>𝑣</m:t>
-                        </m:r>
-                        <m:d>
-                          <m:dPr>
-                            <m:ctrlPr>
-                              <a:rPr lang="en-GB" b="0" i="1" smtClean="0">
-                                <a:latin typeface="Cambria Math" panose="02040503050406030204" pitchFamily="18" charset="0"/>
-                              </a:rPr>
-                            </m:ctrlPr>
-                          </m:dPr>
-                          <m:e>
-                            <m:r>
-                              <a:rPr lang="en-GB" b="0" i="1" smtClean="0">
-                                <a:latin typeface="Cambria Math" panose="02040503050406030204" pitchFamily="18" charset="0"/>
-                              </a:rPr>
-                              <m:t>𝑥</m:t>
                             </m:r>
                           </m:e>
                         </m:d>
@@ -18906,7 +18906,12 @@
             <p:ph type="title"/>
           </p:nvPr>
         </p:nvSpPr>
-        <p:spPr/>
+        <p:spPr>
+          <a:xfrm>
+            <a:off x="838200" y="357087"/>
+            <a:ext cx="10515600" cy="1325563"/>
+          </a:xfrm>
+        </p:spPr>
         <p:txBody>
           <a:bodyPr/>
           <a:lstStyle/>
@@ -18919,8 +18924,8 @@
           </a:p>
         </p:txBody>
       </p:sp>
-      <mc:AlternateContent xmlns:mc="http://schemas.openxmlformats.org/markup-compatibility/2006" xmlns:a14="http://schemas.microsoft.com/office/drawing/2010/main">
-        <mc:Choice Requires="a14">
+      <mc:AlternateContent xmlns:mc="http://schemas.openxmlformats.org/markup-compatibility/2006">
+        <mc:Choice xmlns:a14="http://schemas.microsoft.com/office/drawing/2010/main" Requires="a14">
           <p:sp>
             <p:nvSpPr>
               <p:cNvPr id="3" name="Inhaltsplatzhalter 2">
@@ -18981,13 +18986,48 @@
                       <a:rPr lang="en-GB" b="0" i="1" dirty="0" smtClean="0">
                         <a:latin typeface="Cambria Math" panose="02040503050406030204" pitchFamily="18" charset="0"/>
                       </a:rPr>
-                      <m:t>, (</m:t>
-                    </m:r>
+                      <m:t>, </m:t>
+                    </m:r>
+                    <m:d>
+                      <m:dPr>
+                        <m:ctrlPr>
+                          <a:rPr lang="en-GB" b="0" i="1" dirty="0" smtClean="0">
+                            <a:latin typeface="Cambria Math" panose="02040503050406030204" pitchFamily="18" charset="0"/>
+                          </a:rPr>
+                        </m:ctrlPr>
+                      </m:dPr>
+                      <m:e>
+                        <m:r>
+                          <a:rPr lang="en-GB" b="0" i="1" dirty="0" smtClean="0">
+                            <a:latin typeface="Cambria Math" panose="02040503050406030204" pitchFamily="18" charset="0"/>
+                          </a:rPr>
+                          <m:t>𝑎</m:t>
+                        </m:r>
+                        <m:r>
+                          <a:rPr lang="en-GB" b="0" i="1" dirty="0" smtClean="0">
+                            <a:latin typeface="Cambria Math" panose="02040503050406030204" pitchFamily="18" charset="0"/>
+                          </a:rPr>
+                          <m:t>,</m:t>
+                        </m:r>
+                        <m:r>
+                          <a:rPr lang="en-GB" b="0" i="1" dirty="0" smtClean="0">
+                            <a:latin typeface="Cambria Math" panose="02040503050406030204" pitchFamily="18" charset="0"/>
+                          </a:rPr>
+                          <m:t>𝑐</m:t>
+                        </m:r>
+                      </m:e>
+                    </m:d>
                     <m:r>
                       <a:rPr lang="en-GB" b="0" i="1" dirty="0" smtClean="0">
                         <a:latin typeface="Cambria Math" panose="02040503050406030204" pitchFamily="18" charset="0"/>
                       </a:rPr>
-                      <m:t>𝑎</m:t>
+                      <m:t>       →(</m:t>
+                    </m:r>
+                    <m:r>
+                      <a:rPr lang="en-GB" b="0" i="1" dirty="0" smtClean="0">
+                        <a:latin typeface="Cambria Math" panose="02040503050406030204" pitchFamily="18" charset="0"/>
+                      </a:rPr>
+                      <m:t>𝑒</m:t>
                     </m:r>
                     <m:r>
                       <a:rPr lang="en-GB" b="0" i="1" dirty="0" smtClean="0">
@@ -19009,12 +19049,15 @@
                     </m:r>
                   </m:oMath>
                 </a14:m>
-                <a:endParaRPr lang="de-DE" dirty="0"/>
+                <a:r>
+                  <a:rPr lang="de-DE" dirty="0"/>
+                  <a:t> </a:t>
+                </a:r>
               </a:p>
             </p:txBody>
           </p:sp>
         </mc:Choice>
-        <mc:Fallback xmlns="">
+        <mc:Fallback>
           <p:sp>
             <p:nvSpPr>
               <p:cNvPr id="3" name="Inhaltsplatzhalter 2">
@@ -19068,7 +19111,7 @@
         </p:nvSpPr>
         <p:spPr>
           <a:xfrm>
-            <a:off x="2869513" y="4070350"/>
+            <a:off x="838200" y="4102623"/>
             <a:ext cx="807868" cy="648069"/>
           </a:xfrm>
           <a:prstGeom prst="rect">
@@ -19118,7 +19161,7 @@
         </p:nvSpPr>
         <p:spPr>
           <a:xfrm>
-            <a:off x="4861904" y="4070345"/>
+            <a:off x="2498222" y="4111174"/>
             <a:ext cx="807868" cy="648069"/>
           </a:xfrm>
           <a:prstGeom prst="rect">
@@ -19168,7 +19211,7 @@
         </p:nvSpPr>
         <p:spPr>
           <a:xfrm>
-            <a:off x="6901153" y="4059022"/>
+            <a:off x="3371160" y="3127841"/>
             <a:ext cx="807868" cy="648069"/>
           </a:xfrm>
           <a:prstGeom prst="rect">
@@ -19220,210 +19263,9 @@
           <p:nvPr/>
         </p:nvCxnSpPr>
         <p:spPr>
-          <a:xfrm>
-            <a:off x="3677381" y="4394385"/>
-            <a:ext cx="1191693" cy="0"/>
-          </a:xfrm>
-          <a:prstGeom prst="straightConnector1">
-            <a:avLst/>
-          </a:prstGeom>
-          <a:ln>
-            <a:tailEnd type="triangle"/>
-          </a:ln>
-        </p:spPr>
-        <p:style>
-          <a:lnRef idx="1">
-            <a:schemeClr val="accent1"/>
-          </a:lnRef>
-          <a:fillRef idx="0">
-            <a:schemeClr val="accent1"/>
-          </a:fillRef>
-          <a:effectRef idx="0">
-            <a:schemeClr val="accent1"/>
-          </a:effectRef>
-          <a:fontRef idx="minor">
-            <a:schemeClr val="tx1"/>
-          </a:fontRef>
-        </p:style>
-      </p:cxnSp>
-      <p:sp>
-        <p:nvSpPr>
-          <p:cNvPr id="8" name="Textfeld 7">
-            <a:extLst>
-              <a:ext uri="{FF2B5EF4-FFF2-40B4-BE49-F238E27FC236}">
-                <a16:creationId xmlns:a16="http://schemas.microsoft.com/office/drawing/2014/main" id="{2C331F75-80C6-4077-8FFC-C83A8E551A62}"/>
-              </a:ext>
-            </a:extLst>
-          </p:cNvPr>
-          <p:cNvSpPr txBox="1"/>
-          <p:nvPr/>
-        </p:nvSpPr>
-        <p:spPr>
-          <a:xfrm>
-            <a:off x="4044090" y="4070344"/>
-            <a:ext cx="508473" cy="369332"/>
-          </a:xfrm>
-          <a:prstGeom prst="rect">
-            <a:avLst/>
-          </a:prstGeom>
-          <a:noFill/>
-        </p:spPr>
-        <p:txBody>
-          <a:bodyPr wrap="none" rtlCol="0">
-            <a:spAutoFit/>
-          </a:bodyPr>
-          <a:lstStyle/>
-          <a:p>
-            <a:r>
-              <a:rPr lang="en-GB" dirty="0">
-                <a:solidFill>
-                  <a:srgbClr val="FF0000"/>
-                </a:solidFill>
-              </a:rPr>
-              <a:t>2</a:t>
-            </a:r>
-            <a:r>
-              <a:rPr lang="en-GB" dirty="0"/>
-              <a:t>/2</a:t>
-            </a:r>
-            <a:endParaRPr lang="de-DE" dirty="0">
-              <a:solidFill>
-                <a:srgbClr val="FF0000"/>
-              </a:solidFill>
-            </a:endParaRPr>
-          </a:p>
-        </p:txBody>
-      </p:sp>
-      <mc:AlternateContent xmlns:mc="http://schemas.openxmlformats.org/markup-compatibility/2006" xmlns:a14="http://schemas.microsoft.com/office/drawing/2010/main">
-        <mc:Choice Requires="a14">
-          <p:sp>
-            <p:nvSpPr>
-              <p:cNvPr id="9" name="Textfeld 8">
-                <a:extLst>
-                  <a:ext uri="{FF2B5EF4-FFF2-40B4-BE49-F238E27FC236}">
-                    <a16:creationId xmlns:a16="http://schemas.microsoft.com/office/drawing/2014/main" id="{20472B9B-B431-4159-BC2D-50BFAF520EF1}"/>
-                  </a:ext>
-                </a:extLst>
-              </p:cNvPr>
-              <p:cNvSpPr txBox="1"/>
-              <p:nvPr/>
-            </p:nvSpPr>
-            <p:spPr>
-              <a:xfrm>
-                <a:off x="6096000" y="4022826"/>
-                <a:ext cx="607859" cy="369332"/>
-              </a:xfrm>
-              <a:prstGeom prst="rect">
-                <a:avLst/>
-              </a:prstGeom>
-              <a:noFill/>
-            </p:spPr>
-            <p:txBody>
-              <a:bodyPr wrap="none" rtlCol="0">
-                <a:spAutoFit/>
-              </a:bodyPr>
-              <a:lstStyle/>
-              <a:p>
-                <a:pPr/>
-                <a14:m>
-                  <m:oMathPara xmlns:m="http://schemas.openxmlformats.org/officeDocument/2006/math">
-                    <m:oMathParaPr>
-                      <m:jc m:val="centerGroup"/>
-                    </m:oMathParaPr>
-                    <m:oMath xmlns:m="http://schemas.openxmlformats.org/officeDocument/2006/math">
-                      <m:r>
-                        <a:rPr lang="en-GB" b="0" i="1" dirty="0" smtClean="0">
-                          <a:solidFill>
-                            <a:srgbClr val="FF0000"/>
-                          </a:solidFill>
-                          <a:latin typeface="Cambria Math" panose="02040503050406030204" pitchFamily="18" charset="0"/>
-                        </a:rPr>
-                        <m:t>2</m:t>
-                      </m:r>
-                      <m:r>
-                        <a:rPr lang="en-GB" b="0" i="1" dirty="0" smtClean="0">
-                          <a:solidFill>
-                            <a:schemeClr val="tx1"/>
-                          </a:solidFill>
-                          <a:latin typeface="Cambria Math" panose="02040503050406030204" pitchFamily="18" charset="0"/>
-                        </a:rPr>
-                        <m:t>/2</m:t>
-                      </m:r>
-                    </m:oMath>
-                  </m:oMathPara>
-                </a14:m>
-                <a:endParaRPr lang="de-DE" dirty="0">
-                  <a:solidFill>
-                    <a:srgbClr val="FF0000"/>
-                  </a:solidFill>
-                </a:endParaRPr>
-              </a:p>
-            </p:txBody>
-          </p:sp>
-        </mc:Choice>
-        <mc:Fallback xmlns="">
-          <p:sp>
-            <p:nvSpPr>
-              <p:cNvPr id="9" name="Textfeld 8">
-                <a:extLst>
-                  <a:ext uri="{FF2B5EF4-FFF2-40B4-BE49-F238E27FC236}">
-                    <a16:creationId xmlns:a16="http://schemas.microsoft.com/office/drawing/2014/main" id="{20472B9B-B431-4159-BC2D-50BFAF520EF1}"/>
-                  </a:ext>
-                </a:extLst>
-              </p:cNvPr>
-              <p:cNvSpPr txBox="1">
-                <a:spLocks noRot="1" noChangeAspect="1" noMove="1" noResize="1" noEditPoints="1" noAdjustHandles="1" noChangeArrowheads="1" noChangeShapeType="1" noTextEdit="1"/>
-              </p:cNvSpPr>
-              <p:nvPr/>
-            </p:nvSpPr>
-            <p:spPr>
-              <a:xfrm>
-                <a:off x="6096000" y="4022826"/>
-                <a:ext cx="607859" cy="369332"/>
-              </a:xfrm>
-              <a:prstGeom prst="rect">
-                <a:avLst/>
-              </a:prstGeom>
-              <a:blipFill>
-                <a:blip r:embed="rId3"/>
-                <a:stretch>
-                  <a:fillRect b="-13333"/>
-                </a:stretch>
-              </a:blipFill>
-            </p:spPr>
-            <p:txBody>
-              <a:bodyPr/>
-              <a:lstStyle/>
-              <a:p>
-                <a:r>
-                  <a:rPr lang="de-DE">
-                    <a:noFill/>
-                  </a:rPr>
-                  <a:t> </a:t>
-                </a:r>
-              </a:p>
-            </p:txBody>
-          </p:sp>
-        </mc:Fallback>
-      </mc:AlternateContent>
-      <p:cxnSp>
-        <p:nvCxnSpPr>
-          <p:cNvPr id="10" name="Gerade Verbindung mit Pfeil 9">
-            <a:extLst>
-              <a:ext uri="{FF2B5EF4-FFF2-40B4-BE49-F238E27FC236}">
-                <a16:creationId xmlns:a16="http://schemas.microsoft.com/office/drawing/2014/main" id="{0B55E235-F9D8-48C2-9F3E-4F695C1094BF}"/>
-              </a:ext>
-            </a:extLst>
-          </p:cNvPr>
-          <p:cNvCxnSpPr>
-            <a:cxnSpLocks/>
-          </p:cNvCxnSpPr>
-          <p:nvPr/>
-        </p:nvCxnSpPr>
-        <p:spPr>
-          <a:xfrm>
-            <a:off x="5669772" y="4383057"/>
-            <a:ext cx="1222494" cy="9101"/>
+          <a:xfrm flipV="1">
+            <a:off x="1646068" y="4424431"/>
+            <a:ext cx="871221" cy="2227"/>
           </a:xfrm>
           <a:prstGeom prst="straightConnector1">
             <a:avLst/>
@@ -19461,7 +19303,7 @@
         </p:nvSpPr>
         <p:spPr>
           <a:xfrm>
-            <a:off x="2869513" y="3095568"/>
+            <a:off x="838200" y="3127841"/>
             <a:ext cx="807868" cy="648069"/>
           </a:xfrm>
           <a:prstGeom prst="rect">
@@ -19499,22 +19341,24 @@
       </p:sp>
       <p:cxnSp>
         <p:nvCxnSpPr>
-          <p:cNvPr id="21" name="Gerade Verbindung mit Pfeil 20">
+          <p:cNvPr id="44" name="Gerade Verbindung mit Pfeil 43">
             <a:extLst>
               <a:ext uri="{FF2B5EF4-FFF2-40B4-BE49-F238E27FC236}">
-                <a16:creationId xmlns:a16="http://schemas.microsoft.com/office/drawing/2014/main" id="{4B93044D-1FBF-445B-A61F-F78EF166E17A}"/>
+                <a16:creationId xmlns:a16="http://schemas.microsoft.com/office/drawing/2014/main" id="{291BA4BA-D103-4445-B4D2-645481D405F1}"/>
               </a:ext>
             </a:extLst>
           </p:cNvPr>
           <p:cNvCxnSpPr>
             <a:cxnSpLocks/>
+            <a:stCxn id="5" idx="3"/>
+            <a:endCxn id="6" idx="2"/>
           </p:cNvCxnSpPr>
           <p:nvPr/>
         </p:nvCxnSpPr>
         <p:spPr>
-          <a:xfrm>
-            <a:off x="3677381" y="3428999"/>
-            <a:ext cx="3223772" cy="954057"/>
+          <a:xfrm flipV="1">
+            <a:off x="3306090" y="3775910"/>
+            <a:ext cx="469004" cy="659299"/>
           </a:xfrm>
           <a:prstGeom prst="straightConnector1">
             <a:avLst/>
@@ -19538,6 +19382,821 @@
           </a:fontRef>
         </p:style>
       </p:cxnSp>
+      <p:cxnSp>
+        <p:nvCxnSpPr>
+          <p:cNvPr id="45" name="Gerade Verbindung mit Pfeil 44">
+            <a:extLst>
+              <a:ext uri="{FF2B5EF4-FFF2-40B4-BE49-F238E27FC236}">
+                <a16:creationId xmlns:a16="http://schemas.microsoft.com/office/drawing/2014/main" id="{6BF8F43C-0EF6-48A9-8318-61FADE504120}"/>
+              </a:ext>
+            </a:extLst>
+          </p:cNvPr>
+          <p:cNvCxnSpPr>
+            <a:stCxn id="19" idx="3"/>
+            <a:endCxn id="6" idx="1"/>
+          </p:cNvCxnSpPr>
+          <p:nvPr/>
+        </p:nvCxnSpPr>
+        <p:spPr>
+          <a:xfrm>
+            <a:off x="1646068" y="3451876"/>
+            <a:ext cx="1725092" cy="0"/>
+          </a:xfrm>
+          <a:prstGeom prst="straightConnector1">
+            <a:avLst/>
+          </a:prstGeom>
+          <a:ln>
+            <a:tailEnd type="triangle"/>
+          </a:ln>
+        </p:spPr>
+        <p:style>
+          <a:lnRef idx="1">
+            <a:schemeClr val="accent1"/>
+          </a:lnRef>
+          <a:fillRef idx="0">
+            <a:schemeClr val="accent1"/>
+          </a:fillRef>
+          <a:effectRef idx="0">
+            <a:schemeClr val="accent1"/>
+          </a:effectRef>
+          <a:fontRef idx="minor">
+            <a:schemeClr val="tx1"/>
+          </a:fontRef>
+        </p:style>
+      </p:cxnSp>
+      <p:sp>
+        <p:nvSpPr>
+          <p:cNvPr id="64" name="Rechteck 63">
+            <a:extLst>
+              <a:ext uri="{FF2B5EF4-FFF2-40B4-BE49-F238E27FC236}">
+                <a16:creationId xmlns:a16="http://schemas.microsoft.com/office/drawing/2014/main" id="{C42D38B5-C3B8-4BDF-AB8B-907242AF3FAD}"/>
+              </a:ext>
+            </a:extLst>
+          </p:cNvPr>
+          <p:cNvSpPr/>
+          <p:nvPr/>
+        </p:nvSpPr>
+        <p:spPr>
+          <a:xfrm>
+            <a:off x="7609038" y="4102623"/>
+            <a:ext cx="807868" cy="648069"/>
+          </a:xfrm>
+          <a:prstGeom prst="rect">
+            <a:avLst/>
+          </a:prstGeom>
+        </p:spPr>
+        <p:style>
+          <a:lnRef idx="2">
+            <a:schemeClr val="accent1">
+              <a:shade val="50000"/>
+            </a:schemeClr>
+          </a:lnRef>
+          <a:fillRef idx="1">
+            <a:schemeClr val="accent1"/>
+          </a:fillRef>
+          <a:effectRef idx="0">
+            <a:schemeClr val="accent1"/>
+          </a:effectRef>
+          <a:fontRef idx="minor">
+            <a:schemeClr val="lt1"/>
+          </a:fontRef>
+        </p:style>
+        <p:txBody>
+          <a:bodyPr rtlCol="0" anchor="ctr"/>
+          <a:lstStyle/>
+          <a:p>
+            <a:pPr algn="ctr"/>
+            <a:r>
+              <a:rPr lang="en-GB" dirty="0"/>
+              <a:t>a</a:t>
+            </a:r>
+            <a:endParaRPr lang="de-DE" dirty="0"/>
+          </a:p>
+        </p:txBody>
+      </p:sp>
+      <p:sp>
+        <p:nvSpPr>
+          <p:cNvPr id="65" name="Rechteck 64">
+            <a:extLst>
+              <a:ext uri="{FF2B5EF4-FFF2-40B4-BE49-F238E27FC236}">
+                <a16:creationId xmlns:a16="http://schemas.microsoft.com/office/drawing/2014/main" id="{EBEA6B61-96C7-44F3-8238-6A040C0D8FE2}"/>
+              </a:ext>
+            </a:extLst>
+          </p:cNvPr>
+          <p:cNvSpPr/>
+          <p:nvPr/>
+        </p:nvSpPr>
+        <p:spPr>
+          <a:xfrm>
+            <a:off x="9269060" y="4111174"/>
+            <a:ext cx="807868" cy="648069"/>
+          </a:xfrm>
+          <a:prstGeom prst="rect">
+            <a:avLst/>
+          </a:prstGeom>
+        </p:spPr>
+        <p:style>
+          <a:lnRef idx="2">
+            <a:schemeClr val="accent1">
+              <a:shade val="50000"/>
+            </a:schemeClr>
+          </a:lnRef>
+          <a:fillRef idx="1">
+            <a:schemeClr val="accent1"/>
+          </a:fillRef>
+          <a:effectRef idx="0">
+            <a:schemeClr val="accent1"/>
+          </a:effectRef>
+          <a:fontRef idx="minor">
+            <a:schemeClr val="lt1"/>
+          </a:fontRef>
+        </p:style>
+        <p:txBody>
+          <a:bodyPr rtlCol="0" anchor="ctr"/>
+          <a:lstStyle/>
+          <a:p>
+            <a:pPr algn="ctr"/>
+            <a:r>
+              <a:rPr lang="en-GB" dirty="0"/>
+              <a:t>b</a:t>
+            </a:r>
+            <a:endParaRPr lang="de-DE" dirty="0"/>
+          </a:p>
+        </p:txBody>
+      </p:sp>
+      <p:sp>
+        <p:nvSpPr>
+          <p:cNvPr id="66" name="Rechteck 65">
+            <a:extLst>
+              <a:ext uri="{FF2B5EF4-FFF2-40B4-BE49-F238E27FC236}">
+                <a16:creationId xmlns:a16="http://schemas.microsoft.com/office/drawing/2014/main" id="{55B78836-D4CB-46BF-B19A-4562CB068B2B}"/>
+              </a:ext>
+            </a:extLst>
+          </p:cNvPr>
+          <p:cNvSpPr/>
+          <p:nvPr/>
+        </p:nvSpPr>
+        <p:spPr>
+          <a:xfrm>
+            <a:off x="10141998" y="3127841"/>
+            <a:ext cx="807868" cy="648069"/>
+          </a:xfrm>
+          <a:prstGeom prst="rect">
+            <a:avLst/>
+          </a:prstGeom>
+        </p:spPr>
+        <p:style>
+          <a:lnRef idx="2">
+            <a:schemeClr val="accent1">
+              <a:shade val="50000"/>
+            </a:schemeClr>
+          </a:lnRef>
+          <a:fillRef idx="1">
+            <a:schemeClr val="accent1"/>
+          </a:fillRef>
+          <a:effectRef idx="0">
+            <a:schemeClr val="accent1"/>
+          </a:effectRef>
+          <a:fontRef idx="minor">
+            <a:schemeClr val="lt1"/>
+          </a:fontRef>
+        </p:style>
+        <p:txBody>
+          <a:bodyPr rtlCol="0" anchor="ctr"/>
+          <a:lstStyle/>
+          <a:p>
+            <a:pPr algn="ctr"/>
+            <a:r>
+              <a:rPr lang="en-GB" dirty="0"/>
+              <a:t>c</a:t>
+            </a:r>
+            <a:endParaRPr lang="de-DE" dirty="0"/>
+          </a:p>
+        </p:txBody>
+      </p:sp>
+      <p:cxnSp>
+        <p:nvCxnSpPr>
+          <p:cNvPr id="67" name="Gerade Verbindung mit Pfeil 66">
+            <a:extLst>
+              <a:ext uri="{FF2B5EF4-FFF2-40B4-BE49-F238E27FC236}">
+                <a16:creationId xmlns:a16="http://schemas.microsoft.com/office/drawing/2014/main" id="{064EF47E-4117-4EC5-86BB-C2862BAA7374}"/>
+              </a:ext>
+            </a:extLst>
+          </p:cNvPr>
+          <p:cNvCxnSpPr>
+            <a:cxnSpLocks/>
+            <a:stCxn id="64" idx="3"/>
+          </p:cNvCxnSpPr>
+          <p:nvPr/>
+        </p:nvCxnSpPr>
+        <p:spPr>
+          <a:xfrm flipV="1">
+            <a:off x="8416906" y="4424431"/>
+            <a:ext cx="871221" cy="2227"/>
+          </a:xfrm>
+          <a:prstGeom prst="straightConnector1">
+            <a:avLst/>
+          </a:prstGeom>
+          <a:ln>
+            <a:tailEnd type="triangle"/>
+          </a:ln>
+        </p:spPr>
+        <p:style>
+          <a:lnRef idx="1">
+            <a:schemeClr val="accent1"/>
+          </a:lnRef>
+          <a:fillRef idx="0">
+            <a:schemeClr val="accent1"/>
+          </a:fillRef>
+          <a:effectRef idx="0">
+            <a:schemeClr val="accent1"/>
+          </a:effectRef>
+          <a:fontRef idx="minor">
+            <a:schemeClr val="tx1"/>
+          </a:fontRef>
+        </p:style>
+      </p:cxnSp>
+      <p:sp>
+        <p:nvSpPr>
+          <p:cNvPr id="69" name="Rechteck 68">
+            <a:extLst>
+              <a:ext uri="{FF2B5EF4-FFF2-40B4-BE49-F238E27FC236}">
+                <a16:creationId xmlns:a16="http://schemas.microsoft.com/office/drawing/2014/main" id="{E4113AB2-7D39-4163-867D-DA8E91D6D684}"/>
+              </a:ext>
+            </a:extLst>
+          </p:cNvPr>
+          <p:cNvSpPr/>
+          <p:nvPr/>
+        </p:nvSpPr>
+        <p:spPr>
+          <a:xfrm>
+            <a:off x="7609038" y="3127841"/>
+            <a:ext cx="807868" cy="648069"/>
+          </a:xfrm>
+          <a:prstGeom prst="rect">
+            <a:avLst/>
+          </a:prstGeom>
+        </p:spPr>
+        <p:style>
+          <a:lnRef idx="2">
+            <a:schemeClr val="accent1">
+              <a:shade val="50000"/>
+            </a:schemeClr>
+          </a:lnRef>
+          <a:fillRef idx="1">
+            <a:schemeClr val="accent1"/>
+          </a:fillRef>
+          <a:effectRef idx="0">
+            <a:schemeClr val="accent1"/>
+          </a:effectRef>
+          <a:fontRef idx="minor">
+            <a:schemeClr val="lt1"/>
+          </a:fontRef>
+        </p:style>
+        <p:txBody>
+          <a:bodyPr rtlCol="0" anchor="ctr"/>
+          <a:lstStyle/>
+          <a:p>
+            <a:pPr algn="ctr"/>
+            <a:r>
+              <a:rPr lang="en-GB" dirty="0"/>
+              <a:t>d</a:t>
+            </a:r>
+            <a:endParaRPr lang="de-DE" dirty="0"/>
+          </a:p>
+        </p:txBody>
+      </p:sp>
+      <p:cxnSp>
+        <p:nvCxnSpPr>
+          <p:cNvPr id="71" name="Gerade Verbindung mit Pfeil 70">
+            <a:extLst>
+              <a:ext uri="{FF2B5EF4-FFF2-40B4-BE49-F238E27FC236}">
+                <a16:creationId xmlns:a16="http://schemas.microsoft.com/office/drawing/2014/main" id="{668AB34F-08FA-4B7F-AA1B-E3554BE0F507}"/>
+              </a:ext>
+            </a:extLst>
+          </p:cNvPr>
+          <p:cNvCxnSpPr>
+            <a:cxnSpLocks/>
+            <a:stCxn id="65" idx="3"/>
+            <a:endCxn id="66" idx="2"/>
+          </p:cNvCxnSpPr>
+          <p:nvPr/>
+        </p:nvCxnSpPr>
+        <p:spPr>
+          <a:xfrm flipV="1">
+            <a:off x="10076928" y="3775910"/>
+            <a:ext cx="469004" cy="659299"/>
+          </a:xfrm>
+          <a:prstGeom prst="straightConnector1">
+            <a:avLst/>
+          </a:prstGeom>
+          <a:ln>
+            <a:tailEnd type="triangle"/>
+          </a:ln>
+        </p:spPr>
+        <p:style>
+          <a:lnRef idx="1">
+            <a:schemeClr val="accent1"/>
+          </a:lnRef>
+          <a:fillRef idx="0">
+            <a:schemeClr val="accent1"/>
+          </a:fillRef>
+          <a:effectRef idx="0">
+            <a:schemeClr val="accent1"/>
+          </a:effectRef>
+          <a:fontRef idx="minor">
+            <a:schemeClr val="tx1"/>
+          </a:fontRef>
+        </p:style>
+      </p:cxnSp>
+      <p:cxnSp>
+        <p:nvCxnSpPr>
+          <p:cNvPr id="72" name="Gerade Verbindung mit Pfeil 71">
+            <a:extLst>
+              <a:ext uri="{FF2B5EF4-FFF2-40B4-BE49-F238E27FC236}">
+                <a16:creationId xmlns:a16="http://schemas.microsoft.com/office/drawing/2014/main" id="{F0C1B274-17D3-496D-9C4F-F23DD087089A}"/>
+              </a:ext>
+            </a:extLst>
+          </p:cNvPr>
+          <p:cNvCxnSpPr>
+            <a:stCxn id="69" idx="3"/>
+            <a:endCxn id="66" idx="1"/>
+          </p:cNvCxnSpPr>
+          <p:nvPr/>
+        </p:nvCxnSpPr>
+        <p:spPr>
+          <a:xfrm>
+            <a:off x="8416906" y="3451876"/>
+            <a:ext cx="1725092" cy="0"/>
+          </a:xfrm>
+          <a:prstGeom prst="straightConnector1">
+            <a:avLst/>
+          </a:prstGeom>
+          <a:ln>
+            <a:tailEnd type="triangle"/>
+          </a:ln>
+        </p:spPr>
+        <p:style>
+          <a:lnRef idx="1">
+            <a:schemeClr val="accent1"/>
+          </a:lnRef>
+          <a:fillRef idx="0">
+            <a:schemeClr val="accent1"/>
+          </a:fillRef>
+          <a:effectRef idx="0">
+            <a:schemeClr val="accent1"/>
+          </a:effectRef>
+          <a:fontRef idx="minor">
+            <a:schemeClr val="tx1"/>
+          </a:fontRef>
+        </p:style>
+      </p:cxnSp>
+      <p:sp>
+        <p:nvSpPr>
+          <p:cNvPr id="82" name="Rechteck 81">
+            <a:extLst>
+              <a:ext uri="{FF2B5EF4-FFF2-40B4-BE49-F238E27FC236}">
+                <a16:creationId xmlns:a16="http://schemas.microsoft.com/office/drawing/2014/main" id="{049D6645-2679-4788-B277-00102005AB85}"/>
+              </a:ext>
+            </a:extLst>
+          </p:cNvPr>
+          <p:cNvSpPr/>
+          <p:nvPr/>
+        </p:nvSpPr>
+        <p:spPr>
+          <a:xfrm>
+            <a:off x="6242984" y="3658599"/>
+            <a:ext cx="807868" cy="648069"/>
+          </a:xfrm>
+          <a:prstGeom prst="rect">
+            <a:avLst/>
+          </a:prstGeom>
+        </p:spPr>
+        <p:style>
+          <a:lnRef idx="2">
+            <a:schemeClr val="accent1">
+              <a:shade val="50000"/>
+            </a:schemeClr>
+          </a:lnRef>
+          <a:fillRef idx="1">
+            <a:schemeClr val="accent1"/>
+          </a:fillRef>
+          <a:effectRef idx="0">
+            <a:schemeClr val="accent1"/>
+          </a:effectRef>
+          <a:fontRef idx="minor">
+            <a:schemeClr val="lt1"/>
+          </a:fontRef>
+        </p:style>
+        <p:txBody>
+          <a:bodyPr rtlCol="0" anchor="ctr"/>
+          <a:lstStyle/>
+          <a:p>
+            <a:pPr algn="ctr"/>
+            <a:r>
+              <a:rPr lang="en-GB" dirty="0"/>
+              <a:t>e</a:t>
+            </a:r>
+            <a:endParaRPr lang="de-DE" dirty="0"/>
+          </a:p>
+        </p:txBody>
+      </p:sp>
+      <p:cxnSp>
+        <p:nvCxnSpPr>
+          <p:cNvPr id="84" name="Gerade Verbindung mit Pfeil 83">
+            <a:extLst>
+              <a:ext uri="{FF2B5EF4-FFF2-40B4-BE49-F238E27FC236}">
+                <a16:creationId xmlns:a16="http://schemas.microsoft.com/office/drawing/2014/main" id="{94850EE7-D21D-47BF-B6E5-78B1688EBA89}"/>
+              </a:ext>
+            </a:extLst>
+          </p:cNvPr>
+          <p:cNvCxnSpPr>
+            <a:stCxn id="82" idx="3"/>
+            <a:endCxn id="69" idx="1"/>
+          </p:cNvCxnSpPr>
+          <p:nvPr/>
+        </p:nvCxnSpPr>
+        <p:spPr>
+          <a:xfrm flipV="1">
+            <a:off x="7050852" y="3451876"/>
+            <a:ext cx="558186" cy="530758"/>
+          </a:xfrm>
+          <a:prstGeom prst="straightConnector1">
+            <a:avLst/>
+          </a:prstGeom>
+          <a:ln>
+            <a:tailEnd type="triangle"/>
+          </a:ln>
+        </p:spPr>
+        <p:style>
+          <a:lnRef idx="1">
+            <a:schemeClr val="accent1"/>
+          </a:lnRef>
+          <a:fillRef idx="0">
+            <a:schemeClr val="accent1"/>
+          </a:fillRef>
+          <a:effectRef idx="0">
+            <a:schemeClr val="accent1"/>
+          </a:effectRef>
+          <a:fontRef idx="minor">
+            <a:schemeClr val="tx1"/>
+          </a:fontRef>
+        </p:style>
+      </p:cxnSp>
+      <p:cxnSp>
+        <p:nvCxnSpPr>
+          <p:cNvPr id="86" name="Gerade Verbindung mit Pfeil 85">
+            <a:extLst>
+              <a:ext uri="{FF2B5EF4-FFF2-40B4-BE49-F238E27FC236}">
+                <a16:creationId xmlns:a16="http://schemas.microsoft.com/office/drawing/2014/main" id="{04D9F82C-4DF5-42B3-9428-807D50D6336E}"/>
+              </a:ext>
+            </a:extLst>
+          </p:cNvPr>
+          <p:cNvCxnSpPr>
+            <a:stCxn id="82" idx="3"/>
+            <a:endCxn id="64" idx="1"/>
+          </p:cNvCxnSpPr>
+          <p:nvPr/>
+        </p:nvCxnSpPr>
+        <p:spPr>
+          <a:xfrm>
+            <a:off x="7050852" y="3982634"/>
+            <a:ext cx="558186" cy="444024"/>
+          </a:xfrm>
+          <a:prstGeom prst="straightConnector1">
+            <a:avLst/>
+          </a:prstGeom>
+          <a:ln>
+            <a:tailEnd type="triangle"/>
+          </a:ln>
+        </p:spPr>
+        <p:style>
+          <a:lnRef idx="1">
+            <a:schemeClr val="accent1"/>
+          </a:lnRef>
+          <a:fillRef idx="0">
+            <a:schemeClr val="accent1"/>
+          </a:fillRef>
+          <a:effectRef idx="0">
+            <a:schemeClr val="accent1"/>
+          </a:effectRef>
+          <a:fontRef idx="minor">
+            <a:schemeClr val="tx1"/>
+          </a:fontRef>
+        </p:style>
+      </p:cxnSp>
+      <p:sp>
+        <p:nvSpPr>
+          <p:cNvPr id="87" name="Rechteck 86">
+            <a:extLst>
+              <a:ext uri="{FF2B5EF4-FFF2-40B4-BE49-F238E27FC236}">
+                <a16:creationId xmlns:a16="http://schemas.microsoft.com/office/drawing/2014/main" id="{C1DB8439-6CCC-4668-8B32-2AD8588CFC2F}"/>
+              </a:ext>
+            </a:extLst>
+          </p:cNvPr>
+          <p:cNvSpPr/>
+          <p:nvPr/>
+        </p:nvSpPr>
+        <p:spPr>
+          <a:xfrm>
+            <a:off x="2376360" y="3070899"/>
+            <a:ext cx="301686" cy="369332"/>
+          </a:xfrm>
+          <a:prstGeom prst="rect">
+            <a:avLst/>
+          </a:prstGeom>
+        </p:spPr>
+        <p:txBody>
+          <a:bodyPr wrap="none">
+            <a:spAutoFit/>
+          </a:bodyPr>
+          <a:lstStyle/>
+          <a:p>
+            <a:r>
+              <a:rPr lang="en-GB" dirty="0">
+                <a:solidFill>
+                  <a:srgbClr val="7030A0"/>
+                </a:solidFill>
+              </a:rPr>
+              <a:t>2</a:t>
+            </a:r>
+            <a:endParaRPr lang="de-DE" dirty="0"/>
+          </a:p>
+        </p:txBody>
+      </p:sp>
+      <p:sp>
+        <p:nvSpPr>
+          <p:cNvPr id="88" name="Rechteck 87">
+            <a:extLst>
+              <a:ext uri="{FF2B5EF4-FFF2-40B4-BE49-F238E27FC236}">
+                <a16:creationId xmlns:a16="http://schemas.microsoft.com/office/drawing/2014/main" id="{7263BEF4-2D61-43B0-9E5A-96DC8F79ABBF}"/>
+              </a:ext>
+            </a:extLst>
+          </p:cNvPr>
+          <p:cNvSpPr/>
+          <p:nvPr/>
+        </p:nvSpPr>
+        <p:spPr>
+          <a:xfrm>
+            <a:off x="1964229" y="4034677"/>
+            <a:ext cx="301686" cy="369332"/>
+          </a:xfrm>
+          <a:prstGeom prst="rect">
+            <a:avLst/>
+          </a:prstGeom>
+        </p:spPr>
+        <p:txBody>
+          <a:bodyPr wrap="none">
+            <a:spAutoFit/>
+          </a:bodyPr>
+          <a:lstStyle/>
+          <a:p>
+            <a:r>
+              <a:rPr lang="en-GB" dirty="0">
+                <a:solidFill>
+                  <a:srgbClr val="7030A0"/>
+                </a:solidFill>
+              </a:rPr>
+              <a:t>2</a:t>
+            </a:r>
+            <a:endParaRPr lang="de-DE" dirty="0"/>
+          </a:p>
+        </p:txBody>
+      </p:sp>
+      <p:sp>
+        <p:nvSpPr>
+          <p:cNvPr id="89" name="Rechteck 88">
+            <a:extLst>
+              <a:ext uri="{FF2B5EF4-FFF2-40B4-BE49-F238E27FC236}">
+                <a16:creationId xmlns:a16="http://schemas.microsoft.com/office/drawing/2014/main" id="{D4FCD8F5-1B7D-44C4-9BF6-92F3AAA8EF3B}"/>
+              </a:ext>
+            </a:extLst>
+          </p:cNvPr>
+          <p:cNvSpPr/>
+          <p:nvPr/>
+        </p:nvSpPr>
+        <p:spPr>
+          <a:xfrm>
+            <a:off x="3306090" y="3816628"/>
+            <a:ext cx="301686" cy="369332"/>
+          </a:xfrm>
+          <a:prstGeom prst="rect">
+            <a:avLst/>
+          </a:prstGeom>
+        </p:spPr>
+        <p:txBody>
+          <a:bodyPr wrap="none">
+            <a:spAutoFit/>
+          </a:bodyPr>
+          <a:lstStyle/>
+          <a:p>
+            <a:r>
+              <a:rPr lang="en-GB" dirty="0">
+                <a:solidFill>
+                  <a:srgbClr val="7030A0"/>
+                </a:solidFill>
+              </a:rPr>
+              <a:t>2</a:t>
+            </a:r>
+            <a:endParaRPr lang="de-DE" dirty="0"/>
+          </a:p>
+        </p:txBody>
+      </p:sp>
+      <p:sp>
+        <p:nvSpPr>
+          <p:cNvPr id="90" name="Rechteck 89">
+            <a:extLst>
+              <a:ext uri="{FF2B5EF4-FFF2-40B4-BE49-F238E27FC236}">
+                <a16:creationId xmlns:a16="http://schemas.microsoft.com/office/drawing/2014/main" id="{89B5F9AA-FB28-4472-B1D2-EE29EF183723}"/>
+              </a:ext>
+            </a:extLst>
+          </p:cNvPr>
+          <p:cNvSpPr/>
+          <p:nvPr/>
+        </p:nvSpPr>
+        <p:spPr>
+          <a:xfrm>
+            <a:off x="8967374" y="3082543"/>
+            <a:ext cx="301686" cy="369332"/>
+          </a:xfrm>
+          <a:prstGeom prst="rect">
+            <a:avLst/>
+          </a:prstGeom>
+        </p:spPr>
+        <p:txBody>
+          <a:bodyPr wrap="none">
+            <a:spAutoFit/>
+          </a:bodyPr>
+          <a:lstStyle/>
+          <a:p>
+            <a:r>
+              <a:rPr lang="en-GB" dirty="0">
+                <a:solidFill>
+                  <a:srgbClr val="7030A0"/>
+                </a:solidFill>
+              </a:rPr>
+              <a:t>2</a:t>
+            </a:r>
+            <a:endParaRPr lang="de-DE" dirty="0"/>
+          </a:p>
+        </p:txBody>
+      </p:sp>
+      <p:sp>
+        <p:nvSpPr>
+          <p:cNvPr id="91" name="Rechteck 90">
+            <a:extLst>
+              <a:ext uri="{FF2B5EF4-FFF2-40B4-BE49-F238E27FC236}">
+                <a16:creationId xmlns:a16="http://schemas.microsoft.com/office/drawing/2014/main" id="{215D98D4-236C-46C7-BA67-267B17C2F13D}"/>
+              </a:ext>
+            </a:extLst>
+          </p:cNvPr>
+          <p:cNvSpPr/>
+          <p:nvPr/>
+        </p:nvSpPr>
+        <p:spPr>
+          <a:xfrm>
+            <a:off x="8753656" y="4113478"/>
+            <a:ext cx="301686" cy="369332"/>
+          </a:xfrm>
+          <a:prstGeom prst="rect">
+            <a:avLst/>
+          </a:prstGeom>
+        </p:spPr>
+        <p:txBody>
+          <a:bodyPr wrap="none">
+            <a:spAutoFit/>
+          </a:bodyPr>
+          <a:lstStyle/>
+          <a:p>
+            <a:r>
+              <a:rPr lang="en-GB" dirty="0">
+                <a:solidFill>
+                  <a:srgbClr val="7030A0"/>
+                </a:solidFill>
+              </a:rPr>
+              <a:t>2</a:t>
+            </a:r>
+            <a:endParaRPr lang="de-DE" dirty="0"/>
+          </a:p>
+        </p:txBody>
+      </p:sp>
+      <p:sp>
+        <p:nvSpPr>
+          <p:cNvPr id="92" name="Rechteck 91">
+            <a:extLst>
+              <a:ext uri="{FF2B5EF4-FFF2-40B4-BE49-F238E27FC236}">
+                <a16:creationId xmlns:a16="http://schemas.microsoft.com/office/drawing/2014/main" id="{90E635B5-61C0-4E6B-B1D3-2C58A0168A38}"/>
+              </a:ext>
+            </a:extLst>
+          </p:cNvPr>
+          <p:cNvSpPr/>
+          <p:nvPr/>
+        </p:nvSpPr>
+        <p:spPr>
+          <a:xfrm>
+            <a:off x="10127444" y="3797967"/>
+            <a:ext cx="301686" cy="369332"/>
+          </a:xfrm>
+          <a:prstGeom prst="rect">
+            <a:avLst/>
+          </a:prstGeom>
+        </p:spPr>
+        <p:txBody>
+          <a:bodyPr wrap="none">
+            <a:spAutoFit/>
+          </a:bodyPr>
+          <a:lstStyle/>
+          <a:p>
+            <a:r>
+              <a:rPr lang="en-GB" dirty="0">
+                <a:solidFill>
+                  <a:srgbClr val="7030A0"/>
+                </a:solidFill>
+              </a:rPr>
+              <a:t>2</a:t>
+            </a:r>
+            <a:endParaRPr lang="de-DE" dirty="0"/>
+          </a:p>
+        </p:txBody>
+      </p:sp>
+      <p:sp>
+        <p:nvSpPr>
+          <p:cNvPr id="93" name="Rechteck 92">
+            <a:extLst>
+              <a:ext uri="{FF2B5EF4-FFF2-40B4-BE49-F238E27FC236}">
+                <a16:creationId xmlns:a16="http://schemas.microsoft.com/office/drawing/2014/main" id="{E69379EC-4152-4CAD-8F67-8AB7E5B3EAE1}"/>
+              </a:ext>
+            </a:extLst>
+          </p:cNvPr>
+          <p:cNvSpPr/>
+          <p:nvPr/>
+        </p:nvSpPr>
+        <p:spPr>
+          <a:xfrm>
+            <a:off x="7071759" y="3406124"/>
+            <a:ext cx="381836" cy="369332"/>
+          </a:xfrm>
+          <a:prstGeom prst="rect">
+            <a:avLst/>
+          </a:prstGeom>
+        </p:spPr>
+        <p:txBody>
+          <a:bodyPr wrap="none">
+            <a:spAutoFit/>
+          </a:bodyPr>
+          <a:lstStyle/>
+          <a:p>
+            <a:r>
+              <a:rPr lang="en-GB" dirty="0">
+                <a:solidFill>
+                  <a:srgbClr val="7030A0"/>
+                </a:solidFill>
+              </a:rPr>
+              <a:t>∞</a:t>
+            </a:r>
+            <a:endParaRPr lang="de-DE" dirty="0"/>
+          </a:p>
+        </p:txBody>
+      </p:sp>
+      <p:sp>
+        <p:nvSpPr>
+          <p:cNvPr id="95" name="Rechteck 94">
+            <a:extLst>
+              <a:ext uri="{FF2B5EF4-FFF2-40B4-BE49-F238E27FC236}">
+                <a16:creationId xmlns:a16="http://schemas.microsoft.com/office/drawing/2014/main" id="{8E38D84F-21BB-4662-97AA-56F9D5235DD4}"/>
+              </a:ext>
+            </a:extLst>
+          </p:cNvPr>
+          <p:cNvSpPr/>
+          <p:nvPr/>
+        </p:nvSpPr>
+        <p:spPr>
+          <a:xfrm>
+            <a:off x="7185502" y="3911805"/>
+            <a:ext cx="381836" cy="369332"/>
+          </a:xfrm>
+          <a:prstGeom prst="rect">
+            <a:avLst/>
+          </a:prstGeom>
+        </p:spPr>
+        <p:txBody>
+          <a:bodyPr wrap="none">
+            <a:spAutoFit/>
+          </a:bodyPr>
+          <a:lstStyle/>
+          <a:p>
+            <a:r>
+              <a:rPr lang="en-GB" dirty="0">
+                <a:solidFill>
+                  <a:srgbClr val="7030A0"/>
+                </a:solidFill>
+              </a:rPr>
+              <a:t>∞</a:t>
+            </a:r>
+            <a:endParaRPr lang="de-DE" dirty="0"/>
+          </a:p>
+        </p:txBody>
+      </p:sp>
     </p:spTree>
     <p:extLst>
       <p:ext uri="{BB962C8B-B14F-4D97-AF65-F5344CB8AC3E}">
@@ -21327,8 +21986,8 @@
           </a:p>
         </p:txBody>
       </p:sp>
-      <mc:AlternateContent xmlns:mc="http://schemas.openxmlformats.org/markup-compatibility/2006" xmlns:a14="http://schemas.microsoft.com/office/drawing/2010/main">
-        <mc:Choice Requires="a14">
+      <mc:AlternateContent xmlns:mc="http://schemas.openxmlformats.org/markup-compatibility/2006">
+        <mc:Choice xmlns:a14="http://schemas.microsoft.com/office/drawing/2010/main" Requires="a14">
           <p:sp>
             <p:nvSpPr>
               <p:cNvPr id="3" name="Inhaltsplatzhalter 2">
@@ -21427,10 +22086,60 @@
                 </a14:m>
                 <a:endParaRPr lang="de-DE" dirty="0"/>
               </a:p>
+              <a:p>
+                <a:pPr marL="0" indent="0">
+                  <a:buNone/>
+                </a:pPr>
+                <a:r>
+                  <a:rPr lang="en-GB" dirty="0">
+                    <a:solidFill>
+                      <a:srgbClr val="7030A0"/>
+                    </a:solidFill>
+                  </a:rPr>
+                  <a:t>capacities</a:t>
+                </a:r>
+                <a:endParaRPr lang="en-GB" dirty="0">
+                  <a:solidFill>
+                    <a:srgbClr val="92D050"/>
+                  </a:solidFill>
+                </a:endParaRPr>
+              </a:p>
+              <a:p>
+                <a:pPr marL="0" indent="0">
+                  <a:buNone/>
+                </a:pPr>
+                <a:r>
+                  <a:rPr lang="en-GB" dirty="0">
+                    <a:solidFill>
+                      <a:srgbClr val="FF0000"/>
+                    </a:solidFill>
+                  </a:rPr>
+                  <a:t>f</a:t>
+                </a:r>
+                <a:r>
+                  <a:rPr lang="de-DE" dirty="0" err="1">
+                    <a:solidFill>
+                      <a:srgbClr val="FF0000"/>
+                    </a:solidFill>
+                  </a:rPr>
+                  <a:t>low</a:t>
+                </a:r>
+                <a:endParaRPr lang="en-GB" dirty="0">
+                  <a:solidFill>
+                    <a:srgbClr val="FF0000"/>
+                  </a:solidFill>
+                </a:endParaRPr>
+              </a:p>
+              <a:p>
+                <a:pPr marL="0" indent="0">
+                  <a:buNone/>
+                </a:pPr>
+                <a:endParaRPr lang="de-DE" dirty="0"/>
+              </a:p>
             </p:txBody>
           </p:sp>
         </mc:Choice>
-        <mc:Fallback xmlns="">
+        <mc:Fallback>
           <p:sp>
             <p:nvSpPr>
               <p:cNvPr id="3" name="Inhaltsplatzhalter 2">
@@ -21538,7 +22247,7 @@
         </p:nvSpPr>
         <p:spPr>
           <a:xfrm>
-            <a:off x="8550676" y="2858611"/>
+            <a:off x="8550676" y="2891586"/>
             <a:ext cx="807868" cy="648069"/>
           </a:xfrm>
           <a:prstGeom prst="rect">
@@ -21692,7 +22401,7 @@
         <p:spPr>
           <a:xfrm>
             <a:off x="4057095" y="3182646"/>
-            <a:ext cx="4493581" cy="0"/>
+            <a:ext cx="4493581" cy="32975"/>
           </a:xfrm>
           <a:prstGeom prst="straightConnector1">
             <a:avLst/>
@@ -21844,9 +22553,21 @@
             </a:r>
             <a:r>
               <a:rPr lang="en-GB" dirty="0"/>
-              <a:t>/3</a:t>
+              <a:t>/</a:t>
             </a:r>
-            <a:endParaRPr lang="de-DE" dirty="0"/>
+            <a:r>
+              <a:rPr lang="en-GB" dirty="0">
+                <a:solidFill>
+                  <a:srgbClr val="7030A0"/>
+                </a:solidFill>
+              </a:rPr>
+              <a:t>3</a:t>
+            </a:r>
+            <a:endParaRPr lang="de-DE" dirty="0">
+              <a:solidFill>
+                <a:srgbClr val="7030A0"/>
+              </a:solidFill>
+            </a:endParaRPr>
           </a:p>
         </p:txBody>
       </p:sp>
@@ -21888,9 +22609,21 @@
             </a:r>
             <a:r>
               <a:rPr lang="en-GB" dirty="0"/>
-              <a:t>/2</a:t>
+              <a:t>/</a:t>
             </a:r>
-            <a:endParaRPr lang="de-DE" dirty="0"/>
+            <a:r>
+              <a:rPr lang="en-GB" dirty="0">
+                <a:solidFill>
+                  <a:srgbClr val="7030A0"/>
+                </a:solidFill>
+              </a:rPr>
+              <a:t>2</a:t>
+            </a:r>
+            <a:endParaRPr lang="de-DE" dirty="0">
+              <a:solidFill>
+                <a:srgbClr val="7030A0"/>
+              </a:solidFill>
+            </a:endParaRPr>
           </a:p>
         </p:txBody>
       </p:sp>
@@ -21932,9 +22665,21 @@
             </a:r>
             <a:r>
               <a:rPr lang="en-GB" dirty="0"/>
-              <a:t>/2</a:t>
+              <a:t>/</a:t>
             </a:r>
-            <a:endParaRPr lang="de-DE" dirty="0"/>
+            <a:r>
+              <a:rPr lang="en-GB" dirty="0">
+                <a:solidFill>
+                  <a:srgbClr val="7030A0"/>
+                </a:solidFill>
+              </a:rPr>
+              <a:t>2</a:t>
+            </a:r>
+            <a:endParaRPr lang="de-DE" dirty="0">
+              <a:solidFill>
+                <a:srgbClr val="7030A0"/>
+              </a:solidFill>
+            </a:endParaRPr>
           </a:p>
         </p:txBody>
       </p:sp>
@@ -22025,6 +22770,9 @@
               <a:bodyPr/>
               <a:lstStyle/>
               <a:p>
+                <a:pPr marL="0" indent="0">
+                  <a:buNone/>
+                </a:pPr>
                 <a:r>
                   <a:rPr lang="en-GB" dirty="0"/>
                   <a:t>Commodities: </a:t>
@@ -22125,7 +22873,7 @@
               <a:blipFill>
                 <a:blip r:embed="rId2"/>
                 <a:stretch>
-                  <a:fillRect l="-1043" t="-2241"/>
+                  <a:fillRect l="-1217" t="-2241"/>
                 </a:stretch>
               </a:blipFill>
             </p:spPr>
@@ -22850,8 +23598,8 @@
           </a:p>
         </p:txBody>
       </p:sp>
-      <mc:AlternateContent xmlns:mc="http://schemas.openxmlformats.org/markup-compatibility/2006">
-        <mc:Choice xmlns:a14="http://schemas.microsoft.com/office/drawing/2010/main" Requires="a14">
+      <mc:AlternateContent xmlns:mc="http://schemas.openxmlformats.org/markup-compatibility/2006" xmlns:a14="http://schemas.microsoft.com/office/drawing/2010/main">
+        <mc:Choice Requires="a14">
           <p:sp>
             <p:nvSpPr>
               <p:cNvPr id="3" name="Inhaltsplatzhalter 2">
@@ -23001,7 +23749,7 @@
             </p:txBody>
           </p:sp>
         </mc:Choice>
-        <mc:Fallback>
+        <mc:Fallback xmlns="">
           <p:sp>
             <p:nvSpPr>
               <p:cNvPr id="3" name="Inhaltsplatzhalter 2">
@@ -23536,13 +24284,7 @@
                       <a:rPr lang="en-GB" b="0" i="1" smtClean="0">
                         <a:latin typeface="Cambria Math" panose="02040503050406030204" pitchFamily="18" charset="0"/>
                       </a:rPr>
-                      <m:t>(1</m:t>
-                    </m:r>
-                    <m:r>
-                      <a:rPr lang="en-GB" b="0" i="1" smtClean="0">
-                        <a:latin typeface="Cambria Math" panose="02040503050406030204" pitchFamily="18" charset="0"/>
-                      </a:rPr>
-                      <m:t>+</m:t>
+                      <m:t>(1+</m:t>
                     </m:r>
                     <m:r>
                       <a:rPr lang="en-GB" i="1">

--- a/MMCFP.pptx
+++ b/MMCFP.pptx
@@ -5,29 +5,28 @@
     <p:sldMasterId id="2147483648" r:id="rId1"/>
   </p:sldMasterIdLst>
   <p:notesMasterIdLst>
-    <p:notesMasterId r:id="rId22"/>
+    <p:notesMasterId r:id="rId21"/>
   </p:notesMasterIdLst>
   <p:sldIdLst>
     <p:sldId id="271" r:id="rId2"/>
-    <p:sldId id="257" r:id="rId3"/>
-    <p:sldId id="273" r:id="rId4"/>
-    <p:sldId id="277" r:id="rId5"/>
-    <p:sldId id="286" r:id="rId6"/>
-    <p:sldId id="274" r:id="rId7"/>
-    <p:sldId id="276" r:id="rId8"/>
-    <p:sldId id="278" r:id="rId9"/>
-    <p:sldId id="275" r:id="rId10"/>
-    <p:sldId id="279" r:id="rId11"/>
-    <p:sldId id="281" r:id="rId12"/>
-    <p:sldId id="280" r:id="rId13"/>
-    <p:sldId id="272" r:id="rId14"/>
-    <p:sldId id="285" r:id="rId15"/>
-    <p:sldId id="283" r:id="rId16"/>
-    <p:sldId id="287" r:id="rId17"/>
-    <p:sldId id="262" r:id="rId18"/>
-    <p:sldId id="282" r:id="rId19"/>
-    <p:sldId id="284" r:id="rId20"/>
-    <p:sldId id="288" r:id="rId21"/>
+    <p:sldId id="273" r:id="rId3"/>
+    <p:sldId id="277" r:id="rId4"/>
+    <p:sldId id="286" r:id="rId5"/>
+    <p:sldId id="274" r:id="rId6"/>
+    <p:sldId id="276" r:id="rId7"/>
+    <p:sldId id="278" r:id="rId8"/>
+    <p:sldId id="275" r:id="rId9"/>
+    <p:sldId id="279" r:id="rId10"/>
+    <p:sldId id="281" r:id="rId11"/>
+    <p:sldId id="280" r:id="rId12"/>
+    <p:sldId id="272" r:id="rId13"/>
+    <p:sldId id="285" r:id="rId14"/>
+    <p:sldId id="283" r:id="rId15"/>
+    <p:sldId id="287" r:id="rId16"/>
+    <p:sldId id="262" r:id="rId17"/>
+    <p:sldId id="282" r:id="rId18"/>
+    <p:sldId id="284" r:id="rId19"/>
+    <p:sldId id="288" r:id="rId20"/>
   </p:sldIdLst>
   <p:sldSz cx="12192000" cy="6858000"/>
   <p:notesSz cx="6858000" cy="9144000"/>
@@ -154,61 +153,6 @@
 </file>
 
 <file path=ppt/comments/comment1.xml><?xml version="1.0" encoding="utf-8"?>
-<p:cmLst xmlns:a="http://schemas.openxmlformats.org/drawingml/2006/main" xmlns:r="http://schemas.openxmlformats.org/officeDocument/2006/relationships" xmlns:p="http://schemas.openxmlformats.org/presentationml/2006/main">
-  <p:cm authorId="1" dt="2019-05-10T17:35:19.801" idx="2">
-    <p:pos x="5115" y="456"/>
-    <p:text>.. problem</p:text>
-    <p:extLst>
-      <p:ext uri="{C676402C-5697-4E1C-873F-D02D1690AC5C}">
-        <p15:threadingInfo xmlns:p15="http://schemas.microsoft.com/office/powerpoint/2012/main" timeZoneBias="-120"/>
-      </p:ext>
-    </p:extLst>
-  </p:cm>
-  <p:cm authorId="1" dt="2019-05-10T17:35:46.819" idx="3">
-    <p:pos x="2923" y="3029"/>
-    <p:text>Diese Aufzählung ist nicht einfach zu verstehen: Was ist gegeben, was das Ziel.
-Mache dies evtl. etwas klarer (durch Struktur, oder einige Worte mehr)</p:text>
-    <p:extLst mod="1">
-      <p:ext uri="{C676402C-5697-4E1C-873F-D02D1690AC5C}">
-        <p15:threadingInfo xmlns:p15="http://schemas.microsoft.com/office/powerpoint/2012/main" timeZoneBias="-120"/>
-      </p:ext>
-    </p:extLst>
-  </p:cm>
-  <p:cm authorId="1" dt="2019-05-10T17:38:33.444" idx="6">
-    <p:pos x="10" y="10"/>
-    <p:text>Kannst du ein motivierendes Beispiel für eine mögliche Anwendung dieses Problems geben (kann auch aus der Studie sein)</p:text>
-    <p:extLst>
-      <p:ext uri="{C676402C-5697-4E1C-873F-D02D1690AC5C}">
-        <p15:threadingInfo xmlns:p15="http://schemas.microsoft.com/office/powerpoint/2012/main" timeZoneBias="-120"/>
-      </p:ext>
-    </p:extLst>
-  </p:cm>
-  <p:cm authorId="2" dt="2019-05-10T18:26:41.166" idx="2">
-    <p:pos x="10" y="106"/>
-    <p:text>Das war aber auch als normaler max flow loesbar...</p:text>
-    <p:extLst mod="1">
-      <p:ext uri="{C676402C-5697-4E1C-873F-D02D1690AC5C}">
-        <p15:threadingInfo xmlns:p15="http://schemas.microsoft.com/office/powerpoint/2012/main" timeZoneBias="-120">
-          <p15:parentCm authorId="1" idx="6"/>
-        </p15:threadingInfo>
-      </p:ext>
-    </p:extLst>
-  </p:cm>
-  <p:cm authorId="2" dt="2019-05-11T00:22:29.545" idx="20">
-    <p:pos x="10" y="202"/>
-    <p:text>es gaebe bei wikipedia ein bsp, allerdings</p:text>
-    <p:extLst>
-      <p:ext uri="{C676402C-5697-4E1C-873F-D02D1690AC5C}">
-        <p15:threadingInfo xmlns:p15="http://schemas.microsoft.com/office/powerpoint/2012/main" timeZoneBias="-120">
-          <p15:parentCm authorId="1" idx="6"/>
-        </p15:threadingInfo>
-      </p:ext>
-    </p:extLst>
-  </p:cm>
-</p:cmLst>
-</file>
-
-<file path=ppt/comments/comment2.xml><?xml version="1.0" encoding="utf-8"?>
 <p:cmLst xmlns:a="http://schemas.openxmlformats.org/drawingml/2006/main" xmlns:r="http://schemas.openxmlformats.org/officeDocument/2006/relationships" xmlns:p="http://schemas.openxmlformats.org/presentationml/2006/main">
   <p:cm authorId="2" dt="2019-05-10T20:11:54.773" idx="12">
     <p:pos x="10" y="10"/>
@@ -776,7 +720,7 @@
           <a:p>
             <a:fld id="{7DB0EA97-FE5C-423D-BC45-566617794241}" type="slidenum">
               <a:rPr lang="de-DE" smtClean="0"/>
-              <a:t>3</a:t>
+              <a:t>2</a:t>
             </a:fld>
             <a:endParaRPr lang="de-DE"/>
           </a:p>
@@ -860,7 +804,7 @@
           <a:p>
             <a:fld id="{35400D43-4AA6-4233-82D2-BE037E655FFF}" type="slidenum">
               <a:rPr lang="de-DE" smtClean="0"/>
-              <a:t>9</a:t>
+              <a:t>8</a:t>
             </a:fld>
             <a:endParaRPr lang="de-DE"/>
           </a:p>
@@ -944,7 +888,7 @@
           <a:p>
             <a:fld id="{35400D43-4AA6-4233-82D2-BE037E655FFF}" type="slidenum">
               <a:rPr lang="de-DE" smtClean="0"/>
-              <a:t>15</a:t>
+              <a:t>14</a:t>
             </a:fld>
             <a:endParaRPr lang="de-DE"/>
           </a:p>
@@ -4295,932 +4239,6 @@
           <p:cNvPr id="2" name="Titel 1">
             <a:extLst>
               <a:ext uri="{FF2B5EF4-FFF2-40B4-BE49-F238E27FC236}">
-                <a16:creationId xmlns:a16="http://schemas.microsoft.com/office/drawing/2014/main" id="{D33EFE4C-4011-4FE4-B664-5A2C578658DD}"/>
-              </a:ext>
-            </a:extLst>
-          </p:cNvPr>
-          <p:cNvSpPr>
-            <a:spLocks noGrp="1"/>
-          </p:cNvSpPr>
-          <p:nvPr>
-            <p:ph type="title"/>
-          </p:nvPr>
-        </p:nvSpPr>
-        <p:spPr/>
-        <p:txBody>
-          <a:bodyPr/>
-          <a:lstStyle/>
-          <a:p>
-            <a:r>
-              <a:rPr lang="en-GB" dirty="0"/>
-              <a:t>Algorithm</a:t>
-            </a:r>
-            <a:endParaRPr lang="de-DE" dirty="0"/>
-          </a:p>
-        </p:txBody>
-      </p:sp>
-      <mc:AlternateContent xmlns:mc="http://schemas.openxmlformats.org/markup-compatibility/2006">
-        <mc:Choice xmlns:a14="http://schemas.microsoft.com/office/drawing/2010/main" Requires="a14">
-          <p:sp>
-            <p:nvSpPr>
-              <p:cNvPr id="3" name="Inhaltsplatzhalter 2">
-                <a:extLst>
-                  <a:ext uri="{FF2B5EF4-FFF2-40B4-BE49-F238E27FC236}">
-                    <a16:creationId xmlns:a16="http://schemas.microsoft.com/office/drawing/2014/main" id="{FAEEACC7-A217-4B5E-875D-FF9C5D524DA5}"/>
-                  </a:ext>
-                </a:extLst>
-              </p:cNvPr>
-              <p:cNvSpPr>
-                <a:spLocks noGrp="1"/>
-              </p:cNvSpPr>
-              <p:nvPr>
-                <p:ph idx="1"/>
-              </p:nvPr>
-            </p:nvSpPr>
-            <p:spPr/>
-            <p:txBody>
-              <a:bodyPr>
-                <a:normAutofit lnSpcReduction="10000"/>
-              </a:bodyPr>
-              <a:lstStyle/>
-              <a:p>
-                <a:pPr marL="0" indent="0">
-                  <a:buNone/>
-                </a:pPr>
-                <a:r>
-                  <a:rPr lang="en-GB" dirty="0"/>
-                  <a:t>Initialize </a:t>
-                </a:r>
-                <a14:m>
-                  <m:oMath xmlns:m="http://schemas.openxmlformats.org/officeDocument/2006/math">
-                    <m:r>
-                      <a:rPr lang="en-GB" i="1">
-                        <a:latin typeface="Cambria Math" panose="02040503050406030204" pitchFamily="18" charset="0"/>
-                      </a:rPr>
-                      <m:t>𝑙</m:t>
-                    </m:r>
-                    <m:r>
-                      <a:rPr lang="en-GB" i="1">
-                        <a:latin typeface="Cambria Math" panose="02040503050406030204" pitchFamily="18" charset="0"/>
-                      </a:rPr>
-                      <m:t>= </m:t>
-                    </m:r>
-                    <m:r>
-                      <a:rPr lang="de-DE" i="1" dirty="0">
-                        <a:latin typeface="Cambria Math" panose="02040503050406030204" pitchFamily="18" charset="0"/>
-                      </a:rPr>
-                      <m:t>𝛿</m:t>
-                    </m:r>
-                    <m:r>
-                      <a:rPr lang="en-GB" i="1" dirty="0">
-                        <a:latin typeface="Cambria Math" panose="02040503050406030204" pitchFamily="18" charset="0"/>
-                      </a:rPr>
-                      <m:t>, </m:t>
-                    </m:r>
-                    <m:r>
-                      <a:rPr lang="en-GB" i="1" dirty="0">
-                        <a:latin typeface="Cambria Math" panose="02040503050406030204" pitchFamily="18" charset="0"/>
-                      </a:rPr>
-                      <m:t>𝑥</m:t>
-                    </m:r>
-                    <m:r>
-                      <a:rPr lang="en-GB" i="1" dirty="0">
-                        <a:latin typeface="Cambria Math" panose="02040503050406030204" pitchFamily="18" charset="0"/>
-                      </a:rPr>
-                      <m:t>=0</m:t>
-                    </m:r>
-                  </m:oMath>
-                </a14:m>
-                <a:r>
-                  <a:rPr lang="de-DE" dirty="0"/>
-                  <a:t> </a:t>
-                </a:r>
-              </a:p>
-              <a:p>
-                <a:pPr marL="0" indent="0">
-                  <a:buNone/>
-                </a:pPr>
-                <a:r>
-                  <a:rPr lang="en-GB" dirty="0"/>
-                  <a:t>W</a:t>
-                </a:r>
-                <a:r>
-                  <a:rPr lang="de-DE" dirty="0" err="1"/>
-                  <a:t>hile</a:t>
-                </a:r>
-                <a:r>
-                  <a:rPr lang="de-DE" dirty="0"/>
-                  <a:t> </a:t>
-                </a:r>
-                <a14:m>
-                  <m:oMath xmlns:m="http://schemas.openxmlformats.org/officeDocument/2006/math">
-                    <m:func>
-                      <m:funcPr>
-                        <m:ctrlPr>
-                          <a:rPr lang="en-GB" i="1">
-                            <a:latin typeface="Cambria Math" panose="02040503050406030204" pitchFamily="18" charset="0"/>
-                          </a:rPr>
-                        </m:ctrlPr>
-                      </m:funcPr>
-                      <m:fName>
-                        <m:r>
-                          <m:rPr>
-                            <m:sty m:val="p"/>
-                          </m:rPr>
-                          <a:rPr lang="en-GB">
-                            <a:latin typeface="Cambria Math" panose="02040503050406030204" pitchFamily="18" charset="0"/>
-                          </a:rPr>
-                          <m:t>min</m:t>
-                        </m:r>
-                      </m:fName>
-                      <m:e>
-                        <m:d>
-                          <m:dPr>
-                            <m:begChr m:val="{"/>
-                            <m:endChr m:val="}"/>
-                            <m:ctrlPr>
-                              <a:rPr lang="en-GB" i="1">
-                                <a:latin typeface="Cambria Math" panose="02040503050406030204" pitchFamily="18" charset="0"/>
-                              </a:rPr>
-                            </m:ctrlPr>
-                          </m:dPr>
-                          <m:e>
-                            <m:r>
-                              <a:rPr lang="en-GB" i="1">
-                                <a:latin typeface="Cambria Math" panose="02040503050406030204" pitchFamily="18" charset="0"/>
-                              </a:rPr>
-                              <m:t>𝑙</m:t>
-                            </m:r>
-                            <m:d>
-                              <m:dPr>
-                                <m:ctrlPr>
-                                  <a:rPr lang="en-GB" i="1">
-                                    <a:latin typeface="Cambria Math" panose="02040503050406030204" pitchFamily="18" charset="0"/>
-                                  </a:rPr>
-                                </m:ctrlPr>
-                              </m:dPr>
-                              <m:e>
-                                <m:r>
-                                  <a:rPr lang="en-GB" i="1">
-                                    <a:latin typeface="Cambria Math" panose="02040503050406030204" pitchFamily="18" charset="0"/>
-                                  </a:rPr>
-                                  <m:t>𝑝</m:t>
-                                </m:r>
-                              </m:e>
-                            </m:d>
-                            <m:r>
-                              <a:rPr lang="en-GB" i="1">
-                                <a:latin typeface="Cambria Math" panose="02040503050406030204" pitchFamily="18" charset="0"/>
-                              </a:rPr>
-                              <m:t>:</m:t>
-                            </m:r>
-                            <m:r>
-                              <a:rPr lang="en-GB" i="1">
-                                <a:latin typeface="Cambria Math" panose="02040503050406030204" pitchFamily="18" charset="0"/>
-                              </a:rPr>
-                              <m:t>𝑝</m:t>
-                            </m:r>
-                            <m:r>
-                              <a:rPr lang="en-GB" i="1">
-                                <a:latin typeface="Cambria Math" panose="02040503050406030204" pitchFamily="18" charset="0"/>
-                                <a:ea typeface="Cambria Math" panose="02040503050406030204" pitchFamily="18" charset="0"/>
-                              </a:rPr>
-                              <m:t>∈</m:t>
-                            </m:r>
-                            <m:r>
-                              <a:rPr lang="en-GB" i="1">
-                                <a:latin typeface="Cambria Math" panose="02040503050406030204" pitchFamily="18" charset="0"/>
-                                <a:ea typeface="Cambria Math" panose="02040503050406030204" pitchFamily="18" charset="0"/>
-                              </a:rPr>
-                              <m:t>𝑃</m:t>
-                            </m:r>
-                          </m:e>
-                        </m:d>
-                      </m:e>
-                    </m:func>
-                    <m:r>
-                      <a:rPr lang="en-GB" i="1">
-                        <a:latin typeface="Cambria Math" panose="02040503050406030204" pitchFamily="18" charset="0"/>
-                      </a:rPr>
-                      <m:t>&lt;1: </m:t>
-                    </m:r>
-                  </m:oMath>
-                </a14:m>
-                <a:endParaRPr lang="en-GB" dirty="0"/>
-              </a:p>
-              <a:p>
-                <a:pPr marL="0" indent="0">
-                  <a:buNone/>
-                </a:pPr>
-                <a:br>
-                  <a:rPr lang="en-GB" dirty="0"/>
-                </a:br>
-                <a:r>
-                  <a:rPr lang="en-GB" dirty="0"/>
-                  <a:t>	</a:t>
-                </a:r>
-                <a14:m>
-                  <m:oMath xmlns:m="http://schemas.openxmlformats.org/officeDocument/2006/math">
-                    <m:acc>
-                      <m:accPr>
-                        <m:chr m:val="̂"/>
-                        <m:ctrlPr>
-                          <a:rPr lang="en-GB" i="1">
-                            <a:latin typeface="Cambria Math" panose="02040503050406030204" pitchFamily="18" charset="0"/>
-                          </a:rPr>
-                        </m:ctrlPr>
-                      </m:accPr>
-                      <m:e>
-                        <m:r>
-                          <a:rPr lang="en-GB" i="1">
-                            <a:latin typeface="Cambria Math" panose="02040503050406030204" pitchFamily="18" charset="0"/>
-                          </a:rPr>
-                          <m:t>𝑝</m:t>
-                        </m:r>
-                      </m:e>
-                    </m:acc>
-                    <m:r>
-                      <a:rPr lang="en-GB" i="1">
-                        <a:latin typeface="Cambria Math" panose="02040503050406030204" pitchFamily="18" charset="0"/>
-                      </a:rPr>
-                      <m:t>=</m:t>
-                    </m:r>
-                    <m:sSub>
-                      <m:sSubPr>
-                        <m:ctrlPr>
-                          <a:rPr lang="en-GB" i="1">
-                            <a:latin typeface="Cambria Math" panose="02040503050406030204" pitchFamily="18" charset="0"/>
-                          </a:rPr>
-                        </m:ctrlPr>
-                      </m:sSubPr>
-                      <m:e>
-                        <m:r>
-                          <a:rPr lang="en-GB" i="1">
-                            <a:latin typeface="Cambria Math" panose="02040503050406030204" pitchFamily="18" charset="0"/>
-                          </a:rPr>
-                          <m:t>𝑎𝑟𝑔𝑚𝑖𝑛</m:t>
-                        </m:r>
-                      </m:e>
-                      <m:sub>
-                        <m:r>
-                          <a:rPr lang="en-GB" i="1">
-                            <a:latin typeface="Cambria Math" panose="02040503050406030204" pitchFamily="18" charset="0"/>
-                          </a:rPr>
-                          <m:t>𝑝</m:t>
-                        </m:r>
-                        <m:r>
-                          <a:rPr lang="en-GB" i="1">
-                            <a:latin typeface="Cambria Math" panose="02040503050406030204" pitchFamily="18" charset="0"/>
-                          </a:rPr>
-                          <m:t> ∈</m:t>
-                        </m:r>
-                        <m:r>
-                          <a:rPr lang="en-GB" i="1">
-                            <a:latin typeface="Cambria Math" panose="02040503050406030204" pitchFamily="18" charset="0"/>
-                            <a:ea typeface="Cambria Math" panose="02040503050406030204" pitchFamily="18" charset="0"/>
-                          </a:rPr>
-                          <m:t>𝑃</m:t>
-                        </m:r>
-                      </m:sub>
-                    </m:sSub>
-                    <m:r>
-                      <a:rPr lang="en-GB" i="1">
-                        <a:latin typeface="Cambria Math" panose="02040503050406030204" pitchFamily="18" charset="0"/>
-                      </a:rPr>
-                      <m:t>𝑙</m:t>
-                    </m:r>
-                    <m:d>
-                      <m:dPr>
-                        <m:ctrlPr>
-                          <a:rPr lang="en-GB" i="1">
-                            <a:latin typeface="Cambria Math" panose="02040503050406030204" pitchFamily="18" charset="0"/>
-                          </a:rPr>
-                        </m:ctrlPr>
-                      </m:dPr>
-                      <m:e>
-                        <m:r>
-                          <a:rPr lang="en-GB" i="1">
-                            <a:latin typeface="Cambria Math" panose="02040503050406030204" pitchFamily="18" charset="0"/>
-                          </a:rPr>
-                          <m:t>𝑝</m:t>
-                        </m:r>
-                      </m:e>
-                    </m:d>
-                    <m:r>
-                      <a:rPr lang="en-GB" i="1">
-                        <a:latin typeface="Cambria Math" panose="02040503050406030204" pitchFamily="18" charset="0"/>
-                      </a:rPr>
-                      <m:t>, </m:t>
-                    </m:r>
-                    <m:acc>
-                      <m:accPr>
-                        <m:chr m:val="̂"/>
-                        <m:ctrlPr>
-                          <a:rPr lang="en-GB" i="1" dirty="0">
-                            <a:latin typeface="Cambria Math" panose="02040503050406030204" pitchFamily="18" charset="0"/>
-                          </a:rPr>
-                        </m:ctrlPr>
-                      </m:accPr>
-                      <m:e>
-                        <m:r>
-                          <a:rPr lang="en-GB" i="1" dirty="0">
-                            <a:latin typeface="Cambria Math" panose="02040503050406030204" pitchFamily="18" charset="0"/>
-                          </a:rPr>
-                          <m:t>𝑐</m:t>
-                        </m:r>
-                      </m:e>
-                    </m:acc>
-                    <m:r>
-                      <a:rPr lang="en-GB" i="1" dirty="0">
-                        <a:latin typeface="Cambria Math" panose="02040503050406030204" pitchFamily="18" charset="0"/>
-                      </a:rPr>
-                      <m:t>=</m:t>
-                    </m:r>
-                    <m:sSub>
-                      <m:sSubPr>
-                        <m:ctrlPr>
-                          <a:rPr lang="en-GB" i="1" dirty="0">
-                            <a:latin typeface="Cambria Math" panose="02040503050406030204" pitchFamily="18" charset="0"/>
-                          </a:rPr>
-                        </m:ctrlPr>
-                      </m:sSubPr>
-                      <m:e>
-                        <m:r>
-                          <a:rPr lang="en-GB" i="1" dirty="0">
-                            <a:latin typeface="Cambria Math" panose="02040503050406030204" pitchFamily="18" charset="0"/>
-                          </a:rPr>
-                          <m:t>𝑚𝑖𝑛</m:t>
-                        </m:r>
-                      </m:e>
-                      <m:sub>
-                        <m:r>
-                          <a:rPr lang="en-GB" b="0" i="1" dirty="0" smtClean="0">
-                            <a:latin typeface="Cambria Math" panose="02040503050406030204" pitchFamily="18" charset="0"/>
-                          </a:rPr>
-                          <m:t>𝑒</m:t>
-                        </m:r>
-                        <m:r>
-                          <a:rPr lang="en-GB" i="1" dirty="0">
-                            <a:latin typeface="Cambria Math" panose="02040503050406030204" pitchFamily="18" charset="0"/>
-                            <a:ea typeface="Cambria Math" panose="02040503050406030204" pitchFamily="18" charset="0"/>
-                          </a:rPr>
-                          <m:t>∈</m:t>
-                        </m:r>
-                        <m:r>
-                          <a:rPr lang="en-GB" i="1" dirty="0">
-                            <a:latin typeface="Cambria Math" panose="02040503050406030204" pitchFamily="18" charset="0"/>
-                            <a:ea typeface="Cambria Math" panose="02040503050406030204" pitchFamily="18" charset="0"/>
-                          </a:rPr>
-                          <m:t>𝑃</m:t>
-                        </m:r>
-                      </m:sub>
-                    </m:sSub>
-                    <m:r>
-                      <a:rPr lang="en-GB" i="1" dirty="0">
-                        <a:latin typeface="Cambria Math" panose="02040503050406030204" pitchFamily="18" charset="0"/>
-                      </a:rPr>
-                      <m:t>𝑐</m:t>
-                    </m:r>
-                    <m:r>
-                      <a:rPr lang="en-GB" i="1" dirty="0">
-                        <a:latin typeface="Cambria Math" panose="02040503050406030204" pitchFamily="18" charset="0"/>
-                      </a:rPr>
-                      <m:t>(</m:t>
-                    </m:r>
-                    <m:r>
-                      <a:rPr lang="en-GB" i="1" dirty="0">
-                        <a:latin typeface="Cambria Math" panose="02040503050406030204" pitchFamily="18" charset="0"/>
-                      </a:rPr>
-                      <m:t>𝑒</m:t>
-                    </m:r>
-                    <m:r>
-                      <a:rPr lang="en-GB" i="1" dirty="0">
-                        <a:latin typeface="Cambria Math" panose="02040503050406030204" pitchFamily="18" charset="0"/>
-                      </a:rPr>
-                      <m:t>)</m:t>
-                    </m:r>
-                  </m:oMath>
-                </a14:m>
-                <a:endParaRPr lang="en-GB" dirty="0"/>
-              </a:p>
-              <a:p>
-                <a:pPr marL="0" indent="0">
-                  <a:buNone/>
-                </a:pPr>
-                <a:r>
-                  <a:rPr lang="en-GB" dirty="0"/>
-                  <a:t>	</a:t>
-                </a:r>
-                <a14:m>
-                  <m:oMath xmlns:m="http://schemas.openxmlformats.org/officeDocument/2006/math">
-                    <m:r>
-                      <a:rPr lang="en-GB" i="1">
-                        <a:latin typeface="Cambria Math" panose="02040503050406030204" pitchFamily="18" charset="0"/>
-                      </a:rPr>
-                      <m:t>𝑥</m:t>
-                    </m:r>
-                    <m:d>
-                      <m:dPr>
-                        <m:ctrlPr>
-                          <a:rPr lang="en-GB" i="1">
-                            <a:latin typeface="Cambria Math" panose="02040503050406030204" pitchFamily="18" charset="0"/>
-                          </a:rPr>
-                        </m:ctrlPr>
-                      </m:dPr>
-                      <m:e>
-                        <m:acc>
-                          <m:accPr>
-                            <m:chr m:val="̂"/>
-                            <m:ctrlPr>
-                              <a:rPr lang="en-GB" i="1">
-                                <a:latin typeface="Cambria Math" panose="02040503050406030204" pitchFamily="18" charset="0"/>
-                              </a:rPr>
-                            </m:ctrlPr>
-                          </m:accPr>
-                          <m:e>
-                            <m:r>
-                              <a:rPr lang="en-GB" i="1">
-                                <a:latin typeface="Cambria Math" panose="02040503050406030204" pitchFamily="18" charset="0"/>
-                              </a:rPr>
-                              <m:t>𝑝</m:t>
-                            </m:r>
-                          </m:e>
-                        </m:acc>
-                      </m:e>
-                    </m:d>
-                    <m:r>
-                      <a:rPr lang="en-GB" i="1">
-                        <a:latin typeface="Cambria Math" panose="02040503050406030204" pitchFamily="18" charset="0"/>
-                      </a:rPr>
-                      <m:t>=</m:t>
-                    </m:r>
-                    <m:r>
-                      <a:rPr lang="en-GB" i="1">
-                        <a:latin typeface="Cambria Math" panose="02040503050406030204" pitchFamily="18" charset="0"/>
-                      </a:rPr>
-                      <m:t>𝑥</m:t>
-                    </m:r>
-                    <m:d>
-                      <m:dPr>
-                        <m:ctrlPr>
-                          <a:rPr lang="en-GB" i="1">
-                            <a:latin typeface="Cambria Math" panose="02040503050406030204" pitchFamily="18" charset="0"/>
-                          </a:rPr>
-                        </m:ctrlPr>
-                      </m:dPr>
-                      <m:e>
-                        <m:acc>
-                          <m:accPr>
-                            <m:chr m:val="̂"/>
-                            <m:ctrlPr>
-                              <a:rPr lang="en-GB" i="1">
-                                <a:latin typeface="Cambria Math" panose="02040503050406030204" pitchFamily="18" charset="0"/>
-                              </a:rPr>
-                            </m:ctrlPr>
-                          </m:accPr>
-                          <m:e>
-                            <m:r>
-                              <a:rPr lang="en-GB" i="1">
-                                <a:latin typeface="Cambria Math" panose="02040503050406030204" pitchFamily="18" charset="0"/>
-                              </a:rPr>
-                              <m:t>𝑝</m:t>
-                            </m:r>
-                          </m:e>
-                        </m:acc>
-                      </m:e>
-                    </m:d>
-                    <m:r>
-                      <a:rPr lang="en-GB" i="1">
-                        <a:latin typeface="Cambria Math" panose="02040503050406030204" pitchFamily="18" charset="0"/>
-                      </a:rPr>
-                      <m:t>+</m:t>
-                    </m:r>
-                    <m:acc>
-                      <m:accPr>
-                        <m:chr m:val="̂"/>
-                        <m:ctrlPr>
-                          <a:rPr lang="en-GB" i="1" dirty="0">
-                            <a:latin typeface="Cambria Math" panose="02040503050406030204" pitchFamily="18" charset="0"/>
-                          </a:rPr>
-                        </m:ctrlPr>
-                      </m:accPr>
-                      <m:e>
-                        <m:r>
-                          <a:rPr lang="en-GB" i="1" dirty="0">
-                            <a:latin typeface="Cambria Math" panose="02040503050406030204" pitchFamily="18" charset="0"/>
-                          </a:rPr>
-                          <m:t>𝑐</m:t>
-                        </m:r>
-                      </m:e>
-                    </m:acc>
-                  </m:oMath>
-                </a14:m>
-                <a:endParaRPr lang="de-DE" dirty="0"/>
-              </a:p>
-              <a:p>
-                <a:pPr marL="0" indent="0">
-                  <a:buNone/>
-                </a:pPr>
-                <a:r>
-                  <a:rPr lang="en-GB" dirty="0"/>
-                  <a:t>	</a:t>
-                </a:r>
-                <a14:m>
-                  <m:oMath xmlns:m="http://schemas.openxmlformats.org/officeDocument/2006/math">
-                    <m:r>
-                      <a:rPr lang="en-GB" i="1">
-                        <a:latin typeface="Cambria Math" panose="02040503050406030204" pitchFamily="18" charset="0"/>
-                        <a:ea typeface="Cambria Math" panose="02040503050406030204" pitchFamily="18" charset="0"/>
-                      </a:rPr>
-                      <m:t>∀ </m:t>
-                    </m:r>
-                    <m:r>
-                      <a:rPr lang="en-GB" i="1">
-                        <a:latin typeface="Cambria Math" panose="02040503050406030204" pitchFamily="18" charset="0"/>
-                        <a:ea typeface="Cambria Math" panose="02040503050406030204" pitchFamily="18" charset="0"/>
-                      </a:rPr>
-                      <m:t>𝑒</m:t>
-                    </m:r>
-                    <m:r>
-                      <a:rPr lang="en-GB" i="1">
-                        <a:latin typeface="Cambria Math" panose="02040503050406030204" pitchFamily="18" charset="0"/>
-                        <a:ea typeface="Cambria Math" panose="02040503050406030204" pitchFamily="18" charset="0"/>
-                      </a:rPr>
-                      <m:t> ∈</m:t>
-                    </m:r>
-                    <m:acc>
-                      <m:accPr>
-                        <m:chr m:val="̂"/>
-                        <m:ctrlPr>
-                          <a:rPr lang="en-GB" i="1">
-                            <a:latin typeface="Cambria Math" panose="02040503050406030204" pitchFamily="18" charset="0"/>
-                          </a:rPr>
-                        </m:ctrlPr>
-                      </m:accPr>
-                      <m:e>
-                        <m:r>
-                          <a:rPr lang="en-GB" i="1">
-                            <a:latin typeface="Cambria Math" panose="02040503050406030204" pitchFamily="18" charset="0"/>
-                          </a:rPr>
-                          <m:t>𝑝</m:t>
-                        </m:r>
-                      </m:e>
-                    </m:acc>
-                  </m:oMath>
-                </a14:m>
-                <a:r>
-                  <a:rPr lang="de-DE" dirty="0"/>
-                  <a:t> : </a:t>
-                </a:r>
-              </a:p>
-              <a:p>
-                <a:pPr marL="0" indent="0">
-                  <a:buNone/>
-                </a:pPr>
-                <a:r>
-                  <a:rPr lang="en-GB" dirty="0"/>
-                  <a:t>	</a:t>
-                </a:r>
-                <a:r>
-                  <a:rPr lang="de-DE" dirty="0"/>
-                  <a:t>	</a:t>
-                </a:r>
-                <a14:m>
-                  <m:oMath xmlns:m="http://schemas.openxmlformats.org/officeDocument/2006/math">
-                    <m:r>
-                      <a:rPr lang="en-GB" i="1">
-                        <a:latin typeface="Cambria Math" panose="02040503050406030204" pitchFamily="18" charset="0"/>
-                      </a:rPr>
-                      <m:t>𝑙</m:t>
-                    </m:r>
-                    <m:d>
-                      <m:dPr>
-                        <m:ctrlPr>
-                          <a:rPr lang="en-GB" i="1">
-                            <a:latin typeface="Cambria Math" panose="02040503050406030204" pitchFamily="18" charset="0"/>
-                          </a:rPr>
-                        </m:ctrlPr>
-                      </m:dPr>
-                      <m:e>
-                        <m:r>
-                          <a:rPr lang="en-GB" i="1">
-                            <a:latin typeface="Cambria Math" panose="02040503050406030204" pitchFamily="18" charset="0"/>
-                          </a:rPr>
-                          <m:t>𝑒</m:t>
-                        </m:r>
-                      </m:e>
-                    </m:d>
-                    <m:r>
-                      <a:rPr lang="en-GB" i="1">
-                        <a:latin typeface="Cambria Math" panose="02040503050406030204" pitchFamily="18" charset="0"/>
-                      </a:rPr>
-                      <m:t>=</m:t>
-                    </m:r>
-                    <m:r>
-                      <a:rPr lang="en-GB" i="1">
-                        <a:latin typeface="Cambria Math" panose="02040503050406030204" pitchFamily="18" charset="0"/>
-                      </a:rPr>
-                      <m:t>𝑙</m:t>
-                    </m:r>
-                    <m:r>
-                      <a:rPr lang="en-GB" i="1">
-                        <a:latin typeface="Cambria Math" panose="02040503050406030204" pitchFamily="18" charset="0"/>
-                      </a:rPr>
-                      <m:t>(</m:t>
-                    </m:r>
-                    <m:r>
-                      <a:rPr lang="en-GB" i="1">
-                        <a:latin typeface="Cambria Math" panose="02040503050406030204" pitchFamily="18" charset="0"/>
-                      </a:rPr>
-                      <m:t>𝑒</m:t>
-                    </m:r>
-                    <m:r>
-                      <a:rPr lang="en-GB" i="1">
-                        <a:latin typeface="Cambria Math" panose="02040503050406030204" pitchFamily="18" charset="0"/>
-                      </a:rPr>
-                      <m:t>)(1+</m:t>
-                    </m:r>
-                    <m:f>
-                      <m:fPr>
-                        <m:ctrlPr>
-                          <a:rPr lang="en-GB" i="1">
-                            <a:latin typeface="Cambria Math" panose="02040503050406030204" pitchFamily="18" charset="0"/>
-                          </a:rPr>
-                        </m:ctrlPr>
-                      </m:fPr>
-                      <m:num>
-                        <m:r>
-                          <a:rPr lang="en-GB" i="1">
-                            <a:latin typeface="Cambria Math" panose="02040503050406030204" pitchFamily="18" charset="0"/>
-                          </a:rPr>
-                          <m:t>𝜀</m:t>
-                        </m:r>
-                        <m:acc>
-                          <m:accPr>
-                            <m:chr m:val="̂"/>
-                            <m:ctrlPr>
-                              <a:rPr lang="en-GB" i="1" dirty="0">
-                                <a:latin typeface="Cambria Math" panose="02040503050406030204" pitchFamily="18" charset="0"/>
-                              </a:rPr>
-                            </m:ctrlPr>
-                          </m:accPr>
-                          <m:e>
-                            <m:r>
-                              <a:rPr lang="en-GB" i="1" dirty="0">
-                                <a:latin typeface="Cambria Math" panose="02040503050406030204" pitchFamily="18" charset="0"/>
-                              </a:rPr>
-                              <m:t>𝑐</m:t>
-                            </m:r>
-                          </m:e>
-                        </m:acc>
-                      </m:num>
-                      <m:den>
-                        <m:r>
-                          <a:rPr lang="en-GB" i="1">
-                            <a:latin typeface="Cambria Math" panose="02040503050406030204" pitchFamily="18" charset="0"/>
-                          </a:rPr>
-                          <m:t>𝐶</m:t>
-                        </m:r>
-                        <m:r>
-                          <a:rPr lang="en-GB" i="1">
-                            <a:latin typeface="Cambria Math" panose="02040503050406030204" pitchFamily="18" charset="0"/>
-                          </a:rPr>
-                          <m:t>(</m:t>
-                        </m:r>
-                        <m:r>
-                          <a:rPr lang="en-GB" b="0" i="1" smtClean="0">
-                            <a:latin typeface="Cambria Math" panose="02040503050406030204" pitchFamily="18" charset="0"/>
-                          </a:rPr>
-                          <m:t>𝑒</m:t>
-                        </m:r>
-                        <m:r>
-                          <a:rPr lang="en-GB" i="1">
-                            <a:latin typeface="Cambria Math" panose="02040503050406030204" pitchFamily="18" charset="0"/>
-                          </a:rPr>
-                          <m:t>)</m:t>
-                        </m:r>
-                      </m:den>
-                    </m:f>
-                    <m:r>
-                      <a:rPr lang="en-GB" i="1">
-                        <a:latin typeface="Cambria Math" panose="02040503050406030204" pitchFamily="18" charset="0"/>
-                      </a:rPr>
-                      <m:t>)</m:t>
-                    </m:r>
-                  </m:oMath>
-                </a14:m>
-                <a:r>
-                  <a:rPr lang="de-DE" dirty="0"/>
-                  <a:t> </a:t>
-                </a:r>
-              </a:p>
-              <a:p>
-                <a:pPr marL="0" indent="0">
-                  <a:buNone/>
-                </a:pPr>
-                <a:r>
-                  <a:rPr lang="en-GB" dirty="0"/>
-                  <a:t>Return </a:t>
-                </a:r>
-                <a14:m>
-                  <m:oMath xmlns:m="http://schemas.openxmlformats.org/officeDocument/2006/math">
-                    <m:r>
-                      <a:rPr lang="en-GB" i="1">
-                        <a:latin typeface="Cambria Math" panose="02040503050406030204" pitchFamily="18" charset="0"/>
-                      </a:rPr>
-                      <m:t>(</m:t>
-                    </m:r>
-                    <m:f>
-                      <m:fPr>
-                        <m:ctrlPr>
-                          <a:rPr lang="en-GB" i="1">
-                            <a:latin typeface="Cambria Math" panose="02040503050406030204" pitchFamily="18" charset="0"/>
-                          </a:rPr>
-                        </m:ctrlPr>
-                      </m:fPr>
-                      <m:num>
-                        <m:r>
-                          <a:rPr lang="en-GB" i="1">
-                            <a:latin typeface="Cambria Math" panose="02040503050406030204" pitchFamily="18" charset="0"/>
-                          </a:rPr>
-                          <m:t>𝑥</m:t>
-                        </m:r>
-                      </m:num>
-                      <m:den>
-                        <m:func>
-                          <m:funcPr>
-                            <m:ctrlPr>
-                              <a:rPr lang="en-GB" i="1">
-                                <a:latin typeface="Cambria Math" panose="02040503050406030204" pitchFamily="18" charset="0"/>
-                              </a:rPr>
-                            </m:ctrlPr>
-                          </m:funcPr>
-                          <m:fName>
-                            <m:sSub>
-                              <m:sSubPr>
-                                <m:ctrlPr>
-                                  <a:rPr lang="en-GB" i="1">
-                                    <a:latin typeface="Cambria Math" panose="02040503050406030204" pitchFamily="18" charset="0"/>
-                                  </a:rPr>
-                                </m:ctrlPr>
-                              </m:sSubPr>
-                              <m:e>
-                                <m:r>
-                                  <m:rPr>
-                                    <m:sty m:val="p"/>
-                                  </m:rPr>
-                                  <a:rPr lang="en-GB" i="1">
-                                    <a:latin typeface="Cambria Math" panose="02040503050406030204" pitchFamily="18" charset="0"/>
-                                  </a:rPr>
-                                  <m:t>log</m:t>
-                                </m:r>
-                              </m:e>
-                              <m:sub>
-                                <m:r>
-                                  <a:rPr lang="en-GB" i="1">
-                                    <a:latin typeface="Cambria Math" panose="02040503050406030204" pitchFamily="18" charset="0"/>
-                                  </a:rPr>
-                                  <m:t>1+</m:t>
-                                </m:r>
-                                <m:r>
-                                  <a:rPr lang="en-GB" i="1">
-                                    <a:latin typeface="Cambria Math" panose="02040503050406030204" pitchFamily="18" charset="0"/>
-                                  </a:rPr>
-                                  <m:t>𝜀</m:t>
-                                </m:r>
-                              </m:sub>
-                            </m:sSub>
-                          </m:fName>
-                          <m:e>
-                            <m:f>
-                              <m:fPr>
-                                <m:ctrlPr>
-                                  <a:rPr lang="en-GB" i="1">
-                                    <a:latin typeface="Cambria Math" panose="02040503050406030204" pitchFamily="18" charset="0"/>
-                                  </a:rPr>
-                                </m:ctrlPr>
-                              </m:fPr>
-                              <m:num>
-                                <m:r>
-                                  <a:rPr lang="en-GB" i="1">
-                                    <a:latin typeface="Cambria Math" panose="02040503050406030204" pitchFamily="18" charset="0"/>
-                                  </a:rPr>
-                                  <m:t>1+</m:t>
-                                </m:r>
-                                <m:r>
-                                  <a:rPr lang="en-GB" i="1">
-                                    <a:latin typeface="Cambria Math" panose="02040503050406030204" pitchFamily="18" charset="0"/>
-                                  </a:rPr>
-                                  <m:t>𝜀</m:t>
-                                </m:r>
-                              </m:num>
-                              <m:den>
-                                <m:r>
-                                  <a:rPr lang="de-DE" i="1" dirty="0">
-                                    <a:latin typeface="Cambria Math" panose="02040503050406030204" pitchFamily="18" charset="0"/>
-                                  </a:rPr>
-                                  <m:t>𝛿</m:t>
-                                </m:r>
-                              </m:den>
-                            </m:f>
-                          </m:e>
-                        </m:func>
-                      </m:den>
-                    </m:f>
-                    <m:r>
-                      <a:rPr lang="en-GB" i="1">
-                        <a:latin typeface="Cambria Math" panose="02040503050406030204" pitchFamily="18" charset="0"/>
-                      </a:rPr>
-                      <m:t>)</m:t>
-                    </m:r>
-                  </m:oMath>
-                </a14:m>
-                <a:endParaRPr lang="de-DE" dirty="0"/>
-              </a:p>
-              <a:p>
-                <a:endParaRPr lang="en-GB" dirty="0"/>
-              </a:p>
-              <a:p>
-                <a:endParaRPr lang="de-DE" dirty="0"/>
-              </a:p>
-            </p:txBody>
-          </p:sp>
-        </mc:Choice>
-        <mc:Fallback>
-          <p:sp>
-            <p:nvSpPr>
-              <p:cNvPr id="3" name="Inhaltsplatzhalter 2">
-                <a:extLst>
-                  <a:ext uri="{FF2B5EF4-FFF2-40B4-BE49-F238E27FC236}">
-                    <a16:creationId xmlns:a16="http://schemas.microsoft.com/office/drawing/2014/main" id="{FAEEACC7-A217-4B5E-875D-FF9C5D524DA5}"/>
-                  </a:ext>
-                </a:extLst>
-              </p:cNvPr>
-              <p:cNvSpPr>
-                <a:spLocks noGrp="1" noRot="1" noChangeAspect="1" noMove="1" noResize="1" noEditPoints="1" noAdjustHandles="1" noChangeArrowheads="1" noChangeShapeType="1" noTextEdit="1"/>
-              </p:cNvSpPr>
-              <p:nvPr>
-                <p:ph idx="1"/>
-              </p:nvPr>
-            </p:nvSpPr>
-            <p:spPr>
-              <a:blipFill>
-                <a:blip r:embed="rId2"/>
-                <a:stretch>
-                  <a:fillRect l="-1217" t="-3081"/>
-                </a:stretch>
-              </a:blipFill>
-            </p:spPr>
-            <p:txBody>
-              <a:bodyPr/>
-              <a:lstStyle/>
-              <a:p>
-                <a:r>
-                  <a:rPr lang="de-DE">
-                    <a:noFill/>
-                  </a:rPr>
-                  <a:t> </a:t>
-                </a:r>
-              </a:p>
-            </p:txBody>
-          </p:sp>
-        </mc:Fallback>
-      </mc:AlternateContent>
-    </p:spTree>
-    <p:extLst>
-      <p:ext uri="{BB962C8B-B14F-4D97-AF65-F5344CB8AC3E}">
-        <p14:creationId xmlns:p14="http://schemas.microsoft.com/office/powerpoint/2010/main" val="3641285235"/>
-      </p:ext>
-    </p:extLst>
-  </p:cSld>
-  <p:clrMapOvr>
-    <a:masterClrMapping/>
-  </p:clrMapOvr>
-</p:sld>
-</file>
-
-<file path=ppt/slides/slide11.xml><?xml version="1.0" encoding="utf-8"?>
-<p:sld xmlns:a="http://schemas.openxmlformats.org/drawingml/2006/main" xmlns:r="http://schemas.openxmlformats.org/officeDocument/2006/relationships" xmlns:p="http://schemas.openxmlformats.org/presentationml/2006/main">
-  <p:cSld>
-    <p:spTree>
-      <p:nvGrpSpPr>
-        <p:cNvPr id="1" name=""/>
-        <p:cNvGrpSpPr/>
-        <p:nvPr/>
-      </p:nvGrpSpPr>
-      <p:grpSpPr>
-        <a:xfrm>
-          <a:off x="0" y="0"/>
-          <a:ext cx="0" cy="0"/>
-          <a:chOff x="0" y="0"/>
-          <a:chExt cx="0" cy="0"/>
-        </a:xfrm>
-      </p:grpSpPr>
-      <p:sp>
-        <p:nvSpPr>
-          <p:cNvPr id="2" name="Titel 1">
-            <a:extLst>
-              <a:ext uri="{FF2B5EF4-FFF2-40B4-BE49-F238E27FC236}">
                 <a16:creationId xmlns:a16="http://schemas.microsoft.com/office/drawing/2014/main" id="{8F39DE1A-DB50-4C7A-9176-1D20018CB78C}"/>
               </a:ext>
             </a:extLst>
@@ -5312,7 +4330,7 @@
                           <a:rPr lang="en-GB" b="0" i="1" smtClean="0">
                             <a:latin typeface="Cambria Math" panose="02040503050406030204" pitchFamily="18" charset="0"/>
                           </a:rPr>
-                          <m:t>𝑏</m:t>
+                          <m:t>𝑑</m:t>
                         </m:r>
                       </m:e>
                     </m:d>
@@ -6016,8 +5034,8 @@
           </a:fontRef>
         </p:style>
       </p:cxnSp>
-      <mc:AlternateContent xmlns:mc="http://schemas.openxmlformats.org/markup-compatibility/2006">
-        <mc:Choice xmlns:a14="http://schemas.microsoft.com/office/drawing/2010/main" Requires="a14">
+      <mc:AlternateContent xmlns:mc="http://schemas.openxmlformats.org/markup-compatibility/2006" xmlns:a14="http://schemas.microsoft.com/office/drawing/2010/main">
+        <mc:Choice Requires="a14">
           <p:sp>
             <p:nvSpPr>
               <p:cNvPr id="55" name="Textfeld 54">
@@ -6070,7 +5088,7 @@
             </p:txBody>
           </p:sp>
         </mc:Choice>
-        <mc:Fallback>
+        <mc:Fallback xmlns="">
           <p:sp>
             <p:nvSpPr>
               <p:cNvPr id="55" name="Textfeld 54">
@@ -6115,8 +5133,8 @@
           </p:sp>
         </mc:Fallback>
       </mc:AlternateContent>
-      <mc:AlternateContent xmlns:mc="http://schemas.openxmlformats.org/markup-compatibility/2006">
-        <mc:Choice xmlns:a14="http://schemas.microsoft.com/office/drawing/2010/main" Requires="a14">
+      <mc:AlternateContent xmlns:mc="http://schemas.openxmlformats.org/markup-compatibility/2006" xmlns:a14="http://schemas.microsoft.com/office/drawing/2010/main">
+        <mc:Choice Requires="a14">
           <p:sp>
             <p:nvSpPr>
               <p:cNvPr id="56" name="Textfeld 55">
@@ -6178,7 +5196,7 @@
             </p:txBody>
           </p:sp>
         </mc:Choice>
-        <mc:Fallback>
+        <mc:Fallback xmlns="">
           <p:sp>
             <p:nvSpPr>
               <p:cNvPr id="56" name="Textfeld 55">
@@ -6223,8 +5241,8 @@
           </p:sp>
         </mc:Fallback>
       </mc:AlternateContent>
-      <mc:AlternateContent xmlns:mc="http://schemas.openxmlformats.org/markup-compatibility/2006">
-        <mc:Choice xmlns:a14="http://schemas.microsoft.com/office/drawing/2010/main" Requires="a14">
+      <mc:AlternateContent xmlns:mc="http://schemas.openxmlformats.org/markup-compatibility/2006" xmlns:a14="http://schemas.microsoft.com/office/drawing/2010/main">
+        <mc:Choice Requires="a14">
           <p:sp>
             <p:nvSpPr>
               <p:cNvPr id="57" name="Textfeld 56">
@@ -6286,7 +5304,7 @@
             </p:txBody>
           </p:sp>
         </mc:Choice>
-        <mc:Fallback>
+        <mc:Fallback xmlns="">
           <p:sp>
             <p:nvSpPr>
               <p:cNvPr id="57" name="Textfeld 56">
@@ -6331,8 +5349,8 @@
           </p:sp>
         </mc:Fallback>
       </mc:AlternateContent>
-      <mc:AlternateContent xmlns:mc="http://schemas.openxmlformats.org/markup-compatibility/2006">
-        <mc:Choice xmlns:a14="http://schemas.microsoft.com/office/drawing/2010/main" Requires="a14">
+      <mc:AlternateContent xmlns:mc="http://schemas.openxmlformats.org/markup-compatibility/2006" xmlns:a14="http://schemas.microsoft.com/office/drawing/2010/main">
+        <mc:Choice Requires="a14">
           <p:sp>
             <p:nvSpPr>
               <p:cNvPr id="58" name="Textfeld 57">
@@ -6394,7 +5412,7 @@
             </p:txBody>
           </p:sp>
         </mc:Choice>
-        <mc:Fallback>
+        <mc:Fallback xmlns="">
           <p:sp>
             <p:nvSpPr>
               <p:cNvPr id="58" name="Textfeld 57">
@@ -6439,8 +5457,8 @@
           </p:sp>
         </mc:Fallback>
       </mc:AlternateContent>
-      <mc:AlternateContent xmlns:mc="http://schemas.openxmlformats.org/markup-compatibility/2006">
-        <mc:Choice xmlns:a14="http://schemas.microsoft.com/office/drawing/2010/main" Requires="a14">
+      <mc:AlternateContent xmlns:mc="http://schemas.openxmlformats.org/markup-compatibility/2006" xmlns:a14="http://schemas.microsoft.com/office/drawing/2010/main">
+        <mc:Choice Requires="a14">
           <p:sp>
             <p:nvSpPr>
               <p:cNvPr id="59" name="Textfeld 58">
@@ -6511,7 +5529,7 @@
             </p:txBody>
           </p:sp>
         </mc:Choice>
-        <mc:Fallback>
+        <mc:Fallback xmlns="">
           <p:sp>
             <p:nvSpPr>
               <p:cNvPr id="59" name="Textfeld 58">
@@ -6569,7 +5587,7 @@
 </p:sld>
 </file>
 
-<file path=ppt/slides/slide12.xml><?xml version="1.0" encoding="utf-8"?>
+<file path=ppt/slides/slide11.xml><?xml version="1.0" encoding="utf-8"?>
 <p:sld xmlns:a="http://schemas.openxmlformats.org/drawingml/2006/main" xmlns:r="http://schemas.openxmlformats.org/officeDocument/2006/relationships" xmlns:p="http://schemas.openxmlformats.org/presentationml/2006/main">
   <p:cSld>
     <p:spTree>
@@ -6975,8 +5993,8 @@
           </a:fontRef>
         </p:style>
       </p:cxnSp>
-      <mc:AlternateContent xmlns:mc="http://schemas.openxmlformats.org/markup-compatibility/2006">
-        <mc:Choice xmlns:a14="http://schemas.microsoft.com/office/drawing/2010/main" Requires="a14">
+      <mc:AlternateContent xmlns:mc="http://schemas.openxmlformats.org/markup-compatibility/2006" xmlns:a14="http://schemas.microsoft.com/office/drawing/2010/main">
+        <mc:Choice Requires="a14">
           <p:sp>
             <p:nvSpPr>
               <p:cNvPr id="22" name="Textfeld 21">
@@ -7029,7 +6047,7 @@
             </p:txBody>
           </p:sp>
         </mc:Choice>
-        <mc:Fallback>
+        <mc:Fallback xmlns="">
           <p:sp>
             <p:nvSpPr>
               <p:cNvPr id="22" name="Textfeld 21">
@@ -7074,8 +6092,8 @@
           </p:sp>
         </mc:Fallback>
       </mc:AlternateContent>
-      <mc:AlternateContent xmlns:mc="http://schemas.openxmlformats.org/markup-compatibility/2006">
-        <mc:Choice xmlns:a14="http://schemas.microsoft.com/office/drawing/2010/main" Requires="a14">
+      <mc:AlternateContent xmlns:mc="http://schemas.openxmlformats.org/markup-compatibility/2006" xmlns:a14="http://schemas.microsoft.com/office/drawing/2010/main">
+        <mc:Choice Requires="a14">
           <p:sp>
             <p:nvSpPr>
               <p:cNvPr id="24" name="Textfeld 23">
@@ -7128,7 +6146,7 @@
             </p:txBody>
           </p:sp>
         </mc:Choice>
-        <mc:Fallback>
+        <mc:Fallback xmlns="">
           <p:sp>
             <p:nvSpPr>
               <p:cNvPr id="24" name="Textfeld 23">
@@ -7173,8 +6191,8 @@
           </p:sp>
         </mc:Fallback>
       </mc:AlternateContent>
-      <mc:AlternateContent xmlns:mc="http://schemas.openxmlformats.org/markup-compatibility/2006">
-        <mc:Choice xmlns:a14="http://schemas.microsoft.com/office/drawing/2010/main" Requires="a14">
+      <mc:AlternateContent xmlns:mc="http://schemas.openxmlformats.org/markup-compatibility/2006" xmlns:a14="http://schemas.microsoft.com/office/drawing/2010/main">
+        <mc:Choice Requires="a14">
           <p:sp>
             <p:nvSpPr>
               <p:cNvPr id="25" name="Textfeld 24">
@@ -7227,7 +6245,7 @@
             </p:txBody>
           </p:sp>
         </mc:Choice>
-        <mc:Fallback>
+        <mc:Fallback xmlns="">
           <p:sp>
             <p:nvSpPr>
               <p:cNvPr id="25" name="Textfeld 24">
@@ -7548,8 +6566,8 @@
           </a:fontRef>
         </p:style>
       </p:cxnSp>
-      <mc:AlternateContent xmlns:mc="http://schemas.openxmlformats.org/markup-compatibility/2006">
-        <mc:Choice xmlns:a14="http://schemas.microsoft.com/office/drawing/2010/main" Requires="a14">
+      <mc:AlternateContent xmlns:mc="http://schemas.openxmlformats.org/markup-compatibility/2006" xmlns:a14="http://schemas.microsoft.com/office/drawing/2010/main">
+        <mc:Choice Requires="a14">
           <p:sp>
             <p:nvSpPr>
               <p:cNvPr id="35" name="Textfeld 34">
@@ -7602,7 +6620,7 @@
             </p:txBody>
           </p:sp>
         </mc:Choice>
-        <mc:Fallback>
+        <mc:Fallback xmlns="">
           <p:sp>
             <p:nvSpPr>
               <p:cNvPr id="35" name="Textfeld 34">
@@ -7647,8 +6665,8 @@
           </p:sp>
         </mc:Fallback>
       </mc:AlternateContent>
-      <mc:AlternateContent xmlns:mc="http://schemas.openxmlformats.org/markup-compatibility/2006">
-        <mc:Choice xmlns:a14="http://schemas.microsoft.com/office/drawing/2010/main" Requires="a14">
+      <mc:AlternateContent xmlns:mc="http://schemas.openxmlformats.org/markup-compatibility/2006" xmlns:a14="http://schemas.microsoft.com/office/drawing/2010/main">
+        <mc:Choice Requires="a14">
           <p:sp>
             <p:nvSpPr>
               <p:cNvPr id="36" name="Textfeld 35">
@@ -7701,7 +6719,7 @@
             </p:txBody>
           </p:sp>
         </mc:Choice>
-        <mc:Fallback>
+        <mc:Fallback xmlns="">
           <p:sp>
             <p:nvSpPr>
               <p:cNvPr id="36" name="Textfeld 35">
@@ -7787,8 +6805,8 @@
           </a:fontRef>
         </p:style>
       </p:cxnSp>
-      <mc:AlternateContent xmlns:mc="http://schemas.openxmlformats.org/markup-compatibility/2006">
-        <mc:Choice xmlns:a14="http://schemas.microsoft.com/office/drawing/2010/main" Requires="a14">
+      <mc:AlternateContent xmlns:mc="http://schemas.openxmlformats.org/markup-compatibility/2006" xmlns:a14="http://schemas.microsoft.com/office/drawing/2010/main">
+        <mc:Choice Requires="a14">
           <p:sp>
             <p:nvSpPr>
               <p:cNvPr id="26" name="Textfeld 25">
@@ -7859,7 +6877,7 @@
             </p:txBody>
           </p:sp>
         </mc:Choice>
-        <mc:Fallback>
+        <mc:Fallback xmlns="">
           <p:sp>
             <p:nvSpPr>
               <p:cNvPr id="26" name="Textfeld 25">
@@ -7904,8 +6922,8 @@
           </p:sp>
         </mc:Fallback>
       </mc:AlternateContent>
-      <mc:AlternateContent xmlns:mc="http://schemas.openxmlformats.org/markup-compatibility/2006">
-        <mc:Choice xmlns:a14="http://schemas.microsoft.com/office/drawing/2010/main" Requires="a14">
+      <mc:AlternateContent xmlns:mc="http://schemas.openxmlformats.org/markup-compatibility/2006" xmlns:a14="http://schemas.microsoft.com/office/drawing/2010/main">
+        <mc:Choice Requires="a14">
           <p:sp>
             <p:nvSpPr>
               <p:cNvPr id="27" name="Textfeld 26">
@@ -7973,7 +6991,7 @@
             </p:txBody>
           </p:sp>
         </mc:Choice>
-        <mc:Fallback>
+        <mc:Fallback xmlns="">
           <p:sp>
             <p:nvSpPr>
               <p:cNvPr id="27" name="Textfeld 26">
@@ -8018,8 +7036,8 @@
           </p:sp>
         </mc:Fallback>
       </mc:AlternateContent>
-      <mc:AlternateContent xmlns:mc="http://schemas.openxmlformats.org/markup-compatibility/2006">
-        <mc:Choice xmlns:a14="http://schemas.microsoft.com/office/drawing/2010/main" Requires="a14">
+      <mc:AlternateContent xmlns:mc="http://schemas.openxmlformats.org/markup-compatibility/2006" xmlns:a14="http://schemas.microsoft.com/office/drawing/2010/main">
+        <mc:Choice Requires="a14">
           <p:sp>
             <p:nvSpPr>
               <p:cNvPr id="32" name="Textfeld 31">
@@ -8087,7 +7105,7 @@
             </p:txBody>
           </p:sp>
         </mc:Choice>
-        <mc:Fallback>
+        <mc:Fallback xmlns="">
           <p:sp>
             <p:nvSpPr>
               <p:cNvPr id="32" name="Textfeld 31">
@@ -8132,8 +7150,8 @@
           </p:sp>
         </mc:Fallback>
       </mc:AlternateContent>
-      <mc:AlternateContent xmlns:mc="http://schemas.openxmlformats.org/markup-compatibility/2006">
-        <mc:Choice xmlns:a14="http://schemas.microsoft.com/office/drawing/2010/main" Requires="a14">
+      <mc:AlternateContent xmlns:mc="http://schemas.openxmlformats.org/markup-compatibility/2006" xmlns:a14="http://schemas.microsoft.com/office/drawing/2010/main">
+        <mc:Choice Requires="a14">
           <p:sp>
             <p:nvSpPr>
               <p:cNvPr id="44" name="Textfeld 43">
@@ -8204,7 +7222,7 @@
             </p:txBody>
           </p:sp>
         </mc:Choice>
-        <mc:Fallback>
+        <mc:Fallback xmlns="">
           <p:sp>
             <p:nvSpPr>
               <p:cNvPr id="44" name="Textfeld 43">
@@ -8249,8 +7267,8 @@
           </p:sp>
         </mc:Fallback>
       </mc:AlternateContent>
-      <mc:AlternateContent xmlns:mc="http://schemas.openxmlformats.org/markup-compatibility/2006">
-        <mc:Choice xmlns:a14="http://schemas.microsoft.com/office/drawing/2010/main" Requires="a14">
+      <mc:AlternateContent xmlns:mc="http://schemas.openxmlformats.org/markup-compatibility/2006" xmlns:a14="http://schemas.microsoft.com/office/drawing/2010/main">
+        <mc:Choice Requires="a14">
           <p:sp>
             <p:nvSpPr>
               <p:cNvPr id="45" name="Textfeld 44">
@@ -8321,7 +7339,7 @@
             </p:txBody>
           </p:sp>
         </mc:Choice>
-        <mc:Fallback>
+        <mc:Fallback xmlns="">
           <p:sp>
             <p:nvSpPr>
               <p:cNvPr id="45" name="Textfeld 44">
@@ -8379,7 +7397,7 @@
 </p:sld>
 </file>
 
-<file path=ppt/slides/slide13.xml><?xml version="1.0" encoding="utf-8"?>
+<file path=ppt/slides/slide12.xml><?xml version="1.0" encoding="utf-8"?>
 <p:sld xmlns:a="http://schemas.openxmlformats.org/drawingml/2006/main" xmlns:r="http://schemas.openxmlformats.org/officeDocument/2006/relationships" xmlns:p="http://schemas.openxmlformats.org/presentationml/2006/main">
   <p:cSld>
     <p:spTree>
@@ -8541,1443 +7559,8 @@
           </a:p>
         </p:txBody>
       </p:sp>
-      <p:sp>
-        <p:nvSpPr>
-          <p:cNvPr id="27" name="Rechteck 26">
-            <a:extLst>
-              <a:ext uri="{FF2B5EF4-FFF2-40B4-BE49-F238E27FC236}">
-                <a16:creationId xmlns:a16="http://schemas.microsoft.com/office/drawing/2014/main" id="{B1B7DE89-3514-48D0-84AC-630AE61D8E37}"/>
-              </a:ext>
-            </a:extLst>
-          </p:cNvPr>
-          <p:cNvSpPr/>
-          <p:nvPr/>
-        </p:nvSpPr>
-        <p:spPr>
-          <a:xfrm>
-            <a:off x="2916269" y="2735640"/>
-            <a:ext cx="807868" cy="648069"/>
-          </a:xfrm>
-          <a:prstGeom prst="rect">
-            <a:avLst/>
-          </a:prstGeom>
-        </p:spPr>
-        <p:style>
-          <a:lnRef idx="2">
-            <a:schemeClr val="accent1">
-              <a:shade val="50000"/>
-            </a:schemeClr>
-          </a:lnRef>
-          <a:fillRef idx="1">
-            <a:schemeClr val="accent1"/>
-          </a:fillRef>
-          <a:effectRef idx="0">
-            <a:schemeClr val="accent1"/>
-          </a:effectRef>
-          <a:fontRef idx="minor">
-            <a:schemeClr val="lt1"/>
-          </a:fontRef>
-        </p:style>
-        <p:txBody>
-          <a:bodyPr rtlCol="0" anchor="ctr"/>
-          <a:lstStyle/>
-          <a:p>
-            <a:pPr algn="ctr"/>
-            <a:r>
-              <a:rPr lang="en-GB" dirty="0"/>
-              <a:t>a</a:t>
-            </a:r>
-            <a:endParaRPr lang="de-DE" dirty="0"/>
-          </a:p>
-        </p:txBody>
-      </p:sp>
-      <p:sp>
-        <p:nvSpPr>
-          <p:cNvPr id="28" name="Rechteck 27">
-            <a:extLst>
-              <a:ext uri="{FF2B5EF4-FFF2-40B4-BE49-F238E27FC236}">
-                <a16:creationId xmlns:a16="http://schemas.microsoft.com/office/drawing/2014/main" id="{5FF39970-964C-48E6-AF33-DA94F72ABA31}"/>
-              </a:ext>
-            </a:extLst>
-          </p:cNvPr>
-          <p:cNvSpPr/>
-          <p:nvPr/>
-        </p:nvSpPr>
-        <p:spPr>
-          <a:xfrm>
-            <a:off x="4908660" y="2735635"/>
-            <a:ext cx="807868" cy="648069"/>
-          </a:xfrm>
-          <a:prstGeom prst="rect">
-            <a:avLst/>
-          </a:prstGeom>
-        </p:spPr>
-        <p:style>
-          <a:lnRef idx="2">
-            <a:schemeClr val="accent1">
-              <a:shade val="50000"/>
-            </a:schemeClr>
-          </a:lnRef>
-          <a:fillRef idx="1">
-            <a:schemeClr val="accent1"/>
-          </a:fillRef>
-          <a:effectRef idx="0">
-            <a:schemeClr val="accent1"/>
-          </a:effectRef>
-          <a:fontRef idx="minor">
-            <a:schemeClr val="lt1"/>
-          </a:fontRef>
-        </p:style>
-        <p:txBody>
-          <a:bodyPr rtlCol="0" anchor="ctr"/>
-          <a:lstStyle/>
-          <a:p>
-            <a:pPr algn="ctr"/>
-            <a:r>
-              <a:rPr lang="en-GB" dirty="0"/>
-              <a:t>b</a:t>
-            </a:r>
-            <a:endParaRPr lang="de-DE" dirty="0"/>
-          </a:p>
-        </p:txBody>
-      </p:sp>
-      <p:sp>
-        <p:nvSpPr>
-          <p:cNvPr id="29" name="Rechteck 28">
-            <a:extLst>
-              <a:ext uri="{FF2B5EF4-FFF2-40B4-BE49-F238E27FC236}">
-                <a16:creationId xmlns:a16="http://schemas.microsoft.com/office/drawing/2014/main" id="{407FB941-2420-4C1C-A21D-3B798336F9B1}"/>
-              </a:ext>
-            </a:extLst>
-          </p:cNvPr>
-          <p:cNvSpPr/>
-          <p:nvPr/>
-        </p:nvSpPr>
-        <p:spPr>
-          <a:xfrm>
-            <a:off x="6947909" y="2733413"/>
-            <a:ext cx="807868" cy="648069"/>
-          </a:xfrm>
-          <a:prstGeom prst="rect">
-            <a:avLst/>
-          </a:prstGeom>
-        </p:spPr>
-        <p:style>
-          <a:lnRef idx="2">
-            <a:schemeClr val="accent1">
-              <a:shade val="50000"/>
-            </a:schemeClr>
-          </a:lnRef>
-          <a:fillRef idx="1">
-            <a:schemeClr val="accent1"/>
-          </a:fillRef>
-          <a:effectRef idx="0">
-            <a:schemeClr val="accent1"/>
-          </a:effectRef>
-          <a:fontRef idx="minor">
-            <a:schemeClr val="lt1"/>
-          </a:fontRef>
-        </p:style>
-        <p:txBody>
-          <a:bodyPr rtlCol="0" anchor="ctr"/>
-          <a:lstStyle/>
-          <a:p>
-            <a:pPr algn="ctr"/>
-            <a:r>
-              <a:rPr lang="en-GB" dirty="0"/>
-              <a:t>c</a:t>
-            </a:r>
-            <a:endParaRPr lang="de-DE" dirty="0"/>
-          </a:p>
-        </p:txBody>
-      </p:sp>
-      <p:sp>
-        <p:nvSpPr>
-          <p:cNvPr id="30" name="Rechteck 29">
-            <a:extLst>
-              <a:ext uri="{FF2B5EF4-FFF2-40B4-BE49-F238E27FC236}">
-                <a16:creationId xmlns:a16="http://schemas.microsoft.com/office/drawing/2014/main" id="{1301AF29-E2CD-4278-AD99-BAE5E226AC50}"/>
-              </a:ext>
-            </a:extLst>
-          </p:cNvPr>
-          <p:cNvSpPr/>
-          <p:nvPr/>
-        </p:nvSpPr>
-        <p:spPr>
-          <a:xfrm>
-            <a:off x="8957572" y="2733413"/>
-            <a:ext cx="807868" cy="648069"/>
-          </a:xfrm>
-          <a:prstGeom prst="rect">
-            <a:avLst/>
-          </a:prstGeom>
-        </p:spPr>
-        <p:style>
-          <a:lnRef idx="2">
-            <a:schemeClr val="accent1">
-              <a:shade val="50000"/>
-            </a:schemeClr>
-          </a:lnRef>
-          <a:fillRef idx="1">
-            <a:schemeClr val="accent1"/>
-          </a:fillRef>
-          <a:effectRef idx="0">
-            <a:schemeClr val="accent1"/>
-          </a:effectRef>
-          <a:fontRef idx="minor">
-            <a:schemeClr val="lt1"/>
-          </a:fontRef>
-        </p:style>
-        <p:txBody>
-          <a:bodyPr rtlCol="0" anchor="ctr"/>
-          <a:lstStyle/>
-          <a:p>
-            <a:pPr algn="ctr"/>
-            <a:r>
-              <a:rPr lang="en-GB" dirty="0"/>
-              <a:t>d</a:t>
-            </a:r>
-            <a:endParaRPr lang="de-DE" dirty="0"/>
-          </a:p>
-        </p:txBody>
-      </p:sp>
-      <p:cxnSp>
-        <p:nvCxnSpPr>
-          <p:cNvPr id="31" name="Gerade Verbindung mit Pfeil 30">
-            <a:extLst>
-              <a:ext uri="{FF2B5EF4-FFF2-40B4-BE49-F238E27FC236}">
-                <a16:creationId xmlns:a16="http://schemas.microsoft.com/office/drawing/2014/main" id="{129C0FCF-32E4-4EBC-BD15-D0BCE172B50D}"/>
-              </a:ext>
-            </a:extLst>
-          </p:cNvPr>
-          <p:cNvCxnSpPr>
-            <a:cxnSpLocks/>
-            <a:stCxn id="27" idx="3"/>
-          </p:cNvCxnSpPr>
-          <p:nvPr/>
-        </p:nvCxnSpPr>
-        <p:spPr>
-          <a:xfrm>
-            <a:off x="3724137" y="3059675"/>
-            <a:ext cx="1191693" cy="0"/>
-          </a:xfrm>
-          <a:prstGeom prst="straightConnector1">
-            <a:avLst/>
-          </a:prstGeom>
-          <a:ln>
-            <a:tailEnd type="triangle"/>
-          </a:ln>
-        </p:spPr>
-        <p:style>
-          <a:lnRef idx="1">
-            <a:schemeClr val="accent1"/>
-          </a:lnRef>
-          <a:fillRef idx="0">
-            <a:schemeClr val="accent1"/>
-          </a:fillRef>
-          <a:effectRef idx="0">
-            <a:schemeClr val="accent1"/>
-          </a:effectRef>
-          <a:fontRef idx="minor">
-            <a:schemeClr val="tx1"/>
-          </a:fontRef>
-        </p:style>
-      </p:cxnSp>
-      <mc:AlternateContent xmlns:mc="http://schemas.openxmlformats.org/markup-compatibility/2006">
-        <mc:Choice xmlns:a14="http://schemas.microsoft.com/office/drawing/2010/main" Requires="a14">
-          <p:sp>
-            <p:nvSpPr>
-              <p:cNvPr id="32" name="Textfeld 31">
-                <a:extLst>
-                  <a:ext uri="{FF2B5EF4-FFF2-40B4-BE49-F238E27FC236}">
-                    <a16:creationId xmlns:a16="http://schemas.microsoft.com/office/drawing/2014/main" id="{6B5AADB2-E20A-4239-ADA5-F26F96728464}"/>
-                  </a:ext>
-                </a:extLst>
-              </p:cNvPr>
-              <p:cNvSpPr txBox="1"/>
-              <p:nvPr/>
-            </p:nvSpPr>
-            <p:spPr>
-              <a:xfrm>
-                <a:off x="4114380" y="3031361"/>
-                <a:ext cx="370038" cy="369332"/>
-              </a:xfrm>
-              <a:prstGeom prst="rect">
-                <a:avLst/>
-              </a:prstGeom>
-              <a:noFill/>
-            </p:spPr>
-            <p:txBody>
-              <a:bodyPr wrap="none" rtlCol="0">
-                <a:spAutoFit/>
-              </a:bodyPr>
-              <a:lstStyle/>
-              <a:p>
-                <a:pPr/>
-                <a14:m>
-                  <m:oMathPara xmlns:m="http://schemas.openxmlformats.org/officeDocument/2006/math">
-                    <m:oMathParaPr>
-                      <m:jc m:val="centerGroup"/>
-                    </m:oMathParaPr>
-                    <m:oMath xmlns:m="http://schemas.openxmlformats.org/officeDocument/2006/math">
-                      <m:r>
-                        <a:rPr lang="de-DE" i="1" dirty="0" smtClean="0">
-                          <a:solidFill>
-                            <a:srgbClr val="92D050"/>
-                          </a:solidFill>
-                          <a:latin typeface="Cambria Math" panose="02040503050406030204" pitchFamily="18" charset="0"/>
-                        </a:rPr>
-                        <m:t>𝛿</m:t>
-                      </m:r>
-                    </m:oMath>
-                  </m:oMathPara>
-                </a14:m>
-                <a:endParaRPr lang="de-DE" dirty="0"/>
-              </a:p>
-            </p:txBody>
-          </p:sp>
-        </mc:Choice>
-        <mc:Fallback>
-          <p:sp>
-            <p:nvSpPr>
-              <p:cNvPr id="32" name="Textfeld 31">
-                <a:extLst>
-                  <a:ext uri="{FF2B5EF4-FFF2-40B4-BE49-F238E27FC236}">
-                    <a16:creationId xmlns:a16="http://schemas.microsoft.com/office/drawing/2014/main" id="{6B5AADB2-E20A-4239-ADA5-F26F96728464}"/>
-                  </a:ext>
-                </a:extLst>
-              </p:cNvPr>
-              <p:cNvSpPr txBox="1">
-                <a:spLocks noRot="1" noChangeAspect="1" noMove="1" noResize="1" noEditPoints="1" noAdjustHandles="1" noChangeArrowheads="1" noChangeShapeType="1" noTextEdit="1"/>
-              </p:cNvSpPr>
-              <p:nvPr/>
-            </p:nvSpPr>
-            <p:spPr>
-              <a:xfrm>
-                <a:off x="4114380" y="3031361"/>
-                <a:ext cx="370038" cy="369332"/>
-              </a:xfrm>
-              <a:prstGeom prst="rect">
-                <a:avLst/>
-              </a:prstGeom>
-              <a:blipFill>
-                <a:blip r:embed="rId2"/>
-                <a:stretch>
-                  <a:fillRect/>
-                </a:stretch>
-              </a:blipFill>
-            </p:spPr>
-            <p:txBody>
-              <a:bodyPr/>
-              <a:lstStyle/>
-              <a:p>
-                <a:r>
-                  <a:rPr lang="de-DE">
-                    <a:noFill/>
-                  </a:rPr>
-                  <a:t> </a:t>
-                </a:r>
-              </a:p>
-            </p:txBody>
-          </p:sp>
-        </mc:Fallback>
-      </mc:AlternateContent>
-      <mc:AlternateContent xmlns:mc="http://schemas.openxmlformats.org/markup-compatibility/2006">
-        <mc:Choice xmlns:a14="http://schemas.microsoft.com/office/drawing/2010/main" Requires="a14">
-          <p:sp>
-            <p:nvSpPr>
-              <p:cNvPr id="33" name="Textfeld 32">
-                <a:extLst>
-                  <a:ext uri="{FF2B5EF4-FFF2-40B4-BE49-F238E27FC236}">
-                    <a16:creationId xmlns:a16="http://schemas.microsoft.com/office/drawing/2014/main" id="{ABE3D4DA-69BA-4EB1-B99F-422534952D37}"/>
-                  </a:ext>
-                </a:extLst>
-              </p:cNvPr>
-              <p:cNvSpPr txBox="1"/>
-              <p:nvPr/>
-            </p:nvSpPr>
-            <p:spPr>
-              <a:xfrm>
-                <a:off x="6111912" y="3028138"/>
-                <a:ext cx="370038" cy="369332"/>
-              </a:xfrm>
-              <a:prstGeom prst="rect">
-                <a:avLst/>
-              </a:prstGeom>
-              <a:noFill/>
-            </p:spPr>
-            <p:txBody>
-              <a:bodyPr wrap="none" rtlCol="0">
-                <a:spAutoFit/>
-              </a:bodyPr>
-              <a:lstStyle/>
-              <a:p>
-                <a:pPr/>
-                <a14:m>
-                  <m:oMathPara xmlns:m="http://schemas.openxmlformats.org/officeDocument/2006/math">
-                    <m:oMathParaPr>
-                      <m:jc m:val="centerGroup"/>
-                    </m:oMathParaPr>
-                    <m:oMath xmlns:m="http://schemas.openxmlformats.org/officeDocument/2006/math">
-                      <m:r>
-                        <a:rPr lang="de-DE" i="1" dirty="0">
-                          <a:solidFill>
-                            <a:srgbClr val="92D050"/>
-                          </a:solidFill>
-                          <a:latin typeface="Cambria Math" panose="02040503050406030204" pitchFamily="18" charset="0"/>
-                        </a:rPr>
-                        <m:t>𝛿</m:t>
-                      </m:r>
-                    </m:oMath>
-                  </m:oMathPara>
-                </a14:m>
-                <a:endParaRPr lang="de-DE" dirty="0"/>
-              </a:p>
-            </p:txBody>
-          </p:sp>
-        </mc:Choice>
-        <mc:Fallback>
-          <p:sp>
-            <p:nvSpPr>
-              <p:cNvPr id="33" name="Textfeld 32">
-                <a:extLst>
-                  <a:ext uri="{FF2B5EF4-FFF2-40B4-BE49-F238E27FC236}">
-                    <a16:creationId xmlns:a16="http://schemas.microsoft.com/office/drawing/2014/main" id="{ABE3D4DA-69BA-4EB1-B99F-422534952D37}"/>
-                  </a:ext>
-                </a:extLst>
-              </p:cNvPr>
-              <p:cNvSpPr txBox="1">
-                <a:spLocks noRot="1" noChangeAspect="1" noMove="1" noResize="1" noEditPoints="1" noAdjustHandles="1" noChangeArrowheads="1" noChangeShapeType="1" noTextEdit="1"/>
-              </p:cNvSpPr>
-              <p:nvPr/>
-            </p:nvSpPr>
-            <p:spPr>
-              <a:xfrm>
-                <a:off x="6111912" y="3028138"/>
-                <a:ext cx="370038" cy="369332"/>
-              </a:xfrm>
-              <a:prstGeom prst="rect">
-                <a:avLst/>
-              </a:prstGeom>
-              <a:blipFill>
-                <a:blip r:embed="rId3"/>
-                <a:stretch>
-                  <a:fillRect/>
-                </a:stretch>
-              </a:blipFill>
-            </p:spPr>
-            <p:txBody>
-              <a:bodyPr/>
-              <a:lstStyle/>
-              <a:p>
-                <a:r>
-                  <a:rPr lang="de-DE">
-                    <a:noFill/>
-                  </a:rPr>
-                  <a:t> </a:t>
-                </a:r>
-              </a:p>
-            </p:txBody>
-          </p:sp>
-        </mc:Fallback>
-      </mc:AlternateContent>
-      <mc:AlternateContent xmlns:mc="http://schemas.openxmlformats.org/markup-compatibility/2006">
-        <mc:Choice xmlns:a14="http://schemas.microsoft.com/office/drawing/2010/main" Requires="a14">
-          <p:sp>
-            <p:nvSpPr>
-              <p:cNvPr id="34" name="Textfeld 33">
-                <a:extLst>
-                  <a:ext uri="{FF2B5EF4-FFF2-40B4-BE49-F238E27FC236}">
-                    <a16:creationId xmlns:a16="http://schemas.microsoft.com/office/drawing/2014/main" id="{6C275A8F-4EFE-49A8-B522-500D330B7862}"/>
-                  </a:ext>
-                </a:extLst>
-              </p:cNvPr>
-              <p:cNvSpPr txBox="1"/>
-              <p:nvPr/>
-            </p:nvSpPr>
-            <p:spPr>
-              <a:xfrm>
-                <a:off x="8205391" y="3000171"/>
-                <a:ext cx="370038" cy="369332"/>
-              </a:xfrm>
-              <a:prstGeom prst="rect">
-                <a:avLst/>
-              </a:prstGeom>
-              <a:noFill/>
-            </p:spPr>
-            <p:txBody>
-              <a:bodyPr wrap="none" rtlCol="0">
-                <a:spAutoFit/>
-              </a:bodyPr>
-              <a:lstStyle/>
-              <a:p>
-                <a:pPr/>
-                <a14:m>
-                  <m:oMathPara xmlns:m="http://schemas.openxmlformats.org/officeDocument/2006/math">
-                    <m:oMathParaPr>
-                      <m:jc m:val="centerGroup"/>
-                    </m:oMathParaPr>
-                    <m:oMath xmlns:m="http://schemas.openxmlformats.org/officeDocument/2006/math">
-                      <m:r>
-                        <a:rPr lang="de-DE" i="1" dirty="0">
-                          <a:solidFill>
-                            <a:srgbClr val="92D050"/>
-                          </a:solidFill>
-                          <a:latin typeface="Cambria Math" panose="02040503050406030204" pitchFamily="18" charset="0"/>
-                        </a:rPr>
-                        <m:t>𝛿</m:t>
-                      </m:r>
-                    </m:oMath>
-                  </m:oMathPara>
-                </a14:m>
-                <a:endParaRPr lang="de-DE" dirty="0"/>
-              </a:p>
-            </p:txBody>
-          </p:sp>
-        </mc:Choice>
-        <mc:Fallback>
-          <p:sp>
-            <p:nvSpPr>
-              <p:cNvPr id="34" name="Textfeld 33">
-                <a:extLst>
-                  <a:ext uri="{FF2B5EF4-FFF2-40B4-BE49-F238E27FC236}">
-                    <a16:creationId xmlns:a16="http://schemas.microsoft.com/office/drawing/2014/main" id="{6C275A8F-4EFE-49A8-B522-500D330B7862}"/>
-                  </a:ext>
-                </a:extLst>
-              </p:cNvPr>
-              <p:cNvSpPr txBox="1">
-                <a:spLocks noRot="1" noChangeAspect="1" noMove="1" noResize="1" noEditPoints="1" noAdjustHandles="1" noChangeArrowheads="1" noChangeShapeType="1" noTextEdit="1"/>
-              </p:cNvSpPr>
-              <p:nvPr/>
-            </p:nvSpPr>
-            <p:spPr>
-              <a:xfrm>
-                <a:off x="8205391" y="3000171"/>
-                <a:ext cx="370038" cy="369332"/>
-              </a:xfrm>
-              <a:prstGeom prst="rect">
-                <a:avLst/>
-              </a:prstGeom>
-              <a:blipFill>
-                <a:blip r:embed="rId4"/>
-                <a:stretch>
-                  <a:fillRect/>
-                </a:stretch>
-              </a:blipFill>
-            </p:spPr>
-            <p:txBody>
-              <a:bodyPr/>
-              <a:lstStyle/>
-              <a:p>
-                <a:r>
-                  <a:rPr lang="de-DE">
-                    <a:noFill/>
-                  </a:rPr>
-                  <a:t> </a:t>
-                </a:r>
-              </a:p>
-            </p:txBody>
-          </p:sp>
-        </mc:Fallback>
-      </mc:AlternateContent>
-      <p:cxnSp>
-        <p:nvCxnSpPr>
-          <p:cNvPr id="35" name="Gerade Verbindung mit Pfeil 34">
-            <a:extLst>
-              <a:ext uri="{FF2B5EF4-FFF2-40B4-BE49-F238E27FC236}">
-                <a16:creationId xmlns:a16="http://schemas.microsoft.com/office/drawing/2014/main" id="{A7996328-85B6-4A74-B16C-AF7447B7F375}"/>
-              </a:ext>
-            </a:extLst>
-          </p:cNvPr>
-          <p:cNvCxnSpPr>
-            <a:cxnSpLocks/>
-          </p:cNvCxnSpPr>
-          <p:nvPr/>
-        </p:nvCxnSpPr>
-        <p:spPr>
-          <a:xfrm>
-            <a:off x="5716528" y="3048347"/>
-            <a:ext cx="1222494" cy="9101"/>
-          </a:xfrm>
-          <a:prstGeom prst="straightConnector1">
-            <a:avLst/>
-          </a:prstGeom>
-          <a:ln>
-            <a:tailEnd type="triangle"/>
-          </a:ln>
-        </p:spPr>
-        <p:style>
-          <a:lnRef idx="1">
-            <a:schemeClr val="accent1"/>
-          </a:lnRef>
-          <a:fillRef idx="0">
-            <a:schemeClr val="accent1"/>
-          </a:fillRef>
-          <a:effectRef idx="0">
-            <a:schemeClr val="accent1"/>
-          </a:effectRef>
-          <a:fontRef idx="minor">
-            <a:schemeClr val="tx1"/>
-          </a:fontRef>
-        </p:style>
-      </p:cxnSp>
-      <p:cxnSp>
-        <p:nvCxnSpPr>
-          <p:cNvPr id="36" name="Gerade Verbindung mit Pfeil 35">
-            <a:extLst>
-              <a:ext uri="{FF2B5EF4-FFF2-40B4-BE49-F238E27FC236}">
-                <a16:creationId xmlns:a16="http://schemas.microsoft.com/office/drawing/2014/main" id="{18134B1D-203B-46FE-907B-F77EAA9DE73A}"/>
-              </a:ext>
-            </a:extLst>
-          </p:cNvPr>
-          <p:cNvCxnSpPr>
-            <a:cxnSpLocks/>
-            <a:stCxn id="29" idx="3"/>
-            <a:endCxn id="30" idx="1"/>
-          </p:cNvCxnSpPr>
-          <p:nvPr/>
-        </p:nvCxnSpPr>
-        <p:spPr>
-          <a:xfrm>
-            <a:off x="7755777" y="3057448"/>
-            <a:ext cx="1201795" cy="0"/>
-          </a:xfrm>
-          <a:prstGeom prst="straightConnector1">
-            <a:avLst/>
-          </a:prstGeom>
-          <a:ln>
-            <a:tailEnd type="triangle"/>
-          </a:ln>
-        </p:spPr>
-        <p:style>
-          <a:lnRef idx="1">
-            <a:schemeClr val="accent1"/>
-          </a:lnRef>
-          <a:fillRef idx="0">
-            <a:schemeClr val="accent1"/>
-          </a:fillRef>
-          <a:effectRef idx="0">
-            <a:schemeClr val="accent1"/>
-          </a:effectRef>
-          <a:fontRef idx="minor">
-            <a:schemeClr val="tx1"/>
-          </a:fontRef>
-        </p:style>
-      </p:cxnSp>
-      <p:sp>
-        <p:nvSpPr>
-          <p:cNvPr id="37" name="Rechteck 36">
-            <a:extLst>
-              <a:ext uri="{FF2B5EF4-FFF2-40B4-BE49-F238E27FC236}">
-                <a16:creationId xmlns:a16="http://schemas.microsoft.com/office/drawing/2014/main" id="{7DDD573D-59D6-4EDD-AA67-3C04BABFE1A3}"/>
-              </a:ext>
-            </a:extLst>
-          </p:cNvPr>
-          <p:cNvSpPr/>
-          <p:nvPr/>
-        </p:nvSpPr>
-        <p:spPr>
-          <a:xfrm>
-            <a:off x="2916269" y="4186779"/>
-            <a:ext cx="807868" cy="648069"/>
-          </a:xfrm>
-          <a:prstGeom prst="rect">
-            <a:avLst/>
-          </a:prstGeom>
-        </p:spPr>
-        <p:style>
-          <a:lnRef idx="2">
-            <a:schemeClr val="accent1">
-              <a:shade val="50000"/>
-            </a:schemeClr>
-          </a:lnRef>
-          <a:fillRef idx="1">
-            <a:schemeClr val="accent1"/>
-          </a:fillRef>
-          <a:effectRef idx="0">
-            <a:schemeClr val="accent1"/>
-          </a:effectRef>
-          <a:fontRef idx="minor">
-            <a:schemeClr val="lt1"/>
-          </a:fontRef>
-        </p:style>
-        <p:txBody>
-          <a:bodyPr rtlCol="0" anchor="ctr"/>
-          <a:lstStyle/>
-          <a:p>
-            <a:pPr algn="ctr"/>
-            <a:r>
-              <a:rPr lang="en-GB" dirty="0"/>
-              <a:t>e</a:t>
-            </a:r>
-            <a:endParaRPr lang="de-DE" dirty="0"/>
-          </a:p>
-        </p:txBody>
-      </p:sp>
-      <p:sp>
-        <p:nvSpPr>
-          <p:cNvPr id="38" name="Rechteck 37">
-            <a:extLst>
-              <a:ext uri="{FF2B5EF4-FFF2-40B4-BE49-F238E27FC236}">
-                <a16:creationId xmlns:a16="http://schemas.microsoft.com/office/drawing/2014/main" id="{FDBA9353-8857-4668-97C5-509DAB92AEBC}"/>
-              </a:ext>
-            </a:extLst>
-          </p:cNvPr>
-          <p:cNvSpPr/>
-          <p:nvPr/>
-        </p:nvSpPr>
-        <p:spPr>
-          <a:xfrm>
-            <a:off x="4908660" y="4186774"/>
-            <a:ext cx="807868" cy="648069"/>
-          </a:xfrm>
-          <a:prstGeom prst="rect">
-            <a:avLst/>
-          </a:prstGeom>
-        </p:spPr>
-        <p:style>
-          <a:lnRef idx="2">
-            <a:schemeClr val="accent1">
-              <a:shade val="50000"/>
-            </a:schemeClr>
-          </a:lnRef>
-          <a:fillRef idx="1">
-            <a:schemeClr val="accent1"/>
-          </a:fillRef>
-          <a:effectRef idx="0">
-            <a:schemeClr val="accent1"/>
-          </a:effectRef>
-          <a:fontRef idx="minor">
-            <a:schemeClr val="lt1"/>
-          </a:fontRef>
-        </p:style>
-        <p:txBody>
-          <a:bodyPr rtlCol="0" anchor="ctr"/>
-          <a:lstStyle/>
-          <a:p>
-            <a:pPr algn="ctr"/>
-            <a:r>
-              <a:rPr lang="en-GB" dirty="0"/>
-              <a:t>f</a:t>
-            </a:r>
-            <a:endParaRPr lang="de-DE" dirty="0"/>
-          </a:p>
-        </p:txBody>
-      </p:sp>
-      <p:sp>
-        <p:nvSpPr>
-          <p:cNvPr id="39" name="Rechteck 38">
-            <a:extLst>
-              <a:ext uri="{FF2B5EF4-FFF2-40B4-BE49-F238E27FC236}">
-                <a16:creationId xmlns:a16="http://schemas.microsoft.com/office/drawing/2014/main" id="{EAC7DB9E-51A6-4556-B783-BE2C2384FCC3}"/>
-              </a:ext>
-            </a:extLst>
-          </p:cNvPr>
-          <p:cNvSpPr/>
-          <p:nvPr/>
-        </p:nvSpPr>
-        <p:spPr>
-          <a:xfrm>
-            <a:off x="6947909" y="4175451"/>
-            <a:ext cx="807868" cy="648069"/>
-          </a:xfrm>
-          <a:prstGeom prst="rect">
-            <a:avLst/>
-          </a:prstGeom>
-        </p:spPr>
-        <p:style>
-          <a:lnRef idx="2">
-            <a:schemeClr val="accent1">
-              <a:shade val="50000"/>
-            </a:schemeClr>
-          </a:lnRef>
-          <a:fillRef idx="1">
-            <a:schemeClr val="accent1"/>
-          </a:fillRef>
-          <a:effectRef idx="0">
-            <a:schemeClr val="accent1"/>
-          </a:effectRef>
-          <a:fontRef idx="minor">
-            <a:schemeClr val="lt1"/>
-          </a:fontRef>
-        </p:style>
-        <p:txBody>
-          <a:bodyPr rtlCol="0" anchor="ctr"/>
-          <a:lstStyle/>
-          <a:p>
-            <a:pPr algn="ctr"/>
-            <a:r>
-              <a:rPr lang="en-GB" dirty="0"/>
-              <a:t>g</a:t>
-            </a:r>
-            <a:endParaRPr lang="de-DE" dirty="0"/>
-          </a:p>
-        </p:txBody>
-      </p:sp>
-      <p:cxnSp>
-        <p:nvCxnSpPr>
-          <p:cNvPr id="40" name="Gerade Verbindung mit Pfeil 39">
-            <a:extLst>
-              <a:ext uri="{FF2B5EF4-FFF2-40B4-BE49-F238E27FC236}">
-                <a16:creationId xmlns:a16="http://schemas.microsoft.com/office/drawing/2014/main" id="{B3E2B50B-21CF-45DE-80FA-9FC4CB8CEF72}"/>
-              </a:ext>
-            </a:extLst>
-          </p:cNvPr>
-          <p:cNvCxnSpPr>
-            <a:cxnSpLocks/>
-            <a:stCxn id="37" idx="3"/>
-          </p:cNvCxnSpPr>
-          <p:nvPr/>
-        </p:nvCxnSpPr>
-        <p:spPr>
-          <a:xfrm>
-            <a:off x="3724137" y="4510814"/>
-            <a:ext cx="1191693" cy="0"/>
-          </a:xfrm>
-          <a:prstGeom prst="straightConnector1">
-            <a:avLst/>
-          </a:prstGeom>
-          <a:ln>
-            <a:tailEnd type="triangle"/>
-          </a:ln>
-        </p:spPr>
-        <p:style>
-          <a:lnRef idx="1">
-            <a:schemeClr val="accent1"/>
-          </a:lnRef>
-          <a:fillRef idx="0">
-            <a:schemeClr val="accent1"/>
-          </a:fillRef>
-          <a:effectRef idx="0">
-            <a:schemeClr val="accent1"/>
-          </a:effectRef>
-          <a:fontRef idx="minor">
-            <a:schemeClr val="tx1"/>
-          </a:fontRef>
-        </p:style>
-      </p:cxnSp>
-      <p:cxnSp>
-        <p:nvCxnSpPr>
-          <p:cNvPr id="43" name="Gerade Verbindung mit Pfeil 42">
-            <a:extLst>
-              <a:ext uri="{FF2B5EF4-FFF2-40B4-BE49-F238E27FC236}">
-                <a16:creationId xmlns:a16="http://schemas.microsoft.com/office/drawing/2014/main" id="{A79994AD-43C7-4F32-A097-3D5B12D0EBFC}"/>
-              </a:ext>
-            </a:extLst>
-          </p:cNvPr>
-          <p:cNvCxnSpPr>
-            <a:cxnSpLocks/>
-          </p:cNvCxnSpPr>
-          <p:nvPr/>
-        </p:nvCxnSpPr>
-        <p:spPr>
-          <a:xfrm>
-            <a:off x="5726698" y="4492559"/>
-            <a:ext cx="1222494" cy="9101"/>
-          </a:xfrm>
-          <a:prstGeom prst="straightConnector1">
-            <a:avLst/>
-          </a:prstGeom>
-          <a:ln>
-            <a:tailEnd type="triangle"/>
-          </a:ln>
-        </p:spPr>
-        <p:style>
-          <a:lnRef idx="1">
-            <a:schemeClr val="accent1"/>
-          </a:lnRef>
-          <a:fillRef idx="0">
-            <a:schemeClr val="accent1"/>
-          </a:fillRef>
-          <a:effectRef idx="0">
-            <a:schemeClr val="accent1"/>
-          </a:effectRef>
-          <a:fontRef idx="minor">
-            <a:schemeClr val="tx1"/>
-          </a:fontRef>
-        </p:style>
-      </p:cxnSp>
-      <mc:AlternateContent xmlns:mc="http://schemas.openxmlformats.org/markup-compatibility/2006">
-        <mc:Choice xmlns:a14="http://schemas.microsoft.com/office/drawing/2010/main" Requires="a14">
-          <p:sp>
-            <p:nvSpPr>
-              <p:cNvPr id="44" name="Textfeld 43">
-                <a:extLst>
-                  <a:ext uri="{FF2B5EF4-FFF2-40B4-BE49-F238E27FC236}">
-                    <a16:creationId xmlns:a16="http://schemas.microsoft.com/office/drawing/2014/main" id="{27A63349-E50B-478F-B13C-CF197C3156CD}"/>
-                  </a:ext>
-                </a:extLst>
-              </p:cNvPr>
-              <p:cNvSpPr txBox="1"/>
-              <p:nvPr/>
-            </p:nvSpPr>
-            <p:spPr>
-              <a:xfrm>
-                <a:off x="3971109" y="2714656"/>
-                <a:ext cx="607859" cy="369332"/>
-              </a:xfrm>
-              <a:prstGeom prst="rect">
-                <a:avLst/>
-              </a:prstGeom>
-              <a:noFill/>
-            </p:spPr>
-            <p:txBody>
-              <a:bodyPr wrap="none" rtlCol="0">
-                <a:spAutoFit/>
-              </a:bodyPr>
-              <a:lstStyle/>
-              <a:p>
-                <a:pPr/>
-                <a14:m>
-                  <m:oMathPara xmlns:m="http://schemas.openxmlformats.org/officeDocument/2006/math">
-                    <m:oMathParaPr>
-                      <m:jc m:val="centerGroup"/>
-                    </m:oMathParaPr>
-                    <m:oMath xmlns:m="http://schemas.openxmlformats.org/officeDocument/2006/math">
-                      <m:r>
-                        <a:rPr lang="en-GB" b="0" i="1" dirty="0" smtClean="0">
-                          <a:solidFill>
-                            <a:srgbClr val="FF0000"/>
-                          </a:solidFill>
-                          <a:latin typeface="Cambria Math" panose="02040503050406030204" pitchFamily="18" charset="0"/>
-                        </a:rPr>
-                        <m:t>0</m:t>
-                      </m:r>
-                      <m:r>
-                        <a:rPr lang="en-GB" b="0" i="1" dirty="0" smtClean="0">
-                          <a:solidFill>
-                            <a:schemeClr val="tx1"/>
-                          </a:solidFill>
-                          <a:latin typeface="Cambria Math" panose="02040503050406030204" pitchFamily="18" charset="0"/>
-                        </a:rPr>
-                        <m:t>/</m:t>
-                      </m:r>
-                      <m:r>
-                        <a:rPr lang="en-GB" b="0" i="1" dirty="0" smtClean="0">
-                          <a:solidFill>
-                            <a:srgbClr val="7030A0"/>
-                          </a:solidFill>
-                          <a:latin typeface="Cambria Math" panose="02040503050406030204" pitchFamily="18" charset="0"/>
-                        </a:rPr>
-                        <m:t>3</m:t>
-                      </m:r>
-                    </m:oMath>
-                  </m:oMathPara>
-                </a14:m>
-                <a:endParaRPr lang="de-DE" dirty="0"/>
-              </a:p>
-            </p:txBody>
-          </p:sp>
-        </mc:Choice>
-        <mc:Fallback>
-          <p:sp>
-            <p:nvSpPr>
-              <p:cNvPr id="44" name="Textfeld 43">
-                <a:extLst>
-                  <a:ext uri="{FF2B5EF4-FFF2-40B4-BE49-F238E27FC236}">
-                    <a16:creationId xmlns:a16="http://schemas.microsoft.com/office/drawing/2014/main" id="{27A63349-E50B-478F-B13C-CF197C3156CD}"/>
-                  </a:ext>
-                </a:extLst>
-              </p:cNvPr>
-              <p:cNvSpPr txBox="1">
-                <a:spLocks noRot="1" noChangeAspect="1" noMove="1" noResize="1" noEditPoints="1" noAdjustHandles="1" noChangeArrowheads="1" noChangeShapeType="1" noTextEdit="1"/>
-              </p:cNvSpPr>
-              <p:nvPr/>
-            </p:nvSpPr>
-            <p:spPr>
-              <a:xfrm>
-                <a:off x="3971109" y="2714656"/>
-                <a:ext cx="607859" cy="369332"/>
-              </a:xfrm>
-              <a:prstGeom prst="rect">
-                <a:avLst/>
-              </a:prstGeom>
-              <a:blipFill>
-                <a:blip r:embed="rId5"/>
-                <a:stretch>
-                  <a:fillRect b="-13115"/>
-                </a:stretch>
-              </a:blipFill>
-            </p:spPr>
-            <p:txBody>
-              <a:bodyPr/>
-              <a:lstStyle/>
-              <a:p>
-                <a:r>
-                  <a:rPr lang="de-DE">
-                    <a:noFill/>
-                  </a:rPr>
-                  <a:t> </a:t>
-                </a:r>
-              </a:p>
-            </p:txBody>
-          </p:sp>
-        </mc:Fallback>
-      </mc:AlternateContent>
-      <mc:AlternateContent xmlns:mc="http://schemas.openxmlformats.org/markup-compatibility/2006">
-        <mc:Choice xmlns:a14="http://schemas.microsoft.com/office/drawing/2010/main" Requires="a14">
-          <p:sp>
-            <p:nvSpPr>
-              <p:cNvPr id="45" name="Textfeld 44">
-                <a:extLst>
-                  <a:ext uri="{FF2B5EF4-FFF2-40B4-BE49-F238E27FC236}">
-                    <a16:creationId xmlns:a16="http://schemas.microsoft.com/office/drawing/2014/main" id="{8A0ED4D7-6895-445B-AE66-F6306F3A538A}"/>
-                  </a:ext>
-                </a:extLst>
-              </p:cNvPr>
-              <p:cNvSpPr txBox="1"/>
-              <p:nvPr/>
-            </p:nvSpPr>
-            <p:spPr>
-              <a:xfrm>
-                <a:off x="8078009" y="2694104"/>
-                <a:ext cx="607859" cy="369332"/>
-              </a:xfrm>
-              <a:prstGeom prst="rect">
-                <a:avLst/>
-              </a:prstGeom>
-              <a:noFill/>
-            </p:spPr>
-            <p:txBody>
-              <a:bodyPr wrap="none" rtlCol="0">
-                <a:spAutoFit/>
-              </a:bodyPr>
-              <a:lstStyle/>
-              <a:p>
-                <a:pPr/>
-                <a14:m>
-                  <m:oMathPara xmlns:m="http://schemas.openxmlformats.org/officeDocument/2006/math">
-                    <m:oMathParaPr>
-                      <m:jc m:val="centerGroup"/>
-                    </m:oMathParaPr>
-                    <m:oMath xmlns:m="http://schemas.openxmlformats.org/officeDocument/2006/math">
-                      <m:r>
-                        <a:rPr lang="en-GB" b="0" i="1" dirty="0" smtClean="0">
-                          <a:solidFill>
-                            <a:srgbClr val="FF0000"/>
-                          </a:solidFill>
-                          <a:latin typeface="Cambria Math" panose="02040503050406030204" pitchFamily="18" charset="0"/>
-                        </a:rPr>
-                        <m:t>0</m:t>
-                      </m:r>
-                      <m:r>
-                        <a:rPr lang="en-GB" i="1" dirty="0">
-                          <a:latin typeface="Cambria Math" panose="02040503050406030204" pitchFamily="18" charset="0"/>
-                        </a:rPr>
-                        <m:t>/</m:t>
-                      </m:r>
-                      <m:r>
-                        <a:rPr lang="en-GB" i="1" dirty="0">
-                          <a:solidFill>
-                            <a:srgbClr val="7030A0"/>
-                          </a:solidFill>
-                          <a:latin typeface="Cambria Math" panose="02040503050406030204" pitchFamily="18" charset="0"/>
-                        </a:rPr>
-                        <m:t>3</m:t>
-                      </m:r>
-                    </m:oMath>
-                  </m:oMathPara>
-                </a14:m>
-                <a:endParaRPr lang="de-DE" dirty="0"/>
-              </a:p>
-            </p:txBody>
-          </p:sp>
-        </mc:Choice>
-        <mc:Fallback>
-          <p:sp>
-            <p:nvSpPr>
-              <p:cNvPr id="45" name="Textfeld 44">
-                <a:extLst>
-                  <a:ext uri="{FF2B5EF4-FFF2-40B4-BE49-F238E27FC236}">
-                    <a16:creationId xmlns:a16="http://schemas.microsoft.com/office/drawing/2014/main" id="{8A0ED4D7-6895-445B-AE66-F6306F3A538A}"/>
-                  </a:ext>
-                </a:extLst>
-              </p:cNvPr>
-              <p:cNvSpPr txBox="1">
-                <a:spLocks noRot="1" noChangeAspect="1" noMove="1" noResize="1" noEditPoints="1" noAdjustHandles="1" noChangeArrowheads="1" noChangeShapeType="1" noTextEdit="1"/>
-              </p:cNvSpPr>
-              <p:nvPr/>
-            </p:nvSpPr>
-            <p:spPr>
-              <a:xfrm>
-                <a:off x="8078009" y="2694104"/>
-                <a:ext cx="607859" cy="369332"/>
-              </a:xfrm>
-              <a:prstGeom prst="rect">
-                <a:avLst/>
-              </a:prstGeom>
-              <a:blipFill>
-                <a:blip r:embed="rId6"/>
-                <a:stretch>
-                  <a:fillRect b="-11475"/>
-                </a:stretch>
-              </a:blipFill>
-            </p:spPr>
-            <p:txBody>
-              <a:bodyPr/>
-              <a:lstStyle/>
-              <a:p>
-                <a:r>
-                  <a:rPr lang="de-DE">
-                    <a:noFill/>
-                  </a:rPr>
-                  <a:t> </a:t>
-                </a:r>
-              </a:p>
-            </p:txBody>
-          </p:sp>
-        </mc:Fallback>
-      </mc:AlternateContent>
-      <mc:AlternateContent xmlns:mc="http://schemas.openxmlformats.org/markup-compatibility/2006">
-        <mc:Choice xmlns:a14="http://schemas.microsoft.com/office/drawing/2010/main" Requires="a14">
-          <p:sp>
-            <p:nvSpPr>
-              <p:cNvPr id="46" name="Textfeld 45">
-                <a:extLst>
-                  <a:ext uri="{FF2B5EF4-FFF2-40B4-BE49-F238E27FC236}">
-                    <a16:creationId xmlns:a16="http://schemas.microsoft.com/office/drawing/2014/main" id="{D4B63FA0-DEE1-4D98-86AA-A79CFB5F3BFD}"/>
-                  </a:ext>
-                </a:extLst>
-              </p:cNvPr>
-              <p:cNvSpPr txBox="1"/>
-              <p:nvPr/>
-            </p:nvSpPr>
-            <p:spPr>
-              <a:xfrm>
-                <a:off x="6021885" y="2686517"/>
-                <a:ext cx="607859" cy="369332"/>
-              </a:xfrm>
-              <a:prstGeom prst="rect">
-                <a:avLst/>
-              </a:prstGeom>
-              <a:noFill/>
-            </p:spPr>
-            <p:txBody>
-              <a:bodyPr wrap="none" rtlCol="0">
-                <a:spAutoFit/>
-              </a:bodyPr>
-              <a:lstStyle/>
-              <a:p>
-                <a:pPr/>
-                <a14:m>
-                  <m:oMathPara xmlns:m="http://schemas.openxmlformats.org/officeDocument/2006/math">
-                    <m:oMathParaPr>
-                      <m:jc m:val="centerGroup"/>
-                    </m:oMathParaPr>
-                    <m:oMath xmlns:m="http://schemas.openxmlformats.org/officeDocument/2006/math">
-                      <m:r>
-                        <a:rPr lang="en-GB" i="1" dirty="0">
-                          <a:solidFill>
-                            <a:srgbClr val="FF0000"/>
-                          </a:solidFill>
-                          <a:latin typeface="Cambria Math" panose="02040503050406030204" pitchFamily="18" charset="0"/>
-                        </a:rPr>
-                        <m:t>0</m:t>
-                      </m:r>
-                      <m:r>
-                        <a:rPr lang="en-GB" i="1" dirty="0">
-                          <a:latin typeface="Cambria Math" panose="02040503050406030204" pitchFamily="18" charset="0"/>
-                        </a:rPr>
-                        <m:t>/</m:t>
-                      </m:r>
-                      <m:r>
-                        <a:rPr lang="en-GB" i="1" dirty="0">
-                          <a:solidFill>
-                            <a:srgbClr val="7030A0"/>
-                          </a:solidFill>
-                          <a:latin typeface="Cambria Math" panose="02040503050406030204" pitchFamily="18" charset="0"/>
-                        </a:rPr>
-                        <m:t>3</m:t>
-                      </m:r>
-                    </m:oMath>
-                  </m:oMathPara>
-                </a14:m>
-                <a:endParaRPr lang="de-DE" dirty="0"/>
-              </a:p>
-            </p:txBody>
-          </p:sp>
-        </mc:Choice>
-        <mc:Fallback>
-          <p:sp>
-            <p:nvSpPr>
-              <p:cNvPr id="46" name="Textfeld 45">
-                <a:extLst>
-                  <a:ext uri="{FF2B5EF4-FFF2-40B4-BE49-F238E27FC236}">
-                    <a16:creationId xmlns:a16="http://schemas.microsoft.com/office/drawing/2014/main" id="{D4B63FA0-DEE1-4D98-86AA-A79CFB5F3BFD}"/>
-                  </a:ext>
-                </a:extLst>
-              </p:cNvPr>
-              <p:cNvSpPr txBox="1">
-                <a:spLocks noRot="1" noChangeAspect="1" noMove="1" noResize="1" noEditPoints="1" noAdjustHandles="1" noChangeArrowheads="1" noChangeShapeType="1" noTextEdit="1"/>
-              </p:cNvSpPr>
-              <p:nvPr/>
-            </p:nvSpPr>
-            <p:spPr>
-              <a:xfrm>
-                <a:off x="6021885" y="2686517"/>
-                <a:ext cx="607859" cy="369332"/>
-              </a:xfrm>
-              <a:prstGeom prst="rect">
-                <a:avLst/>
-              </a:prstGeom>
-              <a:blipFill>
-                <a:blip r:embed="rId7"/>
-                <a:stretch>
-                  <a:fillRect b="-13333"/>
-                </a:stretch>
-              </a:blipFill>
-            </p:spPr>
-            <p:txBody>
-              <a:bodyPr/>
-              <a:lstStyle/>
-              <a:p>
-                <a:r>
-                  <a:rPr lang="de-DE">
-                    <a:noFill/>
-                  </a:rPr>
-                  <a:t> </a:t>
-                </a:r>
-              </a:p>
-            </p:txBody>
-          </p:sp>
-        </mc:Fallback>
-      </mc:AlternateContent>
-      <mc:AlternateContent xmlns:mc="http://schemas.openxmlformats.org/markup-compatibility/2006">
-        <mc:Choice xmlns:a14="http://schemas.microsoft.com/office/drawing/2010/main" Requires="a14">
-          <p:sp>
-            <p:nvSpPr>
-              <p:cNvPr id="47" name="Textfeld 46">
-                <a:extLst>
-                  <a:ext uri="{FF2B5EF4-FFF2-40B4-BE49-F238E27FC236}">
-                    <a16:creationId xmlns:a16="http://schemas.microsoft.com/office/drawing/2014/main" id="{1FAEF104-137D-468E-A571-07FEFE64E43E}"/>
-                  </a:ext>
-                </a:extLst>
-              </p:cNvPr>
-              <p:cNvSpPr txBox="1"/>
-              <p:nvPr/>
-            </p:nvSpPr>
-            <p:spPr>
-              <a:xfrm>
-                <a:off x="3963118" y="4158957"/>
-                <a:ext cx="607859" cy="369332"/>
-              </a:xfrm>
-              <a:prstGeom prst="rect">
-                <a:avLst/>
-              </a:prstGeom>
-              <a:noFill/>
-            </p:spPr>
-            <p:txBody>
-              <a:bodyPr wrap="none" rtlCol="0">
-                <a:spAutoFit/>
-              </a:bodyPr>
-              <a:lstStyle/>
-              <a:p>
-                <a:pPr/>
-                <a14:m>
-                  <m:oMathPara xmlns:m="http://schemas.openxmlformats.org/officeDocument/2006/math">
-                    <m:oMathParaPr>
-                      <m:jc m:val="centerGroup"/>
-                    </m:oMathParaPr>
-                    <m:oMath xmlns:m="http://schemas.openxmlformats.org/officeDocument/2006/math">
-                      <m:r>
-                        <a:rPr lang="en-GB" i="1" dirty="0">
-                          <a:solidFill>
-                            <a:srgbClr val="FF0000"/>
-                          </a:solidFill>
-                          <a:latin typeface="Cambria Math" panose="02040503050406030204" pitchFamily="18" charset="0"/>
-                        </a:rPr>
-                        <m:t>3</m:t>
-                      </m:r>
-                      <m:r>
-                        <a:rPr lang="en-GB" b="0" i="1" dirty="0" smtClean="0">
-                          <a:solidFill>
-                            <a:schemeClr val="tx1"/>
-                          </a:solidFill>
-                          <a:latin typeface="Cambria Math" panose="02040503050406030204" pitchFamily="18" charset="0"/>
-                        </a:rPr>
-                        <m:t>/</m:t>
-                      </m:r>
-                      <m:r>
-                        <a:rPr lang="en-GB" b="0" i="1" dirty="0" smtClean="0">
-                          <a:solidFill>
-                            <a:srgbClr val="7030A0"/>
-                          </a:solidFill>
-                          <a:latin typeface="Cambria Math" panose="02040503050406030204" pitchFamily="18" charset="0"/>
-                        </a:rPr>
-                        <m:t>3</m:t>
-                      </m:r>
-                    </m:oMath>
-                  </m:oMathPara>
-                </a14:m>
-                <a:endParaRPr lang="de-DE" dirty="0"/>
-              </a:p>
-            </p:txBody>
-          </p:sp>
-        </mc:Choice>
-        <mc:Fallback>
-          <p:sp>
-            <p:nvSpPr>
-              <p:cNvPr id="47" name="Textfeld 46">
-                <a:extLst>
-                  <a:ext uri="{FF2B5EF4-FFF2-40B4-BE49-F238E27FC236}">
-                    <a16:creationId xmlns:a16="http://schemas.microsoft.com/office/drawing/2014/main" id="{1FAEF104-137D-468E-A571-07FEFE64E43E}"/>
-                  </a:ext>
-                </a:extLst>
-              </p:cNvPr>
-              <p:cNvSpPr txBox="1">
-                <a:spLocks noRot="1" noChangeAspect="1" noMove="1" noResize="1" noEditPoints="1" noAdjustHandles="1" noChangeArrowheads="1" noChangeShapeType="1" noTextEdit="1"/>
-              </p:cNvSpPr>
-              <p:nvPr/>
-            </p:nvSpPr>
-            <p:spPr>
-              <a:xfrm>
-                <a:off x="3963118" y="4158957"/>
-                <a:ext cx="607859" cy="369332"/>
-              </a:xfrm>
-              <a:prstGeom prst="rect">
-                <a:avLst/>
-              </a:prstGeom>
-              <a:blipFill>
-                <a:blip r:embed="rId8"/>
-                <a:stretch>
-                  <a:fillRect b="-13115"/>
-                </a:stretch>
-              </a:blipFill>
-            </p:spPr>
-            <p:txBody>
-              <a:bodyPr/>
-              <a:lstStyle/>
-              <a:p>
-                <a:r>
-                  <a:rPr lang="de-DE">
-                    <a:noFill/>
-                  </a:rPr>
-                  <a:t> </a:t>
-                </a:r>
-              </a:p>
-            </p:txBody>
-          </p:sp>
-        </mc:Fallback>
-      </mc:AlternateContent>
-      <mc:AlternateContent xmlns:mc="http://schemas.openxmlformats.org/markup-compatibility/2006">
-        <mc:Choice xmlns:a14="http://schemas.microsoft.com/office/drawing/2010/main" Requires="a14">
-          <p:sp>
-            <p:nvSpPr>
-              <p:cNvPr id="48" name="Textfeld 47">
-                <a:extLst>
-                  <a:ext uri="{FF2B5EF4-FFF2-40B4-BE49-F238E27FC236}">
-                    <a16:creationId xmlns:a16="http://schemas.microsoft.com/office/drawing/2014/main" id="{46081B15-B523-4CB3-AFDB-1DD950512697}"/>
-                  </a:ext>
-                </a:extLst>
-              </p:cNvPr>
-              <p:cNvSpPr txBox="1"/>
-              <p:nvPr/>
-            </p:nvSpPr>
-            <p:spPr>
-              <a:xfrm>
-                <a:off x="6058329" y="4132328"/>
-                <a:ext cx="607859" cy="369332"/>
-              </a:xfrm>
-              <a:prstGeom prst="rect">
-                <a:avLst/>
-              </a:prstGeom>
-              <a:noFill/>
-            </p:spPr>
-            <p:txBody>
-              <a:bodyPr wrap="none" rtlCol="0">
-                <a:spAutoFit/>
-              </a:bodyPr>
-              <a:lstStyle/>
-              <a:p>
-                <a:pPr/>
-                <a14:m>
-                  <m:oMathPara xmlns:m="http://schemas.openxmlformats.org/officeDocument/2006/math">
-                    <m:oMathParaPr>
-                      <m:jc m:val="centerGroup"/>
-                    </m:oMathParaPr>
-                    <m:oMath xmlns:m="http://schemas.openxmlformats.org/officeDocument/2006/math">
-                      <m:r>
-                        <a:rPr lang="en-GB" i="1" dirty="0">
-                          <a:solidFill>
-                            <a:srgbClr val="FF0000"/>
-                          </a:solidFill>
-                          <a:latin typeface="Cambria Math" panose="02040503050406030204" pitchFamily="18" charset="0"/>
-                        </a:rPr>
-                        <m:t>3</m:t>
-                      </m:r>
-                      <m:r>
-                        <a:rPr lang="en-GB" b="0" i="1" dirty="0" smtClean="0">
-                          <a:solidFill>
-                            <a:schemeClr val="tx1"/>
-                          </a:solidFill>
-                          <a:latin typeface="Cambria Math" panose="02040503050406030204" pitchFamily="18" charset="0"/>
-                        </a:rPr>
-                        <m:t>/</m:t>
-                      </m:r>
-                      <m:r>
-                        <a:rPr lang="en-GB" b="0" i="1" dirty="0" smtClean="0">
-                          <a:solidFill>
-                            <a:srgbClr val="7030A0"/>
-                          </a:solidFill>
-                          <a:latin typeface="Cambria Math" panose="02040503050406030204" pitchFamily="18" charset="0"/>
-                        </a:rPr>
-                        <m:t>4</m:t>
-                      </m:r>
-                    </m:oMath>
-                  </m:oMathPara>
-                </a14:m>
-                <a:endParaRPr lang="de-DE" dirty="0"/>
-              </a:p>
-            </p:txBody>
-          </p:sp>
-        </mc:Choice>
-        <mc:Fallback>
-          <p:sp>
-            <p:nvSpPr>
-              <p:cNvPr id="48" name="Textfeld 47">
-                <a:extLst>
-                  <a:ext uri="{FF2B5EF4-FFF2-40B4-BE49-F238E27FC236}">
-                    <a16:creationId xmlns:a16="http://schemas.microsoft.com/office/drawing/2014/main" id="{46081B15-B523-4CB3-AFDB-1DD950512697}"/>
-                  </a:ext>
-                </a:extLst>
-              </p:cNvPr>
-              <p:cNvSpPr txBox="1">
-                <a:spLocks noRot="1" noChangeAspect="1" noMove="1" noResize="1" noEditPoints="1" noAdjustHandles="1" noChangeArrowheads="1" noChangeShapeType="1" noTextEdit="1"/>
-              </p:cNvSpPr>
-              <p:nvPr/>
-            </p:nvSpPr>
-            <p:spPr>
-              <a:xfrm>
-                <a:off x="6058329" y="4132328"/>
-                <a:ext cx="607859" cy="369332"/>
-              </a:xfrm>
-              <a:prstGeom prst="rect">
-                <a:avLst/>
-              </a:prstGeom>
-              <a:blipFill>
-                <a:blip r:embed="rId9"/>
-                <a:stretch>
-                  <a:fillRect b="-13333"/>
-                </a:stretch>
-              </a:blipFill>
-            </p:spPr>
-            <p:txBody>
-              <a:bodyPr/>
-              <a:lstStyle/>
-              <a:p>
-                <a:r>
-                  <a:rPr lang="de-DE">
-                    <a:noFill/>
-                  </a:rPr>
-                  <a:t> </a:t>
-                </a:r>
-              </a:p>
-            </p:txBody>
-          </p:sp>
-        </mc:Fallback>
-      </mc:AlternateContent>
-      <mc:AlternateContent xmlns:mc="http://schemas.openxmlformats.org/markup-compatibility/2006">
-        <mc:Choice xmlns:a14="http://schemas.microsoft.com/office/drawing/2010/main" Requires="a14">
+      <mc:AlternateContent xmlns:mc="http://schemas.openxmlformats.org/markup-compatibility/2006" xmlns:a14="http://schemas.microsoft.com/office/drawing/2010/main">
+        <mc:Choice Requires="a14">
           <p:sp>
             <p:nvSpPr>
               <p:cNvPr id="49" name="Textfeld 48">
@@ -9992,7 +7575,7 @@
             </p:nvSpPr>
             <p:spPr>
               <a:xfrm>
-                <a:off x="5650438" y="4480763"/>
+                <a:off x="5687426" y="4456382"/>
                 <a:ext cx="1297471" cy="610936"/>
               </a:xfrm>
               <a:prstGeom prst="rect">
@@ -10101,7 +7684,7 @@
             </p:txBody>
           </p:sp>
         </mc:Choice>
-        <mc:Fallback>
+        <mc:Fallback xmlns="">
           <p:sp>
             <p:nvSpPr>
               <p:cNvPr id="49" name="Textfeld 48">
@@ -10118,14 +7701,14 @@
             </p:nvSpPr>
             <p:spPr>
               <a:xfrm>
-                <a:off x="5650438" y="4480763"/>
+                <a:off x="5687426" y="4456382"/>
                 <a:ext cx="1297471" cy="610936"/>
               </a:xfrm>
               <a:prstGeom prst="rect">
                 <a:avLst/>
               </a:prstGeom>
               <a:blipFill>
-                <a:blip r:embed="rId10"/>
+                <a:blip r:embed="rId2"/>
                 <a:stretch>
                   <a:fillRect/>
                 </a:stretch>
@@ -10146,14 +7729,256 @@
           </p:sp>
         </mc:Fallback>
       </mc:AlternateContent>
-      <mc:AlternateContent xmlns:mc="http://schemas.openxmlformats.org/markup-compatibility/2006">
-        <mc:Choice xmlns:a14="http://schemas.microsoft.com/office/drawing/2010/main" Requires="a14">
+      <p:sp>
+        <p:nvSpPr>
+          <p:cNvPr id="26" name="Rechteck 25">
+            <a:extLst>
+              <a:ext uri="{FF2B5EF4-FFF2-40B4-BE49-F238E27FC236}">
+                <a16:creationId xmlns:a16="http://schemas.microsoft.com/office/drawing/2014/main" id="{76EDC168-8719-4AB3-8329-C916F64B9A09}"/>
+              </a:ext>
+            </a:extLst>
+          </p:cNvPr>
+          <p:cNvSpPr/>
+          <p:nvPr/>
+        </p:nvSpPr>
+        <p:spPr>
+          <a:xfrm>
+            <a:off x="2916269" y="2735640"/>
+            <a:ext cx="807868" cy="648069"/>
+          </a:xfrm>
+          <a:prstGeom prst="rect">
+            <a:avLst/>
+          </a:prstGeom>
+        </p:spPr>
+        <p:style>
+          <a:lnRef idx="2">
+            <a:schemeClr val="accent1">
+              <a:shade val="50000"/>
+            </a:schemeClr>
+          </a:lnRef>
+          <a:fillRef idx="1">
+            <a:schemeClr val="accent1"/>
+          </a:fillRef>
+          <a:effectRef idx="0">
+            <a:schemeClr val="accent1"/>
+          </a:effectRef>
+          <a:fontRef idx="minor">
+            <a:schemeClr val="lt1"/>
+          </a:fontRef>
+        </p:style>
+        <p:txBody>
+          <a:bodyPr rtlCol="0" anchor="ctr"/>
+          <a:lstStyle/>
+          <a:p>
+            <a:pPr algn="ctr"/>
+            <a:r>
+              <a:rPr lang="en-GB" dirty="0"/>
+              <a:t>a</a:t>
+            </a:r>
+            <a:endParaRPr lang="de-DE" dirty="0"/>
+          </a:p>
+        </p:txBody>
+      </p:sp>
+      <p:sp>
+        <p:nvSpPr>
+          <p:cNvPr id="41" name="Rechteck 40">
+            <a:extLst>
+              <a:ext uri="{FF2B5EF4-FFF2-40B4-BE49-F238E27FC236}">
+                <a16:creationId xmlns:a16="http://schemas.microsoft.com/office/drawing/2014/main" id="{2F2CD3FB-B9CC-4455-878A-3FA22E7D629E}"/>
+              </a:ext>
+            </a:extLst>
+          </p:cNvPr>
+          <p:cNvSpPr/>
+          <p:nvPr/>
+        </p:nvSpPr>
+        <p:spPr>
+          <a:xfrm>
+            <a:off x="4908660" y="2735635"/>
+            <a:ext cx="807868" cy="648069"/>
+          </a:xfrm>
+          <a:prstGeom prst="rect">
+            <a:avLst/>
+          </a:prstGeom>
+        </p:spPr>
+        <p:style>
+          <a:lnRef idx="2">
+            <a:schemeClr val="accent1">
+              <a:shade val="50000"/>
+            </a:schemeClr>
+          </a:lnRef>
+          <a:fillRef idx="1">
+            <a:schemeClr val="accent1"/>
+          </a:fillRef>
+          <a:effectRef idx="0">
+            <a:schemeClr val="accent1"/>
+          </a:effectRef>
+          <a:fontRef idx="minor">
+            <a:schemeClr val="lt1"/>
+          </a:fontRef>
+        </p:style>
+        <p:txBody>
+          <a:bodyPr rtlCol="0" anchor="ctr"/>
+          <a:lstStyle/>
+          <a:p>
+            <a:pPr algn="ctr"/>
+            <a:r>
+              <a:rPr lang="en-GB" dirty="0"/>
+              <a:t>b</a:t>
+            </a:r>
+            <a:endParaRPr lang="de-DE" dirty="0"/>
+          </a:p>
+        </p:txBody>
+      </p:sp>
+      <p:sp>
+        <p:nvSpPr>
+          <p:cNvPr id="42" name="Rechteck 41">
+            <a:extLst>
+              <a:ext uri="{FF2B5EF4-FFF2-40B4-BE49-F238E27FC236}">
+                <a16:creationId xmlns:a16="http://schemas.microsoft.com/office/drawing/2014/main" id="{4A25B7D7-6235-4CFE-BB33-8DADFEC8BDF1}"/>
+              </a:ext>
+            </a:extLst>
+          </p:cNvPr>
+          <p:cNvSpPr/>
+          <p:nvPr/>
+        </p:nvSpPr>
+        <p:spPr>
+          <a:xfrm>
+            <a:off x="6947909" y="2733413"/>
+            <a:ext cx="807868" cy="648069"/>
+          </a:xfrm>
+          <a:prstGeom prst="rect">
+            <a:avLst/>
+          </a:prstGeom>
+        </p:spPr>
+        <p:style>
+          <a:lnRef idx="2">
+            <a:schemeClr val="accent1">
+              <a:shade val="50000"/>
+            </a:schemeClr>
+          </a:lnRef>
+          <a:fillRef idx="1">
+            <a:schemeClr val="accent1"/>
+          </a:fillRef>
+          <a:effectRef idx="0">
+            <a:schemeClr val="accent1"/>
+          </a:effectRef>
+          <a:fontRef idx="minor">
+            <a:schemeClr val="lt1"/>
+          </a:fontRef>
+        </p:style>
+        <p:txBody>
+          <a:bodyPr rtlCol="0" anchor="ctr"/>
+          <a:lstStyle/>
+          <a:p>
+            <a:pPr algn="ctr"/>
+            <a:r>
+              <a:rPr lang="en-GB" dirty="0"/>
+              <a:t>c</a:t>
+            </a:r>
+            <a:endParaRPr lang="de-DE" dirty="0"/>
+          </a:p>
+        </p:txBody>
+      </p:sp>
+      <p:sp>
+        <p:nvSpPr>
+          <p:cNvPr id="50" name="Rechteck 49">
+            <a:extLst>
+              <a:ext uri="{FF2B5EF4-FFF2-40B4-BE49-F238E27FC236}">
+                <a16:creationId xmlns:a16="http://schemas.microsoft.com/office/drawing/2014/main" id="{A8F7F010-FAB0-489A-83FB-60AEE6196C60}"/>
+              </a:ext>
+            </a:extLst>
+          </p:cNvPr>
+          <p:cNvSpPr/>
+          <p:nvPr/>
+        </p:nvSpPr>
+        <p:spPr>
+          <a:xfrm>
+            <a:off x="8957572" y="2733413"/>
+            <a:ext cx="807868" cy="648069"/>
+          </a:xfrm>
+          <a:prstGeom prst="rect">
+            <a:avLst/>
+          </a:prstGeom>
+        </p:spPr>
+        <p:style>
+          <a:lnRef idx="2">
+            <a:schemeClr val="accent1">
+              <a:shade val="50000"/>
+            </a:schemeClr>
+          </a:lnRef>
+          <a:fillRef idx="1">
+            <a:schemeClr val="accent1"/>
+          </a:fillRef>
+          <a:effectRef idx="0">
+            <a:schemeClr val="accent1"/>
+          </a:effectRef>
+          <a:fontRef idx="minor">
+            <a:schemeClr val="lt1"/>
+          </a:fontRef>
+        </p:style>
+        <p:txBody>
+          <a:bodyPr rtlCol="0" anchor="ctr"/>
+          <a:lstStyle/>
+          <a:p>
+            <a:pPr algn="ctr"/>
+            <a:r>
+              <a:rPr lang="en-GB" dirty="0"/>
+              <a:t>d</a:t>
+            </a:r>
+            <a:endParaRPr lang="de-DE" dirty="0"/>
+          </a:p>
+        </p:txBody>
+      </p:sp>
+      <p:cxnSp>
+        <p:nvCxnSpPr>
+          <p:cNvPr id="51" name="Gerade Verbindung mit Pfeil 50">
+            <a:extLst>
+              <a:ext uri="{FF2B5EF4-FFF2-40B4-BE49-F238E27FC236}">
+                <a16:creationId xmlns:a16="http://schemas.microsoft.com/office/drawing/2014/main" id="{8240F5D8-3753-41CF-9B3E-3EF40755969B}"/>
+              </a:ext>
+            </a:extLst>
+          </p:cNvPr>
+          <p:cNvCxnSpPr>
+            <a:cxnSpLocks/>
+            <a:stCxn id="26" idx="3"/>
+          </p:cNvCxnSpPr>
+          <p:nvPr/>
+        </p:nvCxnSpPr>
+        <p:spPr>
+          <a:xfrm>
+            <a:off x="3724137" y="3059675"/>
+            <a:ext cx="1191693" cy="0"/>
+          </a:xfrm>
+          <a:prstGeom prst="straightConnector1">
+            <a:avLst/>
+          </a:prstGeom>
+          <a:ln>
+            <a:tailEnd type="triangle"/>
+          </a:ln>
+        </p:spPr>
+        <p:style>
+          <a:lnRef idx="1">
+            <a:schemeClr val="accent1"/>
+          </a:lnRef>
+          <a:fillRef idx="0">
+            <a:schemeClr val="accent1"/>
+          </a:fillRef>
+          <a:effectRef idx="0">
+            <a:schemeClr val="accent1"/>
+          </a:effectRef>
+          <a:fontRef idx="minor">
+            <a:schemeClr val="tx1"/>
+          </a:fontRef>
+        </p:style>
+      </p:cxnSp>
+      <mc:AlternateContent xmlns:mc="http://schemas.openxmlformats.org/markup-compatibility/2006" xmlns:a14="http://schemas.microsoft.com/office/drawing/2010/main">
+        <mc:Choice Requires="a14">
           <p:sp>
             <p:nvSpPr>
-              <p:cNvPr id="52" name="Textfeld 51">
+              <p:cNvPr id="53" name="Textfeld 52">
                 <a:extLst>
                   <a:ext uri="{FF2B5EF4-FFF2-40B4-BE49-F238E27FC236}">
-                    <a16:creationId xmlns:a16="http://schemas.microsoft.com/office/drawing/2014/main" id="{A976945A-C659-46C6-A75F-D1E585EE56C4}"/>
+                    <a16:creationId xmlns:a16="http://schemas.microsoft.com/office/drawing/2014/main" id="{89199D05-BCDC-43C6-B7E4-1750D5DA315D}"/>
                   </a:ext>
                 </a:extLst>
               </p:cNvPr>
@@ -10162,7 +7987,1200 @@
             </p:nvSpPr>
             <p:spPr>
               <a:xfrm>
-                <a:off x="3735306" y="4535126"/>
+                <a:off x="4090282" y="3041277"/>
+                <a:ext cx="370038" cy="369332"/>
+              </a:xfrm>
+              <a:prstGeom prst="rect">
+                <a:avLst/>
+              </a:prstGeom>
+              <a:noFill/>
+            </p:spPr>
+            <p:txBody>
+              <a:bodyPr wrap="none" rtlCol="0">
+                <a:spAutoFit/>
+              </a:bodyPr>
+              <a:lstStyle/>
+              <a:p>
+                <a:pPr/>
+                <a14:m>
+                  <m:oMathPara xmlns:m="http://schemas.openxmlformats.org/officeDocument/2006/math">
+                    <m:oMathParaPr>
+                      <m:jc m:val="centerGroup"/>
+                    </m:oMathParaPr>
+                    <m:oMath xmlns:m="http://schemas.openxmlformats.org/officeDocument/2006/math">
+                      <m:r>
+                        <a:rPr lang="de-DE" i="1" dirty="0" smtClean="0">
+                          <a:solidFill>
+                            <a:srgbClr val="92D050"/>
+                          </a:solidFill>
+                          <a:latin typeface="Cambria Math" panose="02040503050406030204" pitchFamily="18" charset="0"/>
+                        </a:rPr>
+                        <m:t>𝛿</m:t>
+                      </m:r>
+                    </m:oMath>
+                  </m:oMathPara>
+                </a14:m>
+                <a:endParaRPr lang="de-DE" dirty="0"/>
+              </a:p>
+            </p:txBody>
+          </p:sp>
+        </mc:Choice>
+        <mc:Fallback xmlns="">
+          <p:sp>
+            <p:nvSpPr>
+              <p:cNvPr id="53" name="Textfeld 52">
+                <a:extLst>
+                  <a:ext uri="{FF2B5EF4-FFF2-40B4-BE49-F238E27FC236}">
+                    <a16:creationId xmlns:a16="http://schemas.microsoft.com/office/drawing/2014/main" id="{89199D05-BCDC-43C6-B7E4-1750D5DA315D}"/>
+                  </a:ext>
+                </a:extLst>
+              </p:cNvPr>
+              <p:cNvSpPr txBox="1">
+                <a:spLocks noRot="1" noChangeAspect="1" noMove="1" noResize="1" noEditPoints="1" noAdjustHandles="1" noChangeArrowheads="1" noChangeShapeType="1" noTextEdit="1"/>
+              </p:cNvSpPr>
+              <p:nvPr/>
+            </p:nvSpPr>
+            <p:spPr>
+              <a:xfrm>
+                <a:off x="4090282" y="3041277"/>
+                <a:ext cx="370038" cy="369332"/>
+              </a:xfrm>
+              <a:prstGeom prst="rect">
+                <a:avLst/>
+              </a:prstGeom>
+              <a:blipFill>
+                <a:blip r:embed="rId3"/>
+                <a:stretch>
+                  <a:fillRect/>
+                </a:stretch>
+              </a:blipFill>
+            </p:spPr>
+            <p:txBody>
+              <a:bodyPr/>
+              <a:lstStyle/>
+              <a:p>
+                <a:r>
+                  <a:rPr lang="de-DE">
+                    <a:noFill/>
+                  </a:rPr>
+                  <a:t> </a:t>
+                </a:r>
+              </a:p>
+            </p:txBody>
+          </p:sp>
+        </mc:Fallback>
+      </mc:AlternateContent>
+      <mc:AlternateContent xmlns:mc="http://schemas.openxmlformats.org/markup-compatibility/2006" xmlns:a14="http://schemas.microsoft.com/office/drawing/2010/main">
+        <mc:Choice Requires="a14">
+          <p:sp>
+            <p:nvSpPr>
+              <p:cNvPr id="54" name="Textfeld 53">
+                <a:extLst>
+                  <a:ext uri="{FF2B5EF4-FFF2-40B4-BE49-F238E27FC236}">
+                    <a16:creationId xmlns:a16="http://schemas.microsoft.com/office/drawing/2014/main" id="{AE7BEA46-1692-4ACF-AABA-454FF220A1DD}"/>
+                  </a:ext>
+                </a:extLst>
+              </p:cNvPr>
+              <p:cNvSpPr txBox="1"/>
+              <p:nvPr/>
+            </p:nvSpPr>
+            <p:spPr>
+              <a:xfrm>
+                <a:off x="6142192" y="2993759"/>
+                <a:ext cx="370038" cy="369332"/>
+              </a:xfrm>
+              <a:prstGeom prst="rect">
+                <a:avLst/>
+              </a:prstGeom>
+              <a:noFill/>
+            </p:spPr>
+            <p:txBody>
+              <a:bodyPr wrap="none" rtlCol="0">
+                <a:spAutoFit/>
+              </a:bodyPr>
+              <a:lstStyle/>
+              <a:p>
+                <a:pPr/>
+                <a14:m>
+                  <m:oMathPara xmlns:m="http://schemas.openxmlformats.org/officeDocument/2006/math">
+                    <m:oMathParaPr>
+                      <m:jc m:val="centerGroup"/>
+                    </m:oMathParaPr>
+                    <m:oMath xmlns:m="http://schemas.openxmlformats.org/officeDocument/2006/math">
+                      <m:r>
+                        <a:rPr lang="de-DE" i="1" dirty="0">
+                          <a:solidFill>
+                            <a:srgbClr val="92D050"/>
+                          </a:solidFill>
+                          <a:latin typeface="Cambria Math" panose="02040503050406030204" pitchFamily="18" charset="0"/>
+                        </a:rPr>
+                        <m:t>𝛿</m:t>
+                      </m:r>
+                    </m:oMath>
+                  </m:oMathPara>
+                </a14:m>
+                <a:endParaRPr lang="de-DE" dirty="0"/>
+              </a:p>
+            </p:txBody>
+          </p:sp>
+        </mc:Choice>
+        <mc:Fallback xmlns="">
+          <p:sp>
+            <p:nvSpPr>
+              <p:cNvPr id="54" name="Textfeld 53">
+                <a:extLst>
+                  <a:ext uri="{FF2B5EF4-FFF2-40B4-BE49-F238E27FC236}">
+                    <a16:creationId xmlns:a16="http://schemas.microsoft.com/office/drawing/2014/main" id="{AE7BEA46-1692-4ACF-AABA-454FF220A1DD}"/>
+                  </a:ext>
+                </a:extLst>
+              </p:cNvPr>
+              <p:cNvSpPr txBox="1">
+                <a:spLocks noRot="1" noChangeAspect="1" noMove="1" noResize="1" noEditPoints="1" noAdjustHandles="1" noChangeArrowheads="1" noChangeShapeType="1" noTextEdit="1"/>
+              </p:cNvSpPr>
+              <p:nvPr/>
+            </p:nvSpPr>
+            <p:spPr>
+              <a:xfrm>
+                <a:off x="6142192" y="2993759"/>
+                <a:ext cx="370038" cy="369332"/>
+              </a:xfrm>
+              <a:prstGeom prst="rect">
+                <a:avLst/>
+              </a:prstGeom>
+              <a:blipFill>
+                <a:blip r:embed="rId4"/>
+                <a:stretch>
+                  <a:fillRect/>
+                </a:stretch>
+              </a:blipFill>
+            </p:spPr>
+            <p:txBody>
+              <a:bodyPr/>
+              <a:lstStyle/>
+              <a:p>
+                <a:r>
+                  <a:rPr lang="de-DE">
+                    <a:noFill/>
+                  </a:rPr>
+                  <a:t> </a:t>
+                </a:r>
+              </a:p>
+            </p:txBody>
+          </p:sp>
+        </mc:Fallback>
+      </mc:AlternateContent>
+      <mc:AlternateContent xmlns:mc="http://schemas.openxmlformats.org/markup-compatibility/2006" xmlns:a14="http://schemas.microsoft.com/office/drawing/2010/main">
+        <mc:Choice Requires="a14">
+          <p:sp>
+            <p:nvSpPr>
+              <p:cNvPr id="55" name="Textfeld 54">
+                <a:extLst>
+                  <a:ext uri="{FF2B5EF4-FFF2-40B4-BE49-F238E27FC236}">
+                    <a16:creationId xmlns:a16="http://schemas.microsoft.com/office/drawing/2014/main" id="{CD570782-9A73-4C75-9E47-981BC7A9F8DA}"/>
+                  </a:ext>
+                </a:extLst>
+              </p:cNvPr>
+              <p:cNvSpPr txBox="1"/>
+              <p:nvPr/>
+            </p:nvSpPr>
+            <p:spPr>
+              <a:xfrm>
+                <a:off x="8181293" y="3010087"/>
+                <a:ext cx="370038" cy="369332"/>
+              </a:xfrm>
+              <a:prstGeom prst="rect">
+                <a:avLst/>
+              </a:prstGeom>
+              <a:noFill/>
+            </p:spPr>
+            <p:txBody>
+              <a:bodyPr wrap="none" rtlCol="0">
+                <a:spAutoFit/>
+              </a:bodyPr>
+              <a:lstStyle/>
+              <a:p>
+                <a:pPr/>
+                <a14:m>
+                  <m:oMathPara xmlns:m="http://schemas.openxmlformats.org/officeDocument/2006/math">
+                    <m:oMathParaPr>
+                      <m:jc m:val="centerGroup"/>
+                    </m:oMathParaPr>
+                    <m:oMath xmlns:m="http://schemas.openxmlformats.org/officeDocument/2006/math">
+                      <m:r>
+                        <a:rPr lang="de-DE" i="1" dirty="0">
+                          <a:solidFill>
+                            <a:srgbClr val="92D050"/>
+                          </a:solidFill>
+                          <a:latin typeface="Cambria Math" panose="02040503050406030204" pitchFamily="18" charset="0"/>
+                        </a:rPr>
+                        <m:t>𝛿</m:t>
+                      </m:r>
+                    </m:oMath>
+                  </m:oMathPara>
+                </a14:m>
+                <a:endParaRPr lang="de-DE" dirty="0"/>
+              </a:p>
+            </p:txBody>
+          </p:sp>
+        </mc:Choice>
+        <mc:Fallback xmlns="">
+          <p:sp>
+            <p:nvSpPr>
+              <p:cNvPr id="55" name="Textfeld 54">
+                <a:extLst>
+                  <a:ext uri="{FF2B5EF4-FFF2-40B4-BE49-F238E27FC236}">
+                    <a16:creationId xmlns:a16="http://schemas.microsoft.com/office/drawing/2014/main" id="{CD570782-9A73-4C75-9E47-981BC7A9F8DA}"/>
+                  </a:ext>
+                </a:extLst>
+              </p:cNvPr>
+              <p:cNvSpPr txBox="1">
+                <a:spLocks noRot="1" noChangeAspect="1" noMove="1" noResize="1" noEditPoints="1" noAdjustHandles="1" noChangeArrowheads="1" noChangeShapeType="1" noTextEdit="1"/>
+              </p:cNvSpPr>
+              <p:nvPr/>
+            </p:nvSpPr>
+            <p:spPr>
+              <a:xfrm>
+                <a:off x="8181293" y="3010087"/>
+                <a:ext cx="370038" cy="369332"/>
+              </a:xfrm>
+              <a:prstGeom prst="rect">
+                <a:avLst/>
+              </a:prstGeom>
+              <a:blipFill>
+                <a:blip r:embed="rId5"/>
+                <a:stretch>
+                  <a:fillRect/>
+                </a:stretch>
+              </a:blipFill>
+            </p:spPr>
+            <p:txBody>
+              <a:bodyPr/>
+              <a:lstStyle/>
+              <a:p>
+                <a:r>
+                  <a:rPr lang="de-DE">
+                    <a:noFill/>
+                  </a:rPr>
+                  <a:t> </a:t>
+                </a:r>
+              </a:p>
+            </p:txBody>
+          </p:sp>
+        </mc:Fallback>
+      </mc:AlternateContent>
+      <p:cxnSp>
+        <p:nvCxnSpPr>
+          <p:cNvPr id="56" name="Gerade Verbindung mit Pfeil 55">
+            <a:extLst>
+              <a:ext uri="{FF2B5EF4-FFF2-40B4-BE49-F238E27FC236}">
+                <a16:creationId xmlns:a16="http://schemas.microsoft.com/office/drawing/2014/main" id="{1F3A9CAA-CB5F-4A91-9B99-BC88CBB31231}"/>
+              </a:ext>
+            </a:extLst>
+          </p:cNvPr>
+          <p:cNvCxnSpPr>
+            <a:cxnSpLocks/>
+          </p:cNvCxnSpPr>
+          <p:nvPr/>
+        </p:nvCxnSpPr>
+        <p:spPr>
+          <a:xfrm>
+            <a:off x="5716528" y="3048347"/>
+            <a:ext cx="1222494" cy="9101"/>
+          </a:xfrm>
+          <a:prstGeom prst="straightConnector1">
+            <a:avLst/>
+          </a:prstGeom>
+          <a:ln>
+            <a:tailEnd type="triangle"/>
+          </a:ln>
+        </p:spPr>
+        <p:style>
+          <a:lnRef idx="1">
+            <a:schemeClr val="accent1"/>
+          </a:lnRef>
+          <a:fillRef idx="0">
+            <a:schemeClr val="accent1"/>
+          </a:fillRef>
+          <a:effectRef idx="0">
+            <a:schemeClr val="accent1"/>
+          </a:effectRef>
+          <a:fontRef idx="minor">
+            <a:schemeClr val="tx1"/>
+          </a:fontRef>
+        </p:style>
+      </p:cxnSp>
+      <p:cxnSp>
+        <p:nvCxnSpPr>
+          <p:cNvPr id="57" name="Gerade Verbindung mit Pfeil 56">
+            <a:extLst>
+              <a:ext uri="{FF2B5EF4-FFF2-40B4-BE49-F238E27FC236}">
+                <a16:creationId xmlns:a16="http://schemas.microsoft.com/office/drawing/2014/main" id="{DF05213F-6EE7-4448-BDB9-73C96874D401}"/>
+              </a:ext>
+            </a:extLst>
+          </p:cNvPr>
+          <p:cNvCxnSpPr>
+            <a:cxnSpLocks/>
+            <a:stCxn id="42" idx="3"/>
+            <a:endCxn id="50" idx="1"/>
+          </p:cNvCxnSpPr>
+          <p:nvPr/>
+        </p:nvCxnSpPr>
+        <p:spPr>
+          <a:xfrm>
+            <a:off x="7755777" y="3057448"/>
+            <a:ext cx="1201795" cy="0"/>
+          </a:xfrm>
+          <a:prstGeom prst="straightConnector1">
+            <a:avLst/>
+          </a:prstGeom>
+          <a:ln>
+            <a:tailEnd type="triangle"/>
+          </a:ln>
+        </p:spPr>
+        <p:style>
+          <a:lnRef idx="1">
+            <a:schemeClr val="accent1"/>
+          </a:lnRef>
+          <a:fillRef idx="0">
+            <a:schemeClr val="accent1"/>
+          </a:fillRef>
+          <a:effectRef idx="0">
+            <a:schemeClr val="accent1"/>
+          </a:effectRef>
+          <a:fontRef idx="minor">
+            <a:schemeClr val="tx1"/>
+          </a:fontRef>
+        </p:style>
+      </p:cxnSp>
+      <p:sp>
+        <p:nvSpPr>
+          <p:cNvPr id="58" name="Rechteck 57">
+            <a:extLst>
+              <a:ext uri="{FF2B5EF4-FFF2-40B4-BE49-F238E27FC236}">
+                <a16:creationId xmlns:a16="http://schemas.microsoft.com/office/drawing/2014/main" id="{08BFC273-6706-443D-B5C8-A2091B6DAE05}"/>
+              </a:ext>
+            </a:extLst>
+          </p:cNvPr>
+          <p:cNvSpPr/>
+          <p:nvPr/>
+        </p:nvSpPr>
+        <p:spPr>
+          <a:xfrm>
+            <a:off x="2916269" y="4186779"/>
+            <a:ext cx="807868" cy="648069"/>
+          </a:xfrm>
+          <a:prstGeom prst="rect">
+            <a:avLst/>
+          </a:prstGeom>
+        </p:spPr>
+        <p:style>
+          <a:lnRef idx="2">
+            <a:schemeClr val="accent1">
+              <a:shade val="50000"/>
+            </a:schemeClr>
+          </a:lnRef>
+          <a:fillRef idx="1">
+            <a:schemeClr val="accent1"/>
+          </a:fillRef>
+          <a:effectRef idx="0">
+            <a:schemeClr val="accent1"/>
+          </a:effectRef>
+          <a:fontRef idx="minor">
+            <a:schemeClr val="lt1"/>
+          </a:fontRef>
+        </p:style>
+        <p:txBody>
+          <a:bodyPr rtlCol="0" anchor="ctr"/>
+          <a:lstStyle/>
+          <a:p>
+            <a:pPr algn="ctr"/>
+            <a:r>
+              <a:rPr lang="en-GB" dirty="0"/>
+              <a:t>e</a:t>
+            </a:r>
+            <a:endParaRPr lang="de-DE" dirty="0"/>
+          </a:p>
+        </p:txBody>
+      </p:sp>
+      <p:sp>
+        <p:nvSpPr>
+          <p:cNvPr id="59" name="Rechteck 58">
+            <a:extLst>
+              <a:ext uri="{FF2B5EF4-FFF2-40B4-BE49-F238E27FC236}">
+                <a16:creationId xmlns:a16="http://schemas.microsoft.com/office/drawing/2014/main" id="{3BD0FB9A-1B82-4F0C-8E53-42B66C0E07F7}"/>
+              </a:ext>
+            </a:extLst>
+          </p:cNvPr>
+          <p:cNvSpPr/>
+          <p:nvPr/>
+        </p:nvSpPr>
+        <p:spPr>
+          <a:xfrm>
+            <a:off x="4908660" y="4186774"/>
+            <a:ext cx="807868" cy="648069"/>
+          </a:xfrm>
+          <a:prstGeom prst="rect">
+            <a:avLst/>
+          </a:prstGeom>
+        </p:spPr>
+        <p:style>
+          <a:lnRef idx="2">
+            <a:schemeClr val="accent1">
+              <a:shade val="50000"/>
+            </a:schemeClr>
+          </a:lnRef>
+          <a:fillRef idx="1">
+            <a:schemeClr val="accent1"/>
+          </a:fillRef>
+          <a:effectRef idx="0">
+            <a:schemeClr val="accent1"/>
+          </a:effectRef>
+          <a:fontRef idx="minor">
+            <a:schemeClr val="lt1"/>
+          </a:fontRef>
+        </p:style>
+        <p:txBody>
+          <a:bodyPr rtlCol="0" anchor="ctr"/>
+          <a:lstStyle/>
+          <a:p>
+            <a:pPr algn="ctr"/>
+            <a:r>
+              <a:rPr lang="en-GB" dirty="0"/>
+              <a:t>f</a:t>
+            </a:r>
+            <a:endParaRPr lang="de-DE" dirty="0"/>
+          </a:p>
+        </p:txBody>
+      </p:sp>
+      <p:sp>
+        <p:nvSpPr>
+          <p:cNvPr id="60" name="Rechteck 59">
+            <a:extLst>
+              <a:ext uri="{FF2B5EF4-FFF2-40B4-BE49-F238E27FC236}">
+                <a16:creationId xmlns:a16="http://schemas.microsoft.com/office/drawing/2014/main" id="{30FC7CF3-B3A7-4276-BCD3-BE08FF3E6714}"/>
+              </a:ext>
+            </a:extLst>
+          </p:cNvPr>
+          <p:cNvSpPr/>
+          <p:nvPr/>
+        </p:nvSpPr>
+        <p:spPr>
+          <a:xfrm>
+            <a:off x="6947909" y="4175451"/>
+            <a:ext cx="807868" cy="648069"/>
+          </a:xfrm>
+          <a:prstGeom prst="rect">
+            <a:avLst/>
+          </a:prstGeom>
+        </p:spPr>
+        <p:style>
+          <a:lnRef idx="2">
+            <a:schemeClr val="accent1">
+              <a:shade val="50000"/>
+            </a:schemeClr>
+          </a:lnRef>
+          <a:fillRef idx="1">
+            <a:schemeClr val="accent1"/>
+          </a:fillRef>
+          <a:effectRef idx="0">
+            <a:schemeClr val="accent1"/>
+          </a:effectRef>
+          <a:fontRef idx="minor">
+            <a:schemeClr val="lt1"/>
+          </a:fontRef>
+        </p:style>
+        <p:txBody>
+          <a:bodyPr rtlCol="0" anchor="ctr"/>
+          <a:lstStyle/>
+          <a:p>
+            <a:pPr algn="ctr"/>
+            <a:r>
+              <a:rPr lang="en-GB" dirty="0"/>
+              <a:t>g</a:t>
+            </a:r>
+            <a:endParaRPr lang="de-DE" dirty="0"/>
+          </a:p>
+        </p:txBody>
+      </p:sp>
+      <p:cxnSp>
+        <p:nvCxnSpPr>
+          <p:cNvPr id="61" name="Gerade Verbindung mit Pfeil 60">
+            <a:extLst>
+              <a:ext uri="{FF2B5EF4-FFF2-40B4-BE49-F238E27FC236}">
+                <a16:creationId xmlns:a16="http://schemas.microsoft.com/office/drawing/2014/main" id="{59978092-613C-41F6-87AC-936B4004A339}"/>
+              </a:ext>
+            </a:extLst>
+          </p:cNvPr>
+          <p:cNvCxnSpPr>
+            <a:cxnSpLocks/>
+            <a:stCxn id="58" idx="3"/>
+          </p:cNvCxnSpPr>
+          <p:nvPr/>
+        </p:nvCxnSpPr>
+        <p:spPr>
+          <a:xfrm>
+            <a:off x="3724137" y="4510814"/>
+            <a:ext cx="1191693" cy="0"/>
+          </a:xfrm>
+          <a:prstGeom prst="straightConnector1">
+            <a:avLst/>
+          </a:prstGeom>
+          <a:ln>
+            <a:tailEnd type="triangle"/>
+          </a:ln>
+        </p:spPr>
+        <p:style>
+          <a:lnRef idx="1">
+            <a:schemeClr val="accent1"/>
+          </a:lnRef>
+          <a:fillRef idx="0">
+            <a:schemeClr val="accent1"/>
+          </a:fillRef>
+          <a:effectRef idx="0">
+            <a:schemeClr val="accent1"/>
+          </a:effectRef>
+          <a:fontRef idx="minor">
+            <a:schemeClr val="tx1"/>
+          </a:fontRef>
+        </p:style>
+      </p:cxnSp>
+      <p:cxnSp>
+        <p:nvCxnSpPr>
+          <p:cNvPr id="64" name="Gerade Verbindung mit Pfeil 63">
+            <a:extLst>
+              <a:ext uri="{FF2B5EF4-FFF2-40B4-BE49-F238E27FC236}">
+                <a16:creationId xmlns:a16="http://schemas.microsoft.com/office/drawing/2014/main" id="{7F6999D8-7CF5-4A1E-B4EC-2502AC533A2A}"/>
+              </a:ext>
+            </a:extLst>
+          </p:cNvPr>
+          <p:cNvCxnSpPr>
+            <a:cxnSpLocks/>
+          </p:cNvCxnSpPr>
+          <p:nvPr/>
+        </p:nvCxnSpPr>
+        <p:spPr>
+          <a:xfrm>
+            <a:off x="5726698" y="4492559"/>
+            <a:ext cx="1222494" cy="9101"/>
+          </a:xfrm>
+          <a:prstGeom prst="straightConnector1">
+            <a:avLst/>
+          </a:prstGeom>
+          <a:ln>
+            <a:tailEnd type="triangle"/>
+          </a:ln>
+        </p:spPr>
+        <p:style>
+          <a:lnRef idx="1">
+            <a:schemeClr val="accent1"/>
+          </a:lnRef>
+          <a:fillRef idx="0">
+            <a:schemeClr val="accent1"/>
+          </a:fillRef>
+          <a:effectRef idx="0">
+            <a:schemeClr val="accent1"/>
+          </a:effectRef>
+          <a:fontRef idx="minor">
+            <a:schemeClr val="tx1"/>
+          </a:fontRef>
+        </p:style>
+      </p:cxnSp>
+      <mc:AlternateContent xmlns:mc="http://schemas.openxmlformats.org/markup-compatibility/2006" xmlns:a14="http://schemas.microsoft.com/office/drawing/2010/main">
+        <mc:Choice Requires="a14">
+          <p:sp>
+            <p:nvSpPr>
+              <p:cNvPr id="65" name="Textfeld 64">
+                <a:extLst>
+                  <a:ext uri="{FF2B5EF4-FFF2-40B4-BE49-F238E27FC236}">
+                    <a16:creationId xmlns:a16="http://schemas.microsoft.com/office/drawing/2014/main" id="{19E01A80-8147-459F-95DC-5D38B82F73FD}"/>
+                  </a:ext>
+                </a:extLst>
+              </p:cNvPr>
+              <p:cNvSpPr txBox="1"/>
+              <p:nvPr/>
+            </p:nvSpPr>
+            <p:spPr>
+              <a:xfrm>
+                <a:off x="3981457" y="2719689"/>
+                <a:ext cx="607859" cy="369332"/>
+              </a:xfrm>
+              <a:prstGeom prst="rect">
+                <a:avLst/>
+              </a:prstGeom>
+              <a:noFill/>
+            </p:spPr>
+            <p:txBody>
+              <a:bodyPr wrap="none" rtlCol="0">
+                <a:spAutoFit/>
+              </a:bodyPr>
+              <a:lstStyle/>
+              <a:p>
+                <a:pPr/>
+                <a14:m>
+                  <m:oMathPara xmlns:m="http://schemas.openxmlformats.org/officeDocument/2006/math">
+                    <m:oMathParaPr>
+                      <m:jc m:val="centerGroup"/>
+                    </m:oMathParaPr>
+                    <m:oMath xmlns:m="http://schemas.openxmlformats.org/officeDocument/2006/math">
+                      <m:r>
+                        <a:rPr lang="en-GB" b="0" i="1" dirty="0" smtClean="0">
+                          <a:solidFill>
+                            <a:srgbClr val="FF0000"/>
+                          </a:solidFill>
+                          <a:latin typeface="Cambria Math" panose="02040503050406030204" pitchFamily="18" charset="0"/>
+                        </a:rPr>
+                        <m:t>0</m:t>
+                      </m:r>
+                      <m:r>
+                        <a:rPr lang="en-GB" b="0" i="1" dirty="0" smtClean="0">
+                          <a:solidFill>
+                            <a:schemeClr val="tx1"/>
+                          </a:solidFill>
+                          <a:latin typeface="Cambria Math" panose="02040503050406030204" pitchFamily="18" charset="0"/>
+                        </a:rPr>
+                        <m:t>/</m:t>
+                      </m:r>
+                      <m:r>
+                        <a:rPr lang="en-GB" b="0" i="1" dirty="0" smtClean="0">
+                          <a:solidFill>
+                            <a:srgbClr val="7030A0"/>
+                          </a:solidFill>
+                          <a:latin typeface="Cambria Math" panose="02040503050406030204" pitchFamily="18" charset="0"/>
+                        </a:rPr>
+                        <m:t>3</m:t>
+                      </m:r>
+                    </m:oMath>
+                  </m:oMathPara>
+                </a14:m>
+                <a:endParaRPr lang="de-DE" dirty="0"/>
+              </a:p>
+            </p:txBody>
+          </p:sp>
+        </mc:Choice>
+        <mc:Fallback xmlns="">
+          <p:sp>
+            <p:nvSpPr>
+              <p:cNvPr id="65" name="Textfeld 64">
+                <a:extLst>
+                  <a:ext uri="{FF2B5EF4-FFF2-40B4-BE49-F238E27FC236}">
+                    <a16:creationId xmlns:a16="http://schemas.microsoft.com/office/drawing/2014/main" id="{19E01A80-8147-459F-95DC-5D38B82F73FD}"/>
+                  </a:ext>
+                </a:extLst>
+              </p:cNvPr>
+              <p:cNvSpPr txBox="1">
+                <a:spLocks noRot="1" noChangeAspect="1" noMove="1" noResize="1" noEditPoints="1" noAdjustHandles="1" noChangeArrowheads="1" noChangeShapeType="1" noTextEdit="1"/>
+              </p:cNvSpPr>
+              <p:nvPr/>
+            </p:nvSpPr>
+            <p:spPr>
+              <a:xfrm>
+                <a:off x="3981457" y="2719689"/>
+                <a:ext cx="607859" cy="369332"/>
+              </a:xfrm>
+              <a:prstGeom prst="rect">
+                <a:avLst/>
+              </a:prstGeom>
+              <a:blipFill>
+                <a:blip r:embed="rId6"/>
+                <a:stretch>
+                  <a:fillRect b="-13115"/>
+                </a:stretch>
+              </a:blipFill>
+            </p:spPr>
+            <p:txBody>
+              <a:bodyPr/>
+              <a:lstStyle/>
+              <a:p>
+                <a:r>
+                  <a:rPr lang="de-DE">
+                    <a:noFill/>
+                  </a:rPr>
+                  <a:t> </a:t>
+                </a:r>
+              </a:p>
+            </p:txBody>
+          </p:sp>
+        </mc:Fallback>
+      </mc:AlternateContent>
+      <mc:AlternateContent xmlns:mc="http://schemas.openxmlformats.org/markup-compatibility/2006" xmlns:a14="http://schemas.microsoft.com/office/drawing/2010/main">
+        <mc:Choice Requires="a14">
+          <p:sp>
+            <p:nvSpPr>
+              <p:cNvPr id="66" name="Textfeld 65">
+                <a:extLst>
+                  <a:ext uri="{FF2B5EF4-FFF2-40B4-BE49-F238E27FC236}">
+                    <a16:creationId xmlns:a16="http://schemas.microsoft.com/office/drawing/2014/main" id="{C7E65D24-0BE8-401B-B532-9510C8F523C7}"/>
+                  </a:ext>
+                </a:extLst>
+              </p:cNvPr>
+              <p:cNvSpPr txBox="1"/>
+              <p:nvPr/>
+            </p:nvSpPr>
+            <p:spPr>
+              <a:xfrm>
+                <a:off x="8072080" y="2692727"/>
+                <a:ext cx="607859" cy="369332"/>
+              </a:xfrm>
+              <a:prstGeom prst="rect">
+                <a:avLst/>
+              </a:prstGeom>
+              <a:noFill/>
+            </p:spPr>
+            <p:txBody>
+              <a:bodyPr wrap="none" rtlCol="0">
+                <a:spAutoFit/>
+              </a:bodyPr>
+              <a:lstStyle/>
+              <a:p>
+                <a:pPr/>
+                <a14:m>
+                  <m:oMathPara xmlns:m="http://schemas.openxmlformats.org/officeDocument/2006/math">
+                    <m:oMathParaPr>
+                      <m:jc m:val="centerGroup"/>
+                    </m:oMathParaPr>
+                    <m:oMath xmlns:m="http://schemas.openxmlformats.org/officeDocument/2006/math">
+                      <m:r>
+                        <a:rPr lang="en-GB" b="0" i="1" dirty="0" smtClean="0">
+                          <a:solidFill>
+                            <a:srgbClr val="FF0000"/>
+                          </a:solidFill>
+                          <a:latin typeface="Cambria Math" panose="02040503050406030204" pitchFamily="18" charset="0"/>
+                        </a:rPr>
+                        <m:t>0</m:t>
+                      </m:r>
+                      <m:r>
+                        <a:rPr lang="en-GB" i="1" dirty="0">
+                          <a:latin typeface="Cambria Math" panose="02040503050406030204" pitchFamily="18" charset="0"/>
+                        </a:rPr>
+                        <m:t>/</m:t>
+                      </m:r>
+                      <m:r>
+                        <a:rPr lang="en-GB" i="1" dirty="0">
+                          <a:solidFill>
+                            <a:srgbClr val="7030A0"/>
+                          </a:solidFill>
+                          <a:latin typeface="Cambria Math" panose="02040503050406030204" pitchFamily="18" charset="0"/>
+                        </a:rPr>
+                        <m:t>3</m:t>
+                      </m:r>
+                    </m:oMath>
+                  </m:oMathPara>
+                </a14:m>
+                <a:endParaRPr lang="de-DE" dirty="0"/>
+              </a:p>
+            </p:txBody>
+          </p:sp>
+        </mc:Choice>
+        <mc:Fallback xmlns="">
+          <p:sp>
+            <p:nvSpPr>
+              <p:cNvPr id="66" name="Textfeld 65">
+                <a:extLst>
+                  <a:ext uri="{FF2B5EF4-FFF2-40B4-BE49-F238E27FC236}">
+                    <a16:creationId xmlns:a16="http://schemas.microsoft.com/office/drawing/2014/main" id="{C7E65D24-0BE8-401B-B532-9510C8F523C7}"/>
+                  </a:ext>
+                </a:extLst>
+              </p:cNvPr>
+              <p:cNvSpPr txBox="1">
+                <a:spLocks noRot="1" noChangeAspect="1" noMove="1" noResize="1" noEditPoints="1" noAdjustHandles="1" noChangeArrowheads="1" noChangeShapeType="1" noTextEdit="1"/>
+              </p:cNvSpPr>
+              <p:nvPr/>
+            </p:nvSpPr>
+            <p:spPr>
+              <a:xfrm>
+                <a:off x="8072080" y="2692727"/>
+                <a:ext cx="607859" cy="369332"/>
+              </a:xfrm>
+              <a:prstGeom prst="rect">
+                <a:avLst/>
+              </a:prstGeom>
+              <a:blipFill>
+                <a:blip r:embed="rId7"/>
+                <a:stretch>
+                  <a:fillRect b="-13333"/>
+                </a:stretch>
+              </a:blipFill>
+            </p:spPr>
+            <p:txBody>
+              <a:bodyPr/>
+              <a:lstStyle/>
+              <a:p>
+                <a:r>
+                  <a:rPr lang="de-DE">
+                    <a:noFill/>
+                  </a:rPr>
+                  <a:t> </a:t>
+                </a:r>
+              </a:p>
+            </p:txBody>
+          </p:sp>
+        </mc:Fallback>
+      </mc:AlternateContent>
+      <mc:AlternateContent xmlns:mc="http://schemas.openxmlformats.org/markup-compatibility/2006" xmlns:a14="http://schemas.microsoft.com/office/drawing/2010/main">
+        <mc:Choice Requires="a14">
+          <p:sp>
+            <p:nvSpPr>
+              <p:cNvPr id="67" name="Textfeld 66">
+                <a:extLst>
+                  <a:ext uri="{FF2B5EF4-FFF2-40B4-BE49-F238E27FC236}">
+                    <a16:creationId xmlns:a16="http://schemas.microsoft.com/office/drawing/2014/main" id="{852D4A22-DB0A-4023-9B02-E84AC31B57C5}"/>
+                  </a:ext>
+                </a:extLst>
+              </p:cNvPr>
+              <p:cNvSpPr txBox="1"/>
+              <p:nvPr/>
+            </p:nvSpPr>
+            <p:spPr>
+              <a:xfrm>
+                <a:off x="6032233" y="2691550"/>
+                <a:ext cx="607859" cy="369332"/>
+              </a:xfrm>
+              <a:prstGeom prst="rect">
+                <a:avLst/>
+              </a:prstGeom>
+              <a:noFill/>
+            </p:spPr>
+            <p:txBody>
+              <a:bodyPr wrap="none" rtlCol="0">
+                <a:spAutoFit/>
+              </a:bodyPr>
+              <a:lstStyle/>
+              <a:p>
+                <a:pPr/>
+                <a14:m>
+                  <m:oMathPara xmlns:m="http://schemas.openxmlformats.org/officeDocument/2006/math">
+                    <m:oMathParaPr>
+                      <m:jc m:val="centerGroup"/>
+                    </m:oMathParaPr>
+                    <m:oMath xmlns:m="http://schemas.openxmlformats.org/officeDocument/2006/math">
+                      <m:r>
+                        <a:rPr lang="en-GB" i="1" dirty="0">
+                          <a:solidFill>
+                            <a:srgbClr val="FF0000"/>
+                          </a:solidFill>
+                          <a:latin typeface="Cambria Math" panose="02040503050406030204" pitchFamily="18" charset="0"/>
+                        </a:rPr>
+                        <m:t>0</m:t>
+                      </m:r>
+                      <m:r>
+                        <a:rPr lang="en-GB" i="1" dirty="0">
+                          <a:latin typeface="Cambria Math" panose="02040503050406030204" pitchFamily="18" charset="0"/>
+                        </a:rPr>
+                        <m:t>/</m:t>
+                      </m:r>
+                      <m:r>
+                        <a:rPr lang="en-GB" i="1" dirty="0">
+                          <a:solidFill>
+                            <a:srgbClr val="7030A0"/>
+                          </a:solidFill>
+                          <a:latin typeface="Cambria Math" panose="02040503050406030204" pitchFamily="18" charset="0"/>
+                        </a:rPr>
+                        <m:t>3</m:t>
+                      </m:r>
+                    </m:oMath>
+                  </m:oMathPara>
+                </a14:m>
+                <a:endParaRPr lang="de-DE" dirty="0"/>
+              </a:p>
+            </p:txBody>
+          </p:sp>
+        </mc:Choice>
+        <mc:Fallback xmlns="">
+          <p:sp>
+            <p:nvSpPr>
+              <p:cNvPr id="67" name="Textfeld 66">
+                <a:extLst>
+                  <a:ext uri="{FF2B5EF4-FFF2-40B4-BE49-F238E27FC236}">
+                    <a16:creationId xmlns:a16="http://schemas.microsoft.com/office/drawing/2014/main" id="{852D4A22-DB0A-4023-9B02-E84AC31B57C5}"/>
+                  </a:ext>
+                </a:extLst>
+              </p:cNvPr>
+              <p:cNvSpPr txBox="1">
+                <a:spLocks noRot="1" noChangeAspect="1" noMove="1" noResize="1" noEditPoints="1" noAdjustHandles="1" noChangeArrowheads="1" noChangeShapeType="1" noTextEdit="1"/>
+              </p:cNvSpPr>
+              <p:nvPr/>
+            </p:nvSpPr>
+            <p:spPr>
+              <a:xfrm>
+                <a:off x="6032233" y="2691550"/>
+                <a:ext cx="607859" cy="369332"/>
+              </a:xfrm>
+              <a:prstGeom prst="rect">
+                <a:avLst/>
+              </a:prstGeom>
+              <a:blipFill>
+                <a:blip r:embed="rId8"/>
+                <a:stretch>
+                  <a:fillRect b="-13333"/>
+                </a:stretch>
+              </a:blipFill>
+            </p:spPr>
+            <p:txBody>
+              <a:bodyPr/>
+              <a:lstStyle/>
+              <a:p>
+                <a:r>
+                  <a:rPr lang="de-DE">
+                    <a:noFill/>
+                  </a:rPr>
+                  <a:t> </a:t>
+                </a:r>
+              </a:p>
+            </p:txBody>
+          </p:sp>
+        </mc:Fallback>
+      </mc:AlternateContent>
+      <mc:AlternateContent xmlns:mc="http://schemas.openxmlformats.org/markup-compatibility/2006" xmlns:a14="http://schemas.microsoft.com/office/drawing/2010/main">
+        <mc:Choice Requires="a14">
+          <p:sp>
+            <p:nvSpPr>
+              <p:cNvPr id="68" name="Textfeld 67">
+                <a:extLst>
+                  <a:ext uri="{FF2B5EF4-FFF2-40B4-BE49-F238E27FC236}">
+                    <a16:creationId xmlns:a16="http://schemas.microsoft.com/office/drawing/2014/main" id="{AB53375A-7492-44C8-AE2F-EABF7568AD5D}"/>
+                  </a:ext>
+                </a:extLst>
+              </p:cNvPr>
+              <p:cNvSpPr txBox="1"/>
+              <p:nvPr/>
+            </p:nvSpPr>
+            <p:spPr>
+              <a:xfrm>
+                <a:off x="3905739" y="4180802"/>
+                <a:ext cx="607859" cy="369332"/>
+              </a:xfrm>
+              <a:prstGeom prst="rect">
+                <a:avLst/>
+              </a:prstGeom>
+              <a:noFill/>
+            </p:spPr>
+            <p:txBody>
+              <a:bodyPr wrap="none" rtlCol="0">
+                <a:spAutoFit/>
+              </a:bodyPr>
+              <a:lstStyle/>
+              <a:p>
+                <a:pPr/>
+                <a14:m>
+                  <m:oMathPara xmlns:m="http://schemas.openxmlformats.org/officeDocument/2006/math">
+                    <m:oMathParaPr>
+                      <m:jc m:val="centerGroup"/>
+                    </m:oMathParaPr>
+                    <m:oMath xmlns:m="http://schemas.openxmlformats.org/officeDocument/2006/math">
+                      <m:r>
+                        <a:rPr lang="en-GB" i="1" dirty="0">
+                          <a:solidFill>
+                            <a:srgbClr val="FF0000"/>
+                          </a:solidFill>
+                          <a:latin typeface="Cambria Math" panose="02040503050406030204" pitchFamily="18" charset="0"/>
+                        </a:rPr>
+                        <m:t>3</m:t>
+                      </m:r>
+                      <m:r>
+                        <a:rPr lang="en-GB" b="0" i="1" dirty="0" smtClean="0">
+                          <a:solidFill>
+                            <a:schemeClr val="tx1"/>
+                          </a:solidFill>
+                          <a:latin typeface="Cambria Math" panose="02040503050406030204" pitchFamily="18" charset="0"/>
+                        </a:rPr>
+                        <m:t>/</m:t>
+                      </m:r>
+                      <m:r>
+                        <a:rPr lang="en-GB" b="0" i="1" dirty="0" smtClean="0">
+                          <a:solidFill>
+                            <a:srgbClr val="7030A0"/>
+                          </a:solidFill>
+                          <a:latin typeface="Cambria Math" panose="02040503050406030204" pitchFamily="18" charset="0"/>
+                        </a:rPr>
+                        <m:t>3</m:t>
+                      </m:r>
+                    </m:oMath>
+                  </m:oMathPara>
+                </a14:m>
+                <a:endParaRPr lang="de-DE" dirty="0"/>
+              </a:p>
+            </p:txBody>
+          </p:sp>
+        </mc:Choice>
+        <mc:Fallback xmlns="">
+          <p:sp>
+            <p:nvSpPr>
+              <p:cNvPr id="68" name="Textfeld 67">
+                <a:extLst>
+                  <a:ext uri="{FF2B5EF4-FFF2-40B4-BE49-F238E27FC236}">
+                    <a16:creationId xmlns:a16="http://schemas.microsoft.com/office/drawing/2014/main" id="{AB53375A-7492-44C8-AE2F-EABF7568AD5D}"/>
+                  </a:ext>
+                </a:extLst>
+              </p:cNvPr>
+              <p:cNvSpPr txBox="1">
+                <a:spLocks noRot="1" noChangeAspect="1" noMove="1" noResize="1" noEditPoints="1" noAdjustHandles="1" noChangeArrowheads="1" noChangeShapeType="1" noTextEdit="1"/>
+              </p:cNvSpPr>
+              <p:nvPr/>
+            </p:nvSpPr>
+            <p:spPr>
+              <a:xfrm>
+                <a:off x="3905739" y="4180802"/>
+                <a:ext cx="607859" cy="369332"/>
+              </a:xfrm>
+              <a:prstGeom prst="rect">
+                <a:avLst/>
+              </a:prstGeom>
+              <a:blipFill>
+                <a:blip r:embed="rId9"/>
+                <a:stretch>
+                  <a:fillRect b="-13333"/>
+                </a:stretch>
+              </a:blipFill>
+            </p:spPr>
+            <p:txBody>
+              <a:bodyPr/>
+              <a:lstStyle/>
+              <a:p>
+                <a:r>
+                  <a:rPr lang="de-DE">
+                    <a:noFill/>
+                  </a:rPr>
+                  <a:t> </a:t>
+                </a:r>
+              </a:p>
+            </p:txBody>
+          </p:sp>
+        </mc:Fallback>
+      </mc:AlternateContent>
+      <mc:AlternateContent xmlns:mc="http://schemas.openxmlformats.org/markup-compatibility/2006" xmlns:a14="http://schemas.microsoft.com/office/drawing/2010/main">
+        <mc:Choice Requires="a14">
+          <p:sp>
+            <p:nvSpPr>
+              <p:cNvPr id="69" name="Textfeld 68">
+                <a:extLst>
+                  <a:ext uri="{FF2B5EF4-FFF2-40B4-BE49-F238E27FC236}">
+                    <a16:creationId xmlns:a16="http://schemas.microsoft.com/office/drawing/2014/main" id="{14755B30-C113-48AB-ABA2-57E10E949E2E}"/>
+                  </a:ext>
+                </a:extLst>
+              </p:cNvPr>
+              <p:cNvSpPr txBox="1"/>
+              <p:nvPr/>
+            </p:nvSpPr>
+            <p:spPr>
+              <a:xfrm>
+                <a:off x="6000950" y="4154173"/>
+                <a:ext cx="607859" cy="369332"/>
+              </a:xfrm>
+              <a:prstGeom prst="rect">
+                <a:avLst/>
+              </a:prstGeom>
+              <a:noFill/>
+            </p:spPr>
+            <p:txBody>
+              <a:bodyPr wrap="none" rtlCol="0">
+                <a:spAutoFit/>
+              </a:bodyPr>
+              <a:lstStyle/>
+              <a:p>
+                <a:pPr/>
+                <a14:m>
+                  <m:oMathPara xmlns:m="http://schemas.openxmlformats.org/officeDocument/2006/math">
+                    <m:oMathParaPr>
+                      <m:jc m:val="centerGroup"/>
+                    </m:oMathParaPr>
+                    <m:oMath xmlns:m="http://schemas.openxmlformats.org/officeDocument/2006/math">
+                      <m:r>
+                        <a:rPr lang="en-GB" i="1" dirty="0">
+                          <a:solidFill>
+                            <a:srgbClr val="FF0000"/>
+                          </a:solidFill>
+                          <a:latin typeface="Cambria Math" panose="02040503050406030204" pitchFamily="18" charset="0"/>
+                        </a:rPr>
+                        <m:t>3</m:t>
+                      </m:r>
+                      <m:r>
+                        <a:rPr lang="en-GB" b="0" i="1" dirty="0" smtClean="0">
+                          <a:solidFill>
+                            <a:schemeClr val="tx1"/>
+                          </a:solidFill>
+                          <a:latin typeface="Cambria Math" panose="02040503050406030204" pitchFamily="18" charset="0"/>
+                        </a:rPr>
+                        <m:t>/</m:t>
+                      </m:r>
+                      <m:r>
+                        <a:rPr lang="en-GB" b="0" i="1" dirty="0" smtClean="0">
+                          <a:solidFill>
+                            <a:srgbClr val="7030A0"/>
+                          </a:solidFill>
+                          <a:latin typeface="Cambria Math" panose="02040503050406030204" pitchFamily="18" charset="0"/>
+                        </a:rPr>
+                        <m:t>4</m:t>
+                      </m:r>
+                    </m:oMath>
+                  </m:oMathPara>
+                </a14:m>
+                <a:endParaRPr lang="de-DE" dirty="0"/>
+              </a:p>
+            </p:txBody>
+          </p:sp>
+        </mc:Choice>
+        <mc:Fallback xmlns="">
+          <p:sp>
+            <p:nvSpPr>
+              <p:cNvPr id="69" name="Textfeld 68">
+                <a:extLst>
+                  <a:ext uri="{FF2B5EF4-FFF2-40B4-BE49-F238E27FC236}">
+                    <a16:creationId xmlns:a16="http://schemas.microsoft.com/office/drawing/2014/main" id="{14755B30-C113-48AB-ABA2-57E10E949E2E}"/>
+                  </a:ext>
+                </a:extLst>
+              </p:cNvPr>
+              <p:cNvSpPr txBox="1">
+                <a:spLocks noRot="1" noChangeAspect="1" noMove="1" noResize="1" noEditPoints="1" noAdjustHandles="1" noChangeArrowheads="1" noChangeShapeType="1" noTextEdit="1"/>
+              </p:cNvSpPr>
+              <p:nvPr/>
+            </p:nvSpPr>
+            <p:spPr>
+              <a:xfrm>
+                <a:off x="6000950" y="4154173"/>
+                <a:ext cx="607859" cy="369332"/>
+              </a:xfrm>
+              <a:prstGeom prst="rect">
+                <a:avLst/>
+              </a:prstGeom>
+              <a:blipFill>
+                <a:blip r:embed="rId10"/>
+                <a:stretch>
+                  <a:fillRect b="-13115"/>
+                </a:stretch>
+              </a:blipFill>
+            </p:spPr>
+            <p:txBody>
+              <a:bodyPr/>
+              <a:lstStyle/>
+              <a:p>
+                <a:r>
+                  <a:rPr lang="de-DE">
+                    <a:noFill/>
+                  </a:rPr>
+                  <a:t> </a:t>
+                </a:r>
+              </a:p>
+            </p:txBody>
+          </p:sp>
+        </mc:Fallback>
+      </mc:AlternateContent>
+      <mc:AlternateContent xmlns:mc="http://schemas.openxmlformats.org/markup-compatibility/2006" xmlns:a14="http://schemas.microsoft.com/office/drawing/2010/main">
+        <mc:Choice Requires="a14">
+          <p:sp>
+            <p:nvSpPr>
+              <p:cNvPr id="70" name="Textfeld 69">
+                <a:extLst>
+                  <a:ext uri="{FF2B5EF4-FFF2-40B4-BE49-F238E27FC236}">
+                    <a16:creationId xmlns:a16="http://schemas.microsoft.com/office/drawing/2014/main" id="{3E7EA0D2-9F78-48B6-94E9-94AD5B203E06}"/>
+                  </a:ext>
+                </a:extLst>
+              </p:cNvPr>
+              <p:cNvSpPr txBox="1"/>
+              <p:nvPr/>
+            </p:nvSpPr>
+            <p:spPr>
+              <a:xfrm>
+                <a:off x="3735569" y="4518922"/>
                 <a:ext cx="1079463" cy="369332"/>
               </a:xfrm>
               <a:prstGeom prst="rect">
@@ -10228,13 +9246,13 @@
             </p:txBody>
           </p:sp>
         </mc:Choice>
-        <mc:Fallback>
+        <mc:Fallback xmlns="">
           <p:sp>
             <p:nvSpPr>
-              <p:cNvPr id="52" name="Textfeld 51">
+              <p:cNvPr id="70" name="Textfeld 69">
                 <a:extLst>
                   <a:ext uri="{FF2B5EF4-FFF2-40B4-BE49-F238E27FC236}">
-                    <a16:creationId xmlns:a16="http://schemas.microsoft.com/office/drawing/2014/main" id="{A976945A-C659-46C6-A75F-D1E585EE56C4}"/>
+                    <a16:creationId xmlns:a16="http://schemas.microsoft.com/office/drawing/2014/main" id="{3E7EA0D2-9F78-48B6-94E9-94AD5B203E06}"/>
                   </a:ext>
                 </a:extLst>
               </p:cNvPr>
@@ -10245,7 +9263,7 @@
             </p:nvSpPr>
             <p:spPr>
               <a:xfrm>
-                <a:off x="3735306" y="4535126"/>
+                <a:off x="3735569" y="4518922"/>
                 <a:ext cx="1079463" cy="369332"/>
               </a:xfrm>
               <a:prstGeom prst="rect">
@@ -10254,7 +9272,7 @@
               <a:blipFill>
                 <a:blip r:embed="rId11"/>
                 <a:stretch>
-                  <a:fillRect b="-11475"/>
+                  <a:fillRect b="-13115"/>
                 </a:stretch>
               </a:blipFill>
             </p:spPr>
@@ -10286,7 +9304,7 @@
 </p:sld>
 </file>
 
-<file path=ppt/slides/slide14.xml><?xml version="1.0" encoding="utf-8"?>
+<file path=ppt/slides/slide13.xml><?xml version="1.0" encoding="utf-8"?>
 <p:sld xmlns:a="http://schemas.openxmlformats.org/drawingml/2006/main" xmlns:r="http://schemas.openxmlformats.org/officeDocument/2006/relationships" xmlns:p="http://schemas.openxmlformats.org/presentationml/2006/main">
   <p:cSld>
     <p:spTree>
@@ -10332,8 +9350,8 @@
           </a:p>
         </p:txBody>
       </p:sp>
-      <mc:AlternateContent xmlns:mc="http://schemas.openxmlformats.org/markup-compatibility/2006">
-        <mc:Choice xmlns:a14="http://schemas.microsoft.com/office/drawing/2010/main" Requires="a14">
+      <mc:AlternateContent xmlns:mc="http://schemas.openxmlformats.org/markup-compatibility/2006" xmlns:a14="http://schemas.microsoft.com/office/drawing/2010/main">
+        <mc:Choice Requires="a14">
           <p:sp>
             <p:nvSpPr>
               <p:cNvPr id="3" name="Inhaltsplatzhalter 2">
@@ -10528,14 +9546,7 @@
                         <a:latin typeface="Cambria Math" panose="02040503050406030204" pitchFamily="18" charset="0"/>
                         <a:ea typeface="Cambria Math" panose="02040503050406030204" pitchFamily="18" charset="0"/>
                       </a:rPr>
-                      <m:t>≤</m:t>
-                    </m:r>
-                    <m:r>
-                      <a:rPr lang="en-GB" b="0" i="1" smtClean="0">
-                        <a:latin typeface="Cambria Math" panose="02040503050406030204" pitchFamily="18" charset="0"/>
-                        <a:ea typeface="Cambria Math" panose="02040503050406030204" pitchFamily="18" charset="0"/>
-                      </a:rPr>
-                      <m:t>1−</m:t>
+                      <m:t>≤1−</m:t>
                     </m:r>
                     <m:sSup>
                       <m:sSupPr>
@@ -10840,13 +9851,19 @@
                       <a:rPr lang="en-GB" b="0" i="1" smtClean="0">
                         <a:latin typeface="Cambria Math" panose="02040503050406030204" pitchFamily="18" charset="0"/>
                       </a:rPr>
+                      <m:t>|</m:t>
+                    </m:r>
+                    <m:r>
+                      <a:rPr lang="en-GB" b="0" i="1" smtClean="0">
+                        <a:latin typeface="Cambria Math" panose="02040503050406030204" pitchFamily="18" charset="0"/>
+                      </a:rPr>
                       <m:t>𝐸</m:t>
                     </m:r>
                     <m:r>
                       <a:rPr lang="en-GB" b="0" i="1" smtClean="0">
                         <a:latin typeface="Cambria Math" panose="02040503050406030204" pitchFamily="18" charset="0"/>
                       </a:rPr>
-                      <m:t> </m:t>
+                      <m:t>| </m:t>
                     </m:r>
                     <m:sSub>
                       <m:sSubPr>
@@ -10893,7 +9910,7 @@
             </p:txBody>
           </p:sp>
         </mc:Choice>
-        <mc:Fallback>
+        <mc:Fallback xmlns="">
           <p:sp>
             <p:nvSpPr>
               <p:cNvPr id="3" name="Inhaltsplatzhalter 2">
@@ -10946,7 +9963,7 @@
 </p:sld>
 </file>
 
-<file path=ppt/slides/slide15.xml><?xml version="1.0" encoding="utf-8"?>
+<file path=ppt/slides/slide14.xml><?xml version="1.0" encoding="utf-8"?>
 <p:sld xmlns:a="http://schemas.openxmlformats.org/drawingml/2006/main" xmlns:r="http://schemas.openxmlformats.org/officeDocument/2006/relationships" xmlns:p="http://schemas.openxmlformats.org/presentationml/2006/main">
   <p:cSld>
     <p:spTree>
@@ -10992,8 +10009,8 @@
           </a:p>
         </p:txBody>
       </p:sp>
-      <mc:AlternateContent xmlns:mc="http://schemas.openxmlformats.org/markup-compatibility/2006">
-        <mc:Choice xmlns:a14="http://schemas.microsoft.com/office/drawing/2010/main" Requires="a14">
+      <mc:AlternateContent xmlns:mc="http://schemas.openxmlformats.org/markup-compatibility/2006" xmlns:a14="http://schemas.microsoft.com/office/drawing/2010/main">
+        <mc:Choice Requires="a14">
           <p:sp>
             <p:nvSpPr>
               <p:cNvPr id="3" name="Inhaltsplatzhalter 2">
@@ -11241,15 +10258,7 @@
                 </a14:m>
                 <a:r>
                   <a:rPr lang="de-DE" dirty="0"/>
-                  <a:t> </a:t>
-                </a:r>
-                <a:r>
-                  <a:rPr lang="de-DE" dirty="0" err="1"/>
-                  <a:t>increases</a:t>
-                </a:r>
-                <a:r>
-                  <a:rPr lang="de-DE" dirty="0"/>
-                  <a:t> </a:t>
+                  <a:t> increases </a:t>
                 </a:r>
                 <a14:m>
                   <m:oMath xmlns:m="http://schemas.openxmlformats.org/officeDocument/2006/math">
@@ -11610,7 +10619,7 @@
             </p:txBody>
           </p:sp>
         </mc:Choice>
-        <mc:Fallback>
+        <mc:Fallback xmlns="">
           <p:sp>
             <p:nvSpPr>
               <p:cNvPr id="3" name="Inhaltsplatzhalter 2">
@@ -11663,7 +10672,7 @@
 </p:sld>
 </file>
 
-<file path=ppt/slides/slide16.xml><?xml version="1.0" encoding="utf-8"?>
+<file path=ppt/slides/slide15.xml><?xml version="1.0" encoding="utf-8"?>
 <p:sld xmlns:a="http://schemas.openxmlformats.org/drawingml/2006/main" xmlns:r="http://schemas.openxmlformats.org/officeDocument/2006/relationships" xmlns:p="http://schemas.openxmlformats.org/presentationml/2006/main">
   <p:cSld>
     <p:spTree>
@@ -11729,7 +10738,9 @@
             </p:nvSpPr>
             <p:spPr/>
             <p:txBody>
-              <a:bodyPr/>
+              <a:bodyPr>
+                <a:normAutofit/>
+              </a:bodyPr>
               <a:lstStyle/>
               <a:p>
                 <a:r>
@@ -11842,24 +10853,30 @@
                     </m:nary>
                   </m:oMath>
                 </a14:m>
-                <a:endParaRPr lang="en-GB" i="1" dirty="0">
-                  <a:latin typeface="Cambria Math" panose="02040503050406030204" pitchFamily="18" charset="0"/>
-                </a:endParaRPr>
-              </a:p>
-              <a:p>
-                <a:pPr lvl="1"/>
-                <a:endParaRPr lang="en-GB" i="1" dirty="0">
-                  <a:latin typeface="Cambria Math" panose="02040503050406030204" pitchFamily="18" charset="0"/>
-                </a:endParaRPr>
-              </a:p>
-              <a:p>
-                <a:pPr lvl="1"/>
-                <a:endParaRPr lang="en-GB" i="1" dirty="0">
-                  <a:latin typeface="Cambria Math" panose="02040503050406030204" pitchFamily="18" charset="0"/>
-                </a:endParaRPr>
-              </a:p>
-              <a:p>
-                <a:pPr lvl="1"/>
+                <a:r>
+                  <a:rPr lang="en-GB" i="1" dirty="0">
+                    <a:latin typeface="Cambria Math" panose="02040503050406030204" pitchFamily="18" charset="0"/>
+                  </a:rPr>
+                  <a:t>, p </a:t>
+                </a:r>
+                <a:r>
+                  <a:rPr lang="en-GB" dirty="0">
+                    <a:latin typeface="Cambria Math" panose="02040503050406030204" pitchFamily="18" charset="0"/>
+                  </a:rPr>
+                  <a:t>optimal primal value, </a:t>
+                </a:r>
+                <a:r>
+                  <a:rPr lang="en-GB" i="1" dirty="0">
+                    <a:latin typeface="Cambria Math" panose="02040503050406030204" pitchFamily="18" charset="0"/>
+                  </a:rPr>
+                  <a:t>d </a:t>
+                </a:r>
+                <a:r>
+                  <a:rPr lang="en-GB" dirty="0">
+                    <a:latin typeface="Cambria Math" panose="02040503050406030204" pitchFamily="18" charset="0"/>
+                  </a:rPr>
+                  <a:t>optimal dual value</a:t>
+                </a:r>
                 <a:endParaRPr lang="en-GB" i="1" dirty="0">
                   <a:latin typeface="Cambria Math" panose="02040503050406030204" pitchFamily="18" charset="0"/>
                 </a:endParaRPr>
@@ -11874,141 +10891,114 @@
                 <a:pPr lvl="1"/>
                 <a14:m>
                   <m:oMath xmlns:m="http://schemas.openxmlformats.org/officeDocument/2006/math">
-                    <m:r>
-                      <a:rPr lang="en-GB" i="1">
-                        <a:latin typeface="Cambria Math" panose="02040503050406030204" pitchFamily="18" charset="0"/>
-                      </a:rPr>
-                      <m:t>𝑣</m:t>
-                    </m:r>
-                    <m:d>
-                      <m:dPr>
+                    <m:f>
+                      <m:fPr>
                         <m:ctrlPr>
-                          <a:rPr lang="en-GB" i="1">
+                          <a:rPr lang="en-GB" i="1" smtClean="0">
                             <a:latin typeface="Cambria Math" panose="02040503050406030204" pitchFamily="18" charset="0"/>
                           </a:rPr>
                         </m:ctrlPr>
-                      </m:dPr>
-                      <m:e>
+                      </m:fPr>
+                      <m:num>
                         <m:r>
-                          <a:rPr lang="en-GB" i="1">
+                          <a:rPr lang="en-GB" b="0" i="1" smtClean="0">
+                            <a:latin typeface="Cambria Math" panose="02040503050406030204" pitchFamily="18" charset="0"/>
+                          </a:rPr>
+                          <m:t>𝑝</m:t>
+                        </m:r>
+                      </m:num>
+                      <m:den>
+                        <m:r>
+                          <a:rPr lang="en-GB" b="0" i="1" smtClean="0">
+                            <a:latin typeface="Cambria Math" panose="02040503050406030204" pitchFamily="18" charset="0"/>
+                          </a:rPr>
+                          <m:t>𝑣</m:t>
+                        </m:r>
+                        <m:r>
+                          <a:rPr lang="en-GB" b="0" i="1" smtClean="0">
+                            <a:latin typeface="Cambria Math" panose="02040503050406030204" pitchFamily="18" charset="0"/>
+                          </a:rPr>
+                          <m:t>(</m:t>
+                        </m:r>
+                        <m:r>
+                          <a:rPr lang="en-GB" b="0" i="1" smtClean="0">
                             <a:latin typeface="Cambria Math" panose="02040503050406030204" pitchFamily="18" charset="0"/>
                           </a:rPr>
                           <m:t>𝑥</m:t>
                         </m:r>
-                      </m:e>
-                    </m:d>
+                        <m:r>
+                          <a:rPr lang="en-GB" b="0" i="1" smtClean="0">
+                            <a:latin typeface="Cambria Math" panose="02040503050406030204" pitchFamily="18" charset="0"/>
+                          </a:rPr>
+                          <m:t>)</m:t>
+                        </m:r>
+                      </m:den>
+                    </m:f>
                     <m:r>
-                      <a:rPr lang="en-GB" i="1">
+                      <a:rPr lang="en-GB" b="0" i="1" smtClean="0">
                         <a:latin typeface="Cambria Math" panose="02040503050406030204" pitchFamily="18" charset="0"/>
                       </a:rPr>
-                      <m:t>≔</m:t>
+                      <m:t>=</m:t>
                     </m:r>
-                    <m:nary>
-                      <m:naryPr>
-                        <m:chr m:val="∑"/>
-                        <m:supHide m:val="on"/>
+                    <m:f>
+                      <m:fPr>
                         <m:ctrlPr>
-                          <a:rPr lang="en-GB" i="1">
+                          <a:rPr lang="en-GB" b="0" i="1" smtClean="0">
                             <a:latin typeface="Cambria Math" panose="02040503050406030204" pitchFamily="18" charset="0"/>
                           </a:rPr>
                         </m:ctrlPr>
-                      </m:naryPr>
-                      <m:sub>
+                      </m:fPr>
+                      <m:num>
                         <m:r>
-                          <m:rPr>
-                            <m:brk m:alnAt="7"/>
-                          </m:rPr>
-                          <a:rPr lang="en-GB" i="1">
+                          <a:rPr lang="en-GB" b="0" i="1" smtClean="0">
                             <a:latin typeface="Cambria Math" panose="02040503050406030204" pitchFamily="18" charset="0"/>
                           </a:rPr>
-                          <m:t>𝑝</m:t>
+                          <m:t>𝑑</m:t>
+                        </m:r>
+                      </m:num>
+                      <m:den>
+                        <m:r>
+                          <a:rPr lang="en-GB" b="0" i="1" smtClean="0">
+                            <a:latin typeface="Cambria Math" panose="02040503050406030204" pitchFamily="18" charset="0"/>
+                          </a:rPr>
+                          <m:t>𝑣</m:t>
                         </m:r>
                         <m:r>
-                          <a:rPr lang="en-GB" i="1">
+                          <a:rPr lang="en-GB" b="0" i="1" smtClean="0">
                             <a:latin typeface="Cambria Math" panose="02040503050406030204" pitchFamily="18" charset="0"/>
-                            <a:ea typeface="Cambria Math" panose="02040503050406030204" pitchFamily="18" charset="0"/>
                           </a:rPr>
-                          <m:t>∈</m:t>
+                          <m:t>(</m:t>
                         </m:r>
                         <m:r>
-                          <a:rPr lang="en-GB" i="1">
-                            <a:latin typeface="Cambria Math" panose="02040503050406030204" pitchFamily="18" charset="0"/>
-                            <a:ea typeface="Cambria Math" panose="02040503050406030204" pitchFamily="18" charset="0"/>
-                          </a:rPr>
-                          <m:t>𝑃</m:t>
-                        </m:r>
-                      </m:sub>
-                      <m:sup/>
-                      <m:e>
-                        <m:r>
-                          <a:rPr lang="en-GB" i="1">
+                          <a:rPr lang="en-GB" b="0" i="1" smtClean="0">
                             <a:latin typeface="Cambria Math" panose="02040503050406030204" pitchFamily="18" charset="0"/>
                           </a:rPr>
                           <m:t>𝑥</m:t>
                         </m:r>
-                        <m:d>
-                          <m:dPr>
-                            <m:ctrlPr>
-                              <a:rPr lang="en-GB" i="1">
-                                <a:latin typeface="Cambria Math" panose="02040503050406030204" pitchFamily="18" charset="0"/>
-                              </a:rPr>
-                            </m:ctrlPr>
-                          </m:dPr>
-                          <m:e>
-                            <m:r>
-                              <a:rPr lang="en-GB" i="1">
-                                <a:latin typeface="Cambria Math" panose="02040503050406030204" pitchFamily="18" charset="0"/>
-                              </a:rPr>
-                              <m:t>𝑝</m:t>
-                            </m:r>
-                          </m:e>
-                        </m:d>
-                      </m:e>
-                    </m:nary>
+                        <m:r>
+                          <a:rPr lang="en-GB" b="0" i="1" smtClean="0">
+                            <a:latin typeface="Cambria Math" panose="02040503050406030204" pitchFamily="18" charset="0"/>
+                          </a:rPr>
+                          <m:t>)</m:t>
+                        </m:r>
+                      </m:den>
+                    </m:f>
                     <m:r>
-                      <a:rPr lang="en-GB" i="1">
+                      <a:rPr lang="en-GB" b="0" i="1" smtClean="0">
                         <a:latin typeface="Cambria Math" panose="02040503050406030204" pitchFamily="18" charset="0"/>
                         <a:ea typeface="Cambria Math" panose="02040503050406030204" pitchFamily="18" charset="0"/>
                       </a:rPr>
-                      <m:t>≥</m:t>
+                      <m:t>≤(1+</m:t>
                     </m:r>
                     <m:r>
-                      <a:rPr lang="en-GB" i="1">
-                        <a:latin typeface="Cambria Math" panose="02040503050406030204" pitchFamily="18" charset="0"/>
-                        <a:ea typeface="Cambria Math" panose="02040503050406030204" pitchFamily="18" charset="0"/>
-                      </a:rPr>
-                      <m:t>𝑝</m:t>
-                    </m:r>
-                    <m:r>
-                      <a:rPr lang="en-GB" i="1">
-                        <a:latin typeface="Cambria Math" panose="02040503050406030204" pitchFamily="18" charset="0"/>
-                        <a:ea typeface="Cambria Math" panose="02040503050406030204" pitchFamily="18" charset="0"/>
-                      </a:rPr>
-                      <m:t>.</m:t>
-                    </m:r>
-                    <m:r>
-                      <a:rPr lang="en-GB" i="1">
-                        <a:latin typeface="Cambria Math" panose="02040503050406030204" pitchFamily="18" charset="0"/>
-                        <a:ea typeface="Cambria Math" panose="02040503050406030204" pitchFamily="18" charset="0"/>
-                      </a:rPr>
-                      <m:t>𝑜𝑝𝑡</m:t>
-                    </m:r>
-                    <m:r>
-                      <a:rPr lang="en-GB" i="1">
-                        <a:latin typeface="Cambria Math" panose="02040503050406030204" pitchFamily="18" charset="0"/>
-                        <a:ea typeface="Cambria Math" panose="02040503050406030204" pitchFamily="18" charset="0"/>
-                      </a:rPr>
-                      <m:t>(1−</m:t>
-                    </m:r>
-                    <m:r>
-                      <a:rPr lang="en-GB" i="1">
+                      <a:rPr lang="en-GB" b="0" i="1" smtClean="0">
                         <a:latin typeface="Cambria Math" panose="02040503050406030204" pitchFamily="18" charset="0"/>
                         <a:ea typeface="Cambria Math" panose="02040503050406030204" pitchFamily="18" charset="0"/>
                       </a:rPr>
                       <m:t>𝜔</m:t>
                     </m:r>
                     <m:r>
-                      <a:rPr lang="en-GB" i="1">
+                      <a:rPr lang="en-GB" b="0" i="1" smtClean="0">
                         <a:latin typeface="Cambria Math" panose="02040503050406030204" pitchFamily="18" charset="0"/>
                         <a:ea typeface="Cambria Math" panose="02040503050406030204" pitchFamily="18" charset="0"/>
                       </a:rPr>
@@ -12016,105 +11006,18 @@
                     </m:r>
                   </m:oMath>
                 </a14:m>
-                <a:r>
-                  <a:rPr lang="de-DE" dirty="0"/>
-                  <a:t> </a:t>
-                </a:r>
+                <a:endParaRPr lang="en-GB" i="1" dirty="0">
+                  <a:latin typeface="Cambria Math" panose="02040503050406030204" pitchFamily="18" charset="0"/>
+                </a:endParaRPr>
               </a:p>
               <a:p>
                 <a:pPr lvl="1"/>
-                <a14:m>
-                  <m:oMath xmlns:m="http://schemas.openxmlformats.org/officeDocument/2006/math">
-                    <m:r>
-                      <a:rPr lang="de-DE" i="1">
-                        <a:latin typeface="Cambria Math" panose="02040503050406030204" pitchFamily="18" charset="0"/>
-                      </a:rPr>
-                      <m:t>⇔</m:t>
-                    </m:r>
-                    <m:r>
-                      <a:rPr lang="en-GB" i="1">
-                        <a:latin typeface="Cambria Math" panose="02040503050406030204" pitchFamily="18" charset="0"/>
-                      </a:rPr>
-                      <m:t> </m:t>
-                    </m:r>
-                    <m:f>
-                      <m:fPr>
-                        <m:ctrlPr>
-                          <a:rPr lang="en-GB" i="1">
-                            <a:latin typeface="Cambria Math" panose="02040503050406030204" pitchFamily="18" charset="0"/>
-                          </a:rPr>
-                        </m:ctrlPr>
-                      </m:fPr>
-                      <m:num>
-                        <m:r>
-                          <a:rPr lang="en-GB" i="1">
-                            <a:latin typeface="Cambria Math" panose="02040503050406030204" pitchFamily="18" charset="0"/>
-                          </a:rPr>
-                          <m:t>𝑑</m:t>
-                        </m:r>
-                        <m:r>
-                          <a:rPr lang="en-GB" i="1">
-                            <a:latin typeface="Cambria Math" panose="02040503050406030204" pitchFamily="18" charset="0"/>
-                          </a:rPr>
-                          <m:t>.</m:t>
-                        </m:r>
-                        <m:r>
-                          <a:rPr lang="en-GB" i="1">
-                            <a:latin typeface="Cambria Math" panose="02040503050406030204" pitchFamily="18" charset="0"/>
-                          </a:rPr>
-                          <m:t>𝑜𝑝𝑡</m:t>
-                        </m:r>
-                      </m:num>
-                      <m:den>
-                        <m:r>
-                          <a:rPr lang="en-GB" i="1">
-                            <a:latin typeface="Cambria Math" panose="02040503050406030204" pitchFamily="18" charset="0"/>
-                          </a:rPr>
-                          <m:t>𝑣</m:t>
-                        </m:r>
-                        <m:r>
-                          <a:rPr lang="en-GB" i="1">
-                            <a:latin typeface="Cambria Math" panose="02040503050406030204" pitchFamily="18" charset="0"/>
-                          </a:rPr>
-                          <m:t>(</m:t>
-                        </m:r>
-                        <m:r>
-                          <a:rPr lang="en-GB" i="1">
-                            <a:latin typeface="Cambria Math" panose="02040503050406030204" pitchFamily="18" charset="0"/>
-                          </a:rPr>
-                          <m:t>𝑥</m:t>
-                        </m:r>
-                        <m:r>
-                          <a:rPr lang="en-GB" i="1">
-                            <a:latin typeface="Cambria Math" panose="02040503050406030204" pitchFamily="18" charset="0"/>
-                          </a:rPr>
-                          <m:t>)</m:t>
-                        </m:r>
-                      </m:den>
-                    </m:f>
-                    <m:r>
-                      <a:rPr lang="en-GB" i="1">
-                        <a:latin typeface="Cambria Math" panose="02040503050406030204" pitchFamily="18" charset="0"/>
-                        <a:ea typeface="Cambria Math" panose="02040503050406030204" pitchFamily="18" charset="0"/>
-                      </a:rPr>
-                      <m:t>≤(1+</m:t>
-                    </m:r>
-                    <m:r>
-                      <a:rPr lang="en-GB" i="1">
-                        <a:latin typeface="Cambria Math" panose="02040503050406030204" pitchFamily="18" charset="0"/>
-                        <a:ea typeface="Cambria Math" panose="02040503050406030204" pitchFamily="18" charset="0"/>
-                      </a:rPr>
-                      <m:t>𝜔</m:t>
-                    </m:r>
-                    <m:r>
-                      <a:rPr lang="en-GB" i="1">
-                        <a:latin typeface="Cambria Math" panose="02040503050406030204" pitchFamily="18" charset="0"/>
-                        <a:ea typeface="Cambria Math" panose="02040503050406030204" pitchFamily="18" charset="0"/>
-                      </a:rPr>
-                      <m:t>)</m:t>
-                    </m:r>
-                  </m:oMath>
-                </a14:m>
+                <a:endParaRPr lang="en-GB" i="1" dirty="0">
+                  <a:latin typeface="Cambria Math" panose="02040503050406030204" pitchFamily="18" charset="0"/>
+                </a:endParaRPr>
+              </a:p>
+              <a:p>
+                <a:pPr lvl="1"/>
                 <a:endParaRPr lang="de-DE" dirty="0"/>
               </a:p>
               <a:p>
@@ -12163,6 +11066,38 @@
           </p:sp>
         </mc:Fallback>
       </mc:AlternateContent>
+      <p:sp>
+        <p:nvSpPr>
+          <p:cNvPr id="4" name="Textfeld 3">
+            <a:extLst>
+              <a:ext uri="{FF2B5EF4-FFF2-40B4-BE49-F238E27FC236}">
+                <a16:creationId xmlns:a16="http://schemas.microsoft.com/office/drawing/2014/main" id="{E6E9E07A-9E44-4FEA-B376-AF2208C89A9E}"/>
+              </a:ext>
+            </a:extLst>
+          </p:cNvPr>
+          <p:cNvSpPr txBox="1"/>
+          <p:nvPr/>
+        </p:nvSpPr>
+        <p:spPr>
+          <a:xfrm>
+            <a:off x="5636419" y="2971800"/>
+            <a:ext cx="65" cy="276999"/>
+          </a:xfrm>
+          <a:prstGeom prst="rect">
+            <a:avLst/>
+          </a:prstGeom>
+          <a:noFill/>
+        </p:spPr>
+        <p:txBody>
+          <a:bodyPr wrap="none" lIns="0" tIns="0" rIns="0" bIns="0" rtlCol="0">
+            <a:spAutoFit/>
+          </a:bodyPr>
+          <a:lstStyle/>
+          <a:p>
+            <a:endParaRPr lang="de-DE" dirty="0"/>
+          </a:p>
+        </p:txBody>
+      </p:sp>
     </p:spTree>
     <p:extLst>
       <p:ext uri="{BB962C8B-B14F-4D97-AF65-F5344CB8AC3E}">
@@ -12176,7 +11111,7 @@
 </p:sld>
 </file>
 
-<file path=ppt/slides/slide17.xml><?xml version="1.0" encoding="utf-8"?>
+<file path=ppt/slides/slide16.xml><?xml version="1.0" encoding="utf-8"?>
 <p:sld xmlns:a="http://schemas.openxmlformats.org/drawingml/2006/main" xmlns:r="http://schemas.openxmlformats.org/officeDocument/2006/relationships" xmlns:p="http://schemas.openxmlformats.org/presentationml/2006/main">
   <p:cSld>
     <p:spTree>
@@ -12222,8 +11157,8 @@
           </a:p>
         </p:txBody>
       </p:sp>
-      <mc:AlternateContent xmlns:mc="http://schemas.openxmlformats.org/markup-compatibility/2006">
-        <mc:Choice xmlns:a14="http://schemas.microsoft.com/office/drawing/2010/main" Requires="a14">
+      <mc:AlternateContent xmlns:mc="http://schemas.openxmlformats.org/markup-compatibility/2006" xmlns:a14="http://schemas.microsoft.com/office/drawing/2010/main">
+        <mc:Choice Requires="a14">
           <p:sp>
             <p:nvSpPr>
               <p:cNvPr id="3" name="Inhaltsplatzhalter 2">
@@ -12283,6 +11218,13 @@
                         <a:ea typeface="Cambria Math" panose="02040503050406030204" pitchFamily="18" charset="0"/>
                       </a:rPr>
                       <m:t>𝜔</m:t>
+                    </m:r>
+                    <m:r>
+                      <a:rPr lang="en-GB" b="0" i="1" smtClean="0">
+                        <a:latin typeface="Cambria Math" panose="02040503050406030204" pitchFamily="18" charset="0"/>
+                        <a:ea typeface="Cambria Math" panose="02040503050406030204" pitchFamily="18" charset="0"/>
+                      </a:rPr>
+                      <m:t>:</m:t>
                     </m:r>
                   </m:oMath>
                 </a14:m>
@@ -12389,7 +11331,7 @@
                             <m:nor/>
                           </m:rPr>
                           <a:rPr lang="en-GB" dirty="0"/>
-                          <m:t>-</m:t>
+                          <m:t>−</m:t>
                         </m:r>
                         <m:r>
                           <a:rPr lang="en-GB" b="0" i="1" dirty="0" smtClean="0">
@@ -12405,13 +11347,247 @@
               </a:p>
               <a:p>
                 <a:pPr lvl="1"/>
+                <a:endParaRPr lang="en-GB" b="0" i="1" dirty="0">
+                  <a:latin typeface="Cambria Math" panose="02040503050406030204" pitchFamily="18" charset="0"/>
+                </a:endParaRPr>
+              </a:p>
+              <a:p>
+                <a:pPr lvl="1"/>
+                <a14:m>
+                  <m:oMath xmlns:m="http://schemas.openxmlformats.org/officeDocument/2006/math">
+                    <m:r>
+                      <a:rPr lang="en-GB" b="0" i="1" dirty="0" smtClean="0">
+                        <a:latin typeface="Cambria Math" panose="02040503050406030204" pitchFamily="18" charset="0"/>
+                      </a:rPr>
+                      <m:t>→ </m:t>
+                    </m:r>
+                  </m:oMath>
+                </a14:m>
+                <a:r>
+                  <a:rPr lang="en-GB" dirty="0"/>
+                  <a:t> choose </a:t>
+                </a:r>
+                <a14:m>
+                  <m:oMath xmlns:m="http://schemas.openxmlformats.org/officeDocument/2006/math">
+                    <m:r>
+                      <a:rPr lang="de-DE" i="1" dirty="0">
+                        <a:latin typeface="Cambria Math" panose="02040503050406030204" pitchFamily="18" charset="0"/>
+                      </a:rPr>
+                      <m:t>𝛿</m:t>
+                    </m:r>
+                  </m:oMath>
+                </a14:m>
+                <a:r>
+                  <a:rPr lang="en-GB" dirty="0"/>
+                  <a:t> larger and modify breaking criterion:</a:t>
+                </a:r>
+              </a:p>
+              <a:p>
+                <a:pPr lvl="2"/>
+                <a14:m>
+                  <m:oMath xmlns:m="http://schemas.openxmlformats.org/officeDocument/2006/math">
+                    <m:r>
+                      <a:rPr lang="en-GB" b="0" i="1" smtClean="0">
+                        <a:latin typeface="Cambria Math" panose="02040503050406030204" pitchFamily="18" charset="0"/>
+                      </a:rPr>
+                      <m:t>𝑞</m:t>
+                    </m:r>
+                    <m:d>
+                      <m:dPr>
+                        <m:ctrlPr>
+                          <a:rPr lang="en-GB" b="0" i="1" smtClean="0">
+                            <a:latin typeface="Cambria Math" panose="02040503050406030204" pitchFamily="18" charset="0"/>
+                          </a:rPr>
+                        </m:ctrlPr>
+                      </m:dPr>
+                      <m:e>
+                        <m:r>
+                          <a:rPr lang="de-DE" i="1" dirty="0">
+                            <a:latin typeface="Cambria Math" panose="02040503050406030204" pitchFamily="18" charset="0"/>
+                          </a:rPr>
+                          <m:t>𝛿</m:t>
+                        </m:r>
+                      </m:e>
+                    </m:d>
+                    <m:r>
+                      <a:rPr lang="en-GB" i="1">
+                        <a:latin typeface="Cambria Math" panose="02040503050406030204" pitchFamily="18" charset="0"/>
+                      </a:rPr>
+                      <m:t>≔</m:t>
+                    </m:r>
+                    <m:f>
+                      <m:fPr>
+                        <m:ctrlPr>
+                          <a:rPr lang="en-GB" i="1" smtClean="0">
+                            <a:latin typeface="Cambria Math" panose="02040503050406030204" pitchFamily="18" charset="0"/>
+                          </a:rPr>
+                        </m:ctrlPr>
+                      </m:fPr>
+                      <m:num>
+                        <m:r>
+                          <a:rPr lang="de-DE" i="1" dirty="0">
+                            <a:latin typeface="Cambria Math" panose="02040503050406030204" pitchFamily="18" charset="0"/>
+                          </a:rPr>
+                          <m:t>𝛿</m:t>
+                        </m:r>
+                      </m:num>
+                      <m:den>
+                        <m:r>
+                          <a:rPr lang="en-GB" b="0" i="1" smtClean="0">
+                            <a:latin typeface="Cambria Math" panose="02040503050406030204" pitchFamily="18" charset="0"/>
+                          </a:rPr>
+                          <m:t>1+</m:t>
+                        </m:r>
+                        <m:r>
+                          <a:rPr lang="en-GB" i="1" dirty="0">
+                            <a:latin typeface="Cambria Math" panose="02040503050406030204" pitchFamily="18" charset="0"/>
+                            <a:ea typeface="Cambria Math" panose="02040503050406030204" pitchFamily="18" charset="0"/>
+                          </a:rPr>
+                          <m:t>𝜀</m:t>
+                        </m:r>
+                      </m:den>
+                    </m:f>
+                    <m:sSup>
+                      <m:sSupPr>
+                        <m:ctrlPr>
+                          <a:rPr lang="en-GB" b="0" i="1" smtClean="0">
+                            <a:latin typeface="Cambria Math" panose="02040503050406030204" pitchFamily="18" charset="0"/>
+                          </a:rPr>
+                        </m:ctrlPr>
+                      </m:sSupPr>
+                      <m:e>
+                        <m:r>
+                          <a:rPr lang="en-GB" i="1">
+                            <a:latin typeface="Cambria Math" panose="02040503050406030204" pitchFamily="18" charset="0"/>
+                          </a:rPr>
+                          <m:t>[</m:t>
+                        </m:r>
+                        <m:r>
+                          <a:rPr lang="en-GB" b="0" i="1" smtClean="0">
+                            <a:latin typeface="Cambria Math" panose="02040503050406030204" pitchFamily="18" charset="0"/>
+                          </a:rPr>
+                          <m:t>|</m:t>
+                        </m:r>
+                        <m:r>
+                          <a:rPr lang="en-GB" b="0" i="1" smtClean="0">
+                            <a:latin typeface="Cambria Math" panose="02040503050406030204" pitchFamily="18" charset="0"/>
+                          </a:rPr>
+                          <m:t>𝐸</m:t>
+                        </m:r>
+                        <m:r>
+                          <a:rPr lang="en-GB" b="0" i="1" smtClean="0">
+                            <a:latin typeface="Cambria Math" panose="02040503050406030204" pitchFamily="18" charset="0"/>
+                          </a:rPr>
+                          <m:t>|(1+</m:t>
+                        </m:r>
+                        <m:r>
+                          <a:rPr lang="en-GB" i="1" dirty="0">
+                            <a:latin typeface="Cambria Math" panose="02040503050406030204" pitchFamily="18" charset="0"/>
+                            <a:ea typeface="Cambria Math" panose="02040503050406030204" pitchFamily="18" charset="0"/>
+                          </a:rPr>
+                          <m:t>𝜀</m:t>
+                        </m:r>
+                        <m:r>
+                          <a:rPr lang="en-GB" i="1">
+                            <a:latin typeface="Cambria Math" panose="02040503050406030204" pitchFamily="18" charset="0"/>
+                          </a:rPr>
+                          <m:t>)]</m:t>
+                        </m:r>
+                      </m:e>
+                      <m:sup>
+                        <m:r>
+                          <a:rPr lang="en-GB" b="0" i="1" smtClean="0">
+                            <a:latin typeface="Cambria Math" panose="02040503050406030204" pitchFamily="18" charset="0"/>
+                          </a:rPr>
+                          <m:t>1/</m:t>
+                        </m:r>
+                        <m:r>
+                          <a:rPr lang="en-GB" i="1" dirty="0">
+                            <a:latin typeface="Cambria Math" panose="02040503050406030204" pitchFamily="18" charset="0"/>
+                            <a:ea typeface="Cambria Math" panose="02040503050406030204" pitchFamily="18" charset="0"/>
+                          </a:rPr>
+                          <m:t>𝜀</m:t>
+                        </m:r>
+                      </m:sup>
+                    </m:sSup>
+                    <m:r>
+                      <a:rPr lang="en-GB" b="0" i="1" smtClean="0">
+                        <a:latin typeface="Cambria Math" panose="02040503050406030204" pitchFamily="18" charset="0"/>
+                      </a:rPr>
+                      <m:t> </m:t>
+                    </m:r>
+                  </m:oMath>
+                </a14:m>
+                <a:endParaRPr lang="de-DE" dirty="0"/>
+              </a:p>
+              <a:p>
+                <a:pPr lvl="1"/>
                 <a:endParaRPr lang="en-GB" dirty="0"/>
               </a:p>
               <a:p>
+                <a:pPr lvl="1"/>
                 <a:r>
                   <a:rPr lang="en-GB" dirty="0"/>
-                  <a:t>Huge variety of edge lengths</a:t>
+                  <a:t>R</a:t>
                 </a:r>
+                <a:r>
+                  <a:rPr lang="de-DE" dirty="0" err="1"/>
+                  <a:t>escale</a:t>
+                </a:r>
+                <a:r>
+                  <a:rPr lang="de-DE" dirty="0"/>
+                  <a:t> </a:t>
+                </a:r>
+                <a14:m>
+                  <m:oMath xmlns:m="http://schemas.openxmlformats.org/officeDocument/2006/math">
+                    <m:r>
+                      <a:rPr lang="en-GB" b="0" i="1" smtClean="0">
+                        <a:latin typeface="Cambria Math" panose="02040503050406030204" pitchFamily="18" charset="0"/>
+                      </a:rPr>
+                      <m:t>𝑙</m:t>
+                    </m:r>
+                  </m:oMath>
+                </a14:m>
+                <a:r>
+                  <a:rPr lang="de-DE" dirty="0"/>
+                  <a:t> </a:t>
+                </a:r>
+                <a:r>
+                  <a:rPr lang="de-DE" dirty="0" err="1"/>
+                  <a:t>during</a:t>
+                </a:r>
+                <a:r>
+                  <a:rPr lang="de-DE" dirty="0"/>
+                  <a:t> </a:t>
+                </a:r>
+                <a:r>
+                  <a:rPr lang="de-DE" dirty="0" err="1"/>
+                  <a:t>the</a:t>
+                </a:r>
+                <a:r>
+                  <a:rPr lang="de-DE" dirty="0"/>
+                  <a:t> </a:t>
+                </a:r>
+                <a:r>
+                  <a:rPr lang="de-DE" dirty="0" err="1"/>
+                  <a:t>iterations</a:t>
+                </a:r>
+                <a:r>
+                  <a:rPr lang="de-DE" dirty="0"/>
+                  <a:t>:</a:t>
+                </a:r>
+              </a:p>
+              <a:p>
+                <a:pPr lvl="2"/>
+                <a:r>
+                  <a:rPr lang="en-GB" dirty="0"/>
+                  <a:t>Ratio between edge lengths increases exponentially</a:t>
+                </a:r>
+                <a:endParaRPr lang="de-DE" dirty="0"/>
+              </a:p>
+              <a:p>
+                <a:pPr lvl="1"/>
+                <a:endParaRPr lang="de-DE" dirty="0"/>
               </a:p>
               <a:p>
                 <a:endParaRPr lang="en-GB" dirty="0"/>
@@ -12422,7 +11598,7 @@
             </p:txBody>
           </p:sp>
         </mc:Choice>
-        <mc:Fallback>
+        <mc:Fallback xmlns="">
           <p:sp>
             <p:nvSpPr>
               <p:cNvPr id="3" name="Inhaltsplatzhalter 2">
@@ -12475,7 +11651,7 @@
 </p:sld>
 </file>
 
-<file path=ppt/slides/slide18.xml><?xml version="1.0" encoding="utf-8"?>
+<file path=ppt/slides/slide17.xml><?xml version="1.0" encoding="utf-8"?>
 <p:sld xmlns:a="http://schemas.openxmlformats.org/drawingml/2006/main" xmlns:r="http://schemas.openxmlformats.org/officeDocument/2006/relationships" xmlns:p="http://schemas.openxmlformats.org/presentationml/2006/main">
   <p:cSld>
     <p:spTree>
@@ -12576,13 +11752,25 @@
                     </m:r>
                   </m:oMath>
                 </a14:m>
+                <a:endParaRPr lang="en-GB" dirty="0"/>
+              </a:p>
+              <a:p>
+                <a:endParaRPr lang="en-GB" dirty="0"/>
+              </a:p>
+              <a:p>
                 <a:r>
                   <a:rPr lang="en-GB" dirty="0"/>
-                  <a:t> </a:t>
+                  <a:t>Keep track of best primal and dual solution obtained so far </a:t>
                 </a:r>
               </a:p>
               <a:p>
                 <a:endParaRPr lang="en-GB" dirty="0"/>
+              </a:p>
+              <a:p>
+                <a:r>
+                  <a:rPr lang="en-GB" dirty="0"/>
+                  <a:t>Example:</a:t>
+                </a:r>
               </a:p>
             </p:txBody>
           </p:sp>
@@ -12687,8 +11875,8 @@
           </a:p>
         </p:txBody>
       </p:sp>
-      <mc:AlternateContent xmlns:mc="http://schemas.openxmlformats.org/markup-compatibility/2006">
-        <mc:Choice xmlns:a14="http://schemas.microsoft.com/office/drawing/2010/main" Requires="a14">
+      <mc:AlternateContent xmlns:mc="http://schemas.openxmlformats.org/markup-compatibility/2006" xmlns:a14="http://schemas.microsoft.com/office/drawing/2010/main">
+        <mc:Choice Requires="a14">
           <p:sp>
             <p:nvSpPr>
               <p:cNvPr id="9" name="Textfeld 8">
@@ -12763,7 +11951,7 @@
             </p:txBody>
           </p:sp>
         </mc:Choice>
-        <mc:Fallback>
+        <mc:Fallback xmlns="">
           <p:sp>
             <p:nvSpPr>
               <p:cNvPr id="9" name="Textfeld 8">
@@ -13000,8 +12188,8 @@
           </a:fontRef>
         </p:style>
       </p:cxnSp>
-      <mc:AlternateContent xmlns:mc="http://schemas.openxmlformats.org/markup-compatibility/2006">
-        <mc:Choice xmlns:a14="http://schemas.microsoft.com/office/drawing/2010/main" Requires="a14">
+      <mc:AlternateContent xmlns:mc="http://schemas.openxmlformats.org/markup-compatibility/2006" xmlns:a14="http://schemas.microsoft.com/office/drawing/2010/main">
+        <mc:Choice Requires="a14">
           <p:sp>
             <p:nvSpPr>
               <p:cNvPr id="17" name="Textfeld 16">
@@ -13089,7 +12277,7 @@
             </p:txBody>
           </p:sp>
         </mc:Choice>
-        <mc:Fallback>
+        <mc:Fallback xmlns="">
           <p:sp>
             <p:nvSpPr>
               <p:cNvPr id="17" name="Textfeld 16">
@@ -13134,8 +12322,8 @@
           </p:sp>
         </mc:Fallback>
       </mc:AlternateContent>
-      <mc:AlternateContent xmlns:mc="http://schemas.openxmlformats.org/markup-compatibility/2006">
-        <mc:Choice xmlns:a14="http://schemas.microsoft.com/office/drawing/2010/main" Requires="a14">
+      <mc:AlternateContent xmlns:mc="http://schemas.openxmlformats.org/markup-compatibility/2006" xmlns:a14="http://schemas.microsoft.com/office/drawing/2010/main">
+        <mc:Choice Requires="a14">
           <p:sp>
             <p:nvSpPr>
               <p:cNvPr id="18" name="Textfeld 17">
@@ -13223,7 +12411,7 @@
             </p:txBody>
           </p:sp>
         </mc:Choice>
-        <mc:Fallback>
+        <mc:Fallback xmlns="">
           <p:sp>
             <p:nvSpPr>
               <p:cNvPr id="18" name="Textfeld 17">
@@ -13322,7 +12510,7 @@
 </p:sld>
 </file>
 
-<file path=ppt/slides/slide19.xml><?xml version="1.0" encoding="utf-8"?>
+<file path=ppt/slides/slide18.xml><?xml version="1.0" encoding="utf-8"?>
 <p:sld xmlns:a="http://schemas.openxmlformats.org/drawingml/2006/main" xmlns:r="http://schemas.openxmlformats.org/officeDocument/2006/relationships" xmlns:p="http://schemas.openxmlformats.org/presentationml/2006/main">
   <p:cSld>
     <p:spTree>
@@ -13373,8 +12561,8 @@
           </a:p>
         </p:txBody>
       </p:sp>
-      <mc:AlternateContent xmlns:mc="http://schemas.openxmlformats.org/markup-compatibility/2006">
-        <mc:Choice xmlns:a14="http://schemas.microsoft.com/office/drawing/2010/main" Requires="a14">
+      <mc:AlternateContent xmlns:mc="http://schemas.openxmlformats.org/markup-compatibility/2006" xmlns:a14="http://schemas.microsoft.com/office/drawing/2010/main">
+        <mc:Choice Requires="a14">
           <p:sp>
             <p:nvSpPr>
               <p:cNvPr id="3" name="Inhaltsplatzhalter 2">
@@ -13393,7 +12581,7 @@
             </p:nvSpPr>
             <p:spPr>
               <a:xfrm>
-                <a:off x="838200" y="1782618"/>
+                <a:off x="828964" y="1810326"/>
                 <a:ext cx="10515600" cy="4394345"/>
               </a:xfrm>
             </p:spPr>
@@ -13405,8 +12593,94 @@
                   <a:rPr lang="en-GB" dirty="0"/>
                   <a:t>Group commodities: </a:t>
                 </a:r>
+              </a:p>
+              <a:p>
+                <a:pPr lvl="1"/>
                 <a14:m>
                   <m:oMath xmlns:m="http://schemas.openxmlformats.org/officeDocument/2006/math">
+                    <m:d>
+                      <m:dPr>
+                        <m:begChr m:val="{"/>
+                        <m:endChr m:val="}"/>
+                        <m:ctrlPr>
+                          <a:rPr lang="en-GB" b="0" i="1" dirty="0" smtClean="0">
+                            <a:latin typeface="Cambria Math" panose="02040503050406030204" pitchFamily="18" charset="0"/>
+                          </a:rPr>
+                        </m:ctrlPr>
+                      </m:dPr>
+                      <m:e>
+                        <m:d>
+                          <m:dPr>
+                            <m:ctrlPr>
+                              <a:rPr lang="en-GB" b="0" i="1" dirty="0" smtClean="0">
+                                <a:latin typeface="Cambria Math" panose="02040503050406030204" pitchFamily="18" charset="0"/>
+                              </a:rPr>
+                            </m:ctrlPr>
+                          </m:dPr>
+                          <m:e>
+                            <m:r>
+                              <a:rPr lang="en-GB" b="0" i="1" dirty="0" smtClean="0">
+                                <a:latin typeface="Cambria Math" panose="02040503050406030204" pitchFamily="18" charset="0"/>
+                              </a:rPr>
+                              <m:t>𝑑</m:t>
+                            </m:r>
+                            <m:r>
+                              <a:rPr lang="en-GB" b="0" i="1" dirty="0" smtClean="0">
+                                <a:latin typeface="Cambria Math" panose="02040503050406030204" pitchFamily="18" charset="0"/>
+                              </a:rPr>
+                              <m:t>,</m:t>
+                            </m:r>
+                            <m:r>
+                              <a:rPr lang="en-GB" b="0" i="1" dirty="0" smtClean="0">
+                                <a:latin typeface="Cambria Math" panose="02040503050406030204" pitchFamily="18" charset="0"/>
+                              </a:rPr>
+                              <m:t>𝑐</m:t>
+                            </m:r>
+                          </m:e>
+                        </m:d>
+                        <m:r>
+                          <a:rPr lang="en-GB" b="0" i="1" dirty="0" smtClean="0">
+                            <a:latin typeface="Cambria Math" panose="02040503050406030204" pitchFamily="18" charset="0"/>
+                          </a:rPr>
+                          <m:t>, </m:t>
+                        </m:r>
+                        <m:d>
+                          <m:dPr>
+                            <m:ctrlPr>
+                              <a:rPr lang="en-GB" b="0" i="1" dirty="0" smtClean="0">
+                                <a:latin typeface="Cambria Math" panose="02040503050406030204" pitchFamily="18" charset="0"/>
+                              </a:rPr>
+                            </m:ctrlPr>
+                          </m:dPr>
+                          <m:e>
+                            <m:r>
+                              <a:rPr lang="en-GB" b="0" i="1" dirty="0" smtClean="0">
+                                <a:latin typeface="Cambria Math" panose="02040503050406030204" pitchFamily="18" charset="0"/>
+                              </a:rPr>
+                              <m:t>𝑎</m:t>
+                            </m:r>
+                            <m:r>
+                              <a:rPr lang="en-GB" b="0" i="1" dirty="0" smtClean="0">
+                                <a:latin typeface="Cambria Math" panose="02040503050406030204" pitchFamily="18" charset="0"/>
+                              </a:rPr>
+                              <m:t>,</m:t>
+                            </m:r>
+                            <m:r>
+                              <a:rPr lang="en-GB" b="0" i="1" dirty="0" smtClean="0">
+                                <a:latin typeface="Cambria Math" panose="02040503050406030204" pitchFamily="18" charset="0"/>
+                              </a:rPr>
+                              <m:t>𝑐</m:t>
+                            </m:r>
+                          </m:e>
+                        </m:d>
+                      </m:e>
+                    </m:d>
+                    <m:r>
+                      <a:rPr lang="en-GB" b="0" i="1" dirty="0" smtClean="0">
+                        <a:latin typeface="Cambria Math" panose="02040503050406030204" pitchFamily="18" charset="0"/>
+                      </a:rPr>
+                      <m:t>  →   {</m:t>
+                    </m:r>
                     <m:d>
                       <m:dPr>
                         <m:ctrlPr>
@@ -13420,7 +12694,7 @@
                           <a:rPr lang="en-GB" b="0" i="1" dirty="0" smtClean="0">
                             <a:latin typeface="Cambria Math" panose="02040503050406030204" pitchFamily="18" charset="0"/>
                           </a:rPr>
-                          <m:t>𝑑</m:t>
+                          <m:t>𝑒</m:t>
                         </m:r>
                         <m:r>
                           <a:rPr lang="en-GB" b="0" i="1" dirty="0" smtClean="0">
@@ -13440,78 +12714,45 @@
                       <a:rPr lang="en-GB" b="0" i="1" dirty="0" smtClean="0">
                         <a:latin typeface="Cambria Math" panose="02040503050406030204" pitchFamily="18" charset="0"/>
                       </a:rPr>
-                      <m:t>, </m:t>
+                      <m:t>}</m:t>
                     </m:r>
-                    <m:d>
-                      <m:dPr>
-                        <m:ctrlPr>
-                          <a:rPr lang="en-GB" b="0" i="1" dirty="0" smtClean="0">
-                            <a:latin typeface="Cambria Math" panose="02040503050406030204" pitchFamily="18" charset="0"/>
-                          </a:rPr>
-                        </m:ctrlPr>
-                      </m:dPr>
-                      <m:e>
-                        <m:r>
-                          <a:rPr lang="en-GB" b="0" i="1" dirty="0" smtClean="0">
-                            <a:latin typeface="Cambria Math" panose="02040503050406030204" pitchFamily="18" charset="0"/>
-                          </a:rPr>
-                          <m:t>𝑎</m:t>
-                        </m:r>
-                        <m:r>
-                          <a:rPr lang="en-GB" b="0" i="1" dirty="0" smtClean="0">
-                            <a:latin typeface="Cambria Math" panose="02040503050406030204" pitchFamily="18" charset="0"/>
-                          </a:rPr>
-                          <m:t>,</m:t>
-                        </m:r>
-                        <m:r>
-                          <a:rPr lang="en-GB" b="0" i="1" dirty="0" smtClean="0">
-                            <a:latin typeface="Cambria Math" panose="02040503050406030204" pitchFamily="18" charset="0"/>
-                          </a:rPr>
-                          <m:t>𝑐</m:t>
-                        </m:r>
-                      </m:e>
-                    </m:d>
+                  </m:oMath>
+                </a14:m>
+                <a:endParaRPr lang="de-DE" dirty="0"/>
+              </a:p>
+              <a:p>
+                <a:pPr marL="457200" lvl="1" indent="0">
+                  <a:buNone/>
+                </a:pPr>
+                <a:r>
+                  <a:rPr lang="en-GB" b="0" dirty="0"/>
+                  <a:t>				</a:t>
+                </a:r>
+              </a:p>
+              <a:p>
+                <a:pPr marL="457200" lvl="1" indent="0">
+                  <a:buNone/>
+                </a:pPr>
+                <a:r>
+                  <a:rPr lang="en-GB" dirty="0"/>
+                  <a:t>				</a:t>
+                </a:r>
+              </a:p>
+              <a:p>
+                <a:pPr marL="457200" lvl="1" indent="0">
+                  <a:buNone/>
+                </a:pPr>
+                <a:r>
+                  <a:rPr lang="en-GB" b="0" dirty="0"/>
+                  <a:t>				         </a:t>
+                </a:r>
+                <a14:m>
+                  <m:oMath xmlns:m="http://schemas.openxmlformats.org/officeDocument/2006/math">
                     <m:r>
-                      <a:rPr lang="en-GB" b="0" i="1" dirty="0" smtClean="0">
+                      <a:rPr lang="en-GB" b="0" i="1" smtClean="0">
                         <a:latin typeface="Cambria Math" panose="02040503050406030204" pitchFamily="18" charset="0"/>
                       </a:rPr>
-                      <m:t>       →</m:t>
-                    </m:r>
-                    <m:r>
-                      <a:rPr lang="en-GB" b="0" i="1" dirty="0" smtClean="0">
-                        <a:latin typeface="Cambria Math" panose="02040503050406030204" pitchFamily="18" charset="0"/>
-                      </a:rPr>
-                      <m:t>      </m:t>
-                    </m:r>
-                    <m:r>
-                      <a:rPr lang="en-GB" b="0" i="1" dirty="0" smtClean="0">
-                        <a:latin typeface="Cambria Math" panose="02040503050406030204" pitchFamily="18" charset="0"/>
-                      </a:rPr>
-                      <m:t>(</m:t>
-                    </m:r>
-                    <m:r>
-                      <a:rPr lang="en-GB" b="0" i="1" dirty="0" smtClean="0">
-                        <a:latin typeface="Cambria Math" panose="02040503050406030204" pitchFamily="18" charset="0"/>
-                      </a:rPr>
-                      <m:t>𝑒</m:t>
-                    </m:r>
-                    <m:r>
-                      <a:rPr lang="en-GB" b="0" i="1" dirty="0" smtClean="0">
-                        <a:latin typeface="Cambria Math" panose="02040503050406030204" pitchFamily="18" charset="0"/>
-                      </a:rPr>
-                      <m:t>,</m:t>
-                    </m:r>
-                    <m:r>
-                      <a:rPr lang="en-GB" b="0" i="1" dirty="0" smtClean="0">
-                        <a:latin typeface="Cambria Math" panose="02040503050406030204" pitchFamily="18" charset="0"/>
-                      </a:rPr>
-                      <m:t>𝑐</m:t>
-                    </m:r>
-                    <m:r>
-                      <a:rPr lang="en-GB" b="0" i="1" dirty="0" smtClean="0">
-                        <a:latin typeface="Cambria Math" panose="02040503050406030204" pitchFamily="18" charset="0"/>
-                      </a:rPr>
-                      <m:t>)</m:t>
+                      <m:t>→</m:t>
                     </m:r>
                   </m:oMath>
                 </a14:m>
@@ -13520,10 +12761,14 @@
                   <a:t> </a:t>
                 </a:r>
               </a:p>
+              <a:p>
+                <a:pPr lvl="3"/>
+                <a:endParaRPr lang="de-DE" dirty="0"/>
+              </a:p>
             </p:txBody>
           </p:sp>
         </mc:Choice>
-        <mc:Fallback>
+        <mc:Fallback xmlns="">
           <p:sp>
             <p:nvSpPr>
               <p:cNvPr id="3" name="Inhaltsplatzhalter 2">
@@ -13542,13 +12787,13 @@
             </p:nvSpPr>
             <p:spPr>
               <a:xfrm>
-                <a:off x="838200" y="1782618"/>
+                <a:off x="828964" y="1810326"/>
                 <a:ext cx="10515600" cy="4394345"/>
               </a:xfrm>
               <a:blipFill>
                 <a:blip r:embed="rId2"/>
                 <a:stretch>
-                  <a:fillRect l="-1043" t="-2219"/>
+                  <a:fillRect l="-1043" t="-2358"/>
                 </a:stretch>
               </a:blipFill>
             </p:spPr>
@@ -13581,7 +12826,7 @@
         </p:nvSpPr>
         <p:spPr>
           <a:xfrm>
-            <a:off x="838200" y="4102623"/>
+            <a:off x="949037" y="4111859"/>
             <a:ext cx="807868" cy="648069"/>
           </a:xfrm>
           <a:prstGeom prst="rect">
@@ -13631,7 +12876,7 @@
         </p:nvSpPr>
         <p:spPr>
           <a:xfrm>
-            <a:off x="2498222" y="4111174"/>
+            <a:off x="2609059" y="4120410"/>
             <a:ext cx="807868" cy="648069"/>
           </a:xfrm>
           <a:prstGeom prst="rect">
@@ -13681,7 +12926,7 @@
         </p:nvSpPr>
         <p:spPr>
           <a:xfrm>
-            <a:off x="3371160" y="3127841"/>
+            <a:off x="3481997" y="3137077"/>
             <a:ext cx="807868" cy="648069"/>
           </a:xfrm>
           <a:prstGeom prst="rect">
@@ -13734,7 +12979,7 @@
         </p:nvCxnSpPr>
         <p:spPr>
           <a:xfrm flipV="1">
-            <a:off x="1646068" y="4424431"/>
+            <a:off x="1756905" y="4433667"/>
             <a:ext cx="871221" cy="2227"/>
           </a:xfrm>
           <a:prstGeom prst="straightConnector1">
@@ -13773,7 +13018,7 @@
         </p:nvSpPr>
         <p:spPr>
           <a:xfrm>
-            <a:off x="838200" y="3127841"/>
+            <a:off x="949037" y="3137077"/>
             <a:ext cx="807868" cy="648069"/>
           </a:xfrm>
           <a:prstGeom prst="rect">
@@ -13827,7 +13072,7 @@
         </p:nvCxnSpPr>
         <p:spPr>
           <a:xfrm flipV="1">
-            <a:off x="3306090" y="3775910"/>
+            <a:off x="3416927" y="3785146"/>
             <a:ext cx="469004" cy="659299"/>
           </a:xfrm>
           <a:prstGeom prst="straightConnector1">
@@ -13869,7 +13114,7 @@
         </p:nvCxnSpPr>
         <p:spPr>
           <a:xfrm>
-            <a:off x="1646068" y="3451876"/>
+            <a:off x="1756905" y="3461112"/>
             <a:ext cx="1725092" cy="0"/>
           </a:xfrm>
           <a:prstGeom prst="straightConnector1">
@@ -13908,7 +13153,7 @@
         </p:nvSpPr>
         <p:spPr>
           <a:xfrm>
-            <a:off x="7609038" y="4102623"/>
+            <a:off x="7719875" y="4111859"/>
             <a:ext cx="807868" cy="648069"/>
           </a:xfrm>
           <a:prstGeom prst="rect">
@@ -13958,7 +13203,7 @@
         </p:nvSpPr>
         <p:spPr>
           <a:xfrm>
-            <a:off x="9269060" y="4111174"/>
+            <a:off x="9379897" y="4120410"/>
             <a:ext cx="807868" cy="648069"/>
           </a:xfrm>
           <a:prstGeom prst="rect">
@@ -14008,7 +13253,7 @@
         </p:nvSpPr>
         <p:spPr>
           <a:xfrm>
-            <a:off x="10141998" y="3127841"/>
+            <a:off x="10252835" y="3137077"/>
             <a:ext cx="807868" cy="648069"/>
           </a:xfrm>
           <a:prstGeom prst="rect">
@@ -14061,7 +13306,7 @@
         </p:nvCxnSpPr>
         <p:spPr>
           <a:xfrm flipV="1">
-            <a:off x="8416906" y="4424431"/>
+            <a:off x="8527743" y="4433667"/>
             <a:ext cx="871221" cy="2227"/>
           </a:xfrm>
           <a:prstGeom prst="straightConnector1">
@@ -14100,7 +13345,7 @@
         </p:nvSpPr>
         <p:spPr>
           <a:xfrm>
-            <a:off x="7609038" y="3127841"/>
+            <a:off x="7719875" y="3137077"/>
             <a:ext cx="807868" cy="648069"/>
           </a:xfrm>
           <a:prstGeom prst="rect">
@@ -14154,7 +13399,7 @@
         </p:nvCxnSpPr>
         <p:spPr>
           <a:xfrm flipV="1">
-            <a:off x="10076928" y="3775910"/>
+            <a:off x="10187765" y="3785146"/>
             <a:ext cx="469004" cy="659299"/>
           </a:xfrm>
           <a:prstGeom prst="straightConnector1">
@@ -14196,7 +13441,7 @@
         </p:nvCxnSpPr>
         <p:spPr>
           <a:xfrm>
-            <a:off x="8416906" y="3451876"/>
+            <a:off x="8527743" y="3461112"/>
             <a:ext cx="1725092" cy="0"/>
           </a:xfrm>
           <a:prstGeom prst="straightConnector1">
@@ -14235,12 +13480,15 @@
         </p:nvSpPr>
         <p:spPr>
           <a:xfrm>
-            <a:off x="6242984" y="3658599"/>
+            <a:off x="6182299" y="3617416"/>
             <a:ext cx="807868" cy="648069"/>
           </a:xfrm>
           <a:prstGeom prst="rect">
             <a:avLst/>
           </a:prstGeom>
+          <a:solidFill>
+            <a:schemeClr val="accent2"/>
+          </a:solidFill>
         </p:spPr>
         <p:style>
           <a:lnRef idx="2">
@@ -14288,8 +13536,8 @@
         </p:nvCxnSpPr>
         <p:spPr>
           <a:xfrm flipV="1">
-            <a:off x="7050852" y="3451876"/>
-            <a:ext cx="558186" cy="530758"/>
+            <a:off x="6990167" y="3461112"/>
+            <a:ext cx="729708" cy="480339"/>
           </a:xfrm>
           <a:prstGeom prst="straightConnector1">
             <a:avLst/>
@@ -14300,13 +13548,13 @@
         </p:spPr>
         <p:style>
           <a:lnRef idx="1">
-            <a:schemeClr val="accent1"/>
+            <a:schemeClr val="accent2"/>
           </a:lnRef>
           <a:fillRef idx="0">
-            <a:schemeClr val="accent1"/>
+            <a:schemeClr val="accent2"/>
           </a:fillRef>
           <a:effectRef idx="0">
-            <a:schemeClr val="accent1"/>
+            <a:schemeClr val="accent2"/>
           </a:effectRef>
           <a:fontRef idx="minor">
             <a:schemeClr val="tx1"/>
@@ -14330,8 +13578,8 @@
         </p:nvCxnSpPr>
         <p:spPr>
           <a:xfrm>
-            <a:off x="7050852" y="3982634"/>
-            <a:ext cx="558186" cy="444024"/>
+            <a:off x="6990167" y="3941451"/>
+            <a:ext cx="729708" cy="494443"/>
           </a:xfrm>
           <a:prstGeom prst="straightConnector1">
             <a:avLst/>
@@ -14342,13 +13590,13 @@
         </p:spPr>
         <p:style>
           <a:lnRef idx="1">
-            <a:schemeClr val="accent1"/>
+            <a:schemeClr val="accent2"/>
           </a:lnRef>
           <a:fillRef idx="0">
-            <a:schemeClr val="accent1"/>
+            <a:schemeClr val="accent2"/>
           </a:fillRef>
           <a:effectRef idx="0">
-            <a:schemeClr val="accent1"/>
+            <a:schemeClr val="accent2"/>
           </a:effectRef>
           <a:fontRef idx="minor">
             <a:schemeClr val="tx1"/>
@@ -14369,7 +13617,7 @@
         </p:nvSpPr>
         <p:spPr>
           <a:xfrm>
-            <a:off x="2376360" y="3070899"/>
+            <a:off x="2487197" y="3080135"/>
             <a:ext cx="301686" cy="369332"/>
           </a:xfrm>
           <a:prstGeom prst="rect">
@@ -14408,7 +13656,7 @@
         </p:nvSpPr>
         <p:spPr>
           <a:xfrm>
-            <a:off x="1964229" y="4034677"/>
+            <a:off x="2075066" y="4043913"/>
             <a:ext cx="301686" cy="369332"/>
           </a:xfrm>
           <a:prstGeom prst="rect">
@@ -14447,7 +13695,7 @@
         </p:nvSpPr>
         <p:spPr>
           <a:xfrm>
-            <a:off x="3306090" y="3816628"/>
+            <a:off x="3416927" y="3825864"/>
             <a:ext cx="301686" cy="369332"/>
           </a:xfrm>
           <a:prstGeom prst="rect">
@@ -14486,7 +13734,7 @@
         </p:nvSpPr>
         <p:spPr>
           <a:xfrm>
-            <a:off x="8967374" y="3082543"/>
+            <a:off x="9186270" y="3102809"/>
             <a:ext cx="301686" cy="369332"/>
           </a:xfrm>
           <a:prstGeom prst="rect">
@@ -14525,7 +13773,7 @@
         </p:nvSpPr>
         <p:spPr>
           <a:xfrm>
-            <a:off x="8753656" y="4113478"/>
+            <a:off x="8864493" y="4122714"/>
             <a:ext cx="301686" cy="369332"/>
           </a:xfrm>
           <a:prstGeom prst="rect">
@@ -14564,7 +13812,7 @@
         </p:nvSpPr>
         <p:spPr>
           <a:xfrm>
-            <a:off x="10127444" y="3797967"/>
+            <a:off x="10238281" y="3807203"/>
             <a:ext cx="301686" cy="369332"/>
           </a:xfrm>
           <a:prstGeom prst="rect">
@@ -14603,7 +13851,7 @@
         </p:nvSpPr>
         <p:spPr>
           <a:xfrm>
-            <a:off x="7071759" y="3406124"/>
+            <a:off x="7118467" y="3387453"/>
             <a:ext cx="381836" cy="369332"/>
           </a:xfrm>
           <a:prstGeom prst="rect">
@@ -14642,7 +13890,7 @@
         </p:nvSpPr>
         <p:spPr>
           <a:xfrm>
-            <a:off x="7185502" y="3911805"/>
+            <a:off x="7256685" y="3917866"/>
             <a:ext cx="381836" cy="369332"/>
           </a:xfrm>
           <a:prstGeom prst="rect">
@@ -14667,10 +13915,813 @@
           </a:p>
         </p:txBody>
       </p:sp>
+      <mc:AlternateContent xmlns:mc="http://schemas.openxmlformats.org/markup-compatibility/2006" xmlns:a14="http://schemas.microsoft.com/office/drawing/2010/main">
+        <mc:Choice Requires="a14">
+          <p:sp>
+            <p:nvSpPr>
+              <p:cNvPr id="29" name="Textfeld 28">
+                <a:extLst>
+                  <a:ext uri="{FF2B5EF4-FFF2-40B4-BE49-F238E27FC236}">
+                    <a16:creationId xmlns:a16="http://schemas.microsoft.com/office/drawing/2014/main" id="{B8B92B30-B1C5-43A4-AA55-A07E2B753080}"/>
+                  </a:ext>
+                </a:extLst>
+              </p:cNvPr>
+              <p:cNvSpPr txBox="1"/>
+              <p:nvPr/>
+            </p:nvSpPr>
+            <p:spPr>
+              <a:xfrm>
+                <a:off x="9179291" y="3483169"/>
+                <a:ext cx="370038" cy="369332"/>
+              </a:xfrm>
+              <a:prstGeom prst="rect">
+                <a:avLst/>
+              </a:prstGeom>
+              <a:noFill/>
+            </p:spPr>
+            <p:txBody>
+              <a:bodyPr wrap="none" rtlCol="0">
+                <a:spAutoFit/>
+              </a:bodyPr>
+              <a:lstStyle/>
+              <a:p>
+                <a:pPr/>
+                <a14:m>
+                  <m:oMathPara xmlns:m="http://schemas.openxmlformats.org/officeDocument/2006/math">
+                    <m:oMathParaPr>
+                      <m:jc m:val="centerGroup"/>
+                    </m:oMathParaPr>
+                    <m:oMath xmlns:m="http://schemas.openxmlformats.org/officeDocument/2006/math">
+                      <m:r>
+                        <a:rPr lang="de-DE" i="1" dirty="0" smtClean="0">
+                          <a:solidFill>
+                            <a:srgbClr val="92D050"/>
+                          </a:solidFill>
+                          <a:latin typeface="Cambria Math" panose="02040503050406030204" pitchFamily="18" charset="0"/>
+                        </a:rPr>
+                        <m:t>𝛿</m:t>
+                      </m:r>
+                    </m:oMath>
+                  </m:oMathPara>
+                </a14:m>
+                <a:endParaRPr lang="de-DE" dirty="0"/>
+              </a:p>
+            </p:txBody>
+          </p:sp>
+        </mc:Choice>
+        <mc:Fallback xmlns="">
+          <p:sp>
+            <p:nvSpPr>
+              <p:cNvPr id="29" name="Textfeld 28">
+                <a:extLst>
+                  <a:ext uri="{FF2B5EF4-FFF2-40B4-BE49-F238E27FC236}">
+                    <a16:creationId xmlns:a16="http://schemas.microsoft.com/office/drawing/2014/main" id="{B8B92B30-B1C5-43A4-AA55-A07E2B753080}"/>
+                  </a:ext>
+                </a:extLst>
+              </p:cNvPr>
+              <p:cNvSpPr txBox="1">
+                <a:spLocks noRot="1" noChangeAspect="1" noMove="1" noResize="1" noEditPoints="1" noAdjustHandles="1" noChangeArrowheads="1" noChangeShapeType="1" noTextEdit="1"/>
+              </p:cNvSpPr>
+              <p:nvPr/>
+            </p:nvSpPr>
+            <p:spPr>
+              <a:xfrm>
+                <a:off x="9179291" y="3483169"/>
+                <a:ext cx="370038" cy="369332"/>
+              </a:xfrm>
+              <a:prstGeom prst="rect">
+                <a:avLst/>
+              </a:prstGeom>
+              <a:blipFill>
+                <a:blip r:embed="rId3"/>
+                <a:stretch>
+                  <a:fillRect/>
+                </a:stretch>
+              </a:blipFill>
+            </p:spPr>
+            <p:txBody>
+              <a:bodyPr/>
+              <a:lstStyle/>
+              <a:p>
+                <a:r>
+                  <a:rPr lang="de-DE">
+                    <a:noFill/>
+                  </a:rPr>
+                  <a:t> </a:t>
+                </a:r>
+              </a:p>
+            </p:txBody>
+          </p:sp>
+        </mc:Fallback>
+      </mc:AlternateContent>
+      <mc:AlternateContent xmlns:mc="http://schemas.openxmlformats.org/markup-compatibility/2006" xmlns:a14="http://schemas.microsoft.com/office/drawing/2010/main">
+        <mc:Choice Requires="a14">
+          <p:sp>
+            <p:nvSpPr>
+              <p:cNvPr id="30" name="Textfeld 29">
+                <a:extLst>
+                  <a:ext uri="{FF2B5EF4-FFF2-40B4-BE49-F238E27FC236}">
+                    <a16:creationId xmlns:a16="http://schemas.microsoft.com/office/drawing/2014/main" id="{8E6364EA-B5AB-4F72-ACEB-3C21C41DCDF0}"/>
+                  </a:ext>
+                </a:extLst>
+              </p:cNvPr>
+              <p:cNvSpPr txBox="1"/>
+              <p:nvPr/>
+            </p:nvSpPr>
+            <p:spPr>
+              <a:xfrm>
+                <a:off x="8830317" y="4433667"/>
+                <a:ext cx="370038" cy="369332"/>
+              </a:xfrm>
+              <a:prstGeom prst="rect">
+                <a:avLst/>
+              </a:prstGeom>
+              <a:noFill/>
+            </p:spPr>
+            <p:txBody>
+              <a:bodyPr wrap="none" rtlCol="0">
+                <a:spAutoFit/>
+              </a:bodyPr>
+              <a:lstStyle/>
+              <a:p>
+                <a:pPr/>
+                <a14:m>
+                  <m:oMathPara xmlns:m="http://schemas.openxmlformats.org/officeDocument/2006/math">
+                    <m:oMathParaPr>
+                      <m:jc m:val="centerGroup"/>
+                    </m:oMathParaPr>
+                    <m:oMath xmlns:m="http://schemas.openxmlformats.org/officeDocument/2006/math">
+                      <m:r>
+                        <a:rPr lang="de-DE" i="1" dirty="0" smtClean="0">
+                          <a:solidFill>
+                            <a:srgbClr val="92D050"/>
+                          </a:solidFill>
+                          <a:latin typeface="Cambria Math" panose="02040503050406030204" pitchFamily="18" charset="0"/>
+                        </a:rPr>
+                        <m:t>𝛿</m:t>
+                      </m:r>
+                    </m:oMath>
+                  </m:oMathPara>
+                </a14:m>
+                <a:endParaRPr lang="de-DE" dirty="0"/>
+              </a:p>
+            </p:txBody>
+          </p:sp>
+        </mc:Choice>
+        <mc:Fallback xmlns="">
+          <p:sp>
+            <p:nvSpPr>
+              <p:cNvPr id="30" name="Textfeld 29">
+                <a:extLst>
+                  <a:ext uri="{FF2B5EF4-FFF2-40B4-BE49-F238E27FC236}">
+                    <a16:creationId xmlns:a16="http://schemas.microsoft.com/office/drawing/2014/main" id="{8E6364EA-B5AB-4F72-ACEB-3C21C41DCDF0}"/>
+                  </a:ext>
+                </a:extLst>
+              </p:cNvPr>
+              <p:cNvSpPr txBox="1">
+                <a:spLocks noRot="1" noChangeAspect="1" noMove="1" noResize="1" noEditPoints="1" noAdjustHandles="1" noChangeArrowheads="1" noChangeShapeType="1" noTextEdit="1"/>
+              </p:cNvSpPr>
+              <p:nvPr/>
+            </p:nvSpPr>
+            <p:spPr>
+              <a:xfrm>
+                <a:off x="8830317" y="4433667"/>
+                <a:ext cx="370038" cy="369332"/>
+              </a:xfrm>
+              <a:prstGeom prst="rect">
+                <a:avLst/>
+              </a:prstGeom>
+              <a:blipFill>
+                <a:blip r:embed="rId4"/>
+                <a:stretch>
+                  <a:fillRect/>
+                </a:stretch>
+              </a:blipFill>
+            </p:spPr>
+            <p:txBody>
+              <a:bodyPr/>
+              <a:lstStyle/>
+              <a:p>
+                <a:r>
+                  <a:rPr lang="de-DE">
+                    <a:noFill/>
+                  </a:rPr>
+                  <a:t> </a:t>
+                </a:r>
+              </a:p>
+            </p:txBody>
+          </p:sp>
+        </mc:Fallback>
+      </mc:AlternateContent>
+      <mc:AlternateContent xmlns:mc="http://schemas.openxmlformats.org/markup-compatibility/2006" xmlns:a14="http://schemas.microsoft.com/office/drawing/2010/main">
+        <mc:Choice Requires="a14">
+          <p:sp>
+            <p:nvSpPr>
+              <p:cNvPr id="31" name="Textfeld 30">
+                <a:extLst>
+                  <a:ext uri="{FF2B5EF4-FFF2-40B4-BE49-F238E27FC236}">
+                    <a16:creationId xmlns:a16="http://schemas.microsoft.com/office/drawing/2014/main" id="{D92D85A7-026D-4E15-B05D-1CD712F6051F}"/>
+                  </a:ext>
+                </a:extLst>
+              </p:cNvPr>
+              <p:cNvSpPr txBox="1"/>
+              <p:nvPr/>
+            </p:nvSpPr>
+            <p:spPr>
+              <a:xfrm>
+                <a:off x="10317108" y="4175081"/>
+                <a:ext cx="370038" cy="369332"/>
+              </a:xfrm>
+              <a:prstGeom prst="rect">
+                <a:avLst/>
+              </a:prstGeom>
+              <a:noFill/>
+            </p:spPr>
+            <p:txBody>
+              <a:bodyPr wrap="none" rtlCol="0">
+                <a:spAutoFit/>
+              </a:bodyPr>
+              <a:lstStyle/>
+              <a:p>
+                <a:pPr/>
+                <a14:m>
+                  <m:oMathPara xmlns:m="http://schemas.openxmlformats.org/officeDocument/2006/math">
+                    <m:oMathParaPr>
+                      <m:jc m:val="centerGroup"/>
+                    </m:oMathParaPr>
+                    <m:oMath xmlns:m="http://schemas.openxmlformats.org/officeDocument/2006/math">
+                      <m:r>
+                        <a:rPr lang="de-DE" i="1" dirty="0" smtClean="0">
+                          <a:solidFill>
+                            <a:srgbClr val="92D050"/>
+                          </a:solidFill>
+                          <a:latin typeface="Cambria Math" panose="02040503050406030204" pitchFamily="18" charset="0"/>
+                        </a:rPr>
+                        <m:t>𝛿</m:t>
+                      </m:r>
+                    </m:oMath>
+                  </m:oMathPara>
+                </a14:m>
+                <a:endParaRPr lang="de-DE" dirty="0"/>
+              </a:p>
+            </p:txBody>
+          </p:sp>
+        </mc:Choice>
+        <mc:Fallback xmlns="">
+          <p:sp>
+            <p:nvSpPr>
+              <p:cNvPr id="31" name="Textfeld 30">
+                <a:extLst>
+                  <a:ext uri="{FF2B5EF4-FFF2-40B4-BE49-F238E27FC236}">
+                    <a16:creationId xmlns:a16="http://schemas.microsoft.com/office/drawing/2014/main" id="{D92D85A7-026D-4E15-B05D-1CD712F6051F}"/>
+                  </a:ext>
+                </a:extLst>
+              </p:cNvPr>
+              <p:cNvSpPr txBox="1">
+                <a:spLocks noRot="1" noChangeAspect="1" noMove="1" noResize="1" noEditPoints="1" noAdjustHandles="1" noChangeArrowheads="1" noChangeShapeType="1" noTextEdit="1"/>
+              </p:cNvSpPr>
+              <p:nvPr/>
+            </p:nvSpPr>
+            <p:spPr>
+              <a:xfrm>
+                <a:off x="10317108" y="4175081"/>
+                <a:ext cx="370038" cy="369332"/>
+              </a:xfrm>
+              <a:prstGeom prst="rect">
+                <a:avLst/>
+              </a:prstGeom>
+              <a:blipFill>
+                <a:blip r:embed="rId5"/>
+                <a:stretch>
+                  <a:fillRect/>
+                </a:stretch>
+              </a:blipFill>
+            </p:spPr>
+            <p:txBody>
+              <a:bodyPr/>
+              <a:lstStyle/>
+              <a:p>
+                <a:r>
+                  <a:rPr lang="de-DE">
+                    <a:noFill/>
+                  </a:rPr>
+                  <a:t> </a:t>
+                </a:r>
+              </a:p>
+            </p:txBody>
+          </p:sp>
+        </mc:Fallback>
+      </mc:AlternateContent>
+      <mc:AlternateContent xmlns:mc="http://schemas.openxmlformats.org/markup-compatibility/2006" xmlns:a14="http://schemas.microsoft.com/office/drawing/2010/main">
+        <mc:Choice Requires="a14">
+          <p:sp>
+            <p:nvSpPr>
+              <p:cNvPr id="34" name="Textfeld 33">
+                <a:extLst>
+                  <a:ext uri="{FF2B5EF4-FFF2-40B4-BE49-F238E27FC236}">
+                    <a16:creationId xmlns:a16="http://schemas.microsoft.com/office/drawing/2014/main" id="{63544C24-2AC7-4485-AF90-B35F42B1C5D1}"/>
+                  </a:ext>
+                </a:extLst>
+              </p:cNvPr>
+              <p:cNvSpPr txBox="1"/>
+              <p:nvPr/>
+            </p:nvSpPr>
+            <p:spPr>
+              <a:xfrm>
+                <a:off x="7285431" y="3630199"/>
+                <a:ext cx="365805" cy="369332"/>
+              </a:xfrm>
+              <a:prstGeom prst="rect">
+                <a:avLst/>
+              </a:prstGeom>
+              <a:noFill/>
+            </p:spPr>
+            <p:txBody>
+              <a:bodyPr wrap="none" rtlCol="0">
+                <a:spAutoFit/>
+              </a:bodyPr>
+              <a:lstStyle/>
+              <a:p>
+                <a:pPr/>
+                <a14:m>
+                  <m:oMathPara xmlns:m="http://schemas.openxmlformats.org/officeDocument/2006/math">
+                    <m:oMathParaPr>
+                      <m:jc m:val="centerGroup"/>
+                    </m:oMathParaPr>
+                    <m:oMath xmlns:m="http://schemas.openxmlformats.org/officeDocument/2006/math">
+                      <m:r>
+                        <a:rPr lang="en-GB" b="0" i="1" dirty="0" smtClean="0">
+                          <a:solidFill>
+                            <a:srgbClr val="92D050"/>
+                          </a:solidFill>
+                          <a:latin typeface="Cambria Math" panose="02040503050406030204" pitchFamily="18" charset="0"/>
+                        </a:rPr>
+                        <m:t>0</m:t>
+                      </m:r>
+                    </m:oMath>
+                  </m:oMathPara>
+                </a14:m>
+                <a:endParaRPr lang="de-DE" dirty="0"/>
+              </a:p>
+            </p:txBody>
+          </p:sp>
+        </mc:Choice>
+        <mc:Fallback xmlns="">
+          <p:sp>
+            <p:nvSpPr>
+              <p:cNvPr id="34" name="Textfeld 33">
+                <a:extLst>
+                  <a:ext uri="{FF2B5EF4-FFF2-40B4-BE49-F238E27FC236}">
+                    <a16:creationId xmlns:a16="http://schemas.microsoft.com/office/drawing/2014/main" id="{63544C24-2AC7-4485-AF90-B35F42B1C5D1}"/>
+                  </a:ext>
+                </a:extLst>
+              </p:cNvPr>
+              <p:cNvSpPr txBox="1">
+                <a:spLocks noRot="1" noChangeAspect="1" noMove="1" noResize="1" noEditPoints="1" noAdjustHandles="1" noChangeArrowheads="1" noChangeShapeType="1" noTextEdit="1"/>
+              </p:cNvSpPr>
+              <p:nvPr/>
+            </p:nvSpPr>
+            <p:spPr>
+              <a:xfrm>
+                <a:off x="7285431" y="3630199"/>
+                <a:ext cx="365805" cy="369332"/>
+              </a:xfrm>
+              <a:prstGeom prst="rect">
+                <a:avLst/>
+              </a:prstGeom>
+              <a:blipFill>
+                <a:blip r:embed="rId6"/>
+                <a:stretch>
+                  <a:fillRect/>
+                </a:stretch>
+              </a:blipFill>
+            </p:spPr>
+            <p:txBody>
+              <a:bodyPr/>
+              <a:lstStyle/>
+              <a:p>
+                <a:r>
+                  <a:rPr lang="de-DE">
+                    <a:noFill/>
+                  </a:rPr>
+                  <a:t> </a:t>
+                </a:r>
+              </a:p>
+            </p:txBody>
+          </p:sp>
+        </mc:Fallback>
+      </mc:AlternateContent>
+      <mc:AlternateContent xmlns:mc="http://schemas.openxmlformats.org/markup-compatibility/2006" xmlns:a14="http://schemas.microsoft.com/office/drawing/2010/main">
+        <mc:Choice Requires="a14">
+          <p:sp>
+            <p:nvSpPr>
+              <p:cNvPr id="35" name="Textfeld 34">
+                <a:extLst>
+                  <a:ext uri="{FF2B5EF4-FFF2-40B4-BE49-F238E27FC236}">
+                    <a16:creationId xmlns:a16="http://schemas.microsoft.com/office/drawing/2014/main" id="{8C9FCE75-7B6D-4A25-8E51-D939CD6D2A5C}"/>
+                  </a:ext>
+                </a:extLst>
+              </p:cNvPr>
+              <p:cNvSpPr txBox="1"/>
+              <p:nvPr/>
+            </p:nvSpPr>
+            <p:spPr>
+              <a:xfrm>
+                <a:off x="7163726" y="4241901"/>
+                <a:ext cx="365805" cy="369332"/>
+              </a:xfrm>
+              <a:prstGeom prst="rect">
+                <a:avLst/>
+              </a:prstGeom>
+              <a:noFill/>
+            </p:spPr>
+            <p:txBody>
+              <a:bodyPr wrap="none" rtlCol="0">
+                <a:spAutoFit/>
+              </a:bodyPr>
+              <a:lstStyle/>
+              <a:p>
+                <a:pPr/>
+                <a14:m>
+                  <m:oMathPara xmlns:m="http://schemas.openxmlformats.org/officeDocument/2006/math">
+                    <m:oMathParaPr>
+                      <m:jc m:val="centerGroup"/>
+                    </m:oMathParaPr>
+                    <m:oMath xmlns:m="http://schemas.openxmlformats.org/officeDocument/2006/math">
+                      <m:r>
+                        <a:rPr lang="en-GB" b="0" i="1" smtClean="0">
+                          <a:solidFill>
+                            <a:srgbClr val="92D050"/>
+                          </a:solidFill>
+                          <a:latin typeface="Cambria Math" panose="02040503050406030204" pitchFamily="18" charset="0"/>
+                        </a:rPr>
+                        <m:t>0</m:t>
+                      </m:r>
+                    </m:oMath>
+                  </m:oMathPara>
+                </a14:m>
+                <a:endParaRPr lang="de-DE" dirty="0"/>
+              </a:p>
+            </p:txBody>
+          </p:sp>
+        </mc:Choice>
+        <mc:Fallback xmlns="">
+          <p:sp>
+            <p:nvSpPr>
+              <p:cNvPr id="35" name="Textfeld 34">
+                <a:extLst>
+                  <a:ext uri="{FF2B5EF4-FFF2-40B4-BE49-F238E27FC236}">
+                    <a16:creationId xmlns:a16="http://schemas.microsoft.com/office/drawing/2014/main" id="{8C9FCE75-7B6D-4A25-8E51-D939CD6D2A5C}"/>
+                  </a:ext>
+                </a:extLst>
+              </p:cNvPr>
+              <p:cNvSpPr txBox="1">
+                <a:spLocks noRot="1" noChangeAspect="1" noMove="1" noResize="1" noEditPoints="1" noAdjustHandles="1" noChangeArrowheads="1" noChangeShapeType="1" noTextEdit="1"/>
+              </p:cNvSpPr>
+              <p:nvPr/>
+            </p:nvSpPr>
+            <p:spPr>
+              <a:xfrm>
+                <a:off x="7163726" y="4241901"/>
+                <a:ext cx="365805" cy="369332"/>
+              </a:xfrm>
+              <a:prstGeom prst="rect">
+                <a:avLst/>
+              </a:prstGeom>
+              <a:blipFill>
+                <a:blip r:embed="rId7"/>
+                <a:stretch>
+                  <a:fillRect/>
+                </a:stretch>
+              </a:blipFill>
+            </p:spPr>
+            <p:txBody>
+              <a:bodyPr/>
+              <a:lstStyle/>
+              <a:p>
+                <a:r>
+                  <a:rPr lang="de-DE">
+                    <a:noFill/>
+                  </a:rPr>
+                  <a:t> </a:t>
+                </a:r>
+              </a:p>
+            </p:txBody>
+          </p:sp>
+        </mc:Fallback>
+      </mc:AlternateContent>
     </p:spTree>
     <p:extLst>
       <p:ext uri="{BB962C8B-B14F-4D97-AF65-F5344CB8AC3E}">
         <p14:creationId xmlns:p14="http://schemas.microsoft.com/office/powerpoint/2010/main" val="2142908452"/>
+      </p:ext>
+    </p:extLst>
+  </p:cSld>
+  <p:clrMapOvr>
+    <a:masterClrMapping/>
+  </p:clrMapOvr>
+</p:sld>
+</file>
+
+<file path=ppt/slides/slide19.xml><?xml version="1.0" encoding="utf-8"?>
+<p:sld xmlns:a="http://schemas.openxmlformats.org/drawingml/2006/main" xmlns:r="http://schemas.openxmlformats.org/officeDocument/2006/relationships" xmlns:p="http://schemas.openxmlformats.org/presentationml/2006/main">
+  <p:cSld>
+    <p:spTree>
+      <p:nvGrpSpPr>
+        <p:cNvPr id="1" name=""/>
+        <p:cNvGrpSpPr/>
+        <p:nvPr/>
+      </p:nvGrpSpPr>
+      <p:grpSpPr>
+        <a:xfrm>
+          <a:off x="0" y="0"/>
+          <a:ext cx="0" cy="0"/>
+          <a:chOff x="0" y="0"/>
+          <a:chExt cx="0" cy="0"/>
+        </a:xfrm>
+      </p:grpSpPr>
+      <p:sp>
+        <p:nvSpPr>
+          <p:cNvPr id="2" name="Titel 1">
+            <a:extLst>
+              <a:ext uri="{FF2B5EF4-FFF2-40B4-BE49-F238E27FC236}">
+                <a16:creationId xmlns:a16="http://schemas.microsoft.com/office/drawing/2014/main" id="{4084ED25-5C20-49C4-917B-A582A195244B}"/>
+              </a:ext>
+            </a:extLst>
+          </p:cNvPr>
+          <p:cNvSpPr>
+            <a:spLocks noGrp="1"/>
+          </p:cNvSpPr>
+          <p:nvPr>
+            <p:ph type="title"/>
+          </p:nvPr>
+        </p:nvSpPr>
+        <p:spPr/>
+        <p:txBody>
+          <a:bodyPr/>
+          <a:lstStyle/>
+          <a:p>
+            <a:r>
+              <a:rPr lang="en-GB" dirty="0"/>
+              <a:t>Modifications</a:t>
+            </a:r>
+            <a:endParaRPr lang="de-DE" dirty="0"/>
+          </a:p>
+        </p:txBody>
+      </p:sp>
+      <mc:AlternateContent xmlns:mc="http://schemas.openxmlformats.org/markup-compatibility/2006">
+        <mc:Choice xmlns:a14="http://schemas.microsoft.com/office/drawing/2010/main" Requires="a14">
+          <p:sp>
+            <p:nvSpPr>
+              <p:cNvPr id="3" name="Inhaltsplatzhalter 2">
+                <a:extLst>
+                  <a:ext uri="{FF2B5EF4-FFF2-40B4-BE49-F238E27FC236}">
+                    <a16:creationId xmlns:a16="http://schemas.microsoft.com/office/drawing/2014/main" id="{EF613E24-035E-4AA0-BDE8-657095D1FFDF}"/>
+                  </a:ext>
+                </a:extLst>
+              </p:cNvPr>
+              <p:cNvSpPr>
+                <a:spLocks noGrp="1"/>
+              </p:cNvSpPr>
+              <p:nvPr>
+                <p:ph idx="1"/>
+              </p:nvPr>
+            </p:nvSpPr>
+            <p:spPr/>
+            <p:txBody>
+              <a:bodyPr/>
+              <a:lstStyle/>
+              <a:p>
+                <a:r>
+                  <a:rPr lang="en-GB" dirty="0" err="1"/>
+                  <a:t>Fleischner</a:t>
+                </a:r>
+                <a:r>
+                  <a:rPr lang="en-GB" dirty="0"/>
+                  <a:t>:</a:t>
+                </a:r>
+              </a:p>
+              <a:p>
+                <a:pPr lvl="1"/>
+                <a:r>
+                  <a:rPr lang="en-GB" dirty="0"/>
+                  <a:t>Iterate through commodities</a:t>
+                </a:r>
+              </a:p>
+              <a:p>
+                <a:pPr lvl="1"/>
+                <a:endParaRPr lang="en-GB" dirty="0"/>
+              </a:p>
+              <a:p>
+                <a:pPr lvl="1"/>
+                <a:r>
+                  <a:rPr lang="en-GB" dirty="0"/>
+                  <a:t>Use approximation of shortest path</a:t>
+                </a:r>
+              </a:p>
+              <a:p>
+                <a:pPr lvl="1"/>
+                <a:endParaRPr lang="en-GB" dirty="0"/>
+              </a:p>
+              <a:p>
+                <a:pPr lvl="1"/>
+                <a:r>
+                  <a:rPr lang="en-GB" dirty="0"/>
+                  <a:t>Only one shortest path computation needed in every iteration</a:t>
+                </a:r>
+              </a:p>
+              <a:p>
+                <a:pPr lvl="1"/>
+                <a:endParaRPr lang="en-GB" dirty="0"/>
+              </a:p>
+              <a:p>
+                <a:pPr lvl="1"/>
+                <a:r>
+                  <a:rPr lang="en-GB" dirty="0"/>
+                  <a:t>Running time:</a:t>
+                </a:r>
+              </a:p>
+              <a:p>
+                <a:pPr lvl="2"/>
+                <a:r>
+                  <a:rPr lang="en-GB" dirty="0"/>
+                  <a:t>O</a:t>
+                </a:r>
+                <a14:m>
+                  <m:oMath xmlns:m="http://schemas.openxmlformats.org/officeDocument/2006/math">
+                    <m:r>
+                      <a:rPr lang="en-GB" i="1">
+                        <a:latin typeface="Cambria Math" panose="02040503050406030204" pitchFamily="18" charset="0"/>
+                      </a:rPr>
+                      <m:t>(</m:t>
+                    </m:r>
+                    <m:sSup>
+                      <m:sSupPr>
+                        <m:ctrlPr>
+                          <a:rPr lang="en-GB" i="1">
+                            <a:latin typeface="Cambria Math" panose="02040503050406030204" pitchFamily="18" charset="0"/>
+                          </a:rPr>
+                        </m:ctrlPr>
+                      </m:sSupPr>
+                      <m:e>
+                        <m:r>
+                          <a:rPr lang="en-GB" i="1">
+                            <a:latin typeface="Cambria Math" panose="02040503050406030204" pitchFamily="18" charset="0"/>
+                            <a:ea typeface="Cambria Math" panose="02040503050406030204" pitchFamily="18" charset="0"/>
+                          </a:rPr>
+                          <m:t>𝜔</m:t>
+                        </m:r>
+                      </m:e>
+                      <m:sup>
+                        <m:r>
+                          <a:rPr lang="en-GB" i="1">
+                            <a:latin typeface="Cambria Math" panose="02040503050406030204" pitchFamily="18" charset="0"/>
+                          </a:rPr>
+                          <m:t>−2</m:t>
+                        </m:r>
+                      </m:sup>
+                    </m:sSup>
+                    <m:r>
+                      <a:rPr lang="en-GB" i="1">
+                        <a:latin typeface="Cambria Math" panose="02040503050406030204" pitchFamily="18" charset="0"/>
+                      </a:rPr>
+                      <m:t>|</m:t>
+                    </m:r>
+                    <m:r>
+                      <a:rPr lang="en-GB" i="1">
+                        <a:latin typeface="Cambria Math" panose="02040503050406030204" pitchFamily="18" charset="0"/>
+                      </a:rPr>
+                      <m:t>𝐸</m:t>
+                    </m:r>
+                    <m:r>
+                      <a:rPr lang="en-GB" i="1">
+                        <a:latin typeface="Cambria Math" panose="02040503050406030204" pitchFamily="18" charset="0"/>
+                      </a:rPr>
+                      <m:t>| </m:t>
+                    </m:r>
+                    <m:r>
+                      <m:rPr>
+                        <m:sty m:val="p"/>
+                      </m:rPr>
+                      <a:rPr lang="en-GB">
+                        <a:latin typeface="Cambria Math" panose="02040503050406030204" pitchFamily="18" charset="0"/>
+                      </a:rPr>
+                      <m:t>log</m:t>
+                    </m:r>
+                    <m:r>
+                      <a:rPr lang="en-GB">
+                        <a:latin typeface="Cambria Math" panose="02040503050406030204" pitchFamily="18" charset="0"/>
+                      </a:rPr>
+                      <m:t> </m:t>
+                    </m:r>
+                    <m:r>
+                      <a:rPr lang="en-GB" i="1">
+                        <a:latin typeface="Cambria Math" panose="02040503050406030204" pitchFamily="18" charset="0"/>
+                      </a:rPr>
+                      <m:t>|</m:t>
+                    </m:r>
+                    <m:r>
+                      <a:rPr lang="en-GB" i="1">
+                        <a:latin typeface="Cambria Math" panose="02040503050406030204" pitchFamily="18" charset="0"/>
+                      </a:rPr>
+                      <m:t>𝐸</m:t>
+                    </m:r>
+                    <m:r>
+                      <a:rPr lang="en-GB" i="1">
+                        <a:latin typeface="Cambria Math" panose="02040503050406030204" pitchFamily="18" charset="0"/>
+                      </a:rPr>
+                      <m:t>| </m:t>
+                    </m:r>
+                    <m:sSub>
+                      <m:sSubPr>
+                        <m:ctrlPr>
+                          <a:rPr lang="en-GB" i="1">
+                            <a:latin typeface="Cambria Math" panose="02040503050406030204" pitchFamily="18" charset="0"/>
+                          </a:rPr>
+                        </m:ctrlPr>
+                      </m:sSubPr>
+                      <m:e>
+                        <m:r>
+                          <a:rPr lang="en-GB" i="1">
+                            <a:latin typeface="Cambria Math" panose="02040503050406030204" pitchFamily="18" charset="0"/>
+                          </a:rPr>
+                          <m:t>𝑇</m:t>
+                        </m:r>
+                      </m:e>
+                      <m:sub>
+                        <m:r>
+                          <a:rPr lang="en-GB" i="1">
+                            <a:latin typeface="Cambria Math" panose="02040503050406030204" pitchFamily="18" charset="0"/>
+                          </a:rPr>
+                          <m:t>𝑠𝑝</m:t>
+                        </m:r>
+                      </m:sub>
+                    </m:sSub>
+                    <m:r>
+                      <a:rPr lang="en-GB" i="1">
+                        <a:latin typeface="Cambria Math" panose="02040503050406030204" pitchFamily="18" charset="0"/>
+                      </a:rPr>
+                      <m:t>)</m:t>
+                    </m:r>
+                  </m:oMath>
+                </a14:m>
+                <a:endParaRPr lang="de-DE" dirty="0"/>
+              </a:p>
+              <a:p>
+                <a:pPr lvl="2"/>
+                <a:endParaRPr lang="en-GB" dirty="0"/>
+              </a:p>
+              <a:p>
+                <a:pPr lvl="2"/>
+                <a:endParaRPr lang="de-DE" dirty="0"/>
+              </a:p>
+            </p:txBody>
+          </p:sp>
+        </mc:Choice>
+        <mc:Fallback>
+          <p:sp>
+            <p:nvSpPr>
+              <p:cNvPr id="3" name="Inhaltsplatzhalter 2">
+                <a:extLst>
+                  <a:ext uri="{FF2B5EF4-FFF2-40B4-BE49-F238E27FC236}">
+                    <a16:creationId xmlns:a16="http://schemas.microsoft.com/office/drawing/2014/main" id="{EF613E24-035E-4AA0-BDE8-657095D1FFDF}"/>
+                  </a:ext>
+                </a:extLst>
+              </p:cNvPr>
+              <p:cNvSpPr>
+                <a:spLocks noGrp="1" noRot="1" noChangeAspect="1" noMove="1" noResize="1" noEditPoints="1" noAdjustHandles="1" noChangeArrowheads="1" noChangeShapeType="1" noTextEdit="1"/>
+              </p:cNvSpPr>
+              <p:nvPr>
+                <p:ph idx="1"/>
+              </p:nvPr>
+            </p:nvSpPr>
+            <p:spPr>
+              <a:blipFill>
+                <a:blip r:embed="rId2"/>
+                <a:stretch>
+                  <a:fillRect l="-1043" t="-2241"/>
+                </a:stretch>
+              </a:blipFill>
+            </p:spPr>
+            <p:txBody>
+              <a:bodyPr/>
+              <a:lstStyle/>
+              <a:p>
+                <a:r>
+                  <a:rPr lang="de-DE">
+                    <a:noFill/>
+                  </a:rPr>
+                  <a:t> </a:t>
+                </a:r>
+              </a:p>
+            </p:txBody>
+          </p:sp>
+        </mc:Fallback>
+      </mc:AlternateContent>
+    </p:spTree>
+    <p:extLst>
+      <p:ext uri="{BB962C8B-B14F-4D97-AF65-F5344CB8AC3E}">
+        <p14:creationId xmlns:p14="http://schemas.microsoft.com/office/powerpoint/2010/main" val="4176262132"/>
       </p:ext>
     </p:extLst>
   </p:cSld>
@@ -14720,7 +14771,7 @@
           <a:p>
             <a:r>
               <a:rPr lang="en-US" dirty="0"/>
-              <a:t>Maximum multicommodity flow</a:t>
+              <a:t>Maximum multicommodity flow problem</a:t>
             </a:r>
             <a:endParaRPr lang="de-DE" dirty="0"/>
           </a:p>
@@ -14728,616 +14779,6 @@
       </p:sp>
       <mc:AlternateContent xmlns:mc="http://schemas.openxmlformats.org/markup-compatibility/2006" xmlns:a14="http://schemas.microsoft.com/office/drawing/2010/main">
         <mc:Choice Requires="a14">
-          <p:sp>
-            <p:nvSpPr>
-              <p:cNvPr id="3" name="Inhaltsplatzhalter 2">
-                <a:extLst>
-                  <a:ext uri="{FF2B5EF4-FFF2-40B4-BE49-F238E27FC236}">
-                    <a16:creationId xmlns:a16="http://schemas.microsoft.com/office/drawing/2014/main" id="{D4D49758-A90A-455A-A915-29D7AECFBBA7}"/>
-                  </a:ext>
-                </a:extLst>
-              </p:cNvPr>
-              <p:cNvSpPr>
-                <a:spLocks noGrp="1"/>
-              </p:cNvSpPr>
-              <p:nvPr>
-                <p:ph idx="1"/>
-              </p:nvPr>
-            </p:nvSpPr>
-            <p:spPr/>
-            <p:txBody>
-              <a:bodyPr/>
-              <a:lstStyle/>
-              <a:p>
-                <a:r>
-                  <a:rPr lang="en-US" dirty="0"/>
-                  <a:t>Directed, weighted Graph </a:t>
-                </a:r>
-                <a14:m>
-                  <m:oMath xmlns:m="http://schemas.openxmlformats.org/officeDocument/2006/math">
-                    <m:r>
-                      <a:rPr lang="en-US" i="1" dirty="0" smtClean="0">
-                        <a:latin typeface="Cambria Math" panose="02040503050406030204" pitchFamily="18" charset="0"/>
-                      </a:rPr>
-                      <m:t>𝐺</m:t>
-                    </m:r>
-                    <m:r>
-                      <a:rPr lang="en-US" i="1" dirty="0" smtClean="0">
-                        <a:latin typeface="Cambria Math" panose="02040503050406030204" pitchFamily="18" charset="0"/>
-                      </a:rPr>
-                      <m:t>=</m:t>
-                    </m:r>
-                    <m:d>
-                      <m:dPr>
-                        <m:ctrlPr>
-                          <a:rPr lang="en-US" i="1" dirty="0" smtClean="0">
-                            <a:latin typeface="Cambria Math" panose="02040503050406030204" pitchFamily="18" charset="0"/>
-                          </a:rPr>
-                        </m:ctrlPr>
-                      </m:dPr>
-                      <m:e>
-                        <m:r>
-                          <a:rPr lang="en-US" i="1" dirty="0" smtClean="0">
-                            <a:latin typeface="Cambria Math" panose="02040503050406030204" pitchFamily="18" charset="0"/>
-                          </a:rPr>
-                          <m:t>𝑉</m:t>
-                        </m:r>
-                        <m:r>
-                          <a:rPr lang="en-US" i="1" dirty="0" smtClean="0">
-                            <a:latin typeface="Cambria Math" panose="02040503050406030204" pitchFamily="18" charset="0"/>
-                          </a:rPr>
-                          <m:t>,</m:t>
-                        </m:r>
-                        <m:r>
-                          <a:rPr lang="en-US" i="1" dirty="0" smtClean="0">
-                            <a:latin typeface="Cambria Math" panose="02040503050406030204" pitchFamily="18" charset="0"/>
-                          </a:rPr>
-                          <m:t>𝐸</m:t>
-                        </m:r>
-                      </m:e>
-                    </m:d>
-                    <m:r>
-                      <a:rPr lang="en-US" i="1" dirty="0" smtClean="0">
-                        <a:latin typeface="Cambria Math" panose="02040503050406030204" pitchFamily="18" charset="0"/>
-                      </a:rPr>
-                      <m:t>, </m:t>
-                    </m:r>
-                    <m:r>
-                      <a:rPr lang="en-US" i="1" dirty="0" smtClean="0">
-                        <a:latin typeface="Cambria Math" panose="02040503050406030204" pitchFamily="18" charset="0"/>
-                      </a:rPr>
-                      <m:t>𝑐</m:t>
-                    </m:r>
-                    <m:r>
-                      <a:rPr lang="en-US" i="1" dirty="0" smtClean="0">
-                        <a:latin typeface="Cambria Math" panose="02040503050406030204" pitchFamily="18" charset="0"/>
-                      </a:rPr>
-                      <m:t>:</m:t>
-                    </m:r>
-                    <m:r>
-                      <a:rPr lang="en-US" i="1" dirty="0" smtClean="0">
-                        <a:latin typeface="Cambria Math" panose="02040503050406030204" pitchFamily="18" charset="0"/>
-                      </a:rPr>
-                      <m:t>𝐸</m:t>
-                    </m:r>
-                    <m:r>
-                      <a:rPr lang="en-GB" b="0" i="1" dirty="0" smtClean="0">
-                        <a:latin typeface="Cambria Math" panose="02040503050406030204" pitchFamily="18" charset="0"/>
-                      </a:rPr>
-                      <m:t>→</m:t>
-                    </m:r>
-                    <m:sSub>
-                      <m:sSubPr>
-                        <m:ctrlPr>
-                          <a:rPr lang="en-US" i="1" dirty="0" smtClean="0">
-                            <a:latin typeface="Cambria Math" panose="02040503050406030204" pitchFamily="18" charset="0"/>
-                          </a:rPr>
-                        </m:ctrlPr>
-                      </m:sSubPr>
-                      <m:e>
-                        <m:r>
-                          <a:rPr lang="en-GB" i="1">
-                            <a:latin typeface="Cambria Math" panose="02040503050406030204" pitchFamily="18" charset="0"/>
-                          </a:rPr>
-                          <m:t>ℝ</m:t>
-                        </m:r>
-                      </m:e>
-                      <m:sub>
-                        <m:r>
-                          <a:rPr lang="en-US" i="1" dirty="0" smtClean="0">
-                            <a:latin typeface="Cambria Math" panose="02040503050406030204" pitchFamily="18" charset="0"/>
-                            <a:ea typeface="Cambria Math" panose="02040503050406030204" pitchFamily="18" charset="0"/>
-                          </a:rPr>
-                          <m:t>≥</m:t>
-                        </m:r>
-                        <m:r>
-                          <a:rPr lang="en-GB" b="0" i="1" dirty="0" smtClean="0">
-                            <a:latin typeface="Cambria Math" panose="02040503050406030204" pitchFamily="18" charset="0"/>
-                            <a:ea typeface="Cambria Math" panose="02040503050406030204" pitchFamily="18" charset="0"/>
-                          </a:rPr>
-                          <m:t>0</m:t>
-                        </m:r>
-                      </m:sub>
-                    </m:sSub>
-                  </m:oMath>
-                </a14:m>
-                <a:endParaRPr lang="en-US" dirty="0"/>
-              </a:p>
-              <a:p>
-                <a:pPr marL="0" indent="0">
-                  <a:buNone/>
-                </a:pPr>
-                <a:endParaRPr lang="en-US" dirty="0"/>
-              </a:p>
-              <a:p>
-                <a:r>
-                  <a:rPr lang="en-US" dirty="0"/>
-                  <a:t>k commodities </a:t>
-                </a:r>
-                <a14:m>
-                  <m:oMath xmlns:m="http://schemas.openxmlformats.org/officeDocument/2006/math">
-                    <m:sSub>
-                      <m:sSubPr>
-                        <m:ctrlPr>
-                          <a:rPr lang="en-GB" b="0" i="1" smtClean="0">
-                            <a:latin typeface="Cambria Math" panose="02040503050406030204" pitchFamily="18" charset="0"/>
-                          </a:rPr>
-                        </m:ctrlPr>
-                      </m:sSubPr>
-                      <m:e>
-                        <m:d>
-                          <m:dPr>
-                            <m:ctrlPr>
-                              <a:rPr lang="en-GB" i="1">
-                                <a:latin typeface="Cambria Math" panose="02040503050406030204" pitchFamily="18" charset="0"/>
-                              </a:rPr>
-                            </m:ctrlPr>
-                          </m:dPr>
-                          <m:e>
-                            <m:sSub>
-                              <m:sSubPr>
-                                <m:ctrlPr>
-                                  <a:rPr lang="en-GB" i="1">
-                                    <a:latin typeface="Cambria Math" panose="02040503050406030204" pitchFamily="18" charset="0"/>
-                                  </a:rPr>
-                                </m:ctrlPr>
-                              </m:sSubPr>
-                              <m:e>
-                                <m:r>
-                                  <a:rPr lang="en-GB" i="1">
-                                    <a:latin typeface="Cambria Math" panose="02040503050406030204" pitchFamily="18" charset="0"/>
-                                  </a:rPr>
-                                  <m:t>𝑠</m:t>
-                                </m:r>
-                              </m:e>
-                              <m:sub>
-                                <m:r>
-                                  <a:rPr lang="en-GB" i="1">
-                                    <a:latin typeface="Cambria Math" panose="02040503050406030204" pitchFamily="18" charset="0"/>
-                                  </a:rPr>
-                                  <m:t>𝑖</m:t>
-                                </m:r>
-                              </m:sub>
-                            </m:sSub>
-                            <m:r>
-                              <a:rPr lang="en-GB" i="1">
-                                <a:latin typeface="Cambria Math" panose="02040503050406030204" pitchFamily="18" charset="0"/>
-                              </a:rPr>
-                              <m:t>,</m:t>
-                            </m:r>
-                            <m:sSub>
-                              <m:sSubPr>
-                                <m:ctrlPr>
-                                  <a:rPr lang="en-GB" i="1">
-                                    <a:latin typeface="Cambria Math" panose="02040503050406030204" pitchFamily="18" charset="0"/>
-                                  </a:rPr>
-                                </m:ctrlPr>
-                              </m:sSubPr>
-                              <m:e>
-                                <m:r>
-                                  <a:rPr lang="en-GB" i="1">
-                                    <a:latin typeface="Cambria Math" panose="02040503050406030204" pitchFamily="18" charset="0"/>
-                                  </a:rPr>
-                                  <m:t>𝑡</m:t>
-                                </m:r>
-                              </m:e>
-                              <m:sub>
-                                <m:r>
-                                  <a:rPr lang="en-GB" i="1">
-                                    <a:latin typeface="Cambria Math" panose="02040503050406030204" pitchFamily="18" charset="0"/>
-                                  </a:rPr>
-                                  <m:t>𝑖</m:t>
-                                </m:r>
-                              </m:sub>
-                            </m:sSub>
-                          </m:e>
-                        </m:d>
-                      </m:e>
-                      <m:sub>
-                        <m:r>
-                          <a:rPr lang="en-GB" b="0" i="1" smtClean="0">
-                            <a:latin typeface="Cambria Math" panose="02040503050406030204" pitchFamily="18" charset="0"/>
-                          </a:rPr>
-                          <m:t>1</m:t>
-                        </m:r>
-                        <m:r>
-                          <a:rPr lang="en-GB" b="0" i="1" smtClean="0">
-                            <a:latin typeface="Cambria Math" panose="02040503050406030204" pitchFamily="18" charset="0"/>
-                            <a:ea typeface="Cambria Math" panose="02040503050406030204" pitchFamily="18" charset="0"/>
-                          </a:rPr>
-                          <m:t>≤</m:t>
-                        </m:r>
-                        <m:r>
-                          <a:rPr lang="en-GB" b="0" i="1" smtClean="0">
-                            <a:latin typeface="Cambria Math" panose="02040503050406030204" pitchFamily="18" charset="0"/>
-                            <a:ea typeface="Cambria Math" panose="02040503050406030204" pitchFamily="18" charset="0"/>
-                          </a:rPr>
-                          <m:t>𝑖</m:t>
-                        </m:r>
-                        <m:r>
-                          <a:rPr lang="en-GB" b="0" i="1" smtClean="0">
-                            <a:latin typeface="Cambria Math" panose="02040503050406030204" pitchFamily="18" charset="0"/>
-                            <a:ea typeface="Cambria Math" panose="02040503050406030204" pitchFamily="18" charset="0"/>
-                          </a:rPr>
-                          <m:t>≤</m:t>
-                        </m:r>
-                        <m:r>
-                          <a:rPr lang="en-GB" b="0" i="1" smtClean="0">
-                            <a:latin typeface="Cambria Math" panose="02040503050406030204" pitchFamily="18" charset="0"/>
-                            <a:ea typeface="Cambria Math" panose="02040503050406030204" pitchFamily="18" charset="0"/>
-                          </a:rPr>
-                          <m:t>𝑘</m:t>
-                        </m:r>
-                      </m:sub>
-                    </m:sSub>
-                    <m:r>
-                      <a:rPr lang="en-GB" b="0" i="1" smtClean="0">
-                        <a:latin typeface="Cambria Math" panose="02040503050406030204" pitchFamily="18" charset="0"/>
-                      </a:rPr>
-                      <m:t> </m:t>
-                    </m:r>
-                    <m:r>
-                      <a:rPr lang="en-GB" b="0" i="1" smtClean="0">
-                        <a:latin typeface="Cambria Math" panose="02040503050406030204" pitchFamily="18" charset="0"/>
-                        <a:ea typeface="Cambria Math" panose="02040503050406030204" pitchFamily="18" charset="0"/>
-                      </a:rPr>
-                      <m:t>∈</m:t>
-                    </m:r>
-                    <m:r>
-                      <a:rPr lang="en-GB" b="0" i="1" smtClean="0">
-                        <a:latin typeface="Cambria Math" panose="02040503050406030204" pitchFamily="18" charset="0"/>
-                        <a:ea typeface="Cambria Math" panose="02040503050406030204" pitchFamily="18" charset="0"/>
-                      </a:rPr>
-                      <m:t>𝑉</m:t>
-                    </m:r>
-                    <m:r>
-                      <a:rPr lang="en-GB" b="0" i="1" smtClean="0">
-                        <a:latin typeface="Cambria Math" panose="02040503050406030204" pitchFamily="18" charset="0"/>
-                        <a:ea typeface="Cambria Math" panose="02040503050406030204" pitchFamily="18" charset="0"/>
-                      </a:rPr>
-                      <m:t>×</m:t>
-                    </m:r>
-                    <m:r>
-                      <a:rPr lang="en-GB" b="0" i="1" smtClean="0">
-                        <a:latin typeface="Cambria Math" panose="02040503050406030204" pitchFamily="18" charset="0"/>
-                        <a:ea typeface="Cambria Math" panose="02040503050406030204" pitchFamily="18" charset="0"/>
-                      </a:rPr>
-                      <m:t>𝑉</m:t>
-                    </m:r>
-                  </m:oMath>
-                </a14:m>
-                <a:r>
-                  <a:rPr lang="en-GB" b="0" dirty="0"/>
-                  <a:t> with </a:t>
-                </a:r>
-                <a14:m>
-                  <m:oMath xmlns:m="http://schemas.openxmlformats.org/officeDocument/2006/math">
-                    <m:sSub>
-                      <m:sSubPr>
-                        <m:ctrlPr>
-                          <a:rPr lang="en-GB" b="0" i="1" smtClean="0">
-                            <a:latin typeface="Cambria Math" panose="02040503050406030204" pitchFamily="18" charset="0"/>
-                          </a:rPr>
-                        </m:ctrlPr>
-                      </m:sSubPr>
-                      <m:e>
-                        <m:r>
-                          <a:rPr lang="en-GB" b="0" i="1" smtClean="0">
-                            <a:latin typeface="Cambria Math" panose="02040503050406030204" pitchFamily="18" charset="0"/>
-                          </a:rPr>
-                          <m:t>𝑠</m:t>
-                        </m:r>
-                      </m:e>
-                      <m:sub>
-                        <m:r>
-                          <a:rPr lang="en-GB" b="0" i="1" smtClean="0">
-                            <a:latin typeface="Cambria Math" panose="02040503050406030204" pitchFamily="18" charset="0"/>
-                          </a:rPr>
-                          <m:t>𝑖</m:t>
-                        </m:r>
-                        <m:r>
-                          <a:rPr lang="en-GB" b="0" i="1" smtClean="0">
-                            <a:latin typeface="Cambria Math" panose="02040503050406030204" pitchFamily="18" charset="0"/>
-                          </a:rPr>
-                          <m:t> </m:t>
-                        </m:r>
-                      </m:sub>
-                    </m:sSub>
-                    <m:r>
-                      <a:rPr lang="en-GB" b="0" i="1" smtClean="0">
-                        <a:latin typeface="Cambria Math" panose="02040503050406030204" pitchFamily="18" charset="0"/>
-                        <a:ea typeface="Cambria Math" panose="02040503050406030204" pitchFamily="18" charset="0"/>
-                      </a:rPr>
-                      <m:t>≠</m:t>
-                    </m:r>
-                    <m:sSub>
-                      <m:sSubPr>
-                        <m:ctrlPr>
-                          <a:rPr lang="en-GB" b="0" i="1" smtClean="0">
-                            <a:latin typeface="Cambria Math" panose="02040503050406030204" pitchFamily="18" charset="0"/>
-                            <a:ea typeface="Cambria Math" panose="02040503050406030204" pitchFamily="18" charset="0"/>
-                          </a:rPr>
-                        </m:ctrlPr>
-                      </m:sSubPr>
-                      <m:e>
-                        <m:r>
-                          <a:rPr lang="en-GB" b="0" i="1" smtClean="0">
-                            <a:latin typeface="Cambria Math" panose="02040503050406030204" pitchFamily="18" charset="0"/>
-                            <a:ea typeface="Cambria Math" panose="02040503050406030204" pitchFamily="18" charset="0"/>
-                          </a:rPr>
-                          <m:t>𝑡</m:t>
-                        </m:r>
-                      </m:e>
-                      <m:sub>
-                        <m:r>
-                          <a:rPr lang="en-GB" b="0" i="1" smtClean="0">
-                            <a:latin typeface="Cambria Math" panose="02040503050406030204" pitchFamily="18" charset="0"/>
-                            <a:ea typeface="Cambria Math" panose="02040503050406030204" pitchFamily="18" charset="0"/>
-                          </a:rPr>
-                          <m:t>𝑖</m:t>
-                        </m:r>
-                      </m:sub>
-                    </m:sSub>
-                  </m:oMath>
-                </a14:m>
-                <a:endParaRPr lang="en-GB" b="0" dirty="0"/>
-              </a:p>
-              <a:p>
-                <a:endParaRPr lang="en-GB" b="0" dirty="0"/>
-              </a:p>
-              <a:p>
-                <a:r>
-                  <a:rPr lang="en-GB" dirty="0"/>
-                  <a:t>Maximize flow along all commodities</a:t>
-                </a:r>
-                <a:endParaRPr lang="en-GB" b="0" dirty="0"/>
-              </a:p>
-              <a:p>
-                <a:endParaRPr lang="en-GB" dirty="0"/>
-              </a:p>
-              <a:p>
-                <a14:m>
-                  <m:oMath xmlns:m="http://schemas.openxmlformats.org/officeDocument/2006/math">
-                    <m:r>
-                      <a:rPr lang="en-GB" i="1">
-                        <a:latin typeface="Cambria Math" panose="02040503050406030204" pitchFamily="18" charset="0"/>
-                      </a:rPr>
-                      <m:t>(1+</m:t>
-                    </m:r>
-                    <m:r>
-                      <a:rPr lang="en-GB" i="1">
-                        <a:latin typeface="Cambria Math" panose="02040503050406030204" pitchFamily="18" charset="0"/>
-                      </a:rPr>
-                      <m:t>𝜔</m:t>
-                    </m:r>
-                    <m:r>
-                      <a:rPr lang="en-GB" i="1">
-                        <a:latin typeface="Cambria Math" panose="02040503050406030204" pitchFamily="18" charset="0"/>
-                      </a:rPr>
-                      <m:t>)</m:t>
-                    </m:r>
-                  </m:oMath>
-                </a14:m>
-                <a:r>
-                  <a:rPr lang="de-DE" dirty="0"/>
-                  <a:t> Approximation</a:t>
-                </a:r>
-              </a:p>
-              <a:p>
-                <a:endParaRPr lang="de-DE" dirty="0"/>
-              </a:p>
-            </p:txBody>
-          </p:sp>
-        </mc:Choice>
-        <mc:Fallback xmlns="">
-          <p:sp>
-            <p:nvSpPr>
-              <p:cNvPr id="3" name="Inhaltsplatzhalter 2">
-                <a:extLst>
-                  <a:ext uri="{FF2B5EF4-FFF2-40B4-BE49-F238E27FC236}">
-                    <a16:creationId xmlns:a16="http://schemas.microsoft.com/office/drawing/2014/main" id="{D4D49758-A90A-455A-A915-29D7AECFBBA7}"/>
-                  </a:ext>
-                </a:extLst>
-              </p:cNvPr>
-              <p:cNvSpPr>
-                <a:spLocks noGrp="1" noRot="1" noChangeAspect="1" noMove="1" noResize="1" noEditPoints="1" noAdjustHandles="1" noChangeArrowheads="1" noChangeShapeType="1" noTextEdit="1"/>
-              </p:cNvSpPr>
-              <p:nvPr>
-                <p:ph idx="1"/>
-              </p:nvPr>
-            </p:nvSpPr>
-            <p:spPr>
-              <a:blipFill>
-                <a:blip r:embed="rId2"/>
-                <a:stretch>
-                  <a:fillRect l="-1043" t="-2241"/>
-                </a:stretch>
-              </a:blipFill>
-            </p:spPr>
-            <p:txBody>
-              <a:bodyPr/>
-              <a:lstStyle/>
-              <a:p>
-                <a:r>
-                  <a:rPr lang="de-DE">
-                    <a:noFill/>
-                  </a:rPr>
-                  <a:t> </a:t>
-                </a:r>
-              </a:p>
-            </p:txBody>
-          </p:sp>
-        </mc:Fallback>
-      </mc:AlternateContent>
-    </p:spTree>
-    <p:extLst>
-      <p:ext uri="{BB962C8B-B14F-4D97-AF65-F5344CB8AC3E}">
-        <p14:creationId xmlns:p14="http://schemas.microsoft.com/office/powerpoint/2010/main" val="2098740162"/>
-      </p:ext>
-    </p:extLst>
-  </p:cSld>
-  <p:clrMapOvr>
-    <a:masterClrMapping/>
-  </p:clrMapOvr>
-</p:sld>
-</file>
-
-<file path=ppt/slides/slide20.xml><?xml version="1.0" encoding="utf-8"?>
-<p:sld xmlns:a="http://schemas.openxmlformats.org/drawingml/2006/main" xmlns:r="http://schemas.openxmlformats.org/officeDocument/2006/relationships" xmlns:p="http://schemas.openxmlformats.org/presentationml/2006/main">
-  <p:cSld>
-    <p:spTree>
-      <p:nvGrpSpPr>
-        <p:cNvPr id="1" name=""/>
-        <p:cNvGrpSpPr/>
-        <p:nvPr/>
-      </p:nvGrpSpPr>
-      <p:grpSpPr>
-        <a:xfrm>
-          <a:off x="0" y="0"/>
-          <a:ext cx="0" cy="0"/>
-          <a:chOff x="0" y="0"/>
-          <a:chExt cx="0" cy="0"/>
-        </a:xfrm>
-      </p:grpSpPr>
-      <p:sp>
-        <p:nvSpPr>
-          <p:cNvPr id="2" name="Titel 1">
-            <a:extLst>
-              <a:ext uri="{FF2B5EF4-FFF2-40B4-BE49-F238E27FC236}">
-                <a16:creationId xmlns:a16="http://schemas.microsoft.com/office/drawing/2014/main" id="{4084ED25-5C20-49C4-917B-A582A195244B}"/>
-              </a:ext>
-            </a:extLst>
-          </p:cNvPr>
-          <p:cNvSpPr>
-            <a:spLocks noGrp="1"/>
-          </p:cNvSpPr>
-          <p:nvPr>
-            <p:ph type="title"/>
-          </p:nvPr>
-        </p:nvSpPr>
-        <p:spPr/>
-        <p:txBody>
-          <a:bodyPr/>
-          <a:lstStyle/>
-          <a:p>
-            <a:r>
-              <a:rPr lang="en-GB" dirty="0"/>
-              <a:t>Modifications</a:t>
-            </a:r>
-            <a:endParaRPr lang="de-DE" dirty="0"/>
-          </a:p>
-        </p:txBody>
-      </p:sp>
-      <p:sp>
-        <p:nvSpPr>
-          <p:cNvPr id="3" name="Inhaltsplatzhalter 2">
-            <a:extLst>
-              <a:ext uri="{FF2B5EF4-FFF2-40B4-BE49-F238E27FC236}">
-                <a16:creationId xmlns:a16="http://schemas.microsoft.com/office/drawing/2014/main" id="{EF613E24-035E-4AA0-BDE8-657095D1FFDF}"/>
-              </a:ext>
-            </a:extLst>
-          </p:cNvPr>
-          <p:cNvSpPr>
-            <a:spLocks noGrp="1"/>
-          </p:cNvSpPr>
-          <p:nvPr>
-            <p:ph idx="1"/>
-          </p:nvPr>
-        </p:nvSpPr>
-        <p:spPr/>
-        <p:txBody>
-          <a:bodyPr/>
-          <a:lstStyle/>
-          <a:p>
-            <a:r>
-              <a:rPr lang="en-GB" dirty="0" err="1"/>
-              <a:t>Fleischner</a:t>
-            </a:r>
-            <a:endParaRPr lang="de-DE" dirty="0"/>
-          </a:p>
-        </p:txBody>
-      </p:sp>
-    </p:spTree>
-    <p:extLst>
-      <p:ext uri="{BB962C8B-B14F-4D97-AF65-F5344CB8AC3E}">
-        <p14:creationId xmlns:p14="http://schemas.microsoft.com/office/powerpoint/2010/main" val="4176262132"/>
-      </p:ext>
-    </p:extLst>
-  </p:cSld>
-  <p:clrMapOvr>
-    <a:masterClrMapping/>
-  </p:clrMapOvr>
-</p:sld>
-</file>
-
-<file path=ppt/slides/slide3.xml><?xml version="1.0" encoding="utf-8"?>
-<p:sld xmlns:a="http://schemas.openxmlformats.org/drawingml/2006/main" xmlns:r="http://schemas.openxmlformats.org/officeDocument/2006/relationships" xmlns:p="http://schemas.openxmlformats.org/presentationml/2006/main">
-  <p:cSld>
-    <p:spTree>
-      <p:nvGrpSpPr>
-        <p:cNvPr id="1" name=""/>
-        <p:cNvGrpSpPr/>
-        <p:nvPr/>
-      </p:nvGrpSpPr>
-      <p:grpSpPr>
-        <a:xfrm>
-          <a:off x="0" y="0"/>
-          <a:ext cx="0" cy="0"/>
-          <a:chOff x="0" y="0"/>
-          <a:chExt cx="0" cy="0"/>
-        </a:xfrm>
-      </p:grpSpPr>
-      <p:sp>
-        <p:nvSpPr>
-          <p:cNvPr id="2" name="Titel 1">
-            <a:extLst>
-              <a:ext uri="{FF2B5EF4-FFF2-40B4-BE49-F238E27FC236}">
-                <a16:creationId xmlns:a16="http://schemas.microsoft.com/office/drawing/2014/main" id="{B96B94A0-0906-47B1-826E-B3F069BB0617}"/>
-              </a:ext>
-            </a:extLst>
-          </p:cNvPr>
-          <p:cNvSpPr>
-            <a:spLocks noGrp="1"/>
-          </p:cNvSpPr>
-          <p:nvPr>
-            <p:ph type="title"/>
-          </p:nvPr>
-        </p:nvSpPr>
-        <p:spPr/>
-        <p:txBody>
-          <a:bodyPr/>
-          <a:lstStyle/>
-          <a:p>
-            <a:r>
-              <a:rPr lang="en-US" dirty="0"/>
-              <a:t>Maximum multicommodity flow problem</a:t>
-            </a:r>
-            <a:endParaRPr lang="de-DE" dirty="0"/>
-          </a:p>
-        </p:txBody>
-      </p:sp>
-      <mc:AlternateContent xmlns:mc="http://schemas.openxmlformats.org/markup-compatibility/2006">
-        <mc:Choice xmlns:a14="http://schemas.microsoft.com/office/drawing/2010/main" Requires="a14">
           <p:sp>
             <p:nvSpPr>
               <p:cNvPr id="3" name="Inhaltsplatzhalter 2">
@@ -15779,7 +15220,7 @@
             </p:txBody>
           </p:sp>
         </mc:Choice>
-        <mc:Fallback>
+        <mc:Fallback xmlns="">
           <p:sp>
             <p:nvSpPr>
               <p:cNvPr id="3" name="Inhaltsplatzhalter 2">
@@ -15832,7 +15273,7 @@
 </p:sld>
 </file>
 
-<file path=ppt/slides/slide4.xml><?xml version="1.0" encoding="utf-8"?>
+<file path=ppt/slides/slide3.xml><?xml version="1.0" encoding="utf-8"?>
 <p:sld xmlns:a="http://schemas.openxmlformats.org/drawingml/2006/main" xmlns:r="http://schemas.openxmlformats.org/officeDocument/2006/relationships" xmlns:p="http://schemas.openxmlformats.org/presentationml/2006/main">
   <p:cSld>
     <p:spTree>
@@ -15915,6 +15356,12 @@
                 </a:r>
                 <a14:m>
                   <m:oMath xmlns:m="http://schemas.openxmlformats.org/officeDocument/2006/math">
+                    <m:r>
+                      <a:rPr lang="en-GB" b="0" i="0" smtClean="0">
+                        <a:latin typeface="Cambria Math" panose="02040503050406030204" pitchFamily="18" charset="0"/>
+                      </a:rPr>
+                      <m:t>{</m:t>
+                    </m:r>
                     <m:d>
                       <m:dPr>
                         <m:ctrlPr>
@@ -15948,31 +15395,42 @@
                       <a:rPr lang="en-GB" b="0" i="1" smtClean="0">
                         <a:latin typeface="Cambria Math" panose="02040503050406030204" pitchFamily="18" charset="0"/>
                       </a:rPr>
-                      <m:t>,(</m:t>
+                      <m:t>,</m:t>
                     </m:r>
+                    <m:d>
+                      <m:dPr>
+                        <m:ctrlPr>
+                          <a:rPr lang="en-GB" b="0" i="1" smtClean="0">
+                            <a:latin typeface="Cambria Math" panose="02040503050406030204" pitchFamily="18" charset="0"/>
+                          </a:rPr>
+                        </m:ctrlPr>
+                      </m:dPr>
+                      <m:e>
+                        <m:r>
+                          <a:rPr lang="en-GB" b="0" i="1" smtClean="0">
+                            <a:latin typeface="Cambria Math" panose="02040503050406030204" pitchFamily="18" charset="0"/>
+                          </a:rPr>
+                          <m:t>𝑏</m:t>
+                        </m:r>
+                        <m:r>
+                          <a:rPr lang="en-GB" b="0" i="1" smtClean="0">
+                            <a:latin typeface="Cambria Math" panose="02040503050406030204" pitchFamily="18" charset="0"/>
+                          </a:rPr>
+                          <m:t>,</m:t>
+                        </m:r>
+                        <m:r>
+                          <a:rPr lang="en-GB" b="0" i="1" smtClean="0">
+                            <a:latin typeface="Cambria Math" panose="02040503050406030204" pitchFamily="18" charset="0"/>
+                          </a:rPr>
+                          <m:t>𝑑</m:t>
+                        </m:r>
+                      </m:e>
+                    </m:d>
                     <m:r>
                       <a:rPr lang="en-GB" b="0" i="1" smtClean="0">
                         <a:latin typeface="Cambria Math" panose="02040503050406030204" pitchFamily="18" charset="0"/>
                       </a:rPr>
-                      <m:t>𝑏</m:t>
-                    </m:r>
-                    <m:r>
-                      <a:rPr lang="en-GB" b="0" i="1" smtClean="0">
-                        <a:latin typeface="Cambria Math" panose="02040503050406030204" pitchFamily="18" charset="0"/>
-                      </a:rPr>
-                      <m:t>,</m:t>
-                    </m:r>
-                    <m:r>
-                      <a:rPr lang="en-GB" b="0" i="1" smtClean="0">
-                        <a:latin typeface="Cambria Math" panose="02040503050406030204" pitchFamily="18" charset="0"/>
-                      </a:rPr>
-                      <m:t>𝑑</m:t>
-                    </m:r>
-                    <m:r>
-                      <a:rPr lang="en-GB" b="0" i="1" smtClean="0">
-                        <a:latin typeface="Cambria Math" panose="02040503050406030204" pitchFamily="18" charset="0"/>
-                      </a:rPr>
-                      <m:t>)</m:t>
+                      <m:t>}</m:t>
                     </m:r>
                   </m:oMath>
                 </a14:m>
@@ -16588,7 +16046,7 @@
 </p:sld>
 </file>
 
-<file path=ppt/slides/slide5.xml><?xml version="1.0" encoding="utf-8"?>
+<file path=ppt/slides/slide4.xml><?xml version="1.0" encoding="utf-8"?>
 <p:sld xmlns:a="http://schemas.openxmlformats.org/drawingml/2006/main" xmlns:r="http://schemas.openxmlformats.org/officeDocument/2006/relationships" xmlns:p="http://schemas.openxmlformats.org/presentationml/2006/main">
   <p:cSld>
     <p:spTree>
@@ -16634,8 +16092,8 @@
           </a:p>
         </p:txBody>
       </p:sp>
-      <mc:AlternateContent xmlns:mc="http://schemas.openxmlformats.org/markup-compatibility/2006">
-        <mc:Choice xmlns:a14="http://schemas.microsoft.com/office/drawing/2010/main" Requires="a14">
+      <mc:AlternateContent xmlns:mc="http://schemas.openxmlformats.org/markup-compatibility/2006" xmlns:a14="http://schemas.microsoft.com/office/drawing/2010/main">
+        <mc:Choice Requires="a14">
           <p:sp>
             <p:nvSpPr>
               <p:cNvPr id="3" name="Inhaltsplatzhalter 2">
@@ -16667,7 +16125,7 @@
                 </a:pPr>
                 <a:r>
                   <a:rPr lang="en-GB" dirty="0"/>
-                  <a:t>Commodities:</a:t>
+                  <a:t>Commodities: </a:t>
                 </a:r>
                 <a14:m>
                   <m:oMath xmlns:m="http://schemas.openxmlformats.org/officeDocument/2006/math">
@@ -16735,17 +16193,34 @@
                         </m:r>
                       </m:e>
                     </m:d>
+                    <m:r>
+                      <a:rPr lang="en-GB" b="0" i="1" smtClean="0">
+                        <a:latin typeface="Cambria Math" panose="02040503050406030204" pitchFamily="18" charset="0"/>
+                      </a:rPr>
+                      <m:t> </m:t>
+                    </m:r>
                   </m:oMath>
                 </a14:m>
                 <a:endParaRPr lang="de-DE" dirty="0"/>
               </a:p>
               <a:p>
+                <a:pPr marL="0" indent="0">
+                  <a:buNone/>
+                </a:pPr>
+                <a:r>
+                  <a:rPr lang="en-GB" dirty="0">
+                    <a:solidFill>
+                      <a:srgbClr val="7030A0"/>
+                    </a:solidFill>
+                  </a:rPr>
+                  <a:t>capacities</a:t>
+                </a:r>
                 <a:endParaRPr lang="de-DE" dirty="0"/>
               </a:p>
             </p:txBody>
           </p:sp>
         </mc:Choice>
-        <mc:Fallback>
+        <mc:Fallback xmlns="">
           <p:sp>
             <p:nvSpPr>
               <p:cNvPr id="3" name="Inhaltsplatzhalter 2">
@@ -16803,7 +16278,7 @@
         </p:nvSpPr>
         <p:spPr>
           <a:xfrm>
-            <a:off x="5099292" y="4899487"/>
+            <a:off x="5009748" y="3644628"/>
             <a:ext cx="807868" cy="648069"/>
           </a:xfrm>
           <a:prstGeom prst="rect">
@@ -16853,7 +16328,7 @@
         </p:nvSpPr>
         <p:spPr>
           <a:xfrm>
-            <a:off x="3229347" y="3643755"/>
+            <a:off x="3530024" y="2887022"/>
             <a:ext cx="807868" cy="648069"/>
           </a:xfrm>
           <a:prstGeom prst="rect">
@@ -16903,7 +16378,7 @@
         </p:nvSpPr>
         <p:spPr>
           <a:xfrm>
-            <a:off x="7098213" y="3643755"/>
+            <a:off x="6632441" y="2887021"/>
             <a:ext cx="807868" cy="648069"/>
           </a:xfrm>
           <a:prstGeom prst="rect">
@@ -16950,14 +16425,15 @@
           </p:cNvPr>
           <p:cNvCxnSpPr>
             <a:cxnSpLocks/>
+            <a:stCxn id="6" idx="3"/>
             <a:endCxn id="8" idx="1"/>
           </p:cNvCxnSpPr>
           <p:nvPr/>
         </p:nvCxnSpPr>
         <p:spPr>
           <a:xfrm flipV="1">
-            <a:off x="4019763" y="3967790"/>
-            <a:ext cx="3078450" cy="12530"/>
+            <a:off x="4337892" y="3211056"/>
+            <a:ext cx="2294549" cy="1"/>
           </a:xfrm>
           <a:prstGeom prst="straightConnector1">
             <a:avLst/>
@@ -16990,13 +16466,17 @@
               </a:ext>
             </a:extLst>
           </p:cNvPr>
-          <p:cNvCxnSpPr/>
+          <p:cNvCxnSpPr>
+            <a:cxnSpLocks/>
+            <a:stCxn id="6" idx="3"/>
+            <a:endCxn id="5" idx="1"/>
+          </p:cNvCxnSpPr>
           <p:nvPr/>
         </p:nvCxnSpPr>
         <p:spPr>
           <a:xfrm>
-            <a:off x="4037215" y="3967790"/>
-            <a:ext cx="1466011" cy="931697"/>
+            <a:off x="4337892" y="3211057"/>
+            <a:ext cx="671856" cy="757606"/>
           </a:xfrm>
           <a:prstGeom prst="straightConnector1">
             <a:avLst/>
@@ -17030,14 +16510,16 @@
             </a:extLst>
           </p:cNvPr>
           <p:cNvCxnSpPr>
+            <a:cxnSpLocks/>
+            <a:stCxn id="5" idx="3"/>
             <a:endCxn id="8" idx="1"/>
           </p:cNvCxnSpPr>
           <p:nvPr/>
         </p:nvCxnSpPr>
         <p:spPr>
           <a:xfrm flipV="1">
-            <a:off x="5503226" y="3967790"/>
-            <a:ext cx="1594987" cy="931697"/>
+            <a:off x="5817616" y="3211056"/>
+            <a:ext cx="814825" cy="757607"/>
           </a:xfrm>
           <a:prstGeom prst="straightConnector1">
             <a:avLst/>
@@ -17075,7 +16557,7 @@
         </p:nvSpPr>
         <p:spPr>
           <a:xfrm>
-            <a:off x="9097134" y="3643754"/>
+            <a:off x="8598690" y="2874324"/>
             <a:ext cx="807868" cy="648069"/>
           </a:xfrm>
           <a:prstGeom prst="rect">
@@ -17128,8 +16610,8 @@
         </p:nvCxnSpPr>
         <p:spPr>
           <a:xfrm flipV="1">
-            <a:off x="7906081" y="3967789"/>
-            <a:ext cx="1191053" cy="1"/>
+            <a:off x="7440309" y="3198359"/>
+            <a:ext cx="1158381" cy="12697"/>
           </a:xfrm>
           <a:prstGeom prst="straightConnector1">
             <a:avLst/>
@@ -17167,7 +16649,7 @@
         </p:nvSpPr>
         <p:spPr>
           <a:xfrm>
-            <a:off x="8341379" y="3598456"/>
+            <a:off x="7879561" y="2896493"/>
             <a:ext cx="301686" cy="369332"/>
           </a:xfrm>
           <a:prstGeom prst="rect">
@@ -17181,10 +16663,18 @@
           <a:lstStyle/>
           <a:p>
             <a:r>
-              <a:rPr lang="en-GB" dirty="0"/>
+              <a:rPr lang="en-GB" dirty="0">
+                <a:solidFill>
+                  <a:srgbClr val="7030A0"/>
+                </a:solidFill>
+              </a:rPr>
               <a:t>1</a:t>
             </a:r>
-            <a:endParaRPr lang="de-DE" dirty="0"/>
+            <a:endParaRPr lang="de-DE" dirty="0">
+              <a:solidFill>
+                <a:srgbClr val="7030A0"/>
+              </a:solidFill>
+            </a:endParaRPr>
           </a:p>
         </p:txBody>
       </p:sp>
@@ -17202,7 +16692,7 @@
         </p:nvSpPr>
         <p:spPr>
           <a:xfrm>
-            <a:off x="5408145" y="3530990"/>
+            <a:off x="5240779" y="2852699"/>
             <a:ext cx="301686" cy="369332"/>
           </a:xfrm>
           <a:prstGeom prst="rect">
@@ -17216,10 +16706,18 @@
           <a:lstStyle/>
           <a:p>
             <a:r>
-              <a:rPr lang="en-GB" dirty="0"/>
-              <a:t>3</a:t>
+              <a:rPr lang="en-GB" dirty="0">
+                <a:solidFill>
+                  <a:srgbClr val="7030A0"/>
+                </a:solidFill>
+              </a:rPr>
+              <a:t>2</a:t>
             </a:r>
-            <a:endParaRPr lang="de-DE" dirty="0"/>
+            <a:endParaRPr lang="de-DE" dirty="0">
+              <a:solidFill>
+                <a:srgbClr val="7030A0"/>
+              </a:solidFill>
+            </a:endParaRPr>
           </a:p>
         </p:txBody>
       </p:sp>
@@ -17237,7 +16735,7 @@
         </p:nvSpPr>
         <p:spPr>
           <a:xfrm>
-            <a:off x="4753212" y="4107157"/>
+            <a:off x="4419644" y="3535090"/>
             <a:ext cx="301686" cy="369332"/>
           </a:xfrm>
           <a:prstGeom prst="rect">
@@ -17251,10 +16749,18 @@
           <a:lstStyle/>
           <a:p>
             <a:r>
-              <a:rPr lang="en-GB" dirty="0"/>
+              <a:rPr lang="en-GB" dirty="0">
+                <a:solidFill>
+                  <a:srgbClr val="7030A0"/>
+                </a:solidFill>
+              </a:rPr>
               <a:t>1</a:t>
             </a:r>
-            <a:endParaRPr lang="de-DE" dirty="0"/>
+            <a:endParaRPr lang="de-DE" dirty="0">
+              <a:solidFill>
+                <a:srgbClr val="7030A0"/>
+              </a:solidFill>
+            </a:endParaRPr>
           </a:p>
         </p:txBody>
       </p:sp>
@@ -17272,7 +16778,7 @@
         </p:nvSpPr>
         <p:spPr>
           <a:xfrm>
-            <a:off x="6014165" y="4107157"/>
+            <a:off x="5863152" y="3361134"/>
             <a:ext cx="301686" cy="369332"/>
           </a:xfrm>
           <a:prstGeom prst="rect">
@@ -17286,10 +16792,18 @@
           <a:lstStyle/>
           <a:p>
             <a:r>
-              <a:rPr lang="en-GB" dirty="0"/>
+              <a:rPr lang="en-GB" dirty="0">
+                <a:solidFill>
+                  <a:srgbClr val="7030A0"/>
+                </a:solidFill>
+              </a:rPr>
               <a:t>3</a:t>
             </a:r>
-            <a:endParaRPr lang="de-DE" dirty="0"/>
+            <a:endParaRPr lang="de-DE" dirty="0">
+              <a:solidFill>
+                <a:srgbClr val="7030A0"/>
+              </a:solidFill>
+            </a:endParaRPr>
           </a:p>
         </p:txBody>
       </p:sp>
@@ -17306,7 +16820,7 @@
 </p:sld>
 </file>
 
-<file path=ppt/slides/slide6.xml><?xml version="1.0" encoding="utf-8"?>
+<file path=ppt/slides/slide5.xml><?xml version="1.0" encoding="utf-8"?>
 <p:sld xmlns:a="http://schemas.openxmlformats.org/drawingml/2006/main" xmlns:r="http://schemas.openxmlformats.org/officeDocument/2006/relationships" xmlns:p="http://schemas.openxmlformats.org/presentationml/2006/main">
   <p:cSld>
     <p:spTree>
@@ -17367,8 +16881,8 @@
           </a:p>
         </p:txBody>
       </p:sp>
-      <mc:AlternateContent xmlns:mc="http://schemas.openxmlformats.org/markup-compatibility/2006">
-        <mc:Choice xmlns:a14="http://schemas.microsoft.com/office/drawing/2010/main" Requires="a14">
+      <mc:AlternateContent xmlns:mc="http://schemas.openxmlformats.org/markup-compatibility/2006" xmlns:a14="http://schemas.microsoft.com/office/drawing/2010/main">
+        <mc:Choice Requires="a14">
           <p:sp>
             <p:nvSpPr>
               <p:cNvPr id="3" name="Inhaltsplatzhalter 2">
@@ -17518,7 +17032,7 @@
             </p:txBody>
           </p:sp>
         </mc:Choice>
-        <mc:Fallback>
+        <mc:Fallback xmlns="">
           <p:sp>
             <p:nvSpPr>
               <p:cNvPr id="3" name="Inhaltsplatzhalter 2">
@@ -17571,7 +17085,7 @@
 </p:sld>
 </file>
 
-<file path=ppt/slides/slide7.xml><?xml version="1.0" encoding="utf-8"?>
+<file path=ppt/slides/slide6.xml><?xml version="1.0" encoding="utf-8"?>
 <p:sld xmlns:a="http://schemas.openxmlformats.org/drawingml/2006/main" xmlns:r="http://schemas.openxmlformats.org/officeDocument/2006/relationships" xmlns:p="http://schemas.openxmlformats.org/presentationml/2006/main">
   <p:cSld>
     <p:spTree>
@@ -17764,7 +17278,7 @@
 </p:sld>
 </file>
 
-<file path=ppt/slides/slide8.xml><?xml version="1.0" encoding="utf-8"?>
+<file path=ppt/slides/slide7.xml><?xml version="1.0" encoding="utf-8"?>
 <p:sld xmlns:a="http://schemas.openxmlformats.org/drawingml/2006/main" xmlns:r="http://schemas.openxmlformats.org/officeDocument/2006/relationships" xmlns:p="http://schemas.openxmlformats.org/presentationml/2006/main">
   <p:cSld>
     <p:spTree>
@@ -17810,8 +17324,8 @@
           </a:p>
         </p:txBody>
       </p:sp>
-      <mc:AlternateContent xmlns:mc="http://schemas.openxmlformats.org/markup-compatibility/2006">
-        <mc:Choice xmlns:a14="http://schemas.microsoft.com/office/drawing/2010/main" Requires="a14">
+      <mc:AlternateContent xmlns:mc="http://schemas.openxmlformats.org/markup-compatibility/2006" xmlns:a14="http://schemas.microsoft.com/office/drawing/2010/main">
+        <mc:Choice Requires="a14">
           <p:sp>
             <p:nvSpPr>
               <p:cNvPr id="3" name="Inhaltsplatzhalter 2">
@@ -17830,7 +17344,9 @@
             </p:nvSpPr>
             <p:spPr/>
             <p:txBody>
-              <a:bodyPr/>
+              <a:bodyPr>
+                <a:normAutofit lnSpcReduction="10000"/>
+              </a:bodyPr>
               <a:lstStyle/>
               <a:p>
                 <a14:m>
@@ -18207,9 +17723,189 @@
                 </a:endParaRPr>
               </a:p>
               <a:p>
+                <a:endParaRPr lang="en-GB" i="1" dirty="0">
+                  <a:latin typeface="Cambria Math" panose="02040503050406030204" pitchFamily="18" charset="0"/>
+                </a:endParaRPr>
+              </a:p>
+              <a:p>
+                <a14:m>
+                  <m:oMath xmlns:m="http://schemas.openxmlformats.org/officeDocument/2006/math">
+                    <m:r>
+                      <a:rPr lang="en-GB" b="0" i="1" smtClean="0">
+                        <a:latin typeface="Cambria Math" panose="02040503050406030204" pitchFamily="18" charset="0"/>
+                      </a:rPr>
+                      <m:t>𝑥</m:t>
+                    </m:r>
+                  </m:oMath>
+                </a14:m>
+                <a:r>
+                  <a:rPr lang="en-GB" i="1" dirty="0">
+                    <a:latin typeface="Cambria Math" panose="02040503050406030204" pitchFamily="18" charset="0"/>
+                  </a:rPr>
+                  <a:t> </a:t>
+                </a:r>
+                <a:r>
+                  <a:rPr lang="en-GB" dirty="0">
+                    <a:latin typeface="Cambria Math" panose="02040503050406030204" pitchFamily="18" charset="0"/>
+                  </a:rPr>
+                  <a:t>denotes the flow</a:t>
+                </a:r>
+              </a:p>
+              <a:p>
+                <a:endParaRPr lang="en-GB" i="1" dirty="0">
+                  <a:latin typeface="Cambria Math" panose="02040503050406030204" pitchFamily="18" charset="0"/>
+                </a:endParaRPr>
+              </a:p>
+              <a:p>
+                <a:r>
+                  <a:rPr lang="en-GB" dirty="0">
+                    <a:latin typeface="Cambria Math" panose="02040503050406030204" pitchFamily="18" charset="0"/>
+                  </a:rPr>
+                  <a:t>Dual variable </a:t>
+                </a:r>
+                <a14:m>
+                  <m:oMath xmlns:m="http://schemas.openxmlformats.org/officeDocument/2006/math">
+                    <m:r>
+                      <a:rPr lang="en-GB" b="0" i="1" smtClean="0">
+                        <a:latin typeface="Cambria Math" panose="02040503050406030204" pitchFamily="18" charset="0"/>
+                      </a:rPr>
+                      <m:t>𝑙</m:t>
+                    </m:r>
+                  </m:oMath>
+                </a14:m>
+                <a:r>
+                  <a:rPr lang="en-GB" dirty="0">
+                    <a:latin typeface="Cambria Math" panose="02040503050406030204" pitchFamily="18" charset="0"/>
+                  </a:rPr>
+                  <a:t> represents the capacity violation of every edge</a:t>
+                </a:r>
+              </a:p>
+              <a:p>
                 <a:endParaRPr lang="en-GB" dirty="0"/>
               </a:p>
               <a:p>
+                <a14:m>
+                  <m:oMath xmlns:m="http://schemas.openxmlformats.org/officeDocument/2006/math">
+                    <m:r>
+                      <a:rPr lang="en-GB" b="0" i="1" smtClean="0">
+                        <a:latin typeface="Cambria Math" panose="02040503050406030204" pitchFamily="18" charset="0"/>
+                      </a:rPr>
+                      <m:t>𝑙</m:t>
+                    </m:r>
+                    <m:d>
+                      <m:dPr>
+                        <m:ctrlPr>
+                          <a:rPr lang="en-GB" b="0" i="1" smtClean="0">
+                            <a:latin typeface="Cambria Math" panose="02040503050406030204" pitchFamily="18" charset="0"/>
+                          </a:rPr>
+                        </m:ctrlPr>
+                      </m:dPr>
+                      <m:e>
+                        <m:r>
+                          <a:rPr lang="en-GB" b="0" i="1" smtClean="0">
+                            <a:latin typeface="Cambria Math" panose="02040503050406030204" pitchFamily="18" charset="0"/>
+                          </a:rPr>
+                          <m:t>𝑝</m:t>
+                        </m:r>
+                      </m:e>
+                    </m:d>
+                    <m:r>
+                      <a:rPr lang="en-GB" dirty="0" smtClean="0">
+                        <a:latin typeface="Cambria Math" panose="02040503050406030204" pitchFamily="18" charset="0"/>
+                      </a:rPr>
+                      <m:t>≔</m:t>
+                    </m:r>
+                    <m:nary>
+                      <m:naryPr>
+                        <m:chr m:val="∑"/>
+                        <m:supHide m:val="on"/>
+                        <m:ctrlPr>
+                          <a:rPr lang="en-GB" i="1">
+                            <a:latin typeface="Cambria Math" panose="02040503050406030204" pitchFamily="18" charset="0"/>
+                          </a:rPr>
+                        </m:ctrlPr>
+                      </m:naryPr>
+                      <m:sub>
+                        <m:r>
+                          <m:rPr>
+                            <m:brk m:alnAt="7"/>
+                          </m:rPr>
+                          <a:rPr lang="en-GB" i="1">
+                            <a:latin typeface="Cambria Math" panose="02040503050406030204" pitchFamily="18" charset="0"/>
+                          </a:rPr>
+                          <m:t>𝑒</m:t>
+                        </m:r>
+                        <m:r>
+                          <a:rPr lang="en-GB" i="1">
+                            <a:latin typeface="Cambria Math" panose="02040503050406030204" pitchFamily="18" charset="0"/>
+                          </a:rPr>
+                          <m:t>∈</m:t>
+                        </m:r>
+                        <m:r>
+                          <a:rPr lang="en-GB" i="1">
+                            <a:latin typeface="Cambria Math" panose="02040503050406030204" pitchFamily="18" charset="0"/>
+                            <a:ea typeface="Cambria Math" panose="02040503050406030204" pitchFamily="18" charset="0"/>
+                          </a:rPr>
+                          <m:t>𝑝</m:t>
+                        </m:r>
+                      </m:sub>
+                      <m:sup/>
+                      <m:e>
+                        <m:r>
+                          <a:rPr lang="en-GB" i="1">
+                            <a:latin typeface="Cambria Math" panose="02040503050406030204" pitchFamily="18" charset="0"/>
+                          </a:rPr>
+                          <m:t>𝑙</m:t>
+                        </m:r>
+                        <m:d>
+                          <m:dPr>
+                            <m:ctrlPr>
+                              <a:rPr lang="en-GB" i="1">
+                                <a:latin typeface="Cambria Math" panose="02040503050406030204" pitchFamily="18" charset="0"/>
+                              </a:rPr>
+                            </m:ctrlPr>
+                          </m:dPr>
+                          <m:e>
+                            <m:r>
+                              <a:rPr lang="en-GB" i="1">
+                                <a:latin typeface="Cambria Math" panose="02040503050406030204" pitchFamily="18" charset="0"/>
+                              </a:rPr>
+                              <m:t>𝑒</m:t>
+                            </m:r>
+                          </m:e>
+                        </m:d>
+                      </m:e>
+                    </m:nary>
+                    <m:r>
+                      <a:rPr lang="en-GB" b="0" i="1" smtClean="0">
+                        <a:latin typeface="Cambria Math" panose="02040503050406030204" pitchFamily="18" charset="0"/>
+                        <a:ea typeface="Cambria Math" panose="02040503050406030204" pitchFamily="18" charset="0"/>
+                      </a:rPr>
+                      <m:t> ∀</m:t>
+                    </m:r>
+                    <m:r>
+                      <a:rPr lang="en-GB" b="0" i="1" smtClean="0">
+                        <a:latin typeface="Cambria Math" panose="02040503050406030204" pitchFamily="18" charset="0"/>
+                        <a:ea typeface="Cambria Math" panose="02040503050406030204" pitchFamily="18" charset="0"/>
+                      </a:rPr>
+                      <m:t>𝑝</m:t>
+                    </m:r>
+                    <m:r>
+                      <a:rPr lang="en-GB" b="0" i="1" smtClean="0">
+                        <a:latin typeface="Cambria Math" panose="02040503050406030204" pitchFamily="18" charset="0"/>
+                        <a:ea typeface="Cambria Math" panose="02040503050406030204" pitchFamily="18" charset="0"/>
+                      </a:rPr>
+                      <m:t>∈</m:t>
+                    </m:r>
+                    <m:r>
+                      <a:rPr lang="en-GB" b="0" i="1" smtClean="0">
+                        <a:latin typeface="Cambria Math" panose="02040503050406030204" pitchFamily="18" charset="0"/>
+                        <a:ea typeface="Cambria Math" panose="02040503050406030204" pitchFamily="18" charset="0"/>
+                      </a:rPr>
+                      <m:t>𝑃</m:t>
+                    </m:r>
+                  </m:oMath>
+                </a14:m>
                 <a:endParaRPr lang="en-GB" dirty="0"/>
               </a:p>
               <a:p>
@@ -18218,7 +17914,7 @@
             </p:txBody>
           </p:sp>
         </mc:Choice>
-        <mc:Fallback>
+        <mc:Fallback xmlns="">
           <p:sp>
             <p:nvSpPr>
               <p:cNvPr id="3" name="Inhaltsplatzhalter 2">
@@ -18239,7 +17935,7 @@
               <a:blipFill>
                 <a:blip r:embed="rId2"/>
                 <a:stretch>
-                  <a:fillRect/>
+                  <a:fillRect l="-1043"/>
                 </a:stretch>
               </a:blipFill>
             </p:spPr>
@@ -18271,7 +17967,7 @@
 </p:sld>
 </file>
 
-<file path=ppt/slides/slide9.xml><?xml version="1.0" encoding="utf-8"?>
+<file path=ppt/slides/slide8.xml><?xml version="1.0" encoding="utf-8"?>
 <p:sld xmlns:a="http://schemas.openxmlformats.org/drawingml/2006/main" xmlns:r="http://schemas.openxmlformats.org/officeDocument/2006/relationships" xmlns:p="http://schemas.openxmlformats.org/presentationml/2006/main">
   <p:cSld>
     <p:spTree>
@@ -18317,8 +18013,8 @@
           </a:p>
         </p:txBody>
       </p:sp>
-      <mc:AlternateContent xmlns:mc="http://schemas.openxmlformats.org/markup-compatibility/2006">
-        <mc:Choice xmlns:a14="http://schemas.microsoft.com/office/drawing/2010/main" Requires="a14">
+      <mc:AlternateContent xmlns:mc="http://schemas.openxmlformats.org/markup-compatibility/2006" xmlns:a14="http://schemas.microsoft.com/office/drawing/2010/main">
+        <mc:Choice Requires="a14">
           <p:sp>
             <p:nvSpPr>
               <p:cNvPr id="3" name="Inhaltsplatzhalter 2">
@@ -18947,7 +18643,7 @@
             </p:txBody>
           </p:sp>
         </mc:Choice>
-        <mc:Fallback>
+        <mc:Fallback xmlns="">
           <p:sp>
             <p:nvSpPr>
               <p:cNvPr id="3" name="Inhaltsplatzhalter 2">
@@ -18991,6 +18687,126 @@
     <p:extLst>
       <p:ext uri="{BB962C8B-B14F-4D97-AF65-F5344CB8AC3E}">
         <p14:creationId xmlns:p14="http://schemas.microsoft.com/office/powerpoint/2010/main" val="944400899"/>
+      </p:ext>
+    </p:extLst>
+  </p:cSld>
+  <p:clrMapOvr>
+    <a:masterClrMapping/>
+  </p:clrMapOvr>
+</p:sld>
+</file>
+
+<file path=ppt/slides/slide9.xml><?xml version="1.0" encoding="utf-8"?>
+<p:sld xmlns:a="http://schemas.openxmlformats.org/drawingml/2006/main" xmlns:r="http://schemas.openxmlformats.org/officeDocument/2006/relationships" xmlns:p="http://schemas.openxmlformats.org/presentationml/2006/main">
+  <p:cSld>
+    <p:spTree>
+      <p:nvGrpSpPr>
+        <p:cNvPr id="1" name=""/>
+        <p:cNvGrpSpPr/>
+        <p:nvPr/>
+      </p:nvGrpSpPr>
+      <p:grpSpPr>
+        <a:xfrm>
+          <a:off x="0" y="0"/>
+          <a:ext cx="0" cy="0"/>
+          <a:chOff x="0" y="0"/>
+          <a:chExt cx="0" cy="0"/>
+        </a:xfrm>
+      </p:grpSpPr>
+      <p:sp>
+        <p:nvSpPr>
+          <p:cNvPr id="2" name="Titel 1">
+            <a:extLst>
+              <a:ext uri="{FF2B5EF4-FFF2-40B4-BE49-F238E27FC236}">
+                <a16:creationId xmlns:a16="http://schemas.microsoft.com/office/drawing/2014/main" id="{D33EFE4C-4011-4FE4-B664-5A2C578658DD}"/>
+              </a:ext>
+            </a:extLst>
+          </p:cNvPr>
+          <p:cNvSpPr>
+            <a:spLocks noGrp="1"/>
+          </p:cNvSpPr>
+          <p:nvPr>
+            <p:ph type="title"/>
+          </p:nvPr>
+        </p:nvSpPr>
+        <p:spPr/>
+        <p:txBody>
+          <a:bodyPr/>
+          <a:lstStyle/>
+          <a:p>
+            <a:r>
+              <a:rPr lang="en-GB" dirty="0"/>
+              <a:t>Algorithm</a:t>
+            </a:r>
+            <a:endParaRPr lang="de-DE" dirty="0"/>
+          </a:p>
+        </p:txBody>
+      </p:sp>
+      <p:pic>
+        <p:nvPicPr>
+          <p:cNvPr id="20" name="Grafik 19">
+            <a:extLst>
+              <a:ext uri="{FF2B5EF4-FFF2-40B4-BE49-F238E27FC236}">
+                <a16:creationId xmlns:a16="http://schemas.microsoft.com/office/drawing/2014/main" id="{34D46A1A-483D-4AFF-ABA8-6A8C6ADDAB83}"/>
+              </a:ext>
+            </a:extLst>
+          </p:cNvPr>
+          <p:cNvPicPr>
+            <a:picLocks noChangeAspect="1"/>
+          </p:cNvPicPr>
+          <p:nvPr/>
+        </p:nvPicPr>
+        <p:blipFill>
+          <a:blip r:embed="rId2">
+            <a:extLst>
+              <a:ext uri="{28A0092B-C50C-407E-A947-70E740481C1C}">
+                <a14:useLocalDpi xmlns:a14="http://schemas.microsoft.com/office/drawing/2010/main" val="0"/>
+              </a:ext>
+            </a:extLst>
+          </a:blip>
+          <a:stretch>
+            <a:fillRect/>
+          </a:stretch>
+        </p:blipFill>
+        <p:spPr>
+          <a:xfrm>
+            <a:off x="2674144" y="1825625"/>
+            <a:ext cx="6843712" cy="4119712"/>
+          </a:xfrm>
+          <a:prstGeom prst="rect">
+            <a:avLst/>
+          </a:prstGeom>
+        </p:spPr>
+      </p:pic>
+      <p:sp>
+        <p:nvSpPr>
+          <p:cNvPr id="22" name="Inhaltsplatzhalter 21">
+            <a:extLst>
+              <a:ext uri="{FF2B5EF4-FFF2-40B4-BE49-F238E27FC236}">
+                <a16:creationId xmlns:a16="http://schemas.microsoft.com/office/drawing/2014/main" id="{4CABCC70-C604-42B5-B559-65F2BF0394F9}"/>
+              </a:ext>
+            </a:extLst>
+          </p:cNvPr>
+          <p:cNvSpPr>
+            <a:spLocks noGrp="1"/>
+          </p:cNvSpPr>
+          <p:nvPr>
+            <p:ph idx="1"/>
+          </p:nvPr>
+        </p:nvSpPr>
+        <p:spPr/>
+        <p:txBody>
+          <a:bodyPr/>
+          <a:lstStyle/>
+          <a:p>
+            <a:endParaRPr lang="de-DE" dirty="0"/>
+          </a:p>
+        </p:txBody>
+      </p:sp>
+    </p:spTree>
+    <p:extLst>
+      <p:ext uri="{BB962C8B-B14F-4D97-AF65-F5344CB8AC3E}">
+        <p14:creationId xmlns:p14="http://schemas.microsoft.com/office/powerpoint/2010/main" val="3641285235"/>
       </p:ext>
     </p:extLst>
   </p:cSld>

--- a/MMCFP.pptx
+++ b/MMCFP.pptx
@@ -152,20 +152,6 @@
 </p:cmAuthorLst>
 </file>
 
-<file path=ppt/comments/comment1.xml><?xml version="1.0" encoding="utf-8"?>
-<p:cmLst xmlns:a="http://schemas.openxmlformats.org/drawingml/2006/main" xmlns:r="http://schemas.openxmlformats.org/officeDocument/2006/relationships" xmlns:p="http://schemas.openxmlformats.org/presentationml/2006/main">
-  <p:cm authorId="2" dt="2019-05-10T20:11:54.773" idx="12">
-    <p:pos x="10" y="10"/>
-    <p:text/>
-    <p:extLst>
-      <p:ext uri="{C676402C-5697-4E1C-873F-D02D1690AC5C}">
-        <p15:threadingInfo xmlns:p15="http://schemas.microsoft.com/office/powerpoint/2012/main" timeZoneBias="-120"/>
-      </p:ext>
-    </p:extLst>
-  </p:cm>
-</p:cmLst>
-</file>
-
 <file path=ppt/notesMasters/notesMaster1.xml><?xml version="1.0" encoding="utf-8"?>
 <p:notesMaster xmlns:a="http://schemas.openxmlformats.org/drawingml/2006/main" xmlns:r="http://schemas.openxmlformats.org/officeDocument/2006/relationships" xmlns:p="http://schemas.openxmlformats.org/presentationml/2006/main">
   <p:cSld>
@@ -248,7 +234,7 @@
           <a:p>
             <a:fld id="{44C6BE4A-E73F-4173-8748-7CBB4FC541AD}" type="datetimeFigureOut">
               <a:rPr lang="de-DE" smtClean="0"/>
-              <a:t>11.05.2019</a:t>
+              <a:t>12.05.2019</a:t>
             </a:fld>
             <a:endParaRPr lang="de-DE"/>
           </a:p>
@@ -888,6 +874,90 @@
           <a:p>
             <a:fld id="{35400D43-4AA6-4233-82D2-BE037E655FFF}" type="slidenum">
               <a:rPr lang="de-DE" smtClean="0"/>
+              <a:t>9</a:t>
+            </a:fld>
+            <a:endParaRPr lang="de-DE"/>
+          </a:p>
+        </p:txBody>
+      </p:sp>
+    </p:spTree>
+    <p:extLst>
+      <p:ext uri="{BB962C8B-B14F-4D97-AF65-F5344CB8AC3E}">
+        <p14:creationId xmlns:p14="http://schemas.microsoft.com/office/powerpoint/2010/main" val="3387894776"/>
+      </p:ext>
+    </p:extLst>
+  </p:cSld>
+  <p:clrMapOvr>
+    <a:masterClrMapping/>
+  </p:clrMapOvr>
+</p:notes>
+</file>
+
+<file path=ppt/notesSlides/notesSlide5.xml><?xml version="1.0" encoding="utf-8"?>
+<p:notes xmlns:a="http://schemas.openxmlformats.org/drawingml/2006/main" xmlns:r="http://schemas.openxmlformats.org/officeDocument/2006/relationships" xmlns:p="http://schemas.openxmlformats.org/presentationml/2006/main">
+  <p:cSld>
+    <p:spTree>
+      <p:nvGrpSpPr>
+        <p:cNvPr id="1" name=""/>
+        <p:cNvGrpSpPr/>
+        <p:nvPr/>
+      </p:nvGrpSpPr>
+      <p:grpSpPr>
+        <a:xfrm>
+          <a:off x="0" y="0"/>
+          <a:ext cx="0" cy="0"/>
+          <a:chOff x="0" y="0"/>
+          <a:chExt cx="0" cy="0"/>
+        </a:xfrm>
+      </p:grpSpPr>
+      <p:sp>
+        <p:nvSpPr>
+          <p:cNvPr id="2" name="Folienbildplatzhalter 1"/>
+          <p:cNvSpPr>
+            <a:spLocks noGrp="1" noRot="1" noChangeAspect="1"/>
+          </p:cNvSpPr>
+          <p:nvPr>
+            <p:ph type="sldImg"/>
+          </p:nvPr>
+        </p:nvSpPr>
+        <p:spPr/>
+      </p:sp>
+      <p:sp>
+        <p:nvSpPr>
+          <p:cNvPr id="3" name="Notizenplatzhalter 2"/>
+          <p:cNvSpPr>
+            <a:spLocks noGrp="1"/>
+          </p:cNvSpPr>
+          <p:nvPr>
+            <p:ph type="body" idx="1"/>
+          </p:nvPr>
+        </p:nvSpPr>
+        <p:spPr/>
+        <p:txBody>
+          <a:bodyPr/>
+          <a:lstStyle/>
+          <a:p>
+            <a:endParaRPr lang="de-DE" dirty="0"/>
+          </a:p>
+        </p:txBody>
+      </p:sp>
+      <p:sp>
+        <p:nvSpPr>
+          <p:cNvPr id="4" name="Foliennummernplatzhalter 3"/>
+          <p:cNvSpPr>
+            <a:spLocks noGrp="1"/>
+          </p:cNvSpPr>
+          <p:nvPr>
+            <p:ph type="sldNum" sz="quarter" idx="5"/>
+          </p:nvPr>
+        </p:nvSpPr>
+        <p:spPr/>
+        <p:txBody>
+          <a:bodyPr/>
+          <a:lstStyle/>
+          <a:p>
+            <a:fld id="{35400D43-4AA6-4233-82D2-BE037E655FFF}" type="slidenum">
+              <a:rPr lang="de-DE" smtClean="0"/>
               <a:t>14</a:t>
             </a:fld>
             <a:endParaRPr lang="de-DE"/>
@@ -1054,7 +1124,7 @@
           <a:p>
             <a:fld id="{09C583F3-FD4A-47F5-92E3-ECEBCA750802}" type="datetimeFigureOut">
               <a:rPr lang="de-DE" smtClean="0"/>
-              <a:t>11.05.2019</a:t>
+              <a:t>12.05.2019</a:t>
             </a:fld>
             <a:endParaRPr lang="de-DE"/>
           </a:p>
@@ -1252,7 +1322,7 @@
           <a:p>
             <a:fld id="{09C583F3-FD4A-47F5-92E3-ECEBCA750802}" type="datetimeFigureOut">
               <a:rPr lang="de-DE" smtClean="0"/>
-              <a:t>11.05.2019</a:t>
+              <a:t>12.05.2019</a:t>
             </a:fld>
             <a:endParaRPr lang="de-DE"/>
           </a:p>
@@ -1460,7 +1530,7 @@
           <a:p>
             <a:fld id="{09C583F3-FD4A-47F5-92E3-ECEBCA750802}" type="datetimeFigureOut">
               <a:rPr lang="de-DE" smtClean="0"/>
-              <a:t>11.05.2019</a:t>
+              <a:t>12.05.2019</a:t>
             </a:fld>
             <a:endParaRPr lang="de-DE"/>
           </a:p>
@@ -1658,7 +1728,7 @@
           <a:p>
             <a:fld id="{09C583F3-FD4A-47F5-92E3-ECEBCA750802}" type="datetimeFigureOut">
               <a:rPr lang="de-DE" smtClean="0"/>
-              <a:t>11.05.2019</a:t>
+              <a:t>12.05.2019</a:t>
             </a:fld>
             <a:endParaRPr lang="de-DE"/>
           </a:p>
@@ -1933,7 +2003,7 @@
           <a:p>
             <a:fld id="{09C583F3-FD4A-47F5-92E3-ECEBCA750802}" type="datetimeFigureOut">
               <a:rPr lang="de-DE" smtClean="0"/>
-              <a:t>11.05.2019</a:t>
+              <a:t>12.05.2019</a:t>
             </a:fld>
             <a:endParaRPr lang="de-DE"/>
           </a:p>
@@ -2198,7 +2268,7 @@
           <a:p>
             <a:fld id="{09C583F3-FD4A-47F5-92E3-ECEBCA750802}" type="datetimeFigureOut">
               <a:rPr lang="de-DE" smtClean="0"/>
-              <a:t>11.05.2019</a:t>
+              <a:t>12.05.2019</a:t>
             </a:fld>
             <a:endParaRPr lang="de-DE"/>
           </a:p>
@@ -2610,7 +2680,7 @@
           <a:p>
             <a:fld id="{09C583F3-FD4A-47F5-92E3-ECEBCA750802}" type="datetimeFigureOut">
               <a:rPr lang="de-DE" smtClean="0"/>
-              <a:t>11.05.2019</a:t>
+              <a:t>12.05.2019</a:t>
             </a:fld>
             <a:endParaRPr lang="de-DE"/>
           </a:p>
@@ -2751,7 +2821,7 @@
           <a:p>
             <a:fld id="{09C583F3-FD4A-47F5-92E3-ECEBCA750802}" type="datetimeFigureOut">
               <a:rPr lang="de-DE" smtClean="0"/>
-              <a:t>11.05.2019</a:t>
+              <a:t>12.05.2019</a:t>
             </a:fld>
             <a:endParaRPr lang="de-DE"/>
           </a:p>
@@ -2864,7 +2934,7 @@
           <a:p>
             <a:fld id="{09C583F3-FD4A-47F5-92E3-ECEBCA750802}" type="datetimeFigureOut">
               <a:rPr lang="de-DE" smtClean="0"/>
-              <a:t>11.05.2019</a:t>
+              <a:t>12.05.2019</a:t>
             </a:fld>
             <a:endParaRPr lang="de-DE"/>
           </a:p>
@@ -3175,7 +3245,7 @@
           <a:p>
             <a:fld id="{09C583F3-FD4A-47F5-92E3-ECEBCA750802}" type="datetimeFigureOut">
               <a:rPr lang="de-DE" smtClean="0"/>
-              <a:t>11.05.2019</a:t>
+              <a:t>12.05.2019</a:t>
             </a:fld>
             <a:endParaRPr lang="de-DE"/>
           </a:p>
@@ -3463,7 +3533,7 @@
           <a:p>
             <a:fld id="{09C583F3-FD4A-47F5-92E3-ECEBCA750802}" type="datetimeFigureOut">
               <a:rPr lang="de-DE" smtClean="0"/>
-              <a:t>11.05.2019</a:t>
+              <a:t>12.05.2019</a:t>
             </a:fld>
             <a:endParaRPr lang="de-DE"/>
           </a:p>
@@ -3704,7 +3774,7 @@
           <a:p>
             <a:fld id="{09C583F3-FD4A-47F5-92E3-ECEBCA750802}" type="datetimeFigureOut">
               <a:rPr lang="de-DE" smtClean="0"/>
-              <a:t>11.05.2019</a:t>
+              <a:t>12.05.2019</a:t>
             </a:fld>
             <a:endParaRPr lang="de-DE"/>
           </a:p>
@@ -9350,8 +9420,8 @@
           </a:p>
         </p:txBody>
       </p:sp>
-      <mc:AlternateContent xmlns:mc="http://schemas.openxmlformats.org/markup-compatibility/2006" xmlns:a14="http://schemas.microsoft.com/office/drawing/2010/main">
-        <mc:Choice Requires="a14">
+      <mc:AlternateContent xmlns:mc="http://schemas.openxmlformats.org/markup-compatibility/2006">
+        <mc:Choice xmlns:a14="http://schemas.microsoft.com/office/drawing/2010/main" Requires="a14">
           <p:sp>
             <p:nvSpPr>
               <p:cNvPr id="3" name="Inhaltsplatzhalter 2">
@@ -9377,7 +9447,7 @@
               <a:p>
                 <a:r>
                   <a:rPr lang="en-GB" dirty="0"/>
-                  <a:t>Number of Iterations depends on </a:t>
+                  <a:t>Number of Iterations depends mostly on </a:t>
                 </a:r>
                 <a14:m>
                   <m:oMath xmlns:m="http://schemas.openxmlformats.org/officeDocument/2006/math">
@@ -9808,29 +9878,30 @@
                         </m:r>
                       </m:sup>
                     </m:sSup>
+                    <m:d>
+                      <m:dPr>
+                        <m:begChr m:val="|"/>
+                        <m:endChr m:val="|"/>
+                        <m:ctrlPr>
+                          <a:rPr lang="en-GB" b="0" i="1" smtClean="0">
+                            <a:latin typeface="Cambria Math" panose="02040503050406030204" pitchFamily="18" charset="0"/>
+                          </a:rPr>
+                        </m:ctrlPr>
+                      </m:dPr>
+                      <m:e>
+                        <m:r>
+                          <a:rPr lang="en-GB" b="0" i="1" smtClean="0">
+                            <a:latin typeface="Cambria Math" panose="02040503050406030204" pitchFamily="18" charset="0"/>
+                          </a:rPr>
+                          <m:t>𝐸</m:t>
+                        </m:r>
+                      </m:e>
+                    </m:d>
                     <m:r>
-                      <a:rPr lang="en-GB" i="1">
+                      <a:rPr lang="en-GB" b="0" i="0" smtClean="0">
                         <a:latin typeface="Cambria Math" panose="02040503050406030204" pitchFamily="18" charset="0"/>
                       </a:rPr>
-                      <m:t>𝑘</m:t>
-                    </m:r>
-                    <m:r>
-                      <a:rPr lang="en-GB" b="0" i="1" smtClean="0">
-                        <a:latin typeface="Cambria Math" panose="02040503050406030204" pitchFamily="18" charset="0"/>
-                      </a:rPr>
-                      <m:t>|</m:t>
-                    </m:r>
-                    <m:r>
-                      <a:rPr lang="en-GB" b="0" i="1" smtClean="0">
-                        <a:latin typeface="Cambria Math" panose="02040503050406030204" pitchFamily="18" charset="0"/>
-                      </a:rPr>
-                      <m:t>𝐸</m:t>
-                    </m:r>
-                    <m:r>
-                      <a:rPr lang="en-GB" b="0" i="1" smtClean="0">
-                        <a:latin typeface="Cambria Math" panose="02040503050406030204" pitchFamily="18" charset="0"/>
-                      </a:rPr>
-                      <m:t>| </m:t>
+                      <m:t> </m:t>
                     </m:r>
                     <m:r>
                       <m:rPr>
@@ -9841,29 +9912,41 @@
                       </a:rPr>
                       <m:t>log</m:t>
                     </m:r>
-                    <m:r>
-                      <a:rPr lang="en-GB" b="0" i="0" smtClean="0">
-                        <a:latin typeface="Cambria Math" panose="02040503050406030204" pitchFamily="18" charset="0"/>
-                      </a:rPr>
-                      <m:t> </m:t>
-                    </m:r>
+                    <m:d>
+                      <m:dPr>
+                        <m:ctrlPr>
+                          <a:rPr lang="en-GB" b="0" i="1" smtClean="0">
+                            <a:latin typeface="Cambria Math" panose="02040503050406030204" pitchFamily="18" charset="0"/>
+                          </a:rPr>
+                        </m:ctrlPr>
+                      </m:dPr>
+                      <m:e>
+                        <m:d>
+                          <m:dPr>
+                            <m:begChr m:val="|"/>
+                            <m:endChr m:val="|"/>
+                            <m:ctrlPr>
+                              <a:rPr lang="en-GB" b="0" i="1" smtClean="0">
+                                <a:latin typeface="Cambria Math" panose="02040503050406030204" pitchFamily="18" charset="0"/>
+                              </a:rPr>
+                            </m:ctrlPr>
+                          </m:dPr>
+                          <m:e>
+                            <m:r>
+                              <a:rPr lang="en-GB" b="0" i="1" smtClean="0">
+                                <a:latin typeface="Cambria Math" panose="02040503050406030204" pitchFamily="18" charset="0"/>
+                              </a:rPr>
+                              <m:t>𝐸</m:t>
+                            </m:r>
+                          </m:e>
+                        </m:d>
+                      </m:e>
+                    </m:d>
                     <m:r>
                       <a:rPr lang="en-GB" b="0" i="1" smtClean="0">
                         <a:latin typeface="Cambria Math" panose="02040503050406030204" pitchFamily="18" charset="0"/>
                       </a:rPr>
-                      <m:t>|</m:t>
-                    </m:r>
-                    <m:r>
-                      <a:rPr lang="en-GB" b="0" i="1" smtClean="0">
-                        <a:latin typeface="Cambria Math" panose="02040503050406030204" pitchFamily="18" charset="0"/>
-                      </a:rPr>
-                      <m:t>𝐸</m:t>
-                    </m:r>
-                    <m:r>
-                      <a:rPr lang="en-GB" b="0" i="1" smtClean="0">
-                        <a:latin typeface="Cambria Math" panose="02040503050406030204" pitchFamily="18" charset="0"/>
-                      </a:rPr>
-                      <m:t>| </m:t>
+                      <m:t>𝑘</m:t>
                     </m:r>
                     <m:sSub>
                       <m:sSubPr>
@@ -9910,7 +9993,7 @@
             </p:txBody>
           </p:sp>
         </mc:Choice>
-        <mc:Fallback xmlns="">
+        <mc:Fallback>
           <p:sp>
             <p:nvSpPr>
               <p:cNvPr id="3" name="Inhaltsplatzhalter 2">
@@ -10009,8 +10092,8 @@
           </a:p>
         </p:txBody>
       </p:sp>
-      <mc:AlternateContent xmlns:mc="http://schemas.openxmlformats.org/markup-compatibility/2006" xmlns:a14="http://schemas.microsoft.com/office/drawing/2010/main">
-        <mc:Choice Requires="a14">
+      <mc:AlternateContent xmlns:mc="http://schemas.openxmlformats.org/markup-compatibility/2006">
+        <mc:Choice xmlns:a14="http://schemas.microsoft.com/office/drawing/2010/main" Requires="a14">
           <p:sp>
             <p:nvSpPr>
               <p:cNvPr id="3" name="Inhaltsplatzhalter 2">
@@ -10190,7 +10273,7 @@
                 <a:pPr lvl="1"/>
                 <a:r>
                   <a:rPr lang="en-GB" dirty="0"/>
-                  <a:t>Increasing </a:t>
+                  <a:t>Augmenting </a:t>
                 </a:r>
                 <a14:m>
                   <m:oMath xmlns:m="http://schemas.openxmlformats.org/officeDocument/2006/math">
@@ -10344,123 +10427,9 @@
                 <a:endParaRPr lang="en-GB" dirty="0"/>
               </a:p>
               <a:p>
-                <a:pPr lvl="1"/>
-                <a:r>
-                  <a:rPr lang="en-GB" dirty="0"/>
-                  <a:t>Initial </a:t>
-                </a:r>
-                <a14:m>
-                  <m:oMath xmlns:m="http://schemas.openxmlformats.org/officeDocument/2006/math">
-                    <m:r>
-                      <m:rPr>
-                        <m:sty m:val="p"/>
-                      </m:rPr>
-                      <a:rPr lang="en-GB" b="0" i="0" smtClean="0">
-                        <a:latin typeface="Cambria Math" panose="02040503050406030204" pitchFamily="18" charset="0"/>
-                      </a:rPr>
-                      <m:t>l</m:t>
-                    </m:r>
-                    <m:d>
-                      <m:dPr>
-                        <m:ctrlPr>
-                          <a:rPr lang="en-GB" b="0" i="1" smtClean="0">
-                            <a:latin typeface="Cambria Math" panose="02040503050406030204" pitchFamily="18" charset="0"/>
-                          </a:rPr>
-                        </m:ctrlPr>
-                      </m:dPr>
-                      <m:e>
-                        <m:r>
-                          <a:rPr lang="en-GB" i="1">
-                            <a:latin typeface="Cambria Math" panose="02040503050406030204" pitchFamily="18" charset="0"/>
-                          </a:rPr>
-                          <m:t>𝑒</m:t>
-                        </m:r>
-                      </m:e>
-                    </m:d>
-                    <m:r>
-                      <a:rPr lang="en-GB" b="0" i="1" smtClean="0">
-                        <a:latin typeface="Cambria Math" panose="02040503050406030204" pitchFamily="18" charset="0"/>
-                      </a:rPr>
-                      <m:t>=</m:t>
-                    </m:r>
-                    <m:r>
-                      <a:rPr lang="de-DE" i="1" dirty="0">
-                        <a:latin typeface="Cambria Math" panose="02040503050406030204" pitchFamily="18" charset="0"/>
-                      </a:rPr>
-                      <m:t>𝛿</m:t>
-                    </m:r>
-                  </m:oMath>
-                </a14:m>
-                <a:r>
-                  <a:rPr lang="de-DE" dirty="0"/>
-                  <a:t>, final </a:t>
-                </a:r>
-                <a14:m>
-                  <m:oMath xmlns:m="http://schemas.openxmlformats.org/officeDocument/2006/math">
-                    <m:r>
-                      <m:rPr>
-                        <m:sty m:val="p"/>
-                      </m:rPr>
-                      <a:rPr lang="en-GB" b="0" i="0" smtClean="0">
-                        <a:latin typeface="Cambria Math" panose="02040503050406030204" pitchFamily="18" charset="0"/>
-                      </a:rPr>
-                      <m:t>l</m:t>
-                    </m:r>
-                    <m:d>
-                      <m:dPr>
-                        <m:ctrlPr>
-                          <a:rPr lang="en-GB" b="0" i="1" smtClean="0">
-                            <a:latin typeface="Cambria Math" panose="02040503050406030204" pitchFamily="18" charset="0"/>
-                          </a:rPr>
-                        </m:ctrlPr>
-                      </m:dPr>
-                      <m:e>
-                        <m:r>
-                          <a:rPr lang="en-GB" i="1">
-                            <a:latin typeface="Cambria Math" panose="02040503050406030204" pitchFamily="18" charset="0"/>
-                          </a:rPr>
-                          <m:t>𝑒</m:t>
-                        </m:r>
-                      </m:e>
-                    </m:d>
-                    <m:r>
-                      <a:rPr lang="en-GB" b="0" i="0" smtClean="0">
-                        <a:latin typeface="Cambria Math" panose="02040503050406030204" pitchFamily="18" charset="0"/>
-                      </a:rPr>
-                      <m:t>&lt;</m:t>
-                    </m:r>
-                    <m:r>
-                      <a:rPr lang="en-GB">
-                        <a:latin typeface="Cambria Math" panose="02040503050406030204" pitchFamily="18" charset="0"/>
-                      </a:rPr>
-                      <m:t>(</m:t>
-                    </m:r>
-                    <m:r>
-                      <a:rPr lang="en-GB" i="1">
-                        <a:latin typeface="Cambria Math" panose="02040503050406030204" pitchFamily="18" charset="0"/>
-                      </a:rPr>
-                      <m:t>1+</m:t>
-                    </m:r>
-                    <m:r>
-                      <a:rPr lang="en-GB" i="1">
-                        <a:latin typeface="Cambria Math" panose="02040503050406030204" pitchFamily="18" charset="0"/>
-                        <a:ea typeface="Cambria Math" panose="02040503050406030204" pitchFamily="18" charset="0"/>
-                      </a:rPr>
-                      <m:t>𝜀</m:t>
-                    </m:r>
-                    <m:r>
-                      <a:rPr lang="en-GB" i="1">
-                        <a:latin typeface="Cambria Math" panose="02040503050406030204" pitchFamily="18" charset="0"/>
-                        <a:ea typeface="Cambria Math" panose="02040503050406030204" pitchFamily="18" charset="0"/>
-                      </a:rPr>
-                      <m:t>)</m:t>
-                    </m:r>
-                  </m:oMath>
-                </a14:m>
-                <a:endParaRPr lang="de-DE" dirty="0"/>
-              </a:p>
-              <a:p>
-                <a:pPr lvl="1"/>
+                <a:pPr marL="457200" lvl="1" indent="0">
+                  <a:buNone/>
+                </a:pPr>
                 <a:endParaRPr lang="en-GB" b="0" i="1" dirty="0">
                   <a:latin typeface="Cambria Math" panose="02040503050406030204" pitchFamily="18" charset="0"/>
                 </a:endParaRPr>
@@ -10475,37 +10444,93 @@
                       </a:rPr>
                       <m:t>⇒</m:t>
                     </m:r>
-                  </m:oMath>
-                </a14:m>
-                <a:r>
-                  <a:rPr lang="de-DE" dirty="0"/>
-                  <a:t> </a:t>
-                </a:r>
-                <a14:m>
-                  <m:oMath xmlns:m="http://schemas.openxmlformats.org/officeDocument/2006/math">
-                    <m:r>
-                      <a:rPr lang="en-GB" i="1" dirty="0">
-                        <a:latin typeface="Cambria Math" panose="02040503050406030204" pitchFamily="18" charset="0"/>
-                      </a:rPr>
-                      <m:t>𝑥</m:t>
-                    </m:r>
+                    <m:nary>
+                      <m:naryPr>
+                        <m:chr m:val="∑"/>
+                        <m:limLoc m:val="undOvr"/>
+                        <m:grow m:val="on"/>
+                        <m:supHide m:val="on"/>
+                        <m:ctrlPr>
+                          <a:rPr lang="de-DE" i="1" dirty="0">
+                            <a:latin typeface="Cambria Math" panose="02040503050406030204" pitchFamily="18" charset="0"/>
+                          </a:rPr>
+                        </m:ctrlPr>
+                      </m:naryPr>
+                      <m:sub>
+                        <m:r>
+                          <a:rPr lang="en-GB" i="1" dirty="0">
+                            <a:latin typeface="Cambria Math" panose="02040503050406030204" pitchFamily="18" charset="0"/>
+                          </a:rPr>
+                          <m:t>𝑝</m:t>
+                        </m:r>
+                        <m:r>
+                          <a:rPr lang="en-GB" i="1" dirty="0">
+                            <a:latin typeface="Cambria Math" panose="02040503050406030204" pitchFamily="18" charset="0"/>
+                            <a:ea typeface="Cambria Math" panose="02040503050406030204" pitchFamily="18" charset="0"/>
+                          </a:rPr>
+                          <m:t>∈</m:t>
+                        </m:r>
+                        <m:sSub>
+                          <m:sSubPr>
+                            <m:ctrlPr>
+                              <a:rPr lang="en-GB" i="1" dirty="0">
+                                <a:latin typeface="Cambria Math" panose="02040503050406030204" pitchFamily="18" charset="0"/>
+                                <a:ea typeface="Cambria Math" panose="02040503050406030204" pitchFamily="18" charset="0"/>
+                              </a:rPr>
+                            </m:ctrlPr>
+                          </m:sSubPr>
+                          <m:e>
+                            <m:r>
+                              <a:rPr lang="en-GB" i="1" dirty="0">
+                                <a:latin typeface="Cambria Math" panose="02040503050406030204" pitchFamily="18" charset="0"/>
+                                <a:ea typeface="Cambria Math" panose="02040503050406030204" pitchFamily="18" charset="0"/>
+                              </a:rPr>
+                              <m:t>𝑃</m:t>
+                            </m:r>
+                          </m:e>
+                          <m:sub>
+                            <m:r>
+                              <a:rPr lang="en-GB" i="1" dirty="0">
+                                <a:latin typeface="Cambria Math" panose="02040503050406030204" pitchFamily="18" charset="0"/>
+                                <a:ea typeface="Cambria Math" panose="02040503050406030204" pitchFamily="18" charset="0"/>
+                              </a:rPr>
+                              <m:t>𝑒</m:t>
+                            </m:r>
+                          </m:sub>
+                        </m:sSub>
+                      </m:sub>
+                      <m:sup/>
+                      <m:e>
+                        <m:r>
+                          <a:rPr lang="en-GB" i="1" dirty="0">
+                            <a:latin typeface="Cambria Math" panose="02040503050406030204" pitchFamily="18" charset="0"/>
+                          </a:rPr>
+                          <m:t>𝑥</m:t>
+                        </m:r>
+                        <m:d>
+                          <m:dPr>
+                            <m:ctrlPr>
+                              <a:rPr lang="en-GB" i="1" dirty="0">
+                                <a:latin typeface="Cambria Math" panose="02040503050406030204" pitchFamily="18" charset="0"/>
+                              </a:rPr>
+                            </m:ctrlPr>
+                          </m:dPr>
+                          <m:e>
+                            <m:r>
+                              <a:rPr lang="en-GB" i="1" dirty="0">
+                                <a:latin typeface="Cambria Math" panose="02040503050406030204" pitchFamily="18" charset="0"/>
+                              </a:rPr>
+                              <m:t>𝑝</m:t>
+                            </m:r>
+                          </m:e>
+                        </m:d>
+                      </m:e>
+                    </m:nary>
                     <m:r>
                       <a:rPr lang="en-GB" b="0" i="1" dirty="0" smtClean="0">
                         <a:latin typeface="Cambria Math" panose="02040503050406030204" pitchFamily="18" charset="0"/>
                       </a:rPr>
-                      <m:t>(</m:t>
-                    </m:r>
-                    <m:r>
-                      <a:rPr lang="en-GB" b="0" i="1" dirty="0" smtClean="0">
-                        <a:latin typeface="Cambria Math" panose="02040503050406030204" pitchFamily="18" charset="0"/>
-                      </a:rPr>
-                      <m:t>𝑒</m:t>
-                    </m:r>
-                    <m:r>
-                      <a:rPr lang="en-GB" b="0" i="1" dirty="0" smtClean="0">
-                        <a:latin typeface="Cambria Math" panose="02040503050406030204" pitchFamily="18" charset="0"/>
-                      </a:rPr>
-                      <m:t>)≤ </m:t>
+                      <m:t>≤ </m:t>
                     </m:r>
                     <m:r>
                       <a:rPr lang="en-GB" i="1">
@@ -10619,7 +10644,7 @@
             </p:txBody>
           </p:sp>
         </mc:Choice>
-        <mc:Fallback xmlns="">
+        <mc:Fallback>
           <p:sp>
             <p:nvSpPr>
               <p:cNvPr id="3" name="Inhaltsplatzhalter 2">
@@ -10755,6 +10780,58 @@
                   <a:rPr lang="de-DE" dirty="0"/>
                   <a:t>:</a:t>
                 </a:r>
+              </a:p>
+              <a:p>
+                <a:pPr lvl="1"/>
+                <a14:m>
+                  <m:oMath xmlns:m="http://schemas.openxmlformats.org/officeDocument/2006/math">
+                    <m:r>
+                      <a:rPr lang="en-GB" i="1" dirty="0" smtClean="0">
+                        <a:latin typeface="Cambria Math" panose="02040503050406030204" pitchFamily="18" charset="0"/>
+                      </a:rPr>
+                      <m:t>𝑝</m:t>
+                    </m:r>
+                  </m:oMath>
+                </a14:m>
+                <a:r>
+                  <a:rPr lang="en-GB" i="1" dirty="0">
+                    <a:latin typeface="Cambria Math" panose="02040503050406030204" pitchFamily="18" charset="0"/>
+                  </a:rPr>
+                  <a:t> </a:t>
+                </a:r>
+                <a:r>
+                  <a:rPr lang="en-GB" dirty="0">
+                    <a:latin typeface="Cambria Math" panose="02040503050406030204" pitchFamily="18" charset="0"/>
+                  </a:rPr>
+                  <a:t>optimal primal objective value, </a:t>
+                </a:r>
+                <a14:m>
+                  <m:oMath xmlns:m="http://schemas.openxmlformats.org/officeDocument/2006/math">
+                    <m:r>
+                      <a:rPr lang="en-GB" i="1" dirty="0" smtClean="0">
+                        <a:latin typeface="Cambria Math" panose="02040503050406030204" pitchFamily="18" charset="0"/>
+                      </a:rPr>
+                      <m:t>𝑑</m:t>
+                    </m:r>
+                  </m:oMath>
+                </a14:m>
+                <a:r>
+                  <a:rPr lang="en-GB" i="1" dirty="0">
+                    <a:latin typeface="Cambria Math" panose="02040503050406030204" pitchFamily="18" charset="0"/>
+                  </a:rPr>
+                  <a:t> </a:t>
+                </a:r>
+                <a:r>
+                  <a:rPr lang="en-GB" dirty="0">
+                    <a:latin typeface="Cambria Math" panose="02040503050406030204" pitchFamily="18" charset="0"/>
+                  </a:rPr>
+                  <a:t>optimal dual objective value</a:t>
+                </a:r>
+                <a:endParaRPr lang="en-GB" dirty="0"/>
+              </a:p>
+              <a:p>
+                <a:pPr lvl="1"/>
+                <a:endParaRPr lang="de-DE" dirty="0"/>
               </a:p>
               <a:p>
                 <a:pPr lvl="1"/>
@@ -10851,32 +10928,48 @@
                         </m:d>
                       </m:e>
                     </m:nary>
+                    <m:r>
+                      <a:rPr lang="en-GB" i="1" dirty="0">
+                        <a:latin typeface="Cambria Math" panose="02040503050406030204" pitchFamily="18" charset="0"/>
+                        <a:ea typeface="Cambria Math" panose="02040503050406030204" pitchFamily="18" charset="0"/>
+                      </a:rPr>
+                      <m:t>≥</m:t>
+                    </m:r>
+                    <m:d>
+                      <m:dPr>
+                        <m:ctrlPr>
+                          <a:rPr lang="en-GB" b="0" i="1" dirty="0" smtClean="0">
+                            <a:latin typeface="Cambria Math" panose="02040503050406030204" pitchFamily="18" charset="0"/>
+                            <a:ea typeface="Cambria Math" panose="02040503050406030204" pitchFamily="18" charset="0"/>
+                          </a:rPr>
+                        </m:ctrlPr>
+                      </m:dPr>
+                      <m:e>
+                        <m:r>
+                          <a:rPr lang="en-GB" b="0" i="1" dirty="0" smtClean="0">
+                            <a:latin typeface="Cambria Math" panose="02040503050406030204" pitchFamily="18" charset="0"/>
+                            <a:ea typeface="Cambria Math" panose="02040503050406030204" pitchFamily="18" charset="0"/>
+                          </a:rPr>
+                          <m:t>1−</m:t>
+                        </m:r>
+                        <m:r>
+                          <a:rPr lang="en-GB" i="1">
+                            <a:latin typeface="Cambria Math" panose="02040503050406030204" pitchFamily="18" charset="0"/>
+                            <a:ea typeface="Cambria Math" panose="02040503050406030204" pitchFamily="18" charset="0"/>
+                          </a:rPr>
+                          <m:t>𝜔</m:t>
+                        </m:r>
+                      </m:e>
+                    </m:d>
+                    <m:r>
+                      <a:rPr lang="en-GB" b="0" i="1" dirty="0" smtClean="0">
+                        <a:latin typeface="Cambria Math" panose="02040503050406030204" pitchFamily="18" charset="0"/>
+                        <a:ea typeface="Cambria Math" panose="02040503050406030204" pitchFamily="18" charset="0"/>
+                      </a:rPr>
+                      <m:t>𝑝</m:t>
+                    </m:r>
                   </m:oMath>
                 </a14:m>
-                <a:r>
-                  <a:rPr lang="en-GB" i="1" dirty="0">
-                    <a:latin typeface="Cambria Math" panose="02040503050406030204" pitchFamily="18" charset="0"/>
-                  </a:rPr>
-                  <a:t>, p </a:t>
-                </a:r>
-                <a:r>
-                  <a:rPr lang="en-GB" dirty="0">
-                    <a:latin typeface="Cambria Math" panose="02040503050406030204" pitchFamily="18" charset="0"/>
-                  </a:rPr>
-                  <a:t>optimal primal value, </a:t>
-                </a:r>
-                <a:r>
-                  <a:rPr lang="en-GB" i="1" dirty="0">
-                    <a:latin typeface="Cambria Math" panose="02040503050406030204" pitchFamily="18" charset="0"/>
-                  </a:rPr>
-                  <a:t>d </a:t>
-                </a:r>
-                <a:r>
-                  <a:rPr lang="en-GB" dirty="0">
-                    <a:latin typeface="Cambria Math" panose="02040503050406030204" pitchFamily="18" charset="0"/>
-                  </a:rPr>
-                  <a:t>optimal dual value</a:t>
-                </a:r>
                 <a:endParaRPr lang="en-GB" i="1" dirty="0">
                   <a:latin typeface="Cambria Math" panose="02040503050406030204" pitchFamily="18" charset="0"/>
                 </a:endParaRPr>
@@ -10889,6 +10982,46 @@
               </a:p>
               <a:p>
                 <a:pPr lvl="1"/>
+                <a:r>
+                  <a:rPr lang="en-GB" dirty="0">
+                    <a:latin typeface="Cambria Math" panose="02040503050406030204" pitchFamily="18" charset="0"/>
+                  </a:rPr>
+                  <a:t>For </a:t>
+                </a:r>
+                <a14:m>
+                  <m:oMath xmlns:m="http://schemas.openxmlformats.org/officeDocument/2006/math">
+                    <m:r>
+                      <a:rPr lang="de-DE" i="1" dirty="0">
+                        <a:latin typeface="Cambria Math" panose="02040503050406030204" pitchFamily="18" charset="0"/>
+                      </a:rPr>
+                      <m:t>𝛿</m:t>
+                    </m:r>
+                  </m:oMath>
+                </a14:m>
+                <a:r>
+                  <a:rPr lang="en-GB" dirty="0"/>
+                  <a:t> and </a:t>
+                </a:r>
+                <a14:m>
+                  <m:oMath xmlns:m="http://schemas.openxmlformats.org/officeDocument/2006/math">
+                    <m:r>
+                      <a:rPr lang="en-GB" i="1">
+                        <a:latin typeface="Cambria Math" panose="02040503050406030204" pitchFamily="18" charset="0"/>
+                        <a:ea typeface="Cambria Math" panose="02040503050406030204" pitchFamily="18" charset="0"/>
+                      </a:rPr>
+                      <m:t>𝜀</m:t>
+                    </m:r>
+                  </m:oMath>
+                </a14:m>
+                <a:r>
+                  <a:rPr lang="en-GB" dirty="0">
+                    <a:latin typeface="Cambria Math" panose="02040503050406030204" pitchFamily="18" charset="0"/>
+                  </a:rPr>
+                  <a:t> chosen as before:</a:t>
+                </a:r>
+              </a:p>
+              <a:p>
+                <a:pPr lvl="2"/>
                 <a14:m>
                   <m:oMath xmlns:m="http://schemas.openxmlformats.org/officeDocument/2006/math">
                     <m:f>
@@ -11006,6 +11139,88 @@
                     </m:r>
                   </m:oMath>
                 </a14:m>
+                <a:r>
+                  <a:rPr lang="en-GB" i="1" dirty="0">
+                    <a:latin typeface="Cambria Math" panose="02040503050406030204" pitchFamily="18" charset="0"/>
+                  </a:rPr>
+                  <a:t> </a:t>
+                </a:r>
+                <a14:m>
+                  <m:oMath xmlns:m="http://schemas.openxmlformats.org/officeDocument/2006/math">
+                    <m:r>
+                      <a:rPr lang="en-GB" i="1" dirty="0" smtClean="0">
+                        <a:latin typeface="Cambria Math" panose="02040503050406030204" pitchFamily="18" charset="0"/>
+                      </a:rPr>
+                      <m:t>⇔</m:t>
+                    </m:r>
+                    <m:r>
+                      <a:rPr lang="en-GB" b="0" i="1" dirty="0" smtClean="0">
+                        <a:latin typeface="Cambria Math" panose="02040503050406030204" pitchFamily="18" charset="0"/>
+                      </a:rPr>
+                      <m:t>𝑣</m:t>
+                    </m:r>
+                    <m:r>
+                      <a:rPr lang="en-GB" b="0" i="1" dirty="0" smtClean="0">
+                        <a:latin typeface="Cambria Math" panose="02040503050406030204" pitchFamily="18" charset="0"/>
+                      </a:rPr>
+                      <m:t>(</m:t>
+                    </m:r>
+                    <m:r>
+                      <a:rPr lang="en-GB" b="0" i="1" dirty="0" smtClean="0">
+                        <a:latin typeface="Cambria Math" panose="02040503050406030204" pitchFamily="18" charset="0"/>
+                      </a:rPr>
+                      <m:t>𝑥</m:t>
+                    </m:r>
+                    <m:r>
+                      <a:rPr lang="en-GB" b="0" i="1" dirty="0" smtClean="0">
+                        <a:latin typeface="Cambria Math" panose="02040503050406030204" pitchFamily="18" charset="0"/>
+                      </a:rPr>
+                      <m:t>)≥</m:t>
+                    </m:r>
+                    <m:f>
+                      <m:fPr>
+                        <m:ctrlPr>
+                          <a:rPr lang="en-GB" b="0" i="1" dirty="0" smtClean="0">
+                            <a:latin typeface="Cambria Math" panose="02040503050406030204" pitchFamily="18" charset="0"/>
+                            <a:ea typeface="Cambria Math" panose="02040503050406030204" pitchFamily="18" charset="0"/>
+                          </a:rPr>
+                        </m:ctrlPr>
+                      </m:fPr>
+                      <m:num>
+                        <m:r>
+                          <a:rPr lang="en-GB" b="0" i="1" dirty="0" smtClean="0">
+                            <a:latin typeface="Cambria Math" panose="02040503050406030204" pitchFamily="18" charset="0"/>
+                            <a:ea typeface="Cambria Math" panose="02040503050406030204" pitchFamily="18" charset="0"/>
+                          </a:rPr>
+                          <m:t>1</m:t>
+                        </m:r>
+                      </m:num>
+                      <m:den>
+                        <m:r>
+                          <a:rPr lang="en-GB" b="0" i="1" dirty="0" smtClean="0">
+                            <a:latin typeface="Cambria Math" panose="02040503050406030204" pitchFamily="18" charset="0"/>
+                            <a:ea typeface="Cambria Math" panose="02040503050406030204" pitchFamily="18" charset="0"/>
+                          </a:rPr>
+                          <m:t>1+</m:t>
+                        </m:r>
+                        <m:r>
+                          <a:rPr lang="en-GB" i="1">
+                            <a:latin typeface="Cambria Math" panose="02040503050406030204" pitchFamily="18" charset="0"/>
+                            <a:ea typeface="Cambria Math" panose="02040503050406030204" pitchFamily="18" charset="0"/>
+                          </a:rPr>
+                          <m:t>𝜔</m:t>
+                        </m:r>
+                      </m:den>
+                    </m:f>
+                    <m:r>
+                      <a:rPr lang="en-GB" b="0" i="1" dirty="0" smtClean="0">
+                        <a:latin typeface="Cambria Math" panose="02040503050406030204" pitchFamily="18" charset="0"/>
+                        <a:ea typeface="Cambria Math" panose="02040503050406030204" pitchFamily="18" charset="0"/>
+                      </a:rPr>
+                      <m:t>𝑝</m:t>
+                    </m:r>
+                  </m:oMath>
+                </a14:m>
                 <a:endParaRPr lang="en-GB" i="1" dirty="0">
                   <a:latin typeface="Cambria Math" panose="02040503050406030204" pitchFamily="18" charset="0"/>
                 </a:endParaRPr>
@@ -11047,7 +11262,7 @@
               <a:blipFill>
                 <a:blip r:embed="rId2"/>
                 <a:stretch>
-                  <a:fillRect l="-1043" t="-4202"/>
+                  <a:fillRect l="-1043" t="-2241"/>
                 </a:stretch>
               </a:blipFill>
             </p:spPr>
@@ -11697,8 +11912,8 @@
           </a:p>
         </p:txBody>
       </p:sp>
-      <mc:AlternateContent xmlns:mc="http://schemas.openxmlformats.org/markup-compatibility/2006" xmlns:a14="http://schemas.microsoft.com/office/drawing/2010/main">
-        <mc:Choice Requires="a14">
+      <mc:AlternateContent xmlns:mc="http://schemas.openxmlformats.org/markup-compatibility/2006">
+        <mc:Choice xmlns:a14="http://schemas.microsoft.com/office/drawing/2010/main" Requires="a14">
           <p:sp>
             <p:nvSpPr>
               <p:cNvPr id="3" name="Inhaltsplatzhalter 2">
@@ -11772,10 +11987,54 @@
                   <a:t>Example:</a:t>
                 </a:r>
               </a:p>
+              <a:p>
+                <a:pPr marL="457200" lvl="1" indent="0">
+                  <a:buNone/>
+                </a:pPr>
+                <a:r>
+                  <a:rPr lang="en-GB" dirty="0"/>
+                  <a:t>Commodities: </a:t>
+                </a:r>
+                <a14:m>
+                  <m:oMath xmlns:m="http://schemas.openxmlformats.org/officeDocument/2006/math">
+                    <m:r>
+                      <a:rPr lang="en-GB" i="1" dirty="0" smtClean="0">
+                        <a:latin typeface="Cambria Math" panose="02040503050406030204" pitchFamily="18" charset="0"/>
+                      </a:rPr>
+                      <m:t>(</m:t>
+                    </m:r>
+                    <m:r>
+                      <a:rPr lang="en-GB" i="1" dirty="0" err="1" smtClean="0">
+                        <a:latin typeface="Cambria Math" panose="02040503050406030204" pitchFamily="18" charset="0"/>
+                      </a:rPr>
+                      <m:t>𝑎</m:t>
+                    </m:r>
+                    <m:r>
+                      <a:rPr lang="en-GB" i="1" dirty="0" err="1" smtClean="0">
+                        <a:latin typeface="Cambria Math" panose="02040503050406030204" pitchFamily="18" charset="0"/>
+                      </a:rPr>
+                      <m:t>,</m:t>
+                    </m:r>
+                    <m:r>
+                      <a:rPr lang="en-GB" i="1" dirty="0" err="1" smtClean="0">
+                        <a:latin typeface="Cambria Math" panose="02040503050406030204" pitchFamily="18" charset="0"/>
+                      </a:rPr>
+                      <m:t>𝑐</m:t>
+                    </m:r>
+                    <m:r>
+                      <a:rPr lang="en-GB" i="1" dirty="0" smtClean="0">
+                        <a:latin typeface="Cambria Math" panose="02040503050406030204" pitchFamily="18" charset="0"/>
+                      </a:rPr>
+                      <m:t>)</m:t>
+                    </m:r>
+                  </m:oMath>
+                </a14:m>
+                <a:endParaRPr lang="en-GB" dirty="0"/>
+              </a:p>
             </p:txBody>
           </p:sp>
         </mc:Choice>
-        <mc:Fallback xmlns="">
+        <mc:Fallback>
           <p:sp>
             <p:nvSpPr>
               <p:cNvPr id="3" name="Inhaltsplatzhalter 2">
@@ -11833,7 +12092,7 @@
         </p:nvSpPr>
         <p:spPr>
           <a:xfrm>
-            <a:off x="4716298" y="4029592"/>
+            <a:off x="5168879" y="4121956"/>
             <a:ext cx="508473" cy="369332"/>
           </a:xfrm>
           <a:prstGeom prst="rect">
@@ -11875,8 +12134,8 @@
           </a:p>
         </p:txBody>
       </p:sp>
-      <mc:AlternateContent xmlns:mc="http://schemas.openxmlformats.org/markup-compatibility/2006" xmlns:a14="http://schemas.microsoft.com/office/drawing/2010/main">
-        <mc:Choice Requires="a14">
+      <mc:AlternateContent xmlns:mc="http://schemas.openxmlformats.org/markup-compatibility/2006">
+        <mc:Choice xmlns:a14="http://schemas.microsoft.com/office/drawing/2010/main" Requires="a14">
           <p:sp>
             <p:nvSpPr>
               <p:cNvPr id="9" name="Textfeld 8">
@@ -11891,7 +12150,7 @@
             </p:nvSpPr>
             <p:spPr>
               <a:xfrm>
-                <a:off x="6685814" y="4028053"/>
+                <a:off x="7138395" y="4120417"/>
                 <a:ext cx="607859" cy="369332"/>
               </a:xfrm>
               <a:prstGeom prst="rect">
@@ -11951,7 +12210,7 @@
             </p:txBody>
           </p:sp>
         </mc:Choice>
-        <mc:Fallback xmlns="">
+        <mc:Fallback>
           <p:sp>
             <p:nvSpPr>
               <p:cNvPr id="9" name="Textfeld 8">
@@ -11968,7 +12227,7 @@
             </p:nvSpPr>
             <p:spPr>
               <a:xfrm>
-                <a:off x="6685814" y="4028053"/>
+                <a:off x="7138395" y="4120417"/>
                 <a:ext cx="607859" cy="369332"/>
               </a:xfrm>
               <a:prstGeom prst="rect">
@@ -11977,7 +12236,7 @@
               <a:blipFill>
                 <a:blip r:embed="rId3"/>
                 <a:stretch>
-                  <a:fillRect b="-13333"/>
+                  <a:fillRect b="-11475"/>
                 </a:stretch>
               </a:blipFill>
             </p:spPr>
@@ -12010,7 +12269,7 @@
         </p:nvSpPr>
         <p:spPr>
           <a:xfrm>
-            <a:off x="3531987" y="4025595"/>
+            <a:off x="3984568" y="4117959"/>
             <a:ext cx="807868" cy="648069"/>
           </a:xfrm>
           <a:prstGeom prst="rect">
@@ -12060,7 +12319,7 @@
         </p:nvSpPr>
         <p:spPr>
           <a:xfrm>
-            <a:off x="5524378" y="4025590"/>
+            <a:off x="5976959" y="4117954"/>
             <a:ext cx="807868" cy="648069"/>
           </a:xfrm>
           <a:prstGeom prst="rect">
@@ -12110,7 +12369,7 @@
         </p:nvSpPr>
         <p:spPr>
           <a:xfrm>
-            <a:off x="7563627" y="4014267"/>
+            <a:off x="8016208" y="4106631"/>
             <a:ext cx="807868" cy="648069"/>
           </a:xfrm>
           <a:prstGeom prst="rect">
@@ -12163,7 +12422,7 @@
         </p:nvCxnSpPr>
         <p:spPr>
           <a:xfrm>
-            <a:off x="4339855" y="4349630"/>
+            <a:off x="4792436" y="4441994"/>
             <a:ext cx="1191693" cy="0"/>
           </a:xfrm>
           <a:prstGeom prst="straightConnector1">
@@ -12188,8 +12447,8 @@
           </a:fontRef>
         </p:style>
       </p:cxnSp>
-      <mc:AlternateContent xmlns:mc="http://schemas.openxmlformats.org/markup-compatibility/2006" xmlns:a14="http://schemas.microsoft.com/office/drawing/2010/main">
-        <mc:Choice Requires="a14">
+      <mc:AlternateContent xmlns:mc="http://schemas.openxmlformats.org/markup-compatibility/2006">
+        <mc:Choice xmlns:a14="http://schemas.microsoft.com/office/drawing/2010/main" Requires="a14">
           <p:sp>
             <p:nvSpPr>
               <p:cNvPr id="17" name="Textfeld 16">
@@ -12204,7 +12463,7 @@
             </p:nvSpPr>
             <p:spPr>
               <a:xfrm>
-                <a:off x="4374970" y="4293004"/>
+                <a:off x="4827551" y="4385368"/>
                 <a:ext cx="1079463" cy="369332"/>
               </a:xfrm>
               <a:prstGeom prst="rect">
@@ -12277,7 +12536,7 @@
             </p:txBody>
           </p:sp>
         </mc:Choice>
-        <mc:Fallback xmlns="">
+        <mc:Fallback>
           <p:sp>
             <p:nvSpPr>
               <p:cNvPr id="17" name="Textfeld 16">
@@ -12294,7 +12553,7 @@
             </p:nvSpPr>
             <p:spPr>
               <a:xfrm>
-                <a:off x="4374970" y="4293004"/>
+                <a:off x="4827551" y="4385368"/>
                 <a:ext cx="1079463" cy="369332"/>
               </a:xfrm>
               <a:prstGeom prst="rect">
@@ -12322,8 +12581,8 @@
           </p:sp>
         </mc:Fallback>
       </mc:AlternateContent>
-      <mc:AlternateContent xmlns:mc="http://schemas.openxmlformats.org/markup-compatibility/2006" xmlns:a14="http://schemas.microsoft.com/office/drawing/2010/main">
-        <mc:Choice Requires="a14">
+      <mc:AlternateContent xmlns:mc="http://schemas.openxmlformats.org/markup-compatibility/2006">
+        <mc:Choice xmlns:a14="http://schemas.microsoft.com/office/drawing/2010/main" Requires="a14">
           <p:sp>
             <p:nvSpPr>
               <p:cNvPr id="18" name="Textfeld 17">
@@ -12338,7 +12597,7 @@
             </p:nvSpPr>
             <p:spPr>
               <a:xfrm>
-                <a:off x="6401923" y="4291672"/>
+                <a:off x="6854504" y="4384036"/>
                 <a:ext cx="1079463" cy="369332"/>
               </a:xfrm>
               <a:prstGeom prst="rect">
@@ -12411,7 +12670,7 @@
             </p:txBody>
           </p:sp>
         </mc:Choice>
-        <mc:Fallback xmlns="">
+        <mc:Fallback>
           <p:sp>
             <p:nvSpPr>
               <p:cNvPr id="18" name="Textfeld 17">
@@ -12428,7 +12687,7 @@
             </p:nvSpPr>
             <p:spPr>
               <a:xfrm>
-                <a:off x="6401923" y="4291672"/>
+                <a:off x="6854504" y="4384036"/>
                 <a:ext cx="1079463" cy="369332"/>
               </a:xfrm>
               <a:prstGeom prst="rect">
@@ -12472,7 +12731,7 @@
         </p:nvCxnSpPr>
         <p:spPr>
           <a:xfrm>
-            <a:off x="6332246" y="4338302"/>
+            <a:off x="6784827" y="4430666"/>
             <a:ext cx="1222494" cy="9101"/>
           </a:xfrm>
           <a:prstGeom prst="straightConnector1">
@@ -12561,8 +12820,8 @@
           </a:p>
         </p:txBody>
       </p:sp>
-      <mc:AlternateContent xmlns:mc="http://schemas.openxmlformats.org/markup-compatibility/2006" xmlns:a14="http://schemas.microsoft.com/office/drawing/2010/main">
-        <mc:Choice Requires="a14">
+      <mc:AlternateContent xmlns:mc="http://schemas.openxmlformats.org/markup-compatibility/2006">
+        <mc:Choice xmlns:a14="http://schemas.microsoft.com/office/drawing/2010/main" Requires="a14">
           <p:sp>
             <p:nvSpPr>
               <p:cNvPr id="3" name="Inhaltsplatzhalter 2">
@@ -12591,132 +12850,126 @@
               <a:p>
                 <a:r>
                   <a:rPr lang="en-GB" dirty="0"/>
-                  <a:t>Group commodities: </a:t>
+                  <a:t>Group commodities with the same sink </a:t>
                 </a:r>
               </a:p>
               <a:p>
-                <a:pPr lvl="1"/>
+                <a:r>
+                  <a:rPr lang="en-GB" dirty="0"/>
+                  <a:t>Example:</a:t>
+                </a:r>
+              </a:p>
+              <a:p>
+                <a:pPr marL="457200" lvl="1" indent="0">
+                  <a:buNone/>
+                </a:pPr>
                 <a14:m>
-                  <m:oMath xmlns:m="http://schemas.openxmlformats.org/officeDocument/2006/math">
-                    <m:d>
-                      <m:dPr>
-                        <m:begChr m:val="{"/>
-                        <m:endChr m:val="}"/>
-                        <m:ctrlPr>
-                          <a:rPr lang="en-GB" b="0" i="1" dirty="0" smtClean="0">
-                            <a:latin typeface="Cambria Math" panose="02040503050406030204" pitchFamily="18" charset="0"/>
-                          </a:rPr>
-                        </m:ctrlPr>
-                      </m:dPr>
-                      <m:e>
-                        <m:d>
-                          <m:dPr>
-                            <m:ctrlPr>
-                              <a:rPr lang="en-GB" b="0" i="1" dirty="0" smtClean="0">
-                                <a:latin typeface="Cambria Math" panose="02040503050406030204" pitchFamily="18" charset="0"/>
-                              </a:rPr>
-                            </m:ctrlPr>
-                          </m:dPr>
-                          <m:e>
-                            <m:r>
-                              <a:rPr lang="en-GB" b="0" i="1" dirty="0" smtClean="0">
-                                <a:latin typeface="Cambria Math" panose="02040503050406030204" pitchFamily="18" charset="0"/>
-                              </a:rPr>
-                              <m:t>𝑑</m:t>
-                            </m:r>
-                            <m:r>
-                              <a:rPr lang="en-GB" b="0" i="1" dirty="0" smtClean="0">
-                                <a:latin typeface="Cambria Math" panose="02040503050406030204" pitchFamily="18" charset="0"/>
-                              </a:rPr>
-                              <m:t>,</m:t>
-                            </m:r>
-                            <m:r>
-                              <a:rPr lang="en-GB" b="0" i="1" dirty="0" smtClean="0">
-                                <a:latin typeface="Cambria Math" panose="02040503050406030204" pitchFamily="18" charset="0"/>
-                              </a:rPr>
-                              <m:t>𝑐</m:t>
-                            </m:r>
-                          </m:e>
-                        </m:d>
-                        <m:r>
-                          <a:rPr lang="en-GB" b="0" i="1" dirty="0" smtClean="0">
-                            <a:latin typeface="Cambria Math" panose="02040503050406030204" pitchFamily="18" charset="0"/>
-                          </a:rPr>
-                          <m:t>, </m:t>
-                        </m:r>
-                        <m:d>
-                          <m:dPr>
-                            <m:ctrlPr>
-                              <a:rPr lang="en-GB" b="0" i="1" dirty="0" smtClean="0">
-                                <a:latin typeface="Cambria Math" panose="02040503050406030204" pitchFamily="18" charset="0"/>
-                              </a:rPr>
-                            </m:ctrlPr>
-                          </m:dPr>
-                          <m:e>
-                            <m:r>
-                              <a:rPr lang="en-GB" b="0" i="1" dirty="0" smtClean="0">
-                                <a:latin typeface="Cambria Math" panose="02040503050406030204" pitchFamily="18" charset="0"/>
-                              </a:rPr>
-                              <m:t>𝑎</m:t>
-                            </m:r>
-                            <m:r>
-                              <a:rPr lang="en-GB" b="0" i="1" dirty="0" smtClean="0">
-                                <a:latin typeface="Cambria Math" panose="02040503050406030204" pitchFamily="18" charset="0"/>
-                              </a:rPr>
-                              <m:t>,</m:t>
-                            </m:r>
-                            <m:r>
-                              <a:rPr lang="en-GB" b="0" i="1" dirty="0" smtClean="0">
-                                <a:latin typeface="Cambria Math" panose="02040503050406030204" pitchFamily="18" charset="0"/>
-                              </a:rPr>
-                              <m:t>𝑐</m:t>
-                            </m:r>
-                          </m:e>
-                        </m:d>
-                      </m:e>
-                    </m:d>
-                    <m:r>
-                      <a:rPr lang="en-GB" b="0" i="1" dirty="0" smtClean="0">
-                        <a:latin typeface="Cambria Math" panose="02040503050406030204" pitchFamily="18" charset="0"/>
-                      </a:rPr>
-                      <m:t>  →   {</m:t>
-                    </m:r>
-                    <m:d>
-                      <m:dPr>
-                        <m:ctrlPr>
-                          <a:rPr lang="en-GB" b="0" i="1" dirty="0" smtClean="0">
-                            <a:latin typeface="Cambria Math" panose="02040503050406030204" pitchFamily="18" charset="0"/>
-                          </a:rPr>
-                        </m:ctrlPr>
-                      </m:dPr>
-                      <m:e>
-                        <m:r>
-                          <a:rPr lang="en-GB" b="0" i="1" dirty="0" smtClean="0">
-                            <a:latin typeface="Cambria Math" panose="02040503050406030204" pitchFamily="18" charset="0"/>
-                          </a:rPr>
-                          <m:t>𝑒</m:t>
-                        </m:r>
-                        <m:r>
-                          <a:rPr lang="en-GB" b="0" i="1" dirty="0" smtClean="0">
-                            <a:latin typeface="Cambria Math" panose="02040503050406030204" pitchFamily="18" charset="0"/>
-                          </a:rPr>
-                          <m:t>,</m:t>
-                        </m:r>
-                        <m:r>
-                          <a:rPr lang="en-GB" b="0" i="1" dirty="0" smtClean="0">
-                            <a:latin typeface="Cambria Math" panose="02040503050406030204" pitchFamily="18" charset="0"/>
-                          </a:rPr>
-                          <m:t>𝑐</m:t>
-                        </m:r>
-                      </m:e>
-                    </m:d>
-                    <m:r>
-                      <a:rPr lang="en-GB" b="0" i="1" dirty="0" smtClean="0">
-                        <a:latin typeface="Cambria Math" panose="02040503050406030204" pitchFamily="18" charset="0"/>
-                      </a:rPr>
-                      <m:t>}</m:t>
-                    </m:r>
-                  </m:oMath>
+                  <m:oMathPara xmlns:m="http://schemas.openxmlformats.org/officeDocument/2006/math">
+                    <m:oMathParaPr>
+                      <m:jc m:val="centerGroup"/>
+                    </m:oMathParaPr>
+                    <m:oMath xmlns:m="http://schemas.openxmlformats.org/officeDocument/2006/math">
+                      <m:d>
+                        <m:dPr>
+                          <m:ctrlPr>
+                            <a:rPr lang="en-GB" i="1" dirty="0">
+                              <a:latin typeface="Cambria Math" panose="02040503050406030204" pitchFamily="18" charset="0"/>
+                            </a:rPr>
+                          </m:ctrlPr>
+                        </m:dPr>
+                        <m:e>
+                          <m:r>
+                            <a:rPr lang="en-GB" i="1" dirty="0">
+                              <a:latin typeface="Cambria Math" panose="02040503050406030204" pitchFamily="18" charset="0"/>
+                            </a:rPr>
+                            <m:t>𝑑</m:t>
+                          </m:r>
+                          <m:r>
+                            <a:rPr lang="en-GB" i="1" dirty="0">
+                              <a:latin typeface="Cambria Math" panose="02040503050406030204" pitchFamily="18" charset="0"/>
+                            </a:rPr>
+                            <m:t>,</m:t>
+                          </m:r>
+                          <m:r>
+                            <a:rPr lang="en-GB" i="1" dirty="0">
+                              <a:latin typeface="Cambria Math" panose="02040503050406030204" pitchFamily="18" charset="0"/>
+                            </a:rPr>
+                            <m:t>𝑐</m:t>
+                          </m:r>
+                        </m:e>
+                      </m:d>
+                      <m:r>
+                        <a:rPr lang="en-GB" i="1" dirty="0">
+                          <a:latin typeface="Cambria Math" panose="02040503050406030204" pitchFamily="18" charset="0"/>
+                        </a:rPr>
+                        <m:t>, </m:t>
+                      </m:r>
+                      <m:d>
+                        <m:dPr>
+                          <m:ctrlPr>
+                            <a:rPr lang="en-GB" i="1" dirty="0">
+                              <a:latin typeface="Cambria Math" panose="02040503050406030204" pitchFamily="18" charset="0"/>
+                            </a:rPr>
+                          </m:ctrlPr>
+                        </m:dPr>
+                        <m:e>
+                          <m:r>
+                            <a:rPr lang="en-GB" i="1" dirty="0">
+                              <a:latin typeface="Cambria Math" panose="02040503050406030204" pitchFamily="18" charset="0"/>
+                            </a:rPr>
+                            <m:t>𝑎</m:t>
+                          </m:r>
+                          <m:r>
+                            <a:rPr lang="en-GB" i="1" dirty="0">
+                              <a:latin typeface="Cambria Math" panose="02040503050406030204" pitchFamily="18" charset="0"/>
+                            </a:rPr>
+                            <m:t>,</m:t>
+                          </m:r>
+                          <m:r>
+                            <a:rPr lang="en-GB" i="1" dirty="0">
+                              <a:latin typeface="Cambria Math" panose="02040503050406030204" pitchFamily="18" charset="0"/>
+                            </a:rPr>
+                            <m:t>𝑐</m:t>
+                          </m:r>
+                        </m:e>
+                      </m:d>
+                      <m:r>
+                        <a:rPr lang="en-GB" b="0" i="1" dirty="0" smtClean="0">
+                          <a:latin typeface="Cambria Math" panose="02040503050406030204" pitchFamily="18" charset="0"/>
+                        </a:rPr>
+                        <m:t>→   </m:t>
+                      </m:r>
+                      <m:d>
+                        <m:dPr>
+                          <m:ctrlPr>
+                            <a:rPr lang="en-GB" b="0" i="1" dirty="0" smtClean="0">
+                              <a:latin typeface="Cambria Math" panose="02040503050406030204" pitchFamily="18" charset="0"/>
+                            </a:rPr>
+                          </m:ctrlPr>
+                        </m:dPr>
+                        <m:e>
+                          <m:r>
+                            <a:rPr lang="en-GB" b="0" i="1" dirty="0" smtClean="0">
+                              <a:latin typeface="Cambria Math" panose="02040503050406030204" pitchFamily="18" charset="0"/>
+                            </a:rPr>
+                            <m:t>𝑒</m:t>
+                          </m:r>
+                          <m:r>
+                            <a:rPr lang="en-GB" b="0" i="1" dirty="0" smtClean="0">
+                              <a:latin typeface="Cambria Math" panose="02040503050406030204" pitchFamily="18" charset="0"/>
+                            </a:rPr>
+                            <m:t>,</m:t>
+                          </m:r>
+                          <m:r>
+                            <a:rPr lang="en-GB" b="0" i="1" dirty="0" smtClean="0">
+                              <a:latin typeface="Cambria Math" panose="02040503050406030204" pitchFamily="18" charset="0"/>
+                            </a:rPr>
+                            <m:t>𝑐</m:t>
+                          </m:r>
+                        </m:e>
+                      </m:d>
+                    </m:oMath>
+                  </m:oMathPara>
                 </a14:m>
                 <a:endParaRPr lang="de-DE" dirty="0"/>
               </a:p>
@@ -12768,7 +13021,7 @@
             </p:txBody>
           </p:sp>
         </mc:Choice>
-        <mc:Fallback xmlns="">
+        <mc:Fallback>
           <p:sp>
             <p:nvSpPr>
               <p:cNvPr id="3" name="Inhaltsplatzhalter 2">
@@ -12826,7 +13079,7 @@
         </p:nvSpPr>
         <p:spPr>
           <a:xfrm>
-            <a:off x="949037" y="4111859"/>
+            <a:off x="1022928" y="4460724"/>
             <a:ext cx="807868" cy="648069"/>
           </a:xfrm>
           <a:prstGeom prst="rect">
@@ -12876,7 +13129,7 @@
         </p:nvSpPr>
         <p:spPr>
           <a:xfrm>
-            <a:off x="2609059" y="4120410"/>
+            <a:off x="2682950" y="4469275"/>
             <a:ext cx="807868" cy="648069"/>
           </a:xfrm>
           <a:prstGeom prst="rect">
@@ -12926,7 +13179,7 @@
         </p:nvSpPr>
         <p:spPr>
           <a:xfrm>
-            <a:off x="3481997" y="3137077"/>
+            <a:off x="3555888" y="3485942"/>
             <a:ext cx="807868" cy="648069"/>
           </a:xfrm>
           <a:prstGeom prst="rect">
@@ -12979,7 +13232,7 @@
         </p:nvCxnSpPr>
         <p:spPr>
           <a:xfrm flipV="1">
-            <a:off x="1756905" y="4433667"/>
+            <a:off x="1830796" y="4782532"/>
             <a:ext cx="871221" cy="2227"/>
           </a:xfrm>
           <a:prstGeom prst="straightConnector1">
@@ -13018,7 +13271,7 @@
         </p:nvSpPr>
         <p:spPr>
           <a:xfrm>
-            <a:off x="949037" y="3137077"/>
+            <a:off x="1022928" y="3485942"/>
             <a:ext cx="807868" cy="648069"/>
           </a:xfrm>
           <a:prstGeom prst="rect">
@@ -13072,7 +13325,7 @@
         </p:nvCxnSpPr>
         <p:spPr>
           <a:xfrm flipV="1">
-            <a:off x="3416927" y="3785146"/>
+            <a:off x="3490818" y="4134011"/>
             <a:ext cx="469004" cy="659299"/>
           </a:xfrm>
           <a:prstGeom prst="straightConnector1">
@@ -13114,7 +13367,7 @@
         </p:nvCxnSpPr>
         <p:spPr>
           <a:xfrm>
-            <a:off x="1756905" y="3461112"/>
+            <a:off x="1830796" y="3809977"/>
             <a:ext cx="1725092" cy="0"/>
           </a:xfrm>
           <a:prstGeom prst="straightConnector1">
@@ -13153,7 +13406,7 @@
         </p:nvSpPr>
         <p:spPr>
           <a:xfrm>
-            <a:off x="7719875" y="4111859"/>
+            <a:off x="7793766" y="4460724"/>
             <a:ext cx="807868" cy="648069"/>
           </a:xfrm>
           <a:prstGeom prst="rect">
@@ -13203,7 +13456,7 @@
         </p:nvSpPr>
         <p:spPr>
           <a:xfrm>
-            <a:off x="9379897" y="4120410"/>
+            <a:off x="9453788" y="4469275"/>
             <a:ext cx="807868" cy="648069"/>
           </a:xfrm>
           <a:prstGeom prst="rect">
@@ -13253,7 +13506,7 @@
         </p:nvSpPr>
         <p:spPr>
           <a:xfrm>
-            <a:off x="10252835" y="3137077"/>
+            <a:off x="10326726" y="3485942"/>
             <a:ext cx="807868" cy="648069"/>
           </a:xfrm>
           <a:prstGeom prst="rect">
@@ -13306,7 +13559,7 @@
         </p:nvCxnSpPr>
         <p:spPr>
           <a:xfrm flipV="1">
-            <a:off x="8527743" y="4433667"/>
+            <a:off x="8601634" y="4782532"/>
             <a:ext cx="871221" cy="2227"/>
           </a:xfrm>
           <a:prstGeom prst="straightConnector1">
@@ -13345,7 +13598,7 @@
         </p:nvSpPr>
         <p:spPr>
           <a:xfrm>
-            <a:off x="7719875" y="3137077"/>
+            <a:off x="7793766" y="3485942"/>
             <a:ext cx="807868" cy="648069"/>
           </a:xfrm>
           <a:prstGeom prst="rect">
@@ -13399,7 +13652,7 @@
         </p:nvCxnSpPr>
         <p:spPr>
           <a:xfrm flipV="1">
-            <a:off x="10187765" y="3785146"/>
+            <a:off x="10261656" y="4134011"/>
             <a:ext cx="469004" cy="659299"/>
           </a:xfrm>
           <a:prstGeom prst="straightConnector1">
@@ -13441,7 +13694,7 @@
         </p:nvCxnSpPr>
         <p:spPr>
           <a:xfrm>
-            <a:off x="8527743" y="3461112"/>
+            <a:off x="8601634" y="3809977"/>
             <a:ext cx="1725092" cy="0"/>
           </a:xfrm>
           <a:prstGeom prst="straightConnector1">
@@ -13480,7 +13733,7 @@
         </p:nvSpPr>
         <p:spPr>
           <a:xfrm>
-            <a:off x="6182299" y="3617416"/>
+            <a:off x="6256190" y="3966281"/>
             <a:ext cx="807868" cy="648069"/>
           </a:xfrm>
           <a:prstGeom prst="rect">
@@ -13536,7 +13789,7 @@
         </p:nvCxnSpPr>
         <p:spPr>
           <a:xfrm flipV="1">
-            <a:off x="6990167" y="3461112"/>
+            <a:off x="7064058" y="3809977"/>
             <a:ext cx="729708" cy="480339"/>
           </a:xfrm>
           <a:prstGeom prst="straightConnector1">
@@ -13578,7 +13831,7 @@
         </p:nvCxnSpPr>
         <p:spPr>
           <a:xfrm>
-            <a:off x="6990167" y="3941451"/>
+            <a:off x="7064058" y="4290316"/>
             <a:ext cx="729708" cy="494443"/>
           </a:xfrm>
           <a:prstGeom prst="straightConnector1">
@@ -13617,7 +13870,7 @@
         </p:nvSpPr>
         <p:spPr>
           <a:xfrm>
-            <a:off x="2487197" y="3080135"/>
+            <a:off x="2561088" y="3429000"/>
             <a:ext cx="301686" cy="369332"/>
           </a:xfrm>
           <a:prstGeom prst="rect">
@@ -13656,7 +13909,7 @@
         </p:nvSpPr>
         <p:spPr>
           <a:xfrm>
-            <a:off x="2075066" y="4043913"/>
+            <a:off x="2148957" y="4392778"/>
             <a:ext cx="301686" cy="369332"/>
           </a:xfrm>
           <a:prstGeom prst="rect">
@@ -13695,7 +13948,7 @@
         </p:nvSpPr>
         <p:spPr>
           <a:xfrm>
-            <a:off x="3416927" y="3825864"/>
+            <a:off x="3490818" y="4174729"/>
             <a:ext cx="301686" cy="369332"/>
           </a:xfrm>
           <a:prstGeom prst="rect">
@@ -13734,7 +13987,7 @@
         </p:nvSpPr>
         <p:spPr>
           <a:xfrm>
-            <a:off x="9186270" y="3102809"/>
+            <a:off x="9260161" y="3451674"/>
             <a:ext cx="301686" cy="369332"/>
           </a:xfrm>
           <a:prstGeom prst="rect">
@@ -13773,7 +14026,7 @@
         </p:nvSpPr>
         <p:spPr>
           <a:xfrm>
-            <a:off x="8864493" y="4122714"/>
+            <a:off x="8938384" y="4471579"/>
             <a:ext cx="301686" cy="369332"/>
           </a:xfrm>
           <a:prstGeom prst="rect">
@@ -13812,7 +14065,7 @@
         </p:nvSpPr>
         <p:spPr>
           <a:xfrm>
-            <a:off x="10238281" y="3807203"/>
+            <a:off x="10312172" y="4156068"/>
             <a:ext cx="301686" cy="369332"/>
           </a:xfrm>
           <a:prstGeom prst="rect">
@@ -13851,7 +14104,7 @@
         </p:nvSpPr>
         <p:spPr>
           <a:xfrm>
-            <a:off x="7118467" y="3387453"/>
+            <a:off x="7192358" y="3736318"/>
             <a:ext cx="381836" cy="369332"/>
           </a:xfrm>
           <a:prstGeom prst="rect">
@@ -13890,7 +14143,7 @@
         </p:nvSpPr>
         <p:spPr>
           <a:xfrm>
-            <a:off x="7256685" y="3917866"/>
+            <a:off x="7330576" y="4266731"/>
             <a:ext cx="381836" cy="369332"/>
           </a:xfrm>
           <a:prstGeom prst="rect">
@@ -13915,501 +14168,6 @@
           </a:p>
         </p:txBody>
       </p:sp>
-      <mc:AlternateContent xmlns:mc="http://schemas.openxmlformats.org/markup-compatibility/2006" xmlns:a14="http://schemas.microsoft.com/office/drawing/2010/main">
-        <mc:Choice Requires="a14">
-          <p:sp>
-            <p:nvSpPr>
-              <p:cNvPr id="29" name="Textfeld 28">
-                <a:extLst>
-                  <a:ext uri="{FF2B5EF4-FFF2-40B4-BE49-F238E27FC236}">
-                    <a16:creationId xmlns:a16="http://schemas.microsoft.com/office/drawing/2014/main" id="{B8B92B30-B1C5-43A4-AA55-A07E2B753080}"/>
-                  </a:ext>
-                </a:extLst>
-              </p:cNvPr>
-              <p:cNvSpPr txBox="1"/>
-              <p:nvPr/>
-            </p:nvSpPr>
-            <p:spPr>
-              <a:xfrm>
-                <a:off x="9179291" y="3483169"/>
-                <a:ext cx="370038" cy="369332"/>
-              </a:xfrm>
-              <a:prstGeom prst="rect">
-                <a:avLst/>
-              </a:prstGeom>
-              <a:noFill/>
-            </p:spPr>
-            <p:txBody>
-              <a:bodyPr wrap="none" rtlCol="0">
-                <a:spAutoFit/>
-              </a:bodyPr>
-              <a:lstStyle/>
-              <a:p>
-                <a:pPr/>
-                <a14:m>
-                  <m:oMathPara xmlns:m="http://schemas.openxmlformats.org/officeDocument/2006/math">
-                    <m:oMathParaPr>
-                      <m:jc m:val="centerGroup"/>
-                    </m:oMathParaPr>
-                    <m:oMath xmlns:m="http://schemas.openxmlformats.org/officeDocument/2006/math">
-                      <m:r>
-                        <a:rPr lang="de-DE" i="1" dirty="0" smtClean="0">
-                          <a:solidFill>
-                            <a:srgbClr val="92D050"/>
-                          </a:solidFill>
-                          <a:latin typeface="Cambria Math" panose="02040503050406030204" pitchFamily="18" charset="0"/>
-                        </a:rPr>
-                        <m:t>𝛿</m:t>
-                      </m:r>
-                    </m:oMath>
-                  </m:oMathPara>
-                </a14:m>
-                <a:endParaRPr lang="de-DE" dirty="0"/>
-              </a:p>
-            </p:txBody>
-          </p:sp>
-        </mc:Choice>
-        <mc:Fallback xmlns="">
-          <p:sp>
-            <p:nvSpPr>
-              <p:cNvPr id="29" name="Textfeld 28">
-                <a:extLst>
-                  <a:ext uri="{FF2B5EF4-FFF2-40B4-BE49-F238E27FC236}">
-                    <a16:creationId xmlns:a16="http://schemas.microsoft.com/office/drawing/2014/main" id="{B8B92B30-B1C5-43A4-AA55-A07E2B753080}"/>
-                  </a:ext>
-                </a:extLst>
-              </p:cNvPr>
-              <p:cNvSpPr txBox="1">
-                <a:spLocks noRot="1" noChangeAspect="1" noMove="1" noResize="1" noEditPoints="1" noAdjustHandles="1" noChangeArrowheads="1" noChangeShapeType="1" noTextEdit="1"/>
-              </p:cNvSpPr>
-              <p:nvPr/>
-            </p:nvSpPr>
-            <p:spPr>
-              <a:xfrm>
-                <a:off x="9179291" y="3483169"/>
-                <a:ext cx="370038" cy="369332"/>
-              </a:xfrm>
-              <a:prstGeom prst="rect">
-                <a:avLst/>
-              </a:prstGeom>
-              <a:blipFill>
-                <a:blip r:embed="rId3"/>
-                <a:stretch>
-                  <a:fillRect/>
-                </a:stretch>
-              </a:blipFill>
-            </p:spPr>
-            <p:txBody>
-              <a:bodyPr/>
-              <a:lstStyle/>
-              <a:p>
-                <a:r>
-                  <a:rPr lang="de-DE">
-                    <a:noFill/>
-                  </a:rPr>
-                  <a:t> </a:t>
-                </a:r>
-              </a:p>
-            </p:txBody>
-          </p:sp>
-        </mc:Fallback>
-      </mc:AlternateContent>
-      <mc:AlternateContent xmlns:mc="http://schemas.openxmlformats.org/markup-compatibility/2006" xmlns:a14="http://schemas.microsoft.com/office/drawing/2010/main">
-        <mc:Choice Requires="a14">
-          <p:sp>
-            <p:nvSpPr>
-              <p:cNvPr id="30" name="Textfeld 29">
-                <a:extLst>
-                  <a:ext uri="{FF2B5EF4-FFF2-40B4-BE49-F238E27FC236}">
-                    <a16:creationId xmlns:a16="http://schemas.microsoft.com/office/drawing/2014/main" id="{8E6364EA-B5AB-4F72-ACEB-3C21C41DCDF0}"/>
-                  </a:ext>
-                </a:extLst>
-              </p:cNvPr>
-              <p:cNvSpPr txBox="1"/>
-              <p:nvPr/>
-            </p:nvSpPr>
-            <p:spPr>
-              <a:xfrm>
-                <a:off x="8830317" y="4433667"/>
-                <a:ext cx="370038" cy="369332"/>
-              </a:xfrm>
-              <a:prstGeom prst="rect">
-                <a:avLst/>
-              </a:prstGeom>
-              <a:noFill/>
-            </p:spPr>
-            <p:txBody>
-              <a:bodyPr wrap="none" rtlCol="0">
-                <a:spAutoFit/>
-              </a:bodyPr>
-              <a:lstStyle/>
-              <a:p>
-                <a:pPr/>
-                <a14:m>
-                  <m:oMathPara xmlns:m="http://schemas.openxmlformats.org/officeDocument/2006/math">
-                    <m:oMathParaPr>
-                      <m:jc m:val="centerGroup"/>
-                    </m:oMathParaPr>
-                    <m:oMath xmlns:m="http://schemas.openxmlformats.org/officeDocument/2006/math">
-                      <m:r>
-                        <a:rPr lang="de-DE" i="1" dirty="0" smtClean="0">
-                          <a:solidFill>
-                            <a:srgbClr val="92D050"/>
-                          </a:solidFill>
-                          <a:latin typeface="Cambria Math" panose="02040503050406030204" pitchFamily="18" charset="0"/>
-                        </a:rPr>
-                        <m:t>𝛿</m:t>
-                      </m:r>
-                    </m:oMath>
-                  </m:oMathPara>
-                </a14:m>
-                <a:endParaRPr lang="de-DE" dirty="0"/>
-              </a:p>
-            </p:txBody>
-          </p:sp>
-        </mc:Choice>
-        <mc:Fallback xmlns="">
-          <p:sp>
-            <p:nvSpPr>
-              <p:cNvPr id="30" name="Textfeld 29">
-                <a:extLst>
-                  <a:ext uri="{FF2B5EF4-FFF2-40B4-BE49-F238E27FC236}">
-                    <a16:creationId xmlns:a16="http://schemas.microsoft.com/office/drawing/2014/main" id="{8E6364EA-B5AB-4F72-ACEB-3C21C41DCDF0}"/>
-                  </a:ext>
-                </a:extLst>
-              </p:cNvPr>
-              <p:cNvSpPr txBox="1">
-                <a:spLocks noRot="1" noChangeAspect="1" noMove="1" noResize="1" noEditPoints="1" noAdjustHandles="1" noChangeArrowheads="1" noChangeShapeType="1" noTextEdit="1"/>
-              </p:cNvSpPr>
-              <p:nvPr/>
-            </p:nvSpPr>
-            <p:spPr>
-              <a:xfrm>
-                <a:off x="8830317" y="4433667"/>
-                <a:ext cx="370038" cy="369332"/>
-              </a:xfrm>
-              <a:prstGeom prst="rect">
-                <a:avLst/>
-              </a:prstGeom>
-              <a:blipFill>
-                <a:blip r:embed="rId4"/>
-                <a:stretch>
-                  <a:fillRect/>
-                </a:stretch>
-              </a:blipFill>
-            </p:spPr>
-            <p:txBody>
-              <a:bodyPr/>
-              <a:lstStyle/>
-              <a:p>
-                <a:r>
-                  <a:rPr lang="de-DE">
-                    <a:noFill/>
-                  </a:rPr>
-                  <a:t> </a:t>
-                </a:r>
-              </a:p>
-            </p:txBody>
-          </p:sp>
-        </mc:Fallback>
-      </mc:AlternateContent>
-      <mc:AlternateContent xmlns:mc="http://schemas.openxmlformats.org/markup-compatibility/2006" xmlns:a14="http://schemas.microsoft.com/office/drawing/2010/main">
-        <mc:Choice Requires="a14">
-          <p:sp>
-            <p:nvSpPr>
-              <p:cNvPr id="31" name="Textfeld 30">
-                <a:extLst>
-                  <a:ext uri="{FF2B5EF4-FFF2-40B4-BE49-F238E27FC236}">
-                    <a16:creationId xmlns:a16="http://schemas.microsoft.com/office/drawing/2014/main" id="{D92D85A7-026D-4E15-B05D-1CD712F6051F}"/>
-                  </a:ext>
-                </a:extLst>
-              </p:cNvPr>
-              <p:cNvSpPr txBox="1"/>
-              <p:nvPr/>
-            </p:nvSpPr>
-            <p:spPr>
-              <a:xfrm>
-                <a:off x="10317108" y="4175081"/>
-                <a:ext cx="370038" cy="369332"/>
-              </a:xfrm>
-              <a:prstGeom prst="rect">
-                <a:avLst/>
-              </a:prstGeom>
-              <a:noFill/>
-            </p:spPr>
-            <p:txBody>
-              <a:bodyPr wrap="none" rtlCol="0">
-                <a:spAutoFit/>
-              </a:bodyPr>
-              <a:lstStyle/>
-              <a:p>
-                <a:pPr/>
-                <a14:m>
-                  <m:oMathPara xmlns:m="http://schemas.openxmlformats.org/officeDocument/2006/math">
-                    <m:oMathParaPr>
-                      <m:jc m:val="centerGroup"/>
-                    </m:oMathParaPr>
-                    <m:oMath xmlns:m="http://schemas.openxmlformats.org/officeDocument/2006/math">
-                      <m:r>
-                        <a:rPr lang="de-DE" i="1" dirty="0" smtClean="0">
-                          <a:solidFill>
-                            <a:srgbClr val="92D050"/>
-                          </a:solidFill>
-                          <a:latin typeface="Cambria Math" panose="02040503050406030204" pitchFamily="18" charset="0"/>
-                        </a:rPr>
-                        <m:t>𝛿</m:t>
-                      </m:r>
-                    </m:oMath>
-                  </m:oMathPara>
-                </a14:m>
-                <a:endParaRPr lang="de-DE" dirty="0"/>
-              </a:p>
-            </p:txBody>
-          </p:sp>
-        </mc:Choice>
-        <mc:Fallback xmlns="">
-          <p:sp>
-            <p:nvSpPr>
-              <p:cNvPr id="31" name="Textfeld 30">
-                <a:extLst>
-                  <a:ext uri="{FF2B5EF4-FFF2-40B4-BE49-F238E27FC236}">
-                    <a16:creationId xmlns:a16="http://schemas.microsoft.com/office/drawing/2014/main" id="{D92D85A7-026D-4E15-B05D-1CD712F6051F}"/>
-                  </a:ext>
-                </a:extLst>
-              </p:cNvPr>
-              <p:cNvSpPr txBox="1">
-                <a:spLocks noRot="1" noChangeAspect="1" noMove="1" noResize="1" noEditPoints="1" noAdjustHandles="1" noChangeArrowheads="1" noChangeShapeType="1" noTextEdit="1"/>
-              </p:cNvSpPr>
-              <p:nvPr/>
-            </p:nvSpPr>
-            <p:spPr>
-              <a:xfrm>
-                <a:off x="10317108" y="4175081"/>
-                <a:ext cx="370038" cy="369332"/>
-              </a:xfrm>
-              <a:prstGeom prst="rect">
-                <a:avLst/>
-              </a:prstGeom>
-              <a:blipFill>
-                <a:blip r:embed="rId5"/>
-                <a:stretch>
-                  <a:fillRect/>
-                </a:stretch>
-              </a:blipFill>
-            </p:spPr>
-            <p:txBody>
-              <a:bodyPr/>
-              <a:lstStyle/>
-              <a:p>
-                <a:r>
-                  <a:rPr lang="de-DE">
-                    <a:noFill/>
-                  </a:rPr>
-                  <a:t> </a:t>
-                </a:r>
-              </a:p>
-            </p:txBody>
-          </p:sp>
-        </mc:Fallback>
-      </mc:AlternateContent>
-      <mc:AlternateContent xmlns:mc="http://schemas.openxmlformats.org/markup-compatibility/2006" xmlns:a14="http://schemas.microsoft.com/office/drawing/2010/main">
-        <mc:Choice Requires="a14">
-          <p:sp>
-            <p:nvSpPr>
-              <p:cNvPr id="34" name="Textfeld 33">
-                <a:extLst>
-                  <a:ext uri="{FF2B5EF4-FFF2-40B4-BE49-F238E27FC236}">
-                    <a16:creationId xmlns:a16="http://schemas.microsoft.com/office/drawing/2014/main" id="{63544C24-2AC7-4485-AF90-B35F42B1C5D1}"/>
-                  </a:ext>
-                </a:extLst>
-              </p:cNvPr>
-              <p:cNvSpPr txBox="1"/>
-              <p:nvPr/>
-            </p:nvSpPr>
-            <p:spPr>
-              <a:xfrm>
-                <a:off x="7285431" y="3630199"/>
-                <a:ext cx="365805" cy="369332"/>
-              </a:xfrm>
-              <a:prstGeom prst="rect">
-                <a:avLst/>
-              </a:prstGeom>
-              <a:noFill/>
-            </p:spPr>
-            <p:txBody>
-              <a:bodyPr wrap="none" rtlCol="0">
-                <a:spAutoFit/>
-              </a:bodyPr>
-              <a:lstStyle/>
-              <a:p>
-                <a:pPr/>
-                <a14:m>
-                  <m:oMathPara xmlns:m="http://schemas.openxmlformats.org/officeDocument/2006/math">
-                    <m:oMathParaPr>
-                      <m:jc m:val="centerGroup"/>
-                    </m:oMathParaPr>
-                    <m:oMath xmlns:m="http://schemas.openxmlformats.org/officeDocument/2006/math">
-                      <m:r>
-                        <a:rPr lang="en-GB" b="0" i="1" dirty="0" smtClean="0">
-                          <a:solidFill>
-                            <a:srgbClr val="92D050"/>
-                          </a:solidFill>
-                          <a:latin typeface="Cambria Math" panose="02040503050406030204" pitchFamily="18" charset="0"/>
-                        </a:rPr>
-                        <m:t>0</m:t>
-                      </m:r>
-                    </m:oMath>
-                  </m:oMathPara>
-                </a14:m>
-                <a:endParaRPr lang="de-DE" dirty="0"/>
-              </a:p>
-            </p:txBody>
-          </p:sp>
-        </mc:Choice>
-        <mc:Fallback xmlns="">
-          <p:sp>
-            <p:nvSpPr>
-              <p:cNvPr id="34" name="Textfeld 33">
-                <a:extLst>
-                  <a:ext uri="{FF2B5EF4-FFF2-40B4-BE49-F238E27FC236}">
-                    <a16:creationId xmlns:a16="http://schemas.microsoft.com/office/drawing/2014/main" id="{63544C24-2AC7-4485-AF90-B35F42B1C5D1}"/>
-                  </a:ext>
-                </a:extLst>
-              </p:cNvPr>
-              <p:cNvSpPr txBox="1">
-                <a:spLocks noRot="1" noChangeAspect="1" noMove="1" noResize="1" noEditPoints="1" noAdjustHandles="1" noChangeArrowheads="1" noChangeShapeType="1" noTextEdit="1"/>
-              </p:cNvSpPr>
-              <p:nvPr/>
-            </p:nvSpPr>
-            <p:spPr>
-              <a:xfrm>
-                <a:off x="7285431" y="3630199"/>
-                <a:ext cx="365805" cy="369332"/>
-              </a:xfrm>
-              <a:prstGeom prst="rect">
-                <a:avLst/>
-              </a:prstGeom>
-              <a:blipFill>
-                <a:blip r:embed="rId6"/>
-                <a:stretch>
-                  <a:fillRect/>
-                </a:stretch>
-              </a:blipFill>
-            </p:spPr>
-            <p:txBody>
-              <a:bodyPr/>
-              <a:lstStyle/>
-              <a:p>
-                <a:r>
-                  <a:rPr lang="de-DE">
-                    <a:noFill/>
-                  </a:rPr>
-                  <a:t> </a:t>
-                </a:r>
-              </a:p>
-            </p:txBody>
-          </p:sp>
-        </mc:Fallback>
-      </mc:AlternateContent>
-      <mc:AlternateContent xmlns:mc="http://schemas.openxmlformats.org/markup-compatibility/2006" xmlns:a14="http://schemas.microsoft.com/office/drawing/2010/main">
-        <mc:Choice Requires="a14">
-          <p:sp>
-            <p:nvSpPr>
-              <p:cNvPr id="35" name="Textfeld 34">
-                <a:extLst>
-                  <a:ext uri="{FF2B5EF4-FFF2-40B4-BE49-F238E27FC236}">
-                    <a16:creationId xmlns:a16="http://schemas.microsoft.com/office/drawing/2014/main" id="{8C9FCE75-7B6D-4A25-8E51-D939CD6D2A5C}"/>
-                  </a:ext>
-                </a:extLst>
-              </p:cNvPr>
-              <p:cNvSpPr txBox="1"/>
-              <p:nvPr/>
-            </p:nvSpPr>
-            <p:spPr>
-              <a:xfrm>
-                <a:off x="7163726" y="4241901"/>
-                <a:ext cx="365805" cy="369332"/>
-              </a:xfrm>
-              <a:prstGeom prst="rect">
-                <a:avLst/>
-              </a:prstGeom>
-              <a:noFill/>
-            </p:spPr>
-            <p:txBody>
-              <a:bodyPr wrap="none" rtlCol="0">
-                <a:spAutoFit/>
-              </a:bodyPr>
-              <a:lstStyle/>
-              <a:p>
-                <a:pPr/>
-                <a14:m>
-                  <m:oMathPara xmlns:m="http://schemas.openxmlformats.org/officeDocument/2006/math">
-                    <m:oMathParaPr>
-                      <m:jc m:val="centerGroup"/>
-                    </m:oMathParaPr>
-                    <m:oMath xmlns:m="http://schemas.openxmlformats.org/officeDocument/2006/math">
-                      <m:r>
-                        <a:rPr lang="en-GB" b="0" i="1" smtClean="0">
-                          <a:solidFill>
-                            <a:srgbClr val="92D050"/>
-                          </a:solidFill>
-                          <a:latin typeface="Cambria Math" panose="02040503050406030204" pitchFamily="18" charset="0"/>
-                        </a:rPr>
-                        <m:t>0</m:t>
-                      </m:r>
-                    </m:oMath>
-                  </m:oMathPara>
-                </a14:m>
-                <a:endParaRPr lang="de-DE" dirty="0"/>
-              </a:p>
-            </p:txBody>
-          </p:sp>
-        </mc:Choice>
-        <mc:Fallback xmlns="">
-          <p:sp>
-            <p:nvSpPr>
-              <p:cNvPr id="35" name="Textfeld 34">
-                <a:extLst>
-                  <a:ext uri="{FF2B5EF4-FFF2-40B4-BE49-F238E27FC236}">
-                    <a16:creationId xmlns:a16="http://schemas.microsoft.com/office/drawing/2014/main" id="{8C9FCE75-7B6D-4A25-8E51-D939CD6D2A5C}"/>
-                  </a:ext>
-                </a:extLst>
-              </p:cNvPr>
-              <p:cNvSpPr txBox="1">
-                <a:spLocks noRot="1" noChangeAspect="1" noMove="1" noResize="1" noEditPoints="1" noAdjustHandles="1" noChangeArrowheads="1" noChangeShapeType="1" noTextEdit="1"/>
-              </p:cNvSpPr>
-              <p:nvPr/>
-            </p:nvSpPr>
-            <p:spPr>
-              <a:xfrm>
-                <a:off x="7163726" y="4241901"/>
-                <a:ext cx="365805" cy="369332"/>
-              </a:xfrm>
-              <a:prstGeom prst="rect">
-                <a:avLst/>
-              </a:prstGeom>
-              <a:blipFill>
-                <a:blip r:embed="rId7"/>
-                <a:stretch>
-                  <a:fillRect/>
-                </a:stretch>
-              </a:blipFill>
-            </p:spPr>
-            <p:txBody>
-              <a:bodyPr/>
-              <a:lstStyle/>
-              <a:p>
-                <a:r>
-                  <a:rPr lang="de-DE">
-                    <a:noFill/>
-                  </a:rPr>
-                  <a:t> </a:t>
-                </a:r>
-              </a:p>
-            </p:txBody>
-          </p:sp>
-        </mc:Fallback>
-      </mc:AlternateContent>
     </p:spTree>
     <p:extLst>
       <p:ext uri="{BB962C8B-B14F-4D97-AF65-F5344CB8AC3E}">
@@ -14493,12 +14251,8 @@
               <a:lstStyle/>
               <a:p>
                 <a:r>
-                  <a:rPr lang="en-GB" dirty="0" err="1"/>
-                  <a:t>Fleischner</a:t>
-                </a:r>
-                <a:r>
                   <a:rPr lang="en-GB" dirty="0"/>
-                  <a:t>:</a:t>
+                  <a:t>Fleischner:</a:t>
                 </a:r>
               </a:p>
               <a:p>
@@ -14609,28 +14363,41 @@
                       <m:t>log</m:t>
                     </m:r>
                     <m:r>
-                      <a:rPr lang="en-GB">
+                      <a:rPr lang="en-GB" b="0" i="1" smtClean="0">
                         <a:latin typeface="Cambria Math" panose="02040503050406030204" pitchFamily="18" charset="0"/>
                       </a:rPr>
-                      <m:t> </m:t>
+                      <m:t>(</m:t>
+                    </m:r>
+                    <m:d>
+                      <m:dPr>
+                        <m:begChr m:val="|"/>
+                        <m:endChr m:val="|"/>
+                        <m:ctrlPr>
+                          <a:rPr lang="en-GB" i="1">
+                            <a:latin typeface="Cambria Math" panose="02040503050406030204" pitchFamily="18" charset="0"/>
+                          </a:rPr>
+                        </m:ctrlPr>
+                      </m:dPr>
+                      <m:e>
+                        <m:r>
+                          <a:rPr lang="en-GB" i="1">
+                            <a:latin typeface="Cambria Math" panose="02040503050406030204" pitchFamily="18" charset="0"/>
+                          </a:rPr>
+                          <m:t>𝐸</m:t>
+                        </m:r>
+                      </m:e>
+                    </m:d>
+                    <m:r>
+                      <a:rPr lang="en-GB" b="0" i="1" smtClean="0">
+                        <a:latin typeface="Cambria Math" panose="02040503050406030204" pitchFamily="18" charset="0"/>
+                      </a:rPr>
+                      <m:t>)</m:t>
                     </m:r>
                     <m:r>
                       <a:rPr lang="en-GB" i="1">
                         <a:latin typeface="Cambria Math" panose="02040503050406030204" pitchFamily="18" charset="0"/>
                       </a:rPr>
-                      <m:t>|</m:t>
-                    </m:r>
-                    <m:r>
-                      <a:rPr lang="en-GB" i="1">
-                        <a:latin typeface="Cambria Math" panose="02040503050406030204" pitchFamily="18" charset="0"/>
-                      </a:rPr>
-                      <m:t>𝐸</m:t>
-                    </m:r>
-                    <m:r>
-                      <a:rPr lang="en-GB" i="1">
-                        <a:latin typeface="Cambria Math" panose="02040503050406030204" pitchFamily="18" charset="0"/>
-                      </a:rPr>
-                      <m:t>| </m:t>
+                      <m:t> </m:t>
                     </m:r>
                     <m:sSub>
                       <m:sSubPr>
@@ -15313,14 +15080,14 @@
           <a:p>
             <a:r>
               <a:rPr lang="en-GB" dirty="0"/>
-              <a:t>MMCFP vs MFP: Example1</a:t>
+              <a:t>Example1</a:t>
             </a:r>
             <a:endParaRPr lang="de-DE" dirty="0"/>
           </a:p>
         </p:txBody>
       </p:sp>
-      <mc:AlternateContent xmlns:mc="http://schemas.openxmlformats.org/markup-compatibility/2006" xmlns:a14="http://schemas.microsoft.com/office/drawing/2010/main">
-        <mc:Choice Requires="a14">
+      <mc:AlternateContent xmlns:mc="http://schemas.openxmlformats.org/markup-compatibility/2006">
+        <mc:Choice xmlns:a14="http://schemas.microsoft.com/office/drawing/2010/main" Requires="a14">
           <p:sp>
             <p:nvSpPr>
               <p:cNvPr id="3" name="Inhaltsplatzhalter 2">
@@ -15356,12 +15123,6 @@
                 </a:r>
                 <a14:m>
                   <m:oMath xmlns:m="http://schemas.openxmlformats.org/officeDocument/2006/math">
-                    <m:r>
-                      <a:rPr lang="en-GB" b="0" i="0" smtClean="0">
-                        <a:latin typeface="Cambria Math" panose="02040503050406030204" pitchFamily="18" charset="0"/>
-                      </a:rPr>
-                      <m:t>{</m:t>
-                    </m:r>
                     <m:d>
                       <m:dPr>
                         <m:ctrlPr>
@@ -15426,12 +15187,6 @@
                         </m:r>
                       </m:e>
                     </m:d>
-                    <m:r>
-                      <a:rPr lang="en-GB" b="0" i="1" smtClean="0">
-                        <a:latin typeface="Cambria Math" panose="02040503050406030204" pitchFamily="18" charset="0"/>
-                      </a:rPr>
-                      <m:t>}</m:t>
-                    </m:r>
                   </m:oMath>
                 </a14:m>
                 <a:endParaRPr lang="de-DE" dirty="0"/>
@@ -15489,7 +15244,7 @@
             </p:txBody>
           </p:sp>
         </mc:Choice>
-        <mc:Fallback xmlns="">
+        <mc:Fallback>
           <p:sp>
             <p:nvSpPr>
               <p:cNvPr id="3" name="Inhaltsplatzhalter 2">
@@ -16092,8 +15847,8 @@
           </a:p>
         </p:txBody>
       </p:sp>
-      <mc:AlternateContent xmlns:mc="http://schemas.openxmlformats.org/markup-compatibility/2006" xmlns:a14="http://schemas.microsoft.com/office/drawing/2010/main">
-        <mc:Choice Requires="a14">
+      <mc:AlternateContent xmlns:mc="http://schemas.openxmlformats.org/markup-compatibility/2006">
+        <mc:Choice xmlns:a14="http://schemas.microsoft.com/office/drawing/2010/main" Requires="a14">
           <p:sp>
             <p:nvSpPr>
               <p:cNvPr id="3" name="Inhaltsplatzhalter 2">
@@ -16151,10 +15906,10 @@
                           <m:t>,</m:t>
                         </m:r>
                         <m:r>
-                          <a:rPr lang="en-GB" i="1">
+                          <a:rPr lang="en-GB" b="0" i="1" smtClean="0">
                             <a:latin typeface="Cambria Math" panose="02040503050406030204" pitchFamily="18" charset="0"/>
                           </a:rPr>
-                          <m:t>𝑒</m:t>
+                          <m:t>𝑑</m:t>
                         </m:r>
                       </m:e>
                     </m:d>
@@ -16186,10 +15941,10 @@
                           <m:t>,</m:t>
                         </m:r>
                         <m:r>
-                          <a:rPr lang="en-GB" i="1">
+                          <a:rPr lang="en-GB" b="0" i="1" smtClean="0">
                             <a:latin typeface="Cambria Math" panose="02040503050406030204" pitchFamily="18" charset="0"/>
                           </a:rPr>
-                          <m:t>𝑐</m:t>
+                          <m:t>𝑏</m:t>
                         </m:r>
                       </m:e>
                     </m:d>
@@ -16220,7 +15975,7 @@
             </p:txBody>
           </p:sp>
         </mc:Choice>
-        <mc:Fallback xmlns="">
+        <mc:Fallback>
           <p:sp>
             <p:nvSpPr>
               <p:cNvPr id="3" name="Inhaltsplatzhalter 2">
@@ -16308,7 +16063,7 @@
             <a:pPr algn="ctr"/>
             <a:r>
               <a:rPr lang="en-GB" dirty="0"/>
-              <a:t>c</a:t>
+              <a:t>b</a:t>
             </a:r>
             <a:endParaRPr lang="de-DE" dirty="0"/>
           </a:p>
@@ -16408,7 +16163,7 @@
             <a:pPr algn="ctr"/>
             <a:r>
               <a:rPr lang="en-GB" dirty="0"/>
-              <a:t>d</a:t>
+              <a:t>c</a:t>
             </a:r>
             <a:endParaRPr lang="de-DE" dirty="0"/>
           </a:p>
@@ -16587,7 +16342,7 @@
             <a:pPr algn="ctr"/>
             <a:r>
               <a:rPr lang="en-GB" dirty="0"/>
-              <a:t>e</a:t>
+              <a:t>d</a:t>
             </a:r>
             <a:endParaRPr lang="de-DE" dirty="0"/>
           </a:p>
@@ -16711,7 +16466,7 @@
                   <a:srgbClr val="7030A0"/>
                 </a:solidFill>
               </a:rPr>
-              <a:t>2</a:t>
+              <a:t>1</a:t>
             </a:r>
             <a:endParaRPr lang="de-DE" dirty="0">
               <a:solidFill>
@@ -16797,7 +16552,7 @@
                   <a:srgbClr val="7030A0"/>
                 </a:solidFill>
               </a:rPr>
-              <a:t>3</a:t>
+              <a:t>1</a:t>
             </a:r>
             <a:endParaRPr lang="de-DE" dirty="0">
               <a:solidFill>
@@ -16860,7 +16615,7 @@
           <a:p>
             <a:r>
               <a:rPr lang="de-DE" dirty="0"/>
-              <a:t>Polynomial-time </a:t>
+              <a:t>Fully polynomial-time </a:t>
             </a:r>
             <a:r>
               <a:rPr lang="de-DE" dirty="0" err="1"/>
@@ -16881,8 +16636,8 @@
           </a:p>
         </p:txBody>
       </p:sp>
-      <mc:AlternateContent xmlns:mc="http://schemas.openxmlformats.org/markup-compatibility/2006" xmlns:a14="http://schemas.microsoft.com/office/drawing/2010/main">
-        <mc:Choice Requires="a14">
+      <mc:AlternateContent xmlns:mc="http://schemas.openxmlformats.org/markup-compatibility/2006">
+        <mc:Choice xmlns:a14="http://schemas.microsoft.com/office/drawing/2010/main" Requires="a14">
           <p:sp>
             <p:nvSpPr>
               <p:cNvPr id="3" name="Inhaltsplatzhalter 2">
@@ -16949,7 +16704,7 @@
                 <a:pPr lvl="2"/>
                 <a:r>
                   <a:rPr lang="en-GB" dirty="0"/>
-                  <a:t>Solution not worse than </a:t>
+                  <a:t>Solution not smaller than </a:t>
                 </a:r>
                 <a14:m>
                   <m:oMath xmlns:m="http://schemas.openxmlformats.org/officeDocument/2006/math">
@@ -16993,7 +16748,7 @@
                 <a:pPr lvl="2"/>
                 <a:r>
                   <a:rPr lang="en-GB" dirty="0"/>
-                  <a:t>Polynomial in size of problem instance (not in </a:t>
+                  <a:t>Polynomial in size of problem instance and </a:t>
                 </a:r>
                 <a14:m>
                   <m:oMath xmlns:m="http://schemas.openxmlformats.org/officeDocument/2006/math">
@@ -17024,15 +16779,12 @@
                     </m:sSup>
                   </m:oMath>
                 </a14:m>
-                <a:r>
-                  <a:rPr lang="en-GB" dirty="0"/>
-                  <a:t>)</a:t>
-                </a:r>
+                <a:endParaRPr lang="en-GB" dirty="0"/>
               </a:p>
             </p:txBody>
           </p:sp>
         </mc:Choice>
-        <mc:Fallback xmlns="">
+        <mc:Fallback>
           <p:sp>
             <p:nvSpPr>
               <p:cNvPr id="3" name="Inhaltsplatzhalter 2">
@@ -17164,7 +16916,7 @@
           <a:p>
             <a:r>
               <a:rPr lang="de-DE" dirty="0"/>
-              <a:t>Polynomial-time </a:t>
+              <a:t>Fully polynomial-time </a:t>
             </a:r>
             <a:r>
               <a:rPr lang="de-DE" dirty="0" err="1"/>
@@ -17345,7 +17097,7 @@
             <p:spPr/>
             <p:txBody>
               <a:bodyPr>
-                <a:normAutofit lnSpcReduction="10000"/>
+                <a:normAutofit fontScale="92500"/>
               </a:bodyPr>
               <a:lstStyle/>
               <a:p>
@@ -17736,6 +17488,30 @@
                       </a:rPr>
                       <m:t>𝑥</m:t>
                     </m:r>
+                    <m:r>
+                      <a:rPr lang="en-GB" b="0" i="1" smtClean="0">
+                        <a:latin typeface="Cambria Math" panose="02040503050406030204" pitchFamily="18" charset="0"/>
+                      </a:rPr>
+                      <m:t>:</m:t>
+                    </m:r>
+                    <m:r>
+                      <a:rPr lang="en-GB" i="1" dirty="0" smtClean="0">
+                        <a:latin typeface="Cambria Math" panose="02040503050406030204" pitchFamily="18" charset="0"/>
+                      </a:rPr>
+                      <m:t>𝑃</m:t>
+                    </m:r>
+                    <m:r>
+                      <a:rPr lang="en-GB" i="1" dirty="0" smtClean="0">
+                        <a:latin typeface="Cambria Math" panose="02040503050406030204" pitchFamily="18" charset="0"/>
+                      </a:rPr>
+                      <m:t>→</m:t>
+                    </m:r>
+                    <m:r>
+                      <a:rPr lang="en-GB" i="1" dirty="0" smtClean="0">
+                        <a:latin typeface="Cambria Math" panose="02040503050406030204" pitchFamily="18" charset="0"/>
+                      </a:rPr>
+                      <m:t>ℝ</m:t>
+                    </m:r>
                   </m:oMath>
                 </a14:m>
                 <a:r>
@@ -17770,6 +17546,30 @@
                         <a:latin typeface="Cambria Math" panose="02040503050406030204" pitchFamily="18" charset="0"/>
                       </a:rPr>
                       <m:t>𝑙</m:t>
+                    </m:r>
+                    <m:r>
+                      <a:rPr lang="en-GB" b="0" i="1" smtClean="0">
+                        <a:latin typeface="Cambria Math" panose="02040503050406030204" pitchFamily="18" charset="0"/>
+                      </a:rPr>
+                      <m:t>:</m:t>
+                    </m:r>
+                    <m:r>
+                      <a:rPr lang="en-GB" b="0" i="1" smtClean="0">
+                        <a:latin typeface="Cambria Math" panose="02040503050406030204" pitchFamily="18" charset="0"/>
+                      </a:rPr>
+                      <m:t>𝐸</m:t>
+                    </m:r>
+                    <m:r>
+                      <a:rPr lang="en-GB" b="0" i="1" smtClean="0">
+                        <a:latin typeface="Cambria Math" panose="02040503050406030204" pitchFamily="18" charset="0"/>
+                      </a:rPr>
+                      <m:t>→</m:t>
+                    </m:r>
+                    <m:r>
+                      <a:rPr lang="en-GB" i="1" dirty="0">
+                        <a:latin typeface="Cambria Math" panose="02040503050406030204" pitchFamily="18" charset="0"/>
+                      </a:rPr>
+                      <m:t>ℝ</m:t>
                     </m:r>
                   </m:oMath>
                 </a14:m>
@@ -17935,7 +17735,7 @@
               <a:blipFill>
                 <a:blip r:embed="rId2"/>
                 <a:stretch>
-                  <a:fillRect l="-1043"/>
+                  <a:fillRect l="-928"/>
                 </a:stretch>
               </a:blipFill>
             </p:spPr>
@@ -18744,20 +18544,22 @@
       </p:sp>
       <p:pic>
         <p:nvPicPr>
-          <p:cNvPr id="20" name="Grafik 19">
+          <p:cNvPr id="4" name="Inhaltsplatzhalter 3">
             <a:extLst>
               <a:ext uri="{FF2B5EF4-FFF2-40B4-BE49-F238E27FC236}">
-                <a16:creationId xmlns:a16="http://schemas.microsoft.com/office/drawing/2014/main" id="{34D46A1A-483D-4AFF-ABA8-6A8C6ADDAB83}"/>
+                <a16:creationId xmlns:a16="http://schemas.microsoft.com/office/drawing/2014/main" id="{DD26E3F5-B915-48F5-A9BC-F80810E07F8C}"/>
               </a:ext>
             </a:extLst>
           </p:cNvPr>
           <p:cNvPicPr>
-            <a:picLocks noChangeAspect="1"/>
+            <a:picLocks noGrp="1" noChangeAspect="1"/>
           </p:cNvPicPr>
-          <p:nvPr/>
+          <p:nvPr>
+            <p:ph idx="1"/>
+          </p:nvPr>
         </p:nvPicPr>
         <p:blipFill>
-          <a:blip r:embed="rId2">
+          <a:blip r:embed="rId3">
             <a:extLst>
               <a:ext uri="{28A0092B-C50C-407E-A947-70E740481C1C}">
                 <a14:useLocalDpi xmlns:a14="http://schemas.microsoft.com/office/drawing/2010/main" val="0"/>
@@ -18770,39 +18572,11 @@
         </p:blipFill>
         <p:spPr>
           <a:xfrm>
-            <a:off x="2674144" y="1825625"/>
-            <a:ext cx="6843712" cy="4119712"/>
+            <a:off x="2467386" y="1690688"/>
+            <a:ext cx="6750083" cy="4148096"/>
           </a:xfrm>
-          <a:prstGeom prst="rect">
-            <a:avLst/>
-          </a:prstGeom>
         </p:spPr>
       </p:pic>
-      <p:sp>
-        <p:nvSpPr>
-          <p:cNvPr id="22" name="Inhaltsplatzhalter 21">
-            <a:extLst>
-              <a:ext uri="{FF2B5EF4-FFF2-40B4-BE49-F238E27FC236}">
-                <a16:creationId xmlns:a16="http://schemas.microsoft.com/office/drawing/2014/main" id="{4CABCC70-C604-42B5-B559-65F2BF0394F9}"/>
-              </a:ext>
-            </a:extLst>
-          </p:cNvPr>
-          <p:cNvSpPr>
-            <a:spLocks noGrp="1"/>
-          </p:cNvSpPr>
-          <p:nvPr>
-            <p:ph idx="1"/>
-          </p:nvPr>
-        </p:nvSpPr>
-        <p:spPr/>
-        <p:txBody>
-          <a:bodyPr/>
-          <a:lstStyle/>
-          <a:p>
-            <a:endParaRPr lang="de-DE" dirty="0"/>
-          </a:p>
-        </p:txBody>
-      </p:sp>
     </p:spTree>
     <p:extLst>
       <p:ext uri="{BB962C8B-B14F-4D97-AF65-F5344CB8AC3E}">

--- a/MMCFP.pptx
+++ b/MMCFP.pptx
@@ -5,7 +5,7 @@
     <p:sldMasterId id="2147483648" r:id="rId1"/>
   </p:sldMasterIdLst>
   <p:notesMasterIdLst>
-    <p:notesMasterId r:id="rId21"/>
+    <p:notesMasterId r:id="rId22"/>
   </p:notesMasterIdLst>
   <p:sldIdLst>
     <p:sldId id="271" r:id="rId2"/>
@@ -27,6 +27,7 @@
     <p:sldId id="282" r:id="rId18"/>
     <p:sldId id="284" r:id="rId19"/>
     <p:sldId id="288" r:id="rId20"/>
+    <p:sldId id="289" r:id="rId21"/>
   </p:sldIdLst>
   <p:sldSz cx="12192000" cy="6858000"/>
   <p:notesSz cx="6858000" cy="9144000"/>
@@ -234,7 +235,7 @@
           <a:p>
             <a:fld id="{44C6BE4A-E73F-4173-8748-7CBB4FC541AD}" type="datetimeFigureOut">
               <a:rPr lang="de-DE" smtClean="0"/>
-              <a:t>12.05.2019</a:t>
+              <a:t>13.05.2019</a:t>
             </a:fld>
             <a:endParaRPr lang="de-DE"/>
           </a:p>
@@ -1124,7 +1125,7 @@
           <a:p>
             <a:fld id="{09C583F3-FD4A-47F5-92E3-ECEBCA750802}" type="datetimeFigureOut">
               <a:rPr lang="de-DE" smtClean="0"/>
-              <a:t>12.05.2019</a:t>
+              <a:t>13.05.2019</a:t>
             </a:fld>
             <a:endParaRPr lang="de-DE"/>
           </a:p>
@@ -1322,7 +1323,7 @@
           <a:p>
             <a:fld id="{09C583F3-FD4A-47F5-92E3-ECEBCA750802}" type="datetimeFigureOut">
               <a:rPr lang="de-DE" smtClean="0"/>
-              <a:t>12.05.2019</a:t>
+              <a:t>13.05.2019</a:t>
             </a:fld>
             <a:endParaRPr lang="de-DE"/>
           </a:p>
@@ -1530,7 +1531,7 @@
           <a:p>
             <a:fld id="{09C583F3-FD4A-47F5-92E3-ECEBCA750802}" type="datetimeFigureOut">
               <a:rPr lang="de-DE" smtClean="0"/>
-              <a:t>12.05.2019</a:t>
+              <a:t>13.05.2019</a:t>
             </a:fld>
             <a:endParaRPr lang="de-DE"/>
           </a:p>
@@ -1728,7 +1729,7 @@
           <a:p>
             <a:fld id="{09C583F3-FD4A-47F5-92E3-ECEBCA750802}" type="datetimeFigureOut">
               <a:rPr lang="de-DE" smtClean="0"/>
-              <a:t>12.05.2019</a:t>
+              <a:t>13.05.2019</a:t>
             </a:fld>
             <a:endParaRPr lang="de-DE"/>
           </a:p>
@@ -2003,7 +2004,7 @@
           <a:p>
             <a:fld id="{09C583F3-FD4A-47F5-92E3-ECEBCA750802}" type="datetimeFigureOut">
               <a:rPr lang="de-DE" smtClean="0"/>
-              <a:t>12.05.2019</a:t>
+              <a:t>13.05.2019</a:t>
             </a:fld>
             <a:endParaRPr lang="de-DE"/>
           </a:p>
@@ -2268,7 +2269,7 @@
           <a:p>
             <a:fld id="{09C583F3-FD4A-47F5-92E3-ECEBCA750802}" type="datetimeFigureOut">
               <a:rPr lang="de-DE" smtClean="0"/>
-              <a:t>12.05.2019</a:t>
+              <a:t>13.05.2019</a:t>
             </a:fld>
             <a:endParaRPr lang="de-DE"/>
           </a:p>
@@ -2680,7 +2681,7 @@
           <a:p>
             <a:fld id="{09C583F3-FD4A-47F5-92E3-ECEBCA750802}" type="datetimeFigureOut">
               <a:rPr lang="de-DE" smtClean="0"/>
-              <a:t>12.05.2019</a:t>
+              <a:t>13.05.2019</a:t>
             </a:fld>
             <a:endParaRPr lang="de-DE"/>
           </a:p>
@@ -2821,7 +2822,7 @@
           <a:p>
             <a:fld id="{09C583F3-FD4A-47F5-92E3-ECEBCA750802}" type="datetimeFigureOut">
               <a:rPr lang="de-DE" smtClean="0"/>
-              <a:t>12.05.2019</a:t>
+              <a:t>13.05.2019</a:t>
             </a:fld>
             <a:endParaRPr lang="de-DE"/>
           </a:p>
@@ -2934,7 +2935,7 @@
           <a:p>
             <a:fld id="{09C583F3-FD4A-47F5-92E3-ECEBCA750802}" type="datetimeFigureOut">
               <a:rPr lang="de-DE" smtClean="0"/>
-              <a:t>12.05.2019</a:t>
+              <a:t>13.05.2019</a:t>
             </a:fld>
             <a:endParaRPr lang="de-DE"/>
           </a:p>
@@ -3245,7 +3246,7 @@
           <a:p>
             <a:fld id="{09C583F3-FD4A-47F5-92E3-ECEBCA750802}" type="datetimeFigureOut">
               <a:rPr lang="de-DE" smtClean="0"/>
-              <a:t>12.05.2019</a:t>
+              <a:t>13.05.2019</a:t>
             </a:fld>
             <a:endParaRPr lang="de-DE"/>
           </a:p>
@@ -3533,7 +3534,7 @@
           <a:p>
             <a:fld id="{09C583F3-FD4A-47F5-92E3-ECEBCA750802}" type="datetimeFigureOut">
               <a:rPr lang="de-DE" smtClean="0"/>
-              <a:t>12.05.2019</a:t>
+              <a:t>13.05.2019</a:t>
             </a:fld>
             <a:endParaRPr lang="de-DE"/>
           </a:p>
@@ -3774,7 +3775,7 @@
           <a:p>
             <a:fld id="{09C583F3-FD4A-47F5-92E3-ECEBCA750802}" type="datetimeFigureOut">
               <a:rPr lang="de-DE" smtClean="0"/>
-              <a:t>12.05.2019</a:t>
+              <a:t>13.05.2019</a:t>
             </a:fld>
             <a:endParaRPr lang="de-DE"/>
           </a:p>
@@ -9420,8 +9421,8 @@
           </a:p>
         </p:txBody>
       </p:sp>
-      <mc:AlternateContent xmlns:mc="http://schemas.openxmlformats.org/markup-compatibility/2006">
-        <mc:Choice xmlns:a14="http://schemas.microsoft.com/office/drawing/2010/main" Requires="a14">
+      <mc:AlternateContent xmlns:mc="http://schemas.openxmlformats.org/markup-compatibility/2006" xmlns:a14="http://schemas.microsoft.com/office/drawing/2010/main">
+        <mc:Choice Requires="a14">
           <p:sp>
             <p:nvSpPr>
               <p:cNvPr id="3" name="Inhaltsplatzhalter 2">
@@ -9993,7 +9994,7 @@
             </p:txBody>
           </p:sp>
         </mc:Choice>
-        <mc:Fallback>
+        <mc:Fallback xmlns="">
           <p:sp>
             <p:nvSpPr>
               <p:cNvPr id="3" name="Inhaltsplatzhalter 2">
@@ -10118,12 +10119,8 @@
               <a:lstStyle/>
               <a:p>
                 <a:r>
-                  <a:rPr lang="de-DE" dirty="0" err="1"/>
-                  <a:t>Feasibility</a:t>
-                </a:r>
-                <a:r>
                   <a:rPr lang="de-DE" dirty="0"/>
-                  <a:t> :</a:t>
+                  <a:t>Feasibility :</a:t>
                 </a:r>
               </a:p>
               <a:p>
@@ -10443,6 +10440,41 @@
                         <a:latin typeface="Cambria Math" panose="02040503050406030204" pitchFamily="18" charset="0"/>
                       </a:rPr>
                       <m:t>⇒</m:t>
+                    </m:r>
+                    <m:r>
+                      <a:rPr lang="en-GB" b="0" i="1" smtClean="0">
+                        <a:latin typeface="Cambria Math" panose="02040503050406030204" pitchFamily="18" charset="0"/>
+                        <a:ea typeface="Cambria Math" panose="02040503050406030204" pitchFamily="18" charset="0"/>
+                      </a:rPr>
+                      <m:t>∀</m:t>
+                    </m:r>
+                    <m:r>
+                      <a:rPr lang="en-GB" b="0" i="1" smtClean="0">
+                        <a:latin typeface="Cambria Math" panose="02040503050406030204" pitchFamily="18" charset="0"/>
+                        <a:ea typeface="Cambria Math" panose="02040503050406030204" pitchFamily="18" charset="0"/>
+                      </a:rPr>
+                      <m:t>𝑒</m:t>
+                    </m:r>
+                    <m:r>
+                      <a:rPr lang="en-GB" b="0" i="1" smtClean="0">
+                        <a:latin typeface="Cambria Math" panose="02040503050406030204" pitchFamily="18" charset="0"/>
+                        <a:ea typeface="Cambria Math" panose="02040503050406030204" pitchFamily="18" charset="0"/>
+                      </a:rPr>
+                      <m:t>∈</m:t>
+                    </m:r>
+                    <m:r>
+                      <a:rPr lang="en-GB" b="0" i="1" smtClean="0">
+                        <a:latin typeface="Cambria Math" panose="02040503050406030204" pitchFamily="18" charset="0"/>
+                        <a:ea typeface="Cambria Math" panose="02040503050406030204" pitchFamily="18" charset="0"/>
+                      </a:rPr>
+                      <m:t>𝐸</m:t>
+                    </m:r>
+                    <m:r>
+                      <a:rPr lang="en-GB" b="0" i="1" smtClean="0">
+                        <a:latin typeface="Cambria Math" panose="02040503050406030204" pitchFamily="18" charset="0"/>
+                        <a:ea typeface="Cambria Math" panose="02040503050406030204" pitchFamily="18" charset="0"/>
+                      </a:rPr>
+                      <m:t>:</m:t>
                     </m:r>
                     <m:nary>
                       <m:naryPr>
@@ -11151,7 +11183,7 @@
                       <a:rPr lang="en-GB" i="1" dirty="0" smtClean="0">
                         <a:latin typeface="Cambria Math" panose="02040503050406030204" pitchFamily="18" charset="0"/>
                       </a:rPr>
-                      <m:t>⇔</m:t>
+                      <m:t>⇒</m:t>
                     </m:r>
                     <m:r>
                       <a:rPr lang="en-GB" b="0" i="1" dirty="0" smtClean="0">
@@ -12029,7 +12061,28 @@
                     </m:r>
                   </m:oMath>
                 </a14:m>
-                <a:endParaRPr lang="en-GB" dirty="0"/>
+                <a:r>
+                  <a:rPr lang="en-GB" dirty="0"/>
+                  <a:t>                                                                            (First Iteration)</a:t>
+                </a:r>
+              </a:p>
+              <a:p>
+                <a:pPr marL="457200" lvl="1" indent="0">
+                  <a:buNone/>
+                </a:pPr>
+                <a:r>
+                  <a:rPr lang="en-GB" dirty="0"/>
+                  <a:t>				</a:t>
+                </a:r>
+              </a:p>
+              <a:p>
+                <a:pPr marL="457200" lvl="1" indent="0">
+                  <a:buNone/>
+                </a:pPr>
+                <a:r>
+                  <a:rPr lang="en-GB" dirty="0"/>
+                  <a:t>									(Rescaled)</a:t>
+                </a:r>
               </a:p>
             </p:txBody>
           </p:sp>
@@ -12134,8 +12187,8 @@
           </a:p>
         </p:txBody>
       </p:sp>
-      <mc:AlternateContent xmlns:mc="http://schemas.openxmlformats.org/markup-compatibility/2006">
-        <mc:Choice xmlns:a14="http://schemas.microsoft.com/office/drawing/2010/main" Requires="a14">
+      <mc:AlternateContent xmlns:mc="http://schemas.openxmlformats.org/markup-compatibility/2006" xmlns:a14="http://schemas.microsoft.com/office/drawing/2010/main">
+        <mc:Choice Requires="a14">
           <p:sp>
             <p:nvSpPr>
               <p:cNvPr id="9" name="Textfeld 8">
@@ -12210,7 +12263,7 @@
             </p:txBody>
           </p:sp>
         </mc:Choice>
-        <mc:Fallback>
+        <mc:Fallback xmlns="">
           <p:sp>
             <p:nvSpPr>
               <p:cNvPr id="9" name="Textfeld 8">
@@ -12447,8 +12500,8 @@
           </a:fontRef>
         </p:style>
       </p:cxnSp>
-      <mc:AlternateContent xmlns:mc="http://schemas.openxmlformats.org/markup-compatibility/2006">
-        <mc:Choice xmlns:a14="http://schemas.microsoft.com/office/drawing/2010/main" Requires="a14">
+      <mc:AlternateContent xmlns:mc="http://schemas.openxmlformats.org/markup-compatibility/2006" xmlns:a14="http://schemas.microsoft.com/office/drawing/2010/main">
+        <mc:Choice Requires="a14">
           <p:sp>
             <p:nvSpPr>
               <p:cNvPr id="17" name="Textfeld 16">
@@ -12536,7 +12589,7 @@
             </p:txBody>
           </p:sp>
         </mc:Choice>
-        <mc:Fallback>
+        <mc:Fallback xmlns="">
           <p:sp>
             <p:nvSpPr>
               <p:cNvPr id="17" name="Textfeld 16">
@@ -12581,8 +12634,8 @@
           </p:sp>
         </mc:Fallback>
       </mc:AlternateContent>
-      <mc:AlternateContent xmlns:mc="http://schemas.openxmlformats.org/markup-compatibility/2006">
-        <mc:Choice xmlns:a14="http://schemas.microsoft.com/office/drawing/2010/main" Requires="a14">
+      <mc:AlternateContent xmlns:mc="http://schemas.openxmlformats.org/markup-compatibility/2006" xmlns:a14="http://schemas.microsoft.com/office/drawing/2010/main">
+        <mc:Choice Requires="a14">
           <p:sp>
             <p:nvSpPr>
               <p:cNvPr id="18" name="Textfeld 17">
@@ -12670,7 +12723,7 @@
             </p:txBody>
           </p:sp>
         </mc:Choice>
-        <mc:Fallback>
+        <mc:Fallback xmlns="">
           <p:sp>
             <p:nvSpPr>
               <p:cNvPr id="18" name="Textfeld 17">
@@ -12756,6 +12809,674 @@
           </a:fontRef>
         </p:style>
       </p:cxnSp>
+      <p:sp>
+        <p:nvSpPr>
+          <p:cNvPr id="19" name="Textfeld 18">
+            <a:extLst>
+              <a:ext uri="{FF2B5EF4-FFF2-40B4-BE49-F238E27FC236}">
+                <a16:creationId xmlns:a16="http://schemas.microsoft.com/office/drawing/2014/main" id="{A0ADCE4E-C1EE-473C-8286-824B072E7403}"/>
+              </a:ext>
+            </a:extLst>
+          </p:cNvPr>
+          <p:cNvSpPr txBox="1"/>
+          <p:nvPr/>
+        </p:nvSpPr>
+        <p:spPr>
+          <a:xfrm>
+            <a:off x="5168879" y="5097995"/>
+            <a:ext cx="508473" cy="369332"/>
+          </a:xfrm>
+          <a:prstGeom prst="rect">
+            <a:avLst/>
+          </a:prstGeom>
+          <a:noFill/>
+        </p:spPr>
+        <p:txBody>
+          <a:bodyPr wrap="none" rtlCol="0">
+            <a:spAutoFit/>
+          </a:bodyPr>
+          <a:lstStyle/>
+          <a:p>
+            <a:r>
+              <a:rPr lang="en-GB" dirty="0">
+                <a:solidFill>
+                  <a:srgbClr val="FF0000"/>
+                </a:solidFill>
+              </a:rPr>
+              <a:t>2</a:t>
+            </a:r>
+            <a:r>
+              <a:rPr lang="en-GB" dirty="0"/>
+              <a:t>/</a:t>
+            </a:r>
+            <a:r>
+              <a:rPr lang="en-GB" dirty="0">
+                <a:solidFill>
+                  <a:srgbClr val="7030A0"/>
+                </a:solidFill>
+              </a:rPr>
+              <a:t>2</a:t>
+            </a:r>
+            <a:endParaRPr lang="de-DE" dirty="0">
+              <a:solidFill>
+                <a:srgbClr val="7030A0"/>
+              </a:solidFill>
+            </a:endParaRPr>
+          </a:p>
+        </p:txBody>
+      </p:sp>
+      <mc:AlternateContent xmlns:mc="http://schemas.openxmlformats.org/markup-compatibility/2006">
+        <mc:Choice xmlns:a14="http://schemas.microsoft.com/office/drawing/2010/main" Requires="a14">
+          <p:sp>
+            <p:nvSpPr>
+              <p:cNvPr id="21" name="Textfeld 20">
+                <a:extLst>
+                  <a:ext uri="{FF2B5EF4-FFF2-40B4-BE49-F238E27FC236}">
+                    <a16:creationId xmlns:a16="http://schemas.microsoft.com/office/drawing/2014/main" id="{B680E353-D787-4367-81FF-0401BE8D4CB4}"/>
+                  </a:ext>
+                </a:extLst>
+              </p:cNvPr>
+              <p:cNvSpPr txBox="1"/>
+              <p:nvPr/>
+            </p:nvSpPr>
+            <p:spPr>
+              <a:xfrm>
+                <a:off x="7138395" y="5096456"/>
+                <a:ext cx="607859" cy="369332"/>
+              </a:xfrm>
+              <a:prstGeom prst="rect">
+                <a:avLst/>
+              </a:prstGeom>
+              <a:noFill/>
+            </p:spPr>
+            <p:txBody>
+              <a:bodyPr wrap="none" rtlCol="0">
+                <a:spAutoFit/>
+              </a:bodyPr>
+              <a:lstStyle/>
+              <a:p>
+                <a:pPr/>
+                <a14:m>
+                  <m:oMathPara xmlns:m="http://schemas.openxmlformats.org/officeDocument/2006/math">
+                    <m:oMathParaPr>
+                      <m:jc m:val="centerGroup"/>
+                    </m:oMathParaPr>
+                    <m:oMath xmlns:m="http://schemas.openxmlformats.org/officeDocument/2006/math">
+                      <m:r>
+                        <a:rPr lang="en-GB" b="0" i="1" dirty="0" smtClean="0">
+                          <a:solidFill>
+                            <a:srgbClr val="FF0000"/>
+                          </a:solidFill>
+                          <a:latin typeface="Cambria Math" panose="02040503050406030204" pitchFamily="18" charset="0"/>
+                        </a:rPr>
+                        <m:t>2</m:t>
+                      </m:r>
+                      <m:r>
+                        <a:rPr lang="en-GB" b="0" i="1" dirty="0" smtClean="0">
+                          <a:solidFill>
+                            <a:schemeClr val="tx1"/>
+                          </a:solidFill>
+                          <a:latin typeface="Cambria Math" panose="02040503050406030204" pitchFamily="18" charset="0"/>
+                        </a:rPr>
+                        <m:t>/</m:t>
+                      </m:r>
+                      <m:r>
+                        <a:rPr lang="en-GB" b="0" i="1" dirty="0" smtClean="0">
+                          <a:solidFill>
+                            <a:srgbClr val="7030A0"/>
+                          </a:solidFill>
+                          <a:latin typeface="Cambria Math" panose="02040503050406030204" pitchFamily="18" charset="0"/>
+                        </a:rPr>
+                        <m:t>2</m:t>
+                      </m:r>
+                    </m:oMath>
+                  </m:oMathPara>
+                </a14:m>
+                <a:endParaRPr lang="de-DE" dirty="0">
+                  <a:solidFill>
+                    <a:srgbClr val="FF0000"/>
+                  </a:solidFill>
+                </a:endParaRPr>
+              </a:p>
+            </p:txBody>
+          </p:sp>
+        </mc:Choice>
+        <mc:Fallback>
+          <p:sp>
+            <p:nvSpPr>
+              <p:cNvPr id="21" name="Textfeld 20">
+                <a:extLst>
+                  <a:ext uri="{FF2B5EF4-FFF2-40B4-BE49-F238E27FC236}">
+                    <a16:creationId xmlns:a16="http://schemas.microsoft.com/office/drawing/2014/main" id="{B680E353-D787-4367-81FF-0401BE8D4CB4}"/>
+                  </a:ext>
+                </a:extLst>
+              </p:cNvPr>
+              <p:cNvSpPr txBox="1">
+                <a:spLocks noRot="1" noChangeAspect="1" noMove="1" noResize="1" noEditPoints="1" noAdjustHandles="1" noChangeArrowheads="1" noChangeShapeType="1" noTextEdit="1"/>
+              </p:cNvSpPr>
+              <p:nvPr/>
+            </p:nvSpPr>
+            <p:spPr>
+              <a:xfrm>
+                <a:off x="7138395" y="5096456"/>
+                <a:ext cx="607859" cy="369332"/>
+              </a:xfrm>
+              <a:prstGeom prst="rect">
+                <a:avLst/>
+              </a:prstGeom>
+              <a:blipFill>
+                <a:blip r:embed="rId6"/>
+                <a:stretch>
+                  <a:fillRect b="-13115"/>
+                </a:stretch>
+              </a:blipFill>
+            </p:spPr>
+            <p:txBody>
+              <a:bodyPr/>
+              <a:lstStyle/>
+              <a:p>
+                <a:r>
+                  <a:rPr lang="de-DE">
+                    <a:noFill/>
+                  </a:rPr>
+                  <a:t> </a:t>
+                </a:r>
+              </a:p>
+            </p:txBody>
+          </p:sp>
+        </mc:Fallback>
+      </mc:AlternateContent>
+      <p:sp>
+        <p:nvSpPr>
+          <p:cNvPr id="22" name="Rechteck 21">
+            <a:extLst>
+              <a:ext uri="{FF2B5EF4-FFF2-40B4-BE49-F238E27FC236}">
+                <a16:creationId xmlns:a16="http://schemas.microsoft.com/office/drawing/2014/main" id="{019E7EEA-555A-4978-A25C-DD40BF8FCD9B}"/>
+              </a:ext>
+            </a:extLst>
+          </p:cNvPr>
+          <p:cNvSpPr/>
+          <p:nvPr/>
+        </p:nvSpPr>
+        <p:spPr>
+          <a:xfrm>
+            <a:off x="3984568" y="5093998"/>
+            <a:ext cx="807868" cy="648069"/>
+          </a:xfrm>
+          <a:prstGeom prst="rect">
+            <a:avLst/>
+          </a:prstGeom>
+        </p:spPr>
+        <p:style>
+          <a:lnRef idx="2">
+            <a:schemeClr val="accent1">
+              <a:shade val="50000"/>
+            </a:schemeClr>
+          </a:lnRef>
+          <a:fillRef idx="1">
+            <a:schemeClr val="accent1"/>
+          </a:fillRef>
+          <a:effectRef idx="0">
+            <a:schemeClr val="accent1"/>
+          </a:effectRef>
+          <a:fontRef idx="minor">
+            <a:schemeClr val="lt1"/>
+          </a:fontRef>
+        </p:style>
+        <p:txBody>
+          <a:bodyPr rtlCol="0" anchor="ctr"/>
+          <a:lstStyle/>
+          <a:p>
+            <a:pPr algn="ctr"/>
+            <a:r>
+              <a:rPr lang="en-GB" dirty="0"/>
+              <a:t>a</a:t>
+            </a:r>
+            <a:endParaRPr lang="de-DE" dirty="0"/>
+          </a:p>
+        </p:txBody>
+      </p:sp>
+      <p:sp>
+        <p:nvSpPr>
+          <p:cNvPr id="23" name="Rechteck 22">
+            <a:extLst>
+              <a:ext uri="{FF2B5EF4-FFF2-40B4-BE49-F238E27FC236}">
+                <a16:creationId xmlns:a16="http://schemas.microsoft.com/office/drawing/2014/main" id="{205CCC81-B127-4A6E-9A9A-5B72ED8C61CA}"/>
+              </a:ext>
+            </a:extLst>
+          </p:cNvPr>
+          <p:cNvSpPr/>
+          <p:nvPr/>
+        </p:nvSpPr>
+        <p:spPr>
+          <a:xfrm>
+            <a:off x="5976959" y="5093993"/>
+            <a:ext cx="807868" cy="648069"/>
+          </a:xfrm>
+          <a:prstGeom prst="rect">
+            <a:avLst/>
+          </a:prstGeom>
+        </p:spPr>
+        <p:style>
+          <a:lnRef idx="2">
+            <a:schemeClr val="accent1">
+              <a:shade val="50000"/>
+            </a:schemeClr>
+          </a:lnRef>
+          <a:fillRef idx="1">
+            <a:schemeClr val="accent1"/>
+          </a:fillRef>
+          <a:effectRef idx="0">
+            <a:schemeClr val="accent1"/>
+          </a:effectRef>
+          <a:fontRef idx="minor">
+            <a:schemeClr val="lt1"/>
+          </a:fontRef>
+        </p:style>
+        <p:txBody>
+          <a:bodyPr rtlCol="0" anchor="ctr"/>
+          <a:lstStyle/>
+          <a:p>
+            <a:pPr algn="ctr"/>
+            <a:r>
+              <a:rPr lang="en-GB" dirty="0"/>
+              <a:t>b</a:t>
+            </a:r>
+            <a:endParaRPr lang="de-DE" dirty="0"/>
+          </a:p>
+        </p:txBody>
+      </p:sp>
+      <p:sp>
+        <p:nvSpPr>
+          <p:cNvPr id="24" name="Rechteck 23">
+            <a:extLst>
+              <a:ext uri="{FF2B5EF4-FFF2-40B4-BE49-F238E27FC236}">
+                <a16:creationId xmlns:a16="http://schemas.microsoft.com/office/drawing/2014/main" id="{5F228193-AC49-4464-BBE5-DD50828993B0}"/>
+              </a:ext>
+            </a:extLst>
+          </p:cNvPr>
+          <p:cNvSpPr/>
+          <p:nvPr/>
+        </p:nvSpPr>
+        <p:spPr>
+          <a:xfrm>
+            <a:off x="8016208" y="5082670"/>
+            <a:ext cx="807868" cy="648069"/>
+          </a:xfrm>
+          <a:prstGeom prst="rect">
+            <a:avLst/>
+          </a:prstGeom>
+        </p:spPr>
+        <p:style>
+          <a:lnRef idx="2">
+            <a:schemeClr val="accent1">
+              <a:shade val="50000"/>
+            </a:schemeClr>
+          </a:lnRef>
+          <a:fillRef idx="1">
+            <a:schemeClr val="accent1"/>
+          </a:fillRef>
+          <a:effectRef idx="0">
+            <a:schemeClr val="accent1"/>
+          </a:effectRef>
+          <a:fontRef idx="minor">
+            <a:schemeClr val="lt1"/>
+          </a:fontRef>
+        </p:style>
+        <p:txBody>
+          <a:bodyPr rtlCol="0" anchor="ctr"/>
+          <a:lstStyle/>
+          <a:p>
+            <a:pPr algn="ctr"/>
+            <a:r>
+              <a:rPr lang="en-GB" dirty="0"/>
+              <a:t>c</a:t>
+            </a:r>
+            <a:endParaRPr lang="de-DE" dirty="0"/>
+          </a:p>
+        </p:txBody>
+      </p:sp>
+      <p:cxnSp>
+        <p:nvCxnSpPr>
+          <p:cNvPr id="25" name="Gerade Verbindung mit Pfeil 24">
+            <a:extLst>
+              <a:ext uri="{FF2B5EF4-FFF2-40B4-BE49-F238E27FC236}">
+                <a16:creationId xmlns:a16="http://schemas.microsoft.com/office/drawing/2014/main" id="{3E21D391-2517-4D3A-9B5C-F8566989E2E6}"/>
+              </a:ext>
+            </a:extLst>
+          </p:cNvPr>
+          <p:cNvCxnSpPr>
+            <a:cxnSpLocks/>
+            <a:stCxn id="22" idx="3"/>
+          </p:cNvCxnSpPr>
+          <p:nvPr/>
+        </p:nvCxnSpPr>
+        <p:spPr>
+          <a:xfrm>
+            <a:off x="4792436" y="5418033"/>
+            <a:ext cx="1191693" cy="0"/>
+          </a:xfrm>
+          <a:prstGeom prst="straightConnector1">
+            <a:avLst/>
+          </a:prstGeom>
+          <a:ln>
+            <a:tailEnd type="triangle"/>
+          </a:ln>
+        </p:spPr>
+        <p:style>
+          <a:lnRef idx="1">
+            <a:schemeClr val="accent1"/>
+          </a:lnRef>
+          <a:fillRef idx="0">
+            <a:schemeClr val="accent1"/>
+          </a:fillRef>
+          <a:effectRef idx="0">
+            <a:schemeClr val="accent1"/>
+          </a:effectRef>
+          <a:fontRef idx="minor">
+            <a:schemeClr val="tx1"/>
+          </a:fontRef>
+        </p:style>
+      </p:cxnSp>
+      <mc:AlternateContent xmlns:mc="http://schemas.openxmlformats.org/markup-compatibility/2006">
+        <mc:Choice xmlns:a14="http://schemas.microsoft.com/office/drawing/2010/main" Requires="a14">
+          <p:sp>
+            <p:nvSpPr>
+              <p:cNvPr id="26" name="Textfeld 25">
+                <a:extLst>
+                  <a:ext uri="{FF2B5EF4-FFF2-40B4-BE49-F238E27FC236}">
+                    <a16:creationId xmlns:a16="http://schemas.microsoft.com/office/drawing/2014/main" id="{25F7C754-08AB-4093-B2DF-0B0B45475D0D}"/>
+                  </a:ext>
+                </a:extLst>
+              </p:cNvPr>
+              <p:cNvSpPr txBox="1"/>
+              <p:nvPr/>
+            </p:nvSpPr>
+            <p:spPr>
+              <a:xfrm>
+                <a:off x="5112274" y="5398417"/>
+                <a:ext cx="584199" cy="452496"/>
+              </a:xfrm>
+              <a:prstGeom prst="rect">
+                <a:avLst/>
+              </a:prstGeom>
+              <a:noFill/>
+            </p:spPr>
+            <p:txBody>
+              <a:bodyPr wrap="none" rtlCol="0">
+                <a:spAutoFit/>
+              </a:bodyPr>
+              <a:lstStyle/>
+              <a:p>
+                <a:pPr/>
+                <a14:m>
+                  <m:oMathPara xmlns:m="http://schemas.openxmlformats.org/officeDocument/2006/math">
+                    <m:oMathParaPr>
+                      <m:jc m:val="centerGroup"/>
+                    </m:oMathParaPr>
+                    <m:oMath xmlns:m="http://schemas.openxmlformats.org/officeDocument/2006/math">
+                      <m:f>
+                        <m:fPr>
+                          <m:type m:val="skw"/>
+                          <m:ctrlPr>
+                            <a:rPr lang="de-DE" i="1">
+                              <a:solidFill>
+                                <a:srgbClr val="92D050"/>
+                              </a:solidFill>
+                              <a:latin typeface="Cambria Math" panose="02040503050406030204" pitchFamily="18" charset="0"/>
+                            </a:rPr>
+                          </m:ctrlPr>
+                        </m:fPr>
+                        <m:num>
+                          <m:r>
+                            <a:rPr lang="en-GB" i="1">
+                              <a:solidFill>
+                                <a:srgbClr val="92D050"/>
+                              </a:solidFill>
+                              <a:latin typeface="Cambria Math" panose="02040503050406030204" pitchFamily="18" charset="0"/>
+                            </a:rPr>
+                            <m:t>1</m:t>
+                          </m:r>
+                        </m:num>
+                        <m:den>
+                          <m:r>
+                            <a:rPr lang="en-GB" i="1">
+                              <a:solidFill>
+                                <a:srgbClr val="92D050"/>
+                              </a:solidFill>
+                              <a:latin typeface="Cambria Math" panose="02040503050406030204" pitchFamily="18" charset="0"/>
+                            </a:rPr>
+                            <m:t>2</m:t>
+                          </m:r>
+                        </m:den>
+                      </m:f>
+                    </m:oMath>
+                  </m:oMathPara>
+                </a14:m>
+                <a:endParaRPr lang="de-DE" dirty="0">
+                  <a:solidFill>
+                    <a:srgbClr val="92D050"/>
+                  </a:solidFill>
+                </a:endParaRPr>
+              </a:p>
+            </p:txBody>
+          </p:sp>
+        </mc:Choice>
+        <mc:Fallback>
+          <p:sp>
+            <p:nvSpPr>
+              <p:cNvPr id="26" name="Textfeld 25">
+                <a:extLst>
+                  <a:ext uri="{FF2B5EF4-FFF2-40B4-BE49-F238E27FC236}">
+                    <a16:creationId xmlns:a16="http://schemas.microsoft.com/office/drawing/2014/main" id="{25F7C754-08AB-4093-B2DF-0B0B45475D0D}"/>
+                  </a:ext>
+                </a:extLst>
+              </p:cNvPr>
+              <p:cNvSpPr txBox="1">
+                <a:spLocks noRot="1" noChangeAspect="1" noMove="1" noResize="1" noEditPoints="1" noAdjustHandles="1" noChangeArrowheads="1" noChangeShapeType="1" noTextEdit="1"/>
+              </p:cNvSpPr>
+              <p:nvPr/>
+            </p:nvSpPr>
+            <p:spPr>
+              <a:xfrm>
+                <a:off x="5112274" y="5398417"/>
+                <a:ext cx="584199" cy="452496"/>
+              </a:xfrm>
+              <a:prstGeom prst="rect">
+                <a:avLst/>
+              </a:prstGeom>
+              <a:blipFill>
+                <a:blip r:embed="rId7"/>
+                <a:stretch>
+                  <a:fillRect l="-51579" t="-120270" r="-100000" b="-187838"/>
+                </a:stretch>
+              </a:blipFill>
+            </p:spPr>
+            <p:txBody>
+              <a:bodyPr/>
+              <a:lstStyle/>
+              <a:p>
+                <a:r>
+                  <a:rPr lang="de-DE">
+                    <a:noFill/>
+                  </a:rPr>
+                  <a:t> </a:t>
+                </a:r>
+              </a:p>
+            </p:txBody>
+          </p:sp>
+        </mc:Fallback>
+      </mc:AlternateContent>
+      <p:cxnSp>
+        <p:nvCxnSpPr>
+          <p:cNvPr id="28" name="Gerade Verbindung mit Pfeil 27">
+            <a:extLst>
+              <a:ext uri="{FF2B5EF4-FFF2-40B4-BE49-F238E27FC236}">
+                <a16:creationId xmlns:a16="http://schemas.microsoft.com/office/drawing/2014/main" id="{A3D3E521-4278-4691-AAB6-1E18C857D872}"/>
+              </a:ext>
+            </a:extLst>
+          </p:cNvPr>
+          <p:cNvCxnSpPr>
+            <a:cxnSpLocks/>
+          </p:cNvCxnSpPr>
+          <p:nvPr/>
+        </p:nvCxnSpPr>
+        <p:spPr>
+          <a:xfrm>
+            <a:off x="6784827" y="5406705"/>
+            <a:ext cx="1222494" cy="9101"/>
+          </a:xfrm>
+          <a:prstGeom prst="straightConnector1">
+            <a:avLst/>
+          </a:prstGeom>
+          <a:ln>
+            <a:tailEnd type="triangle"/>
+          </a:ln>
+        </p:spPr>
+        <p:style>
+          <a:lnRef idx="1">
+            <a:schemeClr val="accent1"/>
+          </a:lnRef>
+          <a:fillRef idx="0">
+            <a:schemeClr val="accent1"/>
+          </a:fillRef>
+          <a:effectRef idx="0">
+            <a:schemeClr val="accent1"/>
+          </a:effectRef>
+          <a:fontRef idx="minor">
+            <a:schemeClr val="tx1"/>
+          </a:fontRef>
+        </p:style>
+      </p:cxnSp>
+      <mc:AlternateContent xmlns:mc="http://schemas.openxmlformats.org/markup-compatibility/2006">
+        <mc:Choice xmlns:a14="http://schemas.microsoft.com/office/drawing/2010/main" Requires="a14">
+          <p:sp>
+            <p:nvSpPr>
+              <p:cNvPr id="38" name="Textfeld 37">
+                <a:extLst>
+                  <a:ext uri="{FF2B5EF4-FFF2-40B4-BE49-F238E27FC236}">
+                    <a16:creationId xmlns:a16="http://schemas.microsoft.com/office/drawing/2014/main" id="{5B3D7CFC-84FF-49D5-9D82-096F920860E0}"/>
+                  </a:ext>
+                </a:extLst>
+              </p:cNvPr>
+              <p:cNvSpPr txBox="1"/>
+              <p:nvPr/>
+            </p:nvSpPr>
+            <p:spPr>
+              <a:xfrm>
+                <a:off x="7166498" y="5398417"/>
+                <a:ext cx="584199" cy="452496"/>
+              </a:xfrm>
+              <a:prstGeom prst="rect">
+                <a:avLst/>
+              </a:prstGeom>
+              <a:noFill/>
+            </p:spPr>
+            <p:txBody>
+              <a:bodyPr wrap="none" rtlCol="0">
+                <a:spAutoFit/>
+              </a:bodyPr>
+              <a:lstStyle/>
+              <a:p>
+                <a:pPr/>
+                <a14:m>
+                  <m:oMathPara xmlns:m="http://schemas.openxmlformats.org/officeDocument/2006/math">
+                    <m:oMathParaPr>
+                      <m:jc m:val="centerGroup"/>
+                    </m:oMathParaPr>
+                    <m:oMath xmlns:m="http://schemas.openxmlformats.org/officeDocument/2006/math">
+                      <m:f>
+                        <m:fPr>
+                          <m:type m:val="skw"/>
+                          <m:ctrlPr>
+                            <a:rPr lang="de-DE" i="1">
+                              <a:solidFill>
+                                <a:srgbClr val="92D050"/>
+                              </a:solidFill>
+                              <a:latin typeface="Cambria Math" panose="02040503050406030204" pitchFamily="18" charset="0"/>
+                            </a:rPr>
+                          </m:ctrlPr>
+                        </m:fPr>
+                        <m:num>
+                          <m:r>
+                            <a:rPr lang="en-GB" i="1">
+                              <a:solidFill>
+                                <a:srgbClr val="92D050"/>
+                              </a:solidFill>
+                              <a:latin typeface="Cambria Math" panose="02040503050406030204" pitchFamily="18" charset="0"/>
+                            </a:rPr>
+                            <m:t>1</m:t>
+                          </m:r>
+                        </m:num>
+                        <m:den>
+                          <m:r>
+                            <a:rPr lang="en-GB" i="1">
+                              <a:solidFill>
+                                <a:srgbClr val="92D050"/>
+                              </a:solidFill>
+                              <a:latin typeface="Cambria Math" panose="02040503050406030204" pitchFamily="18" charset="0"/>
+                            </a:rPr>
+                            <m:t>2</m:t>
+                          </m:r>
+                        </m:den>
+                      </m:f>
+                    </m:oMath>
+                  </m:oMathPara>
+                </a14:m>
+                <a:endParaRPr lang="de-DE" dirty="0">
+                  <a:solidFill>
+                    <a:srgbClr val="92D050"/>
+                  </a:solidFill>
+                </a:endParaRPr>
+              </a:p>
+            </p:txBody>
+          </p:sp>
+        </mc:Choice>
+        <mc:Fallback>
+          <p:sp>
+            <p:nvSpPr>
+              <p:cNvPr id="38" name="Textfeld 37">
+                <a:extLst>
+                  <a:ext uri="{FF2B5EF4-FFF2-40B4-BE49-F238E27FC236}">
+                    <a16:creationId xmlns:a16="http://schemas.microsoft.com/office/drawing/2014/main" id="{5B3D7CFC-84FF-49D5-9D82-096F920860E0}"/>
+                  </a:ext>
+                </a:extLst>
+              </p:cNvPr>
+              <p:cNvSpPr txBox="1">
+                <a:spLocks noRot="1" noChangeAspect="1" noMove="1" noResize="1" noEditPoints="1" noAdjustHandles="1" noChangeArrowheads="1" noChangeShapeType="1" noTextEdit="1"/>
+              </p:cNvSpPr>
+              <p:nvPr/>
+            </p:nvSpPr>
+            <p:spPr>
+              <a:xfrm>
+                <a:off x="7166498" y="5398417"/>
+                <a:ext cx="584199" cy="452496"/>
+              </a:xfrm>
+              <a:prstGeom prst="rect">
+                <a:avLst/>
+              </a:prstGeom>
+              <a:blipFill>
+                <a:blip r:embed="rId8"/>
+                <a:stretch>
+                  <a:fillRect l="-51579" t="-120270" r="-100000" b="-187838"/>
+                </a:stretch>
+              </a:blipFill>
+            </p:spPr>
+            <p:txBody>
+              <a:bodyPr/>
+              <a:lstStyle/>
+              <a:p>
+                <a:r>
+                  <a:rPr lang="de-DE">
+                    <a:noFill/>
+                  </a:rPr>
+                  <a:t> </a:t>
+                </a:r>
+              </a:p>
+            </p:txBody>
+          </p:sp>
+        </mc:Fallback>
+      </mc:AlternateContent>
     </p:spTree>
     <p:extLst>
       <p:ext uri="{BB962C8B-B14F-4D97-AF65-F5344CB8AC3E}">
@@ -12933,6 +13654,12 @@
                           </m:r>
                         </m:e>
                       </m:d>
+                      <m:r>
+                        <a:rPr lang="en-GB" b="0" i="1" dirty="0" smtClean="0">
+                          <a:latin typeface="Cambria Math" panose="02040503050406030204" pitchFamily="18" charset="0"/>
+                        </a:rPr>
+                        <m:t>  </m:t>
+                      </m:r>
                       <m:r>
                         <a:rPr lang="en-GB" b="0" i="1" dirty="0" smtClean="0">
                           <a:latin typeface="Cambria Math" panose="02040503050406030204" pitchFamily="18" charset="0"/>
@@ -14259,7 +14986,7 @@
                 <a:pPr lvl="1"/>
                 <a:r>
                   <a:rPr lang="en-GB" dirty="0"/>
-                  <a:t>Iterate through commodities</a:t>
+                  <a:t>Stick to one commodity for several iterations</a:t>
                 </a:r>
               </a:p>
               <a:p>
@@ -15040,6 +15767,86 @@
 </p:sld>
 </file>
 
+<file path=ppt/slides/slide20.xml><?xml version="1.0" encoding="utf-8"?>
+<p:sld xmlns:a="http://schemas.openxmlformats.org/drawingml/2006/main" xmlns:r="http://schemas.openxmlformats.org/officeDocument/2006/relationships" xmlns:p="http://schemas.openxmlformats.org/presentationml/2006/main">
+  <p:cSld>
+    <p:spTree>
+      <p:nvGrpSpPr>
+        <p:cNvPr id="1" name=""/>
+        <p:cNvGrpSpPr/>
+        <p:nvPr/>
+      </p:nvGrpSpPr>
+      <p:grpSpPr>
+        <a:xfrm>
+          <a:off x="0" y="0"/>
+          <a:ext cx="0" cy="0"/>
+          <a:chOff x="0" y="0"/>
+          <a:chExt cx="0" cy="0"/>
+        </a:xfrm>
+      </p:grpSpPr>
+      <p:sp>
+        <p:nvSpPr>
+          <p:cNvPr id="2" name="Titel 1">
+            <a:extLst>
+              <a:ext uri="{FF2B5EF4-FFF2-40B4-BE49-F238E27FC236}">
+                <a16:creationId xmlns:a16="http://schemas.microsoft.com/office/drawing/2014/main" id="{0E75868C-5795-4EE0-943B-EF65444FF247}"/>
+              </a:ext>
+            </a:extLst>
+          </p:cNvPr>
+          <p:cNvSpPr>
+            <a:spLocks noGrp="1"/>
+          </p:cNvSpPr>
+          <p:nvPr>
+            <p:ph type="title"/>
+          </p:nvPr>
+        </p:nvSpPr>
+        <p:spPr/>
+        <p:txBody>
+          <a:bodyPr/>
+          <a:lstStyle/>
+          <a:p>
+            <a:endParaRPr lang="de-DE"/>
+          </a:p>
+        </p:txBody>
+      </p:sp>
+      <p:sp>
+        <p:nvSpPr>
+          <p:cNvPr id="3" name="Inhaltsplatzhalter 2">
+            <a:extLst>
+              <a:ext uri="{FF2B5EF4-FFF2-40B4-BE49-F238E27FC236}">
+                <a16:creationId xmlns:a16="http://schemas.microsoft.com/office/drawing/2014/main" id="{75050A92-A978-411A-873C-C4BFE5A44879}"/>
+              </a:ext>
+            </a:extLst>
+          </p:cNvPr>
+          <p:cNvSpPr>
+            <a:spLocks noGrp="1"/>
+          </p:cNvSpPr>
+          <p:nvPr>
+            <p:ph idx="1"/>
+          </p:nvPr>
+        </p:nvSpPr>
+        <p:spPr/>
+        <p:txBody>
+          <a:bodyPr/>
+          <a:lstStyle/>
+          <a:p>
+            <a:endParaRPr lang="de-DE"/>
+          </a:p>
+        </p:txBody>
+      </p:sp>
+    </p:spTree>
+    <p:extLst>
+      <p:ext uri="{BB962C8B-B14F-4D97-AF65-F5344CB8AC3E}">
+        <p14:creationId xmlns:p14="http://schemas.microsoft.com/office/powerpoint/2010/main" val="2076523143"/>
+      </p:ext>
+    </p:extLst>
+  </p:cSld>
+  <p:clrMapOvr>
+    <a:masterClrMapping/>
+  </p:clrMapOvr>
+</p:sld>
+</file>
+
 <file path=ppt/slides/slide3.xml><?xml version="1.0" encoding="utf-8"?>
 <p:sld xmlns:a="http://schemas.openxmlformats.org/drawingml/2006/main" xmlns:r="http://schemas.openxmlformats.org/officeDocument/2006/relationships" xmlns:p="http://schemas.openxmlformats.org/presentationml/2006/main">
   <p:cSld>
@@ -15086,8 +15893,8 @@
           </a:p>
         </p:txBody>
       </p:sp>
-      <mc:AlternateContent xmlns:mc="http://schemas.openxmlformats.org/markup-compatibility/2006">
-        <mc:Choice xmlns:a14="http://schemas.microsoft.com/office/drawing/2010/main" Requires="a14">
+      <mc:AlternateContent xmlns:mc="http://schemas.openxmlformats.org/markup-compatibility/2006" xmlns:a14="http://schemas.microsoft.com/office/drawing/2010/main">
+        <mc:Choice Requires="a14">
           <p:sp>
             <p:nvSpPr>
               <p:cNvPr id="3" name="Inhaltsplatzhalter 2">
@@ -15244,7 +16051,7 @@
             </p:txBody>
           </p:sp>
         </mc:Choice>
-        <mc:Fallback>
+        <mc:Fallback xmlns="">
           <p:sp>
             <p:nvSpPr>
               <p:cNvPr id="3" name="Inhaltsplatzhalter 2">
@@ -15841,7 +16648,7 @@
           <a:p>
             <a:r>
               <a:rPr lang="en-GB" dirty="0"/>
-              <a:t>MMCFP vs MFP: Example2</a:t>
+              <a:t>Example2</a:t>
             </a:r>
             <a:endParaRPr lang="de-DE" dirty="0"/>
           </a:p>
@@ -16636,8 +17443,8 @@
           </a:p>
         </p:txBody>
       </p:sp>
-      <mc:AlternateContent xmlns:mc="http://schemas.openxmlformats.org/markup-compatibility/2006">
-        <mc:Choice xmlns:a14="http://schemas.microsoft.com/office/drawing/2010/main" Requires="a14">
+      <mc:AlternateContent xmlns:mc="http://schemas.openxmlformats.org/markup-compatibility/2006" xmlns:a14="http://schemas.microsoft.com/office/drawing/2010/main">
+        <mc:Choice Requires="a14">
           <p:sp>
             <p:nvSpPr>
               <p:cNvPr id="3" name="Inhaltsplatzhalter 2">
@@ -16784,7 +17591,7 @@
             </p:txBody>
           </p:sp>
         </mc:Choice>
-        <mc:Fallback>
+        <mc:Fallback xmlns="">
           <p:sp>
             <p:nvSpPr>
               <p:cNvPr id="3" name="Inhaltsplatzhalter 2">
